--- a/Prezentare/OceanExploration.pptx
+++ b/Prezentare/OceanExploration.pptx
@@ -5,17 +5,19 @@
     <p:sldMasterId id="2147483744" r:id="rId4"/>
   </p:sldMasterIdLst>
   <p:notesMasterIdLst>
-    <p:notesMasterId r:id="rId10"/>
+    <p:notesMasterId r:id="rId12"/>
   </p:notesMasterIdLst>
   <p:handoutMasterIdLst>
-    <p:handoutMasterId r:id="rId11"/>
+    <p:handoutMasterId r:id="rId13"/>
   </p:handoutMasterIdLst>
   <p:sldIdLst>
     <p:sldId id="256" r:id="rId5"/>
-    <p:sldId id="258" r:id="rId6"/>
-    <p:sldId id="260" r:id="rId7"/>
-    <p:sldId id="264" r:id="rId8"/>
-    <p:sldId id="274" r:id="rId9"/>
+    <p:sldId id="276" r:id="rId6"/>
+    <p:sldId id="258" r:id="rId7"/>
+    <p:sldId id="260" r:id="rId8"/>
+    <p:sldId id="275" r:id="rId9"/>
+    <p:sldId id="264" r:id="rId10"/>
+    <p:sldId id="274" r:id="rId11"/>
   </p:sldIdLst>
   <p:sldSz cx="12192000" cy="6858000"/>
   <p:notesSz cx="6858000" cy="9144000"/>
@@ -134,7757 +136,6 @@
     </p:ext>
   </p:extLst>
 </p:presentation>
-</file>
-
-<file path=ppt/charts/chart1.xml><?xml version="1.0" encoding="utf-8"?>
-<c:chartSpace xmlns:c="http://schemas.openxmlformats.org/drawingml/2006/chart" xmlns:a="http://schemas.openxmlformats.org/drawingml/2006/main" xmlns:r="http://schemas.openxmlformats.org/officeDocument/2006/relationships" xmlns:c16r2="http://schemas.microsoft.com/office/drawing/2015/06/chart">
-  <c:date1904 val="0"/>
-  <c:lang val="en-US"/>
-  <c:roundedCorners val="0"/>
-  <mc:AlternateContent xmlns:mc="http://schemas.openxmlformats.org/markup-compatibility/2006">
-    <mc:Choice xmlns:c14="http://schemas.microsoft.com/office/drawing/2007/8/2/chart" Requires="c14">
-      <c14:style val="103"/>
-    </mc:Choice>
-    <mc:Fallback>
-      <c:style val="3"/>
-    </mc:Fallback>
-  </mc:AlternateContent>
-  <c:chart>
-    <c:autoTitleDeleted val="1"/>
-    <c:plotArea>
-      <c:layout/>
-      <c:ofPieChart>
-        <c:ofPieType val="pie"/>
-        <c:varyColors val="1"/>
-        <c:ser>
-          <c:idx val="0"/>
-          <c:order val="0"/>
-          <c:tx>
-            <c:strRef>
-              <c:f>Sheet1!$B$1</c:f>
-              <c:strCache>
-                <c:ptCount val="1"/>
-                <c:pt idx="0">
-                  <c:v>Uses of Virtual Reality</c:v>
-                </c:pt>
-              </c:strCache>
-            </c:strRef>
-          </c:tx>
-          <c:spPr>
-            <a:ln w="635">
-              <a:solidFill>
-                <a:schemeClr val="tx1">
-                  <a:alpha val="50000"/>
-                </a:schemeClr>
-              </a:solidFill>
-            </a:ln>
-          </c:spPr>
-          <c:dPt>
-            <c:idx val="0"/>
-            <c:bubble3D val="0"/>
-            <c:spPr>
-              <a:solidFill>
-                <a:schemeClr val="accent1">
-                  <a:shade val="58000"/>
-                </a:schemeClr>
-              </a:solidFill>
-              <a:ln w="635">
-                <a:solidFill>
-                  <a:schemeClr val="tx1">
-                    <a:alpha val="50000"/>
-                  </a:schemeClr>
-                </a:solidFill>
-              </a:ln>
-              <a:effectLst/>
-            </c:spPr>
-            <c:extLst>
-              <c:ext xmlns:c16="http://schemas.microsoft.com/office/drawing/2014/chart" uri="{C3380CC4-5D6E-409C-BE32-E72D297353CC}">
-                <c16:uniqueId val="{00000001-D08D-40C0-8B5F-39AFF9B0DD40}"/>
-              </c:ext>
-            </c:extLst>
-          </c:dPt>
-          <c:dPt>
-            <c:idx val="1"/>
-            <c:bubble3D val="0"/>
-            <c:spPr>
-              <a:solidFill>
-                <a:schemeClr val="accent1">
-                  <a:shade val="86000"/>
-                </a:schemeClr>
-              </a:solidFill>
-              <a:ln w="635">
-                <a:solidFill>
-                  <a:schemeClr val="tx1">
-                    <a:alpha val="50000"/>
-                  </a:schemeClr>
-                </a:solidFill>
-              </a:ln>
-              <a:effectLst/>
-            </c:spPr>
-            <c:extLst>
-              <c:ext xmlns:c16="http://schemas.microsoft.com/office/drawing/2014/chart" uri="{C3380CC4-5D6E-409C-BE32-E72D297353CC}">
-                <c16:uniqueId val="{00000003-D08D-40C0-8B5F-39AFF9B0DD40}"/>
-              </c:ext>
-            </c:extLst>
-          </c:dPt>
-          <c:dPt>
-            <c:idx val="2"/>
-            <c:bubble3D val="0"/>
-            <c:spPr>
-              <a:solidFill>
-                <a:schemeClr val="accent1">
-                  <a:tint val="86000"/>
-                </a:schemeClr>
-              </a:solidFill>
-              <a:ln w="635">
-                <a:solidFill>
-                  <a:schemeClr val="tx1">
-                    <a:alpha val="50000"/>
-                  </a:schemeClr>
-                </a:solidFill>
-              </a:ln>
-              <a:effectLst/>
-            </c:spPr>
-            <c:extLst>
-              <c:ext xmlns:c16="http://schemas.microsoft.com/office/drawing/2014/chart" uri="{C3380CC4-5D6E-409C-BE32-E72D297353CC}">
-                <c16:uniqueId val="{00000005-D08D-40C0-8B5F-39AFF9B0DD40}"/>
-              </c:ext>
-            </c:extLst>
-          </c:dPt>
-          <c:dPt>
-            <c:idx val="3"/>
-            <c:bubble3D val="0"/>
-            <c:spPr>
-              <a:solidFill>
-                <a:schemeClr val="accent1">
-                  <a:tint val="58000"/>
-                </a:schemeClr>
-              </a:solidFill>
-              <a:ln w="635">
-                <a:solidFill>
-                  <a:schemeClr val="tx1">
-                    <a:alpha val="50000"/>
-                  </a:schemeClr>
-                </a:solidFill>
-              </a:ln>
-              <a:effectLst/>
-            </c:spPr>
-            <c:extLst>
-              <c:ext xmlns:c16="http://schemas.microsoft.com/office/drawing/2014/chart" uri="{C3380CC4-5D6E-409C-BE32-E72D297353CC}">
-                <c16:uniqueId val="{00000007-D08D-40C0-8B5F-39AFF9B0DD40}"/>
-              </c:ext>
-            </c:extLst>
-          </c:dPt>
-          <c:dPt>
-            <c:idx val="4"/>
-            <c:bubble3D val="0"/>
-            <c:spPr>
-              <a:solidFill>
-                <a:schemeClr val="accent1">
-                  <a:tint val="30000"/>
-                </a:schemeClr>
-              </a:solidFill>
-              <a:ln w="635">
-                <a:solidFill>
-                  <a:schemeClr val="tx1">
-                    <a:alpha val="50000"/>
-                  </a:schemeClr>
-                </a:solidFill>
-              </a:ln>
-              <a:effectLst/>
-            </c:spPr>
-            <c:extLst>
-              <c:ext xmlns:c16="http://schemas.microsoft.com/office/drawing/2014/chart" uri="{C3380CC4-5D6E-409C-BE32-E72D297353CC}">
-                <c16:uniqueId val="{00000009-D08D-40C0-8B5F-39AFF9B0DD40}"/>
-              </c:ext>
-            </c:extLst>
-          </c:dPt>
-          <c:cat>
-            <c:strRef>
-              <c:f>Sheet1!$A$2:$A$5</c:f>
-              <c:strCache>
-                <c:ptCount val="4"/>
-                <c:pt idx="0">
-                  <c:v>Education</c:v>
-                </c:pt>
-                <c:pt idx="1">
-                  <c:v>Travel</c:v>
-                </c:pt>
-                <c:pt idx="2">
-                  <c:v>Medical</c:v>
-                </c:pt>
-                <c:pt idx="3">
-                  <c:v>Recreation</c:v>
-                </c:pt>
-              </c:strCache>
-            </c:strRef>
-          </c:cat>
-          <c:val>
-            <c:numRef>
-              <c:f>Sheet1!$B$2:$B$5</c:f>
-              <c:numCache>
-                <c:formatCode>General</c:formatCode>
-                <c:ptCount val="4"/>
-                <c:pt idx="0">
-                  <c:v>56</c:v>
-                </c:pt>
-                <c:pt idx="1">
-                  <c:v>20</c:v>
-                </c:pt>
-                <c:pt idx="2">
-                  <c:v>14</c:v>
-                </c:pt>
-                <c:pt idx="3">
-                  <c:v>10</c:v>
-                </c:pt>
-              </c:numCache>
-            </c:numRef>
-          </c:val>
-          <c:extLst>
-            <c:ext xmlns:c16="http://schemas.microsoft.com/office/drawing/2014/chart" uri="{C3380CC4-5D6E-409C-BE32-E72D297353CC}">
-              <c16:uniqueId val="{00000000-19ED-47D8-93E1-999E2EC5A810}"/>
-            </c:ext>
-          </c:extLst>
-        </c:ser>
-        <c:dLbls>
-          <c:showLegendKey val="0"/>
-          <c:showVal val="0"/>
-          <c:showCatName val="0"/>
-          <c:showSerName val="0"/>
-          <c:showPercent val="0"/>
-          <c:showBubbleSize val="0"/>
-          <c:showLeaderLines val="1"/>
-        </c:dLbls>
-        <c:gapWidth val="100"/>
-        <c:secondPieSize val="75"/>
-        <c:serLines>
-          <c:spPr>
-            <a:ln w="635" cap="flat" cmpd="sng" algn="ctr">
-              <a:solidFill>
-                <a:schemeClr val="tx1">
-                  <a:alpha val="50000"/>
-                </a:schemeClr>
-              </a:solidFill>
-              <a:round/>
-            </a:ln>
-            <a:effectLst/>
-          </c:spPr>
-        </c:serLines>
-      </c:ofPieChart>
-      <c:spPr>
-        <a:noFill/>
-        <a:ln>
-          <a:noFill/>
-        </a:ln>
-        <a:effectLst/>
-      </c:spPr>
-    </c:plotArea>
-    <c:legend>
-      <c:legendPos val="r"/>
-      <c:layout>
-        <c:manualLayout>
-          <c:xMode val="edge"/>
-          <c:yMode val="edge"/>
-          <c:x val="0.83724402046109014"/>
-          <c:y val="0.28306539071289344"/>
-          <c:w val="0.15149181877179171"/>
-          <c:h val="0.40024637897975207"/>
-        </c:manualLayout>
-      </c:layout>
-      <c:overlay val="0"/>
-      <c:spPr>
-        <a:noFill/>
-        <a:ln>
-          <a:noFill/>
-        </a:ln>
-        <a:effectLst/>
-      </c:spPr>
-      <c:txPr>
-        <a:bodyPr rot="0" spcFirstLastPara="1" vertOverflow="ellipsis" vert="horz" wrap="square" anchor="ctr" anchorCtr="1"/>
-        <a:lstStyle/>
-        <a:p>
-          <a:pPr>
-            <a:defRPr sz="1800" b="0" i="0" u="none" strike="noStrike" kern="1200" baseline="0">
-              <a:solidFill>
-                <a:schemeClr val="tx1">
-                  <a:lumMod val="65000"/>
-                  <a:lumOff val="35000"/>
-                </a:schemeClr>
-              </a:solidFill>
-              <a:latin typeface="+mn-lt"/>
-              <a:ea typeface="+mn-ea"/>
-              <a:cs typeface="+mn-cs"/>
-            </a:defRPr>
-          </a:pPr>
-          <a:endParaRPr lang="en-US"/>
-        </a:p>
-      </c:txPr>
-    </c:legend>
-    <c:plotVisOnly val="1"/>
-    <c:dispBlanksAs val="gap"/>
-    <c:extLst>
-      <c:ext xmlns:c16r3="http://schemas.microsoft.com/office/drawing/2017/03/chart" uri="{56B9EC1D-385E-4148-901F-78D8002777C0}">
-        <c16r3:dataDisplayOptions16>
-          <c16r3:dispNaAsBlank val="1"/>
-        </c16r3:dataDisplayOptions16>
-      </c:ext>
-    </c:extLst>
-    <c:showDLblsOverMax val="0"/>
-  </c:chart>
-  <c:spPr>
-    <a:noFill/>
-    <a:ln>
-      <a:noFill/>
-    </a:ln>
-    <a:effectLst/>
-  </c:spPr>
-  <c:txPr>
-    <a:bodyPr/>
-    <a:lstStyle/>
-    <a:p>
-      <a:pPr>
-        <a:defRPr/>
-      </a:pPr>
-      <a:endParaRPr lang="en-US"/>
-    </a:p>
-  </c:txPr>
-  <c:externalData r:id="rId3">
-    <c:autoUpdate val="0"/>
-  </c:externalData>
-</c:chartSpace>
-</file>
-
-<file path=ppt/charts/colors1.xml><?xml version="1.0" encoding="utf-8"?>
-<cs:colorStyle xmlns:cs="http://schemas.microsoft.com/office/drawing/2012/chartStyle" xmlns:a="http://schemas.openxmlformats.org/drawingml/2006/main" meth="withinLinear" id="14">
-  <a:schemeClr val="accent1"/>
-</cs:colorStyle>
-</file>
-
-<file path=ppt/charts/style1.xml><?xml version="1.0" encoding="utf-8"?>
-<cs:chartStyle xmlns:cs="http://schemas.microsoft.com/office/drawing/2012/chartStyle" xmlns:a="http://schemas.openxmlformats.org/drawingml/2006/main" id="333">
-  <cs:axisTitle>
-    <cs:lnRef idx="0"/>
-    <cs:fillRef idx="0"/>
-    <cs:effectRef idx="0"/>
-    <cs:fontRef idx="minor">
-      <a:schemeClr val="tx1">
-        <a:lumMod val="65000"/>
-        <a:lumOff val="35000"/>
-      </a:schemeClr>
-    </cs:fontRef>
-    <cs:defRPr sz="1197" kern="1200"/>
-  </cs:axisTitle>
-  <cs:categoryAxis>
-    <cs:lnRef idx="0"/>
-    <cs:fillRef idx="0"/>
-    <cs:effectRef idx="0"/>
-    <cs:fontRef idx="minor">
-      <a:schemeClr val="tx1">
-        <a:lumMod val="65000"/>
-        <a:lumOff val="35000"/>
-      </a:schemeClr>
-    </cs:fontRef>
-    <cs:spPr>
-      <a:ln w="9525" cap="flat" cmpd="sng" algn="ctr">
-        <a:solidFill>
-          <a:schemeClr val="tx1">
-            <a:lumMod val="15000"/>
-            <a:lumOff val="85000"/>
-          </a:schemeClr>
-        </a:solidFill>
-        <a:round/>
-      </a:ln>
-    </cs:spPr>
-    <cs:defRPr sz="1197" kern="1200"/>
-  </cs:categoryAxis>
-  <cs:chartArea mods="allowNoFillOverride allowNoLineOverride">
-    <cs:lnRef idx="0"/>
-    <cs:fillRef idx="0"/>
-    <cs:effectRef idx="0"/>
-    <cs:fontRef idx="minor">
-      <a:schemeClr val="tx1"/>
-    </cs:fontRef>
-    <cs:spPr>
-      <a:solidFill>
-        <a:schemeClr val="bg1"/>
-      </a:solidFill>
-      <a:ln w="9525" cap="flat" cmpd="sng" algn="ctr">
-        <a:solidFill>
-          <a:schemeClr val="tx1">
-            <a:lumMod val="15000"/>
-            <a:lumOff val="85000"/>
-          </a:schemeClr>
-        </a:solidFill>
-        <a:round/>
-      </a:ln>
-    </cs:spPr>
-    <cs:defRPr sz="1197" kern="1200"/>
-  </cs:chartArea>
-  <cs:dataLabel>
-    <cs:lnRef idx="0"/>
-    <cs:fillRef idx="0"/>
-    <cs:effectRef idx="0"/>
-    <cs:fontRef idx="minor">
-      <a:schemeClr val="tx1">
-        <a:lumMod val="65000"/>
-        <a:lumOff val="35000"/>
-      </a:schemeClr>
-    </cs:fontRef>
-    <cs:defRPr sz="1197" kern="1200"/>
-  </cs:dataLabel>
-  <cs:dataLabelCallout>
-    <cs:lnRef idx="0"/>
-    <cs:fillRef idx="0"/>
-    <cs:effectRef idx="0"/>
-    <cs:fontRef idx="minor">
-      <a:schemeClr val="dk1">
-        <a:lumMod val="65000"/>
-        <a:lumOff val="35000"/>
-      </a:schemeClr>
-    </cs:fontRef>
-    <cs:spPr>
-      <a:solidFill>
-        <a:schemeClr val="lt1"/>
-      </a:solidFill>
-      <a:ln>
-        <a:solidFill>
-          <a:schemeClr val="dk1">
-            <a:lumMod val="50000"/>
-            <a:lumOff val="50000"/>
-          </a:schemeClr>
-        </a:solidFill>
-      </a:ln>
-    </cs:spPr>
-    <cs:defRPr sz="1197" kern="1200"/>
-    <cs:bodyPr rot="0" spcFirstLastPara="1" vertOverflow="clip" horzOverflow="clip" vert="horz" wrap="square" lIns="36576" tIns="18288" rIns="36576" bIns="18288" anchor="ctr" anchorCtr="1">
-      <a:spAutoFit/>
-    </cs:bodyPr>
-  </cs:dataLabelCallout>
-  <cs:dataPoint>
-    <cs:lnRef idx="0"/>
-    <cs:fillRef idx="0">
-      <cs:styleClr val="auto"/>
-    </cs:fillRef>
-    <cs:effectRef idx="0"/>
-    <cs:fontRef idx="minor">
-      <a:schemeClr val="tx1"/>
-    </cs:fontRef>
-    <cs:spPr>
-      <a:solidFill>
-        <a:schemeClr val="phClr"/>
-      </a:solidFill>
-      <a:ln w="19050">
-        <a:solidFill>
-          <a:schemeClr val="lt1"/>
-        </a:solidFill>
-      </a:ln>
-    </cs:spPr>
-  </cs:dataPoint>
-  <cs:dataPoint3D>
-    <cs:lnRef idx="0"/>
-    <cs:fillRef idx="0">
-      <cs:styleClr val="auto"/>
-    </cs:fillRef>
-    <cs:effectRef idx="0"/>
-    <cs:fontRef idx="minor">
-      <a:schemeClr val="tx1"/>
-    </cs:fontRef>
-    <cs:spPr>
-      <a:solidFill>
-        <a:schemeClr val="phClr"/>
-      </a:solidFill>
-      <a:ln w="19050">
-        <a:solidFill>
-          <a:schemeClr val="lt1"/>
-        </a:solidFill>
-      </a:ln>
-    </cs:spPr>
-  </cs:dataPoint3D>
-  <cs:dataPointLine>
-    <cs:lnRef idx="0">
-      <cs:styleClr val="auto"/>
-    </cs:lnRef>
-    <cs:fillRef idx="0"/>
-    <cs:effectRef idx="0"/>
-    <cs:fontRef idx="minor">
-      <a:schemeClr val="tx1"/>
-    </cs:fontRef>
-    <cs:spPr>
-      <a:ln w="28575" cap="rnd">
-        <a:solidFill>
-          <a:schemeClr val="phClr"/>
-        </a:solidFill>
-        <a:round/>
-      </a:ln>
-    </cs:spPr>
-  </cs:dataPointLine>
-  <cs:dataPointMarker>
-    <cs:lnRef idx="0"/>
-    <cs:fillRef idx="0">
-      <cs:styleClr val="auto"/>
-    </cs:fillRef>
-    <cs:effectRef idx="0"/>
-    <cs:fontRef idx="minor">
-      <a:schemeClr val="tx1"/>
-    </cs:fontRef>
-    <cs:spPr>
-      <a:solidFill>
-        <a:schemeClr val="phClr"/>
-      </a:solidFill>
-      <a:ln w="9525">
-        <a:solidFill>
-          <a:schemeClr val="lt1"/>
-        </a:solidFill>
-      </a:ln>
-    </cs:spPr>
-  </cs:dataPointMarker>
-  <cs:dataPointMarkerLayout symbol="circle" size="6"/>
-  <cs:dataPointWireframe>
-    <cs:lnRef idx="0">
-      <cs:styleClr val="auto"/>
-    </cs:lnRef>
-    <cs:fillRef idx="0"/>
-    <cs:effectRef idx="0"/>
-    <cs:fontRef idx="minor">
-      <a:schemeClr val="tx1"/>
-    </cs:fontRef>
-    <cs:spPr>
-      <a:ln w="9525" cap="rnd">
-        <a:solidFill>
-          <a:schemeClr val="phClr"/>
-        </a:solidFill>
-        <a:round/>
-      </a:ln>
-    </cs:spPr>
-  </cs:dataPointWireframe>
-  <cs:dataTable>
-    <cs:lnRef idx="0"/>
-    <cs:fillRef idx="0"/>
-    <cs:effectRef idx="0"/>
-    <cs:fontRef idx="minor">
-      <a:schemeClr val="tx1">
-        <a:lumMod val="65000"/>
-        <a:lumOff val="35000"/>
-      </a:schemeClr>
-    </cs:fontRef>
-    <cs:spPr>
-      <a:noFill/>
-      <a:ln w="9525" cap="flat" cmpd="sng" algn="ctr">
-        <a:solidFill>
-          <a:schemeClr val="tx1">
-            <a:lumMod val="15000"/>
-            <a:lumOff val="85000"/>
-          </a:schemeClr>
-        </a:solidFill>
-        <a:round/>
-      </a:ln>
-    </cs:spPr>
-    <cs:defRPr sz="1197" kern="1200"/>
-  </cs:dataTable>
-  <cs:downBar>
-    <cs:lnRef idx="0"/>
-    <cs:fillRef idx="0"/>
-    <cs:effectRef idx="0"/>
-    <cs:fontRef idx="minor">
-      <a:schemeClr val="tx1"/>
-    </cs:fontRef>
-    <cs:spPr>
-      <a:solidFill>
-        <a:schemeClr val="dk1">
-          <a:lumMod val="75000"/>
-          <a:lumOff val="25000"/>
-        </a:schemeClr>
-      </a:solidFill>
-      <a:ln w="9525" cap="flat" cmpd="sng" algn="ctr">
-        <a:solidFill>
-          <a:schemeClr val="tx1">
-            <a:lumMod val="65000"/>
-            <a:lumOff val="35000"/>
-          </a:schemeClr>
-        </a:solidFill>
-        <a:round/>
-      </a:ln>
-    </cs:spPr>
-  </cs:downBar>
-  <cs:dropLine>
-    <cs:lnRef idx="0"/>
-    <cs:fillRef idx="0"/>
-    <cs:effectRef idx="0"/>
-    <cs:fontRef idx="minor">
-      <a:schemeClr val="tx1"/>
-    </cs:fontRef>
-    <cs:spPr>
-      <a:ln w="9525" cap="flat" cmpd="sng" algn="ctr">
-        <a:solidFill>
-          <a:schemeClr val="tx1">
-            <a:lumMod val="35000"/>
-            <a:lumOff val="65000"/>
-          </a:schemeClr>
-        </a:solidFill>
-        <a:round/>
-      </a:ln>
-    </cs:spPr>
-  </cs:dropLine>
-  <cs:errorBar>
-    <cs:lnRef idx="0"/>
-    <cs:fillRef idx="0"/>
-    <cs:effectRef idx="0"/>
-    <cs:fontRef idx="minor">
-      <a:schemeClr val="tx1"/>
-    </cs:fontRef>
-    <cs:spPr>
-      <a:ln w="9525" cap="flat" cmpd="sng" algn="ctr">
-        <a:solidFill>
-          <a:schemeClr val="tx1">
-            <a:lumMod val="65000"/>
-            <a:lumOff val="35000"/>
-          </a:schemeClr>
-        </a:solidFill>
-        <a:round/>
-      </a:ln>
-    </cs:spPr>
-  </cs:errorBar>
-  <cs:floor>
-    <cs:lnRef idx="0"/>
-    <cs:fillRef idx="0"/>
-    <cs:effectRef idx="0"/>
-    <cs:fontRef idx="minor">
-      <a:schemeClr val="tx1"/>
-    </cs:fontRef>
-    <cs:spPr>
-      <a:noFill/>
-      <a:ln>
-        <a:noFill/>
-      </a:ln>
-    </cs:spPr>
-  </cs:floor>
-  <cs:gridlineMajor>
-    <cs:lnRef idx="0"/>
-    <cs:fillRef idx="0"/>
-    <cs:effectRef idx="0"/>
-    <cs:fontRef idx="minor">
-      <a:schemeClr val="tx1"/>
-    </cs:fontRef>
-    <cs:spPr>
-      <a:ln w="9525" cap="flat" cmpd="sng" algn="ctr">
-        <a:solidFill>
-          <a:schemeClr val="tx1">
-            <a:lumMod val="15000"/>
-            <a:lumOff val="85000"/>
-          </a:schemeClr>
-        </a:solidFill>
-        <a:round/>
-      </a:ln>
-    </cs:spPr>
-  </cs:gridlineMajor>
-  <cs:gridlineMinor>
-    <cs:lnRef idx="0"/>
-    <cs:fillRef idx="0"/>
-    <cs:effectRef idx="0"/>
-    <cs:fontRef idx="minor">
-      <a:schemeClr val="tx1"/>
-    </cs:fontRef>
-    <cs:spPr>
-      <a:ln w="9525" cap="flat" cmpd="sng" algn="ctr">
-        <a:solidFill>
-          <a:schemeClr val="tx1">
-            <a:lumMod val="5000"/>
-            <a:lumOff val="95000"/>
-          </a:schemeClr>
-        </a:solidFill>
-        <a:round/>
-      </a:ln>
-    </cs:spPr>
-  </cs:gridlineMinor>
-  <cs:hiLoLine>
-    <cs:lnRef idx="0"/>
-    <cs:fillRef idx="0"/>
-    <cs:effectRef idx="0"/>
-    <cs:fontRef idx="minor">
-      <a:schemeClr val="tx1"/>
-    </cs:fontRef>
-    <cs:spPr>
-      <a:ln w="9525" cap="flat" cmpd="sng" algn="ctr">
-        <a:solidFill>
-          <a:schemeClr val="tx1">
-            <a:lumMod val="50000"/>
-            <a:lumOff val="50000"/>
-          </a:schemeClr>
-        </a:solidFill>
-        <a:round/>
-      </a:ln>
-    </cs:spPr>
-  </cs:hiLoLine>
-  <cs:leaderLine>
-    <cs:lnRef idx="0"/>
-    <cs:fillRef idx="0"/>
-    <cs:effectRef idx="0"/>
-    <cs:fontRef idx="minor">
-      <a:schemeClr val="tx1"/>
-    </cs:fontRef>
-    <cs:spPr>
-      <a:ln w="9525" cap="flat" cmpd="sng" algn="ctr">
-        <a:solidFill>
-          <a:schemeClr val="tx1">
-            <a:lumMod val="35000"/>
-            <a:lumOff val="65000"/>
-          </a:schemeClr>
-        </a:solidFill>
-        <a:round/>
-      </a:ln>
-    </cs:spPr>
-  </cs:leaderLine>
-  <cs:legend>
-    <cs:lnRef idx="0"/>
-    <cs:fillRef idx="0"/>
-    <cs:effectRef idx="0"/>
-    <cs:fontRef idx="minor">
-      <a:schemeClr val="tx1">
-        <a:lumMod val="65000"/>
-        <a:lumOff val="35000"/>
-      </a:schemeClr>
-    </cs:fontRef>
-    <cs:defRPr sz="1197" kern="1200"/>
-  </cs:legend>
-  <cs:plotArea mods="allowNoFillOverride allowNoLineOverride">
-    <cs:lnRef idx="0"/>
-    <cs:fillRef idx="0"/>
-    <cs:effectRef idx="0"/>
-    <cs:fontRef idx="minor">
-      <a:schemeClr val="tx1"/>
-    </cs:fontRef>
-  </cs:plotArea>
-  <cs:plotArea3D mods="allowNoFillOverride allowNoLineOverride">
-    <cs:lnRef idx="0"/>
-    <cs:fillRef idx="0"/>
-    <cs:effectRef idx="0"/>
-    <cs:fontRef idx="minor">
-      <a:schemeClr val="tx1"/>
-    </cs:fontRef>
-  </cs:plotArea3D>
-  <cs:seriesAxis>
-    <cs:lnRef idx="0"/>
-    <cs:fillRef idx="0"/>
-    <cs:effectRef idx="0"/>
-    <cs:fontRef idx="minor">
-      <a:schemeClr val="tx1">
-        <a:lumMod val="65000"/>
-        <a:lumOff val="35000"/>
-      </a:schemeClr>
-    </cs:fontRef>
-    <cs:defRPr sz="1197" kern="1200"/>
-  </cs:seriesAxis>
-  <cs:seriesLine>
-    <cs:lnRef idx="0"/>
-    <cs:fillRef idx="0"/>
-    <cs:effectRef idx="0"/>
-    <cs:fontRef idx="minor">
-      <a:schemeClr val="tx1"/>
-    </cs:fontRef>
-    <cs:spPr>
-      <a:ln w="9525" cap="flat" cmpd="sng" algn="ctr">
-        <a:solidFill>
-          <a:schemeClr val="tx1">
-            <a:lumMod val="35000"/>
-            <a:lumOff val="65000"/>
-          </a:schemeClr>
-        </a:solidFill>
-        <a:round/>
-      </a:ln>
-    </cs:spPr>
-  </cs:seriesLine>
-  <cs:title>
-    <cs:lnRef idx="0"/>
-    <cs:fillRef idx="0"/>
-    <cs:effectRef idx="0"/>
-    <cs:fontRef idx="minor">
-      <a:schemeClr val="tx1">
-        <a:lumMod val="65000"/>
-        <a:lumOff val="35000"/>
-      </a:schemeClr>
-    </cs:fontRef>
-    <cs:defRPr sz="1915" b="0" kern="1200" spc="0" baseline="0"/>
-  </cs:title>
-  <cs:trendline>
-    <cs:lnRef idx="0">
-      <cs:styleClr val="auto"/>
-    </cs:lnRef>
-    <cs:fillRef idx="0"/>
-    <cs:effectRef idx="0"/>
-    <cs:fontRef idx="minor">
-      <a:schemeClr val="tx1"/>
-    </cs:fontRef>
-    <cs:spPr>
-      <a:ln w="19050" cap="rnd">
-        <a:solidFill>
-          <a:schemeClr val="phClr"/>
-        </a:solidFill>
-        <a:prstDash val="sysDash"/>
-      </a:ln>
-    </cs:spPr>
-  </cs:trendline>
-  <cs:trendlineLabel>
-    <cs:lnRef idx="0"/>
-    <cs:fillRef idx="0"/>
-    <cs:effectRef idx="0"/>
-    <cs:fontRef idx="minor">
-      <a:schemeClr val="tx1">
-        <a:lumMod val="65000"/>
-        <a:lumOff val="35000"/>
-      </a:schemeClr>
-    </cs:fontRef>
-    <cs:defRPr sz="1197" kern="1200"/>
-  </cs:trendlineLabel>
-  <cs:upBar>
-    <cs:lnRef idx="0"/>
-    <cs:fillRef idx="0"/>
-    <cs:effectRef idx="0"/>
-    <cs:fontRef idx="minor">
-      <a:schemeClr val="tx1"/>
-    </cs:fontRef>
-    <cs:spPr>
-      <a:solidFill>
-        <a:schemeClr val="lt1"/>
-      </a:solidFill>
-      <a:ln w="9525" cap="flat" cmpd="sng" algn="ctr">
-        <a:solidFill>
-          <a:schemeClr val="tx1">
-            <a:lumMod val="65000"/>
-            <a:lumOff val="35000"/>
-          </a:schemeClr>
-        </a:solidFill>
-        <a:round/>
-      </a:ln>
-    </cs:spPr>
-  </cs:upBar>
-  <cs:valueAxis>
-    <cs:lnRef idx="0"/>
-    <cs:fillRef idx="0"/>
-    <cs:effectRef idx="0"/>
-    <cs:fontRef idx="minor">
-      <a:schemeClr val="tx1">
-        <a:lumMod val="65000"/>
-        <a:lumOff val="35000"/>
-      </a:schemeClr>
-    </cs:fontRef>
-    <cs:defRPr sz="1197" kern="1200"/>
-  </cs:valueAxis>
-  <cs:wall>
-    <cs:lnRef idx="0"/>
-    <cs:fillRef idx="0"/>
-    <cs:effectRef idx="0"/>
-    <cs:fontRef idx="minor">
-      <a:schemeClr val="tx1"/>
-    </cs:fontRef>
-    <cs:spPr>
-      <a:noFill/>
-      <a:ln>
-        <a:noFill/>
-      </a:ln>
-    </cs:spPr>
-  </cs:wall>
-</cs:chartStyle>
-</file>
-
-<file path=ppt/diagrams/colors1.xml><?xml version="1.0" encoding="utf-8"?>
-<dgm:colorsDef xmlns:dgm="http://schemas.openxmlformats.org/drawingml/2006/diagram" xmlns:a="http://schemas.openxmlformats.org/drawingml/2006/main" uniqueId="urn:microsoft.com/office/officeart/2018/5/colors/Iconchunking_neutralicon_accent3_2">
-  <dgm:title val=""/>
-  <dgm:desc val=""/>
-  <dgm:catLst>
-    <dgm:cat type="accent3" pri="13200"/>
-  </dgm:catLst>
-  <dgm:styleLbl name="node0">
-    <dgm:fillClrLst meth="repeat">
-      <a:schemeClr val="accent3"/>
-    </dgm:fillClrLst>
-    <dgm:linClrLst meth="repeat">
-      <a:schemeClr val="lt1"/>
-    </dgm:linClrLst>
-    <dgm:effectClrLst/>
-    <dgm:txLinClrLst/>
-    <dgm:txFillClrLst/>
-    <dgm:txEffectClrLst/>
-  </dgm:styleLbl>
-  <dgm:styleLbl name="node1">
-    <dgm:fillClrLst meth="repeat">
-      <a:schemeClr val="bg1"/>
-    </dgm:fillClrLst>
-    <dgm:linClrLst meth="repeat">
-      <a:schemeClr val="lt1">
-        <a:alpha val="0"/>
-      </a:schemeClr>
-    </dgm:linClrLst>
-    <dgm:effectClrLst/>
-    <dgm:txLinClrLst/>
-    <dgm:txFillClrLst meth="repeat">
-      <a:schemeClr val="dk1"/>
-    </dgm:txFillClrLst>
-    <dgm:txEffectClrLst/>
-  </dgm:styleLbl>
-  <dgm:styleLbl name="alignNode1">
-    <dgm:fillClrLst meth="repeat">
-      <a:schemeClr val="accent3"/>
-    </dgm:fillClrLst>
-    <dgm:linClrLst meth="repeat">
-      <a:schemeClr val="accent3"/>
-    </dgm:linClrLst>
-    <dgm:effectClrLst/>
-    <dgm:txLinClrLst/>
-    <dgm:txFillClrLst/>
-    <dgm:txEffectClrLst/>
-  </dgm:styleLbl>
-  <dgm:styleLbl name="lnNode1">
-    <dgm:fillClrLst meth="repeat">
-      <a:schemeClr val="accent3"/>
-    </dgm:fillClrLst>
-    <dgm:linClrLst meth="repeat">
-      <a:schemeClr val="lt1"/>
-    </dgm:linClrLst>
-    <dgm:effectClrLst/>
-    <dgm:txLinClrLst/>
-    <dgm:txFillClrLst/>
-    <dgm:txEffectClrLst/>
-  </dgm:styleLbl>
-  <dgm:styleLbl name="vennNode1">
-    <dgm:fillClrLst meth="repeat">
-      <a:schemeClr val="accent3">
-        <a:alpha val="50000"/>
-      </a:schemeClr>
-    </dgm:fillClrLst>
-    <dgm:linClrLst meth="repeat">
-      <a:schemeClr val="lt1"/>
-    </dgm:linClrLst>
-    <dgm:effectClrLst/>
-    <dgm:txLinClrLst/>
-    <dgm:txFillClrLst/>
-    <dgm:txEffectClrLst/>
-  </dgm:styleLbl>
-  <dgm:styleLbl name="node2">
-    <dgm:fillClrLst meth="repeat">
-      <a:schemeClr val="accent3"/>
-    </dgm:fillClrLst>
-    <dgm:linClrLst meth="repeat">
-      <a:schemeClr val="lt1"/>
-    </dgm:linClrLst>
-    <dgm:effectClrLst/>
-    <dgm:txLinClrLst/>
-    <dgm:txFillClrLst/>
-    <dgm:txEffectClrLst/>
-  </dgm:styleLbl>
-  <dgm:styleLbl name="node3">
-    <dgm:fillClrLst meth="repeat">
-      <a:schemeClr val="accent3"/>
-    </dgm:fillClrLst>
-    <dgm:linClrLst meth="repeat">
-      <a:schemeClr val="lt1"/>
-    </dgm:linClrLst>
-    <dgm:effectClrLst/>
-    <dgm:txLinClrLst/>
-    <dgm:txFillClrLst/>
-    <dgm:txEffectClrLst/>
-  </dgm:styleLbl>
-  <dgm:styleLbl name="node4">
-    <dgm:fillClrLst meth="repeat">
-      <a:schemeClr val="accent3"/>
-    </dgm:fillClrLst>
-    <dgm:linClrLst meth="repeat">
-      <a:schemeClr val="lt1"/>
-    </dgm:linClrLst>
-    <dgm:effectClrLst/>
-    <dgm:txLinClrLst/>
-    <dgm:txFillClrLst/>
-    <dgm:txEffectClrLst/>
-  </dgm:styleLbl>
-  <dgm:styleLbl name="fgImgPlace1">
-    <dgm:fillClrLst meth="repeat">
-      <a:schemeClr val="accent3">
-        <a:tint val="50000"/>
-      </a:schemeClr>
-    </dgm:fillClrLst>
-    <dgm:linClrLst meth="repeat">
-      <a:schemeClr val="lt1"/>
-    </dgm:linClrLst>
-    <dgm:effectClrLst/>
-    <dgm:txLinClrLst/>
-    <dgm:txFillClrLst meth="repeat">
-      <a:schemeClr val="lt1"/>
-    </dgm:txFillClrLst>
-    <dgm:txEffectClrLst/>
-  </dgm:styleLbl>
-  <dgm:styleLbl name="alignImgPlace1">
-    <dgm:fillClrLst meth="repeat">
-      <a:schemeClr val="accent3">
-        <a:tint val="50000"/>
-      </a:schemeClr>
-    </dgm:fillClrLst>
-    <dgm:linClrLst meth="repeat">
-      <a:schemeClr val="lt1"/>
-    </dgm:linClrLst>
-    <dgm:effectClrLst/>
-    <dgm:txLinClrLst/>
-    <dgm:txFillClrLst meth="repeat">
-      <a:schemeClr val="lt1"/>
-    </dgm:txFillClrLst>
-    <dgm:txEffectClrLst/>
-  </dgm:styleLbl>
-  <dgm:styleLbl name="bgImgPlace1">
-    <dgm:fillClrLst meth="repeat">
-      <a:schemeClr val="accent3">
-        <a:tint val="50000"/>
-      </a:schemeClr>
-    </dgm:fillClrLst>
-    <dgm:linClrLst meth="repeat">
-      <a:schemeClr val="lt1"/>
-    </dgm:linClrLst>
-    <dgm:effectClrLst/>
-    <dgm:txLinClrLst/>
-    <dgm:txFillClrLst meth="repeat">
-      <a:schemeClr val="lt1"/>
-    </dgm:txFillClrLst>
-    <dgm:txEffectClrLst/>
-  </dgm:styleLbl>
-  <dgm:styleLbl name="sibTrans2D1">
-    <dgm:fillClrLst meth="repeat">
-      <a:schemeClr val="accent3">
-        <a:tint val="60000"/>
-      </a:schemeClr>
-    </dgm:fillClrLst>
-    <dgm:linClrLst meth="repeat">
-      <a:schemeClr val="accent3">
-        <a:tint val="60000"/>
-      </a:schemeClr>
-    </dgm:linClrLst>
-    <dgm:effectClrLst/>
-    <dgm:txLinClrLst/>
-    <dgm:txFillClrLst/>
-    <dgm:txEffectClrLst/>
-  </dgm:styleLbl>
-  <dgm:styleLbl name="fgSibTrans2D1">
-    <dgm:fillClrLst meth="repeat">
-      <a:schemeClr val="accent3">
-        <a:tint val="60000"/>
-      </a:schemeClr>
-    </dgm:fillClrLst>
-    <dgm:linClrLst meth="repeat">
-      <a:schemeClr val="accent3">
-        <a:tint val="60000"/>
-      </a:schemeClr>
-    </dgm:linClrLst>
-    <dgm:effectClrLst/>
-    <dgm:txLinClrLst/>
-    <dgm:txFillClrLst/>
-    <dgm:txEffectClrLst/>
-  </dgm:styleLbl>
-  <dgm:styleLbl name="bgSibTrans2D1">
-    <dgm:fillClrLst meth="repeat">
-      <a:schemeClr val="accent3">
-        <a:tint val="60000"/>
-      </a:schemeClr>
-    </dgm:fillClrLst>
-    <dgm:linClrLst meth="repeat">
-      <a:schemeClr val="accent3">
-        <a:tint val="60000"/>
-      </a:schemeClr>
-    </dgm:linClrLst>
-    <dgm:effectClrLst/>
-    <dgm:txLinClrLst/>
-    <dgm:txFillClrLst/>
-    <dgm:txEffectClrLst/>
-  </dgm:styleLbl>
-  <dgm:styleLbl name="sibTrans1D1">
-    <dgm:fillClrLst meth="repeat">
-      <a:schemeClr val="accent3"/>
-    </dgm:fillClrLst>
-    <dgm:linClrLst meth="repeat">
-      <a:schemeClr val="accent3"/>
-    </dgm:linClrLst>
-    <dgm:effectClrLst/>
-    <dgm:txLinClrLst/>
-    <dgm:txFillClrLst meth="repeat">
-      <a:schemeClr val="tx1"/>
-    </dgm:txFillClrLst>
-    <dgm:txEffectClrLst/>
-  </dgm:styleLbl>
-  <dgm:styleLbl name="callout">
-    <dgm:fillClrLst meth="repeat">
-      <a:schemeClr val="accent3"/>
-    </dgm:fillClrLst>
-    <dgm:linClrLst meth="repeat">
-      <a:schemeClr val="accent3">
-        <a:tint val="50000"/>
-      </a:schemeClr>
-    </dgm:linClrLst>
-    <dgm:effectClrLst/>
-    <dgm:txLinClrLst/>
-    <dgm:txFillClrLst meth="repeat">
-      <a:schemeClr val="tx1"/>
-    </dgm:txFillClrLst>
-    <dgm:txEffectClrLst/>
-  </dgm:styleLbl>
-  <dgm:styleLbl name="asst0">
-    <dgm:fillClrLst meth="repeat">
-      <a:schemeClr val="accent3"/>
-    </dgm:fillClrLst>
-    <dgm:linClrLst meth="repeat">
-      <a:schemeClr val="lt1"/>
-    </dgm:linClrLst>
-    <dgm:effectClrLst/>
-    <dgm:txLinClrLst/>
-    <dgm:txFillClrLst/>
-    <dgm:txEffectClrLst/>
-  </dgm:styleLbl>
-  <dgm:styleLbl name="asst1">
-    <dgm:fillClrLst meth="repeat">
-      <a:schemeClr val="accent3"/>
-    </dgm:fillClrLst>
-    <dgm:linClrLst meth="repeat">
-      <a:schemeClr val="lt1"/>
-    </dgm:linClrLst>
-    <dgm:effectClrLst/>
-    <dgm:txLinClrLst/>
-    <dgm:txFillClrLst/>
-    <dgm:txEffectClrLst/>
-  </dgm:styleLbl>
-  <dgm:styleLbl name="asst2">
-    <dgm:fillClrLst meth="repeat">
-      <a:schemeClr val="accent3"/>
-    </dgm:fillClrLst>
-    <dgm:linClrLst meth="repeat">
-      <a:schemeClr val="lt1"/>
-    </dgm:linClrLst>
-    <dgm:effectClrLst/>
-    <dgm:txLinClrLst/>
-    <dgm:txFillClrLst/>
-    <dgm:txEffectClrLst/>
-  </dgm:styleLbl>
-  <dgm:styleLbl name="asst3">
-    <dgm:fillClrLst meth="repeat">
-      <a:schemeClr val="accent3"/>
-    </dgm:fillClrLst>
-    <dgm:linClrLst meth="repeat">
-      <a:schemeClr val="lt1"/>
-    </dgm:linClrLst>
-    <dgm:effectClrLst/>
-    <dgm:txLinClrLst/>
-    <dgm:txFillClrLst/>
-    <dgm:txEffectClrLst/>
-  </dgm:styleLbl>
-  <dgm:styleLbl name="asst4">
-    <dgm:fillClrLst meth="repeat">
-      <a:schemeClr val="accent3"/>
-    </dgm:fillClrLst>
-    <dgm:linClrLst meth="repeat">
-      <a:schemeClr val="lt1"/>
-    </dgm:linClrLst>
-    <dgm:effectClrLst/>
-    <dgm:txLinClrLst/>
-    <dgm:txFillClrLst/>
-    <dgm:txEffectClrLst/>
-  </dgm:styleLbl>
-  <dgm:styleLbl name="parChTrans2D1">
-    <dgm:fillClrLst meth="repeat">
-      <a:schemeClr val="accent3">
-        <a:tint val="60000"/>
-      </a:schemeClr>
-    </dgm:fillClrLst>
-    <dgm:linClrLst meth="repeat">
-      <a:schemeClr val="accent3">
-        <a:tint val="60000"/>
-      </a:schemeClr>
-    </dgm:linClrLst>
-    <dgm:effectClrLst/>
-    <dgm:txLinClrLst/>
-    <dgm:txFillClrLst meth="repeat">
-      <a:schemeClr val="lt1"/>
-    </dgm:txFillClrLst>
-    <dgm:txEffectClrLst/>
-  </dgm:styleLbl>
-  <dgm:styleLbl name="parChTrans2D2">
-    <dgm:fillClrLst meth="repeat">
-      <a:schemeClr val="accent3"/>
-    </dgm:fillClrLst>
-    <dgm:linClrLst meth="repeat">
-      <a:schemeClr val="accent3"/>
-    </dgm:linClrLst>
-    <dgm:effectClrLst/>
-    <dgm:txLinClrLst/>
-    <dgm:txFillClrLst meth="repeat">
-      <a:schemeClr val="lt1"/>
-    </dgm:txFillClrLst>
-    <dgm:txEffectClrLst/>
-  </dgm:styleLbl>
-  <dgm:styleLbl name="parChTrans2D3">
-    <dgm:fillClrLst meth="repeat">
-      <a:schemeClr val="accent3"/>
-    </dgm:fillClrLst>
-    <dgm:linClrLst meth="repeat">
-      <a:schemeClr val="accent3"/>
-    </dgm:linClrLst>
-    <dgm:effectClrLst/>
-    <dgm:txLinClrLst/>
-    <dgm:txFillClrLst meth="repeat">
-      <a:schemeClr val="lt1"/>
-    </dgm:txFillClrLst>
-    <dgm:txEffectClrLst/>
-  </dgm:styleLbl>
-  <dgm:styleLbl name="parChTrans2D4">
-    <dgm:fillClrLst meth="repeat">
-      <a:schemeClr val="accent3"/>
-    </dgm:fillClrLst>
-    <dgm:linClrLst meth="repeat">
-      <a:schemeClr val="accent3"/>
-    </dgm:linClrLst>
-    <dgm:effectClrLst/>
-    <dgm:txLinClrLst/>
-    <dgm:txFillClrLst meth="repeat">
-      <a:schemeClr val="lt1"/>
-    </dgm:txFillClrLst>
-    <dgm:txEffectClrLst/>
-  </dgm:styleLbl>
-  <dgm:styleLbl name="parChTrans1D1">
-    <dgm:fillClrLst meth="repeat">
-      <a:schemeClr val="accent3"/>
-    </dgm:fillClrLst>
-    <dgm:linClrLst meth="repeat">
-      <a:schemeClr val="accent3">
-        <a:shade val="60000"/>
-      </a:schemeClr>
-    </dgm:linClrLst>
-    <dgm:effectClrLst/>
-    <dgm:txLinClrLst/>
-    <dgm:txFillClrLst meth="repeat">
-      <a:schemeClr val="tx1"/>
-    </dgm:txFillClrLst>
-    <dgm:txEffectClrLst/>
-  </dgm:styleLbl>
-  <dgm:styleLbl name="parChTrans1D2">
-    <dgm:fillClrLst meth="repeat">
-      <a:schemeClr val="accent3"/>
-    </dgm:fillClrLst>
-    <dgm:linClrLst meth="repeat">
-      <a:schemeClr val="accent3">
-        <a:shade val="60000"/>
-      </a:schemeClr>
-    </dgm:linClrLst>
-    <dgm:effectClrLst/>
-    <dgm:txLinClrLst/>
-    <dgm:txFillClrLst meth="repeat">
-      <a:schemeClr val="tx1"/>
-    </dgm:txFillClrLst>
-    <dgm:txEffectClrLst/>
-  </dgm:styleLbl>
-  <dgm:styleLbl name="parChTrans1D3">
-    <dgm:fillClrLst meth="repeat">
-      <a:schemeClr val="accent3"/>
-    </dgm:fillClrLst>
-    <dgm:linClrLst meth="repeat">
-      <a:schemeClr val="accent3">
-        <a:shade val="80000"/>
-      </a:schemeClr>
-    </dgm:linClrLst>
-    <dgm:effectClrLst/>
-    <dgm:txLinClrLst/>
-    <dgm:txFillClrLst meth="repeat">
-      <a:schemeClr val="tx1"/>
-    </dgm:txFillClrLst>
-    <dgm:txEffectClrLst/>
-  </dgm:styleLbl>
-  <dgm:styleLbl name="parChTrans1D4">
-    <dgm:fillClrLst meth="repeat">
-      <a:schemeClr val="accent3"/>
-    </dgm:fillClrLst>
-    <dgm:linClrLst meth="repeat">
-      <a:schemeClr val="accent3">
-        <a:shade val="80000"/>
-      </a:schemeClr>
-    </dgm:linClrLst>
-    <dgm:effectClrLst/>
-    <dgm:txLinClrLst/>
-    <dgm:txFillClrLst meth="repeat">
-      <a:schemeClr val="tx1"/>
-    </dgm:txFillClrLst>
-    <dgm:txEffectClrLst/>
-  </dgm:styleLbl>
-  <dgm:styleLbl name="fgAcc1">
-    <dgm:fillClrLst meth="repeat">
-      <a:schemeClr val="lt1">
-        <a:alpha val="90000"/>
-      </a:schemeClr>
-    </dgm:fillClrLst>
-    <dgm:linClrLst meth="repeat">
-      <a:schemeClr val="accent3"/>
-    </dgm:linClrLst>
-    <dgm:effectClrLst/>
-    <dgm:txLinClrLst/>
-    <dgm:txFillClrLst meth="repeat">
-      <a:schemeClr val="dk1"/>
-    </dgm:txFillClrLst>
-    <dgm:txEffectClrLst/>
-  </dgm:styleLbl>
-  <dgm:styleLbl name="conFgAcc1">
-    <dgm:fillClrLst meth="repeat">
-      <a:schemeClr val="lt1">
-        <a:alpha val="90000"/>
-      </a:schemeClr>
-    </dgm:fillClrLst>
-    <dgm:linClrLst meth="repeat">
-      <a:schemeClr val="accent3"/>
-    </dgm:linClrLst>
-    <dgm:effectClrLst/>
-    <dgm:txLinClrLst/>
-    <dgm:txFillClrLst meth="repeat">
-      <a:schemeClr val="dk1"/>
-    </dgm:txFillClrLst>
-    <dgm:txEffectClrLst/>
-  </dgm:styleLbl>
-  <dgm:styleLbl name="alignAcc1">
-    <dgm:fillClrLst meth="repeat">
-      <a:schemeClr val="lt1">
-        <a:alpha val="90000"/>
-      </a:schemeClr>
-    </dgm:fillClrLst>
-    <dgm:linClrLst meth="repeat">
-      <a:schemeClr val="accent3"/>
-    </dgm:linClrLst>
-    <dgm:effectClrLst/>
-    <dgm:txLinClrLst/>
-    <dgm:txFillClrLst meth="repeat">
-      <a:schemeClr val="dk1"/>
-    </dgm:txFillClrLst>
-    <dgm:txEffectClrLst/>
-  </dgm:styleLbl>
-  <dgm:styleLbl name="trAlignAcc1">
-    <dgm:fillClrLst meth="repeat">
-      <a:schemeClr val="lt1">
-        <a:alpha val="40000"/>
-      </a:schemeClr>
-    </dgm:fillClrLst>
-    <dgm:linClrLst meth="repeat">
-      <a:schemeClr val="accent3"/>
-    </dgm:linClrLst>
-    <dgm:effectClrLst/>
-    <dgm:txLinClrLst/>
-    <dgm:txFillClrLst meth="repeat">
-      <a:schemeClr val="dk1"/>
-    </dgm:txFillClrLst>
-    <dgm:txEffectClrLst/>
-  </dgm:styleLbl>
-  <dgm:styleLbl name="bgAcc1">
-    <dgm:fillClrLst meth="repeat">
-      <a:schemeClr val="lt1">
-        <a:alpha val="90000"/>
-      </a:schemeClr>
-    </dgm:fillClrLst>
-    <dgm:linClrLst meth="repeat">
-      <a:schemeClr val="accent3"/>
-    </dgm:linClrLst>
-    <dgm:effectClrLst/>
-    <dgm:txLinClrLst/>
-    <dgm:txFillClrLst meth="repeat">
-      <a:schemeClr val="dk1"/>
-    </dgm:txFillClrLst>
-    <dgm:txEffectClrLst/>
-  </dgm:styleLbl>
-  <dgm:styleLbl name="solidFgAcc1">
-    <dgm:fillClrLst meth="repeat">
-      <a:schemeClr val="lt1"/>
-    </dgm:fillClrLst>
-    <dgm:linClrLst meth="repeat">
-      <a:schemeClr val="accent3"/>
-    </dgm:linClrLst>
-    <dgm:effectClrLst/>
-    <dgm:txLinClrLst/>
-    <dgm:txFillClrLst meth="repeat">
-      <a:schemeClr val="dk1"/>
-    </dgm:txFillClrLst>
-    <dgm:txEffectClrLst/>
-  </dgm:styleLbl>
-  <dgm:styleLbl name="solidAlignAcc1">
-    <dgm:fillClrLst meth="repeat">
-      <a:schemeClr val="lt1"/>
-    </dgm:fillClrLst>
-    <dgm:linClrLst meth="repeat">
-      <a:schemeClr val="accent3"/>
-    </dgm:linClrLst>
-    <dgm:effectClrLst/>
-    <dgm:txLinClrLst/>
-    <dgm:txFillClrLst meth="repeat">
-      <a:schemeClr val="dk1"/>
-    </dgm:txFillClrLst>
-    <dgm:txEffectClrLst/>
-  </dgm:styleLbl>
-  <dgm:styleLbl name="solidBgAcc1">
-    <dgm:fillClrLst meth="repeat">
-      <a:schemeClr val="lt1"/>
-    </dgm:fillClrLst>
-    <dgm:linClrLst meth="repeat">
-      <a:schemeClr val="accent3"/>
-    </dgm:linClrLst>
-    <dgm:effectClrLst/>
-    <dgm:txLinClrLst/>
-    <dgm:txFillClrLst meth="repeat">
-      <a:schemeClr val="dk1"/>
-    </dgm:txFillClrLst>
-    <dgm:txEffectClrLst/>
-  </dgm:styleLbl>
-  <dgm:styleLbl name="fgAccFollowNode1">
-    <dgm:fillClrLst meth="repeat">
-      <a:schemeClr val="accent3">
-        <a:alpha val="90000"/>
-        <a:tint val="40000"/>
-      </a:schemeClr>
-    </dgm:fillClrLst>
-    <dgm:linClrLst meth="repeat">
-      <a:schemeClr val="accent3">
-        <a:alpha val="90000"/>
-        <a:tint val="40000"/>
-      </a:schemeClr>
-    </dgm:linClrLst>
-    <dgm:effectClrLst/>
-    <dgm:txLinClrLst/>
-    <dgm:txFillClrLst meth="repeat">
-      <a:schemeClr val="dk1"/>
-    </dgm:txFillClrLst>
-    <dgm:txEffectClrLst/>
-  </dgm:styleLbl>
-  <dgm:styleLbl name="alignAccFollowNode1">
-    <dgm:fillClrLst meth="repeat">
-      <a:schemeClr val="accent3">
-        <a:alpha val="90000"/>
-        <a:tint val="40000"/>
-      </a:schemeClr>
-    </dgm:fillClrLst>
-    <dgm:linClrLst meth="repeat">
-      <a:schemeClr val="accent3">
-        <a:alpha val="90000"/>
-        <a:tint val="40000"/>
-      </a:schemeClr>
-    </dgm:linClrLst>
-    <dgm:effectClrLst/>
-    <dgm:txLinClrLst/>
-    <dgm:txFillClrLst meth="repeat">
-      <a:schemeClr val="dk1"/>
-    </dgm:txFillClrLst>
-    <dgm:txEffectClrLst/>
-  </dgm:styleLbl>
-  <dgm:styleLbl name="bgAccFollowNode1">
-    <dgm:fillClrLst meth="repeat">
-      <a:schemeClr val="accent3">
-        <a:alpha val="90000"/>
-        <a:tint val="40000"/>
-      </a:schemeClr>
-    </dgm:fillClrLst>
-    <dgm:linClrLst meth="repeat">
-      <a:schemeClr val="accent3">
-        <a:alpha val="90000"/>
-        <a:tint val="40000"/>
-      </a:schemeClr>
-    </dgm:linClrLst>
-    <dgm:effectClrLst/>
-    <dgm:txLinClrLst/>
-    <dgm:txFillClrLst meth="repeat">
-      <a:schemeClr val="dk1"/>
-    </dgm:txFillClrLst>
-    <dgm:txEffectClrLst/>
-  </dgm:styleLbl>
-  <dgm:styleLbl name="fgAcc0">
-    <dgm:fillClrLst meth="repeat">
-      <a:schemeClr val="lt1">
-        <a:alpha val="90000"/>
-      </a:schemeClr>
-    </dgm:fillClrLst>
-    <dgm:linClrLst meth="repeat">
-      <a:schemeClr val="accent3"/>
-    </dgm:linClrLst>
-    <dgm:effectClrLst/>
-    <dgm:txLinClrLst/>
-    <dgm:txFillClrLst meth="repeat">
-      <a:schemeClr val="dk1"/>
-    </dgm:txFillClrLst>
-    <dgm:txEffectClrLst/>
-  </dgm:styleLbl>
-  <dgm:styleLbl name="fgAcc2">
-    <dgm:fillClrLst meth="repeat">
-      <a:schemeClr val="lt1">
-        <a:alpha val="90000"/>
-      </a:schemeClr>
-    </dgm:fillClrLst>
-    <dgm:linClrLst meth="repeat">
-      <a:schemeClr val="accent3"/>
-    </dgm:linClrLst>
-    <dgm:effectClrLst/>
-    <dgm:txLinClrLst/>
-    <dgm:txFillClrLst meth="repeat">
-      <a:schemeClr val="dk1"/>
-    </dgm:txFillClrLst>
-    <dgm:txEffectClrLst/>
-  </dgm:styleLbl>
-  <dgm:styleLbl name="fgAcc3">
-    <dgm:fillClrLst meth="repeat">
-      <a:schemeClr val="lt1">
-        <a:alpha val="90000"/>
-      </a:schemeClr>
-    </dgm:fillClrLst>
-    <dgm:linClrLst meth="repeat">
-      <a:schemeClr val="accent3"/>
-    </dgm:linClrLst>
-    <dgm:effectClrLst/>
-    <dgm:txLinClrLst/>
-    <dgm:txFillClrLst meth="repeat">
-      <a:schemeClr val="dk1"/>
-    </dgm:txFillClrLst>
-    <dgm:txEffectClrLst/>
-  </dgm:styleLbl>
-  <dgm:styleLbl name="fgAcc4">
-    <dgm:fillClrLst meth="repeat">
-      <a:schemeClr val="lt1">
-        <a:alpha val="90000"/>
-      </a:schemeClr>
-    </dgm:fillClrLst>
-    <dgm:linClrLst meth="repeat">
-      <a:schemeClr val="accent3"/>
-    </dgm:linClrLst>
-    <dgm:effectClrLst/>
-    <dgm:txLinClrLst/>
-    <dgm:txFillClrLst meth="repeat">
-      <a:schemeClr val="dk1"/>
-    </dgm:txFillClrLst>
-    <dgm:txEffectClrLst/>
-  </dgm:styleLbl>
-  <dgm:styleLbl name="bgShp">
-    <dgm:fillClrLst meth="repeat">
-      <a:schemeClr val="accent3"/>
-    </dgm:fillClrLst>
-    <dgm:linClrLst meth="repeat">
-      <a:schemeClr val="lt1">
-        <a:alpha val="0"/>
-      </a:schemeClr>
-    </dgm:linClrLst>
-    <dgm:effectClrLst/>
-    <dgm:txLinClrLst/>
-    <dgm:txFillClrLst/>
-    <dgm:txEffectClrLst/>
-  </dgm:styleLbl>
-  <dgm:styleLbl name="dkBgShp">
-    <dgm:fillClrLst meth="repeat">
-      <a:schemeClr val="accent3">
-        <a:shade val="80000"/>
-      </a:schemeClr>
-    </dgm:fillClrLst>
-    <dgm:linClrLst meth="repeat">
-      <a:schemeClr val="accent3"/>
-    </dgm:linClrLst>
-    <dgm:effectClrLst/>
-    <dgm:txLinClrLst/>
-    <dgm:txFillClrLst meth="repeat">
-      <a:schemeClr val="lt1"/>
-    </dgm:txFillClrLst>
-    <dgm:txEffectClrLst/>
-  </dgm:styleLbl>
-  <dgm:styleLbl name="trBgShp">
-    <dgm:fillClrLst meth="repeat">
-      <a:schemeClr val="accent3">
-        <a:tint val="50000"/>
-        <a:alpha val="40000"/>
-      </a:schemeClr>
-    </dgm:fillClrLst>
-    <dgm:linClrLst meth="repeat">
-      <a:schemeClr val="accent3"/>
-    </dgm:linClrLst>
-    <dgm:effectClrLst/>
-    <dgm:txLinClrLst/>
-    <dgm:txFillClrLst meth="repeat">
-      <a:schemeClr val="lt1"/>
-    </dgm:txFillClrLst>
-    <dgm:txEffectClrLst/>
-  </dgm:styleLbl>
-  <dgm:styleLbl name="fgShp">
-    <dgm:fillClrLst meth="repeat">
-      <a:schemeClr val="accent3">
-        <a:tint val="60000"/>
-      </a:schemeClr>
-    </dgm:fillClrLst>
-    <dgm:linClrLst meth="repeat">
-      <a:schemeClr val="lt1"/>
-    </dgm:linClrLst>
-    <dgm:effectClrLst/>
-    <dgm:txLinClrLst/>
-    <dgm:txFillClrLst meth="repeat">
-      <a:schemeClr val="dk1"/>
-    </dgm:txFillClrLst>
-    <dgm:txEffectClrLst/>
-  </dgm:styleLbl>
-  <dgm:styleLbl name="revTx">
-    <dgm:fillClrLst meth="repeat">
-      <a:schemeClr val="lt1">
-        <a:alpha val="0"/>
-      </a:schemeClr>
-    </dgm:fillClrLst>
-    <dgm:linClrLst meth="repeat">
-      <a:schemeClr val="dk1">
-        <a:alpha val="0"/>
-      </a:schemeClr>
-    </dgm:linClrLst>
-    <dgm:effectClrLst/>
-    <dgm:txLinClrLst/>
-    <dgm:txFillClrLst meth="repeat">
-      <a:schemeClr val="tx1"/>
-    </dgm:txFillClrLst>
-    <dgm:txEffectClrLst/>
-  </dgm:styleLbl>
-</dgm:colorsDef>
-</file>
-
-<file path=ppt/diagrams/colors2.xml><?xml version="1.0" encoding="utf-8"?>
-<dgm:colorsDef xmlns:dgm="http://schemas.openxmlformats.org/drawingml/2006/diagram" xmlns:a="http://schemas.openxmlformats.org/drawingml/2006/main" uniqueId="urn:microsoft.com/office/officeart/2005/8/colors/accent1_2">
-  <dgm:title val=""/>
-  <dgm:desc val=""/>
-  <dgm:catLst>
-    <dgm:cat type="accent1" pri="11200"/>
-  </dgm:catLst>
-  <dgm:styleLbl name="node0">
-    <dgm:fillClrLst meth="repeat">
-      <a:schemeClr val="accent1"/>
-    </dgm:fillClrLst>
-    <dgm:linClrLst meth="repeat">
-      <a:schemeClr val="lt1"/>
-    </dgm:linClrLst>
-    <dgm:effectClrLst/>
-    <dgm:txLinClrLst/>
-    <dgm:txFillClrLst/>
-    <dgm:txEffectClrLst/>
-  </dgm:styleLbl>
-  <dgm:styleLbl name="alignNode1">
-    <dgm:fillClrLst meth="repeat">
-      <a:schemeClr val="accent1"/>
-    </dgm:fillClrLst>
-    <dgm:linClrLst meth="repeat">
-      <a:schemeClr val="accent1"/>
-    </dgm:linClrLst>
-    <dgm:effectClrLst/>
-    <dgm:txLinClrLst/>
-    <dgm:txFillClrLst/>
-    <dgm:txEffectClrLst/>
-  </dgm:styleLbl>
-  <dgm:styleLbl name="node1">
-    <dgm:fillClrLst meth="repeat">
-      <a:schemeClr val="accent1"/>
-    </dgm:fillClrLst>
-    <dgm:linClrLst meth="repeat">
-      <a:schemeClr val="lt1"/>
-    </dgm:linClrLst>
-    <dgm:effectClrLst/>
-    <dgm:txLinClrLst/>
-    <dgm:txFillClrLst/>
-    <dgm:txEffectClrLst/>
-  </dgm:styleLbl>
-  <dgm:styleLbl name="lnNode1">
-    <dgm:fillClrLst meth="repeat">
-      <a:schemeClr val="accent1"/>
-    </dgm:fillClrLst>
-    <dgm:linClrLst meth="repeat">
-      <a:schemeClr val="lt1"/>
-    </dgm:linClrLst>
-    <dgm:effectClrLst/>
-    <dgm:txLinClrLst/>
-    <dgm:txFillClrLst/>
-    <dgm:txEffectClrLst/>
-  </dgm:styleLbl>
-  <dgm:styleLbl name="vennNode1">
-    <dgm:fillClrLst meth="repeat">
-      <a:schemeClr val="accent1">
-        <a:alpha val="50000"/>
-      </a:schemeClr>
-    </dgm:fillClrLst>
-    <dgm:linClrLst meth="repeat">
-      <a:schemeClr val="lt1"/>
-    </dgm:linClrLst>
-    <dgm:effectClrLst/>
-    <dgm:txLinClrLst/>
-    <dgm:txFillClrLst/>
-    <dgm:txEffectClrLst/>
-  </dgm:styleLbl>
-  <dgm:styleLbl name="node2">
-    <dgm:fillClrLst meth="repeat">
-      <a:schemeClr val="accent1"/>
-    </dgm:fillClrLst>
-    <dgm:linClrLst meth="repeat">
-      <a:schemeClr val="lt1"/>
-    </dgm:linClrLst>
-    <dgm:effectClrLst/>
-    <dgm:txLinClrLst/>
-    <dgm:txFillClrLst/>
-    <dgm:txEffectClrLst/>
-  </dgm:styleLbl>
-  <dgm:styleLbl name="node3">
-    <dgm:fillClrLst meth="repeat">
-      <a:schemeClr val="accent1"/>
-    </dgm:fillClrLst>
-    <dgm:linClrLst meth="repeat">
-      <a:schemeClr val="lt1"/>
-    </dgm:linClrLst>
-    <dgm:effectClrLst/>
-    <dgm:txLinClrLst/>
-    <dgm:txFillClrLst/>
-    <dgm:txEffectClrLst/>
-  </dgm:styleLbl>
-  <dgm:styleLbl name="node4">
-    <dgm:fillClrLst meth="repeat">
-      <a:schemeClr val="accent1"/>
-    </dgm:fillClrLst>
-    <dgm:linClrLst meth="repeat">
-      <a:schemeClr val="lt1"/>
-    </dgm:linClrLst>
-    <dgm:effectClrLst/>
-    <dgm:txLinClrLst/>
-    <dgm:txFillClrLst/>
-    <dgm:txEffectClrLst/>
-  </dgm:styleLbl>
-  <dgm:styleLbl name="fgImgPlace1">
-    <dgm:fillClrLst meth="repeat">
-      <a:schemeClr val="accent1">
-        <a:tint val="50000"/>
-      </a:schemeClr>
-    </dgm:fillClrLst>
-    <dgm:linClrLst meth="repeat">
-      <a:schemeClr val="lt1"/>
-    </dgm:linClrLst>
-    <dgm:effectClrLst/>
-    <dgm:txLinClrLst/>
-    <dgm:txFillClrLst meth="repeat">
-      <a:schemeClr val="lt1"/>
-    </dgm:txFillClrLst>
-    <dgm:txEffectClrLst/>
-  </dgm:styleLbl>
-  <dgm:styleLbl name="alignImgPlace1">
-    <dgm:fillClrLst meth="repeat">
-      <a:schemeClr val="accent1">
-        <a:tint val="50000"/>
-      </a:schemeClr>
-    </dgm:fillClrLst>
-    <dgm:linClrLst meth="repeat">
-      <a:schemeClr val="lt1"/>
-    </dgm:linClrLst>
-    <dgm:effectClrLst/>
-    <dgm:txLinClrLst/>
-    <dgm:txFillClrLst meth="repeat">
-      <a:schemeClr val="lt1"/>
-    </dgm:txFillClrLst>
-    <dgm:txEffectClrLst/>
-  </dgm:styleLbl>
-  <dgm:styleLbl name="bgImgPlace1">
-    <dgm:fillClrLst meth="repeat">
-      <a:schemeClr val="accent1">
-        <a:tint val="50000"/>
-      </a:schemeClr>
-    </dgm:fillClrLst>
-    <dgm:linClrLst meth="repeat">
-      <a:schemeClr val="lt1"/>
-    </dgm:linClrLst>
-    <dgm:effectClrLst/>
-    <dgm:txLinClrLst/>
-    <dgm:txFillClrLst meth="repeat">
-      <a:schemeClr val="lt1"/>
-    </dgm:txFillClrLst>
-    <dgm:txEffectClrLst/>
-  </dgm:styleLbl>
-  <dgm:styleLbl name="sibTrans2D1">
-    <dgm:fillClrLst meth="repeat">
-      <a:schemeClr val="accent1">
-        <a:tint val="60000"/>
-      </a:schemeClr>
-    </dgm:fillClrLst>
-    <dgm:linClrLst meth="repeat">
-      <a:schemeClr val="accent1">
-        <a:tint val="60000"/>
-      </a:schemeClr>
-    </dgm:linClrLst>
-    <dgm:effectClrLst/>
-    <dgm:txLinClrLst/>
-    <dgm:txFillClrLst/>
-    <dgm:txEffectClrLst/>
-  </dgm:styleLbl>
-  <dgm:styleLbl name="fgSibTrans2D1">
-    <dgm:fillClrLst meth="repeat">
-      <a:schemeClr val="accent1">
-        <a:tint val="60000"/>
-      </a:schemeClr>
-    </dgm:fillClrLst>
-    <dgm:linClrLst meth="repeat">
-      <a:schemeClr val="accent1">
-        <a:tint val="60000"/>
-      </a:schemeClr>
-    </dgm:linClrLst>
-    <dgm:effectClrLst/>
-    <dgm:txLinClrLst/>
-    <dgm:txFillClrLst/>
-    <dgm:txEffectClrLst/>
-  </dgm:styleLbl>
-  <dgm:styleLbl name="bgSibTrans2D1">
-    <dgm:fillClrLst meth="repeat">
-      <a:schemeClr val="accent1">
-        <a:tint val="60000"/>
-      </a:schemeClr>
-    </dgm:fillClrLst>
-    <dgm:linClrLst meth="repeat">
-      <a:schemeClr val="accent1">
-        <a:tint val="60000"/>
-      </a:schemeClr>
-    </dgm:linClrLst>
-    <dgm:effectClrLst/>
-    <dgm:txLinClrLst/>
-    <dgm:txFillClrLst/>
-    <dgm:txEffectClrLst/>
-  </dgm:styleLbl>
-  <dgm:styleLbl name="sibTrans1D1">
-    <dgm:fillClrLst meth="repeat">
-      <a:schemeClr val="accent1"/>
-    </dgm:fillClrLst>
-    <dgm:linClrLst meth="repeat">
-      <a:schemeClr val="accent1"/>
-    </dgm:linClrLst>
-    <dgm:effectClrLst/>
-    <dgm:txLinClrLst/>
-    <dgm:txFillClrLst meth="repeat">
-      <a:schemeClr val="tx1"/>
-    </dgm:txFillClrLst>
-    <dgm:txEffectClrLst/>
-  </dgm:styleLbl>
-  <dgm:styleLbl name="callout">
-    <dgm:fillClrLst meth="repeat">
-      <a:schemeClr val="accent1"/>
-    </dgm:fillClrLst>
-    <dgm:linClrLst meth="repeat">
-      <a:schemeClr val="accent1">
-        <a:tint val="50000"/>
-      </a:schemeClr>
-    </dgm:linClrLst>
-    <dgm:effectClrLst/>
-    <dgm:txLinClrLst/>
-    <dgm:txFillClrLst meth="repeat">
-      <a:schemeClr val="tx1"/>
-    </dgm:txFillClrLst>
-    <dgm:txEffectClrLst/>
-  </dgm:styleLbl>
-  <dgm:styleLbl name="asst0">
-    <dgm:fillClrLst meth="repeat">
-      <a:schemeClr val="accent1"/>
-    </dgm:fillClrLst>
-    <dgm:linClrLst meth="repeat">
-      <a:schemeClr val="lt1"/>
-    </dgm:linClrLst>
-    <dgm:effectClrLst/>
-    <dgm:txLinClrLst/>
-    <dgm:txFillClrLst/>
-    <dgm:txEffectClrLst/>
-  </dgm:styleLbl>
-  <dgm:styleLbl name="asst1">
-    <dgm:fillClrLst meth="repeat">
-      <a:schemeClr val="accent1"/>
-    </dgm:fillClrLst>
-    <dgm:linClrLst meth="repeat">
-      <a:schemeClr val="lt1"/>
-    </dgm:linClrLst>
-    <dgm:effectClrLst/>
-    <dgm:txLinClrLst/>
-    <dgm:txFillClrLst/>
-    <dgm:txEffectClrLst/>
-  </dgm:styleLbl>
-  <dgm:styleLbl name="asst2">
-    <dgm:fillClrLst meth="repeat">
-      <a:schemeClr val="accent1"/>
-    </dgm:fillClrLst>
-    <dgm:linClrLst meth="repeat">
-      <a:schemeClr val="lt1"/>
-    </dgm:linClrLst>
-    <dgm:effectClrLst/>
-    <dgm:txLinClrLst/>
-    <dgm:txFillClrLst/>
-    <dgm:txEffectClrLst/>
-  </dgm:styleLbl>
-  <dgm:styleLbl name="asst3">
-    <dgm:fillClrLst meth="repeat">
-      <a:schemeClr val="accent1"/>
-    </dgm:fillClrLst>
-    <dgm:linClrLst meth="repeat">
-      <a:schemeClr val="lt1"/>
-    </dgm:linClrLst>
-    <dgm:effectClrLst/>
-    <dgm:txLinClrLst/>
-    <dgm:txFillClrLst/>
-    <dgm:txEffectClrLst/>
-  </dgm:styleLbl>
-  <dgm:styleLbl name="asst4">
-    <dgm:fillClrLst meth="repeat">
-      <a:schemeClr val="accent1"/>
-    </dgm:fillClrLst>
-    <dgm:linClrLst meth="repeat">
-      <a:schemeClr val="lt1"/>
-    </dgm:linClrLst>
-    <dgm:effectClrLst/>
-    <dgm:txLinClrLst/>
-    <dgm:txFillClrLst/>
-    <dgm:txEffectClrLst/>
-  </dgm:styleLbl>
-  <dgm:styleLbl name="parChTrans2D1">
-    <dgm:fillClrLst meth="repeat">
-      <a:schemeClr val="accent1">
-        <a:tint val="60000"/>
-      </a:schemeClr>
-    </dgm:fillClrLst>
-    <dgm:linClrLst meth="repeat">
-      <a:schemeClr val="accent1">
-        <a:tint val="60000"/>
-      </a:schemeClr>
-    </dgm:linClrLst>
-    <dgm:effectClrLst/>
-    <dgm:txLinClrLst/>
-    <dgm:txFillClrLst meth="repeat">
-      <a:schemeClr val="lt1"/>
-    </dgm:txFillClrLst>
-    <dgm:txEffectClrLst/>
-  </dgm:styleLbl>
-  <dgm:styleLbl name="parChTrans2D2">
-    <dgm:fillClrLst meth="repeat">
-      <a:schemeClr val="accent1"/>
-    </dgm:fillClrLst>
-    <dgm:linClrLst meth="repeat">
-      <a:schemeClr val="accent1"/>
-    </dgm:linClrLst>
-    <dgm:effectClrLst/>
-    <dgm:txLinClrLst/>
-    <dgm:txFillClrLst meth="repeat">
-      <a:schemeClr val="lt1"/>
-    </dgm:txFillClrLst>
-    <dgm:txEffectClrLst/>
-  </dgm:styleLbl>
-  <dgm:styleLbl name="parChTrans2D3">
-    <dgm:fillClrLst meth="repeat">
-      <a:schemeClr val="accent1"/>
-    </dgm:fillClrLst>
-    <dgm:linClrLst meth="repeat">
-      <a:schemeClr val="accent1"/>
-    </dgm:linClrLst>
-    <dgm:effectClrLst/>
-    <dgm:txLinClrLst/>
-    <dgm:txFillClrLst meth="repeat">
-      <a:schemeClr val="lt1"/>
-    </dgm:txFillClrLst>
-    <dgm:txEffectClrLst/>
-  </dgm:styleLbl>
-  <dgm:styleLbl name="parChTrans2D4">
-    <dgm:fillClrLst meth="repeat">
-      <a:schemeClr val="accent1"/>
-    </dgm:fillClrLst>
-    <dgm:linClrLst meth="repeat">
-      <a:schemeClr val="accent1"/>
-    </dgm:linClrLst>
-    <dgm:effectClrLst/>
-    <dgm:txLinClrLst/>
-    <dgm:txFillClrLst meth="repeat">
-      <a:schemeClr val="lt1"/>
-    </dgm:txFillClrLst>
-    <dgm:txEffectClrLst/>
-  </dgm:styleLbl>
-  <dgm:styleLbl name="parChTrans1D1">
-    <dgm:fillClrLst meth="repeat">
-      <a:schemeClr val="accent1"/>
-    </dgm:fillClrLst>
-    <dgm:linClrLst meth="repeat">
-      <a:schemeClr val="accent1">
-        <a:shade val="60000"/>
-      </a:schemeClr>
-    </dgm:linClrLst>
-    <dgm:effectClrLst/>
-    <dgm:txLinClrLst/>
-    <dgm:txFillClrLst meth="repeat">
-      <a:schemeClr val="tx1"/>
-    </dgm:txFillClrLst>
-    <dgm:txEffectClrLst/>
-  </dgm:styleLbl>
-  <dgm:styleLbl name="parChTrans1D2">
-    <dgm:fillClrLst meth="repeat">
-      <a:schemeClr val="accent1"/>
-    </dgm:fillClrLst>
-    <dgm:linClrLst meth="repeat">
-      <a:schemeClr val="accent1">
-        <a:shade val="60000"/>
-      </a:schemeClr>
-    </dgm:linClrLst>
-    <dgm:effectClrLst/>
-    <dgm:txLinClrLst/>
-    <dgm:txFillClrLst meth="repeat">
-      <a:schemeClr val="tx1"/>
-    </dgm:txFillClrLst>
-    <dgm:txEffectClrLst/>
-  </dgm:styleLbl>
-  <dgm:styleLbl name="parChTrans1D3">
-    <dgm:fillClrLst meth="repeat">
-      <a:schemeClr val="accent1"/>
-    </dgm:fillClrLst>
-    <dgm:linClrLst meth="repeat">
-      <a:schemeClr val="accent1">
-        <a:shade val="80000"/>
-      </a:schemeClr>
-    </dgm:linClrLst>
-    <dgm:effectClrLst/>
-    <dgm:txLinClrLst/>
-    <dgm:txFillClrLst meth="repeat">
-      <a:schemeClr val="tx1"/>
-    </dgm:txFillClrLst>
-    <dgm:txEffectClrLst/>
-  </dgm:styleLbl>
-  <dgm:styleLbl name="parChTrans1D4">
-    <dgm:fillClrLst meth="repeat">
-      <a:schemeClr val="accent1"/>
-    </dgm:fillClrLst>
-    <dgm:linClrLst meth="repeat">
-      <a:schemeClr val="accent1">
-        <a:shade val="80000"/>
-      </a:schemeClr>
-    </dgm:linClrLst>
-    <dgm:effectClrLst/>
-    <dgm:txLinClrLst/>
-    <dgm:txFillClrLst meth="repeat">
-      <a:schemeClr val="tx1"/>
-    </dgm:txFillClrLst>
-    <dgm:txEffectClrLst/>
-  </dgm:styleLbl>
-  <dgm:styleLbl name="fgAcc1">
-    <dgm:fillClrLst meth="repeat">
-      <a:schemeClr val="lt1">
-        <a:alpha val="90000"/>
-      </a:schemeClr>
-    </dgm:fillClrLst>
-    <dgm:linClrLst meth="repeat">
-      <a:schemeClr val="accent1"/>
-    </dgm:linClrLst>
-    <dgm:effectClrLst/>
-    <dgm:txLinClrLst/>
-    <dgm:txFillClrLst meth="repeat">
-      <a:schemeClr val="dk1"/>
-    </dgm:txFillClrLst>
-    <dgm:txEffectClrLst/>
-  </dgm:styleLbl>
-  <dgm:styleLbl name="conFgAcc1">
-    <dgm:fillClrLst meth="repeat">
-      <a:schemeClr val="lt1">
-        <a:alpha val="90000"/>
-      </a:schemeClr>
-    </dgm:fillClrLst>
-    <dgm:linClrLst meth="repeat">
-      <a:schemeClr val="accent1"/>
-    </dgm:linClrLst>
-    <dgm:effectClrLst/>
-    <dgm:txLinClrLst/>
-    <dgm:txFillClrLst meth="repeat">
-      <a:schemeClr val="dk1"/>
-    </dgm:txFillClrLst>
-    <dgm:txEffectClrLst/>
-  </dgm:styleLbl>
-  <dgm:styleLbl name="alignAcc1">
-    <dgm:fillClrLst meth="repeat">
-      <a:schemeClr val="lt1">
-        <a:alpha val="90000"/>
-      </a:schemeClr>
-    </dgm:fillClrLst>
-    <dgm:linClrLst meth="repeat">
-      <a:schemeClr val="accent1"/>
-    </dgm:linClrLst>
-    <dgm:effectClrLst/>
-    <dgm:txLinClrLst/>
-    <dgm:txFillClrLst meth="repeat">
-      <a:schemeClr val="dk1"/>
-    </dgm:txFillClrLst>
-    <dgm:txEffectClrLst/>
-  </dgm:styleLbl>
-  <dgm:styleLbl name="trAlignAcc1">
-    <dgm:fillClrLst meth="repeat">
-      <a:schemeClr val="lt1">
-        <a:alpha val="40000"/>
-      </a:schemeClr>
-    </dgm:fillClrLst>
-    <dgm:linClrLst meth="repeat">
-      <a:schemeClr val="accent1"/>
-    </dgm:linClrLst>
-    <dgm:effectClrLst/>
-    <dgm:txLinClrLst/>
-    <dgm:txFillClrLst meth="repeat">
-      <a:schemeClr val="dk1"/>
-    </dgm:txFillClrLst>
-    <dgm:txEffectClrLst/>
-  </dgm:styleLbl>
-  <dgm:styleLbl name="bgAcc1">
-    <dgm:fillClrLst meth="repeat">
-      <a:schemeClr val="lt1">
-        <a:alpha val="90000"/>
-      </a:schemeClr>
-    </dgm:fillClrLst>
-    <dgm:linClrLst meth="repeat">
-      <a:schemeClr val="accent1"/>
-    </dgm:linClrLst>
-    <dgm:effectClrLst/>
-    <dgm:txLinClrLst/>
-    <dgm:txFillClrLst meth="repeat">
-      <a:schemeClr val="dk1"/>
-    </dgm:txFillClrLst>
-    <dgm:txEffectClrLst/>
-  </dgm:styleLbl>
-  <dgm:styleLbl name="solidFgAcc1">
-    <dgm:fillClrLst meth="repeat">
-      <a:schemeClr val="lt1"/>
-    </dgm:fillClrLst>
-    <dgm:linClrLst meth="repeat">
-      <a:schemeClr val="accent1"/>
-    </dgm:linClrLst>
-    <dgm:effectClrLst/>
-    <dgm:txLinClrLst/>
-    <dgm:txFillClrLst meth="repeat">
-      <a:schemeClr val="dk1"/>
-    </dgm:txFillClrLst>
-    <dgm:txEffectClrLst/>
-  </dgm:styleLbl>
-  <dgm:styleLbl name="solidAlignAcc1">
-    <dgm:fillClrLst meth="repeat">
-      <a:schemeClr val="lt1"/>
-    </dgm:fillClrLst>
-    <dgm:linClrLst meth="repeat">
-      <a:schemeClr val="accent1"/>
-    </dgm:linClrLst>
-    <dgm:effectClrLst/>
-    <dgm:txLinClrLst/>
-    <dgm:txFillClrLst meth="repeat">
-      <a:schemeClr val="dk1"/>
-    </dgm:txFillClrLst>
-    <dgm:txEffectClrLst/>
-  </dgm:styleLbl>
-  <dgm:styleLbl name="solidBgAcc1">
-    <dgm:fillClrLst meth="repeat">
-      <a:schemeClr val="lt1"/>
-    </dgm:fillClrLst>
-    <dgm:linClrLst meth="repeat">
-      <a:schemeClr val="accent1"/>
-    </dgm:linClrLst>
-    <dgm:effectClrLst/>
-    <dgm:txLinClrLst/>
-    <dgm:txFillClrLst meth="repeat">
-      <a:schemeClr val="dk1"/>
-    </dgm:txFillClrLst>
-    <dgm:txEffectClrLst/>
-  </dgm:styleLbl>
-  <dgm:styleLbl name="fgAccFollowNode1">
-    <dgm:fillClrLst meth="repeat">
-      <a:schemeClr val="accent1">
-        <a:alpha val="90000"/>
-        <a:tint val="40000"/>
-      </a:schemeClr>
-    </dgm:fillClrLst>
-    <dgm:linClrLst meth="repeat">
-      <a:schemeClr val="accent1">
-        <a:alpha val="90000"/>
-        <a:tint val="40000"/>
-      </a:schemeClr>
-    </dgm:linClrLst>
-    <dgm:effectClrLst/>
-    <dgm:txLinClrLst/>
-    <dgm:txFillClrLst meth="repeat">
-      <a:schemeClr val="dk1"/>
-    </dgm:txFillClrLst>
-    <dgm:txEffectClrLst/>
-  </dgm:styleLbl>
-  <dgm:styleLbl name="alignAccFollowNode1">
-    <dgm:fillClrLst meth="repeat">
-      <a:schemeClr val="accent1">
-        <a:alpha val="90000"/>
-        <a:tint val="40000"/>
-      </a:schemeClr>
-    </dgm:fillClrLst>
-    <dgm:linClrLst meth="repeat">
-      <a:schemeClr val="accent1">
-        <a:alpha val="90000"/>
-        <a:tint val="40000"/>
-      </a:schemeClr>
-    </dgm:linClrLst>
-    <dgm:effectClrLst/>
-    <dgm:txLinClrLst/>
-    <dgm:txFillClrLst meth="repeat">
-      <a:schemeClr val="dk1"/>
-    </dgm:txFillClrLst>
-    <dgm:txEffectClrLst/>
-  </dgm:styleLbl>
-  <dgm:styleLbl name="bgAccFollowNode1">
-    <dgm:fillClrLst meth="repeat">
-      <a:schemeClr val="accent1">
-        <a:alpha val="90000"/>
-        <a:tint val="40000"/>
-      </a:schemeClr>
-    </dgm:fillClrLst>
-    <dgm:linClrLst meth="repeat">
-      <a:schemeClr val="accent1">
-        <a:alpha val="90000"/>
-        <a:tint val="40000"/>
-      </a:schemeClr>
-    </dgm:linClrLst>
-    <dgm:effectClrLst/>
-    <dgm:txLinClrLst/>
-    <dgm:txFillClrLst meth="repeat">
-      <a:schemeClr val="dk1"/>
-    </dgm:txFillClrLst>
-    <dgm:txEffectClrLst/>
-  </dgm:styleLbl>
-  <dgm:styleLbl name="fgAcc0">
-    <dgm:fillClrLst meth="repeat">
-      <a:schemeClr val="lt1">
-        <a:alpha val="90000"/>
-      </a:schemeClr>
-    </dgm:fillClrLst>
-    <dgm:linClrLst meth="repeat">
-      <a:schemeClr val="accent1"/>
-    </dgm:linClrLst>
-    <dgm:effectClrLst/>
-    <dgm:txLinClrLst/>
-    <dgm:txFillClrLst meth="repeat">
-      <a:schemeClr val="dk1"/>
-    </dgm:txFillClrLst>
-    <dgm:txEffectClrLst/>
-  </dgm:styleLbl>
-  <dgm:styleLbl name="fgAcc2">
-    <dgm:fillClrLst meth="repeat">
-      <a:schemeClr val="lt1">
-        <a:alpha val="90000"/>
-      </a:schemeClr>
-    </dgm:fillClrLst>
-    <dgm:linClrLst meth="repeat">
-      <a:schemeClr val="accent1"/>
-    </dgm:linClrLst>
-    <dgm:effectClrLst/>
-    <dgm:txLinClrLst/>
-    <dgm:txFillClrLst meth="repeat">
-      <a:schemeClr val="dk1"/>
-    </dgm:txFillClrLst>
-    <dgm:txEffectClrLst/>
-  </dgm:styleLbl>
-  <dgm:styleLbl name="fgAcc3">
-    <dgm:fillClrLst meth="repeat">
-      <a:schemeClr val="lt1">
-        <a:alpha val="90000"/>
-      </a:schemeClr>
-    </dgm:fillClrLst>
-    <dgm:linClrLst meth="repeat">
-      <a:schemeClr val="accent1"/>
-    </dgm:linClrLst>
-    <dgm:effectClrLst/>
-    <dgm:txLinClrLst/>
-    <dgm:txFillClrLst meth="repeat">
-      <a:schemeClr val="dk1"/>
-    </dgm:txFillClrLst>
-    <dgm:txEffectClrLst/>
-  </dgm:styleLbl>
-  <dgm:styleLbl name="fgAcc4">
-    <dgm:fillClrLst meth="repeat">
-      <a:schemeClr val="lt1">
-        <a:alpha val="90000"/>
-      </a:schemeClr>
-    </dgm:fillClrLst>
-    <dgm:linClrLst meth="repeat">
-      <a:schemeClr val="accent1"/>
-    </dgm:linClrLst>
-    <dgm:effectClrLst/>
-    <dgm:txLinClrLst/>
-    <dgm:txFillClrLst meth="repeat">
-      <a:schemeClr val="dk1"/>
-    </dgm:txFillClrLst>
-    <dgm:txEffectClrLst/>
-  </dgm:styleLbl>
-  <dgm:styleLbl name="bgShp">
-    <dgm:fillClrLst meth="repeat">
-      <a:schemeClr val="accent1">
-        <a:tint val="40000"/>
-      </a:schemeClr>
-    </dgm:fillClrLst>
-    <dgm:linClrLst meth="repeat">
-      <a:schemeClr val="accent1"/>
-    </dgm:linClrLst>
-    <dgm:effectClrLst/>
-    <dgm:txLinClrLst/>
-    <dgm:txFillClrLst meth="repeat">
-      <a:schemeClr val="dk1"/>
-    </dgm:txFillClrLst>
-    <dgm:txEffectClrLst/>
-  </dgm:styleLbl>
-  <dgm:styleLbl name="dkBgShp">
-    <dgm:fillClrLst meth="repeat">
-      <a:schemeClr val="accent1">
-        <a:shade val="80000"/>
-      </a:schemeClr>
-    </dgm:fillClrLst>
-    <dgm:linClrLst meth="repeat">
-      <a:schemeClr val="accent1"/>
-    </dgm:linClrLst>
-    <dgm:effectClrLst/>
-    <dgm:txLinClrLst/>
-    <dgm:txFillClrLst meth="repeat">
-      <a:schemeClr val="lt1"/>
-    </dgm:txFillClrLst>
-    <dgm:txEffectClrLst/>
-  </dgm:styleLbl>
-  <dgm:styleLbl name="trBgShp">
-    <dgm:fillClrLst meth="repeat">
-      <a:schemeClr val="accent1">
-        <a:tint val="50000"/>
-        <a:alpha val="40000"/>
-      </a:schemeClr>
-    </dgm:fillClrLst>
-    <dgm:linClrLst meth="repeat">
-      <a:schemeClr val="accent1"/>
-    </dgm:linClrLst>
-    <dgm:effectClrLst/>
-    <dgm:txLinClrLst/>
-    <dgm:txFillClrLst meth="repeat">
-      <a:schemeClr val="lt1"/>
-    </dgm:txFillClrLst>
-    <dgm:txEffectClrLst/>
-  </dgm:styleLbl>
-  <dgm:styleLbl name="fgShp">
-    <dgm:fillClrLst meth="repeat">
-      <a:schemeClr val="accent1">
-        <a:tint val="60000"/>
-      </a:schemeClr>
-    </dgm:fillClrLst>
-    <dgm:linClrLst meth="repeat">
-      <a:schemeClr val="lt1"/>
-    </dgm:linClrLst>
-    <dgm:effectClrLst/>
-    <dgm:txLinClrLst/>
-    <dgm:txFillClrLst meth="repeat">
-      <a:schemeClr val="dk1"/>
-    </dgm:txFillClrLst>
-    <dgm:txEffectClrLst/>
-  </dgm:styleLbl>
-  <dgm:styleLbl name="revTx">
-    <dgm:fillClrLst meth="repeat">
-      <a:schemeClr val="lt1">
-        <a:alpha val="0"/>
-      </a:schemeClr>
-    </dgm:fillClrLst>
-    <dgm:linClrLst meth="repeat">
-      <a:schemeClr val="dk1">
-        <a:alpha val="0"/>
-      </a:schemeClr>
-    </dgm:linClrLst>
-    <dgm:effectClrLst/>
-    <dgm:txLinClrLst/>
-    <dgm:txFillClrLst meth="repeat">
-      <a:schemeClr val="tx1"/>
-    </dgm:txFillClrLst>
-    <dgm:txEffectClrLst/>
-  </dgm:styleLbl>
-</dgm:colorsDef>
-</file>
-
-<file path=ppt/diagrams/data1.xml><?xml version="1.0" encoding="utf-8"?>
-<dgm:dataModel xmlns:dgm="http://schemas.openxmlformats.org/drawingml/2006/diagram" xmlns:a="http://schemas.openxmlformats.org/drawingml/2006/main">
-  <dgm:ptLst>
-    <dgm:pt modelId="{489A589A-46DE-0F49-B460-E7914F3E440D}" type="doc">
-      <dgm:prSet loTypeId="urn:microsoft.com/office/officeart/2018/2/layout/IconCircleList" loCatId="icon" qsTypeId="urn:microsoft.com/office/officeart/2005/8/quickstyle/simple1" qsCatId="simple" csTypeId="urn:microsoft.com/office/officeart/2018/5/colors/Iconchunking_neutralicon_accent3_2" csCatId="accent3" phldr="1"/>
-      <dgm:spPr/>
-      <dgm:t>
-        <a:bodyPr/>
-        <a:lstStyle/>
-        <a:p>
-          <a:endParaRPr lang="en-US"/>
-        </a:p>
-      </dgm:t>
-    </dgm:pt>
-    <dgm:pt modelId="{66039115-797B-304C-9FC0-EFABB1F21232}">
-      <dgm:prSet/>
-      <dgm:spPr/>
-      <dgm:t>
-        <a:bodyPr/>
-        <a:lstStyle/>
-        <a:p>
-          <a:pPr>
-            <a:lnSpc>
-              <a:spcPct val="100000"/>
-            </a:lnSpc>
-          </a:pPr>
-          <a:r>
-            <a:rPr lang="en-US" dirty="0"/>
-            <a:t>Smart Product</a:t>
-          </a:r>
-        </a:p>
-      </dgm:t>
-    </dgm:pt>
-    <dgm:pt modelId="{C8EABE8F-1E84-494E-AD8A-32BA419A36E9}" type="parTrans" cxnId="{31C3237C-2299-B649-8C93-587C97AC9999}">
-      <dgm:prSet/>
-      <dgm:spPr/>
-      <dgm:t>
-        <a:bodyPr/>
-        <a:lstStyle/>
-        <a:p>
-          <a:endParaRPr lang="en-US"/>
-        </a:p>
-      </dgm:t>
-    </dgm:pt>
-    <dgm:pt modelId="{D044F6BA-1D90-EC47-8A78-B9796198ECF5}" type="sibTrans" cxnId="{31C3237C-2299-B649-8C93-587C97AC9999}">
-      <dgm:prSet/>
-      <dgm:spPr/>
-      <dgm:t>
-        <a:bodyPr/>
-        <a:lstStyle/>
-        <a:p>
-          <a:pPr>
-            <a:lnSpc>
-              <a:spcPct val="100000"/>
-            </a:lnSpc>
-          </a:pPr>
-          <a:endParaRPr lang="en-US"/>
-        </a:p>
-      </dgm:t>
-      <dgm:extLst/>
-    </dgm:pt>
-    <dgm:pt modelId="{E39563C5-C199-4F5B-A899-8CC0710341A0}">
-      <dgm:prSet/>
-      <dgm:spPr/>
-      <dgm:t>
-        <a:bodyPr/>
-        <a:lstStyle/>
-        <a:p>
-          <a:pPr>
-            <a:lnSpc>
-              <a:spcPct val="100000"/>
-            </a:lnSpc>
-          </a:pPr>
-          <a:r>
-            <a:rPr lang="en-US" dirty="0"/>
-            <a:t>Voice Recognition</a:t>
-          </a:r>
-        </a:p>
-      </dgm:t>
-    </dgm:pt>
-    <dgm:pt modelId="{6531EA77-44C5-4E3D-BA04-70C1E49BCD39}" type="parTrans" cxnId="{BBAD9FDB-1013-4B11-A9AE-2815527D1B78}">
-      <dgm:prSet/>
-      <dgm:spPr/>
-      <dgm:t>
-        <a:bodyPr/>
-        <a:lstStyle/>
-        <a:p>
-          <a:endParaRPr lang="en-US"/>
-        </a:p>
-      </dgm:t>
-    </dgm:pt>
-    <dgm:pt modelId="{BC971DAC-9BE2-44B2-ABE4-8099C777E9C4}" type="sibTrans" cxnId="{BBAD9FDB-1013-4B11-A9AE-2815527D1B78}">
-      <dgm:prSet/>
-      <dgm:spPr/>
-      <dgm:t>
-        <a:bodyPr/>
-        <a:lstStyle/>
-        <a:p>
-          <a:pPr>
-            <a:lnSpc>
-              <a:spcPct val="100000"/>
-            </a:lnSpc>
-          </a:pPr>
-          <a:endParaRPr lang="en-US"/>
-        </a:p>
-      </dgm:t>
-      <dgm:extLst/>
-    </dgm:pt>
-    <dgm:pt modelId="{15B1A768-2666-4AB4-BDA7-F0E3C4160D59}">
-      <dgm:prSet/>
-      <dgm:spPr/>
-      <dgm:t>
-        <a:bodyPr/>
-        <a:lstStyle/>
-        <a:p>
-          <a:pPr>
-            <a:lnSpc>
-              <a:spcPct val="100000"/>
-            </a:lnSpc>
-          </a:pPr>
-          <a:r>
-            <a:rPr lang="en-US" dirty="0"/>
-            <a:t>Artificial Intelligence</a:t>
-          </a:r>
-        </a:p>
-      </dgm:t>
-    </dgm:pt>
-    <dgm:pt modelId="{D47033D3-4E41-485A-B515-A02A8C3B404A}" type="parTrans" cxnId="{08DEC938-538C-403B-80C3-828B96DAFF82}">
-      <dgm:prSet/>
-      <dgm:spPr/>
-      <dgm:t>
-        <a:bodyPr/>
-        <a:lstStyle/>
-        <a:p>
-          <a:endParaRPr lang="en-US"/>
-        </a:p>
-      </dgm:t>
-    </dgm:pt>
-    <dgm:pt modelId="{72FFCBD4-DD9D-4E06-81E4-54307F97A3F0}" type="sibTrans" cxnId="{08DEC938-538C-403B-80C3-828B96DAFF82}">
-      <dgm:prSet/>
-      <dgm:spPr/>
-      <dgm:t>
-        <a:bodyPr/>
-        <a:lstStyle/>
-        <a:p>
-          <a:pPr>
-            <a:lnSpc>
-              <a:spcPct val="100000"/>
-            </a:lnSpc>
-          </a:pPr>
-          <a:endParaRPr lang="en-US"/>
-        </a:p>
-      </dgm:t>
-      <dgm:extLst/>
-    </dgm:pt>
-    <dgm:pt modelId="{3AA5586A-C40E-4DDA-98A5-6545F36F46AB}">
-      <dgm:prSet/>
-      <dgm:spPr/>
-      <dgm:t>
-        <a:bodyPr/>
-        <a:lstStyle/>
-        <a:p>
-          <a:pPr>
-            <a:lnSpc>
-              <a:spcPct val="100000"/>
-            </a:lnSpc>
-          </a:pPr>
-          <a:r>
-            <a:rPr lang="en-US" dirty="0"/>
-            <a:t>VR</a:t>
-          </a:r>
-        </a:p>
-      </dgm:t>
-    </dgm:pt>
-    <dgm:pt modelId="{ABF44FB7-9255-4D99-BC69-3BE74FDF8E87}" type="parTrans" cxnId="{119FEAF1-383D-4740-9124-CC9EEA7E35F9}">
-      <dgm:prSet/>
-      <dgm:spPr/>
-      <dgm:t>
-        <a:bodyPr/>
-        <a:lstStyle/>
-        <a:p>
-          <a:endParaRPr lang="en-US"/>
-        </a:p>
-      </dgm:t>
-    </dgm:pt>
-    <dgm:pt modelId="{19FB306E-81B4-4F3F-99EE-765120CBB6B3}" type="sibTrans" cxnId="{119FEAF1-383D-4740-9124-CC9EEA7E35F9}">
-      <dgm:prSet/>
-      <dgm:spPr/>
-      <dgm:t>
-        <a:bodyPr/>
-        <a:lstStyle/>
-        <a:p>
-          <a:endParaRPr lang="en-US"/>
-        </a:p>
-      </dgm:t>
-      <dgm:extLst/>
-    </dgm:pt>
-    <dgm:pt modelId="{B80C9CF3-C6BB-48D7-8AE1-5002D62D3761}" type="pres">
-      <dgm:prSet presAssocID="{489A589A-46DE-0F49-B460-E7914F3E440D}" presName="root" presStyleCnt="0">
-        <dgm:presLayoutVars>
-          <dgm:dir/>
-          <dgm:resizeHandles val="exact"/>
-        </dgm:presLayoutVars>
-      </dgm:prSet>
-      <dgm:spPr/>
-    </dgm:pt>
-    <dgm:pt modelId="{326FDCF2-F375-4C3F-9814-C84BA9388F92}" type="pres">
-      <dgm:prSet presAssocID="{489A589A-46DE-0F49-B460-E7914F3E440D}" presName="container" presStyleCnt="0">
-        <dgm:presLayoutVars>
-          <dgm:dir/>
-          <dgm:resizeHandles val="exact"/>
-        </dgm:presLayoutVars>
-      </dgm:prSet>
-      <dgm:spPr/>
-    </dgm:pt>
-    <dgm:pt modelId="{174069BD-8FE1-41A2-8250-6A5514FE224C}" type="pres">
-      <dgm:prSet presAssocID="{66039115-797B-304C-9FC0-EFABB1F21232}" presName="compNode" presStyleCnt="0"/>
-      <dgm:spPr/>
-    </dgm:pt>
-    <dgm:pt modelId="{5E340066-1B2E-4C4E-80A2-97E86ABFA479}" type="pres">
-      <dgm:prSet presAssocID="{66039115-797B-304C-9FC0-EFABB1F21232}" presName="iconBgRect" presStyleLbl="bgShp" presStyleIdx="0" presStyleCnt="4"/>
-      <dgm:spPr/>
-    </dgm:pt>
-    <dgm:pt modelId="{F55B2F71-E638-412C-8147-FC7081E08B04}" type="pres">
-      <dgm:prSet presAssocID="{66039115-797B-304C-9FC0-EFABB1F21232}" presName="iconRect" presStyleLbl="node1" presStyleIdx="0" presStyleCnt="4"/>
-      <dgm:spPr>
-        <a:blipFill>
-          <a:blip xmlns:r="http://schemas.openxmlformats.org/officeDocument/2006/relationships" r:embed="rId1">
-            <a:extLst>
-              <a:ext uri="{28A0092B-C50C-407E-A947-70E740481C1C}">
-                <a14:useLocalDpi xmlns:a14="http://schemas.microsoft.com/office/drawing/2010/main" val="0"/>
-              </a:ext>
-              <a:ext uri="{96DAC541-7B7A-43D3-8B79-37D633B846F1}">
-                <asvg:svgBlip xmlns:asvg="http://schemas.microsoft.com/office/drawing/2016/SVG/main" r:embed="rId2"/>
-              </a:ext>
-            </a:extLst>
-          </a:blip>
-          <a:stretch>
-            <a:fillRect/>
-          </a:stretch>
-        </a:blipFill>
-        <a:ln>
-          <a:noFill/>
-        </a:ln>
-      </dgm:spPr>
-      <dgm:extLst>
-        <a:ext uri="{E40237B7-FDA0-4F09-8148-C483321AD2D9}">
-          <dgm14:cNvPr xmlns:dgm14="http://schemas.microsoft.com/office/drawing/2010/diagram" id="0" name="" descr="Lightbulb"/>
-        </a:ext>
-      </dgm:extLst>
-    </dgm:pt>
-    <dgm:pt modelId="{5CDA7D5A-F452-463F-998B-177A76E8C08F}" type="pres">
-      <dgm:prSet presAssocID="{66039115-797B-304C-9FC0-EFABB1F21232}" presName="spaceRect" presStyleCnt="0"/>
-      <dgm:spPr/>
-    </dgm:pt>
-    <dgm:pt modelId="{E05AF25A-E676-44EA-BB66-F2100ACAD1CB}" type="pres">
-      <dgm:prSet presAssocID="{66039115-797B-304C-9FC0-EFABB1F21232}" presName="textRect" presStyleLbl="revTx" presStyleIdx="0" presStyleCnt="4">
-        <dgm:presLayoutVars>
-          <dgm:chMax val="1"/>
-          <dgm:chPref val="1"/>
-        </dgm:presLayoutVars>
-      </dgm:prSet>
-      <dgm:spPr/>
-    </dgm:pt>
-    <dgm:pt modelId="{BB1D33AA-C75A-465A-93F0-2B3A7346088F}" type="pres">
-      <dgm:prSet presAssocID="{D044F6BA-1D90-EC47-8A78-B9796198ECF5}" presName="sibTrans" presStyleLbl="sibTrans2D1" presStyleIdx="0" presStyleCnt="0"/>
-      <dgm:spPr/>
-    </dgm:pt>
-    <dgm:pt modelId="{D641F504-B527-445D-81F6-4B59E813C4A0}" type="pres">
-      <dgm:prSet presAssocID="{E39563C5-C199-4F5B-A899-8CC0710341A0}" presName="compNode" presStyleCnt="0"/>
-      <dgm:spPr/>
-    </dgm:pt>
-    <dgm:pt modelId="{75512A68-FA50-4392-A441-C6EC352FE606}" type="pres">
-      <dgm:prSet presAssocID="{E39563C5-C199-4F5B-A899-8CC0710341A0}" presName="iconBgRect" presStyleLbl="bgShp" presStyleIdx="1" presStyleCnt="4"/>
-      <dgm:spPr/>
-    </dgm:pt>
-    <dgm:pt modelId="{C425A8E1-258A-4D4B-9D55-24376C0AB360}" type="pres">
-      <dgm:prSet presAssocID="{E39563C5-C199-4F5B-A899-8CC0710341A0}" presName="iconRect" presStyleLbl="node1" presStyleIdx="1" presStyleCnt="4"/>
-      <dgm:spPr>
-        <a:blipFill>
-          <a:blip xmlns:r="http://schemas.openxmlformats.org/officeDocument/2006/relationships" r:embed="rId3">
-            <a:extLst>
-              <a:ext uri="{28A0092B-C50C-407E-A947-70E740481C1C}">
-                <a14:useLocalDpi xmlns:a14="http://schemas.microsoft.com/office/drawing/2010/main" val="0"/>
-              </a:ext>
-              <a:ext uri="{96DAC541-7B7A-43D3-8B79-37D633B846F1}">
-                <asvg:svgBlip xmlns:asvg="http://schemas.microsoft.com/office/drawing/2016/SVG/main" r:embed="rId4"/>
-              </a:ext>
-            </a:extLst>
-          </a:blip>
-          <a:stretch>
-            <a:fillRect/>
-          </a:stretch>
-        </a:blipFill>
-        <a:ln>
-          <a:noFill/>
-        </a:ln>
-      </dgm:spPr>
-      <dgm:extLst>
-        <a:ext uri="{E40237B7-FDA0-4F09-8148-C483321AD2D9}">
-          <dgm14:cNvPr xmlns:dgm14="http://schemas.microsoft.com/office/drawing/2010/diagram" id="0" name="" descr="Radio microphone"/>
-        </a:ext>
-      </dgm:extLst>
-    </dgm:pt>
-    <dgm:pt modelId="{9E9B2F2E-EF94-42A4-A2BE-0DEE20425DEE}" type="pres">
-      <dgm:prSet presAssocID="{E39563C5-C199-4F5B-A899-8CC0710341A0}" presName="spaceRect" presStyleCnt="0"/>
-      <dgm:spPr/>
-    </dgm:pt>
-    <dgm:pt modelId="{523C7F31-A7C1-43C9-AE27-AAE9100EE1FE}" type="pres">
-      <dgm:prSet presAssocID="{E39563C5-C199-4F5B-A899-8CC0710341A0}" presName="textRect" presStyleLbl="revTx" presStyleIdx="1" presStyleCnt="4">
-        <dgm:presLayoutVars>
-          <dgm:chMax val="1"/>
-          <dgm:chPref val="1"/>
-        </dgm:presLayoutVars>
-      </dgm:prSet>
-      <dgm:spPr/>
-    </dgm:pt>
-    <dgm:pt modelId="{CEB8DC13-2561-455C-A0BE-EE905F81836F}" type="pres">
-      <dgm:prSet presAssocID="{BC971DAC-9BE2-44B2-ABE4-8099C777E9C4}" presName="sibTrans" presStyleLbl="sibTrans2D1" presStyleIdx="0" presStyleCnt="0"/>
-      <dgm:spPr/>
-    </dgm:pt>
-    <dgm:pt modelId="{495B68A9-1523-4F46-9B02-682098319643}" type="pres">
-      <dgm:prSet presAssocID="{15B1A768-2666-4AB4-BDA7-F0E3C4160D59}" presName="compNode" presStyleCnt="0"/>
-      <dgm:spPr/>
-    </dgm:pt>
-    <dgm:pt modelId="{2CA4BD4C-87EF-4944-9E57-97154B3B633C}" type="pres">
-      <dgm:prSet presAssocID="{15B1A768-2666-4AB4-BDA7-F0E3C4160D59}" presName="iconBgRect" presStyleLbl="bgShp" presStyleIdx="2" presStyleCnt="4"/>
-      <dgm:spPr/>
-    </dgm:pt>
-    <dgm:pt modelId="{D99F53AC-3AF2-437B-A5AB-1239ADEC0676}" type="pres">
-      <dgm:prSet presAssocID="{15B1A768-2666-4AB4-BDA7-F0E3C4160D59}" presName="iconRect" presStyleLbl="node1" presStyleIdx="2" presStyleCnt="4"/>
-      <dgm:spPr>
-        <a:blipFill>
-          <a:blip xmlns:r="http://schemas.openxmlformats.org/officeDocument/2006/relationships" r:embed="rId5">
-            <a:extLst>
-              <a:ext uri="{28A0092B-C50C-407E-A947-70E740481C1C}">
-                <a14:useLocalDpi xmlns:a14="http://schemas.microsoft.com/office/drawing/2010/main" val="0"/>
-              </a:ext>
-              <a:ext uri="{96DAC541-7B7A-43D3-8B79-37D633B846F1}">
-                <asvg:svgBlip xmlns:asvg="http://schemas.microsoft.com/office/drawing/2016/SVG/main" r:embed="rId6"/>
-              </a:ext>
-            </a:extLst>
-          </a:blip>
-          <a:stretch>
-            <a:fillRect/>
-          </a:stretch>
-        </a:blipFill>
-        <a:ln>
-          <a:noFill/>
-        </a:ln>
-      </dgm:spPr>
-      <dgm:extLst>
-        <a:ext uri="{E40237B7-FDA0-4F09-8148-C483321AD2D9}">
-          <dgm14:cNvPr xmlns:dgm14="http://schemas.microsoft.com/office/drawing/2010/diagram" id="0" name="" descr="Brain in head"/>
-        </a:ext>
-      </dgm:extLst>
-    </dgm:pt>
-    <dgm:pt modelId="{EB4519A6-2EF6-4A3F-90AD-24C511B10908}" type="pres">
-      <dgm:prSet presAssocID="{15B1A768-2666-4AB4-BDA7-F0E3C4160D59}" presName="spaceRect" presStyleCnt="0"/>
-      <dgm:spPr/>
-    </dgm:pt>
-    <dgm:pt modelId="{D203E058-79E0-456E-A0FD-258E317D3D6A}" type="pres">
-      <dgm:prSet presAssocID="{15B1A768-2666-4AB4-BDA7-F0E3C4160D59}" presName="textRect" presStyleLbl="revTx" presStyleIdx="2" presStyleCnt="4">
-        <dgm:presLayoutVars>
-          <dgm:chMax val="1"/>
-          <dgm:chPref val="1"/>
-        </dgm:presLayoutVars>
-      </dgm:prSet>
-      <dgm:spPr/>
-    </dgm:pt>
-    <dgm:pt modelId="{8F14F3AD-A362-45DF-80F5-2B8D1F566D80}" type="pres">
-      <dgm:prSet presAssocID="{72FFCBD4-DD9D-4E06-81E4-54307F97A3F0}" presName="sibTrans" presStyleLbl="sibTrans2D1" presStyleIdx="0" presStyleCnt="0"/>
-      <dgm:spPr/>
-    </dgm:pt>
-    <dgm:pt modelId="{BDD20EE1-5DFF-4E16-802C-2448893CCB5A}" type="pres">
-      <dgm:prSet presAssocID="{3AA5586A-C40E-4DDA-98A5-6545F36F46AB}" presName="compNode" presStyleCnt="0"/>
-      <dgm:spPr/>
-    </dgm:pt>
-    <dgm:pt modelId="{7089FE6B-57E5-4306-8097-E758E000C828}" type="pres">
-      <dgm:prSet presAssocID="{3AA5586A-C40E-4DDA-98A5-6545F36F46AB}" presName="iconBgRect" presStyleLbl="bgShp" presStyleIdx="3" presStyleCnt="4"/>
-      <dgm:spPr/>
-    </dgm:pt>
-    <dgm:pt modelId="{41C0BC0F-FFD5-42B5-B952-9316B9364F6F}" type="pres">
-      <dgm:prSet presAssocID="{3AA5586A-C40E-4DDA-98A5-6545F36F46AB}" presName="iconRect" presStyleLbl="node1" presStyleIdx="3" presStyleCnt="4"/>
-      <dgm:spPr>
-        <a:blipFill>
-          <a:blip xmlns:r="http://schemas.openxmlformats.org/officeDocument/2006/relationships" r:embed="rId7">
-            <a:extLst>
-              <a:ext uri="{28A0092B-C50C-407E-A947-70E740481C1C}">
-                <a14:useLocalDpi xmlns:a14="http://schemas.microsoft.com/office/drawing/2010/main" val="0"/>
-              </a:ext>
-              <a:ext uri="{96DAC541-7B7A-43D3-8B79-37D633B846F1}">
-                <asvg:svgBlip xmlns:asvg="http://schemas.microsoft.com/office/drawing/2016/SVG/main" r:embed="rId8"/>
-              </a:ext>
-            </a:extLst>
-          </a:blip>
-          <a:stretch>
-            <a:fillRect/>
-          </a:stretch>
-        </a:blipFill>
-        <a:ln>
-          <a:noFill/>
-        </a:ln>
-      </dgm:spPr>
-      <dgm:extLst>
-        <a:ext uri="{E40237B7-FDA0-4F09-8148-C483321AD2D9}">
-          <dgm14:cNvPr xmlns:dgm14="http://schemas.microsoft.com/office/drawing/2010/diagram" id="0" name="" descr="Virtual RealityHeadset"/>
-        </a:ext>
-      </dgm:extLst>
-    </dgm:pt>
-    <dgm:pt modelId="{392FDDC2-BC7A-49BF-88A1-7B4956AD8377}" type="pres">
-      <dgm:prSet presAssocID="{3AA5586A-C40E-4DDA-98A5-6545F36F46AB}" presName="spaceRect" presStyleCnt="0"/>
-      <dgm:spPr/>
-    </dgm:pt>
-    <dgm:pt modelId="{7703AFE5-FAA2-4D8A-AEFA-D3C5CB41E5BC}" type="pres">
-      <dgm:prSet presAssocID="{3AA5586A-C40E-4DDA-98A5-6545F36F46AB}" presName="textRect" presStyleLbl="revTx" presStyleIdx="3" presStyleCnt="4">
-        <dgm:presLayoutVars>
-          <dgm:chMax val="1"/>
-          <dgm:chPref val="1"/>
-        </dgm:presLayoutVars>
-      </dgm:prSet>
-      <dgm:spPr/>
-    </dgm:pt>
-  </dgm:ptLst>
-  <dgm:cxnLst>
-    <dgm:cxn modelId="{F500F212-B1E8-4177-88EB-379FE553E567}" type="presOf" srcId="{BC971DAC-9BE2-44B2-ABE4-8099C777E9C4}" destId="{CEB8DC13-2561-455C-A0BE-EE905F81836F}" srcOrd="0" destOrd="0" presId="urn:microsoft.com/office/officeart/2018/2/layout/IconCircleList"/>
-    <dgm:cxn modelId="{C2028414-4E44-4009-9619-A3329463EBE6}" type="presOf" srcId="{66039115-797B-304C-9FC0-EFABB1F21232}" destId="{E05AF25A-E676-44EA-BB66-F2100ACAD1CB}" srcOrd="0" destOrd="0" presId="urn:microsoft.com/office/officeart/2018/2/layout/IconCircleList"/>
-    <dgm:cxn modelId="{3682502D-BD4B-4C8B-B999-4FE14243DA2F}" type="presOf" srcId="{E39563C5-C199-4F5B-A899-8CC0710341A0}" destId="{523C7F31-A7C1-43C9-AE27-AAE9100EE1FE}" srcOrd="0" destOrd="0" presId="urn:microsoft.com/office/officeart/2018/2/layout/IconCircleList"/>
-    <dgm:cxn modelId="{08DEC938-538C-403B-80C3-828B96DAFF82}" srcId="{489A589A-46DE-0F49-B460-E7914F3E440D}" destId="{15B1A768-2666-4AB4-BDA7-F0E3C4160D59}" srcOrd="2" destOrd="0" parTransId="{D47033D3-4E41-485A-B515-A02A8C3B404A}" sibTransId="{72FFCBD4-DD9D-4E06-81E4-54307F97A3F0}"/>
-    <dgm:cxn modelId="{6CA71B7B-0F0A-4F9A-A0EC-CFB6FFD8DA98}" type="presOf" srcId="{15B1A768-2666-4AB4-BDA7-F0E3C4160D59}" destId="{D203E058-79E0-456E-A0FD-258E317D3D6A}" srcOrd="0" destOrd="0" presId="urn:microsoft.com/office/officeart/2018/2/layout/IconCircleList"/>
-    <dgm:cxn modelId="{31C3237C-2299-B649-8C93-587C97AC9999}" srcId="{489A589A-46DE-0F49-B460-E7914F3E440D}" destId="{66039115-797B-304C-9FC0-EFABB1F21232}" srcOrd="0" destOrd="0" parTransId="{C8EABE8F-1E84-494E-AD8A-32BA419A36E9}" sibTransId="{D044F6BA-1D90-EC47-8A78-B9796198ECF5}"/>
-    <dgm:cxn modelId="{9AA16E9C-4C36-43A5-A786-66256F4B87CC}" type="presOf" srcId="{D044F6BA-1D90-EC47-8A78-B9796198ECF5}" destId="{BB1D33AA-C75A-465A-93F0-2B3A7346088F}" srcOrd="0" destOrd="0" presId="urn:microsoft.com/office/officeart/2018/2/layout/IconCircleList"/>
-    <dgm:cxn modelId="{65F7D3A9-7360-41F2-9288-DC394F90F4EC}" type="presOf" srcId="{3AA5586A-C40E-4DDA-98A5-6545F36F46AB}" destId="{7703AFE5-FAA2-4D8A-AEFA-D3C5CB41E5BC}" srcOrd="0" destOrd="0" presId="urn:microsoft.com/office/officeart/2018/2/layout/IconCircleList"/>
-    <dgm:cxn modelId="{0D34FCB2-3F4C-42A6-BB2D-60FA9564F405}" type="presOf" srcId="{489A589A-46DE-0F49-B460-E7914F3E440D}" destId="{B80C9CF3-C6BB-48D7-8AE1-5002D62D3761}" srcOrd="0" destOrd="0" presId="urn:microsoft.com/office/officeart/2018/2/layout/IconCircleList"/>
-    <dgm:cxn modelId="{BBAD9FDB-1013-4B11-A9AE-2815527D1B78}" srcId="{489A589A-46DE-0F49-B460-E7914F3E440D}" destId="{E39563C5-C199-4F5B-A899-8CC0710341A0}" srcOrd="1" destOrd="0" parTransId="{6531EA77-44C5-4E3D-BA04-70C1E49BCD39}" sibTransId="{BC971DAC-9BE2-44B2-ABE4-8099C777E9C4}"/>
-    <dgm:cxn modelId="{119FEAF1-383D-4740-9124-CC9EEA7E35F9}" srcId="{489A589A-46DE-0F49-B460-E7914F3E440D}" destId="{3AA5586A-C40E-4DDA-98A5-6545F36F46AB}" srcOrd="3" destOrd="0" parTransId="{ABF44FB7-9255-4D99-BC69-3BE74FDF8E87}" sibTransId="{19FB306E-81B4-4F3F-99EE-765120CBB6B3}"/>
-    <dgm:cxn modelId="{72DB18FF-BDCF-4526-AB7E-380701B71043}" type="presOf" srcId="{72FFCBD4-DD9D-4E06-81E4-54307F97A3F0}" destId="{8F14F3AD-A362-45DF-80F5-2B8D1F566D80}" srcOrd="0" destOrd="0" presId="urn:microsoft.com/office/officeart/2018/2/layout/IconCircleList"/>
-    <dgm:cxn modelId="{BF36CAD1-B688-447E-A701-12D1A5EB1C61}" type="presParOf" srcId="{B80C9CF3-C6BB-48D7-8AE1-5002D62D3761}" destId="{326FDCF2-F375-4C3F-9814-C84BA9388F92}" srcOrd="0" destOrd="0" presId="urn:microsoft.com/office/officeart/2018/2/layout/IconCircleList"/>
-    <dgm:cxn modelId="{FBFDC197-07BE-4C6F-83B2-02194176B69E}" type="presParOf" srcId="{326FDCF2-F375-4C3F-9814-C84BA9388F92}" destId="{174069BD-8FE1-41A2-8250-6A5514FE224C}" srcOrd="0" destOrd="0" presId="urn:microsoft.com/office/officeart/2018/2/layout/IconCircleList"/>
-    <dgm:cxn modelId="{C5F01509-F7BC-425F-B296-A98C860A07F3}" type="presParOf" srcId="{174069BD-8FE1-41A2-8250-6A5514FE224C}" destId="{5E340066-1B2E-4C4E-80A2-97E86ABFA479}" srcOrd="0" destOrd="0" presId="urn:microsoft.com/office/officeart/2018/2/layout/IconCircleList"/>
-    <dgm:cxn modelId="{6798BD59-DB22-44F4-9499-B795ECC6FB92}" type="presParOf" srcId="{174069BD-8FE1-41A2-8250-6A5514FE224C}" destId="{F55B2F71-E638-412C-8147-FC7081E08B04}" srcOrd="1" destOrd="0" presId="urn:microsoft.com/office/officeart/2018/2/layout/IconCircleList"/>
-    <dgm:cxn modelId="{8ED6BB7E-069D-4BD0-874A-A765097C6426}" type="presParOf" srcId="{174069BD-8FE1-41A2-8250-6A5514FE224C}" destId="{5CDA7D5A-F452-463F-998B-177A76E8C08F}" srcOrd="2" destOrd="0" presId="urn:microsoft.com/office/officeart/2018/2/layout/IconCircleList"/>
-    <dgm:cxn modelId="{6FA12472-3D68-4E1C-81AF-02DC5B01E334}" type="presParOf" srcId="{174069BD-8FE1-41A2-8250-6A5514FE224C}" destId="{E05AF25A-E676-44EA-BB66-F2100ACAD1CB}" srcOrd="3" destOrd="0" presId="urn:microsoft.com/office/officeart/2018/2/layout/IconCircleList"/>
-    <dgm:cxn modelId="{2E917479-9046-4584-8A6D-BEC73C11FC76}" type="presParOf" srcId="{326FDCF2-F375-4C3F-9814-C84BA9388F92}" destId="{BB1D33AA-C75A-465A-93F0-2B3A7346088F}" srcOrd="1" destOrd="0" presId="urn:microsoft.com/office/officeart/2018/2/layout/IconCircleList"/>
-    <dgm:cxn modelId="{A0B340C2-CAB3-4AD7-B651-672DD667AAD7}" type="presParOf" srcId="{326FDCF2-F375-4C3F-9814-C84BA9388F92}" destId="{D641F504-B527-445D-81F6-4B59E813C4A0}" srcOrd="2" destOrd="0" presId="urn:microsoft.com/office/officeart/2018/2/layout/IconCircleList"/>
-    <dgm:cxn modelId="{FBFE3BE7-5577-4A5D-85CC-215287D3D6AD}" type="presParOf" srcId="{D641F504-B527-445D-81F6-4B59E813C4A0}" destId="{75512A68-FA50-4392-A441-C6EC352FE606}" srcOrd="0" destOrd="0" presId="urn:microsoft.com/office/officeart/2018/2/layout/IconCircleList"/>
-    <dgm:cxn modelId="{E2CE3B82-49EF-49C5-869E-0F82B174F9E9}" type="presParOf" srcId="{D641F504-B527-445D-81F6-4B59E813C4A0}" destId="{C425A8E1-258A-4D4B-9D55-24376C0AB360}" srcOrd="1" destOrd="0" presId="urn:microsoft.com/office/officeart/2018/2/layout/IconCircleList"/>
-    <dgm:cxn modelId="{FE67C476-DCF9-4F8A-ACDB-300B11852414}" type="presParOf" srcId="{D641F504-B527-445D-81F6-4B59E813C4A0}" destId="{9E9B2F2E-EF94-42A4-A2BE-0DEE20425DEE}" srcOrd="2" destOrd="0" presId="urn:microsoft.com/office/officeart/2018/2/layout/IconCircleList"/>
-    <dgm:cxn modelId="{4CA023EA-A382-4DD9-9FA1-18E0D66061BD}" type="presParOf" srcId="{D641F504-B527-445D-81F6-4B59E813C4A0}" destId="{523C7F31-A7C1-43C9-AE27-AAE9100EE1FE}" srcOrd="3" destOrd="0" presId="urn:microsoft.com/office/officeart/2018/2/layout/IconCircleList"/>
-    <dgm:cxn modelId="{26A45859-BDA1-42A1-B72D-E642F4519323}" type="presParOf" srcId="{326FDCF2-F375-4C3F-9814-C84BA9388F92}" destId="{CEB8DC13-2561-455C-A0BE-EE905F81836F}" srcOrd="3" destOrd="0" presId="urn:microsoft.com/office/officeart/2018/2/layout/IconCircleList"/>
-    <dgm:cxn modelId="{9A1A1CE7-53B9-4F66-85DD-738EBE878B5F}" type="presParOf" srcId="{326FDCF2-F375-4C3F-9814-C84BA9388F92}" destId="{495B68A9-1523-4F46-9B02-682098319643}" srcOrd="4" destOrd="0" presId="urn:microsoft.com/office/officeart/2018/2/layout/IconCircleList"/>
-    <dgm:cxn modelId="{51E1DD61-7673-4090-B8AB-CF4901AEC858}" type="presParOf" srcId="{495B68A9-1523-4F46-9B02-682098319643}" destId="{2CA4BD4C-87EF-4944-9E57-97154B3B633C}" srcOrd="0" destOrd="0" presId="urn:microsoft.com/office/officeart/2018/2/layout/IconCircleList"/>
-    <dgm:cxn modelId="{747A4180-A006-422E-B421-0130C380E284}" type="presParOf" srcId="{495B68A9-1523-4F46-9B02-682098319643}" destId="{D99F53AC-3AF2-437B-A5AB-1239ADEC0676}" srcOrd="1" destOrd="0" presId="urn:microsoft.com/office/officeart/2018/2/layout/IconCircleList"/>
-    <dgm:cxn modelId="{2B3206DF-6911-4471-9CE4-6E444117F923}" type="presParOf" srcId="{495B68A9-1523-4F46-9B02-682098319643}" destId="{EB4519A6-2EF6-4A3F-90AD-24C511B10908}" srcOrd="2" destOrd="0" presId="urn:microsoft.com/office/officeart/2018/2/layout/IconCircleList"/>
-    <dgm:cxn modelId="{BFF8DE16-9137-451C-BFC4-D4EE82781F8E}" type="presParOf" srcId="{495B68A9-1523-4F46-9B02-682098319643}" destId="{D203E058-79E0-456E-A0FD-258E317D3D6A}" srcOrd="3" destOrd="0" presId="urn:microsoft.com/office/officeart/2018/2/layout/IconCircleList"/>
-    <dgm:cxn modelId="{F6DE935E-6528-4A29-9FE2-2236A11FA3B5}" type="presParOf" srcId="{326FDCF2-F375-4C3F-9814-C84BA9388F92}" destId="{8F14F3AD-A362-45DF-80F5-2B8D1F566D80}" srcOrd="5" destOrd="0" presId="urn:microsoft.com/office/officeart/2018/2/layout/IconCircleList"/>
-    <dgm:cxn modelId="{1E564FA9-F723-4479-8013-22D1426128B6}" type="presParOf" srcId="{326FDCF2-F375-4C3F-9814-C84BA9388F92}" destId="{BDD20EE1-5DFF-4E16-802C-2448893CCB5A}" srcOrd="6" destOrd="0" presId="urn:microsoft.com/office/officeart/2018/2/layout/IconCircleList"/>
-    <dgm:cxn modelId="{794FF77C-CF66-43A6-AFF0-913CEF2D0C2A}" type="presParOf" srcId="{BDD20EE1-5DFF-4E16-802C-2448893CCB5A}" destId="{7089FE6B-57E5-4306-8097-E758E000C828}" srcOrd="0" destOrd="0" presId="urn:microsoft.com/office/officeart/2018/2/layout/IconCircleList"/>
-    <dgm:cxn modelId="{091EE8DB-F92B-4CB3-ABD6-FFEB56B07A8B}" type="presParOf" srcId="{BDD20EE1-5DFF-4E16-802C-2448893CCB5A}" destId="{41C0BC0F-FFD5-42B5-B952-9316B9364F6F}" srcOrd="1" destOrd="0" presId="urn:microsoft.com/office/officeart/2018/2/layout/IconCircleList"/>
-    <dgm:cxn modelId="{DAE7DE5D-0787-4DCA-83CB-B15B42A3D0EC}" type="presParOf" srcId="{BDD20EE1-5DFF-4E16-802C-2448893CCB5A}" destId="{392FDDC2-BC7A-49BF-88A1-7B4956AD8377}" srcOrd="2" destOrd="0" presId="urn:microsoft.com/office/officeart/2018/2/layout/IconCircleList"/>
-    <dgm:cxn modelId="{03A77C2B-16FB-486D-9C1B-3FF393F2E432}" type="presParOf" srcId="{BDD20EE1-5DFF-4E16-802C-2448893CCB5A}" destId="{7703AFE5-FAA2-4D8A-AEFA-D3C5CB41E5BC}" srcOrd="3" destOrd="0" presId="urn:microsoft.com/office/officeart/2018/2/layout/IconCircleList"/>
-  </dgm:cxnLst>
-  <dgm:bg/>
-  <dgm:whole/>
-  <dgm:extLst>
-    <a:ext uri="http://schemas.microsoft.com/office/drawing/2008/diagram">
-      <dsp:dataModelExt xmlns:dsp="http://schemas.microsoft.com/office/drawing/2008/diagram" relId="rId10" minVer="http://schemas.openxmlformats.org/drawingml/2006/diagram"/>
-    </a:ext>
-  </dgm:extLst>
-</dgm:dataModel>
-</file>
-
-<file path=ppt/diagrams/data2.xml><?xml version="1.0" encoding="utf-8"?>
-<dgm:dataModel xmlns:dgm="http://schemas.openxmlformats.org/drawingml/2006/diagram" xmlns:a="http://schemas.openxmlformats.org/drawingml/2006/main">
-  <dgm:ptLst>
-    <dgm:pt modelId="{BE5B76ED-C686-4E97-9A28-74231B4FDDD1}" type="doc">
-      <dgm:prSet loTypeId="urn:microsoft.com/office/officeart/2009/3/layout/CircleRelationship" loCatId="relationship" qsTypeId="urn:microsoft.com/office/officeart/2005/8/quickstyle/simple4" qsCatId="simple" csTypeId="urn:microsoft.com/office/officeart/2005/8/colors/accent1_2" csCatId="accent1" phldr="1"/>
-      <dgm:spPr/>
-      <dgm:t>
-        <a:bodyPr/>
-        <a:lstStyle/>
-        <a:p>
-          <a:endParaRPr lang="en-US"/>
-        </a:p>
-      </dgm:t>
-    </dgm:pt>
-    <dgm:pt modelId="{B388C4F7-DD86-40E4-BA83-6838C8E845B2}">
-      <dgm:prSet phldrT="[Text]" custT="1"/>
-      <dgm:spPr/>
-      <dgm:t>
-        <a:bodyPr/>
-        <a:lstStyle/>
-        <a:p>
-          <a:r>
-            <a:rPr lang="en-US" sz="1800" b="1" dirty="0"/>
-            <a:t>Problem Solving</a:t>
-          </a:r>
-        </a:p>
-      </dgm:t>
-    </dgm:pt>
-    <dgm:pt modelId="{4F4EFEB2-AE6B-4B4E-A388-E726479684C1}" type="parTrans" cxnId="{FDEC3F6B-F860-4E8B-8B14-455DBFCFBFB4}">
-      <dgm:prSet/>
-      <dgm:spPr/>
-      <dgm:t>
-        <a:bodyPr/>
-        <a:lstStyle/>
-        <a:p>
-          <a:endParaRPr lang="en-US"/>
-        </a:p>
-      </dgm:t>
-    </dgm:pt>
-    <dgm:pt modelId="{BEE196C3-EEB3-4935-976F-A713EF603EEA}" type="sibTrans" cxnId="{FDEC3F6B-F860-4E8B-8B14-455DBFCFBFB4}">
-      <dgm:prSet/>
-      <dgm:spPr/>
-      <dgm:t>
-        <a:bodyPr/>
-        <a:lstStyle/>
-        <a:p>
-          <a:endParaRPr lang="en-US"/>
-        </a:p>
-      </dgm:t>
-    </dgm:pt>
-    <dgm:pt modelId="{27C8F191-CB8B-4A89-9EDF-D94B6E4ADC92}">
-      <dgm:prSet phldrT="[Text]" custT="1"/>
-      <dgm:spPr/>
-      <dgm:t>
-        <a:bodyPr/>
-        <a:lstStyle/>
-        <a:p>
-          <a:r>
-            <a:rPr lang="en-US" sz="1800" b="1" dirty="0"/>
-            <a:t>Algorithm</a:t>
-          </a:r>
-          <a:endParaRPr lang="en-US" sz="1200" b="1" dirty="0"/>
-        </a:p>
-      </dgm:t>
-    </dgm:pt>
-    <dgm:pt modelId="{8EFDF7C7-310E-4ED5-B739-2186FB69ED8A}" type="parTrans" cxnId="{4E26289A-3825-4A9C-991F-8AB8A7EFD597}">
-      <dgm:prSet/>
-      <dgm:spPr/>
-      <dgm:t>
-        <a:bodyPr/>
-        <a:lstStyle/>
-        <a:p>
-          <a:endParaRPr lang="en-US"/>
-        </a:p>
-      </dgm:t>
-    </dgm:pt>
-    <dgm:pt modelId="{755F5D09-ECCD-4FC5-B350-FED951F57983}" type="sibTrans" cxnId="{4E26289A-3825-4A9C-991F-8AB8A7EFD597}">
-      <dgm:prSet/>
-      <dgm:spPr/>
-      <dgm:t>
-        <a:bodyPr/>
-        <a:lstStyle/>
-        <a:p>
-          <a:endParaRPr lang="en-US"/>
-        </a:p>
-      </dgm:t>
-    </dgm:pt>
-    <dgm:pt modelId="{AEFF5EA2-6931-4098-96C8-31AE53CB425B}">
-      <dgm:prSet phldrT="[Text]" custT="1"/>
-      <dgm:spPr/>
-      <dgm:t>
-        <a:bodyPr/>
-        <a:lstStyle/>
-        <a:p>
-          <a:r>
-            <a:rPr lang="en-US" sz="1800" b="1" dirty="0"/>
-            <a:t>Automation</a:t>
-          </a:r>
-          <a:endParaRPr lang="en-US" sz="1200" b="1" dirty="0"/>
-        </a:p>
-      </dgm:t>
-    </dgm:pt>
-    <dgm:pt modelId="{AC52CE11-07EF-42A7-A67A-2231908FD231}" type="parTrans" cxnId="{2D96128D-55F5-4B46-B071-9EA8CDCA9DCD}">
-      <dgm:prSet/>
-      <dgm:spPr/>
-      <dgm:t>
-        <a:bodyPr/>
-        <a:lstStyle/>
-        <a:p>
-          <a:endParaRPr lang="en-US"/>
-        </a:p>
-      </dgm:t>
-    </dgm:pt>
-    <dgm:pt modelId="{FB25E557-3597-4AEA-B1FC-EA99A632BFB1}" type="sibTrans" cxnId="{2D96128D-55F5-4B46-B071-9EA8CDCA9DCD}">
-      <dgm:prSet/>
-      <dgm:spPr/>
-      <dgm:t>
-        <a:bodyPr/>
-        <a:lstStyle/>
-        <a:p>
-          <a:endParaRPr lang="en-US"/>
-        </a:p>
-      </dgm:t>
-    </dgm:pt>
-    <dgm:pt modelId="{EC323DFF-E2DA-4381-8948-5F3D2CD82207}" type="pres">
-      <dgm:prSet presAssocID="{BE5B76ED-C686-4E97-9A28-74231B4FDDD1}" presName="Name0" presStyleCnt="0">
-        <dgm:presLayoutVars>
-          <dgm:chMax val="1"/>
-          <dgm:chPref val="1"/>
-        </dgm:presLayoutVars>
-      </dgm:prSet>
-      <dgm:spPr/>
-    </dgm:pt>
-    <dgm:pt modelId="{A6EEB127-C2F5-4C0D-B108-CC2B3F78F4F1}" type="pres">
-      <dgm:prSet presAssocID="{B388C4F7-DD86-40E4-BA83-6838C8E845B2}" presName="Parent" presStyleLbl="node0" presStyleIdx="0" presStyleCnt="1">
-        <dgm:presLayoutVars>
-          <dgm:chMax val="5"/>
-          <dgm:chPref val="5"/>
-        </dgm:presLayoutVars>
-      </dgm:prSet>
-      <dgm:spPr/>
-    </dgm:pt>
-    <dgm:pt modelId="{8A0FF0D8-0AF7-44A4-833E-7EA23A507B5A}" type="pres">
-      <dgm:prSet presAssocID="{B388C4F7-DD86-40E4-BA83-6838C8E845B2}" presName="Accent1" presStyleLbl="node1" presStyleIdx="0" presStyleCnt="13"/>
-      <dgm:spPr/>
-    </dgm:pt>
-    <dgm:pt modelId="{F988BAF3-9DE2-4A25-84FE-B7C476401BC3}" type="pres">
-      <dgm:prSet presAssocID="{B388C4F7-DD86-40E4-BA83-6838C8E845B2}" presName="Accent2" presStyleLbl="node1" presStyleIdx="1" presStyleCnt="13"/>
-      <dgm:spPr/>
-    </dgm:pt>
-    <dgm:pt modelId="{6288D093-07AF-4EEB-B57C-FB5DA4420E30}" type="pres">
-      <dgm:prSet presAssocID="{B388C4F7-DD86-40E4-BA83-6838C8E845B2}" presName="Accent3" presStyleLbl="node1" presStyleIdx="2" presStyleCnt="13"/>
-      <dgm:spPr/>
-    </dgm:pt>
-    <dgm:pt modelId="{099685E2-34CD-4723-A342-ED2D0CA22ECA}" type="pres">
-      <dgm:prSet presAssocID="{B388C4F7-DD86-40E4-BA83-6838C8E845B2}" presName="Accent4" presStyleLbl="node1" presStyleIdx="3" presStyleCnt="13"/>
-      <dgm:spPr/>
-    </dgm:pt>
-    <dgm:pt modelId="{282F7230-9226-4387-9620-3DC67223F95C}" type="pres">
-      <dgm:prSet presAssocID="{B388C4F7-DD86-40E4-BA83-6838C8E845B2}" presName="Accent5" presStyleLbl="node1" presStyleIdx="4" presStyleCnt="13"/>
-      <dgm:spPr/>
-    </dgm:pt>
-    <dgm:pt modelId="{2682D7C4-37F7-4CA1-B102-AED7627E9C93}" type="pres">
-      <dgm:prSet presAssocID="{B388C4F7-DD86-40E4-BA83-6838C8E845B2}" presName="Accent6" presStyleLbl="node1" presStyleIdx="5" presStyleCnt="13"/>
-      <dgm:spPr/>
-    </dgm:pt>
-    <dgm:pt modelId="{CCDD2561-1FC5-4EA6-AD90-3ADAF62A41D1}" type="pres">
-      <dgm:prSet presAssocID="{27C8F191-CB8B-4A89-9EDF-D94B6E4ADC92}" presName="Child1" presStyleLbl="node1" presStyleIdx="6" presStyleCnt="13" custScaleX="142765" custScaleY="142765" custLinFactNeighborX="-13611" custLinFactNeighborY="-20914">
-        <dgm:presLayoutVars>
-          <dgm:chMax val="0"/>
-          <dgm:chPref val="0"/>
-        </dgm:presLayoutVars>
-      </dgm:prSet>
-      <dgm:spPr/>
-    </dgm:pt>
-    <dgm:pt modelId="{DD36342D-1CB9-480B-9443-592ECACCB1B2}" type="pres">
-      <dgm:prSet presAssocID="{27C8F191-CB8B-4A89-9EDF-D94B6E4ADC92}" presName="Accent7" presStyleCnt="0"/>
-      <dgm:spPr/>
-    </dgm:pt>
-    <dgm:pt modelId="{2470B0FE-F3CE-48F3-AE82-73016C487D68}" type="pres">
-      <dgm:prSet presAssocID="{27C8F191-CB8B-4A89-9EDF-D94B6E4ADC92}" presName="AccentHold1" presStyleLbl="node1" presStyleIdx="7" presStyleCnt="13"/>
-      <dgm:spPr/>
-    </dgm:pt>
-    <dgm:pt modelId="{1C5C821B-7AF3-4B1C-B3FE-45A337B82741}" type="pres">
-      <dgm:prSet presAssocID="{27C8F191-CB8B-4A89-9EDF-D94B6E4ADC92}" presName="Accent8" presStyleCnt="0"/>
-      <dgm:spPr/>
-    </dgm:pt>
-    <dgm:pt modelId="{48BC9D73-B86D-4378-970E-5CD650E31618}" type="pres">
-      <dgm:prSet presAssocID="{27C8F191-CB8B-4A89-9EDF-D94B6E4ADC92}" presName="AccentHold2" presStyleLbl="node1" presStyleIdx="8" presStyleCnt="13"/>
-      <dgm:spPr/>
-    </dgm:pt>
-    <dgm:pt modelId="{EB301C3D-F1F9-4A72-AC54-827EBC1AD812}" type="pres">
-      <dgm:prSet presAssocID="{AEFF5EA2-6931-4098-96C8-31AE53CB425B}" presName="Child2" presStyleLbl="node1" presStyleIdx="9" presStyleCnt="13" custScaleX="155423" custScaleY="155423" custLinFactNeighborX="22013" custLinFactNeighborY="-5070">
-        <dgm:presLayoutVars>
-          <dgm:chMax val="0"/>
-          <dgm:chPref val="0"/>
-        </dgm:presLayoutVars>
-      </dgm:prSet>
-      <dgm:spPr/>
-    </dgm:pt>
-    <dgm:pt modelId="{6B30F03A-93BA-441A-ABF4-25C2455DF7C0}" type="pres">
-      <dgm:prSet presAssocID="{AEFF5EA2-6931-4098-96C8-31AE53CB425B}" presName="Accent9" presStyleCnt="0"/>
-      <dgm:spPr/>
-    </dgm:pt>
-    <dgm:pt modelId="{0DF8FB3E-B0B0-40D8-B039-0C7B496BBA97}" type="pres">
-      <dgm:prSet presAssocID="{AEFF5EA2-6931-4098-96C8-31AE53CB425B}" presName="AccentHold1" presStyleLbl="node1" presStyleIdx="10" presStyleCnt="13"/>
-      <dgm:spPr/>
-    </dgm:pt>
-    <dgm:pt modelId="{37FA1CD0-A7DC-4E74-BDC2-224405012EB0}" type="pres">
-      <dgm:prSet presAssocID="{AEFF5EA2-6931-4098-96C8-31AE53CB425B}" presName="Accent10" presStyleCnt="0"/>
-      <dgm:spPr/>
-    </dgm:pt>
-    <dgm:pt modelId="{022614F8-042B-41CB-A6A7-8094C903EB2F}" type="pres">
-      <dgm:prSet presAssocID="{AEFF5EA2-6931-4098-96C8-31AE53CB425B}" presName="AccentHold2" presStyleLbl="node1" presStyleIdx="11" presStyleCnt="13"/>
-      <dgm:spPr/>
-    </dgm:pt>
-    <dgm:pt modelId="{BA4661A9-DFAB-468E-97BE-F29D08FF69A9}" type="pres">
-      <dgm:prSet presAssocID="{AEFF5EA2-6931-4098-96C8-31AE53CB425B}" presName="Accent11" presStyleCnt="0"/>
-      <dgm:spPr/>
-    </dgm:pt>
-    <dgm:pt modelId="{C85BB588-B4E8-4D50-9280-4D4F2686007C}" type="pres">
-      <dgm:prSet presAssocID="{AEFF5EA2-6931-4098-96C8-31AE53CB425B}" presName="AccentHold3" presStyleLbl="node1" presStyleIdx="12" presStyleCnt="13"/>
-      <dgm:spPr/>
-    </dgm:pt>
-  </dgm:ptLst>
-  <dgm:cxnLst>
-    <dgm:cxn modelId="{9443D217-9168-4ECF-A563-7C2F4C998EAA}" type="presOf" srcId="{27C8F191-CB8B-4A89-9EDF-D94B6E4ADC92}" destId="{CCDD2561-1FC5-4EA6-AD90-3ADAF62A41D1}" srcOrd="0" destOrd="0" presId="urn:microsoft.com/office/officeart/2009/3/layout/CircleRelationship"/>
-    <dgm:cxn modelId="{FDEC3F6B-F860-4E8B-8B14-455DBFCFBFB4}" srcId="{BE5B76ED-C686-4E97-9A28-74231B4FDDD1}" destId="{B388C4F7-DD86-40E4-BA83-6838C8E845B2}" srcOrd="0" destOrd="0" parTransId="{4F4EFEB2-AE6B-4B4E-A388-E726479684C1}" sibTransId="{BEE196C3-EEB3-4935-976F-A713EF603EEA}"/>
-    <dgm:cxn modelId="{2D96128D-55F5-4B46-B071-9EA8CDCA9DCD}" srcId="{B388C4F7-DD86-40E4-BA83-6838C8E845B2}" destId="{AEFF5EA2-6931-4098-96C8-31AE53CB425B}" srcOrd="1" destOrd="0" parTransId="{AC52CE11-07EF-42A7-A67A-2231908FD231}" sibTransId="{FB25E557-3597-4AEA-B1FC-EA99A632BFB1}"/>
-    <dgm:cxn modelId="{4E26289A-3825-4A9C-991F-8AB8A7EFD597}" srcId="{B388C4F7-DD86-40E4-BA83-6838C8E845B2}" destId="{27C8F191-CB8B-4A89-9EDF-D94B6E4ADC92}" srcOrd="0" destOrd="0" parTransId="{8EFDF7C7-310E-4ED5-B739-2186FB69ED8A}" sibTransId="{755F5D09-ECCD-4FC5-B350-FED951F57983}"/>
-    <dgm:cxn modelId="{61F4EB9B-7EBC-4FC4-B727-C4A1C0EF0E59}" type="presOf" srcId="{AEFF5EA2-6931-4098-96C8-31AE53CB425B}" destId="{EB301C3D-F1F9-4A72-AC54-827EBC1AD812}" srcOrd="0" destOrd="0" presId="urn:microsoft.com/office/officeart/2009/3/layout/CircleRelationship"/>
-    <dgm:cxn modelId="{873563D0-860F-487F-97A2-E4B8D49A3DAA}" type="presOf" srcId="{B388C4F7-DD86-40E4-BA83-6838C8E845B2}" destId="{A6EEB127-C2F5-4C0D-B108-CC2B3F78F4F1}" srcOrd="0" destOrd="0" presId="urn:microsoft.com/office/officeart/2009/3/layout/CircleRelationship"/>
-    <dgm:cxn modelId="{A3AC16E3-96A0-4DCE-A502-BF3413F7EEBB}" type="presOf" srcId="{BE5B76ED-C686-4E97-9A28-74231B4FDDD1}" destId="{EC323DFF-E2DA-4381-8948-5F3D2CD82207}" srcOrd="0" destOrd="0" presId="urn:microsoft.com/office/officeart/2009/3/layout/CircleRelationship"/>
-    <dgm:cxn modelId="{7D45573C-4EBD-433F-BFA4-B1A529D7A12E}" type="presParOf" srcId="{EC323DFF-E2DA-4381-8948-5F3D2CD82207}" destId="{A6EEB127-C2F5-4C0D-B108-CC2B3F78F4F1}" srcOrd="0" destOrd="0" presId="urn:microsoft.com/office/officeart/2009/3/layout/CircleRelationship"/>
-    <dgm:cxn modelId="{F969CC6B-49AF-4CFA-905C-5A439FA65BB3}" type="presParOf" srcId="{EC323DFF-E2DA-4381-8948-5F3D2CD82207}" destId="{8A0FF0D8-0AF7-44A4-833E-7EA23A507B5A}" srcOrd="1" destOrd="0" presId="urn:microsoft.com/office/officeart/2009/3/layout/CircleRelationship"/>
-    <dgm:cxn modelId="{0B13118F-EC84-4BBC-B9D4-F016C42736A0}" type="presParOf" srcId="{EC323DFF-E2DA-4381-8948-5F3D2CD82207}" destId="{F988BAF3-9DE2-4A25-84FE-B7C476401BC3}" srcOrd="2" destOrd="0" presId="urn:microsoft.com/office/officeart/2009/3/layout/CircleRelationship"/>
-    <dgm:cxn modelId="{5A4C313A-14FE-4D34-9BAF-E781C66DAB07}" type="presParOf" srcId="{EC323DFF-E2DA-4381-8948-5F3D2CD82207}" destId="{6288D093-07AF-4EEB-B57C-FB5DA4420E30}" srcOrd="3" destOrd="0" presId="urn:microsoft.com/office/officeart/2009/3/layout/CircleRelationship"/>
-    <dgm:cxn modelId="{D6ACDC7E-1588-4451-A7EF-95F6F8F98E10}" type="presParOf" srcId="{EC323DFF-E2DA-4381-8948-5F3D2CD82207}" destId="{099685E2-34CD-4723-A342-ED2D0CA22ECA}" srcOrd="4" destOrd="0" presId="urn:microsoft.com/office/officeart/2009/3/layout/CircleRelationship"/>
-    <dgm:cxn modelId="{BF445524-7631-46A4-A9F8-F7CB08035DDB}" type="presParOf" srcId="{EC323DFF-E2DA-4381-8948-5F3D2CD82207}" destId="{282F7230-9226-4387-9620-3DC67223F95C}" srcOrd="5" destOrd="0" presId="urn:microsoft.com/office/officeart/2009/3/layout/CircleRelationship"/>
-    <dgm:cxn modelId="{218BBC07-C0B0-48B2-980B-148E51AEE23B}" type="presParOf" srcId="{EC323DFF-E2DA-4381-8948-5F3D2CD82207}" destId="{2682D7C4-37F7-4CA1-B102-AED7627E9C93}" srcOrd="6" destOrd="0" presId="urn:microsoft.com/office/officeart/2009/3/layout/CircleRelationship"/>
-    <dgm:cxn modelId="{AA1E1669-BD7D-411E-94D4-913E8566F654}" type="presParOf" srcId="{EC323DFF-E2DA-4381-8948-5F3D2CD82207}" destId="{CCDD2561-1FC5-4EA6-AD90-3ADAF62A41D1}" srcOrd="7" destOrd="0" presId="urn:microsoft.com/office/officeart/2009/3/layout/CircleRelationship"/>
-    <dgm:cxn modelId="{D0F07794-37F8-4175-8296-9725EA64B2E3}" type="presParOf" srcId="{EC323DFF-E2DA-4381-8948-5F3D2CD82207}" destId="{DD36342D-1CB9-480B-9443-592ECACCB1B2}" srcOrd="8" destOrd="0" presId="urn:microsoft.com/office/officeart/2009/3/layout/CircleRelationship"/>
-    <dgm:cxn modelId="{8AE7B659-C31F-4F52-9686-C1ABB63B1EA9}" type="presParOf" srcId="{DD36342D-1CB9-480B-9443-592ECACCB1B2}" destId="{2470B0FE-F3CE-48F3-AE82-73016C487D68}" srcOrd="0" destOrd="0" presId="urn:microsoft.com/office/officeart/2009/3/layout/CircleRelationship"/>
-    <dgm:cxn modelId="{5834BBB2-34B9-46B9-948C-3BC456B978F5}" type="presParOf" srcId="{EC323DFF-E2DA-4381-8948-5F3D2CD82207}" destId="{1C5C821B-7AF3-4B1C-B3FE-45A337B82741}" srcOrd="9" destOrd="0" presId="urn:microsoft.com/office/officeart/2009/3/layout/CircleRelationship"/>
-    <dgm:cxn modelId="{639DABF8-5BDE-484F-A747-33E9F42E376F}" type="presParOf" srcId="{1C5C821B-7AF3-4B1C-B3FE-45A337B82741}" destId="{48BC9D73-B86D-4378-970E-5CD650E31618}" srcOrd="0" destOrd="0" presId="urn:microsoft.com/office/officeart/2009/3/layout/CircleRelationship"/>
-    <dgm:cxn modelId="{318F3B25-56D7-4CD3-80CD-4ECF6ABE9097}" type="presParOf" srcId="{EC323DFF-E2DA-4381-8948-5F3D2CD82207}" destId="{EB301C3D-F1F9-4A72-AC54-827EBC1AD812}" srcOrd="10" destOrd="0" presId="urn:microsoft.com/office/officeart/2009/3/layout/CircleRelationship"/>
-    <dgm:cxn modelId="{5F192FAF-AA29-4119-9D75-AAF74B2D984A}" type="presParOf" srcId="{EC323DFF-E2DA-4381-8948-5F3D2CD82207}" destId="{6B30F03A-93BA-441A-ABF4-25C2455DF7C0}" srcOrd="11" destOrd="0" presId="urn:microsoft.com/office/officeart/2009/3/layout/CircleRelationship"/>
-    <dgm:cxn modelId="{FF4ED7F3-8BF5-4BCE-8EC2-0B8ACBB19BC4}" type="presParOf" srcId="{6B30F03A-93BA-441A-ABF4-25C2455DF7C0}" destId="{0DF8FB3E-B0B0-40D8-B039-0C7B496BBA97}" srcOrd="0" destOrd="0" presId="urn:microsoft.com/office/officeart/2009/3/layout/CircleRelationship"/>
-    <dgm:cxn modelId="{89500581-5988-46A4-9DF9-3A7B84A68823}" type="presParOf" srcId="{EC323DFF-E2DA-4381-8948-5F3D2CD82207}" destId="{37FA1CD0-A7DC-4E74-BDC2-224405012EB0}" srcOrd="12" destOrd="0" presId="urn:microsoft.com/office/officeart/2009/3/layout/CircleRelationship"/>
-    <dgm:cxn modelId="{7957AFA6-FEBB-441D-B867-7098C7F0D056}" type="presParOf" srcId="{37FA1CD0-A7DC-4E74-BDC2-224405012EB0}" destId="{022614F8-042B-41CB-A6A7-8094C903EB2F}" srcOrd="0" destOrd="0" presId="urn:microsoft.com/office/officeart/2009/3/layout/CircleRelationship"/>
-    <dgm:cxn modelId="{93B1B3BC-398A-43F6-862B-AA461BA776D1}" type="presParOf" srcId="{EC323DFF-E2DA-4381-8948-5F3D2CD82207}" destId="{BA4661A9-DFAB-468E-97BE-F29D08FF69A9}" srcOrd="13" destOrd="0" presId="urn:microsoft.com/office/officeart/2009/3/layout/CircleRelationship"/>
-    <dgm:cxn modelId="{063A3997-1101-4FAD-B1B6-AA0965152552}" type="presParOf" srcId="{BA4661A9-DFAB-468E-97BE-F29D08FF69A9}" destId="{C85BB588-B4E8-4D50-9280-4D4F2686007C}" srcOrd="0" destOrd="0" presId="urn:microsoft.com/office/officeart/2009/3/layout/CircleRelationship"/>
-  </dgm:cxnLst>
-  <dgm:bg/>
-  <dgm:whole/>
-  <dgm:extLst>
-    <a:ext uri="http://schemas.microsoft.com/office/drawing/2008/diagram">
-      <dsp:dataModelExt xmlns:dsp="http://schemas.microsoft.com/office/drawing/2008/diagram" relId="rId8" minVer="http://schemas.openxmlformats.org/drawingml/2006/diagram"/>
-    </a:ext>
-  </dgm:extLst>
-</dgm:dataModel>
-</file>
-
-<file path=ppt/diagrams/drawing1.xml><?xml version="1.0" encoding="utf-8"?>
-<dsp:drawing xmlns:dgm="http://schemas.openxmlformats.org/drawingml/2006/diagram" xmlns:dsp="http://schemas.microsoft.com/office/drawing/2008/diagram" xmlns:a="http://schemas.openxmlformats.org/drawingml/2006/main">
-  <dsp:spTree>
-    <dsp:nvGrpSpPr>
-      <dsp:cNvPr id="0" name=""/>
-      <dsp:cNvGrpSpPr/>
-    </dsp:nvGrpSpPr>
-    <dsp:grpSpPr/>
-    <dsp:sp modelId="{5E340066-1B2E-4C4E-80A2-97E86ABFA479}">
-      <dsp:nvSpPr>
-        <dsp:cNvPr id="0" name=""/>
-        <dsp:cNvSpPr/>
-      </dsp:nvSpPr>
-      <dsp:spPr>
-        <a:xfrm>
-          <a:off x="129313" y="735315"/>
-          <a:ext cx="779074" cy="779074"/>
-        </a:xfrm>
-        <a:prstGeom prst="ellipse">
-          <a:avLst/>
-        </a:prstGeom>
-        <a:solidFill>
-          <a:schemeClr val="accent3">
-            <a:hueOff val="0"/>
-            <a:satOff val="0"/>
-            <a:lumOff val="0"/>
-            <a:alphaOff val="0"/>
-          </a:schemeClr>
-        </a:solidFill>
-        <a:ln>
-          <a:noFill/>
-        </a:ln>
-        <a:effectLst/>
-      </dsp:spPr>
-      <dsp:style>
-        <a:lnRef idx="0">
-          <a:scrgbClr r="0" g="0" b="0"/>
-        </a:lnRef>
-        <a:fillRef idx="1">
-          <a:scrgbClr r="0" g="0" b="0"/>
-        </a:fillRef>
-        <a:effectRef idx="0">
-          <a:scrgbClr r="0" g="0" b="0"/>
-        </a:effectRef>
-        <a:fontRef idx="minor"/>
-      </dsp:style>
-    </dsp:sp>
-    <dsp:sp modelId="{F55B2F71-E638-412C-8147-FC7081E08B04}">
-      <dsp:nvSpPr>
-        <dsp:cNvPr id="0" name=""/>
-        <dsp:cNvSpPr/>
-      </dsp:nvSpPr>
-      <dsp:spPr>
-        <a:xfrm>
-          <a:off x="292918" y="898921"/>
-          <a:ext cx="451863" cy="451863"/>
-        </a:xfrm>
-        <a:prstGeom prst="rect">
-          <a:avLst/>
-        </a:prstGeom>
-        <a:blipFill>
-          <a:blip xmlns:r="http://schemas.openxmlformats.org/officeDocument/2006/relationships" r:embed="rId1">
-            <a:extLst>
-              <a:ext uri="{28A0092B-C50C-407E-A947-70E740481C1C}">
-                <a14:useLocalDpi xmlns:a14="http://schemas.microsoft.com/office/drawing/2010/main" val="0"/>
-              </a:ext>
-              <a:ext uri="{96DAC541-7B7A-43D3-8B79-37D633B846F1}">
-                <asvg:svgBlip xmlns:asvg="http://schemas.microsoft.com/office/drawing/2016/SVG/main" r:embed="rId2"/>
-              </a:ext>
-            </a:extLst>
-          </a:blip>
-          <a:stretch>
-            <a:fillRect/>
-          </a:stretch>
-        </a:blipFill>
-        <a:ln w="19050" cap="rnd" cmpd="sng" algn="ctr">
-          <a:noFill/>
-          <a:prstDash val="solid"/>
-        </a:ln>
-        <a:effectLst/>
-      </dsp:spPr>
-      <dsp:style>
-        <a:lnRef idx="2">
-          <a:scrgbClr r="0" g="0" b="0"/>
-        </a:lnRef>
-        <a:fillRef idx="1">
-          <a:scrgbClr r="0" g="0" b="0"/>
-        </a:fillRef>
-        <a:effectRef idx="0">
-          <a:scrgbClr r="0" g="0" b="0"/>
-        </a:effectRef>
-        <a:fontRef idx="minor">
-          <a:schemeClr val="lt1"/>
-        </a:fontRef>
-      </dsp:style>
-    </dsp:sp>
-    <dsp:sp modelId="{E05AF25A-E676-44EA-BB66-F2100ACAD1CB}">
-      <dsp:nvSpPr>
-        <dsp:cNvPr id="0" name=""/>
-        <dsp:cNvSpPr/>
-      </dsp:nvSpPr>
-      <dsp:spPr>
-        <a:xfrm>
-          <a:off x="1075332" y="735315"/>
-          <a:ext cx="1836390" cy="779074"/>
-        </a:xfrm>
-        <a:prstGeom prst="rect">
-          <a:avLst/>
-        </a:prstGeom>
-        <a:noFill/>
-        <a:ln>
-          <a:noFill/>
-        </a:ln>
-        <a:effectLst/>
-      </dsp:spPr>
-      <dsp:style>
-        <a:lnRef idx="0">
-          <a:scrgbClr r="0" g="0" b="0"/>
-        </a:lnRef>
-        <a:fillRef idx="0">
-          <a:scrgbClr r="0" g="0" b="0"/>
-        </a:fillRef>
-        <a:effectRef idx="0">
-          <a:scrgbClr r="0" g="0" b="0"/>
-        </a:effectRef>
-        <a:fontRef idx="minor"/>
-      </dsp:style>
-      <dsp:txBody>
-        <a:bodyPr spcFirstLastPara="0" vert="horz" wrap="square" lIns="0" tIns="0" rIns="0" bIns="0" numCol="1" spcCol="1270" anchor="ctr" anchorCtr="0">
-          <a:noAutofit/>
-        </a:bodyPr>
-        <a:lstStyle/>
-        <a:p>
-          <a:pPr marL="0" lvl="0" indent="0" algn="l" defTabSz="1066800">
-            <a:lnSpc>
-              <a:spcPct val="100000"/>
-            </a:lnSpc>
-            <a:spcBef>
-              <a:spcPct val="0"/>
-            </a:spcBef>
-            <a:spcAft>
-              <a:spcPct val="35000"/>
-            </a:spcAft>
-            <a:buNone/>
-          </a:pPr>
-          <a:r>
-            <a:rPr lang="en-US" sz="2400" kern="1200" dirty="0"/>
-            <a:t>Smart Product</a:t>
-          </a:r>
-        </a:p>
-      </dsp:txBody>
-      <dsp:txXfrm>
-        <a:off x="1075332" y="735315"/>
-        <a:ext cx="1836390" cy="779074"/>
-      </dsp:txXfrm>
-    </dsp:sp>
-    <dsp:sp modelId="{75512A68-FA50-4392-A441-C6EC352FE606}">
-      <dsp:nvSpPr>
-        <dsp:cNvPr id="0" name=""/>
-        <dsp:cNvSpPr/>
-      </dsp:nvSpPr>
-      <dsp:spPr>
-        <a:xfrm>
-          <a:off x="3231700" y="735315"/>
-          <a:ext cx="779074" cy="779074"/>
-        </a:xfrm>
-        <a:prstGeom prst="ellipse">
-          <a:avLst/>
-        </a:prstGeom>
-        <a:solidFill>
-          <a:schemeClr val="accent3">
-            <a:hueOff val="0"/>
-            <a:satOff val="0"/>
-            <a:lumOff val="0"/>
-            <a:alphaOff val="0"/>
-          </a:schemeClr>
-        </a:solidFill>
-        <a:ln>
-          <a:noFill/>
-        </a:ln>
-        <a:effectLst/>
-      </dsp:spPr>
-      <dsp:style>
-        <a:lnRef idx="0">
-          <a:scrgbClr r="0" g="0" b="0"/>
-        </a:lnRef>
-        <a:fillRef idx="1">
-          <a:scrgbClr r="0" g="0" b="0"/>
-        </a:fillRef>
-        <a:effectRef idx="0">
-          <a:scrgbClr r="0" g="0" b="0"/>
-        </a:effectRef>
-        <a:fontRef idx="minor"/>
-      </dsp:style>
-    </dsp:sp>
-    <dsp:sp modelId="{C425A8E1-258A-4D4B-9D55-24376C0AB360}">
-      <dsp:nvSpPr>
-        <dsp:cNvPr id="0" name=""/>
-        <dsp:cNvSpPr/>
-      </dsp:nvSpPr>
-      <dsp:spPr>
-        <a:xfrm>
-          <a:off x="3395305" y="898921"/>
-          <a:ext cx="451863" cy="451863"/>
-        </a:xfrm>
-        <a:prstGeom prst="rect">
-          <a:avLst/>
-        </a:prstGeom>
-        <a:blipFill>
-          <a:blip xmlns:r="http://schemas.openxmlformats.org/officeDocument/2006/relationships" r:embed="rId3">
-            <a:extLst>
-              <a:ext uri="{28A0092B-C50C-407E-A947-70E740481C1C}">
-                <a14:useLocalDpi xmlns:a14="http://schemas.microsoft.com/office/drawing/2010/main" val="0"/>
-              </a:ext>
-              <a:ext uri="{96DAC541-7B7A-43D3-8B79-37D633B846F1}">
-                <asvg:svgBlip xmlns:asvg="http://schemas.microsoft.com/office/drawing/2016/SVG/main" r:embed="rId4"/>
-              </a:ext>
-            </a:extLst>
-          </a:blip>
-          <a:stretch>
-            <a:fillRect/>
-          </a:stretch>
-        </a:blipFill>
-        <a:ln w="19050" cap="rnd" cmpd="sng" algn="ctr">
-          <a:noFill/>
-          <a:prstDash val="solid"/>
-        </a:ln>
-        <a:effectLst/>
-      </dsp:spPr>
-      <dsp:style>
-        <a:lnRef idx="2">
-          <a:scrgbClr r="0" g="0" b="0"/>
-        </a:lnRef>
-        <a:fillRef idx="1">
-          <a:scrgbClr r="0" g="0" b="0"/>
-        </a:fillRef>
-        <a:effectRef idx="0">
-          <a:scrgbClr r="0" g="0" b="0"/>
-        </a:effectRef>
-        <a:fontRef idx="minor">
-          <a:schemeClr val="lt1"/>
-        </a:fontRef>
-      </dsp:style>
-    </dsp:sp>
-    <dsp:sp modelId="{523C7F31-A7C1-43C9-AE27-AAE9100EE1FE}">
-      <dsp:nvSpPr>
-        <dsp:cNvPr id="0" name=""/>
-        <dsp:cNvSpPr/>
-      </dsp:nvSpPr>
-      <dsp:spPr>
-        <a:xfrm>
-          <a:off x="4177719" y="735315"/>
-          <a:ext cx="1836390" cy="779074"/>
-        </a:xfrm>
-        <a:prstGeom prst="rect">
-          <a:avLst/>
-        </a:prstGeom>
-        <a:noFill/>
-        <a:ln>
-          <a:noFill/>
-        </a:ln>
-        <a:effectLst/>
-      </dsp:spPr>
-      <dsp:style>
-        <a:lnRef idx="0">
-          <a:scrgbClr r="0" g="0" b="0"/>
-        </a:lnRef>
-        <a:fillRef idx="0">
-          <a:scrgbClr r="0" g="0" b="0"/>
-        </a:fillRef>
-        <a:effectRef idx="0">
-          <a:scrgbClr r="0" g="0" b="0"/>
-        </a:effectRef>
-        <a:fontRef idx="minor"/>
-      </dsp:style>
-      <dsp:txBody>
-        <a:bodyPr spcFirstLastPara="0" vert="horz" wrap="square" lIns="0" tIns="0" rIns="0" bIns="0" numCol="1" spcCol="1270" anchor="ctr" anchorCtr="0">
-          <a:noAutofit/>
-        </a:bodyPr>
-        <a:lstStyle/>
-        <a:p>
-          <a:pPr marL="0" lvl="0" indent="0" algn="l" defTabSz="1066800">
-            <a:lnSpc>
-              <a:spcPct val="100000"/>
-            </a:lnSpc>
-            <a:spcBef>
-              <a:spcPct val="0"/>
-            </a:spcBef>
-            <a:spcAft>
-              <a:spcPct val="35000"/>
-            </a:spcAft>
-            <a:buNone/>
-          </a:pPr>
-          <a:r>
-            <a:rPr lang="en-US" sz="2400" kern="1200" dirty="0"/>
-            <a:t>Voice Recognition</a:t>
-          </a:r>
-        </a:p>
-      </dsp:txBody>
-      <dsp:txXfrm>
-        <a:off x="4177719" y="735315"/>
-        <a:ext cx="1836390" cy="779074"/>
-      </dsp:txXfrm>
-    </dsp:sp>
-    <dsp:sp modelId="{2CA4BD4C-87EF-4944-9E57-97154B3B633C}">
-      <dsp:nvSpPr>
-        <dsp:cNvPr id="0" name=""/>
-        <dsp:cNvSpPr/>
-      </dsp:nvSpPr>
-      <dsp:spPr>
-        <a:xfrm>
-          <a:off x="129313" y="2134742"/>
-          <a:ext cx="779074" cy="779074"/>
-        </a:xfrm>
-        <a:prstGeom prst="ellipse">
-          <a:avLst/>
-        </a:prstGeom>
-        <a:solidFill>
-          <a:schemeClr val="accent3">
-            <a:hueOff val="0"/>
-            <a:satOff val="0"/>
-            <a:lumOff val="0"/>
-            <a:alphaOff val="0"/>
-          </a:schemeClr>
-        </a:solidFill>
-        <a:ln>
-          <a:noFill/>
-        </a:ln>
-        <a:effectLst/>
-      </dsp:spPr>
-      <dsp:style>
-        <a:lnRef idx="0">
-          <a:scrgbClr r="0" g="0" b="0"/>
-        </a:lnRef>
-        <a:fillRef idx="1">
-          <a:scrgbClr r="0" g="0" b="0"/>
-        </a:fillRef>
-        <a:effectRef idx="0">
-          <a:scrgbClr r="0" g="0" b="0"/>
-        </a:effectRef>
-        <a:fontRef idx="minor"/>
-      </dsp:style>
-    </dsp:sp>
-    <dsp:sp modelId="{D99F53AC-3AF2-437B-A5AB-1239ADEC0676}">
-      <dsp:nvSpPr>
-        <dsp:cNvPr id="0" name=""/>
-        <dsp:cNvSpPr/>
-      </dsp:nvSpPr>
-      <dsp:spPr>
-        <a:xfrm>
-          <a:off x="292918" y="2298348"/>
-          <a:ext cx="451863" cy="451863"/>
-        </a:xfrm>
-        <a:prstGeom prst="rect">
-          <a:avLst/>
-        </a:prstGeom>
-        <a:blipFill>
-          <a:blip xmlns:r="http://schemas.openxmlformats.org/officeDocument/2006/relationships" r:embed="rId5">
-            <a:extLst>
-              <a:ext uri="{28A0092B-C50C-407E-A947-70E740481C1C}">
-                <a14:useLocalDpi xmlns:a14="http://schemas.microsoft.com/office/drawing/2010/main" val="0"/>
-              </a:ext>
-              <a:ext uri="{96DAC541-7B7A-43D3-8B79-37D633B846F1}">
-                <asvg:svgBlip xmlns:asvg="http://schemas.microsoft.com/office/drawing/2016/SVG/main" r:embed="rId6"/>
-              </a:ext>
-            </a:extLst>
-          </a:blip>
-          <a:stretch>
-            <a:fillRect/>
-          </a:stretch>
-        </a:blipFill>
-        <a:ln w="19050" cap="rnd" cmpd="sng" algn="ctr">
-          <a:noFill/>
-          <a:prstDash val="solid"/>
-        </a:ln>
-        <a:effectLst/>
-      </dsp:spPr>
-      <dsp:style>
-        <a:lnRef idx="2">
-          <a:scrgbClr r="0" g="0" b="0"/>
-        </a:lnRef>
-        <a:fillRef idx="1">
-          <a:scrgbClr r="0" g="0" b="0"/>
-        </a:fillRef>
-        <a:effectRef idx="0">
-          <a:scrgbClr r="0" g="0" b="0"/>
-        </a:effectRef>
-        <a:fontRef idx="minor">
-          <a:schemeClr val="lt1"/>
-        </a:fontRef>
-      </dsp:style>
-    </dsp:sp>
-    <dsp:sp modelId="{D203E058-79E0-456E-A0FD-258E317D3D6A}">
-      <dsp:nvSpPr>
-        <dsp:cNvPr id="0" name=""/>
-        <dsp:cNvSpPr/>
-      </dsp:nvSpPr>
-      <dsp:spPr>
-        <a:xfrm>
-          <a:off x="1075332" y="2134742"/>
-          <a:ext cx="1836390" cy="779074"/>
-        </a:xfrm>
-        <a:prstGeom prst="rect">
-          <a:avLst/>
-        </a:prstGeom>
-        <a:noFill/>
-        <a:ln>
-          <a:noFill/>
-        </a:ln>
-        <a:effectLst/>
-      </dsp:spPr>
-      <dsp:style>
-        <a:lnRef idx="0">
-          <a:scrgbClr r="0" g="0" b="0"/>
-        </a:lnRef>
-        <a:fillRef idx="0">
-          <a:scrgbClr r="0" g="0" b="0"/>
-        </a:fillRef>
-        <a:effectRef idx="0">
-          <a:scrgbClr r="0" g="0" b="0"/>
-        </a:effectRef>
-        <a:fontRef idx="minor"/>
-      </dsp:style>
-      <dsp:txBody>
-        <a:bodyPr spcFirstLastPara="0" vert="horz" wrap="square" lIns="0" tIns="0" rIns="0" bIns="0" numCol="1" spcCol="1270" anchor="ctr" anchorCtr="0">
-          <a:noAutofit/>
-        </a:bodyPr>
-        <a:lstStyle/>
-        <a:p>
-          <a:pPr marL="0" lvl="0" indent="0" algn="l" defTabSz="1066800">
-            <a:lnSpc>
-              <a:spcPct val="100000"/>
-            </a:lnSpc>
-            <a:spcBef>
-              <a:spcPct val="0"/>
-            </a:spcBef>
-            <a:spcAft>
-              <a:spcPct val="35000"/>
-            </a:spcAft>
-            <a:buNone/>
-          </a:pPr>
-          <a:r>
-            <a:rPr lang="en-US" sz="2400" kern="1200" dirty="0"/>
-            <a:t>Artificial Intelligence</a:t>
-          </a:r>
-        </a:p>
-      </dsp:txBody>
-      <dsp:txXfrm>
-        <a:off x="1075332" y="2134742"/>
-        <a:ext cx="1836390" cy="779074"/>
-      </dsp:txXfrm>
-    </dsp:sp>
-    <dsp:sp modelId="{7089FE6B-57E5-4306-8097-E758E000C828}">
-      <dsp:nvSpPr>
-        <dsp:cNvPr id="0" name=""/>
-        <dsp:cNvSpPr/>
-      </dsp:nvSpPr>
-      <dsp:spPr>
-        <a:xfrm>
-          <a:off x="3231700" y="2134742"/>
-          <a:ext cx="779074" cy="779074"/>
-        </a:xfrm>
-        <a:prstGeom prst="ellipse">
-          <a:avLst/>
-        </a:prstGeom>
-        <a:solidFill>
-          <a:schemeClr val="accent3">
-            <a:hueOff val="0"/>
-            <a:satOff val="0"/>
-            <a:lumOff val="0"/>
-            <a:alphaOff val="0"/>
-          </a:schemeClr>
-        </a:solidFill>
-        <a:ln>
-          <a:noFill/>
-        </a:ln>
-        <a:effectLst/>
-      </dsp:spPr>
-      <dsp:style>
-        <a:lnRef idx="0">
-          <a:scrgbClr r="0" g="0" b="0"/>
-        </a:lnRef>
-        <a:fillRef idx="1">
-          <a:scrgbClr r="0" g="0" b="0"/>
-        </a:fillRef>
-        <a:effectRef idx="0">
-          <a:scrgbClr r="0" g="0" b="0"/>
-        </a:effectRef>
-        <a:fontRef idx="minor"/>
-      </dsp:style>
-    </dsp:sp>
-    <dsp:sp modelId="{41C0BC0F-FFD5-42B5-B952-9316B9364F6F}">
-      <dsp:nvSpPr>
-        <dsp:cNvPr id="0" name=""/>
-        <dsp:cNvSpPr/>
-      </dsp:nvSpPr>
-      <dsp:spPr>
-        <a:xfrm>
-          <a:off x="3395305" y="2298348"/>
-          <a:ext cx="451863" cy="451863"/>
-        </a:xfrm>
-        <a:prstGeom prst="rect">
-          <a:avLst/>
-        </a:prstGeom>
-        <a:blipFill>
-          <a:blip xmlns:r="http://schemas.openxmlformats.org/officeDocument/2006/relationships" r:embed="rId7">
-            <a:extLst>
-              <a:ext uri="{28A0092B-C50C-407E-A947-70E740481C1C}">
-                <a14:useLocalDpi xmlns:a14="http://schemas.microsoft.com/office/drawing/2010/main" val="0"/>
-              </a:ext>
-              <a:ext uri="{96DAC541-7B7A-43D3-8B79-37D633B846F1}">
-                <asvg:svgBlip xmlns:asvg="http://schemas.microsoft.com/office/drawing/2016/SVG/main" r:embed="rId8"/>
-              </a:ext>
-            </a:extLst>
-          </a:blip>
-          <a:stretch>
-            <a:fillRect/>
-          </a:stretch>
-        </a:blipFill>
-        <a:ln w="19050" cap="rnd" cmpd="sng" algn="ctr">
-          <a:noFill/>
-          <a:prstDash val="solid"/>
-        </a:ln>
-        <a:effectLst/>
-      </dsp:spPr>
-      <dsp:style>
-        <a:lnRef idx="2">
-          <a:scrgbClr r="0" g="0" b="0"/>
-        </a:lnRef>
-        <a:fillRef idx="1">
-          <a:scrgbClr r="0" g="0" b="0"/>
-        </a:fillRef>
-        <a:effectRef idx="0">
-          <a:scrgbClr r="0" g="0" b="0"/>
-        </a:effectRef>
-        <a:fontRef idx="minor">
-          <a:schemeClr val="lt1"/>
-        </a:fontRef>
-      </dsp:style>
-    </dsp:sp>
-    <dsp:sp modelId="{7703AFE5-FAA2-4D8A-AEFA-D3C5CB41E5BC}">
-      <dsp:nvSpPr>
-        <dsp:cNvPr id="0" name=""/>
-        <dsp:cNvSpPr/>
-      </dsp:nvSpPr>
-      <dsp:spPr>
-        <a:xfrm>
-          <a:off x="4177719" y="2134742"/>
-          <a:ext cx="1836390" cy="779074"/>
-        </a:xfrm>
-        <a:prstGeom prst="rect">
-          <a:avLst/>
-        </a:prstGeom>
-        <a:noFill/>
-        <a:ln>
-          <a:noFill/>
-        </a:ln>
-        <a:effectLst/>
-      </dsp:spPr>
-      <dsp:style>
-        <a:lnRef idx="0">
-          <a:scrgbClr r="0" g="0" b="0"/>
-        </a:lnRef>
-        <a:fillRef idx="0">
-          <a:scrgbClr r="0" g="0" b="0"/>
-        </a:fillRef>
-        <a:effectRef idx="0">
-          <a:scrgbClr r="0" g="0" b="0"/>
-        </a:effectRef>
-        <a:fontRef idx="minor"/>
-      </dsp:style>
-      <dsp:txBody>
-        <a:bodyPr spcFirstLastPara="0" vert="horz" wrap="square" lIns="0" tIns="0" rIns="0" bIns="0" numCol="1" spcCol="1270" anchor="ctr" anchorCtr="0">
-          <a:noAutofit/>
-        </a:bodyPr>
-        <a:lstStyle/>
-        <a:p>
-          <a:pPr marL="0" lvl="0" indent="0" algn="l" defTabSz="1066800">
-            <a:lnSpc>
-              <a:spcPct val="100000"/>
-            </a:lnSpc>
-            <a:spcBef>
-              <a:spcPct val="0"/>
-            </a:spcBef>
-            <a:spcAft>
-              <a:spcPct val="35000"/>
-            </a:spcAft>
-            <a:buNone/>
-          </a:pPr>
-          <a:r>
-            <a:rPr lang="en-US" sz="2400" kern="1200" dirty="0"/>
-            <a:t>VR</a:t>
-          </a:r>
-        </a:p>
-      </dsp:txBody>
-      <dsp:txXfrm>
-        <a:off x="4177719" y="2134742"/>
-        <a:ext cx="1836390" cy="779074"/>
-      </dsp:txXfrm>
-    </dsp:sp>
-  </dsp:spTree>
-</dsp:drawing>
-</file>
-
-<file path=ppt/diagrams/drawing2.xml><?xml version="1.0" encoding="utf-8"?>
-<dsp:drawing xmlns:dgm="http://schemas.openxmlformats.org/drawingml/2006/diagram" xmlns:dsp="http://schemas.microsoft.com/office/drawing/2008/diagram" xmlns:a="http://schemas.openxmlformats.org/drawingml/2006/main">
-  <dsp:spTree>
-    <dsp:nvGrpSpPr>
-      <dsp:cNvPr id="0" name=""/>
-      <dsp:cNvGrpSpPr/>
-    </dsp:nvGrpSpPr>
-    <dsp:grpSpPr/>
-    <dsp:sp modelId="{A6EEB127-C2F5-4C0D-B108-CC2B3F78F4F1}">
-      <dsp:nvSpPr>
-        <dsp:cNvPr id="0" name=""/>
-        <dsp:cNvSpPr/>
-      </dsp:nvSpPr>
-      <dsp:spPr>
-        <a:xfrm>
-          <a:off x="1746397" y="269357"/>
-          <a:ext cx="3188953" cy="3188885"/>
-        </a:xfrm>
-        <a:prstGeom prst="ellipse">
-          <a:avLst/>
-        </a:prstGeom>
-        <a:gradFill rotWithShape="0">
-          <a:gsLst>
-            <a:gs pos="0">
-              <a:schemeClr val="accent1">
-                <a:hueOff val="0"/>
-                <a:satOff val="0"/>
-                <a:lumOff val="0"/>
-                <a:alphaOff val="0"/>
-                <a:tint val="98000"/>
-                <a:lumMod val="100000"/>
-              </a:schemeClr>
-            </a:gs>
-            <a:gs pos="100000">
-              <a:schemeClr val="accent1">
-                <a:hueOff val="0"/>
-                <a:satOff val="0"/>
-                <a:lumOff val="0"/>
-                <a:alphaOff val="0"/>
-                <a:shade val="88000"/>
-                <a:lumMod val="88000"/>
-              </a:schemeClr>
-            </a:gs>
-          </a:gsLst>
-          <a:lin ang="5400000" scaled="1"/>
-        </a:gradFill>
-        <a:ln>
-          <a:noFill/>
-        </a:ln>
-        <a:effectLst>
-          <a:outerShdw blurRad="50800" dist="38100" dir="5400000" rotWithShape="0">
-            <a:srgbClr val="000000">
-              <a:alpha val="35000"/>
-            </a:srgbClr>
-          </a:outerShdw>
-        </a:effectLst>
-      </dsp:spPr>
-      <dsp:style>
-        <a:lnRef idx="0">
-          <a:scrgbClr r="0" g="0" b="0"/>
-        </a:lnRef>
-        <a:fillRef idx="3">
-          <a:scrgbClr r="0" g="0" b="0"/>
-        </a:fillRef>
-        <a:effectRef idx="2">
-          <a:scrgbClr r="0" g="0" b="0"/>
-        </a:effectRef>
-        <a:fontRef idx="minor">
-          <a:schemeClr val="lt1"/>
-        </a:fontRef>
-      </dsp:style>
-      <dsp:txBody>
-        <a:bodyPr spcFirstLastPara="0" vert="horz" wrap="square" lIns="68580" tIns="68580" rIns="68580" bIns="68580" numCol="1" spcCol="1270" anchor="ctr" anchorCtr="0">
-          <a:noAutofit/>
-        </a:bodyPr>
-        <a:lstStyle/>
-        <a:p>
-          <a:pPr marL="0" lvl="0" indent="0" algn="ctr" defTabSz="800100">
-            <a:lnSpc>
-              <a:spcPct val="90000"/>
-            </a:lnSpc>
-            <a:spcBef>
-              <a:spcPct val="0"/>
-            </a:spcBef>
-            <a:spcAft>
-              <a:spcPct val="35000"/>
-            </a:spcAft>
-            <a:buNone/>
-          </a:pPr>
-          <a:r>
-            <a:rPr lang="en-US" sz="1800" b="1" kern="1200" dirty="0"/>
-            <a:t>Problem Solving</a:t>
-          </a:r>
-        </a:p>
-      </dsp:txBody>
-      <dsp:txXfrm>
-        <a:off x="2213408" y="736358"/>
-        <a:ext cx="2254931" cy="2254883"/>
-      </dsp:txXfrm>
-    </dsp:sp>
-    <dsp:sp modelId="{8A0FF0D8-0AF7-44A4-833E-7EA23A507B5A}">
-      <dsp:nvSpPr>
-        <dsp:cNvPr id="0" name=""/>
-        <dsp:cNvSpPr/>
-      </dsp:nvSpPr>
-      <dsp:spPr>
-        <a:xfrm>
-          <a:off x="3565945" y="124069"/>
-          <a:ext cx="354657" cy="354651"/>
-        </a:xfrm>
-        <a:prstGeom prst="ellipse">
-          <a:avLst/>
-        </a:prstGeom>
-        <a:gradFill rotWithShape="0">
-          <a:gsLst>
-            <a:gs pos="0">
-              <a:schemeClr val="accent1">
-                <a:hueOff val="0"/>
-                <a:satOff val="0"/>
-                <a:lumOff val="0"/>
-                <a:alphaOff val="0"/>
-                <a:tint val="98000"/>
-                <a:lumMod val="100000"/>
-              </a:schemeClr>
-            </a:gs>
-            <a:gs pos="100000">
-              <a:schemeClr val="accent1">
-                <a:hueOff val="0"/>
-                <a:satOff val="0"/>
-                <a:lumOff val="0"/>
-                <a:alphaOff val="0"/>
-                <a:shade val="88000"/>
-                <a:lumMod val="88000"/>
-              </a:schemeClr>
-            </a:gs>
-          </a:gsLst>
-          <a:lin ang="5400000" scaled="1"/>
-        </a:gradFill>
-        <a:ln>
-          <a:noFill/>
-        </a:ln>
-        <a:effectLst>
-          <a:outerShdw blurRad="50800" dist="38100" dir="5400000" rotWithShape="0">
-            <a:srgbClr val="000000">
-              <a:alpha val="35000"/>
-            </a:srgbClr>
-          </a:outerShdw>
-        </a:effectLst>
-      </dsp:spPr>
-      <dsp:style>
-        <a:lnRef idx="0">
-          <a:scrgbClr r="0" g="0" b="0"/>
-        </a:lnRef>
-        <a:fillRef idx="3">
-          <a:scrgbClr r="0" g="0" b="0"/>
-        </a:fillRef>
-        <a:effectRef idx="2">
-          <a:scrgbClr r="0" g="0" b="0"/>
-        </a:effectRef>
-        <a:fontRef idx="minor">
-          <a:schemeClr val="lt1"/>
-        </a:fontRef>
-      </dsp:style>
-    </dsp:sp>
-    <dsp:sp modelId="{F988BAF3-9DE2-4A25-84FE-B7C476401BC3}">
-      <dsp:nvSpPr>
-        <dsp:cNvPr id="0" name=""/>
-        <dsp:cNvSpPr/>
-      </dsp:nvSpPr>
-      <dsp:spPr>
-        <a:xfrm>
-          <a:off x="2726154" y="3221310"/>
-          <a:ext cx="256800" cy="257047"/>
-        </a:xfrm>
-        <a:prstGeom prst="ellipse">
-          <a:avLst/>
-        </a:prstGeom>
-        <a:gradFill rotWithShape="0">
-          <a:gsLst>
-            <a:gs pos="0">
-              <a:schemeClr val="accent1">
-                <a:hueOff val="0"/>
-                <a:satOff val="0"/>
-                <a:lumOff val="0"/>
-                <a:alphaOff val="0"/>
-                <a:tint val="98000"/>
-                <a:lumMod val="100000"/>
-              </a:schemeClr>
-            </a:gs>
-            <a:gs pos="100000">
-              <a:schemeClr val="accent1">
-                <a:hueOff val="0"/>
-                <a:satOff val="0"/>
-                <a:lumOff val="0"/>
-                <a:alphaOff val="0"/>
-                <a:shade val="88000"/>
-                <a:lumMod val="88000"/>
-              </a:schemeClr>
-            </a:gs>
-          </a:gsLst>
-          <a:lin ang="5400000" scaled="1"/>
-        </a:gradFill>
-        <a:ln>
-          <a:noFill/>
-        </a:ln>
-        <a:effectLst>
-          <a:outerShdw blurRad="50800" dist="38100" dir="5400000" rotWithShape="0">
-            <a:srgbClr val="000000">
-              <a:alpha val="35000"/>
-            </a:srgbClr>
-          </a:outerShdw>
-        </a:effectLst>
-      </dsp:spPr>
-      <dsp:style>
-        <a:lnRef idx="0">
-          <a:scrgbClr r="0" g="0" b="0"/>
-        </a:lnRef>
-        <a:fillRef idx="3">
-          <a:scrgbClr r="0" g="0" b="0"/>
-        </a:fillRef>
-        <a:effectRef idx="2">
-          <a:scrgbClr r="0" g="0" b="0"/>
-        </a:effectRef>
-        <a:fontRef idx="minor">
-          <a:schemeClr val="lt1"/>
-        </a:fontRef>
-      </dsp:style>
-    </dsp:sp>
-    <dsp:sp modelId="{6288D093-07AF-4EEB-B57C-FB5DA4420E30}">
-      <dsp:nvSpPr>
-        <dsp:cNvPr id="0" name=""/>
-        <dsp:cNvSpPr/>
-      </dsp:nvSpPr>
-      <dsp:spPr>
-        <a:xfrm>
-          <a:off x="5140554" y="1563537"/>
-          <a:ext cx="256800" cy="257047"/>
-        </a:xfrm>
-        <a:prstGeom prst="ellipse">
-          <a:avLst/>
-        </a:prstGeom>
-        <a:gradFill rotWithShape="0">
-          <a:gsLst>
-            <a:gs pos="0">
-              <a:schemeClr val="accent1">
-                <a:hueOff val="0"/>
-                <a:satOff val="0"/>
-                <a:lumOff val="0"/>
-                <a:alphaOff val="0"/>
-                <a:tint val="98000"/>
-                <a:lumMod val="100000"/>
-              </a:schemeClr>
-            </a:gs>
-            <a:gs pos="100000">
-              <a:schemeClr val="accent1">
-                <a:hueOff val="0"/>
-                <a:satOff val="0"/>
-                <a:lumOff val="0"/>
-                <a:alphaOff val="0"/>
-                <a:shade val="88000"/>
-                <a:lumMod val="88000"/>
-              </a:schemeClr>
-            </a:gs>
-          </a:gsLst>
-          <a:lin ang="5400000" scaled="1"/>
-        </a:gradFill>
-        <a:ln>
-          <a:noFill/>
-        </a:ln>
-        <a:effectLst>
-          <a:outerShdw blurRad="50800" dist="38100" dir="5400000" rotWithShape="0">
-            <a:srgbClr val="000000">
-              <a:alpha val="35000"/>
-            </a:srgbClr>
-          </a:outerShdw>
-        </a:effectLst>
-      </dsp:spPr>
-      <dsp:style>
-        <a:lnRef idx="0">
-          <a:scrgbClr r="0" g="0" b="0"/>
-        </a:lnRef>
-        <a:fillRef idx="3">
-          <a:scrgbClr r="0" g="0" b="0"/>
-        </a:fillRef>
-        <a:effectRef idx="2">
-          <a:scrgbClr r="0" g="0" b="0"/>
-        </a:effectRef>
-        <a:fontRef idx="minor">
-          <a:schemeClr val="lt1"/>
-        </a:fontRef>
-      </dsp:style>
-    </dsp:sp>
-    <dsp:sp modelId="{099685E2-34CD-4723-A342-ED2D0CA22ECA}">
-      <dsp:nvSpPr>
-        <dsp:cNvPr id="0" name=""/>
-        <dsp:cNvSpPr/>
-      </dsp:nvSpPr>
-      <dsp:spPr>
-        <a:xfrm>
-          <a:off x="3911707" y="3494750"/>
-          <a:ext cx="354657" cy="354651"/>
-        </a:xfrm>
-        <a:prstGeom prst="ellipse">
-          <a:avLst/>
-        </a:prstGeom>
-        <a:gradFill rotWithShape="0">
-          <a:gsLst>
-            <a:gs pos="0">
-              <a:schemeClr val="accent1">
-                <a:hueOff val="0"/>
-                <a:satOff val="0"/>
-                <a:lumOff val="0"/>
-                <a:alphaOff val="0"/>
-                <a:tint val="98000"/>
-                <a:lumMod val="100000"/>
-              </a:schemeClr>
-            </a:gs>
-            <a:gs pos="100000">
-              <a:schemeClr val="accent1">
-                <a:hueOff val="0"/>
-                <a:satOff val="0"/>
-                <a:lumOff val="0"/>
-                <a:alphaOff val="0"/>
-                <a:shade val="88000"/>
-                <a:lumMod val="88000"/>
-              </a:schemeClr>
-            </a:gs>
-          </a:gsLst>
-          <a:lin ang="5400000" scaled="1"/>
-        </a:gradFill>
-        <a:ln>
-          <a:noFill/>
-        </a:ln>
-        <a:effectLst>
-          <a:outerShdw blurRad="50800" dist="38100" dir="5400000" rotWithShape="0">
-            <a:srgbClr val="000000">
-              <a:alpha val="35000"/>
-            </a:srgbClr>
-          </a:outerShdw>
-        </a:effectLst>
-      </dsp:spPr>
-      <dsp:style>
-        <a:lnRef idx="0">
-          <a:scrgbClr r="0" g="0" b="0"/>
-        </a:lnRef>
-        <a:fillRef idx="3">
-          <a:scrgbClr r="0" g="0" b="0"/>
-        </a:fillRef>
-        <a:effectRef idx="2">
-          <a:scrgbClr r="0" g="0" b="0"/>
-        </a:effectRef>
-        <a:fontRef idx="minor">
-          <a:schemeClr val="lt1"/>
-        </a:fontRef>
-      </dsp:style>
-    </dsp:sp>
-    <dsp:sp modelId="{282F7230-9226-4387-9620-3DC67223F95C}">
-      <dsp:nvSpPr>
-        <dsp:cNvPr id="0" name=""/>
-        <dsp:cNvSpPr/>
-      </dsp:nvSpPr>
-      <dsp:spPr>
-        <a:xfrm>
-          <a:off x="2799102" y="628106"/>
-          <a:ext cx="256800" cy="257047"/>
-        </a:xfrm>
-        <a:prstGeom prst="ellipse">
-          <a:avLst/>
-        </a:prstGeom>
-        <a:gradFill rotWithShape="0">
-          <a:gsLst>
-            <a:gs pos="0">
-              <a:schemeClr val="accent1">
-                <a:hueOff val="0"/>
-                <a:satOff val="0"/>
-                <a:lumOff val="0"/>
-                <a:alphaOff val="0"/>
-                <a:tint val="98000"/>
-                <a:lumMod val="100000"/>
-              </a:schemeClr>
-            </a:gs>
-            <a:gs pos="100000">
-              <a:schemeClr val="accent1">
-                <a:hueOff val="0"/>
-                <a:satOff val="0"/>
-                <a:lumOff val="0"/>
-                <a:alphaOff val="0"/>
-                <a:shade val="88000"/>
-                <a:lumMod val="88000"/>
-              </a:schemeClr>
-            </a:gs>
-          </a:gsLst>
-          <a:lin ang="5400000" scaled="1"/>
-        </a:gradFill>
-        <a:ln>
-          <a:noFill/>
-        </a:ln>
-        <a:effectLst>
-          <a:outerShdw blurRad="50800" dist="38100" dir="5400000" rotWithShape="0">
-            <a:srgbClr val="000000">
-              <a:alpha val="35000"/>
-            </a:srgbClr>
-          </a:outerShdw>
-        </a:effectLst>
-      </dsp:spPr>
-      <dsp:style>
-        <a:lnRef idx="0">
-          <a:scrgbClr r="0" g="0" b="0"/>
-        </a:lnRef>
-        <a:fillRef idx="3">
-          <a:scrgbClr r="0" g="0" b="0"/>
-        </a:fillRef>
-        <a:effectRef idx="2">
-          <a:scrgbClr r="0" g="0" b="0"/>
-        </a:effectRef>
-        <a:fontRef idx="minor">
-          <a:schemeClr val="lt1"/>
-        </a:fontRef>
-      </dsp:style>
-    </dsp:sp>
-    <dsp:sp modelId="{2682D7C4-37F7-4CA1-B102-AED7627E9C93}">
-      <dsp:nvSpPr>
-        <dsp:cNvPr id="0" name=""/>
-        <dsp:cNvSpPr/>
-      </dsp:nvSpPr>
-      <dsp:spPr>
-        <a:xfrm>
-          <a:off x="1989557" y="2098495"/>
-          <a:ext cx="256800" cy="257047"/>
-        </a:xfrm>
-        <a:prstGeom prst="ellipse">
-          <a:avLst/>
-        </a:prstGeom>
-        <a:gradFill rotWithShape="0">
-          <a:gsLst>
-            <a:gs pos="0">
-              <a:schemeClr val="accent1">
-                <a:hueOff val="0"/>
-                <a:satOff val="0"/>
-                <a:lumOff val="0"/>
-                <a:alphaOff val="0"/>
-                <a:tint val="98000"/>
-                <a:lumMod val="100000"/>
-              </a:schemeClr>
-            </a:gs>
-            <a:gs pos="100000">
-              <a:schemeClr val="accent1">
-                <a:hueOff val="0"/>
-                <a:satOff val="0"/>
-                <a:lumOff val="0"/>
-                <a:alphaOff val="0"/>
-                <a:shade val="88000"/>
-                <a:lumMod val="88000"/>
-              </a:schemeClr>
-            </a:gs>
-          </a:gsLst>
-          <a:lin ang="5400000" scaled="1"/>
-        </a:gradFill>
-        <a:ln>
-          <a:noFill/>
-        </a:ln>
-        <a:effectLst>
-          <a:outerShdw blurRad="50800" dist="38100" dir="5400000" rotWithShape="0">
-            <a:srgbClr val="000000">
-              <a:alpha val="35000"/>
-            </a:srgbClr>
-          </a:outerShdw>
-        </a:effectLst>
-      </dsp:spPr>
-      <dsp:style>
-        <a:lnRef idx="0">
-          <a:scrgbClr r="0" g="0" b="0"/>
-        </a:lnRef>
-        <a:fillRef idx="3">
-          <a:scrgbClr r="0" g="0" b="0"/>
-        </a:fillRef>
-        <a:effectRef idx="2">
-          <a:scrgbClr r="0" g="0" b="0"/>
-        </a:effectRef>
-        <a:fontRef idx="minor">
-          <a:schemeClr val="lt1"/>
-        </a:fontRef>
-      </dsp:style>
-    </dsp:sp>
-    <dsp:sp modelId="{CCDD2561-1FC5-4EA6-AD90-3ADAF62A41D1}">
-      <dsp:nvSpPr>
-        <dsp:cNvPr id="0" name=""/>
-        <dsp:cNvSpPr/>
-      </dsp:nvSpPr>
-      <dsp:spPr>
-        <a:xfrm>
-          <a:off x="296359" y="296740"/>
-          <a:ext cx="1850887" cy="1850296"/>
-        </a:xfrm>
-        <a:prstGeom prst="ellipse">
-          <a:avLst/>
-        </a:prstGeom>
-        <a:gradFill rotWithShape="0">
-          <a:gsLst>
-            <a:gs pos="0">
-              <a:schemeClr val="accent1">
-                <a:hueOff val="0"/>
-                <a:satOff val="0"/>
-                <a:lumOff val="0"/>
-                <a:alphaOff val="0"/>
-                <a:tint val="98000"/>
-                <a:lumMod val="100000"/>
-              </a:schemeClr>
-            </a:gs>
-            <a:gs pos="100000">
-              <a:schemeClr val="accent1">
-                <a:hueOff val="0"/>
-                <a:satOff val="0"/>
-                <a:lumOff val="0"/>
-                <a:alphaOff val="0"/>
-                <a:shade val="88000"/>
-                <a:lumMod val="88000"/>
-              </a:schemeClr>
-            </a:gs>
-          </a:gsLst>
-          <a:lin ang="5400000" scaled="1"/>
-        </a:gradFill>
-        <a:ln>
-          <a:noFill/>
-        </a:ln>
-        <a:effectLst>
-          <a:outerShdw blurRad="50800" dist="38100" dir="5400000" rotWithShape="0">
-            <a:srgbClr val="000000">
-              <a:alpha val="35000"/>
-            </a:srgbClr>
-          </a:outerShdw>
-        </a:effectLst>
-      </dsp:spPr>
-      <dsp:style>
-        <a:lnRef idx="0">
-          <a:scrgbClr r="0" g="0" b="0"/>
-        </a:lnRef>
-        <a:fillRef idx="3">
-          <a:scrgbClr r="0" g="0" b="0"/>
-        </a:fillRef>
-        <a:effectRef idx="2">
-          <a:scrgbClr r="0" g="0" b="0"/>
-        </a:effectRef>
-        <a:fontRef idx="minor">
-          <a:schemeClr val="lt1"/>
-        </a:fontRef>
-      </dsp:style>
-      <dsp:txBody>
-        <a:bodyPr spcFirstLastPara="0" vert="horz" wrap="square" lIns="68580" tIns="68580" rIns="68580" bIns="68580" numCol="1" spcCol="1270" anchor="ctr" anchorCtr="0">
-          <a:noAutofit/>
-        </a:bodyPr>
-        <a:lstStyle/>
-        <a:p>
-          <a:pPr marL="0" lvl="0" indent="0" algn="ctr" defTabSz="800100">
-            <a:lnSpc>
-              <a:spcPct val="90000"/>
-            </a:lnSpc>
-            <a:spcBef>
-              <a:spcPct val="0"/>
-            </a:spcBef>
-            <a:spcAft>
-              <a:spcPct val="35000"/>
-            </a:spcAft>
-            <a:buNone/>
-          </a:pPr>
-          <a:r>
-            <a:rPr lang="en-US" sz="1800" b="1" kern="1200" dirty="0"/>
-            <a:t>Algorithm</a:t>
-          </a:r>
-          <a:endParaRPr lang="en-US" sz="1200" b="1" kern="1200" dirty="0"/>
-        </a:p>
-      </dsp:txBody>
-      <dsp:txXfrm>
-        <a:off x="567415" y="567710"/>
-        <a:ext cx="1308775" cy="1308356"/>
-      </dsp:txXfrm>
-    </dsp:sp>
-    <dsp:sp modelId="{2470B0FE-F3CE-48F3-AE82-73016C487D68}">
-      <dsp:nvSpPr>
-        <dsp:cNvPr id="0" name=""/>
-        <dsp:cNvSpPr/>
-      </dsp:nvSpPr>
-      <dsp:spPr>
-        <a:xfrm>
-          <a:off x="3207136" y="639282"/>
-          <a:ext cx="354657" cy="354651"/>
-        </a:xfrm>
-        <a:prstGeom prst="ellipse">
-          <a:avLst/>
-        </a:prstGeom>
-        <a:gradFill rotWithShape="0">
-          <a:gsLst>
-            <a:gs pos="0">
-              <a:schemeClr val="accent1">
-                <a:hueOff val="0"/>
-                <a:satOff val="0"/>
-                <a:lumOff val="0"/>
-                <a:alphaOff val="0"/>
-                <a:tint val="98000"/>
-                <a:lumMod val="100000"/>
-              </a:schemeClr>
-            </a:gs>
-            <a:gs pos="100000">
-              <a:schemeClr val="accent1">
-                <a:hueOff val="0"/>
-                <a:satOff val="0"/>
-                <a:lumOff val="0"/>
-                <a:alphaOff val="0"/>
-                <a:shade val="88000"/>
-                <a:lumMod val="88000"/>
-              </a:schemeClr>
-            </a:gs>
-          </a:gsLst>
-          <a:lin ang="5400000" scaled="1"/>
-        </a:gradFill>
-        <a:ln>
-          <a:noFill/>
-        </a:ln>
-        <a:effectLst>
-          <a:outerShdw blurRad="50800" dist="38100" dir="5400000" rotWithShape="0">
-            <a:srgbClr val="000000">
-              <a:alpha val="35000"/>
-            </a:srgbClr>
-          </a:outerShdw>
-        </a:effectLst>
-      </dsp:spPr>
-      <dsp:style>
-        <a:lnRef idx="0">
-          <a:scrgbClr r="0" g="0" b="0"/>
-        </a:lnRef>
-        <a:fillRef idx="3">
-          <a:scrgbClr r="0" g="0" b="0"/>
-        </a:fillRef>
-        <a:effectRef idx="2">
-          <a:scrgbClr r="0" g="0" b="0"/>
-        </a:effectRef>
-        <a:fontRef idx="minor">
-          <a:schemeClr val="lt1"/>
-        </a:fontRef>
-      </dsp:style>
-    </dsp:sp>
-    <dsp:sp modelId="{48BC9D73-B86D-4378-970E-5CD650E31618}">
-      <dsp:nvSpPr>
-        <dsp:cNvPr id="0" name=""/>
-        <dsp:cNvSpPr/>
-      </dsp:nvSpPr>
-      <dsp:spPr>
-        <a:xfrm>
-          <a:off x="871615" y="2520948"/>
-          <a:ext cx="641111" cy="641129"/>
-        </a:xfrm>
-        <a:prstGeom prst="ellipse">
-          <a:avLst/>
-        </a:prstGeom>
-        <a:gradFill rotWithShape="0">
-          <a:gsLst>
-            <a:gs pos="0">
-              <a:schemeClr val="accent1">
-                <a:hueOff val="0"/>
-                <a:satOff val="0"/>
-                <a:lumOff val="0"/>
-                <a:alphaOff val="0"/>
-                <a:tint val="98000"/>
-                <a:lumMod val="100000"/>
-              </a:schemeClr>
-            </a:gs>
-            <a:gs pos="100000">
-              <a:schemeClr val="accent1">
-                <a:hueOff val="0"/>
-                <a:satOff val="0"/>
-                <a:lumOff val="0"/>
-                <a:alphaOff val="0"/>
-                <a:shade val="88000"/>
-                <a:lumMod val="88000"/>
-              </a:schemeClr>
-            </a:gs>
-          </a:gsLst>
-          <a:lin ang="5400000" scaled="1"/>
-        </a:gradFill>
-        <a:ln>
-          <a:noFill/>
-        </a:ln>
-        <a:effectLst>
-          <a:outerShdw blurRad="50800" dist="38100" dir="5400000" rotWithShape="0">
-            <a:srgbClr val="000000">
-              <a:alpha val="35000"/>
-            </a:srgbClr>
-          </a:outerShdw>
-        </a:effectLst>
-      </dsp:spPr>
-      <dsp:style>
-        <a:lnRef idx="0">
-          <a:scrgbClr r="0" g="0" b="0"/>
-        </a:lnRef>
-        <a:fillRef idx="3">
-          <a:scrgbClr r="0" g="0" b="0"/>
-        </a:fillRef>
-        <a:effectRef idx="2">
-          <a:scrgbClr r="0" g="0" b="0"/>
-        </a:effectRef>
-        <a:fontRef idx="minor">
-          <a:schemeClr val="lt1"/>
-        </a:fontRef>
-      </dsp:style>
-    </dsp:sp>
-    <dsp:sp modelId="{EB301C3D-F1F9-4A72-AC54-827EBC1AD812}">
-      <dsp:nvSpPr>
-        <dsp:cNvPr id="0" name=""/>
-        <dsp:cNvSpPr/>
-      </dsp:nvSpPr>
-      <dsp:spPr>
-        <a:xfrm>
-          <a:off x="5188255" y="-124069"/>
-          <a:ext cx="2014993" cy="2014349"/>
-        </a:xfrm>
-        <a:prstGeom prst="ellipse">
-          <a:avLst/>
-        </a:prstGeom>
-        <a:gradFill rotWithShape="0">
-          <a:gsLst>
-            <a:gs pos="0">
-              <a:schemeClr val="accent1">
-                <a:hueOff val="0"/>
-                <a:satOff val="0"/>
-                <a:lumOff val="0"/>
-                <a:alphaOff val="0"/>
-                <a:tint val="98000"/>
-                <a:lumMod val="100000"/>
-              </a:schemeClr>
-            </a:gs>
-            <a:gs pos="100000">
-              <a:schemeClr val="accent1">
-                <a:hueOff val="0"/>
-                <a:satOff val="0"/>
-                <a:lumOff val="0"/>
-                <a:alphaOff val="0"/>
-                <a:shade val="88000"/>
-                <a:lumMod val="88000"/>
-              </a:schemeClr>
-            </a:gs>
-          </a:gsLst>
-          <a:lin ang="5400000" scaled="1"/>
-        </a:gradFill>
-        <a:ln>
-          <a:noFill/>
-        </a:ln>
-        <a:effectLst>
-          <a:outerShdw blurRad="50800" dist="38100" dir="5400000" rotWithShape="0">
-            <a:srgbClr val="000000">
-              <a:alpha val="35000"/>
-            </a:srgbClr>
-          </a:outerShdw>
-        </a:effectLst>
-      </dsp:spPr>
-      <dsp:style>
-        <a:lnRef idx="0">
-          <a:scrgbClr r="0" g="0" b="0"/>
-        </a:lnRef>
-        <a:fillRef idx="3">
-          <a:scrgbClr r="0" g="0" b="0"/>
-        </a:fillRef>
-        <a:effectRef idx="2">
-          <a:scrgbClr r="0" g="0" b="0"/>
-        </a:effectRef>
-        <a:fontRef idx="minor">
-          <a:schemeClr val="lt1"/>
-        </a:fontRef>
-      </dsp:style>
-      <dsp:txBody>
-        <a:bodyPr spcFirstLastPara="0" vert="horz" wrap="square" lIns="68580" tIns="68580" rIns="68580" bIns="68580" numCol="1" spcCol="1270" anchor="ctr" anchorCtr="0">
-          <a:noAutofit/>
-        </a:bodyPr>
-        <a:lstStyle/>
-        <a:p>
-          <a:pPr marL="0" lvl="0" indent="0" algn="ctr" defTabSz="800100">
-            <a:lnSpc>
-              <a:spcPct val="90000"/>
-            </a:lnSpc>
-            <a:spcBef>
-              <a:spcPct val="0"/>
-            </a:spcBef>
-            <a:spcAft>
-              <a:spcPct val="35000"/>
-            </a:spcAft>
-            <a:buNone/>
-          </a:pPr>
-          <a:r>
-            <a:rPr lang="en-US" sz="1800" b="1" kern="1200" dirty="0"/>
-            <a:t>Automation</a:t>
-          </a:r>
-          <a:endParaRPr lang="en-US" sz="1200" b="1" kern="1200" dirty="0"/>
-        </a:p>
-      </dsp:txBody>
-      <dsp:txXfrm>
-        <a:off x="5483344" y="170926"/>
-        <a:ext cx="1424815" cy="1424359"/>
-      </dsp:txXfrm>
-    </dsp:sp>
-    <dsp:sp modelId="{0DF8FB3E-B0B0-40D8-B039-0C7B496BBA97}">
-      <dsp:nvSpPr>
-        <dsp:cNvPr id="0" name=""/>
-        <dsp:cNvSpPr/>
-      </dsp:nvSpPr>
-      <dsp:spPr>
-        <a:xfrm>
-          <a:off x="4683888" y="1129908"/>
-          <a:ext cx="354657" cy="354651"/>
-        </a:xfrm>
-        <a:prstGeom prst="ellipse">
-          <a:avLst/>
-        </a:prstGeom>
-        <a:gradFill rotWithShape="0">
-          <a:gsLst>
-            <a:gs pos="0">
-              <a:schemeClr val="accent1">
-                <a:hueOff val="0"/>
-                <a:satOff val="0"/>
-                <a:lumOff val="0"/>
-                <a:alphaOff val="0"/>
-                <a:tint val="98000"/>
-                <a:lumMod val="100000"/>
-              </a:schemeClr>
-            </a:gs>
-            <a:gs pos="100000">
-              <a:schemeClr val="accent1">
-                <a:hueOff val="0"/>
-                <a:satOff val="0"/>
-                <a:lumOff val="0"/>
-                <a:alphaOff val="0"/>
-                <a:shade val="88000"/>
-                <a:lumMod val="88000"/>
-              </a:schemeClr>
-            </a:gs>
-          </a:gsLst>
-          <a:lin ang="5400000" scaled="1"/>
-        </a:gradFill>
-        <a:ln>
-          <a:noFill/>
-        </a:ln>
-        <a:effectLst>
-          <a:outerShdw blurRad="50800" dist="38100" dir="5400000" rotWithShape="0">
-            <a:srgbClr val="000000">
-              <a:alpha val="35000"/>
-            </a:srgbClr>
-          </a:outerShdw>
-        </a:effectLst>
-      </dsp:spPr>
-      <dsp:style>
-        <a:lnRef idx="0">
-          <a:scrgbClr r="0" g="0" b="0"/>
-        </a:lnRef>
-        <a:fillRef idx="3">
-          <a:scrgbClr r="0" g="0" b="0"/>
-        </a:fillRef>
-        <a:effectRef idx="2">
-          <a:scrgbClr r="0" g="0" b="0"/>
-        </a:effectRef>
-        <a:fontRef idx="minor">
-          <a:schemeClr val="lt1"/>
-        </a:fontRef>
-      </dsp:style>
-    </dsp:sp>
-    <dsp:sp modelId="{022614F8-042B-41CB-A6A7-8094C903EB2F}">
-      <dsp:nvSpPr>
-        <dsp:cNvPr id="0" name=""/>
-        <dsp:cNvSpPr/>
-      </dsp:nvSpPr>
-      <dsp:spPr>
-        <a:xfrm>
-          <a:off x="627862" y="3283896"/>
-          <a:ext cx="256800" cy="257047"/>
-        </a:xfrm>
-        <a:prstGeom prst="ellipse">
-          <a:avLst/>
-        </a:prstGeom>
-        <a:gradFill rotWithShape="0">
-          <a:gsLst>
-            <a:gs pos="0">
-              <a:schemeClr val="accent1">
-                <a:hueOff val="0"/>
-                <a:satOff val="0"/>
-                <a:lumOff val="0"/>
-                <a:alphaOff val="0"/>
-                <a:tint val="98000"/>
-                <a:lumMod val="100000"/>
-              </a:schemeClr>
-            </a:gs>
-            <a:gs pos="100000">
-              <a:schemeClr val="accent1">
-                <a:hueOff val="0"/>
-                <a:satOff val="0"/>
-                <a:lumOff val="0"/>
-                <a:alphaOff val="0"/>
-                <a:shade val="88000"/>
-                <a:lumMod val="88000"/>
-              </a:schemeClr>
-            </a:gs>
-          </a:gsLst>
-          <a:lin ang="5400000" scaled="1"/>
-        </a:gradFill>
-        <a:ln>
-          <a:noFill/>
-        </a:ln>
-        <a:effectLst>
-          <a:outerShdw blurRad="50800" dist="38100" dir="5400000" rotWithShape="0">
-            <a:srgbClr val="000000">
-              <a:alpha val="35000"/>
-            </a:srgbClr>
-          </a:outerShdw>
-        </a:effectLst>
-      </dsp:spPr>
-      <dsp:style>
-        <a:lnRef idx="0">
-          <a:scrgbClr r="0" g="0" b="0"/>
-        </a:lnRef>
-        <a:fillRef idx="3">
-          <a:scrgbClr r="0" g="0" b="0"/>
-        </a:fillRef>
-        <a:effectRef idx="2">
-          <a:scrgbClr r="0" g="0" b="0"/>
-        </a:effectRef>
-        <a:fontRef idx="minor">
-          <a:schemeClr val="lt1"/>
-        </a:fontRef>
-      </dsp:style>
-    </dsp:sp>
-    <dsp:sp modelId="{C85BB588-B4E8-4D50-9280-4D4F2686007C}">
-      <dsp:nvSpPr>
-        <dsp:cNvPr id="0" name=""/>
-        <dsp:cNvSpPr/>
-      </dsp:nvSpPr>
-      <dsp:spPr>
-        <a:xfrm>
-          <a:off x="3188751" y="2918068"/>
-          <a:ext cx="256800" cy="257047"/>
-        </a:xfrm>
-        <a:prstGeom prst="ellipse">
-          <a:avLst/>
-        </a:prstGeom>
-        <a:gradFill rotWithShape="0">
-          <a:gsLst>
-            <a:gs pos="0">
-              <a:schemeClr val="accent1">
-                <a:hueOff val="0"/>
-                <a:satOff val="0"/>
-                <a:lumOff val="0"/>
-                <a:alphaOff val="0"/>
-                <a:tint val="98000"/>
-                <a:lumMod val="100000"/>
-              </a:schemeClr>
-            </a:gs>
-            <a:gs pos="100000">
-              <a:schemeClr val="accent1">
-                <a:hueOff val="0"/>
-                <a:satOff val="0"/>
-                <a:lumOff val="0"/>
-                <a:alphaOff val="0"/>
-                <a:shade val="88000"/>
-                <a:lumMod val="88000"/>
-              </a:schemeClr>
-            </a:gs>
-          </a:gsLst>
-          <a:lin ang="5400000" scaled="1"/>
-        </a:gradFill>
-        <a:ln>
-          <a:noFill/>
-        </a:ln>
-        <a:effectLst>
-          <a:outerShdw blurRad="50800" dist="38100" dir="5400000" rotWithShape="0">
-            <a:srgbClr val="000000">
-              <a:alpha val="35000"/>
-            </a:srgbClr>
-          </a:outerShdw>
-        </a:effectLst>
-      </dsp:spPr>
-      <dsp:style>
-        <a:lnRef idx="0">
-          <a:scrgbClr r="0" g="0" b="0"/>
-        </a:lnRef>
-        <a:fillRef idx="3">
-          <a:scrgbClr r="0" g="0" b="0"/>
-        </a:fillRef>
-        <a:effectRef idx="2">
-          <a:scrgbClr r="0" g="0" b="0"/>
-        </a:effectRef>
-        <a:fontRef idx="minor">
-          <a:schemeClr val="lt1"/>
-        </a:fontRef>
-      </dsp:style>
-    </dsp:sp>
-  </dsp:spTree>
-</dsp:drawing>
-</file>
-
-<file path=ppt/diagrams/layout1.xml><?xml version="1.0" encoding="utf-8"?>
-<dgm:layoutDef xmlns:dgm="http://schemas.openxmlformats.org/drawingml/2006/diagram" xmlns:a="http://schemas.openxmlformats.org/drawingml/2006/main" uniqueId="urn:microsoft.com/office/officeart/2018/2/layout/IconCircleList">
-  <dgm:title val="Icon Circle List"/>
-  <dgm:desc val="Use to show non-sequential or grouped chunks of information accompanied by related visuals. Circular shapes can hold an icon or small picture and corresponding text box shows Level 1 text. Works best for icons or small pictures with medium-length descriptions."/>
-  <dgm:catLst>
-    <dgm:cat type="icon" pri="500"/>
-  </dgm:catLst>
-  <dgm:sampData useDef="1">
-    <dgm:dataModel>
-      <dgm:ptLst/>
-      <dgm:bg/>
-      <dgm:whole/>
-    </dgm:dataModel>
-  </dgm:sampData>
-  <dgm:styleData useDef="1">
-    <dgm:dataModel>
-      <dgm:ptLst/>
-      <dgm:bg/>
-      <dgm:whole/>
-    </dgm:dataModel>
-  </dgm:styleData>
-  <dgm:clrData useDef="1">
-    <dgm:dataModel>
-      <dgm:ptLst/>
-      <dgm:bg/>
-      <dgm:whole/>
-    </dgm:dataModel>
-  </dgm:clrData>
-  <dgm:layoutNode name="root">
-    <dgm:varLst>
-      <dgm:dir/>
-      <dgm:resizeHandles val="exact"/>
-    </dgm:varLst>
-    <dgm:alg type="sp"/>
-    <dgm:shape xmlns:r="http://schemas.openxmlformats.org/officeDocument/2006/relationships" r:blip="">
-      <dgm:adjLst/>
-    </dgm:shape>
-    <dgm:presOf/>
-    <dgm:choose name="Name0">
-      <dgm:if name="Name1" axis="ch" ptType="node" func="cnt" op="lte" val="3">
-        <dgm:constrLst>
-          <dgm:constr type="w" for="ch" forName="container" refType="w"/>
-          <dgm:constr type="h" for="ch" forName="container" refType="h" fact="0.4"/>
-        </dgm:constrLst>
-      </dgm:if>
-      <dgm:else name="Name2">
-        <dgm:constrLst>
-          <dgm:constr type="w" for="ch" forName="container" refType="w"/>
-          <dgm:constr type="h" for="ch" forName="container" refType="h"/>
-        </dgm:constrLst>
-      </dgm:else>
-    </dgm:choose>
-    <dgm:ruleLst>
-      <dgm:rule type="h" for="ch" forName="container" val="INF" fact="NaN" max="NaN"/>
-    </dgm:ruleLst>
-    <dgm:layoutNode name="container">
-      <dgm:varLst>
-        <dgm:dir/>
-        <dgm:resizeHandles val="exact"/>
-      </dgm:varLst>
-      <dgm:choose name="Name3">
-        <dgm:if name="Name4" axis="self" func="var" arg="dir" op="equ" val="norm">
-          <dgm:alg type="snake">
-            <dgm:param type="grDir" val="tL"/>
-            <dgm:param type="flowDir" val="row"/>
-            <dgm:param type="contDir" val="sameDir"/>
-          </dgm:alg>
-        </dgm:if>
-        <dgm:else name="Name5">
-          <dgm:alg type="snake">
-            <dgm:param type="grDir" val="tR"/>
-            <dgm:param type="flowDir" val="row"/>
-            <dgm:param type="contDir" val="sameDir"/>
-          </dgm:alg>
-        </dgm:else>
-      </dgm:choose>
-      <dgm:shape xmlns:r="http://schemas.openxmlformats.org/officeDocument/2006/relationships" r:blip="">
-        <dgm:adjLst/>
-      </dgm:shape>
-      <dgm:presOf/>
-      <dgm:constrLst>
-        <dgm:constr type="w" for="ch" forName="compNode" refType="w"/>
-        <dgm:constr type="h" for="ch" forName="compNode" refType="w" fact="0.28"/>
-        <dgm:constr type="w" for="ch" forName="sibTrans" refType="w" refFor="ch" refForName="compNode" fact="0.115"/>
-        <dgm:constr type="sp" refType="h" op="equ" fact="0.17"/>
-        <dgm:constr type="primFontSz" for="des" ptType="node" op="equ" val="24"/>
-        <dgm:constr type="h" for="des" forName="compNode" op="equ"/>
-        <dgm:constr type="h" for="des" forName="iconBgRect" op="equ"/>
-      </dgm:constrLst>
-      <dgm:ruleLst>
-        <dgm:rule type="w" for="ch" forName="compNode" val="60" fact="NaN" max="NaN"/>
-      </dgm:ruleLst>
-      <dgm:forEach name="Name6" axis="ch" ptType="node">
-        <dgm:layoutNode name="compNode">
-          <dgm:alg type="composite"/>
-          <dgm:shape xmlns:r="http://schemas.openxmlformats.org/officeDocument/2006/relationships" r:blip="">
-            <dgm:adjLst/>
-          </dgm:shape>
-          <dgm:presOf axis="self"/>
-          <dgm:constrLst>
-            <dgm:constr type="w" for="ch" forName="iconBgRect" refType="w" fact="0.28"/>
-            <dgm:constr type="h" for="ch" forName="iconBgRect" refType="w" refFor="ch" refForName="iconBgRect"/>
-            <dgm:constr type="t" for="ch" forName="iconBgRect"/>
-            <dgm:constr type="l" for="ch" forName="iconBgRect"/>
-            <dgm:constr type="w" for="ch" forName="iconRect" refType="w" refFor="ch" refForName="iconBgRect" fact="0.58"/>
-            <dgm:constr type="h" for="ch" forName="iconRect" refType="w" refFor="ch" refForName="iconRect"/>
-            <dgm:constr type="ctrX" for="ch" forName="iconRect" refType="ctrX" refFor="ch" refForName="iconBgRect"/>
-            <dgm:constr type="ctrY" for="ch" forName="iconRect" refType="ctrY" refFor="ch" refForName="iconBgRect"/>
-            <dgm:constr type="w" for="ch" forName="spaceRect" refType="w" fact="0.06"/>
-            <dgm:constr type="h" for="ch" forName="spaceRect" refType="h" refFor="ch" refForName="iconBgRect"/>
-            <dgm:constr type="t" for="ch" forName="spaceRect" refType="t" refFor="ch" refForName="iconBgRect"/>
-            <dgm:constr type="l" for="ch" forName="spaceRect" refType="r" refFor="ch" refForName="iconBgRect"/>
-            <dgm:constr type="h" for="ch" forName="textRect" refType="h" refFor="ch" refForName="iconBgRect"/>
-            <dgm:constr type="t" for="ch" forName="textRect" refType="t" refFor="ch" refForName="iconBgRect"/>
-            <dgm:constr type="l" for="ch" forName="textRect" refType="r" refFor="ch" refForName="spaceRect"/>
-          </dgm:constrLst>
-          <dgm:ruleLst/>
-          <dgm:layoutNode name="iconBgRect" styleLbl="bgShp">
-            <dgm:alg type="sp"/>
-            <dgm:shape xmlns:r="http://schemas.openxmlformats.org/officeDocument/2006/relationships" type="ellipse" r:blip="">
-              <dgm:adjLst/>
-            </dgm:shape>
-            <dgm:presOf/>
-            <dgm:constrLst/>
-            <dgm:ruleLst/>
-          </dgm:layoutNode>
-          <dgm:layoutNode name="iconRect" styleLbl="node1">
-            <dgm:alg type="sp"/>
-            <dgm:shape xmlns:r="http://schemas.openxmlformats.org/officeDocument/2006/relationships" type="rect" r:blip="" blipPhldr="1">
-              <dgm:adjLst/>
-            </dgm:shape>
-            <dgm:presOf/>
-            <dgm:constrLst/>
-            <dgm:ruleLst/>
-          </dgm:layoutNode>
-          <dgm:layoutNode name="spaceRect">
-            <dgm:alg type="sp"/>
-            <dgm:shape xmlns:r="http://schemas.openxmlformats.org/officeDocument/2006/relationships" r:blip="">
-              <dgm:adjLst/>
-            </dgm:shape>
-            <dgm:presOf/>
-            <dgm:constrLst/>
-            <dgm:ruleLst/>
-          </dgm:layoutNode>
-          <dgm:layoutNode name="textRect" styleLbl="revTx">
-            <dgm:varLst>
-              <dgm:chMax val="1"/>
-              <dgm:chPref val="1"/>
-            </dgm:varLst>
-            <dgm:choose name="Name7">
-              <dgm:if name="Name8" func="var" arg="dir" op="equ" val="norm">
-                <dgm:alg type="tx">
-                  <dgm:param type="txAnchorVert" val="mid"/>
-                  <dgm:param type="parTxLTRAlign" val="l"/>
-                  <dgm:param type="shpTxLTRAlignCh" val="l"/>
-                  <dgm:param type="parTxRTLAlign" val="l"/>
-                  <dgm:param type="shpTxRTLAlignCh" val="l"/>
-                </dgm:alg>
-              </dgm:if>
-              <dgm:else name="Name9">
-                <dgm:alg type="tx">
-                  <dgm:param type="txAnchorVert" val="mid"/>
-                  <dgm:param type="parTxLTRAlign" val="r"/>
-                  <dgm:param type="shpTxLTRAlignCh" val="r"/>
-                  <dgm:param type="parTxRTLAlign" val="r"/>
-                  <dgm:param type="shpTxRTLAlignCh" val="r"/>
-                </dgm:alg>
-              </dgm:else>
-            </dgm:choose>
-            <dgm:shape xmlns:r="http://schemas.openxmlformats.org/officeDocument/2006/relationships" type="rect" r:blip="">
-              <dgm:adjLst/>
-            </dgm:shape>
-            <dgm:presOf axis="self" ptType="node"/>
-            <dgm:constrLst>
-              <dgm:constr type="lMarg"/>
-              <dgm:constr type="rMarg"/>
-              <dgm:constr type="tMarg"/>
-              <dgm:constr type="bMarg"/>
-            </dgm:constrLst>
-            <dgm:ruleLst>
-              <dgm:rule type="primFontSz" val="11" fact="NaN" max="NaN"/>
-            </dgm:ruleLst>
-          </dgm:layoutNode>
-        </dgm:layoutNode>
-        <dgm:forEach name="Name10" axis="followSib" ptType="sibTrans" cnt="1">
-          <dgm:layoutNode name="sibTrans">
-            <dgm:alg type="sp"/>
-            <dgm:shape xmlns:r="http://schemas.openxmlformats.org/officeDocument/2006/relationships" type="rect" r:blip="" hideGeom="1">
-              <dgm:adjLst/>
-            </dgm:shape>
-            <dgm:presOf axis="self"/>
-            <dgm:constrLst/>
-            <dgm:ruleLst/>
-          </dgm:layoutNode>
-        </dgm:forEach>
-      </dgm:forEach>
-    </dgm:layoutNode>
-  </dgm:layoutNode>
-  <dgm:extLst>
-    <a:ext uri="{68A01E43-0DF5-4B5B-8FA6-DAF915123BFB}">
-      <dgm1612:lstStyle xmlns:dgm1612="http://schemas.microsoft.com/office/drawing/2016/12/diagram">
-        <a:lvl1pPr>
-          <a:lnSpc>
-            <a:spcPct val="100000"/>
-          </a:lnSpc>
-        </a:lvl1pPr>
-      </dgm1612:lstStyle>
-    </a:ext>
-  </dgm:extLst>
-</dgm:layoutDef>
-</file>
-
-<file path=ppt/diagrams/layout2.xml><?xml version="1.0" encoding="utf-8"?>
-<dgm:layoutDef xmlns:dgm="http://schemas.openxmlformats.org/drawingml/2006/diagram" xmlns:a="http://schemas.openxmlformats.org/drawingml/2006/main" uniqueId="urn:microsoft.com/office/officeart/2009/3/layout/CircleRelationship">
-  <dgm:title val=""/>
-  <dgm:desc val=""/>
-  <dgm:catLst>
-    <dgm:cat type="relationship" pri="1500"/>
-  </dgm:catLst>
-  <dgm:sampData>
-    <dgm:dataModel>
-      <dgm:ptLst>
-        <dgm:pt modelId="0" type="doc"/>
-        <dgm:pt modelId="10">
-          <dgm:prSet phldr="1"/>
-        </dgm:pt>
-        <dgm:pt modelId="11">
-          <dgm:prSet phldr="1"/>
-        </dgm:pt>
-        <dgm:pt modelId="12">
-          <dgm:prSet phldr="1"/>
-        </dgm:pt>
-      </dgm:ptLst>
-      <dgm:cxnLst>
-        <dgm:cxn modelId="20" srcId="0" destId="10" srcOrd="0" destOrd="0"/>
-        <dgm:cxn modelId="21" srcId="10" destId="11" srcOrd="0" destOrd="0"/>
-        <dgm:cxn modelId="22" srcId="10" destId="12" srcOrd="0" destOrd="0"/>
-      </dgm:cxnLst>
-      <dgm:bg/>
-      <dgm:whole/>
-    </dgm:dataModel>
-  </dgm:sampData>
-  <dgm:styleData>
-    <dgm:dataModel>
-      <dgm:ptLst>
-        <dgm:pt modelId="0" type="doc"/>
-        <dgm:pt modelId="10">
-          <dgm:prSet phldr="1"/>
-        </dgm:pt>
-        <dgm:pt modelId="11">
-          <dgm:prSet phldr="1"/>
-        </dgm:pt>
-        <dgm:pt modelId="12">
-          <dgm:prSet phldr="1"/>
-        </dgm:pt>
-      </dgm:ptLst>
-      <dgm:cxnLst>
-        <dgm:cxn modelId="20" srcId="0" destId="10" srcOrd="0" destOrd="0"/>
-        <dgm:cxn modelId="21" srcId="10" destId="11" srcOrd="0" destOrd="0"/>
-        <dgm:cxn modelId="22" srcId="10" destId="12" srcOrd="0" destOrd="0"/>
-      </dgm:cxnLst>
-      <dgm:bg/>
-      <dgm:whole/>
-    </dgm:dataModel>
-  </dgm:styleData>
-  <dgm:clrData>
-    <dgm:dataModel>
-      <dgm:ptLst>
-        <dgm:pt modelId="0" type="doc"/>
-        <dgm:pt modelId="10">
-          <dgm:prSet phldr="1"/>
-        </dgm:pt>
-        <dgm:pt modelId="11">
-          <dgm:prSet phldr="1"/>
-        </dgm:pt>
-        <dgm:pt modelId="12">
-          <dgm:prSet phldr="1"/>
-        </dgm:pt>
-      </dgm:ptLst>
-      <dgm:cxnLst>
-        <dgm:cxn modelId="20" srcId="0" destId="10" srcOrd="0" destOrd="0"/>
-        <dgm:cxn modelId="21" srcId="10" destId="11" srcOrd="0" destOrd="0"/>
-        <dgm:cxn modelId="22" srcId="10" destId="12" srcOrd="0" destOrd="0"/>
-      </dgm:cxnLst>
-      <dgm:bg/>
-      <dgm:whole/>
-    </dgm:dataModel>
-  </dgm:clrData>
-  <dgm:layoutNode name="Name0">
-    <dgm:varLst>
-      <dgm:chMax val="1"/>
-      <dgm:chPref val="1"/>
-    </dgm:varLst>
-    <dgm:shape xmlns:r="http://schemas.openxmlformats.org/officeDocument/2006/relationships" r:blip="">
-      <dgm:adjLst/>
-    </dgm:shape>
-    <dgm:choose name="Name1">
-      <dgm:if name="Name2" axis="ch ch" ptType="node node" func="cnt" op="equ" val="0">
-        <dgm:alg type="composite">
-          <dgm:param type="ar" val="0.98"/>
-        </dgm:alg>
-        <dgm:constrLst>
-          <dgm:constr type="primFontSz" for="des" ptType="node" op="equ" val="65"/>
-          <dgm:constr type="l" for="ch" forName="Parent" refType="w" fact="0"/>
-          <dgm:constr type="t" for="ch" forName="Parent" refType="h" fact="0.039"/>
-          <dgm:constr type="w" for="ch" forName="Parent" refType="w" fact="0.8734"/>
-          <dgm:constr type="h" for="ch" forName="Parent" refType="h" fact="0.856"/>
-          <dgm:constr type="l" for="ch" forName="Accent1" refType="w" fact="0.4984"/>
-          <dgm:constr type="t" for="ch" forName="Accent1" refType="h" fact="0"/>
-          <dgm:constr type="w" for="ch" forName="Accent1" refType="w" fact="0.0972"/>
-          <dgm:constr type="h" for="ch" forName="Accent1" refType="h" fact="0.0952"/>
-          <dgm:constr type="l" for="ch" forName="Accent2" refType="w" fact="0.2684"/>
-          <dgm:constr type="t" for="ch" forName="Accent2" refType="h" fact="0.8314"/>
-          <dgm:constr type="w" for="ch" forName="Accent2" refType="w" fact="0.0704"/>
-          <dgm:constr type="h" for="ch" forName="Accent2" refType="h" fact="0.069"/>
-          <dgm:constr type="l" for="ch" forName="Accent3" refType="w" fact="0.9296"/>
-          <dgm:constr type="t" for="ch" forName="Accent3" refType="h" fact="0.3864"/>
-          <dgm:constr type="w" for="ch" forName="Accent3" refType="w" fact="0.0704"/>
-          <dgm:constr type="h" for="ch" forName="Accent3" refType="h" fact="0.069"/>
-          <dgm:constr type="l" for="ch" forName="Accent4" refType="w" fact="0.5931"/>
-          <dgm:constr type="t" for="ch" forName="Accent4" refType="h" fact="0.9048"/>
-          <dgm:constr type="w" for="ch" forName="Accent4" refType="w" fact="0.0972"/>
-          <dgm:constr type="h" for="ch" forName="Accent4" refType="h" fact="0.0952"/>
-          <dgm:constr type="l" for="ch" forName="Accent5" refType="w" fact="0.2883"/>
-          <dgm:constr type="t" for="ch" forName="Accent5" refType="h" fact="0.1353"/>
-          <dgm:constr type="w" for="ch" forName="Accent5" refType="w" fact="0.0704"/>
-          <dgm:constr type="h" for="ch" forName="Accent5" refType="h" fact="0.069"/>
-          <dgm:constr type="l" for="ch" forName="Accent6" refType="w" fact="0.0666"/>
-          <dgm:constr type="t" for="ch" forName="Accent6" refType="h" fact="0.53"/>
-          <dgm:constr type="w" for="ch" forName="Accent6" refType="w" fact="0.0704"/>
-          <dgm:constr type="h" for="ch" forName="Accent6" refType="h" fact="0.069"/>
-        </dgm:constrLst>
-      </dgm:if>
-      <dgm:if name="Name3" axis="ch ch" ptType="node node" func="cnt" op="equ" val="1">
-        <dgm:alg type="composite">
-          <dgm:param type="ar" val="1.2476"/>
-        </dgm:alg>
-        <dgm:constrLst>
-          <dgm:constr type="primFontSz" for="des" ptType="node" op="equ" val="65"/>
-          <dgm:constr type="l" for="ch" forName="Parent" refType="w" fact="0.2145"/>
-          <dgm:constr type="t" for="ch" forName="Parent" refType="h" fact="0.039"/>
-          <dgm:constr type="w" for="ch" forName="Parent" refType="w" fact="0.6861"/>
-          <dgm:constr type="h" for="ch" forName="Parent" refType="h" fact="0.856"/>
-          <dgm:constr type="l" for="ch" forName="Accent8" refType="w" fact="0.0262"/>
-          <dgm:constr type="t" for="ch" forName="Accent8" refType="h" fact="0.6434"/>
-          <dgm:constr type="w" for="ch" forName="Accent8" refType="w" fact="0.138"/>
-          <dgm:constr type="h" for="ch" forName="Accent8" refType="h" fact="0.1721"/>
-          <dgm:constr type="l" for="ch" forName="Accent1" refType="w" fact="0.6059"/>
-          <dgm:constr type="t" for="ch" forName="Accent1" refType="h" fact="0"/>
-          <dgm:constr type="w" for="ch" forName="Accent1" refType="w" fact="0.0763"/>
-          <dgm:constr type="h" for="ch" forName="Accent1" refType="h" fact="0.0952"/>
-          <dgm:constr type="l" for="ch" forName="Accent2" refType="w" fact="0.4253"/>
-          <dgm:constr type="t" for="ch" forName="Accent2" refType="h" fact="0.8314"/>
-          <dgm:constr type="w" for="ch" forName="Accent2" refType="w" fact="0.0553"/>
-          <dgm:constr type="h" for="ch" forName="Accent2" refType="h" fact="0.069"/>
-          <dgm:constr type="l" for="ch" forName="Accent3" refType="w" fact="0.9447"/>
-          <dgm:constr type="t" for="ch" forName="Accent3" refType="h" fact="0.3864"/>
-          <dgm:constr type="w" for="ch" forName="Accent3" refType="w" fact="0.0553"/>
-          <dgm:constr type="h" for="ch" forName="Accent3" refType="h" fact="0.069"/>
-          <dgm:constr type="l" for="ch" forName="Child1" refType="w" fact="0"/>
-          <dgm:constr type="t" for="ch" forName="Child1" refType="h" fact="0.1935"/>
-          <dgm:constr type="w" for="ch" forName="Child1" refType="w" fact="0.2789"/>
-          <dgm:constr type="h" for="ch" forName="Child1" refType="h" fact="0.3479"/>
-          <dgm:constr type="l" for="ch" forName="Accent4" refType="w" fact="0.6803"/>
-          <dgm:constr type="t" for="ch" forName="Accent4" refType="h" fact="0.9048"/>
-          <dgm:constr type="w" for="ch" forName="Accent4" refType="w" fact="0.0763"/>
-          <dgm:constr type="h" for="ch" forName="Accent4" refType="h" fact="0.0952"/>
-          <dgm:constr type="l" for="ch" forName="Accent7" refType="w" fact="0.5287"/>
-          <dgm:constr type="t" for="ch" forName="Accent7" refType="h" fact="0.1383"/>
-          <dgm:constr type="w" for="ch" forName="Accent7" refType="w" fact="0.0763"/>
-          <dgm:constr type="h" for="ch" forName="Accent7" refType="h" fact="0.0952"/>
-          <dgm:constr type="l" for="ch" forName="Accent5" refType="w" fact="0.4409"/>
-          <dgm:constr type="t" for="ch" forName="Accent5" refType="h" fact="0.1353"/>
-          <dgm:constr type="w" for="ch" forName="Accent5" refType="w" fact="0.0553"/>
-          <dgm:constr type="h" for="ch" forName="Accent5" refType="h" fact="0.069"/>
-          <dgm:constr type="l" for="ch" forName="Accent6" refType="w" fact="0.2668"/>
-          <dgm:constr type="t" for="ch" forName="Accent6" refType="h" fact="0.53"/>
-          <dgm:constr type="w" for="ch" forName="Accent6" refType="w" fact="0.0553"/>
-          <dgm:constr type="h" for="ch" forName="Accent6" refType="h" fact="0.069"/>
-        </dgm:constrLst>
-      </dgm:if>
-      <dgm:if name="Name4" axis="ch ch" ptType="node node" func="cnt" op="equ" val="2">
-        <dgm:alg type="composite">
-          <dgm:param type="ar" val="1.592"/>
-        </dgm:alg>
-        <dgm:constrLst>
-          <dgm:constr type="primFontSz" for="des" ptType="node" op="equ" val="65"/>
-          <dgm:constr type="l" for="ch" forName="Parent" refType="w" fact="0.1886"/>
-          <dgm:constr type="t" for="ch" forName="Parent" refType="h" fact="0.039"/>
-          <dgm:constr type="w" for="ch" forName="Parent" refType="w" fact="0.5377"/>
-          <dgm:constr type="h" for="ch" forName="Parent" refType="h" fact="0.856"/>
-          <dgm:constr type="l" for="ch" forName="Accent8" refType="w" fact="0.0411"/>
-          <dgm:constr type="t" for="ch" forName="Accent8" refType="h" fact="0.6434"/>
-          <dgm:constr type="w" for="ch" forName="Accent8" refType="w" fact="0.1081"/>
-          <dgm:constr type="h" for="ch" forName="Accent8" refType="h" fact="0.1721"/>
-          <dgm:constr type="l" for="ch" forName="Accent1" refType="w" fact="0.4954"/>
-          <dgm:constr type="t" for="ch" forName="Accent1" refType="h" fact="0"/>
-          <dgm:constr type="w" for="ch" forName="Accent1" refType="w" fact="0.0598"/>
-          <dgm:constr type="h" for="ch" forName="Accent1" refType="h" fact="0.0952"/>
-          <dgm:constr type="l" for="ch" forName="Accent2" refType="w" fact="0.3538"/>
-          <dgm:constr type="t" for="ch" forName="Accent2" refType="h" fact="0.8314"/>
-          <dgm:constr type="w" for="ch" forName="Accent2" refType="w" fact="0.0433"/>
-          <dgm:constr type="h" for="ch" forName="Accent2" refType="h" fact="0.069"/>
-          <dgm:constr type="l" for="ch" forName="Accent3" refType="w" fact="0.7609"/>
-          <dgm:constr type="t" for="ch" forName="Accent3" refType="h" fact="0.3864"/>
-          <dgm:constr type="w" for="ch" forName="Accent3" refType="w" fact="0.0433"/>
-          <dgm:constr type="h" for="ch" forName="Accent3" refType="h" fact="0.069"/>
-          <dgm:constr type="l" for="ch" forName="Accent9" refType="w" fact="0.6839"/>
-          <dgm:constr type="t" for="ch" forName="Accent9" refType="h" fact="0.27"/>
-          <dgm:constr type="w" for="ch" forName="Accent9" refType="w" fact="0.0598"/>
-          <dgm:constr type="h" for="ch" forName="Accent9" refType="h" fact="0.0952"/>
-          <dgm:constr type="l" for="ch" forName="Child1" refType="w" fact="0.0206"/>
-          <dgm:constr type="t" for="ch" forName="Child1" refType="h" fact="0.1935"/>
-          <dgm:constr type="w" for="ch" forName="Child1" refType="w" fact="0.2186"/>
-          <dgm:constr type="h" for="ch" forName="Child1" refType="h" fact="0.3479"/>
-          <dgm:constr type="l" for="ch" forName="Child2" refType="w" fact="0.7814"/>
-          <dgm:constr type="t" for="ch" forName="Child2" refType="h" fact="0.0298"/>
-          <dgm:constr type="w" for="ch" forName="Child2" refType="w" fact="0.2186"/>
-          <dgm:constr type="h" for="ch" forName="Child2" refType="h" fact="0.3479"/>
-          <dgm:constr type="l" for="ch" forName="Accent10" refType="w" fact="0"/>
-          <dgm:constr type="t" for="ch" forName="Accent10" refType="h" fact="0.8482"/>
-          <dgm:constr type="w" for="ch" forName="Accent10" refType="w" fact="0.0433"/>
-          <dgm:constr type="h" for="ch" forName="Accent10" refType="h" fact="0.069"/>
-          <dgm:constr type="l" for="ch" forName="Accent11" refType="w" fact="0.4318"/>
-          <dgm:constr type="t" for="ch" forName="Accent11" refType="h" fact="0.75"/>
-          <dgm:constr type="w" for="ch" forName="Accent11" refType="w" fact="0.0433"/>
-          <dgm:constr type="h" for="ch" forName="Accent11" refType="h" fact="0.069"/>
-          <dgm:constr type="l" for="ch" forName="Accent7" refType="w" fact="0.4349"/>
-          <dgm:constr type="t" for="ch" forName="Accent7" refType="h" fact="0.1383"/>
-          <dgm:constr type="w" for="ch" forName="Accent7" refType="w" fact="0.0598"/>
-          <dgm:constr type="h" for="ch" forName="Accent7" refType="h" fact="0.0952"/>
-          <dgm:constr type="l" for="ch" forName="Accent5" refType="w" fact="0.3661"/>
-          <dgm:constr type="t" for="ch" forName="Accent5" refType="h" fact="0.1353"/>
-          <dgm:constr type="w" for="ch" forName="Accent5" refType="w" fact="0.0433"/>
-          <dgm:constr type="h" for="ch" forName="Accent5" refType="h" fact="0.069"/>
-          <dgm:constr type="l" for="ch" forName="Accent6" refType="w" fact="0.2296"/>
-          <dgm:constr type="t" for="ch" forName="Accent6" refType="h" fact="0.53"/>
-          <dgm:constr type="w" for="ch" forName="Accent6" refType="w" fact="0.0433"/>
-          <dgm:constr type="h" for="ch" forName="Accent6" refType="h" fact="0.069"/>
-          <dgm:constr type="l" for="ch" forName="Accent4" refType="w" fact="0.5537"/>
-          <dgm:constr type="t" for="ch" forName="Accent4" refType="h" fact="0.9048"/>
-          <dgm:constr type="w" for="ch" forName="Accent4" refType="w" fact="0.0598"/>
-          <dgm:constr type="h" for="ch" forName="Accent4" refType="h" fact="0.0952"/>
-        </dgm:constrLst>
-      </dgm:if>
-      <dgm:if name="Name5" axis="ch ch" ptType="node node" func="cnt" op="equ" val="3">
-        <dgm:alg type="composite">
-          <dgm:param type="ar" val="1.7557"/>
-        </dgm:alg>
-        <dgm:constrLst>
-          <dgm:constr type="primFontSz" for="des" ptType="node" op="equ" val="65"/>
-          <dgm:constr type="l" for="ch" forName="Parent" refType="w" fact="0.171"/>
-          <dgm:constr type="t" for="ch" forName="Parent" refType="h" fact="0.039"/>
-          <dgm:constr type="w" for="ch" forName="Parent" refType="w" fact="0.4875"/>
-          <dgm:constr type="h" for="ch" forName="Parent" refType="h" fact="0.856"/>
-          <dgm:constr type="l" for="ch" forName="Accent8" refType="w" fact="0.0373"/>
-          <dgm:constr type="t" for="ch" forName="Accent8" refType="h" fact="0.6434"/>
-          <dgm:constr type="w" for="ch" forName="Accent8" refType="w" fact="0.098"/>
-          <dgm:constr type="h" for="ch" forName="Accent8" refType="h" fact="0.1721"/>
-          <dgm:constr type="l" for="ch" forName="Accent1" refType="w" fact="0.4492"/>
-          <dgm:constr type="t" for="ch" forName="Accent1" refType="h" fact="0"/>
-          <dgm:constr type="w" for="ch" forName="Accent1" refType="w" fact="0.0542"/>
-          <dgm:constr type="h" for="ch" forName="Accent1" refType="h" fact="0.0952"/>
-          <dgm:constr type="l" for="ch" forName="Accent2" refType="w" fact="0.3209"/>
-          <dgm:constr type="t" for="ch" forName="Accent2" refType="h" fact="0.8314"/>
-          <dgm:constr type="w" for="ch" forName="Accent2" refType="w" fact="0.0393"/>
-          <dgm:constr type="h" for="ch" forName="Accent2" refType="h" fact="0.069"/>
-          <dgm:constr type="l" for="ch" forName="Accent3" refType="w" fact="0.6899"/>
-          <dgm:constr type="t" for="ch" forName="Accent3" refType="h" fact="0.3864"/>
-          <dgm:constr type="w" for="ch" forName="Accent3" refType="w" fact="0.0393"/>
-          <dgm:constr type="h" for="ch" forName="Accent3" refType="h" fact="0.069"/>
-          <dgm:constr type="l" for="ch" forName="Accent9" refType="w" fact="0.6201"/>
-          <dgm:constr type="t" for="ch" forName="Accent9" refType="h" fact="0.27"/>
-          <dgm:constr type="w" for="ch" forName="Accent9" refType="w" fact="0.0542"/>
-          <dgm:constr type="h" for="ch" forName="Accent9" refType="h" fact="0.0952"/>
-          <dgm:constr type="l" for="ch" forName="Child1" refType="w" fact="0.0186"/>
-          <dgm:constr type="t" for="ch" forName="Child1" refType="h" fact="0.1935"/>
-          <dgm:constr type="w" for="ch" forName="Child1" refType="w" fact="0.1982"/>
-          <dgm:constr type="h" for="ch" forName="Child1" refType="h" fact="0.3479"/>
-          <dgm:constr type="l" for="ch" forName="Child2" refType="w" fact="0.7086"/>
-          <dgm:constr type="t" for="ch" forName="Child2" refType="h" fact="0.0298"/>
-          <dgm:constr type="w" for="ch" forName="Child2" refType="w" fact="0.1982"/>
-          <dgm:constr type="h" for="ch" forName="Child2" refType="h" fact="0.3479"/>
-          <dgm:constr type="l" for="ch" forName="Child3" refType="w" fact="0.8018"/>
-          <dgm:constr type="t" for="ch" forName="Child3" refType="h" fact="0.6312"/>
-          <dgm:constr type="w" for="ch" forName="Child3" refType="w" fact="0.1982"/>
-          <dgm:constr type="h" for="ch" forName="Child3" refType="h" fact="0.3479"/>
-          <dgm:constr type="l" for="ch" forName="Accent12" refType="w" fact="0.7459"/>
-          <dgm:constr type="t" for="ch" forName="Accent12" refType="h" fact="0.619"/>
-          <dgm:constr type="w" for="ch" forName="Accent12" refType="w" fact="0.0393"/>
-          <dgm:constr type="h" for="ch" forName="Accent12" refType="h" fact="0.069"/>
-          <dgm:constr type="l" for="ch" forName="Accent4" refType="w" fact="0.5021"/>
-          <dgm:constr type="t" for="ch" forName="Accent4" refType="h" fact="0.9048"/>
-          <dgm:constr type="w" for="ch" forName="Accent4" refType="w" fact="0.0542"/>
-          <dgm:constr type="h" for="ch" forName="Accent4" refType="h" fact="0.0952"/>
-          <dgm:constr type="l" for="ch" forName="Accent10" refType="w" fact="0"/>
-          <dgm:constr type="t" for="ch" forName="Accent10" refType="h" fact="0.8482"/>
-          <dgm:constr type="w" for="ch" forName="Accent10" refType="w" fact="0.0393"/>
-          <dgm:constr type="h" for="ch" forName="Accent10" refType="h" fact="0.069"/>
-          <dgm:constr type="l" for="ch" forName="Accent11" refType="w" fact="0.3916"/>
-          <dgm:constr type="t" for="ch" forName="Accent11" refType="h" fact="0.75"/>
-          <dgm:constr type="w" for="ch" forName="Accent11" refType="w" fact="0.0393"/>
-          <dgm:constr type="h" for="ch" forName="Accent11" refType="h" fact="0.069"/>
-          <dgm:constr type="l" for="ch" forName="Accent7" refType="w" fact="0.3944"/>
-          <dgm:constr type="t" for="ch" forName="Accent7" refType="h" fact="0.1383"/>
-          <dgm:constr type="w" for="ch" forName="Accent7" refType="w" fact="0.0542"/>
-          <dgm:constr type="h" for="ch" forName="Accent7" refType="h" fact="0.0952"/>
-          <dgm:constr type="l" for="ch" forName="Accent5" refType="w" fact="0.3319"/>
-          <dgm:constr type="t" for="ch" forName="Accent5" refType="h" fact="0.1353"/>
-          <dgm:constr type="w" for="ch" forName="Accent5" refType="w" fact="0.0393"/>
-          <dgm:constr type="h" for="ch" forName="Accent5" refType="h" fact="0.069"/>
-          <dgm:constr type="l" for="ch" forName="Accent6" refType="w" fact="0.2082"/>
-          <dgm:constr type="t" for="ch" forName="Accent6" refType="h" fact="0.53"/>
-          <dgm:constr type="w" for="ch" forName="Accent6" refType="w" fact="0.0393"/>
-          <dgm:constr type="h" for="ch" forName="Accent6" refType="h" fact="0.069"/>
-        </dgm:constrLst>
-      </dgm:if>
-      <dgm:if name="Name6" axis="ch ch" ptType="node node" func="cnt" op="equ" val="4">
-        <dgm:alg type="composite">
-          <dgm:param type="ar" val="1.3749"/>
-        </dgm:alg>
-        <dgm:constrLst>
-          <dgm:constr type="primFontSz" for="des" ptType="node" op="equ" val="65"/>
-          <dgm:constr type="l" for="ch" forName="Parent" refType="w" fact="0.171"/>
-          <dgm:constr type="t" for="ch" forName="Parent" refType="h" fact="0.0306"/>
-          <dgm:constr type="w" for="ch" forName="Parent" refType="w" fact="0.4875"/>
-          <dgm:constr type="h" for="ch" forName="Parent" refType="h" fact="0.6703"/>
-          <dgm:constr type="l" for="ch" forName="Accent8" refType="w" fact="0.0373"/>
-          <dgm:constr type="t" for="ch" forName="Accent8" refType="h" fact="0.5038"/>
-          <dgm:constr type="w" for="ch" forName="Accent8" refType="w" fact="0.098"/>
-          <dgm:constr type="h" for="ch" forName="Accent8" refType="h" fact="0.1348"/>
-          <dgm:constr type="l" for="ch" forName="Accent1" refType="w" fact="0.4492"/>
-          <dgm:constr type="t" for="ch" forName="Accent1" refType="h" fact="0"/>
-          <dgm:constr type="w" for="ch" forName="Accent1" refType="w" fact="0.0542"/>
-          <dgm:constr type="h" for="ch" forName="Accent1" refType="h" fact="0.0746"/>
-          <dgm:constr type="l" for="ch" forName="Accent2" refType="w" fact="0.3209"/>
-          <dgm:constr type="t" for="ch" forName="Accent2" refType="h" fact="0.6511"/>
-          <dgm:constr type="w" for="ch" forName="Accent2" refType="w" fact="0.0393"/>
-          <dgm:constr type="h" for="ch" forName="Accent2" refType="h" fact="0.054"/>
-          <dgm:constr type="l" for="ch" forName="Accent3" refType="w" fact="0.6899"/>
-          <dgm:constr type="t" for="ch" forName="Accent3" refType="h" fact="0.3026"/>
-          <dgm:constr type="w" for="ch" forName="Accent3" refType="w" fact="0.0393"/>
-          <dgm:constr type="h" for="ch" forName="Accent3" refType="h" fact="0.054"/>
-          <dgm:constr type="l" for="ch" forName="Accent9" refType="w" fact="0.6201"/>
-          <dgm:constr type="t" for="ch" forName="Accent9" refType="h" fact="0.2115"/>
-          <dgm:constr type="w" for="ch" forName="Accent9" refType="w" fact="0.0542"/>
-          <dgm:constr type="h" for="ch" forName="Accent9" refType="h" fact="0.0746"/>
-          <dgm:constr type="l" for="ch" forName="Child1" refType="w" fact="0.0186"/>
-          <dgm:constr type="t" for="ch" forName="Child1" refType="h" fact="0.1515"/>
-          <dgm:constr type="w" for="ch" forName="Child1" refType="w" fact="0.1982"/>
-          <dgm:constr type="h" for="ch" forName="Child1" refType="h" fact="0.2725"/>
-          <dgm:constr type="l" for="ch" forName="Child2" refType="w" fact="0.7086"/>
-          <dgm:constr type="t" for="ch" forName="Child2" refType="h" fact="0.0233"/>
-          <dgm:constr type="w" for="ch" forName="Child2" refType="w" fact="0.1982"/>
-          <dgm:constr type="h" for="ch" forName="Child2" refType="h" fact="0.2725"/>
-          <dgm:constr type="l" for="ch" forName="Child3" refType="w" fact="0.8018"/>
-          <dgm:constr type="t" for="ch" forName="Child3" refType="h" fact="0.4943"/>
-          <dgm:constr type="w" for="ch" forName="Child3" refType="w" fact="0.1982"/>
-          <dgm:constr type="h" for="ch" forName="Child3" refType="h" fact="0.2725"/>
-          <dgm:constr type="l" for="ch" forName="Accent12" refType="w" fact="0.7459"/>
-          <dgm:constr type="t" for="ch" forName="Accent12" refType="h" fact="0.4848"/>
-          <dgm:constr type="w" for="ch" forName="Accent12" refType="w" fact="0.0393"/>
-          <dgm:constr type="h" for="ch" forName="Accent12" refType="h" fact="0.054"/>
-          <dgm:constr type="l" for="ch" forName="Accent4" refType="w" fact="0.5021"/>
-          <dgm:constr type="t" for="ch" forName="Accent4" refType="h" fact="0.7085"/>
-          <dgm:constr type="w" for="ch" forName="Accent4" refType="w" fact="0.0542"/>
-          <dgm:constr type="h" for="ch" forName="Accent4" refType="h" fact="0.0746"/>
-          <dgm:constr type="l" for="ch" forName="Accent10" refType="w" fact="0"/>
-          <dgm:constr type="t" for="ch" forName="Accent10" refType="h" fact="0.6642"/>
-          <dgm:constr type="w" for="ch" forName="Accent10" refType="w" fact="0.0393"/>
-          <dgm:constr type="h" for="ch" forName="Accent10" refType="h" fact="0.054"/>
-          <dgm:constr type="l" for="ch" forName="Accent11" refType="w" fact="0.3916"/>
-          <dgm:constr type="t" for="ch" forName="Accent11" refType="h" fact="0.5873"/>
-          <dgm:constr type="w" for="ch" forName="Accent11" refType="w" fact="0.0393"/>
-          <dgm:constr type="h" for="ch" forName="Accent11" refType="h" fact="0.054"/>
-          <dgm:constr type="l" for="ch" forName="Accent7" refType="w" fact="0.3944"/>
-          <dgm:constr type="t" for="ch" forName="Accent7" refType="h" fact="0.1083"/>
-          <dgm:constr type="w" for="ch" forName="Accent7" refType="w" fact="0.0542"/>
-          <dgm:constr type="h" for="ch" forName="Accent7" refType="h" fact="0.0746"/>
-          <dgm:constr type="l" for="ch" forName="Accent5" refType="w" fact="0.3319"/>
-          <dgm:constr type="t" for="ch" forName="Accent5" refType="h" fact="0.1059"/>
-          <dgm:constr type="w" for="ch" forName="Accent5" refType="w" fact="0.0393"/>
-          <dgm:constr type="h" for="ch" forName="Accent5" refType="h" fact="0.054"/>
-          <dgm:constr type="l" for="ch" forName="Accent6" refType="w" fact="0.2082"/>
-          <dgm:constr type="t" for="ch" forName="Accent6" refType="h" fact="0.4151"/>
-          <dgm:constr type="w" for="ch" forName="Accent6" refType="w" fact="0.0393"/>
-          <dgm:constr type="h" for="ch" forName="Accent6" refType="h" fact="0.054"/>
-          <dgm:constr type="l" for="ch" forName="Child4" refType="w" fact="0.2329"/>
-          <dgm:constr type="t" for="ch" forName="Child4" refType="h" fact="0.7275"/>
-          <dgm:constr type="w" for="ch" forName="Child4" refType="w" fact="0.1982"/>
-          <dgm:constr type="h" for="ch" forName="Child4" refType="h" fact="0.2725"/>
-          <dgm:constr type="l" for="ch" forName="Accent13" refType="w" fact="0.4099"/>
-          <dgm:constr type="t" for="ch" forName="Accent13" refType="h" fact="0.7183"/>
-          <dgm:constr type="w" for="ch" forName="Accent13" refType="w" fact="0.0393"/>
-          <dgm:constr type="h" for="ch" forName="Accent13" refType="h" fact="0.054"/>
-        </dgm:constrLst>
-      </dgm:if>
-      <dgm:else name="Name7">
-        <dgm:alg type="composite">
-          <dgm:param type="ar" val="1.1477"/>
-        </dgm:alg>
-        <dgm:constrLst>
-          <dgm:constr type="primFontSz" for="des" ptType="node" op="equ" val="65"/>
-          <dgm:constr type="l" for="ch" forName="Parent" refType="w" fact="0.171"/>
-          <dgm:constr type="t" for="ch" forName="Parent" refType="h" fact="0.1907"/>
-          <dgm:constr type="w" for="ch" forName="Parent" refType="w" fact="0.4875"/>
-          <dgm:constr type="h" for="ch" forName="Parent" refType="h" fact="0.5596"/>
-          <dgm:constr type="l" for="ch" forName="Accent8" refType="w" fact="0.0373"/>
-          <dgm:constr type="t" for="ch" forName="Accent8" refType="h" fact="0.5858"/>
-          <dgm:constr type="w" for="ch" forName="Accent8" refType="w" fact="0.098"/>
-          <dgm:constr type="h" for="ch" forName="Accent8" refType="h" fact="0.1125"/>
-          <dgm:constr type="l" for="ch" forName="Accent1" refType="w" fact="0.4492"/>
-          <dgm:constr type="t" for="ch" forName="Accent1" refType="h" fact="0.1652"/>
-          <dgm:constr type="w" for="ch" forName="Accent1" refType="w" fact="0.0542"/>
-          <dgm:constr type="h" for="ch" forName="Accent1" refType="h" fact="0.0623"/>
-          <dgm:constr type="l" for="ch" forName="Accent2" refType="w" fact="0.3209"/>
-          <dgm:constr type="t" for="ch" forName="Accent2" refType="h" fact="0.7087"/>
-          <dgm:constr type="w" for="ch" forName="Accent2" refType="w" fact="0.0393"/>
-          <dgm:constr type="h" for="ch" forName="Accent2" refType="h" fact="0.0451"/>
-          <dgm:constr type="l" for="ch" forName="Accent3" refType="w" fact="0.6899"/>
-          <dgm:constr type="t" for="ch" forName="Accent3" refType="h" fact="0.4178"/>
-          <dgm:constr type="w" for="ch" forName="Accent3" refType="w" fact="0.0393"/>
-          <dgm:constr type="h" for="ch" forName="Accent3" refType="h" fact="0.0451"/>
-          <dgm:constr type="l" for="ch" forName="Accent9" refType="w" fact="0.6201"/>
-          <dgm:constr type="t" for="ch" forName="Accent9" refType="h" fact="0.3417"/>
-          <dgm:constr type="w" for="ch" forName="Accent9" refType="w" fact="0.0542"/>
-          <dgm:constr type="h" for="ch" forName="Accent9" refType="h" fact="0.0623"/>
-          <dgm:constr type="l" for="ch" forName="Child1" refType="w" fact="0.0186"/>
-          <dgm:constr type="t" for="ch" forName="Child1" refType="h" fact="0.2917"/>
-          <dgm:constr type="w" for="ch" forName="Child1" refType="w" fact="0.1982"/>
-          <dgm:constr type="h" for="ch" forName="Child1" refType="h" fact="0.2275"/>
-          <dgm:constr type="l" for="ch" forName="Child2" refType="w" fact="0.7086"/>
-          <dgm:constr type="t" for="ch" forName="Child2" refType="h" fact="0.1847"/>
-          <dgm:constr type="w" for="ch" forName="Child2" refType="w" fact="0.1982"/>
-          <dgm:constr type="h" for="ch" forName="Child2" refType="h" fact="0.2275"/>
-          <dgm:constr type="l" for="ch" forName="Child3" refType="w" fact="0.8018"/>
-          <dgm:constr type="t" for="ch" forName="Child3" refType="h" fact="0.5778"/>
-          <dgm:constr type="w" for="ch" forName="Child3" refType="w" fact="0.1982"/>
-          <dgm:constr type="h" for="ch" forName="Child3" refType="h" fact="0.2275"/>
-          <dgm:constr type="l" for="ch" forName="Accent12" refType="w" fact="0.7459"/>
-          <dgm:constr type="t" for="ch" forName="Accent12" refType="h" fact="0.5699"/>
-          <dgm:constr type="w" for="ch" forName="Accent12" refType="w" fact="0.0393"/>
-          <dgm:constr type="h" for="ch" forName="Accent12" refType="h" fact="0.0451"/>
-          <dgm:constr type="l" for="ch" forName="Accent4" refType="w" fact="0.5021"/>
-          <dgm:constr type="t" for="ch" forName="Accent4" refType="h" fact="0.7567"/>
-          <dgm:constr type="w" for="ch" forName="Accent4" refType="w" fact="0.0542"/>
-          <dgm:constr type="h" for="ch" forName="Accent4" refType="h" fact="0.0623"/>
-          <dgm:constr type="l" for="ch" forName="Accent10" refType="w" fact="0"/>
-          <dgm:constr type="t" for="ch" forName="Accent10" refType="h" fact="0.7197"/>
-          <dgm:constr type="w" for="ch" forName="Accent10" refType="w" fact="0.0393"/>
-          <dgm:constr type="h" for="ch" forName="Accent10" refType="h" fact="0.0451"/>
-          <dgm:constr type="l" for="ch" forName="Accent11" refType="w" fact="0.3916"/>
-          <dgm:constr type="t" for="ch" forName="Accent11" refType="h" fact="0.6555"/>
-          <dgm:constr type="w" for="ch" forName="Accent11" refType="w" fact="0.0393"/>
-          <dgm:constr type="h" for="ch" forName="Accent11" refType="h" fact="0.0451"/>
-          <dgm:constr type="l" for="ch" forName="Accent7" refType="w" fact="0.3944"/>
-          <dgm:constr type="t" for="ch" forName="Accent7" refType="h" fact="0.2556"/>
-          <dgm:constr type="w" for="ch" forName="Accent7" refType="w" fact="0.0542"/>
-          <dgm:constr type="h" for="ch" forName="Accent7" refType="h" fact="0.0623"/>
-          <dgm:constr type="l" for="ch" forName="Accent5" refType="w" fact="0.3319"/>
-          <dgm:constr type="t" for="ch" forName="Accent5" refType="h" fact="0.2536"/>
-          <dgm:constr type="w" for="ch" forName="Accent5" refType="w" fact="0.0393"/>
-          <dgm:constr type="h" for="ch" forName="Accent5" refType="h" fact="0.0451"/>
-          <dgm:constr type="l" for="ch" forName="Accent6" refType="w" fact="0.2082"/>
-          <dgm:constr type="t" for="ch" forName="Accent6" refType="h" fact="0.5117"/>
-          <dgm:constr type="w" for="ch" forName="Accent6" refType="w" fact="0.0393"/>
-          <dgm:constr type="h" for="ch" forName="Accent6" refType="h" fact="0.0451"/>
-          <dgm:constr type="l" for="ch" forName="Child5" refType="w" fact="0.4219"/>
-          <dgm:constr type="t" for="ch" forName="Child5" refType="h" fact="0"/>
-          <dgm:constr type="w" for="ch" forName="Child5" refType="w" fact="0.1982"/>
-          <dgm:constr type="h" for="ch" forName="Child5" refType="h" fact="0.2275"/>
-          <dgm:constr type="l" for="ch" forName="Child4" refType="w" fact="0.2329"/>
-          <dgm:constr type="t" for="ch" forName="Child4" refType="h" fact="0.7725"/>
-          <dgm:constr type="w" for="ch" forName="Child4" refType="w" fact="0.1982"/>
-          <dgm:constr type="h" for="ch" forName="Child4" refType="h" fact="0.2275"/>
-          <dgm:constr type="l" for="ch" forName="Accent15" refType="w" fact="0.1775"/>
-          <dgm:constr type="t" for="ch" forName="Accent15" refType="h" fact="0.2466"/>
-          <dgm:constr type="w" for="ch" forName="Accent15" refType="w" fact="0.0393"/>
-          <dgm:constr type="h" for="ch" forName="Accent15" refType="h" fact="0.0451"/>
-          <dgm:constr type="l" for="ch" forName="Accent16" refType="w" fact="0.6351"/>
-          <dgm:constr type="t" for="ch" forName="Accent16" refType="h" fact="0.056"/>
-          <dgm:constr type="w" for="ch" forName="Accent16" refType="w" fact="0.0393"/>
-          <dgm:constr type="h" for="ch" forName="Accent16" refType="h" fact="0.0451"/>
-          <dgm:constr type="l" for="ch" forName="Accent13" refType="w" fact="0.4099"/>
-          <dgm:constr type="t" for="ch" forName="Accent13" refType="h" fact="0.7648"/>
-          <dgm:constr type="w" for="ch" forName="Accent13" refType="w" fact="0.0393"/>
-          <dgm:constr type="h" for="ch" forName="Accent13" refType="h" fact="0.0451"/>
-        </dgm:constrLst>
-      </dgm:else>
-    </dgm:choose>
-    <dgm:forEach name="wrapper" axis="self" ptType="parTrans">
-      <dgm:forEach name="accentRepeat1" axis="self">
-        <dgm:layoutNode name="AccentHold1" styleLbl="node1">
-          <dgm:alg type="sp"/>
-          <dgm:shape xmlns:r="http://schemas.openxmlformats.org/officeDocument/2006/relationships" type="ellipse" r:blip="">
-            <dgm:adjLst/>
-          </dgm:shape>
-          <dgm:presOf/>
-        </dgm:layoutNode>
-      </dgm:forEach>
-      <dgm:forEach name="accentRepeat2" axis="self">
-        <dgm:layoutNode name="AccentHold2" styleLbl="node1">
-          <dgm:alg type="sp"/>
-          <dgm:shape xmlns:r="http://schemas.openxmlformats.org/officeDocument/2006/relationships" type="ellipse" r:blip="">
-            <dgm:adjLst/>
-          </dgm:shape>
-          <dgm:presOf/>
-        </dgm:layoutNode>
-      </dgm:forEach>
-      <dgm:forEach name="accentRepeat3" axis="self">
-        <dgm:layoutNode name="AccentHold3" styleLbl="node1">
-          <dgm:alg type="sp"/>
-          <dgm:shape xmlns:r="http://schemas.openxmlformats.org/officeDocument/2006/relationships" type="ellipse" r:blip="">
-            <dgm:adjLst/>
-          </dgm:shape>
-          <dgm:presOf/>
-        </dgm:layoutNode>
-      </dgm:forEach>
-    </dgm:forEach>
-    <dgm:forEach name="Name8" axis="ch" ptType="node" cnt="1">
-      <dgm:layoutNode name="Parent" styleLbl="node0">
-        <dgm:varLst>
-          <dgm:chMax val="5"/>
-          <dgm:chPref val="5"/>
-        </dgm:varLst>
-        <dgm:alg type="tx"/>
-        <dgm:shape xmlns:r="http://schemas.openxmlformats.org/officeDocument/2006/relationships" type="ellipse" r:blip="">
-          <dgm:adjLst/>
-        </dgm:shape>
-        <dgm:presOf axis="self" ptType="node"/>
-        <dgm:constrLst>
-          <dgm:constr type="lMarg" refType="primFontSz" fact="0.3"/>
-          <dgm:constr type="rMarg" refType="primFontSz" fact="0.3"/>
-          <dgm:constr type="tMarg" refType="primFontSz" fact="0.3"/>
-          <dgm:constr type="bMarg" refType="primFontSz" fact="0.3"/>
-        </dgm:constrLst>
-        <dgm:ruleLst>
-          <dgm:rule type="primFontSz" val="5" fact="NaN" max="NaN"/>
-        </dgm:ruleLst>
-      </dgm:layoutNode>
-      <dgm:choose name="Name9">
-        <dgm:if name="Name10" axis="ch" ptType="node" func="cnt" op="lte" val="4">
-          <dgm:layoutNode name="Accent1" styleLbl="node1">
-            <dgm:alg type="sp"/>
-            <dgm:shape xmlns:r="http://schemas.openxmlformats.org/officeDocument/2006/relationships" type="ellipse" r:blip="">
-              <dgm:adjLst/>
-            </dgm:shape>
-            <dgm:presOf/>
-            <dgm:constrLst/>
-          </dgm:layoutNode>
-        </dgm:if>
-        <dgm:else name="Name11"/>
-      </dgm:choose>
-      <dgm:layoutNode name="Accent2" styleLbl="node1">
-        <dgm:alg type="sp"/>
-        <dgm:shape xmlns:r="http://schemas.openxmlformats.org/officeDocument/2006/relationships" type="ellipse" r:blip="">
-          <dgm:adjLst/>
-        </dgm:shape>
-        <dgm:presOf/>
-        <dgm:constrLst/>
-      </dgm:layoutNode>
-      <dgm:layoutNode name="Accent3" styleLbl="node1">
-        <dgm:alg type="sp"/>
-        <dgm:shape xmlns:r="http://schemas.openxmlformats.org/officeDocument/2006/relationships" type="ellipse" r:blip="">
-          <dgm:adjLst/>
-        </dgm:shape>
-        <dgm:presOf/>
-        <dgm:constrLst/>
-      </dgm:layoutNode>
-      <dgm:layoutNode name="Accent4" styleLbl="node1">
-        <dgm:alg type="sp"/>
-        <dgm:shape xmlns:r="http://schemas.openxmlformats.org/officeDocument/2006/relationships" type="ellipse" r:blip="">
-          <dgm:adjLst/>
-        </dgm:shape>
-        <dgm:presOf/>
-        <dgm:constrLst/>
-      </dgm:layoutNode>
-      <dgm:layoutNode name="Accent5" styleLbl="node1">
-        <dgm:alg type="sp"/>
-        <dgm:shape xmlns:r="http://schemas.openxmlformats.org/officeDocument/2006/relationships" type="ellipse" r:blip="">
-          <dgm:adjLst/>
-        </dgm:shape>
-        <dgm:presOf/>
-        <dgm:constrLst/>
-      </dgm:layoutNode>
-      <dgm:layoutNode name="Accent6" styleLbl="node1">
-        <dgm:alg type="sp"/>
-        <dgm:shape xmlns:r="http://schemas.openxmlformats.org/officeDocument/2006/relationships" type="ellipse" r:blip="">
-          <dgm:adjLst/>
-        </dgm:shape>
-        <dgm:presOf/>
-        <dgm:constrLst/>
-      </dgm:layoutNode>
-    </dgm:forEach>
-    <dgm:forEach name="Name12" axis="ch ch" ptType="node node" st="1 1" cnt="1 1">
-      <dgm:layoutNode name="Child1" styleLbl="node1">
-        <dgm:varLst>
-          <dgm:chMax val="0"/>
-          <dgm:chPref val="0"/>
-        </dgm:varLst>
-        <dgm:alg type="tx">
-          <dgm:param type="shpTxLTRAlignCh" val="ctr"/>
-          <dgm:param type="txAnchorVertCh" val="mid"/>
-        </dgm:alg>
-        <dgm:shape xmlns:r="http://schemas.openxmlformats.org/officeDocument/2006/relationships" type="ellipse" r:blip="">
-          <dgm:adjLst/>
-        </dgm:shape>
-        <dgm:presOf axis="self" ptType="node"/>
-        <dgm:constrLst>
-          <dgm:constr type="lMarg" refType="primFontSz" fact="0.3"/>
-          <dgm:constr type="rMarg" refType="primFontSz" fact="0.3"/>
-          <dgm:constr type="tMarg" refType="primFontSz" fact="0.3"/>
-          <dgm:constr type="bMarg" refType="primFontSz" fact="0.3"/>
-        </dgm:constrLst>
-        <dgm:ruleLst>
-          <dgm:rule type="primFontSz" val="5" fact="NaN" max="NaN"/>
-        </dgm:ruleLst>
-      </dgm:layoutNode>
-      <dgm:layoutNode name="Accent7">
-        <dgm:alg type="sp"/>
-        <dgm:shape xmlns:r="http://schemas.openxmlformats.org/officeDocument/2006/relationships" r:blip="">
-          <dgm:adjLst/>
-        </dgm:shape>
-        <dgm:presOf/>
-        <dgm:constrLst/>
-        <dgm:forEach name="Name13" ref="accentRepeat1"/>
-      </dgm:layoutNode>
-      <dgm:layoutNode name="Accent8">
-        <dgm:alg type="sp"/>
-        <dgm:shape xmlns:r="http://schemas.openxmlformats.org/officeDocument/2006/relationships" r:blip="">
-          <dgm:adjLst/>
-        </dgm:shape>
-        <dgm:presOf/>
-        <dgm:constrLst/>
-        <dgm:forEach name="Name14" ref="accentRepeat2"/>
-      </dgm:layoutNode>
-    </dgm:forEach>
-    <dgm:forEach name="Name15" axis="ch ch" ptType="node node" st="1 2" cnt="1 1">
-      <dgm:layoutNode name="Child2" styleLbl="node1">
-        <dgm:varLst>
-          <dgm:chMax val="0"/>
-          <dgm:chPref val="0"/>
-        </dgm:varLst>
-        <dgm:alg type="tx">
-          <dgm:param type="shpTxLTRAlignCh" val="ctr"/>
-          <dgm:param type="txAnchorVertCh" val="mid"/>
-        </dgm:alg>
-        <dgm:shape xmlns:r="http://schemas.openxmlformats.org/officeDocument/2006/relationships" type="ellipse" r:blip="">
-          <dgm:adjLst/>
-        </dgm:shape>
-        <dgm:presOf axis="self" ptType="node"/>
-        <dgm:constrLst>
-          <dgm:constr type="lMarg" refType="primFontSz" fact="0.3"/>
-          <dgm:constr type="rMarg" refType="primFontSz" fact="0.3"/>
-          <dgm:constr type="tMarg" refType="primFontSz" fact="0.3"/>
-          <dgm:constr type="bMarg" refType="primFontSz" fact="0.3"/>
-        </dgm:constrLst>
-        <dgm:ruleLst>
-          <dgm:rule type="primFontSz" val="5" fact="NaN" max="NaN"/>
-        </dgm:ruleLst>
-      </dgm:layoutNode>
-      <dgm:layoutNode name="Accent9">
-        <dgm:alg type="sp"/>
-        <dgm:shape xmlns:r="http://schemas.openxmlformats.org/officeDocument/2006/relationships" r:blip="">
-          <dgm:adjLst/>
-        </dgm:shape>
-        <dgm:presOf/>
-        <dgm:constrLst/>
-        <dgm:forEach name="Name16" ref="accentRepeat1"/>
-      </dgm:layoutNode>
-      <dgm:layoutNode name="Accent10">
-        <dgm:alg type="sp"/>
-        <dgm:shape xmlns:r="http://schemas.openxmlformats.org/officeDocument/2006/relationships" r:blip="">
-          <dgm:adjLst/>
-        </dgm:shape>
-        <dgm:presOf/>
-        <dgm:constrLst/>
-        <dgm:forEach name="Name17" ref="accentRepeat2"/>
-      </dgm:layoutNode>
-      <dgm:layoutNode name="Accent11">
-        <dgm:alg type="sp"/>
-        <dgm:shape xmlns:r="http://schemas.openxmlformats.org/officeDocument/2006/relationships" r:blip="">
-          <dgm:adjLst/>
-        </dgm:shape>
-        <dgm:presOf/>
-        <dgm:constrLst/>
-        <dgm:forEach name="Name18" ref="accentRepeat3"/>
-      </dgm:layoutNode>
-    </dgm:forEach>
-    <dgm:forEach name="Name19" axis="ch ch" ptType="node node" st="1 3" cnt="1 1">
-      <dgm:layoutNode name="Child3" styleLbl="node1">
-        <dgm:varLst>
-          <dgm:chMax val="0"/>
-          <dgm:chPref val="0"/>
-        </dgm:varLst>
-        <dgm:alg type="tx">
-          <dgm:param type="shpTxLTRAlignCh" val="ctr"/>
-          <dgm:param type="txAnchorVertCh" val="mid"/>
-        </dgm:alg>
-        <dgm:shape xmlns:r="http://schemas.openxmlformats.org/officeDocument/2006/relationships" type="ellipse" r:blip="">
-          <dgm:adjLst/>
-        </dgm:shape>
-        <dgm:presOf axis="self" ptType="node"/>
-        <dgm:constrLst>
-          <dgm:constr type="lMarg" refType="primFontSz" fact="0.3"/>
-          <dgm:constr type="rMarg" refType="primFontSz" fact="0.3"/>
-          <dgm:constr type="tMarg" refType="primFontSz" fact="0.3"/>
-          <dgm:constr type="bMarg" refType="primFontSz" fact="0.3"/>
-        </dgm:constrLst>
-        <dgm:ruleLst>
-          <dgm:rule type="primFontSz" val="5" fact="NaN" max="NaN"/>
-        </dgm:ruleLst>
-      </dgm:layoutNode>
-      <dgm:layoutNode name="Accent12">
-        <dgm:alg type="sp"/>
-        <dgm:shape xmlns:r="http://schemas.openxmlformats.org/officeDocument/2006/relationships" r:blip="">
-          <dgm:adjLst/>
-        </dgm:shape>
-        <dgm:presOf/>
-        <dgm:constrLst/>
-        <dgm:forEach name="Name20" ref="accentRepeat1"/>
-      </dgm:layoutNode>
-    </dgm:forEach>
-    <dgm:forEach name="Name21" axis="ch ch" ptType="node node" st="1 4" cnt="1 1">
-      <dgm:layoutNode name="Child4" styleLbl="node1">
-        <dgm:varLst>
-          <dgm:chMax val="0"/>
-          <dgm:chPref val="0"/>
-        </dgm:varLst>
-        <dgm:alg type="tx">
-          <dgm:param type="shpTxLTRAlignCh" val="ctr"/>
-          <dgm:param type="txAnchorVertCh" val="mid"/>
-        </dgm:alg>
-        <dgm:shape xmlns:r="http://schemas.openxmlformats.org/officeDocument/2006/relationships" type="ellipse" r:blip="">
-          <dgm:adjLst/>
-        </dgm:shape>
-        <dgm:presOf axis="self" ptType="node"/>
-        <dgm:constrLst>
-          <dgm:constr type="lMarg" refType="primFontSz" fact="0.3"/>
-          <dgm:constr type="rMarg" refType="primFontSz" fact="0.3"/>
-          <dgm:constr type="tMarg" refType="primFontSz" fact="0.3"/>
-          <dgm:constr type="bMarg" refType="primFontSz" fact="0.3"/>
-        </dgm:constrLst>
-        <dgm:ruleLst>
-          <dgm:rule type="primFontSz" val="5" fact="NaN" max="NaN"/>
-        </dgm:ruleLst>
-      </dgm:layoutNode>
-      <dgm:layoutNode name="Accent13">
-        <dgm:alg type="sp"/>
-        <dgm:shape xmlns:r="http://schemas.openxmlformats.org/officeDocument/2006/relationships" r:blip="">
-          <dgm:adjLst/>
-        </dgm:shape>
-        <dgm:presOf/>
-        <dgm:constrLst/>
-        <dgm:forEach name="Name22" ref="accentRepeat1"/>
-      </dgm:layoutNode>
-    </dgm:forEach>
-    <dgm:forEach name="Name23" axis="ch ch" ptType="node node" st="1 5" cnt="1 1">
-      <dgm:layoutNode name="Child5" styleLbl="node1">
-        <dgm:varLst>
-          <dgm:chMax val="0"/>
-          <dgm:chPref val="0"/>
-        </dgm:varLst>
-        <dgm:alg type="tx">
-          <dgm:param type="shpTxLTRAlignCh" val="ctr"/>
-          <dgm:param type="txAnchorVertCh" val="mid"/>
-        </dgm:alg>
-        <dgm:shape xmlns:r="http://schemas.openxmlformats.org/officeDocument/2006/relationships" type="ellipse" r:blip="">
-          <dgm:adjLst/>
-        </dgm:shape>
-        <dgm:presOf axis="self" ptType="node"/>
-        <dgm:constrLst>
-          <dgm:constr type="lMarg" refType="primFontSz" fact="0.3"/>
-          <dgm:constr type="rMarg" refType="primFontSz" fact="0.3"/>
-          <dgm:constr type="tMarg" refType="primFontSz" fact="0.3"/>
-          <dgm:constr type="bMarg" refType="primFontSz" fact="0.3"/>
-        </dgm:constrLst>
-        <dgm:ruleLst>
-          <dgm:rule type="primFontSz" val="5" fact="NaN" max="NaN"/>
-        </dgm:ruleLst>
-      </dgm:layoutNode>
-      <dgm:layoutNode name="Accent15">
-        <dgm:alg type="sp"/>
-        <dgm:shape xmlns:r="http://schemas.openxmlformats.org/officeDocument/2006/relationships" r:blip="">
-          <dgm:adjLst/>
-        </dgm:shape>
-        <dgm:presOf/>
-        <dgm:constrLst/>
-        <dgm:forEach name="Name24" ref="accentRepeat2"/>
-      </dgm:layoutNode>
-      <dgm:layoutNode name="Accent16">
-        <dgm:alg type="sp"/>
-        <dgm:shape xmlns:r="http://schemas.openxmlformats.org/officeDocument/2006/relationships" r:blip="">
-          <dgm:adjLst/>
-        </dgm:shape>
-        <dgm:presOf/>
-        <dgm:constrLst/>
-        <dgm:forEach name="Name25" ref="accentRepeat3"/>
-      </dgm:layoutNode>
-    </dgm:forEach>
-  </dgm:layoutNode>
-</dgm:layoutDef>
-</file>
-
-<file path=ppt/diagrams/quickStyle1.xml><?xml version="1.0" encoding="utf-8"?>
-<dgm:styleDef xmlns:dgm="http://schemas.openxmlformats.org/drawingml/2006/diagram" xmlns:a="http://schemas.openxmlformats.org/drawingml/2006/main" uniqueId="urn:microsoft.com/office/officeart/2005/8/quickstyle/simple1">
-  <dgm:title val=""/>
-  <dgm:desc val=""/>
-  <dgm:catLst>
-    <dgm:cat type="simple" pri="10100"/>
-  </dgm:catLst>
-  <dgm:scene3d>
-    <a:camera prst="orthographicFront"/>
-    <a:lightRig rig="threePt" dir="t"/>
-  </dgm:scene3d>
-  <dgm:styleLbl name="node0">
-    <dgm:scene3d>
-      <a:camera prst="orthographicFront"/>
-      <a:lightRig rig="threePt" dir="t"/>
-    </dgm:scene3d>
-    <dgm:sp3d/>
-    <dgm:txPr/>
-    <dgm:style>
-      <a:lnRef idx="2">
-        <a:scrgbClr r="0" g="0" b="0"/>
-      </a:lnRef>
-      <a:fillRef idx="1">
-        <a:scrgbClr r="0" g="0" b="0"/>
-      </a:fillRef>
-      <a:effectRef idx="0">
-        <a:scrgbClr r="0" g="0" b="0"/>
-      </a:effectRef>
-      <a:fontRef idx="minor">
-        <a:schemeClr val="lt1"/>
-      </a:fontRef>
-    </dgm:style>
-  </dgm:styleLbl>
-  <dgm:styleLbl name="lnNode1">
-    <dgm:scene3d>
-      <a:camera prst="orthographicFront"/>
-      <a:lightRig rig="threePt" dir="t"/>
-    </dgm:scene3d>
-    <dgm:sp3d/>
-    <dgm:txPr/>
-    <dgm:style>
-      <a:lnRef idx="2">
-        <a:scrgbClr r="0" g="0" b="0"/>
-      </a:lnRef>
-      <a:fillRef idx="1">
-        <a:scrgbClr r="0" g="0" b="0"/>
-      </a:fillRef>
-      <a:effectRef idx="0">
-        <a:scrgbClr r="0" g="0" b="0"/>
-      </a:effectRef>
-      <a:fontRef idx="minor">
-        <a:schemeClr val="lt1"/>
-      </a:fontRef>
-    </dgm:style>
-  </dgm:styleLbl>
-  <dgm:styleLbl name="vennNode1">
-    <dgm:scene3d>
-      <a:camera prst="orthographicFront"/>
-      <a:lightRig rig="threePt" dir="t"/>
-    </dgm:scene3d>
-    <dgm:sp3d/>
-    <dgm:txPr/>
-    <dgm:style>
-      <a:lnRef idx="2">
-        <a:scrgbClr r="0" g="0" b="0"/>
-      </a:lnRef>
-      <a:fillRef idx="1">
-        <a:scrgbClr r="0" g="0" b="0"/>
-      </a:fillRef>
-      <a:effectRef idx="0">
-        <a:scrgbClr r="0" g="0" b="0"/>
-      </a:effectRef>
-      <a:fontRef idx="minor">
-        <a:schemeClr val="tx1"/>
-      </a:fontRef>
-    </dgm:style>
-  </dgm:styleLbl>
-  <dgm:styleLbl name="alignNode1">
-    <dgm:scene3d>
-      <a:camera prst="orthographicFront"/>
-      <a:lightRig rig="threePt" dir="t"/>
-    </dgm:scene3d>
-    <dgm:sp3d/>
-    <dgm:txPr/>
-    <dgm:style>
-      <a:lnRef idx="2">
-        <a:scrgbClr r="0" g="0" b="0"/>
-      </a:lnRef>
-      <a:fillRef idx="1">
-        <a:scrgbClr r="0" g="0" b="0"/>
-      </a:fillRef>
-      <a:effectRef idx="0">
-        <a:scrgbClr r="0" g="0" b="0"/>
-      </a:effectRef>
-      <a:fontRef idx="minor">
-        <a:schemeClr val="lt1"/>
-      </a:fontRef>
-    </dgm:style>
-  </dgm:styleLbl>
-  <dgm:styleLbl name="node1">
-    <dgm:scene3d>
-      <a:camera prst="orthographicFront"/>
-      <a:lightRig rig="threePt" dir="t"/>
-    </dgm:scene3d>
-    <dgm:sp3d/>
-    <dgm:txPr/>
-    <dgm:style>
-      <a:lnRef idx="2">
-        <a:scrgbClr r="0" g="0" b="0"/>
-      </a:lnRef>
-      <a:fillRef idx="1">
-        <a:scrgbClr r="0" g="0" b="0"/>
-      </a:fillRef>
-      <a:effectRef idx="0">
-        <a:scrgbClr r="0" g="0" b="0"/>
-      </a:effectRef>
-      <a:fontRef idx="minor">
-        <a:schemeClr val="lt1"/>
-      </a:fontRef>
-    </dgm:style>
-  </dgm:styleLbl>
-  <dgm:styleLbl name="node2">
-    <dgm:scene3d>
-      <a:camera prst="orthographicFront"/>
-      <a:lightRig rig="threePt" dir="t"/>
-    </dgm:scene3d>
-    <dgm:sp3d/>
-    <dgm:txPr/>
-    <dgm:style>
-      <a:lnRef idx="2">
-        <a:scrgbClr r="0" g="0" b="0"/>
-      </a:lnRef>
-      <a:fillRef idx="1">
-        <a:scrgbClr r="0" g="0" b="0"/>
-      </a:fillRef>
-      <a:effectRef idx="0">
-        <a:scrgbClr r="0" g="0" b="0"/>
-      </a:effectRef>
-      <a:fontRef idx="minor">
-        <a:schemeClr val="lt1"/>
-      </a:fontRef>
-    </dgm:style>
-  </dgm:styleLbl>
-  <dgm:styleLbl name="node3">
-    <dgm:scene3d>
-      <a:camera prst="orthographicFront"/>
-      <a:lightRig rig="threePt" dir="t"/>
-    </dgm:scene3d>
-    <dgm:sp3d/>
-    <dgm:txPr/>
-    <dgm:style>
-      <a:lnRef idx="2">
-        <a:scrgbClr r="0" g="0" b="0"/>
-      </a:lnRef>
-      <a:fillRef idx="1">
-        <a:scrgbClr r="0" g="0" b="0"/>
-      </a:fillRef>
-      <a:effectRef idx="0">
-        <a:scrgbClr r="0" g="0" b="0"/>
-      </a:effectRef>
-      <a:fontRef idx="minor">
-        <a:schemeClr val="lt1"/>
-      </a:fontRef>
-    </dgm:style>
-  </dgm:styleLbl>
-  <dgm:styleLbl name="node4">
-    <dgm:scene3d>
-      <a:camera prst="orthographicFront"/>
-      <a:lightRig rig="threePt" dir="t"/>
-    </dgm:scene3d>
-    <dgm:sp3d/>
-    <dgm:txPr/>
-    <dgm:style>
-      <a:lnRef idx="2">
-        <a:scrgbClr r="0" g="0" b="0"/>
-      </a:lnRef>
-      <a:fillRef idx="1">
-        <a:scrgbClr r="0" g="0" b="0"/>
-      </a:fillRef>
-      <a:effectRef idx="0">
-        <a:scrgbClr r="0" g="0" b="0"/>
-      </a:effectRef>
-      <a:fontRef idx="minor">
-        <a:schemeClr val="lt1"/>
-      </a:fontRef>
-    </dgm:style>
-  </dgm:styleLbl>
-  <dgm:styleLbl name="fgImgPlace1">
-    <dgm:scene3d>
-      <a:camera prst="orthographicFront"/>
-      <a:lightRig rig="threePt" dir="t"/>
-    </dgm:scene3d>
-    <dgm:sp3d/>
-    <dgm:txPr/>
-    <dgm:style>
-      <a:lnRef idx="2">
-        <a:scrgbClr r="0" g="0" b="0"/>
-      </a:lnRef>
-      <a:fillRef idx="1">
-        <a:scrgbClr r="0" g="0" b="0"/>
-      </a:fillRef>
-      <a:effectRef idx="0">
-        <a:scrgbClr r="0" g="0" b="0"/>
-      </a:effectRef>
-      <a:fontRef idx="minor"/>
-    </dgm:style>
-  </dgm:styleLbl>
-  <dgm:styleLbl name="alignImgPlace1">
-    <dgm:scene3d>
-      <a:camera prst="orthographicFront"/>
-      <a:lightRig rig="threePt" dir="t"/>
-    </dgm:scene3d>
-    <dgm:sp3d/>
-    <dgm:txPr/>
-    <dgm:style>
-      <a:lnRef idx="2">
-        <a:scrgbClr r="0" g="0" b="0"/>
-      </a:lnRef>
-      <a:fillRef idx="1">
-        <a:scrgbClr r="0" g="0" b="0"/>
-      </a:fillRef>
-      <a:effectRef idx="0">
-        <a:scrgbClr r="0" g="0" b="0"/>
-      </a:effectRef>
-      <a:fontRef idx="minor"/>
-    </dgm:style>
-  </dgm:styleLbl>
-  <dgm:styleLbl name="bgImgPlace1">
-    <dgm:scene3d>
-      <a:camera prst="orthographicFront"/>
-      <a:lightRig rig="threePt" dir="t"/>
-    </dgm:scene3d>
-    <dgm:sp3d/>
-    <dgm:txPr/>
-    <dgm:style>
-      <a:lnRef idx="2">
-        <a:scrgbClr r="0" g="0" b="0"/>
-      </a:lnRef>
-      <a:fillRef idx="1">
-        <a:scrgbClr r="0" g="0" b="0"/>
-      </a:fillRef>
-      <a:effectRef idx="0">
-        <a:scrgbClr r="0" g="0" b="0"/>
-      </a:effectRef>
-      <a:fontRef idx="minor"/>
-    </dgm:style>
-  </dgm:styleLbl>
-  <dgm:styleLbl name="sibTrans2D1">
-    <dgm:scene3d>
-      <a:camera prst="orthographicFront"/>
-      <a:lightRig rig="threePt" dir="t"/>
-    </dgm:scene3d>
-    <dgm:sp3d/>
-    <dgm:txPr/>
-    <dgm:style>
-      <a:lnRef idx="0">
-        <a:scrgbClr r="0" g="0" b="0"/>
-      </a:lnRef>
-      <a:fillRef idx="1">
-        <a:scrgbClr r="0" g="0" b="0"/>
-      </a:fillRef>
-      <a:effectRef idx="0">
-        <a:scrgbClr r="0" g="0" b="0"/>
-      </a:effectRef>
-      <a:fontRef idx="minor">
-        <a:schemeClr val="lt1"/>
-      </a:fontRef>
-    </dgm:style>
-  </dgm:styleLbl>
-  <dgm:styleLbl name="fgSibTrans2D1">
-    <dgm:scene3d>
-      <a:camera prst="orthographicFront"/>
-      <a:lightRig rig="threePt" dir="t"/>
-    </dgm:scene3d>
-    <dgm:sp3d/>
-    <dgm:txPr/>
-    <dgm:style>
-      <a:lnRef idx="0">
-        <a:scrgbClr r="0" g="0" b="0"/>
-      </a:lnRef>
-      <a:fillRef idx="1">
-        <a:scrgbClr r="0" g="0" b="0"/>
-      </a:fillRef>
-      <a:effectRef idx="0">
-        <a:scrgbClr r="0" g="0" b="0"/>
-      </a:effectRef>
-      <a:fontRef idx="minor">
-        <a:schemeClr val="lt1"/>
-      </a:fontRef>
-    </dgm:style>
-  </dgm:styleLbl>
-  <dgm:styleLbl name="bgSibTrans2D1">
-    <dgm:scene3d>
-      <a:camera prst="orthographicFront"/>
-      <a:lightRig rig="threePt" dir="t"/>
-    </dgm:scene3d>
-    <dgm:sp3d/>
-    <dgm:txPr/>
-    <dgm:style>
-      <a:lnRef idx="0">
-        <a:scrgbClr r="0" g="0" b="0"/>
-      </a:lnRef>
-      <a:fillRef idx="1">
-        <a:scrgbClr r="0" g="0" b="0"/>
-      </a:fillRef>
-      <a:effectRef idx="0">
-        <a:scrgbClr r="0" g="0" b="0"/>
-      </a:effectRef>
-      <a:fontRef idx="minor">
-        <a:schemeClr val="lt1"/>
-      </a:fontRef>
-    </dgm:style>
-  </dgm:styleLbl>
-  <dgm:styleLbl name="sibTrans1D1">
-    <dgm:scene3d>
-      <a:camera prst="orthographicFront"/>
-      <a:lightRig rig="threePt" dir="t"/>
-    </dgm:scene3d>
-    <dgm:sp3d/>
-    <dgm:txPr/>
-    <dgm:style>
-      <a:lnRef idx="1">
-        <a:scrgbClr r="0" g="0" b="0"/>
-      </a:lnRef>
-      <a:fillRef idx="0">
-        <a:scrgbClr r="0" g="0" b="0"/>
-      </a:fillRef>
-      <a:effectRef idx="0">
-        <a:scrgbClr r="0" g="0" b="0"/>
-      </a:effectRef>
-      <a:fontRef idx="minor"/>
-    </dgm:style>
-  </dgm:styleLbl>
-  <dgm:styleLbl name="callout">
-    <dgm:scene3d>
-      <a:camera prst="orthographicFront"/>
-      <a:lightRig rig="threePt" dir="t"/>
-    </dgm:scene3d>
-    <dgm:sp3d/>
-    <dgm:txPr/>
-    <dgm:style>
-      <a:lnRef idx="2">
-        <a:scrgbClr r="0" g="0" b="0"/>
-      </a:lnRef>
-      <a:fillRef idx="1">
-        <a:scrgbClr r="0" g="0" b="0"/>
-      </a:fillRef>
-      <a:effectRef idx="0">
-        <a:scrgbClr r="0" g="0" b="0"/>
-      </a:effectRef>
-      <a:fontRef idx="minor"/>
-    </dgm:style>
-  </dgm:styleLbl>
-  <dgm:styleLbl name="asst0">
-    <dgm:scene3d>
-      <a:camera prst="orthographicFront"/>
-      <a:lightRig rig="threePt" dir="t"/>
-    </dgm:scene3d>
-    <dgm:sp3d/>
-    <dgm:txPr/>
-    <dgm:style>
-      <a:lnRef idx="2">
-        <a:scrgbClr r="0" g="0" b="0"/>
-      </a:lnRef>
-      <a:fillRef idx="1">
-        <a:scrgbClr r="0" g="0" b="0"/>
-      </a:fillRef>
-      <a:effectRef idx="0">
-        <a:scrgbClr r="0" g="0" b="0"/>
-      </a:effectRef>
-      <a:fontRef idx="minor">
-        <a:schemeClr val="lt1"/>
-      </a:fontRef>
-    </dgm:style>
-  </dgm:styleLbl>
-  <dgm:styleLbl name="asst1">
-    <dgm:scene3d>
-      <a:camera prst="orthographicFront"/>
-      <a:lightRig rig="threePt" dir="t"/>
-    </dgm:scene3d>
-    <dgm:sp3d/>
-    <dgm:txPr/>
-    <dgm:style>
-      <a:lnRef idx="2">
-        <a:scrgbClr r="0" g="0" b="0"/>
-      </a:lnRef>
-      <a:fillRef idx="1">
-        <a:scrgbClr r="0" g="0" b="0"/>
-      </a:fillRef>
-      <a:effectRef idx="0">
-        <a:scrgbClr r="0" g="0" b="0"/>
-      </a:effectRef>
-      <a:fontRef idx="minor">
-        <a:schemeClr val="lt1"/>
-      </a:fontRef>
-    </dgm:style>
-  </dgm:styleLbl>
-  <dgm:styleLbl name="asst2">
-    <dgm:scene3d>
-      <a:camera prst="orthographicFront"/>
-      <a:lightRig rig="threePt" dir="t"/>
-    </dgm:scene3d>
-    <dgm:sp3d/>
-    <dgm:txPr/>
-    <dgm:style>
-      <a:lnRef idx="2">
-        <a:scrgbClr r="0" g="0" b="0"/>
-      </a:lnRef>
-      <a:fillRef idx="1">
-        <a:scrgbClr r="0" g="0" b="0"/>
-      </a:fillRef>
-      <a:effectRef idx="0">
-        <a:scrgbClr r="0" g="0" b="0"/>
-      </a:effectRef>
-      <a:fontRef idx="minor">
-        <a:schemeClr val="lt1"/>
-      </a:fontRef>
-    </dgm:style>
-  </dgm:styleLbl>
-  <dgm:styleLbl name="asst3">
-    <dgm:scene3d>
-      <a:camera prst="orthographicFront"/>
-      <a:lightRig rig="threePt" dir="t"/>
-    </dgm:scene3d>
-    <dgm:sp3d/>
-    <dgm:txPr/>
-    <dgm:style>
-      <a:lnRef idx="2">
-        <a:scrgbClr r="0" g="0" b="0"/>
-      </a:lnRef>
-      <a:fillRef idx="1">
-        <a:scrgbClr r="0" g="0" b="0"/>
-      </a:fillRef>
-      <a:effectRef idx="0">
-        <a:scrgbClr r="0" g="0" b="0"/>
-      </a:effectRef>
-      <a:fontRef idx="minor">
-        <a:schemeClr val="lt1"/>
-      </a:fontRef>
-    </dgm:style>
-  </dgm:styleLbl>
-  <dgm:styleLbl name="asst4">
-    <dgm:scene3d>
-      <a:camera prst="orthographicFront"/>
-      <a:lightRig rig="threePt" dir="t"/>
-    </dgm:scene3d>
-    <dgm:sp3d/>
-    <dgm:txPr/>
-    <dgm:style>
-      <a:lnRef idx="2">
-        <a:scrgbClr r="0" g="0" b="0"/>
-      </a:lnRef>
-      <a:fillRef idx="1">
-        <a:scrgbClr r="0" g="0" b="0"/>
-      </a:fillRef>
-      <a:effectRef idx="0">
-        <a:scrgbClr r="0" g="0" b="0"/>
-      </a:effectRef>
-      <a:fontRef idx="minor">
-        <a:schemeClr val="lt1"/>
-      </a:fontRef>
-    </dgm:style>
-  </dgm:styleLbl>
-  <dgm:styleLbl name="parChTrans2D1">
-    <dgm:scene3d>
-      <a:camera prst="orthographicFront"/>
-      <a:lightRig rig="threePt" dir="t"/>
-    </dgm:scene3d>
-    <dgm:sp3d/>
-    <dgm:txPr/>
-    <dgm:style>
-      <a:lnRef idx="2">
-        <a:scrgbClr r="0" g="0" b="0"/>
-      </a:lnRef>
-      <a:fillRef idx="1">
-        <a:scrgbClr r="0" g="0" b="0"/>
-      </a:fillRef>
-      <a:effectRef idx="0">
-        <a:scrgbClr r="0" g="0" b="0"/>
-      </a:effectRef>
-      <a:fontRef idx="minor">
-        <a:schemeClr val="lt1"/>
-      </a:fontRef>
-    </dgm:style>
-  </dgm:styleLbl>
-  <dgm:styleLbl name="parChTrans2D2">
-    <dgm:scene3d>
-      <a:camera prst="orthographicFront"/>
-      <a:lightRig rig="threePt" dir="t"/>
-    </dgm:scene3d>
-    <dgm:sp3d/>
-    <dgm:txPr/>
-    <dgm:style>
-      <a:lnRef idx="2">
-        <a:scrgbClr r="0" g="0" b="0"/>
-      </a:lnRef>
-      <a:fillRef idx="1">
-        <a:scrgbClr r="0" g="0" b="0"/>
-      </a:fillRef>
-      <a:effectRef idx="0">
-        <a:scrgbClr r="0" g="0" b="0"/>
-      </a:effectRef>
-      <a:fontRef idx="minor">
-        <a:schemeClr val="lt1"/>
-      </a:fontRef>
-    </dgm:style>
-  </dgm:styleLbl>
-  <dgm:styleLbl name="parChTrans2D3">
-    <dgm:scene3d>
-      <a:camera prst="orthographicFront"/>
-      <a:lightRig rig="threePt" dir="t"/>
-    </dgm:scene3d>
-    <dgm:sp3d/>
-    <dgm:txPr/>
-    <dgm:style>
-      <a:lnRef idx="2">
-        <a:scrgbClr r="0" g="0" b="0"/>
-      </a:lnRef>
-      <a:fillRef idx="1">
-        <a:scrgbClr r="0" g="0" b="0"/>
-      </a:fillRef>
-      <a:effectRef idx="0">
-        <a:scrgbClr r="0" g="0" b="0"/>
-      </a:effectRef>
-      <a:fontRef idx="minor">
-        <a:schemeClr val="lt1"/>
-      </a:fontRef>
-    </dgm:style>
-  </dgm:styleLbl>
-  <dgm:styleLbl name="parChTrans2D4">
-    <dgm:scene3d>
-      <a:camera prst="orthographicFront"/>
-      <a:lightRig rig="threePt" dir="t"/>
-    </dgm:scene3d>
-    <dgm:sp3d/>
-    <dgm:txPr/>
-    <dgm:style>
-      <a:lnRef idx="2">
-        <a:scrgbClr r="0" g="0" b="0"/>
-      </a:lnRef>
-      <a:fillRef idx="1">
-        <a:scrgbClr r="0" g="0" b="0"/>
-      </a:fillRef>
-      <a:effectRef idx="0">
-        <a:scrgbClr r="0" g="0" b="0"/>
-      </a:effectRef>
-      <a:fontRef idx="minor">
-        <a:schemeClr val="lt1"/>
-      </a:fontRef>
-    </dgm:style>
-  </dgm:styleLbl>
-  <dgm:styleLbl name="parChTrans1D1">
-    <dgm:scene3d>
-      <a:camera prst="orthographicFront"/>
-      <a:lightRig rig="threePt" dir="t"/>
-    </dgm:scene3d>
-    <dgm:sp3d/>
-    <dgm:txPr/>
-    <dgm:style>
-      <a:lnRef idx="2">
-        <a:scrgbClr r="0" g="0" b="0"/>
-      </a:lnRef>
-      <a:fillRef idx="0">
-        <a:scrgbClr r="0" g="0" b="0"/>
-      </a:fillRef>
-      <a:effectRef idx="0">
-        <a:scrgbClr r="0" g="0" b="0"/>
-      </a:effectRef>
-      <a:fontRef idx="minor"/>
-    </dgm:style>
-  </dgm:styleLbl>
-  <dgm:styleLbl name="parChTrans1D2">
-    <dgm:scene3d>
-      <a:camera prst="orthographicFront"/>
-      <a:lightRig rig="threePt" dir="t"/>
-    </dgm:scene3d>
-    <dgm:sp3d/>
-    <dgm:txPr/>
-    <dgm:style>
-      <a:lnRef idx="2">
-        <a:scrgbClr r="0" g="0" b="0"/>
-      </a:lnRef>
-      <a:fillRef idx="0">
-        <a:scrgbClr r="0" g="0" b="0"/>
-      </a:fillRef>
-      <a:effectRef idx="0">
-        <a:scrgbClr r="0" g="0" b="0"/>
-      </a:effectRef>
-      <a:fontRef idx="minor"/>
-    </dgm:style>
-  </dgm:styleLbl>
-  <dgm:styleLbl name="parChTrans1D3">
-    <dgm:scene3d>
-      <a:camera prst="orthographicFront"/>
-      <a:lightRig rig="threePt" dir="t"/>
-    </dgm:scene3d>
-    <dgm:sp3d/>
-    <dgm:txPr/>
-    <dgm:style>
-      <a:lnRef idx="2">
-        <a:scrgbClr r="0" g="0" b="0"/>
-      </a:lnRef>
-      <a:fillRef idx="0">
-        <a:scrgbClr r="0" g="0" b="0"/>
-      </a:fillRef>
-      <a:effectRef idx="0">
-        <a:scrgbClr r="0" g="0" b="0"/>
-      </a:effectRef>
-      <a:fontRef idx="minor"/>
-    </dgm:style>
-  </dgm:styleLbl>
-  <dgm:styleLbl name="parChTrans1D4">
-    <dgm:scene3d>
-      <a:camera prst="orthographicFront"/>
-      <a:lightRig rig="threePt" dir="t"/>
-    </dgm:scene3d>
-    <dgm:sp3d/>
-    <dgm:txPr/>
-    <dgm:style>
-      <a:lnRef idx="2">
-        <a:scrgbClr r="0" g="0" b="0"/>
-      </a:lnRef>
-      <a:fillRef idx="0">
-        <a:scrgbClr r="0" g="0" b="0"/>
-      </a:fillRef>
-      <a:effectRef idx="0">
-        <a:scrgbClr r="0" g="0" b="0"/>
-      </a:effectRef>
-      <a:fontRef idx="minor"/>
-    </dgm:style>
-  </dgm:styleLbl>
-  <dgm:styleLbl name="fgAcc1">
-    <dgm:scene3d>
-      <a:camera prst="orthographicFront"/>
-      <a:lightRig rig="threePt" dir="t"/>
-    </dgm:scene3d>
-    <dgm:sp3d/>
-    <dgm:txPr/>
-    <dgm:style>
-      <a:lnRef idx="2">
-        <a:scrgbClr r="0" g="0" b="0"/>
-      </a:lnRef>
-      <a:fillRef idx="1">
-        <a:scrgbClr r="0" g="0" b="0"/>
-      </a:fillRef>
-      <a:effectRef idx="0">
-        <a:scrgbClr r="0" g="0" b="0"/>
-      </a:effectRef>
-      <a:fontRef idx="minor"/>
-    </dgm:style>
-  </dgm:styleLbl>
-  <dgm:styleLbl name="conFgAcc1">
-    <dgm:scene3d>
-      <a:camera prst="orthographicFront"/>
-      <a:lightRig rig="threePt" dir="t"/>
-    </dgm:scene3d>
-    <dgm:sp3d/>
-    <dgm:txPr/>
-    <dgm:style>
-      <a:lnRef idx="2">
-        <a:scrgbClr r="0" g="0" b="0"/>
-      </a:lnRef>
-      <a:fillRef idx="1">
-        <a:scrgbClr r="0" g="0" b="0"/>
-      </a:fillRef>
-      <a:effectRef idx="0">
-        <a:scrgbClr r="0" g="0" b="0"/>
-      </a:effectRef>
-      <a:fontRef idx="minor"/>
-    </dgm:style>
-  </dgm:styleLbl>
-  <dgm:styleLbl name="alignAcc1">
-    <dgm:scene3d>
-      <a:camera prst="orthographicFront"/>
-      <a:lightRig rig="threePt" dir="t"/>
-    </dgm:scene3d>
-    <dgm:sp3d/>
-    <dgm:txPr/>
-    <dgm:style>
-      <a:lnRef idx="2">
-        <a:scrgbClr r="0" g="0" b="0"/>
-      </a:lnRef>
-      <a:fillRef idx="1">
-        <a:scrgbClr r="0" g="0" b="0"/>
-      </a:fillRef>
-      <a:effectRef idx="0">
-        <a:scrgbClr r="0" g="0" b="0"/>
-      </a:effectRef>
-      <a:fontRef idx="minor"/>
-    </dgm:style>
-  </dgm:styleLbl>
-  <dgm:styleLbl name="trAlignAcc1">
-    <dgm:scene3d>
-      <a:camera prst="orthographicFront"/>
-      <a:lightRig rig="threePt" dir="t"/>
-    </dgm:scene3d>
-    <dgm:sp3d/>
-    <dgm:txPr/>
-    <dgm:style>
-      <a:lnRef idx="1">
-        <a:scrgbClr r="0" g="0" b="0"/>
-      </a:lnRef>
-      <a:fillRef idx="1">
-        <a:scrgbClr r="0" g="0" b="0"/>
-      </a:fillRef>
-      <a:effectRef idx="0">
-        <a:scrgbClr r="0" g="0" b="0"/>
-      </a:effectRef>
-      <a:fontRef idx="minor"/>
-    </dgm:style>
-  </dgm:styleLbl>
-  <dgm:styleLbl name="bgAcc1">
-    <dgm:scene3d>
-      <a:camera prst="orthographicFront"/>
-      <a:lightRig rig="threePt" dir="t"/>
-    </dgm:scene3d>
-    <dgm:sp3d/>
-    <dgm:txPr/>
-    <dgm:style>
-      <a:lnRef idx="2">
-        <a:scrgbClr r="0" g="0" b="0"/>
-      </a:lnRef>
-      <a:fillRef idx="1">
-        <a:scrgbClr r="0" g="0" b="0"/>
-      </a:fillRef>
-      <a:effectRef idx="0">
-        <a:scrgbClr r="0" g="0" b="0"/>
-      </a:effectRef>
-      <a:fontRef idx="minor"/>
-    </dgm:style>
-  </dgm:styleLbl>
-  <dgm:styleLbl name="solidFgAcc1">
-    <dgm:scene3d>
-      <a:camera prst="orthographicFront"/>
-      <a:lightRig rig="threePt" dir="t"/>
-    </dgm:scene3d>
-    <dgm:sp3d/>
-    <dgm:txPr/>
-    <dgm:style>
-      <a:lnRef idx="2">
-        <a:scrgbClr r="0" g="0" b="0"/>
-      </a:lnRef>
-      <a:fillRef idx="1">
-        <a:scrgbClr r="0" g="0" b="0"/>
-      </a:fillRef>
-      <a:effectRef idx="0">
-        <a:scrgbClr r="0" g="0" b="0"/>
-      </a:effectRef>
-      <a:fontRef idx="minor"/>
-    </dgm:style>
-  </dgm:styleLbl>
-  <dgm:styleLbl name="solidAlignAcc1">
-    <dgm:scene3d>
-      <a:camera prst="orthographicFront"/>
-      <a:lightRig rig="threePt" dir="t"/>
-    </dgm:scene3d>
-    <dgm:sp3d/>
-    <dgm:txPr/>
-    <dgm:style>
-      <a:lnRef idx="2">
-        <a:scrgbClr r="0" g="0" b="0"/>
-      </a:lnRef>
-      <a:fillRef idx="1">
-        <a:scrgbClr r="0" g="0" b="0"/>
-      </a:fillRef>
-      <a:effectRef idx="0">
-        <a:scrgbClr r="0" g="0" b="0"/>
-      </a:effectRef>
-      <a:fontRef idx="minor"/>
-    </dgm:style>
-  </dgm:styleLbl>
-  <dgm:styleLbl name="solidBgAcc1">
-    <dgm:scene3d>
-      <a:camera prst="orthographicFront"/>
-      <a:lightRig rig="threePt" dir="t"/>
-    </dgm:scene3d>
-    <dgm:sp3d/>
-    <dgm:txPr/>
-    <dgm:style>
-      <a:lnRef idx="2">
-        <a:scrgbClr r="0" g="0" b="0"/>
-      </a:lnRef>
-      <a:fillRef idx="1">
-        <a:scrgbClr r="0" g="0" b="0"/>
-      </a:fillRef>
-      <a:effectRef idx="0">
-        <a:scrgbClr r="0" g="0" b="0"/>
-      </a:effectRef>
-      <a:fontRef idx="minor"/>
-    </dgm:style>
-  </dgm:styleLbl>
-  <dgm:styleLbl name="fgAccFollowNode1">
-    <dgm:scene3d>
-      <a:camera prst="orthographicFront"/>
-      <a:lightRig rig="threePt" dir="t"/>
-    </dgm:scene3d>
-    <dgm:sp3d/>
-    <dgm:txPr/>
-    <dgm:style>
-      <a:lnRef idx="2">
-        <a:scrgbClr r="0" g="0" b="0"/>
-      </a:lnRef>
-      <a:fillRef idx="1">
-        <a:scrgbClr r="0" g="0" b="0"/>
-      </a:fillRef>
-      <a:effectRef idx="0">
-        <a:scrgbClr r="0" g="0" b="0"/>
-      </a:effectRef>
-      <a:fontRef idx="minor"/>
-    </dgm:style>
-  </dgm:styleLbl>
-  <dgm:styleLbl name="alignAccFollowNode1">
-    <dgm:scene3d>
-      <a:camera prst="orthographicFront"/>
-      <a:lightRig rig="threePt" dir="t"/>
-    </dgm:scene3d>
-    <dgm:sp3d/>
-    <dgm:txPr/>
-    <dgm:style>
-      <a:lnRef idx="2">
-        <a:scrgbClr r="0" g="0" b="0"/>
-      </a:lnRef>
-      <a:fillRef idx="1">
-        <a:scrgbClr r="0" g="0" b="0"/>
-      </a:fillRef>
-      <a:effectRef idx="0">
-        <a:scrgbClr r="0" g="0" b="0"/>
-      </a:effectRef>
-      <a:fontRef idx="minor"/>
-    </dgm:style>
-  </dgm:styleLbl>
-  <dgm:styleLbl name="bgAccFollowNode1">
-    <dgm:scene3d>
-      <a:camera prst="orthographicFront"/>
-      <a:lightRig rig="threePt" dir="t"/>
-    </dgm:scene3d>
-    <dgm:sp3d/>
-    <dgm:txPr/>
-    <dgm:style>
-      <a:lnRef idx="2">
-        <a:scrgbClr r="0" g="0" b="0"/>
-      </a:lnRef>
-      <a:fillRef idx="1">
-        <a:scrgbClr r="0" g="0" b="0"/>
-      </a:fillRef>
-      <a:effectRef idx="0">
-        <a:scrgbClr r="0" g="0" b="0"/>
-      </a:effectRef>
-      <a:fontRef idx="minor"/>
-    </dgm:style>
-  </dgm:styleLbl>
-  <dgm:styleLbl name="fgAcc0">
-    <dgm:scene3d>
-      <a:camera prst="orthographicFront"/>
-      <a:lightRig rig="threePt" dir="t"/>
-    </dgm:scene3d>
-    <dgm:sp3d/>
-    <dgm:txPr/>
-    <dgm:style>
-      <a:lnRef idx="2">
-        <a:scrgbClr r="0" g="0" b="0"/>
-      </a:lnRef>
-      <a:fillRef idx="1">
-        <a:scrgbClr r="0" g="0" b="0"/>
-      </a:fillRef>
-      <a:effectRef idx="0">
-        <a:scrgbClr r="0" g="0" b="0"/>
-      </a:effectRef>
-      <a:fontRef idx="minor"/>
-    </dgm:style>
-  </dgm:styleLbl>
-  <dgm:styleLbl name="fgAcc2">
-    <dgm:scene3d>
-      <a:camera prst="orthographicFront"/>
-      <a:lightRig rig="threePt" dir="t"/>
-    </dgm:scene3d>
-    <dgm:sp3d/>
-    <dgm:txPr/>
-    <dgm:style>
-      <a:lnRef idx="2">
-        <a:scrgbClr r="0" g="0" b="0"/>
-      </a:lnRef>
-      <a:fillRef idx="1">
-        <a:scrgbClr r="0" g="0" b="0"/>
-      </a:fillRef>
-      <a:effectRef idx="0">
-        <a:scrgbClr r="0" g="0" b="0"/>
-      </a:effectRef>
-      <a:fontRef idx="minor"/>
-    </dgm:style>
-  </dgm:styleLbl>
-  <dgm:styleLbl name="fgAcc3">
-    <dgm:scene3d>
-      <a:camera prst="orthographicFront"/>
-      <a:lightRig rig="threePt" dir="t"/>
-    </dgm:scene3d>
-    <dgm:sp3d/>
-    <dgm:txPr/>
-    <dgm:style>
-      <a:lnRef idx="2">
-        <a:scrgbClr r="0" g="0" b="0"/>
-      </a:lnRef>
-      <a:fillRef idx="1">
-        <a:scrgbClr r="0" g="0" b="0"/>
-      </a:fillRef>
-      <a:effectRef idx="0">
-        <a:scrgbClr r="0" g="0" b="0"/>
-      </a:effectRef>
-      <a:fontRef idx="minor"/>
-    </dgm:style>
-  </dgm:styleLbl>
-  <dgm:styleLbl name="fgAcc4">
-    <dgm:scene3d>
-      <a:camera prst="orthographicFront"/>
-      <a:lightRig rig="threePt" dir="t"/>
-    </dgm:scene3d>
-    <dgm:sp3d/>
-    <dgm:txPr/>
-    <dgm:style>
-      <a:lnRef idx="2">
-        <a:scrgbClr r="0" g="0" b="0"/>
-      </a:lnRef>
-      <a:fillRef idx="1">
-        <a:scrgbClr r="0" g="0" b="0"/>
-      </a:fillRef>
-      <a:effectRef idx="0">
-        <a:scrgbClr r="0" g="0" b="0"/>
-      </a:effectRef>
-      <a:fontRef idx="minor"/>
-    </dgm:style>
-  </dgm:styleLbl>
-  <dgm:styleLbl name="bgShp">
-    <dgm:scene3d>
-      <a:camera prst="orthographicFront"/>
-      <a:lightRig rig="threePt" dir="t"/>
-    </dgm:scene3d>
-    <dgm:sp3d/>
-    <dgm:txPr/>
-    <dgm:style>
-      <a:lnRef idx="0">
-        <a:scrgbClr r="0" g="0" b="0"/>
-      </a:lnRef>
-      <a:fillRef idx="1">
-        <a:scrgbClr r="0" g="0" b="0"/>
-      </a:fillRef>
-      <a:effectRef idx="0">
-        <a:scrgbClr r="0" g="0" b="0"/>
-      </a:effectRef>
-      <a:fontRef idx="minor"/>
-    </dgm:style>
-  </dgm:styleLbl>
-  <dgm:styleLbl name="dkBgShp">
-    <dgm:scene3d>
-      <a:camera prst="orthographicFront"/>
-      <a:lightRig rig="threePt" dir="t"/>
-    </dgm:scene3d>
-    <dgm:sp3d/>
-    <dgm:txPr/>
-    <dgm:style>
-      <a:lnRef idx="0">
-        <a:scrgbClr r="0" g="0" b="0"/>
-      </a:lnRef>
-      <a:fillRef idx="1">
-        <a:scrgbClr r="0" g="0" b="0"/>
-      </a:fillRef>
-      <a:effectRef idx="0">
-        <a:scrgbClr r="0" g="0" b="0"/>
-      </a:effectRef>
-      <a:fontRef idx="minor"/>
-    </dgm:style>
-  </dgm:styleLbl>
-  <dgm:styleLbl name="trBgShp">
-    <dgm:scene3d>
-      <a:camera prst="orthographicFront"/>
-      <a:lightRig rig="threePt" dir="t"/>
-    </dgm:scene3d>
-    <dgm:sp3d/>
-    <dgm:txPr/>
-    <dgm:style>
-      <a:lnRef idx="0">
-        <a:scrgbClr r="0" g="0" b="0"/>
-      </a:lnRef>
-      <a:fillRef idx="1">
-        <a:scrgbClr r="0" g="0" b="0"/>
-      </a:fillRef>
-      <a:effectRef idx="0">
-        <a:scrgbClr r="0" g="0" b="0"/>
-      </a:effectRef>
-      <a:fontRef idx="minor"/>
-    </dgm:style>
-  </dgm:styleLbl>
-  <dgm:styleLbl name="fgShp">
-    <dgm:scene3d>
-      <a:camera prst="orthographicFront"/>
-      <a:lightRig rig="threePt" dir="t"/>
-    </dgm:scene3d>
-    <dgm:sp3d/>
-    <dgm:txPr/>
-    <dgm:style>
-      <a:lnRef idx="2">
-        <a:scrgbClr r="0" g="0" b="0"/>
-      </a:lnRef>
-      <a:fillRef idx="1">
-        <a:scrgbClr r="0" g="0" b="0"/>
-      </a:fillRef>
-      <a:effectRef idx="0">
-        <a:scrgbClr r="0" g="0" b="0"/>
-      </a:effectRef>
-      <a:fontRef idx="minor"/>
-    </dgm:style>
-  </dgm:styleLbl>
-  <dgm:styleLbl name="revTx">
-    <dgm:scene3d>
-      <a:camera prst="orthographicFront"/>
-      <a:lightRig rig="threePt" dir="t"/>
-    </dgm:scene3d>
-    <dgm:sp3d/>
-    <dgm:txPr/>
-    <dgm:style>
-      <a:lnRef idx="0">
-        <a:scrgbClr r="0" g="0" b="0"/>
-      </a:lnRef>
-      <a:fillRef idx="0">
-        <a:scrgbClr r="0" g="0" b="0"/>
-      </a:fillRef>
-      <a:effectRef idx="0">
-        <a:scrgbClr r="0" g="0" b="0"/>
-      </a:effectRef>
-      <a:fontRef idx="minor"/>
-    </dgm:style>
-  </dgm:styleLbl>
-</dgm:styleDef>
-</file>
-
-<file path=ppt/diagrams/quickStyle2.xml><?xml version="1.0" encoding="utf-8"?>
-<dgm:styleDef xmlns:dgm="http://schemas.openxmlformats.org/drawingml/2006/diagram" xmlns:a="http://schemas.openxmlformats.org/drawingml/2006/main" uniqueId="urn:microsoft.com/office/officeart/2005/8/quickstyle/simple4">
-  <dgm:title val=""/>
-  <dgm:desc val=""/>
-  <dgm:catLst>
-    <dgm:cat type="simple" pri="10400"/>
-  </dgm:catLst>
-  <dgm:scene3d>
-    <a:camera prst="orthographicFront"/>
-    <a:lightRig rig="threePt" dir="t"/>
-  </dgm:scene3d>
-  <dgm:styleLbl name="node0">
-    <dgm:scene3d>
-      <a:camera prst="orthographicFront"/>
-      <a:lightRig rig="threePt" dir="t"/>
-    </dgm:scene3d>
-    <dgm:sp3d/>
-    <dgm:txPr/>
-    <dgm:style>
-      <a:lnRef idx="0">
-        <a:scrgbClr r="0" g="0" b="0"/>
-      </a:lnRef>
-      <a:fillRef idx="3">
-        <a:scrgbClr r="0" g="0" b="0"/>
-      </a:fillRef>
-      <a:effectRef idx="2">
-        <a:scrgbClr r="0" g="0" b="0"/>
-      </a:effectRef>
-      <a:fontRef idx="minor">
-        <a:schemeClr val="lt1"/>
-      </a:fontRef>
-    </dgm:style>
-  </dgm:styleLbl>
-  <dgm:styleLbl name="lnNode1">
-    <dgm:scene3d>
-      <a:camera prst="orthographicFront"/>
-      <a:lightRig rig="threePt" dir="t"/>
-    </dgm:scene3d>
-    <dgm:sp3d/>
-    <dgm:txPr/>
-    <dgm:style>
-      <a:lnRef idx="1">
-        <a:scrgbClr r="0" g="0" b="0"/>
-      </a:lnRef>
-      <a:fillRef idx="3">
-        <a:scrgbClr r="0" g="0" b="0"/>
-      </a:fillRef>
-      <a:effectRef idx="2">
-        <a:scrgbClr r="0" g="0" b="0"/>
-      </a:effectRef>
-      <a:fontRef idx="minor">
-        <a:schemeClr val="lt1"/>
-      </a:fontRef>
-    </dgm:style>
-  </dgm:styleLbl>
-  <dgm:styleLbl name="vennNode1">
-    <dgm:scene3d>
-      <a:camera prst="orthographicFront"/>
-      <a:lightRig rig="threePt" dir="t"/>
-    </dgm:scene3d>
-    <dgm:sp3d/>
-    <dgm:txPr/>
-    <dgm:style>
-      <a:lnRef idx="0">
-        <a:scrgbClr r="0" g="0" b="0"/>
-      </a:lnRef>
-      <a:fillRef idx="3">
-        <a:scrgbClr r="0" g="0" b="0"/>
-      </a:fillRef>
-      <a:effectRef idx="0">
-        <a:scrgbClr r="0" g="0" b="0"/>
-      </a:effectRef>
-      <a:fontRef idx="minor">
-        <a:schemeClr val="tx1"/>
-      </a:fontRef>
-    </dgm:style>
-  </dgm:styleLbl>
-  <dgm:styleLbl name="alignNode1">
-    <dgm:scene3d>
-      <a:camera prst="orthographicFront"/>
-      <a:lightRig rig="threePt" dir="t"/>
-    </dgm:scene3d>
-    <dgm:sp3d/>
-    <dgm:txPr/>
-    <dgm:style>
-      <a:lnRef idx="1">
-        <a:scrgbClr r="0" g="0" b="0"/>
-      </a:lnRef>
-      <a:fillRef idx="3">
-        <a:scrgbClr r="0" g="0" b="0"/>
-      </a:fillRef>
-      <a:effectRef idx="2">
-        <a:scrgbClr r="0" g="0" b="0"/>
-      </a:effectRef>
-      <a:fontRef idx="minor">
-        <a:schemeClr val="lt1"/>
-      </a:fontRef>
-    </dgm:style>
-  </dgm:styleLbl>
-  <dgm:styleLbl name="node1">
-    <dgm:scene3d>
-      <a:camera prst="orthographicFront"/>
-      <a:lightRig rig="threePt" dir="t"/>
-    </dgm:scene3d>
-    <dgm:sp3d/>
-    <dgm:txPr/>
-    <dgm:style>
-      <a:lnRef idx="0">
-        <a:scrgbClr r="0" g="0" b="0"/>
-      </a:lnRef>
-      <a:fillRef idx="3">
-        <a:scrgbClr r="0" g="0" b="0"/>
-      </a:fillRef>
-      <a:effectRef idx="2">
-        <a:scrgbClr r="0" g="0" b="0"/>
-      </a:effectRef>
-      <a:fontRef idx="minor">
-        <a:schemeClr val="lt1"/>
-      </a:fontRef>
-    </dgm:style>
-  </dgm:styleLbl>
-  <dgm:styleLbl name="node2">
-    <dgm:scene3d>
-      <a:camera prst="orthographicFront"/>
-      <a:lightRig rig="threePt" dir="t"/>
-    </dgm:scene3d>
-    <dgm:sp3d/>
-    <dgm:txPr/>
-    <dgm:style>
-      <a:lnRef idx="0">
-        <a:scrgbClr r="0" g="0" b="0"/>
-      </a:lnRef>
-      <a:fillRef idx="3">
-        <a:scrgbClr r="0" g="0" b="0"/>
-      </a:fillRef>
-      <a:effectRef idx="2">
-        <a:scrgbClr r="0" g="0" b="0"/>
-      </a:effectRef>
-      <a:fontRef idx="minor">
-        <a:schemeClr val="lt1"/>
-      </a:fontRef>
-    </dgm:style>
-  </dgm:styleLbl>
-  <dgm:styleLbl name="node3">
-    <dgm:scene3d>
-      <a:camera prst="orthographicFront"/>
-      <a:lightRig rig="threePt" dir="t"/>
-    </dgm:scene3d>
-    <dgm:sp3d/>
-    <dgm:txPr/>
-    <dgm:style>
-      <a:lnRef idx="0">
-        <a:scrgbClr r="0" g="0" b="0"/>
-      </a:lnRef>
-      <a:fillRef idx="3">
-        <a:scrgbClr r="0" g="0" b="0"/>
-      </a:fillRef>
-      <a:effectRef idx="2">
-        <a:scrgbClr r="0" g="0" b="0"/>
-      </a:effectRef>
-      <a:fontRef idx="minor">
-        <a:schemeClr val="lt1"/>
-      </a:fontRef>
-    </dgm:style>
-  </dgm:styleLbl>
-  <dgm:styleLbl name="node4">
-    <dgm:scene3d>
-      <a:camera prst="orthographicFront"/>
-      <a:lightRig rig="threePt" dir="t"/>
-    </dgm:scene3d>
-    <dgm:sp3d/>
-    <dgm:txPr/>
-    <dgm:style>
-      <a:lnRef idx="0">
-        <a:scrgbClr r="0" g="0" b="0"/>
-      </a:lnRef>
-      <a:fillRef idx="3">
-        <a:scrgbClr r="0" g="0" b="0"/>
-      </a:fillRef>
-      <a:effectRef idx="2">
-        <a:scrgbClr r="0" g="0" b="0"/>
-      </a:effectRef>
-      <a:fontRef idx="minor">
-        <a:schemeClr val="lt1"/>
-      </a:fontRef>
-    </dgm:style>
-  </dgm:styleLbl>
-  <dgm:styleLbl name="fgImgPlace1">
-    <dgm:scene3d>
-      <a:camera prst="orthographicFront"/>
-      <a:lightRig rig="threePt" dir="t"/>
-    </dgm:scene3d>
-    <dgm:sp3d/>
-    <dgm:txPr/>
-    <dgm:style>
-      <a:lnRef idx="0">
-        <a:scrgbClr r="0" g="0" b="0"/>
-      </a:lnRef>
-      <a:fillRef idx="1">
-        <a:scrgbClr r="0" g="0" b="0"/>
-      </a:fillRef>
-      <a:effectRef idx="2">
-        <a:scrgbClr r="0" g="0" b="0"/>
-      </a:effectRef>
-      <a:fontRef idx="minor"/>
-    </dgm:style>
-  </dgm:styleLbl>
-  <dgm:styleLbl name="alignImgPlace1">
-    <dgm:scene3d>
-      <a:camera prst="orthographicFront"/>
-      <a:lightRig rig="threePt" dir="t"/>
-    </dgm:scene3d>
-    <dgm:sp3d/>
-    <dgm:txPr/>
-    <dgm:style>
-      <a:lnRef idx="0">
-        <a:scrgbClr r="0" g="0" b="0"/>
-      </a:lnRef>
-      <a:fillRef idx="1">
-        <a:scrgbClr r="0" g="0" b="0"/>
-      </a:fillRef>
-      <a:effectRef idx="2">
-        <a:scrgbClr r="0" g="0" b="0"/>
-      </a:effectRef>
-      <a:fontRef idx="minor"/>
-    </dgm:style>
-  </dgm:styleLbl>
-  <dgm:styleLbl name="bgImgPlace1">
-    <dgm:scene3d>
-      <a:camera prst="orthographicFront"/>
-      <a:lightRig rig="threePt" dir="t"/>
-    </dgm:scene3d>
-    <dgm:sp3d/>
-    <dgm:txPr/>
-    <dgm:style>
-      <a:lnRef idx="0">
-        <a:scrgbClr r="0" g="0" b="0"/>
-      </a:lnRef>
-      <a:fillRef idx="1">
-        <a:scrgbClr r="0" g="0" b="0"/>
-      </a:fillRef>
-      <a:effectRef idx="2">
-        <a:scrgbClr r="0" g="0" b="0"/>
-      </a:effectRef>
-      <a:fontRef idx="minor"/>
-    </dgm:style>
-  </dgm:styleLbl>
-  <dgm:styleLbl name="sibTrans2D1">
-    <dgm:scene3d>
-      <a:camera prst="orthographicFront"/>
-      <a:lightRig rig="threePt" dir="t"/>
-    </dgm:scene3d>
-    <dgm:sp3d/>
-    <dgm:txPr/>
-    <dgm:style>
-      <a:lnRef idx="0">
-        <a:scrgbClr r="0" g="0" b="0"/>
-      </a:lnRef>
-      <a:fillRef idx="3">
-        <a:scrgbClr r="0" g="0" b="0"/>
-      </a:fillRef>
-      <a:effectRef idx="2">
-        <a:scrgbClr r="0" g="0" b="0"/>
-      </a:effectRef>
-      <a:fontRef idx="minor">
-        <a:schemeClr val="lt1"/>
-      </a:fontRef>
-    </dgm:style>
-  </dgm:styleLbl>
-  <dgm:styleLbl name="fgSibTrans2D1">
-    <dgm:scene3d>
-      <a:camera prst="orthographicFront"/>
-      <a:lightRig rig="threePt" dir="t"/>
-    </dgm:scene3d>
-    <dgm:sp3d/>
-    <dgm:txPr/>
-    <dgm:style>
-      <a:lnRef idx="0">
-        <a:scrgbClr r="0" g="0" b="0"/>
-      </a:lnRef>
-      <a:fillRef idx="3">
-        <a:scrgbClr r="0" g="0" b="0"/>
-      </a:fillRef>
-      <a:effectRef idx="2">
-        <a:scrgbClr r="0" g="0" b="0"/>
-      </a:effectRef>
-      <a:fontRef idx="minor">
-        <a:schemeClr val="lt1"/>
-      </a:fontRef>
-    </dgm:style>
-  </dgm:styleLbl>
-  <dgm:styleLbl name="bgSibTrans2D1">
-    <dgm:scene3d>
-      <a:camera prst="orthographicFront"/>
-      <a:lightRig rig="threePt" dir="t"/>
-    </dgm:scene3d>
-    <dgm:sp3d/>
-    <dgm:txPr/>
-    <dgm:style>
-      <a:lnRef idx="0">
-        <a:scrgbClr r="0" g="0" b="0"/>
-      </a:lnRef>
-      <a:fillRef idx="3">
-        <a:scrgbClr r="0" g="0" b="0"/>
-      </a:fillRef>
-      <a:effectRef idx="2">
-        <a:scrgbClr r="0" g="0" b="0"/>
-      </a:effectRef>
-      <a:fontRef idx="minor">
-        <a:schemeClr val="lt1"/>
-      </a:fontRef>
-    </dgm:style>
-  </dgm:styleLbl>
-  <dgm:styleLbl name="sibTrans1D1">
-    <dgm:scene3d>
-      <a:camera prst="orthographicFront"/>
-      <a:lightRig rig="threePt" dir="t"/>
-    </dgm:scene3d>
-    <dgm:sp3d/>
-    <dgm:txPr/>
-    <dgm:style>
-      <a:lnRef idx="1">
-        <a:scrgbClr r="0" g="0" b="0"/>
-      </a:lnRef>
-      <a:fillRef idx="0">
-        <a:scrgbClr r="0" g="0" b="0"/>
-      </a:fillRef>
-      <a:effectRef idx="0">
-        <a:scrgbClr r="0" g="0" b="0"/>
-      </a:effectRef>
-      <a:fontRef idx="minor"/>
-    </dgm:style>
-  </dgm:styleLbl>
-  <dgm:styleLbl name="callout">
-    <dgm:scene3d>
-      <a:camera prst="orthographicFront"/>
-      <a:lightRig rig="threePt" dir="t"/>
-    </dgm:scene3d>
-    <dgm:sp3d/>
-    <dgm:txPr/>
-    <dgm:style>
-      <a:lnRef idx="2">
-        <a:scrgbClr r="0" g="0" b="0"/>
-      </a:lnRef>
-      <a:fillRef idx="1">
-        <a:scrgbClr r="0" g="0" b="0"/>
-      </a:fillRef>
-      <a:effectRef idx="1">
-        <a:scrgbClr r="0" g="0" b="0"/>
-      </a:effectRef>
-      <a:fontRef idx="minor"/>
-    </dgm:style>
-  </dgm:styleLbl>
-  <dgm:styleLbl name="asst0">
-    <dgm:scene3d>
-      <a:camera prst="orthographicFront"/>
-      <a:lightRig rig="threePt" dir="t"/>
-    </dgm:scene3d>
-    <dgm:sp3d/>
-    <dgm:txPr/>
-    <dgm:style>
-      <a:lnRef idx="0">
-        <a:scrgbClr r="0" g="0" b="0"/>
-      </a:lnRef>
-      <a:fillRef idx="3">
-        <a:scrgbClr r="0" g="0" b="0"/>
-      </a:fillRef>
-      <a:effectRef idx="2">
-        <a:scrgbClr r="0" g="0" b="0"/>
-      </a:effectRef>
-      <a:fontRef idx="minor">
-        <a:schemeClr val="lt1"/>
-      </a:fontRef>
-    </dgm:style>
-  </dgm:styleLbl>
-  <dgm:styleLbl name="asst1">
-    <dgm:scene3d>
-      <a:camera prst="orthographicFront"/>
-      <a:lightRig rig="threePt" dir="t"/>
-    </dgm:scene3d>
-    <dgm:sp3d/>
-    <dgm:txPr/>
-    <dgm:style>
-      <a:lnRef idx="0">
-        <a:scrgbClr r="0" g="0" b="0"/>
-      </a:lnRef>
-      <a:fillRef idx="3">
-        <a:scrgbClr r="0" g="0" b="0"/>
-      </a:fillRef>
-      <a:effectRef idx="2">
-        <a:scrgbClr r="0" g="0" b="0"/>
-      </a:effectRef>
-      <a:fontRef idx="minor">
-        <a:schemeClr val="lt1"/>
-      </a:fontRef>
-    </dgm:style>
-  </dgm:styleLbl>
-  <dgm:styleLbl name="asst2">
-    <dgm:scene3d>
-      <a:camera prst="orthographicFront"/>
-      <a:lightRig rig="threePt" dir="t"/>
-    </dgm:scene3d>
-    <dgm:sp3d/>
-    <dgm:txPr/>
-    <dgm:style>
-      <a:lnRef idx="0">
-        <a:scrgbClr r="0" g="0" b="0"/>
-      </a:lnRef>
-      <a:fillRef idx="3">
-        <a:scrgbClr r="0" g="0" b="0"/>
-      </a:fillRef>
-      <a:effectRef idx="2">
-        <a:scrgbClr r="0" g="0" b="0"/>
-      </a:effectRef>
-      <a:fontRef idx="minor">
-        <a:schemeClr val="lt1"/>
-      </a:fontRef>
-    </dgm:style>
-  </dgm:styleLbl>
-  <dgm:styleLbl name="asst3">
-    <dgm:scene3d>
-      <a:camera prst="orthographicFront"/>
-      <a:lightRig rig="threePt" dir="t"/>
-    </dgm:scene3d>
-    <dgm:sp3d/>
-    <dgm:txPr/>
-    <dgm:style>
-      <a:lnRef idx="0">
-        <a:scrgbClr r="0" g="0" b="0"/>
-      </a:lnRef>
-      <a:fillRef idx="3">
-        <a:scrgbClr r="0" g="0" b="0"/>
-      </a:fillRef>
-      <a:effectRef idx="2">
-        <a:scrgbClr r="0" g="0" b="0"/>
-      </a:effectRef>
-      <a:fontRef idx="minor">
-        <a:schemeClr val="lt1"/>
-      </a:fontRef>
-    </dgm:style>
-  </dgm:styleLbl>
-  <dgm:styleLbl name="asst4">
-    <dgm:scene3d>
-      <a:camera prst="orthographicFront"/>
-      <a:lightRig rig="threePt" dir="t"/>
-    </dgm:scene3d>
-    <dgm:sp3d/>
-    <dgm:txPr/>
-    <dgm:style>
-      <a:lnRef idx="0">
-        <a:scrgbClr r="0" g="0" b="0"/>
-      </a:lnRef>
-      <a:fillRef idx="3">
-        <a:scrgbClr r="0" g="0" b="0"/>
-      </a:fillRef>
-      <a:effectRef idx="2">
-        <a:scrgbClr r="0" g="0" b="0"/>
-      </a:effectRef>
-      <a:fontRef idx="minor">
-        <a:schemeClr val="lt1"/>
-      </a:fontRef>
-    </dgm:style>
-  </dgm:styleLbl>
-  <dgm:styleLbl name="parChTrans2D1">
-    <dgm:scene3d>
-      <a:camera prst="orthographicFront"/>
-      <a:lightRig rig="threePt" dir="t"/>
-    </dgm:scene3d>
-    <dgm:sp3d/>
-    <dgm:txPr/>
-    <dgm:style>
-      <a:lnRef idx="0">
-        <a:scrgbClr r="0" g="0" b="0"/>
-      </a:lnRef>
-      <a:fillRef idx="3">
-        <a:scrgbClr r="0" g="0" b="0"/>
-      </a:fillRef>
-      <a:effectRef idx="2">
-        <a:scrgbClr r="0" g="0" b="0"/>
-      </a:effectRef>
-      <a:fontRef idx="minor">
-        <a:schemeClr val="lt1"/>
-      </a:fontRef>
-    </dgm:style>
-  </dgm:styleLbl>
-  <dgm:styleLbl name="parChTrans2D2">
-    <dgm:scene3d>
-      <a:camera prst="orthographicFront"/>
-      <a:lightRig rig="threePt" dir="t"/>
-    </dgm:scene3d>
-    <dgm:sp3d/>
-    <dgm:txPr/>
-    <dgm:style>
-      <a:lnRef idx="0">
-        <a:scrgbClr r="0" g="0" b="0"/>
-      </a:lnRef>
-      <a:fillRef idx="3">
-        <a:scrgbClr r="0" g="0" b="0"/>
-      </a:fillRef>
-      <a:effectRef idx="2">
-        <a:scrgbClr r="0" g="0" b="0"/>
-      </a:effectRef>
-      <a:fontRef idx="minor">
-        <a:schemeClr val="lt1"/>
-      </a:fontRef>
-    </dgm:style>
-  </dgm:styleLbl>
-  <dgm:styleLbl name="parChTrans2D3">
-    <dgm:scene3d>
-      <a:camera prst="orthographicFront"/>
-      <a:lightRig rig="threePt" dir="t"/>
-    </dgm:scene3d>
-    <dgm:sp3d/>
-    <dgm:txPr/>
-    <dgm:style>
-      <a:lnRef idx="1">
-        <a:scrgbClr r="0" g="0" b="0"/>
-      </a:lnRef>
-      <a:fillRef idx="3">
-        <a:scrgbClr r="0" g="0" b="0"/>
-      </a:fillRef>
-      <a:effectRef idx="2">
-        <a:scrgbClr r="0" g="0" b="0"/>
-      </a:effectRef>
-      <a:fontRef idx="minor">
-        <a:schemeClr val="lt1"/>
-      </a:fontRef>
-    </dgm:style>
-  </dgm:styleLbl>
-  <dgm:styleLbl name="parChTrans2D4">
-    <dgm:scene3d>
-      <a:camera prst="orthographicFront"/>
-      <a:lightRig rig="threePt" dir="t"/>
-    </dgm:scene3d>
-    <dgm:sp3d/>
-    <dgm:txPr/>
-    <dgm:style>
-      <a:lnRef idx="1">
-        <a:scrgbClr r="0" g="0" b="0"/>
-      </a:lnRef>
-      <a:fillRef idx="3">
-        <a:scrgbClr r="0" g="0" b="0"/>
-      </a:fillRef>
-      <a:effectRef idx="2">
-        <a:scrgbClr r="0" g="0" b="0"/>
-      </a:effectRef>
-      <a:fontRef idx="minor">
-        <a:schemeClr val="lt1"/>
-      </a:fontRef>
-    </dgm:style>
-  </dgm:styleLbl>
-  <dgm:styleLbl name="parChTrans1D1">
-    <dgm:scene3d>
-      <a:camera prst="orthographicFront"/>
-      <a:lightRig rig="threePt" dir="t"/>
-    </dgm:scene3d>
-    <dgm:sp3d/>
-    <dgm:txPr/>
-    <dgm:style>
-      <a:lnRef idx="1">
-        <a:scrgbClr r="0" g="0" b="0"/>
-      </a:lnRef>
-      <a:fillRef idx="0">
-        <a:scrgbClr r="0" g="0" b="0"/>
-      </a:fillRef>
-      <a:effectRef idx="0">
-        <a:scrgbClr r="0" g="0" b="0"/>
-      </a:effectRef>
-      <a:fontRef idx="minor"/>
-    </dgm:style>
-  </dgm:styleLbl>
-  <dgm:styleLbl name="parChTrans1D2">
-    <dgm:scene3d>
-      <a:camera prst="orthographicFront"/>
-      <a:lightRig rig="threePt" dir="t"/>
-    </dgm:scene3d>
-    <dgm:sp3d/>
-    <dgm:txPr/>
-    <dgm:style>
-      <a:lnRef idx="1">
-        <a:scrgbClr r="0" g="0" b="0"/>
-      </a:lnRef>
-      <a:fillRef idx="0">
-        <a:scrgbClr r="0" g="0" b="0"/>
-      </a:fillRef>
-      <a:effectRef idx="0">
-        <a:scrgbClr r="0" g="0" b="0"/>
-      </a:effectRef>
-      <a:fontRef idx="minor"/>
-    </dgm:style>
-  </dgm:styleLbl>
-  <dgm:styleLbl name="parChTrans1D3">
-    <dgm:scene3d>
-      <a:camera prst="orthographicFront"/>
-      <a:lightRig rig="threePt" dir="t"/>
-    </dgm:scene3d>
-    <dgm:sp3d/>
-    <dgm:txPr/>
-    <dgm:style>
-      <a:lnRef idx="1">
-        <a:scrgbClr r="0" g="0" b="0"/>
-      </a:lnRef>
-      <a:fillRef idx="0">
-        <a:scrgbClr r="0" g="0" b="0"/>
-      </a:fillRef>
-      <a:effectRef idx="0">
-        <a:scrgbClr r="0" g="0" b="0"/>
-      </a:effectRef>
-      <a:fontRef idx="minor"/>
-    </dgm:style>
-  </dgm:styleLbl>
-  <dgm:styleLbl name="parChTrans1D4">
-    <dgm:scene3d>
-      <a:camera prst="orthographicFront"/>
-      <a:lightRig rig="threePt" dir="t"/>
-    </dgm:scene3d>
-    <dgm:sp3d/>
-    <dgm:txPr/>
-    <dgm:style>
-      <a:lnRef idx="1">
-        <a:scrgbClr r="0" g="0" b="0"/>
-      </a:lnRef>
-      <a:fillRef idx="0">
-        <a:scrgbClr r="0" g="0" b="0"/>
-      </a:fillRef>
-      <a:effectRef idx="0">
-        <a:scrgbClr r="0" g="0" b="0"/>
-      </a:effectRef>
-      <a:fontRef idx="minor"/>
-    </dgm:style>
-  </dgm:styleLbl>
-  <dgm:styleLbl name="fgAcc1">
-    <dgm:scene3d>
-      <a:camera prst="orthographicFront"/>
-      <a:lightRig rig="threePt" dir="t"/>
-    </dgm:scene3d>
-    <dgm:sp3d/>
-    <dgm:txPr/>
-    <dgm:style>
-      <a:lnRef idx="1">
-        <a:scrgbClr r="0" g="0" b="0"/>
-      </a:lnRef>
-      <a:fillRef idx="1">
-        <a:scrgbClr r="0" g="0" b="0"/>
-      </a:fillRef>
-      <a:effectRef idx="0">
-        <a:scrgbClr r="0" g="0" b="0"/>
-      </a:effectRef>
-      <a:fontRef idx="minor"/>
-    </dgm:style>
-  </dgm:styleLbl>
-  <dgm:styleLbl name="conFgAcc1">
-    <dgm:scene3d>
-      <a:camera prst="orthographicFront"/>
-      <a:lightRig rig="threePt" dir="t"/>
-    </dgm:scene3d>
-    <dgm:sp3d/>
-    <dgm:txPr/>
-    <dgm:style>
-      <a:lnRef idx="1">
-        <a:scrgbClr r="0" g="0" b="0"/>
-      </a:lnRef>
-      <a:fillRef idx="1">
-        <a:scrgbClr r="0" g="0" b="0"/>
-      </a:fillRef>
-      <a:effectRef idx="0">
-        <a:scrgbClr r="0" g="0" b="0"/>
-      </a:effectRef>
-      <a:fontRef idx="minor"/>
-    </dgm:style>
-  </dgm:styleLbl>
-  <dgm:styleLbl name="alignAcc1">
-    <dgm:scene3d>
-      <a:camera prst="orthographicFront"/>
-      <a:lightRig rig="threePt" dir="t"/>
-    </dgm:scene3d>
-    <dgm:sp3d/>
-    <dgm:txPr/>
-    <dgm:style>
-      <a:lnRef idx="1">
-        <a:scrgbClr r="0" g="0" b="0"/>
-      </a:lnRef>
-      <a:fillRef idx="1">
-        <a:scrgbClr r="0" g="0" b="0"/>
-      </a:fillRef>
-      <a:effectRef idx="0">
-        <a:scrgbClr r="0" g="0" b="0"/>
-      </a:effectRef>
-      <a:fontRef idx="minor"/>
-    </dgm:style>
-  </dgm:styleLbl>
-  <dgm:styleLbl name="trAlignAcc1">
-    <dgm:scene3d>
-      <a:camera prst="orthographicFront"/>
-      <a:lightRig rig="threePt" dir="t"/>
-    </dgm:scene3d>
-    <dgm:sp3d/>
-    <dgm:txPr/>
-    <dgm:style>
-      <a:lnRef idx="1">
-        <a:scrgbClr r="0" g="0" b="0"/>
-      </a:lnRef>
-      <a:fillRef idx="1">
-        <a:scrgbClr r="0" g="0" b="0"/>
-      </a:fillRef>
-      <a:effectRef idx="0">
-        <a:scrgbClr r="0" g="0" b="0"/>
-      </a:effectRef>
-      <a:fontRef idx="minor"/>
-    </dgm:style>
-  </dgm:styleLbl>
-  <dgm:styleLbl name="bgAcc1">
-    <dgm:scene3d>
-      <a:camera prst="orthographicFront"/>
-      <a:lightRig rig="threePt" dir="t"/>
-    </dgm:scene3d>
-    <dgm:sp3d/>
-    <dgm:txPr/>
-    <dgm:style>
-      <a:lnRef idx="1">
-        <a:scrgbClr r="0" g="0" b="0"/>
-      </a:lnRef>
-      <a:fillRef idx="1">
-        <a:scrgbClr r="0" g="0" b="0"/>
-      </a:fillRef>
-      <a:effectRef idx="0">
-        <a:scrgbClr r="0" g="0" b="0"/>
-      </a:effectRef>
-      <a:fontRef idx="minor"/>
-    </dgm:style>
-  </dgm:styleLbl>
-  <dgm:styleLbl name="solidFgAcc1">
-    <dgm:scene3d>
-      <a:camera prst="orthographicFront"/>
-      <a:lightRig rig="threePt" dir="t"/>
-    </dgm:scene3d>
-    <dgm:sp3d/>
-    <dgm:txPr/>
-    <dgm:style>
-      <a:lnRef idx="1">
-        <a:scrgbClr r="0" g="0" b="0"/>
-      </a:lnRef>
-      <a:fillRef idx="1">
-        <a:scrgbClr r="0" g="0" b="0"/>
-      </a:fillRef>
-      <a:effectRef idx="0">
-        <a:scrgbClr r="0" g="0" b="0"/>
-      </a:effectRef>
-      <a:fontRef idx="minor"/>
-    </dgm:style>
-  </dgm:styleLbl>
-  <dgm:styleLbl name="solidAlignAcc1">
-    <dgm:scene3d>
-      <a:camera prst="orthographicFront"/>
-      <a:lightRig rig="threePt" dir="t"/>
-    </dgm:scene3d>
-    <dgm:sp3d/>
-    <dgm:txPr/>
-    <dgm:style>
-      <a:lnRef idx="1">
-        <a:scrgbClr r="0" g="0" b="0"/>
-      </a:lnRef>
-      <a:fillRef idx="1">
-        <a:scrgbClr r="0" g="0" b="0"/>
-      </a:fillRef>
-      <a:effectRef idx="0">
-        <a:scrgbClr r="0" g="0" b="0"/>
-      </a:effectRef>
-      <a:fontRef idx="minor"/>
-    </dgm:style>
-  </dgm:styleLbl>
-  <dgm:styleLbl name="solidBgAcc1">
-    <dgm:scene3d>
-      <a:camera prst="orthographicFront"/>
-      <a:lightRig rig="threePt" dir="t"/>
-    </dgm:scene3d>
-    <dgm:sp3d/>
-    <dgm:txPr/>
-    <dgm:style>
-      <a:lnRef idx="1">
-        <a:scrgbClr r="0" g="0" b="0"/>
-      </a:lnRef>
-      <a:fillRef idx="1">
-        <a:scrgbClr r="0" g="0" b="0"/>
-      </a:fillRef>
-      <a:effectRef idx="0">
-        <a:scrgbClr r="0" g="0" b="0"/>
-      </a:effectRef>
-      <a:fontRef idx="minor"/>
-    </dgm:style>
-  </dgm:styleLbl>
-  <dgm:styleLbl name="fgAccFollowNode1">
-    <dgm:scene3d>
-      <a:camera prst="orthographicFront"/>
-      <a:lightRig rig="threePt" dir="t"/>
-    </dgm:scene3d>
-    <dgm:sp3d/>
-    <dgm:txPr/>
-    <dgm:style>
-      <a:lnRef idx="1">
-        <a:scrgbClr r="0" g="0" b="0"/>
-      </a:lnRef>
-      <a:fillRef idx="1">
-        <a:scrgbClr r="0" g="0" b="0"/>
-      </a:fillRef>
-      <a:effectRef idx="0">
-        <a:scrgbClr r="0" g="0" b="0"/>
-      </a:effectRef>
-      <a:fontRef idx="minor"/>
-    </dgm:style>
-  </dgm:styleLbl>
-  <dgm:styleLbl name="alignAccFollowNode1">
-    <dgm:scene3d>
-      <a:camera prst="orthographicFront"/>
-      <a:lightRig rig="threePt" dir="t"/>
-    </dgm:scene3d>
-    <dgm:sp3d/>
-    <dgm:txPr/>
-    <dgm:style>
-      <a:lnRef idx="1">
-        <a:scrgbClr r="0" g="0" b="0"/>
-      </a:lnRef>
-      <a:fillRef idx="1">
-        <a:scrgbClr r="0" g="0" b="0"/>
-      </a:fillRef>
-      <a:effectRef idx="0">
-        <a:scrgbClr r="0" g="0" b="0"/>
-      </a:effectRef>
-      <a:fontRef idx="minor"/>
-    </dgm:style>
-  </dgm:styleLbl>
-  <dgm:styleLbl name="bgAccFollowNode1">
-    <dgm:scene3d>
-      <a:camera prst="orthographicFront"/>
-      <a:lightRig rig="threePt" dir="t"/>
-    </dgm:scene3d>
-    <dgm:sp3d/>
-    <dgm:txPr/>
-    <dgm:style>
-      <a:lnRef idx="1">
-        <a:scrgbClr r="0" g="0" b="0"/>
-      </a:lnRef>
-      <a:fillRef idx="1">
-        <a:scrgbClr r="0" g="0" b="0"/>
-      </a:fillRef>
-      <a:effectRef idx="0">
-        <a:scrgbClr r="0" g="0" b="0"/>
-      </a:effectRef>
-      <a:fontRef idx="minor"/>
-    </dgm:style>
-  </dgm:styleLbl>
-  <dgm:styleLbl name="fgAcc0">
-    <dgm:scene3d>
-      <a:camera prst="orthographicFront"/>
-      <a:lightRig rig="threePt" dir="t"/>
-    </dgm:scene3d>
-    <dgm:sp3d/>
-    <dgm:txPr/>
-    <dgm:style>
-      <a:lnRef idx="1">
-        <a:scrgbClr r="0" g="0" b="0"/>
-      </a:lnRef>
-      <a:fillRef idx="1">
-        <a:scrgbClr r="0" g="0" b="0"/>
-      </a:fillRef>
-      <a:effectRef idx="0">
-        <a:scrgbClr r="0" g="0" b="0"/>
-      </a:effectRef>
-      <a:fontRef idx="minor"/>
-    </dgm:style>
-  </dgm:styleLbl>
-  <dgm:styleLbl name="fgAcc2">
-    <dgm:scene3d>
-      <a:camera prst="orthographicFront"/>
-      <a:lightRig rig="threePt" dir="t"/>
-    </dgm:scene3d>
-    <dgm:sp3d/>
-    <dgm:txPr/>
-    <dgm:style>
-      <a:lnRef idx="1">
-        <a:scrgbClr r="0" g="0" b="0"/>
-      </a:lnRef>
-      <a:fillRef idx="1">
-        <a:scrgbClr r="0" g="0" b="0"/>
-      </a:fillRef>
-      <a:effectRef idx="0">
-        <a:scrgbClr r="0" g="0" b="0"/>
-      </a:effectRef>
-      <a:fontRef idx="minor"/>
-    </dgm:style>
-  </dgm:styleLbl>
-  <dgm:styleLbl name="fgAcc3">
-    <dgm:scene3d>
-      <a:camera prst="orthographicFront"/>
-      <a:lightRig rig="threePt" dir="t"/>
-    </dgm:scene3d>
-    <dgm:sp3d/>
-    <dgm:txPr/>
-    <dgm:style>
-      <a:lnRef idx="1">
-        <a:scrgbClr r="0" g="0" b="0"/>
-      </a:lnRef>
-      <a:fillRef idx="1">
-        <a:scrgbClr r="0" g="0" b="0"/>
-      </a:fillRef>
-      <a:effectRef idx="0">
-        <a:scrgbClr r="0" g="0" b="0"/>
-      </a:effectRef>
-      <a:fontRef idx="minor"/>
-    </dgm:style>
-  </dgm:styleLbl>
-  <dgm:styleLbl name="fgAcc4">
-    <dgm:scene3d>
-      <a:camera prst="orthographicFront"/>
-      <a:lightRig rig="threePt" dir="t"/>
-    </dgm:scene3d>
-    <dgm:sp3d/>
-    <dgm:txPr/>
-    <dgm:style>
-      <a:lnRef idx="1">
-        <a:scrgbClr r="0" g="0" b="0"/>
-      </a:lnRef>
-      <a:fillRef idx="1">
-        <a:scrgbClr r="0" g="0" b="0"/>
-      </a:fillRef>
-      <a:effectRef idx="0">
-        <a:scrgbClr r="0" g="0" b="0"/>
-      </a:effectRef>
-      <a:fontRef idx="minor"/>
-    </dgm:style>
-  </dgm:styleLbl>
-  <dgm:styleLbl name="bgShp">
-    <dgm:scene3d>
-      <a:camera prst="orthographicFront"/>
-      <a:lightRig rig="threePt" dir="t"/>
-    </dgm:scene3d>
-    <dgm:sp3d/>
-    <dgm:txPr/>
-    <dgm:style>
-      <a:lnRef idx="0">
-        <a:scrgbClr r="0" g="0" b="0"/>
-      </a:lnRef>
-      <a:fillRef idx="1">
-        <a:scrgbClr r="0" g="0" b="0"/>
-      </a:fillRef>
-      <a:effectRef idx="2">
-        <a:scrgbClr r="0" g="0" b="0"/>
-      </a:effectRef>
-      <a:fontRef idx="minor"/>
-    </dgm:style>
-  </dgm:styleLbl>
-  <dgm:styleLbl name="dkBgShp">
-    <dgm:scene3d>
-      <a:camera prst="orthographicFront"/>
-      <a:lightRig rig="threePt" dir="t"/>
-    </dgm:scene3d>
-    <dgm:sp3d/>
-    <dgm:txPr/>
-    <dgm:style>
-      <a:lnRef idx="0">
-        <a:scrgbClr r="0" g="0" b="0"/>
-      </a:lnRef>
-      <a:fillRef idx="1">
-        <a:scrgbClr r="0" g="0" b="0"/>
-      </a:fillRef>
-      <a:effectRef idx="2">
-        <a:scrgbClr r="0" g="0" b="0"/>
-      </a:effectRef>
-      <a:fontRef idx="minor"/>
-    </dgm:style>
-  </dgm:styleLbl>
-  <dgm:styleLbl name="trBgShp">
-    <dgm:scene3d>
-      <a:camera prst="orthographicFront"/>
-      <a:lightRig rig="threePt" dir="t"/>
-    </dgm:scene3d>
-    <dgm:sp3d/>
-    <dgm:txPr/>
-    <dgm:style>
-      <a:lnRef idx="0">
-        <a:scrgbClr r="0" g="0" b="0"/>
-      </a:lnRef>
-      <a:fillRef idx="1">
-        <a:scrgbClr r="0" g="0" b="0"/>
-      </a:fillRef>
-      <a:effectRef idx="0">
-        <a:scrgbClr r="0" g="0" b="0"/>
-      </a:effectRef>
-      <a:fontRef idx="minor"/>
-    </dgm:style>
-  </dgm:styleLbl>
-  <dgm:styleLbl name="fgShp">
-    <dgm:scene3d>
-      <a:camera prst="orthographicFront"/>
-      <a:lightRig rig="threePt" dir="t"/>
-    </dgm:scene3d>
-    <dgm:sp3d/>
-    <dgm:txPr/>
-    <dgm:style>
-      <a:lnRef idx="0">
-        <a:scrgbClr r="0" g="0" b="0"/>
-      </a:lnRef>
-      <a:fillRef idx="3">
-        <a:scrgbClr r="0" g="0" b="0"/>
-      </a:fillRef>
-      <a:effectRef idx="2">
-        <a:scrgbClr r="0" g="0" b="0"/>
-      </a:effectRef>
-      <a:fontRef idx="minor"/>
-    </dgm:style>
-  </dgm:styleLbl>
-  <dgm:styleLbl name="revTx">
-    <dgm:scene3d>
-      <a:camera prst="orthographicFront"/>
-      <a:lightRig rig="threePt" dir="t"/>
-    </dgm:scene3d>
-    <dgm:sp3d/>
-    <dgm:txPr/>
-    <dgm:style>
-      <a:lnRef idx="0">
-        <a:scrgbClr r="0" g="0" b="0"/>
-      </a:lnRef>
-      <a:fillRef idx="0">
-        <a:scrgbClr r="0" g="0" b="0"/>
-      </a:fillRef>
-      <a:effectRef idx="0">
-        <a:scrgbClr r="0" g="0" b="0"/>
-      </a:effectRef>
-      <a:fontRef idx="minor"/>
-    </dgm:style>
-  </dgm:styleLbl>
-</dgm:styleDef>
 </file>
 
 <file path=ppt/handoutMasters/handoutMaster1.xml><?xml version="1.0" encoding="utf-8"?>
@@ -8574,7 +825,7 @@
           <a:p>
             <a:fld id="{F3544625-0ADF-4414-89A2-9E135F0C849F}" type="slidenum">
               <a:rPr lang="en-US" smtClean="0"/>
-              <a:t>2</a:t>
+              <a:t>3</a:t>
             </a:fld>
             <a:endParaRPr lang="en-US" dirty="0"/>
           </a:p>
@@ -8658,7 +909,7 @@
           <a:p>
             <a:fld id="{F3544625-0ADF-4414-89A2-9E135F0C849F}" type="slidenum">
               <a:rPr lang="en-US" smtClean="0"/>
-              <a:t>3</a:t>
+              <a:t>4</a:t>
             </a:fld>
             <a:endParaRPr lang="en-US" dirty="0"/>
           </a:p>
@@ -8742,7 +993,7 @@
           <a:p>
             <a:fld id="{F3544625-0ADF-4414-89A2-9E135F0C849F}" type="slidenum">
               <a:rPr lang="en-US" smtClean="0"/>
-              <a:t>4</a:t>
+              <a:t>6</a:t>
             </a:fld>
             <a:endParaRPr lang="en-US" dirty="0"/>
           </a:p>
@@ -8826,7 +1077,7 @@
           <a:p>
             <a:fld id="{F3544625-0ADF-4414-89A2-9E135F0C849F}" type="slidenum">
               <a:rPr lang="en-US" smtClean="0"/>
-              <a:t>5</a:t>
+              <a:t>7</a:t>
             </a:fld>
             <a:endParaRPr lang="en-US" dirty="0"/>
           </a:p>
@@ -14642,7 +6893,7 @@
         </p:nvSpPr>
         <p:spPr>
           <a:xfrm>
-            <a:off x="3962399" y="2554817"/>
+            <a:off x="3962399" y="848145"/>
             <a:ext cx="7197726" cy="2421464"/>
           </a:xfrm>
         </p:spPr>
@@ -14654,7 +6905,7 @@
           <a:p>
             <a:r>
               <a:rPr lang="en-US" b="1" dirty="0"/>
-              <a:t>Future Celestial Design</a:t>
+              <a:t>Ocean exploration</a:t>
             </a:r>
           </a:p>
         </p:txBody>
@@ -14677,8 +6928,8 @@
         </p:nvSpPr>
         <p:spPr>
           <a:xfrm>
-            <a:off x="3962399" y="4976282"/>
-            <a:ext cx="7197726" cy="1405467"/>
+            <a:off x="8137321" y="3340428"/>
+            <a:ext cx="3022804" cy="2112416"/>
           </a:xfrm>
         </p:spPr>
         <p:txBody>
@@ -14696,7 +6947,441 @@
                   </a:schemeClr>
                 </a:solidFill>
               </a:rPr>
-              <a:t>Lorem ipsum dolor sit amet, consectetuer adipiscing elit</a:t>
+              <a:t>Reznicencu </a:t>
+            </a:r>
+            <a:r>
+              <a:rPr lang="en-US" dirty="0" err="1">
+                <a:solidFill>
+                  <a:schemeClr val="accent1">
+                    <a:lumMod val="40000"/>
+                    <a:lumOff val="60000"/>
+                  </a:schemeClr>
+                </a:solidFill>
+              </a:rPr>
+              <a:t>sergiu</a:t>
+            </a:r>
+            <a:endParaRPr lang="en-US" dirty="0">
+              <a:solidFill>
+                <a:schemeClr val="accent1">
+                  <a:lumMod val="40000"/>
+                  <a:lumOff val="60000"/>
+                </a:schemeClr>
+              </a:solidFill>
+            </a:endParaRPr>
+          </a:p>
+          <a:p>
+            <a:r>
+              <a:rPr lang="en-US" dirty="0" err="1">
+                <a:solidFill>
+                  <a:schemeClr val="accent1">
+                    <a:lumMod val="40000"/>
+                    <a:lumOff val="60000"/>
+                  </a:schemeClr>
+                </a:solidFill>
+              </a:rPr>
+              <a:t>Vlascenco</a:t>
+            </a:r>
+            <a:r>
+              <a:rPr lang="en-US" dirty="0">
+                <a:solidFill>
+                  <a:schemeClr val="accent1">
+                    <a:lumMod val="40000"/>
+                    <a:lumOff val="60000"/>
+                  </a:schemeClr>
+                </a:solidFill>
+              </a:rPr>
+              <a:t> Daniel-Marian</a:t>
+            </a:r>
+          </a:p>
+          <a:p>
+            <a:r>
+              <a:rPr lang="en-US" dirty="0" err="1">
+                <a:solidFill>
+                  <a:schemeClr val="accent1">
+                    <a:lumMod val="40000"/>
+                    <a:lumOff val="60000"/>
+                  </a:schemeClr>
+                </a:solidFill>
+              </a:rPr>
+              <a:t>Rotaru</a:t>
+            </a:r>
+            <a:r>
+              <a:rPr lang="en-US" dirty="0">
+                <a:solidFill>
+                  <a:schemeClr val="accent1">
+                    <a:lumMod val="40000"/>
+                    <a:lumOff val="60000"/>
+                  </a:schemeClr>
+                </a:solidFill>
+              </a:rPr>
+              <a:t> </a:t>
+            </a:r>
+            <a:r>
+              <a:rPr lang="en-US" dirty="0" err="1">
+                <a:solidFill>
+                  <a:schemeClr val="accent1">
+                    <a:lumMod val="40000"/>
+                    <a:lumOff val="60000"/>
+                  </a:schemeClr>
+                </a:solidFill>
+              </a:rPr>
+              <a:t>Catalin</a:t>
+            </a:r>
+            <a:endParaRPr lang="en-US" dirty="0">
+              <a:solidFill>
+                <a:schemeClr val="accent1">
+                  <a:lumMod val="40000"/>
+                  <a:lumOff val="60000"/>
+                </a:schemeClr>
+              </a:solidFill>
+            </a:endParaRPr>
+          </a:p>
+          <a:p>
+            <a:r>
+              <a:rPr lang="en-US" dirty="0">
+                <a:solidFill>
+                  <a:schemeClr val="accent1">
+                    <a:lumMod val="40000"/>
+                    <a:lumOff val="60000"/>
+                  </a:schemeClr>
+                </a:solidFill>
+              </a:rPr>
+              <a:t>Elena </a:t>
+            </a:r>
+            <a:r>
+              <a:rPr lang="en-US" dirty="0" err="1">
+                <a:solidFill>
+                  <a:schemeClr val="accent1">
+                    <a:lumMod val="40000"/>
+                    <a:lumOff val="60000"/>
+                  </a:schemeClr>
+                </a:solidFill>
+              </a:rPr>
+              <a:t>matei</a:t>
+            </a:r>
+            <a:endParaRPr lang="en-US" dirty="0">
+              <a:solidFill>
+                <a:schemeClr val="accent1">
+                  <a:lumMod val="40000"/>
+                  <a:lumOff val="60000"/>
+                </a:schemeClr>
+              </a:solidFill>
+            </a:endParaRPr>
+          </a:p>
+          <a:p>
+            <a:endParaRPr lang="en-US" dirty="0">
+              <a:solidFill>
+                <a:schemeClr val="accent1">
+                  <a:lumMod val="40000"/>
+                  <a:lumOff val="60000"/>
+                </a:schemeClr>
+              </a:solidFill>
+            </a:endParaRPr>
+          </a:p>
+        </p:txBody>
+      </p:sp>
+      <p:sp>
+        <p:nvSpPr>
+          <p:cNvPr id="6" name="Subtitle 2">
+            <a:extLst>
+              <a:ext uri="{FF2B5EF4-FFF2-40B4-BE49-F238E27FC236}">
+                <a16:creationId xmlns:a16="http://schemas.microsoft.com/office/drawing/2014/main" id="{D0233008-06A2-4ACA-898A-C67DC128F0A2}"/>
+              </a:ext>
+            </a:extLst>
+          </p:cNvPr>
+          <p:cNvSpPr txBox="1">
+            <a:spLocks/>
+          </p:cNvSpPr>
+          <p:nvPr/>
+        </p:nvSpPr>
+        <p:spPr>
+          <a:xfrm>
+            <a:off x="4144160" y="3340428"/>
+            <a:ext cx="3686933" cy="2112416"/>
+          </a:xfrm>
+          <a:prstGeom prst="rect">
+            <a:avLst/>
+          </a:prstGeom>
+        </p:spPr>
+        <p:txBody>
+          <a:bodyPr vert="horz" lIns="91440" tIns="45720" rIns="91440" bIns="45720" rtlCol="0" anchor="t">
+            <a:normAutofit/>
+          </a:bodyPr>
+          <a:lstStyle>
+            <a:lvl1pPr marL="0" indent="0" algn="r" defTabSz="457200" rtl="0" eaLnBrk="1" latinLnBrk="0" hangingPunct="1">
+              <a:spcBef>
+                <a:spcPts val="0"/>
+              </a:spcBef>
+              <a:spcAft>
+                <a:spcPts val="1000"/>
+              </a:spcAft>
+              <a:buClr>
+                <a:schemeClr val="tx1"/>
+              </a:buClr>
+              <a:buSzPct val="100000"/>
+              <a:buFont typeface="Arial"/>
+              <a:buNone/>
+              <a:defRPr sz="1800" kern="1200" cap="all">
+                <a:solidFill>
+                  <a:schemeClr val="tx1"/>
+                </a:solidFill>
+                <a:effectLst/>
+                <a:latin typeface="+mn-lt"/>
+                <a:ea typeface="+mn-ea"/>
+                <a:cs typeface="+mn-cs"/>
+              </a:defRPr>
+            </a:lvl1pPr>
+            <a:lvl2pPr marL="457200" indent="0" algn="ctr" defTabSz="457200" rtl="0" eaLnBrk="1" latinLnBrk="0" hangingPunct="1">
+              <a:spcBef>
+                <a:spcPts val="0"/>
+              </a:spcBef>
+              <a:spcAft>
+                <a:spcPts val="1000"/>
+              </a:spcAft>
+              <a:buClr>
+                <a:schemeClr val="tx1"/>
+              </a:buClr>
+              <a:buSzPct val="100000"/>
+              <a:buFont typeface="Arial"/>
+              <a:buNone/>
+              <a:defRPr sz="1600" kern="1200" cap="none">
+                <a:solidFill>
+                  <a:schemeClr val="tx1">
+                    <a:tint val="75000"/>
+                  </a:schemeClr>
+                </a:solidFill>
+                <a:effectLst/>
+                <a:latin typeface="+mn-lt"/>
+                <a:ea typeface="+mn-ea"/>
+                <a:cs typeface="+mn-cs"/>
+              </a:defRPr>
+            </a:lvl2pPr>
+            <a:lvl3pPr marL="914400" indent="0" algn="ctr" defTabSz="457200" rtl="0" eaLnBrk="1" latinLnBrk="0" hangingPunct="1">
+              <a:spcBef>
+                <a:spcPts val="0"/>
+              </a:spcBef>
+              <a:spcAft>
+                <a:spcPts val="1000"/>
+              </a:spcAft>
+              <a:buClr>
+                <a:schemeClr val="tx1"/>
+              </a:buClr>
+              <a:buSzPct val="100000"/>
+              <a:buFont typeface="Arial"/>
+              <a:buNone/>
+              <a:defRPr sz="1400" kern="1200" cap="none">
+                <a:solidFill>
+                  <a:schemeClr val="tx1">
+                    <a:tint val="75000"/>
+                  </a:schemeClr>
+                </a:solidFill>
+                <a:effectLst/>
+                <a:latin typeface="+mn-lt"/>
+                <a:ea typeface="+mn-ea"/>
+                <a:cs typeface="+mn-cs"/>
+              </a:defRPr>
+            </a:lvl3pPr>
+            <a:lvl4pPr marL="1371600" indent="0" algn="ctr" defTabSz="457200" rtl="0" eaLnBrk="1" latinLnBrk="0" hangingPunct="1">
+              <a:spcBef>
+                <a:spcPts val="0"/>
+              </a:spcBef>
+              <a:spcAft>
+                <a:spcPts val="1000"/>
+              </a:spcAft>
+              <a:buClr>
+                <a:schemeClr val="tx1"/>
+              </a:buClr>
+              <a:buSzPct val="100000"/>
+              <a:buFont typeface="Arial"/>
+              <a:buNone/>
+              <a:defRPr sz="1200" kern="1200" cap="none">
+                <a:solidFill>
+                  <a:schemeClr val="tx1">
+                    <a:tint val="75000"/>
+                  </a:schemeClr>
+                </a:solidFill>
+                <a:effectLst/>
+                <a:latin typeface="+mn-lt"/>
+                <a:ea typeface="+mn-ea"/>
+                <a:cs typeface="+mn-cs"/>
+              </a:defRPr>
+            </a:lvl4pPr>
+            <a:lvl5pPr marL="1828800" indent="0" algn="ctr" defTabSz="457200" rtl="0" eaLnBrk="1" latinLnBrk="0" hangingPunct="1">
+              <a:spcBef>
+                <a:spcPts val="0"/>
+              </a:spcBef>
+              <a:spcAft>
+                <a:spcPts val="1000"/>
+              </a:spcAft>
+              <a:buClr>
+                <a:schemeClr val="tx1"/>
+              </a:buClr>
+              <a:buSzPct val="100000"/>
+              <a:buFont typeface="Arial"/>
+              <a:buNone/>
+              <a:defRPr sz="1200" kern="1200" cap="none">
+                <a:solidFill>
+                  <a:schemeClr val="tx1">
+                    <a:tint val="75000"/>
+                  </a:schemeClr>
+                </a:solidFill>
+                <a:effectLst/>
+                <a:latin typeface="+mn-lt"/>
+                <a:ea typeface="+mn-ea"/>
+                <a:cs typeface="+mn-cs"/>
+              </a:defRPr>
+            </a:lvl5pPr>
+            <a:lvl6pPr marL="2286000" indent="0" algn="ctr" defTabSz="457200" rtl="0" eaLnBrk="1" latinLnBrk="0" hangingPunct="1">
+              <a:spcBef>
+                <a:spcPts val="0"/>
+              </a:spcBef>
+              <a:spcAft>
+                <a:spcPts val="1000"/>
+              </a:spcAft>
+              <a:buClr>
+                <a:schemeClr val="tx1"/>
+              </a:buClr>
+              <a:buSzPct val="100000"/>
+              <a:buFont typeface="Arial"/>
+              <a:buNone/>
+              <a:defRPr sz="1200" kern="1200" cap="none">
+                <a:solidFill>
+                  <a:schemeClr val="tx1">
+                    <a:tint val="75000"/>
+                  </a:schemeClr>
+                </a:solidFill>
+                <a:effectLst/>
+                <a:latin typeface="+mn-lt"/>
+                <a:ea typeface="+mn-ea"/>
+                <a:cs typeface="+mn-cs"/>
+              </a:defRPr>
+            </a:lvl6pPr>
+            <a:lvl7pPr marL="2743200" indent="0" algn="ctr" defTabSz="457200" rtl="0" eaLnBrk="1" latinLnBrk="0" hangingPunct="1">
+              <a:spcBef>
+                <a:spcPts val="0"/>
+              </a:spcBef>
+              <a:spcAft>
+                <a:spcPts val="1000"/>
+              </a:spcAft>
+              <a:buClr>
+                <a:schemeClr val="tx1"/>
+              </a:buClr>
+              <a:buSzPct val="100000"/>
+              <a:buFont typeface="Arial"/>
+              <a:buNone/>
+              <a:defRPr sz="1200" kern="1200" cap="none">
+                <a:solidFill>
+                  <a:schemeClr val="tx1">
+                    <a:tint val="75000"/>
+                  </a:schemeClr>
+                </a:solidFill>
+                <a:effectLst/>
+                <a:latin typeface="+mn-lt"/>
+                <a:ea typeface="+mn-ea"/>
+                <a:cs typeface="+mn-cs"/>
+              </a:defRPr>
+            </a:lvl7pPr>
+            <a:lvl8pPr marL="3200400" indent="0" algn="ctr" defTabSz="457200" rtl="0" eaLnBrk="1" latinLnBrk="0" hangingPunct="1">
+              <a:spcBef>
+                <a:spcPts val="0"/>
+              </a:spcBef>
+              <a:spcAft>
+                <a:spcPts val="1000"/>
+              </a:spcAft>
+              <a:buClr>
+                <a:schemeClr val="tx1"/>
+              </a:buClr>
+              <a:buSzPct val="100000"/>
+              <a:buFont typeface="Arial"/>
+              <a:buNone/>
+              <a:defRPr sz="1200" kern="1200" cap="none">
+                <a:solidFill>
+                  <a:schemeClr val="tx1">
+                    <a:tint val="75000"/>
+                  </a:schemeClr>
+                </a:solidFill>
+                <a:effectLst/>
+                <a:latin typeface="+mn-lt"/>
+                <a:ea typeface="+mn-ea"/>
+                <a:cs typeface="+mn-cs"/>
+              </a:defRPr>
+            </a:lvl8pPr>
+            <a:lvl9pPr marL="3657600" indent="0" algn="ctr" defTabSz="457200" rtl="0" eaLnBrk="1" latinLnBrk="0" hangingPunct="1">
+              <a:spcBef>
+                <a:spcPts val="0"/>
+              </a:spcBef>
+              <a:spcAft>
+                <a:spcPts val="1000"/>
+              </a:spcAft>
+              <a:buClr>
+                <a:schemeClr val="tx1"/>
+              </a:buClr>
+              <a:buSzPct val="100000"/>
+              <a:buFont typeface="Arial"/>
+              <a:buNone/>
+              <a:defRPr sz="1200" kern="1200" cap="none">
+                <a:solidFill>
+                  <a:schemeClr val="tx1">
+                    <a:tint val="75000"/>
+                  </a:schemeClr>
+                </a:solidFill>
+                <a:effectLst/>
+                <a:latin typeface="+mn-lt"/>
+                <a:ea typeface="+mn-ea"/>
+                <a:cs typeface="+mn-cs"/>
+              </a:defRPr>
+            </a:lvl9pPr>
+          </a:lstStyle>
+          <a:p>
+            <a:r>
+              <a:rPr lang="it-IT" dirty="0">
+                <a:solidFill>
+                  <a:schemeClr val="accent1">
+                    <a:lumMod val="40000"/>
+                    <a:lumOff val="60000"/>
+                  </a:schemeClr>
+                </a:solidFill>
+              </a:rPr>
+              <a:t>Barbu David</a:t>
+            </a:r>
+          </a:p>
+          <a:p>
+            <a:r>
+              <a:rPr lang="it-IT" dirty="0">
+                <a:solidFill>
+                  <a:schemeClr val="accent1">
+                    <a:lumMod val="40000"/>
+                    <a:lumOff val="60000"/>
+                  </a:schemeClr>
+                </a:solidFill>
+              </a:rPr>
+              <a:t>Gurzu Antonio</a:t>
+            </a:r>
+          </a:p>
+          <a:p>
+            <a:r>
+              <a:rPr lang="it-IT" dirty="0">
+                <a:solidFill>
+                  <a:schemeClr val="accent1">
+                    <a:lumMod val="40000"/>
+                    <a:lumOff val="60000"/>
+                  </a:schemeClr>
+                </a:solidFill>
+              </a:rPr>
+              <a:t>Teo caragea</a:t>
+            </a:r>
+          </a:p>
+          <a:p>
+            <a:r>
+              <a:rPr lang="it-IT" dirty="0">
+                <a:solidFill>
+                  <a:schemeClr val="accent1">
+                    <a:lumMod val="40000"/>
+                    <a:lumOff val="60000"/>
+                  </a:schemeClr>
+                </a:solidFill>
+              </a:rPr>
+              <a:t>Andronie Iustinian</a:t>
             </a:r>
           </a:p>
         </p:txBody>
@@ -14715,6 +7400,157 @@
 </file>
 
 <file path=ppt/slides/slide2.xml><?xml version="1.0" encoding="utf-8"?>
+<p:sld xmlns:a="http://schemas.openxmlformats.org/drawingml/2006/main" xmlns:r="http://schemas.openxmlformats.org/officeDocument/2006/relationships" xmlns:p="http://schemas.openxmlformats.org/presentationml/2006/main">
+  <p:cSld>
+    <p:spTree>
+      <p:nvGrpSpPr>
+        <p:cNvPr id="1" name=""/>
+        <p:cNvGrpSpPr/>
+        <p:nvPr/>
+      </p:nvGrpSpPr>
+      <p:grpSpPr>
+        <a:xfrm>
+          <a:off x="0" y="0"/>
+          <a:ext cx="0" cy="0"/>
+          <a:chOff x="0" y="0"/>
+          <a:chExt cx="0" cy="0"/>
+        </a:xfrm>
+      </p:grpSpPr>
+      <p:sp>
+        <p:nvSpPr>
+          <p:cNvPr id="2" name="Title 1">
+            <a:extLst>
+              <a:ext uri="{FF2B5EF4-FFF2-40B4-BE49-F238E27FC236}">
+                <a16:creationId xmlns:a16="http://schemas.microsoft.com/office/drawing/2014/main" id="{9673D7F6-808F-4B48-8573-FF7FADA39F81}"/>
+              </a:ext>
+            </a:extLst>
+          </p:cNvPr>
+          <p:cNvSpPr>
+            <a:spLocks noGrp="1"/>
+          </p:cNvSpPr>
+          <p:nvPr>
+            <p:ph type="title"/>
+          </p:nvPr>
+        </p:nvSpPr>
+        <p:spPr/>
+        <p:txBody>
+          <a:bodyPr/>
+          <a:lstStyle/>
+          <a:p>
+            <a:r>
+              <a:rPr lang="ro-RO" dirty="0"/>
+              <a:t>introducere</a:t>
+            </a:r>
+          </a:p>
+        </p:txBody>
+      </p:sp>
+      <p:sp>
+        <p:nvSpPr>
+          <p:cNvPr id="3" name="Content Placeholder 2">
+            <a:extLst>
+              <a:ext uri="{FF2B5EF4-FFF2-40B4-BE49-F238E27FC236}">
+                <a16:creationId xmlns:a16="http://schemas.microsoft.com/office/drawing/2014/main" id="{D5D49982-4607-414C-A87C-45C346CA8286}"/>
+              </a:ext>
+            </a:extLst>
+          </p:cNvPr>
+          <p:cNvSpPr>
+            <a:spLocks noGrp="1"/>
+          </p:cNvSpPr>
+          <p:nvPr>
+            <p:ph idx="1"/>
+          </p:nvPr>
+        </p:nvSpPr>
+        <p:spPr/>
+        <p:txBody>
+          <a:bodyPr/>
+          <a:lstStyle/>
+          <a:p>
+            <a:r>
+              <a:rPr lang="ro-RO" dirty="0"/>
+              <a:t>Jocul construit de echipa </a:t>
+            </a:r>
+            <a:r>
+              <a:rPr lang="ro-RO" dirty="0" err="1"/>
+              <a:t>noastra</a:t>
+            </a:r>
+            <a:r>
+              <a:rPr lang="ro-RO" dirty="0"/>
+              <a:t> </a:t>
+            </a:r>
+            <a:r>
+              <a:rPr lang="ro-RO" dirty="0" err="1"/>
+              <a:t>simuleaza</a:t>
+            </a:r>
+            <a:r>
+              <a:rPr lang="ro-RO" dirty="0"/>
+              <a:t> o lume subacvatica </a:t>
+            </a:r>
+            <a:r>
+              <a:rPr lang="ro-RO" dirty="0" err="1"/>
+              <a:t>asa</a:t>
+            </a:r>
+            <a:r>
+              <a:rPr lang="ro-RO" dirty="0"/>
+              <a:t> cum e </a:t>
+            </a:r>
+            <a:r>
+              <a:rPr lang="ro-RO" dirty="0" err="1"/>
+              <a:t>vazuta</a:t>
+            </a:r>
+            <a:r>
+              <a:rPr lang="ro-RO" dirty="0"/>
+              <a:t> dintr-un submarin.</a:t>
+            </a:r>
+          </a:p>
+          <a:p>
+            <a:r>
+              <a:rPr lang="ro-RO" dirty="0"/>
+              <a:t>Editorul folosit este </a:t>
+            </a:r>
+            <a:r>
+              <a:rPr lang="ro-RO" dirty="0" err="1"/>
+              <a:t>Unity</a:t>
+            </a:r>
+            <a:r>
+              <a:rPr lang="ro-RO" dirty="0"/>
+              <a:t> cu resurse, pachete si texturi </a:t>
+            </a:r>
+            <a:r>
+              <a:rPr lang="ro-RO" dirty="0" err="1"/>
+              <a:t>descarcate</a:t>
+            </a:r>
+            <a:r>
+              <a:rPr lang="ro-RO" dirty="0"/>
+              <a:t> de pe </a:t>
+            </a:r>
+            <a:r>
+              <a:rPr lang="ro-RO" dirty="0" err="1"/>
+              <a:t>store</a:t>
+            </a:r>
+            <a:r>
+              <a:rPr lang="ro-RO" dirty="0"/>
+              <a:t>.</a:t>
+            </a:r>
+          </a:p>
+          <a:p>
+            <a:endParaRPr lang="ro-RO" dirty="0"/>
+          </a:p>
+        </p:txBody>
+      </p:sp>
+    </p:spTree>
+    <p:extLst>
+      <p:ext uri="{BB962C8B-B14F-4D97-AF65-F5344CB8AC3E}">
+        <p14:creationId xmlns:p14="http://schemas.microsoft.com/office/powerpoint/2010/main" val="878289196"/>
+      </p:ext>
+    </p:extLst>
+  </p:cSld>
+  <p:clrMapOvr>
+    <a:masterClrMapping/>
+  </p:clrMapOvr>
+</p:sld>
+</file>
+
+<file path=ppt/slides/slide3.xml><?xml version="1.0" encoding="utf-8"?>
 <p:sld xmlns:a="http://schemas.openxmlformats.org/drawingml/2006/main" xmlns:r="http://schemas.openxmlformats.org/officeDocument/2006/relationships" xmlns:p="http://schemas.openxmlformats.org/presentationml/2006/main">
   <p:cSld>
     <p:bg>
@@ -14760,7 +7596,7 @@
         </p:nvSpPr>
         <p:spPr>
           <a:xfrm>
-            <a:off x="685801" y="609600"/>
+            <a:off x="1391406" y="2632237"/>
             <a:ext cx="6143423" cy="1456267"/>
           </a:xfrm>
         </p:spPr>
@@ -14772,7 +7608,7 @@
           <a:p>
             <a:r>
               <a:rPr lang="en-US" dirty="0"/>
-              <a:t>Global technology</a:t>
+              <a:t>Features</a:t>
             </a:r>
             <a:endParaRPr lang="ru-RU" dirty="0"/>
           </a:p>
@@ -23606,37 +16442,6 @@
           </a:custGeom>
         </p:spPr>
       </p:pic>
-      <p:graphicFrame>
-        <p:nvGraphicFramePr>
-          <p:cNvPr id="5" name="Content Placeholder 4" descr="SmartArt graphic">
-            <a:extLst>
-              <a:ext uri="{FF2B5EF4-FFF2-40B4-BE49-F238E27FC236}">
-                <a16:creationId xmlns:a16="http://schemas.microsoft.com/office/drawing/2014/main" id="{C983627E-F26C-354F-BF0A-ECCD7E968A2B}"/>
-              </a:ext>
-            </a:extLst>
-          </p:cNvPr>
-          <p:cNvGraphicFramePr>
-            <a:graphicFrameLocks noGrp="1"/>
-          </p:cNvGraphicFramePr>
-          <p:nvPr>
-            <p:ph idx="1"/>
-            <p:extLst>
-              <p:ext uri="{D42A27DB-BD31-4B8C-83A1-F6EECF244321}">
-                <p14:modId xmlns:p14="http://schemas.microsoft.com/office/powerpoint/2010/main" val="3937732127"/>
-              </p:ext>
-            </p:extLst>
-          </p:nvPr>
-        </p:nvGraphicFramePr>
-        <p:xfrm>
-          <a:off x="685801" y="2142067"/>
-          <a:ext cx="6143423" cy="3649133"/>
-        </p:xfrm>
-        <a:graphic>
-          <a:graphicData uri="http://schemas.openxmlformats.org/drawingml/2006/diagram">
-            <dgm:relIds xmlns:dgm="http://schemas.openxmlformats.org/drawingml/2006/diagram" xmlns:r="http://schemas.openxmlformats.org/officeDocument/2006/relationships" r:dm="rId6" r:lo="rId7" r:qs="rId8" r:cs="rId9"/>
-          </a:graphicData>
-        </a:graphic>
-      </p:graphicFrame>
     </p:spTree>
     <p:extLst>
       <p:ext uri="{BB962C8B-B14F-4D97-AF65-F5344CB8AC3E}">
@@ -23650,7 +16455,7 @@
 </p:sld>
 </file>
 
-<file path=ppt/slides/slide3.xml><?xml version="1.0" encoding="utf-8"?>
+<file path=ppt/slides/slide4.xml><?xml version="1.0" encoding="utf-8"?>
 <p:sld xmlns:a="http://schemas.openxmlformats.org/drawingml/2006/main" xmlns:r="http://schemas.openxmlformats.org/officeDocument/2006/relationships" xmlns:p="http://schemas.openxmlformats.org/presentationml/2006/main">
   <p:cSld>
     <p:spTree>
@@ -23695,42 +16500,201 @@
           <a:p>
             <a:r>
               <a:rPr lang="en-US" dirty="0"/>
-              <a:t>Uses of Virtual Reality</a:t>
+              <a:t>Marching cubes</a:t>
             </a:r>
           </a:p>
         </p:txBody>
       </p:sp>
-      <p:graphicFrame>
-        <p:nvGraphicFramePr>
-          <p:cNvPr id="6" name="Content Placeholder 5" descr="Chart">
+      <p:sp>
+        <p:nvSpPr>
+          <p:cNvPr id="3" name="Content Placeholder 2">
             <a:extLst>
               <a:ext uri="{FF2B5EF4-FFF2-40B4-BE49-F238E27FC236}">
-                <a16:creationId xmlns:a16="http://schemas.microsoft.com/office/drawing/2014/main" id="{B969B0A3-888C-49AE-AB43-78DF29C9BE9B}"/>
+                <a16:creationId xmlns:a16="http://schemas.microsoft.com/office/drawing/2014/main" id="{8AD32927-9D84-464D-B1D7-C6BBC1A72230}"/>
               </a:ext>
             </a:extLst>
           </p:cNvPr>
-          <p:cNvGraphicFramePr>
-            <a:graphicFrameLocks noGrp="1"/>
-          </p:cNvGraphicFramePr>
+          <p:cNvSpPr>
+            <a:spLocks noGrp="1"/>
+          </p:cNvSpPr>
           <p:nvPr>
             <p:ph idx="1"/>
-            <p:extLst>
-              <p:ext uri="{D42A27DB-BD31-4B8C-83A1-F6EECF244321}">
-                <p14:modId xmlns:p14="http://schemas.microsoft.com/office/powerpoint/2010/main" val="2007812001"/>
-              </p:ext>
-            </p:extLst>
           </p:nvPr>
-        </p:nvGraphicFramePr>
-        <p:xfrm>
-          <a:off x="612117" y="2141538"/>
-          <a:ext cx="10131425" cy="3649662"/>
-        </p:xfrm>
-        <a:graphic>
-          <a:graphicData uri="http://schemas.openxmlformats.org/drawingml/2006/chart">
-            <c:chart xmlns:c="http://schemas.openxmlformats.org/drawingml/2006/chart" xmlns:r="http://schemas.openxmlformats.org/officeDocument/2006/relationships" r:id="rId3"/>
-          </a:graphicData>
-        </a:graphic>
-      </p:graphicFrame>
+        </p:nvSpPr>
+        <p:spPr>
+          <a:xfrm>
+            <a:off x="685802" y="2142067"/>
+            <a:ext cx="6923013" cy="3649133"/>
+          </a:xfrm>
+        </p:spPr>
+        <p:txBody>
+          <a:bodyPr/>
+          <a:lstStyle/>
+          <a:p>
+            <a:r>
+              <a:rPr lang="ro-RO" dirty="0"/>
+              <a:t>Primul obiectiv a fost implementarea unui sistem de generare a terenului aleator. Am folosit algoritmul de </a:t>
+            </a:r>
+            <a:r>
+              <a:rPr lang="ro-RO" dirty="0" err="1"/>
+              <a:t>Marching</a:t>
+            </a:r>
+            <a:r>
+              <a:rPr lang="ro-RO" dirty="0"/>
+              <a:t> </a:t>
+            </a:r>
+            <a:r>
+              <a:rPr lang="ro-RO" dirty="0" err="1"/>
+              <a:t>Cubes</a:t>
+            </a:r>
+            <a:r>
+              <a:rPr lang="ro-RO" dirty="0"/>
+              <a:t> pe un </a:t>
+            </a:r>
+            <a:r>
+              <a:rPr lang="ro-RO" dirty="0" err="1"/>
+              <a:t>spatiu</a:t>
+            </a:r>
+            <a:r>
+              <a:rPr lang="ro-RO" dirty="0"/>
+              <a:t> 3D de puncte generate cu </a:t>
+            </a:r>
+            <a:r>
+              <a:rPr lang="ro-RO" dirty="0" err="1"/>
+              <a:t>Perlin</a:t>
+            </a:r>
+            <a:r>
+              <a:rPr lang="ro-RO" dirty="0"/>
+              <a:t> </a:t>
+            </a:r>
+            <a:r>
+              <a:rPr lang="ro-RO" dirty="0" err="1"/>
+              <a:t>noise</a:t>
+            </a:r>
+            <a:r>
+              <a:rPr lang="ro-RO" dirty="0"/>
+              <a:t>. </a:t>
+            </a:r>
+          </a:p>
+          <a:p>
+            <a:r>
+              <a:rPr lang="ro-RO" dirty="0"/>
+              <a:t>Multe dintre variabilele algoritmului pot fi controlate direct din </a:t>
+            </a:r>
+            <a:r>
+              <a:rPr lang="ro-RO" dirty="0" err="1"/>
+              <a:t>Unity</a:t>
+            </a:r>
+            <a:r>
+              <a:rPr lang="ro-RO" dirty="0"/>
+              <a:t>. Spre exemplu:</a:t>
+            </a:r>
+          </a:p>
+          <a:p>
+            <a:pPr lvl="1"/>
+            <a:r>
+              <a:rPr lang="ro-RO" dirty="0"/>
+              <a:t>cate puncte de </a:t>
+            </a:r>
+            <a:r>
+              <a:rPr lang="ro-RO" dirty="0" err="1"/>
+              <a:t>esantionare</a:t>
+            </a:r>
+            <a:r>
+              <a:rPr lang="ro-RO" dirty="0"/>
+              <a:t> sa fie folosite per unitate</a:t>
+            </a:r>
+          </a:p>
+          <a:p>
+            <a:pPr lvl="1"/>
+            <a:r>
+              <a:rPr lang="ro-RO" dirty="0"/>
+              <a:t>daca sa se </a:t>
+            </a:r>
+            <a:r>
+              <a:rPr lang="ro-RO" dirty="0" err="1"/>
+              <a:t>foloseasca</a:t>
+            </a:r>
+            <a:r>
+              <a:rPr lang="ro-RO" dirty="0"/>
+              <a:t> interpolare</a:t>
+            </a:r>
+          </a:p>
+          <a:p>
+            <a:pPr lvl="1"/>
+            <a:r>
+              <a:rPr lang="ro-RO" dirty="0"/>
+              <a:t>Setarea pragului pentru determinarea fetei interioare si exterioare</a:t>
+            </a:r>
+          </a:p>
+          <a:p>
+            <a:pPr lvl="1"/>
+            <a:r>
+              <a:rPr lang="ro-RO" dirty="0"/>
+              <a:t>Scalarea zgomotului </a:t>
+            </a:r>
+            <a:r>
+              <a:rPr lang="ro-RO" dirty="0" err="1"/>
+              <a:t>Perlin</a:t>
+            </a:r>
+            <a:endParaRPr lang="ro-RO" dirty="0"/>
+          </a:p>
+          <a:p>
+            <a:pPr lvl="1"/>
+            <a:r>
+              <a:rPr lang="ro-RO" dirty="0"/>
+              <a:t>Etc</a:t>
+            </a:r>
+          </a:p>
+          <a:p>
+            <a:pPr lvl="1"/>
+            <a:endParaRPr lang="ro-RO" dirty="0"/>
+          </a:p>
+        </p:txBody>
+      </p:sp>
+      <p:pic>
+        <p:nvPicPr>
+          <p:cNvPr id="5" name="Picture 4">
+            <a:extLst>
+              <a:ext uri="{FF2B5EF4-FFF2-40B4-BE49-F238E27FC236}">
+                <a16:creationId xmlns:a16="http://schemas.microsoft.com/office/drawing/2014/main" id="{E630CE6D-C21E-4964-B4F2-F1CA44C89A9C}"/>
+              </a:ext>
+            </a:extLst>
+          </p:cNvPr>
+          <p:cNvPicPr>
+            <a:picLocks noChangeAspect="1"/>
+          </p:cNvPicPr>
+          <p:nvPr/>
+        </p:nvPicPr>
+        <p:blipFill>
+          <a:blip r:embed="rId3"/>
+          <a:stretch>
+            <a:fillRect/>
+          </a:stretch>
+        </p:blipFill>
+        <p:spPr>
+          <a:xfrm>
+            <a:off x="7662167" y="2930364"/>
+            <a:ext cx="4349550" cy="1557746"/>
+          </a:xfrm>
+          <a:prstGeom prst="roundRect">
+            <a:avLst>
+              <a:gd name="adj" fmla="val 8594"/>
+            </a:avLst>
+          </a:prstGeom>
+          <a:solidFill>
+            <a:srgbClr val="FFFFFF">
+              <a:shade val="85000"/>
+            </a:srgbClr>
+          </a:solidFill>
+          <a:ln>
+            <a:noFill/>
+          </a:ln>
+          <a:effectLst>
+            <a:reflection blurRad="12700" stA="38000" endPos="28000" dist="5000" dir="5400000" sy="-100000" algn="bl" rotWithShape="0"/>
+          </a:effectLst>
+        </p:spPr>
+      </p:pic>
     </p:spTree>
     <p:extLst>
       <p:ext uri="{BB962C8B-B14F-4D97-AF65-F5344CB8AC3E}">
@@ -23744,7 +16708,143 @@
 </p:sld>
 </file>
 
-<file path=ppt/slides/slide4.xml><?xml version="1.0" encoding="utf-8"?>
+<file path=ppt/slides/slide5.xml><?xml version="1.0" encoding="utf-8"?>
+<p:sld xmlns:a="http://schemas.openxmlformats.org/drawingml/2006/main" xmlns:r="http://schemas.openxmlformats.org/officeDocument/2006/relationships" xmlns:p="http://schemas.openxmlformats.org/presentationml/2006/main">
+  <p:cSld>
+    <p:spTree>
+      <p:nvGrpSpPr>
+        <p:cNvPr id="1" name=""/>
+        <p:cNvGrpSpPr/>
+        <p:nvPr/>
+      </p:nvGrpSpPr>
+      <p:grpSpPr>
+        <a:xfrm>
+          <a:off x="0" y="0"/>
+          <a:ext cx="0" cy="0"/>
+          <a:chOff x="0" y="0"/>
+          <a:chExt cx="0" cy="0"/>
+        </a:xfrm>
+      </p:grpSpPr>
+      <p:sp>
+        <p:nvSpPr>
+          <p:cNvPr id="2" name="Title 1">
+            <a:extLst>
+              <a:ext uri="{FF2B5EF4-FFF2-40B4-BE49-F238E27FC236}">
+                <a16:creationId xmlns:a16="http://schemas.microsoft.com/office/drawing/2014/main" id="{0AEE99E3-AD2F-4598-B15A-DF5745CE61EA}"/>
+              </a:ext>
+            </a:extLst>
+          </p:cNvPr>
+          <p:cNvSpPr>
+            <a:spLocks noGrp="1"/>
+          </p:cNvSpPr>
+          <p:nvPr>
+            <p:ph type="title"/>
+          </p:nvPr>
+        </p:nvSpPr>
+        <p:spPr/>
+        <p:txBody>
+          <a:bodyPr/>
+          <a:lstStyle/>
+          <a:p>
+            <a:r>
+              <a:rPr lang="ro-RO" dirty="0"/>
+              <a:t>Implementare </a:t>
+            </a:r>
+            <a:r>
+              <a:rPr lang="ro-RO" dirty="0" err="1"/>
+              <a:t>Marching</a:t>
+            </a:r>
+            <a:r>
+              <a:rPr lang="ro-RO" dirty="0"/>
+              <a:t> </a:t>
+            </a:r>
+            <a:r>
+              <a:rPr lang="ro-RO" dirty="0" err="1"/>
+              <a:t>cubes</a:t>
+            </a:r>
+            <a:endParaRPr lang="ro-RO" dirty="0"/>
+          </a:p>
+        </p:txBody>
+      </p:sp>
+      <p:sp>
+        <p:nvSpPr>
+          <p:cNvPr id="3" name="Content Placeholder 2">
+            <a:extLst>
+              <a:ext uri="{FF2B5EF4-FFF2-40B4-BE49-F238E27FC236}">
+                <a16:creationId xmlns:a16="http://schemas.microsoft.com/office/drawing/2014/main" id="{85E8824C-4635-4F81-A1C3-8EC30B98BC6B}"/>
+              </a:ext>
+            </a:extLst>
+          </p:cNvPr>
+          <p:cNvSpPr>
+            <a:spLocks noGrp="1"/>
+          </p:cNvSpPr>
+          <p:nvPr>
+            <p:ph idx="1"/>
+          </p:nvPr>
+        </p:nvSpPr>
+        <p:spPr/>
+        <p:txBody>
+          <a:bodyPr/>
+          <a:lstStyle/>
+          <a:p>
+            <a:r>
+              <a:rPr lang="ro-RO" dirty="0"/>
+              <a:t>Deoarece este un proces ce necesita doar variabile locale pentru fiecare cub ce </a:t>
+            </a:r>
+            <a:r>
+              <a:rPr lang="ro-RO" dirty="0" err="1"/>
+              <a:t>esantioneaza</a:t>
+            </a:r>
+            <a:r>
+              <a:rPr lang="ro-RO" dirty="0"/>
+              <a:t> </a:t>
+            </a:r>
+            <a:r>
+              <a:rPr lang="ro-RO" dirty="0" err="1"/>
+              <a:t>spatiul</a:t>
+            </a:r>
+            <a:r>
+              <a:rPr lang="ro-RO" dirty="0"/>
+              <a:t>, algoritmul a fost implementat complet </a:t>
+            </a:r>
+            <a:r>
+              <a:rPr lang="ro-RO" dirty="0" err="1"/>
+              <a:t>intr</a:t>
+            </a:r>
+            <a:r>
+              <a:rPr lang="ro-RO" dirty="0"/>
+              <a:t>-un </a:t>
+            </a:r>
+            <a:r>
+              <a:rPr lang="ro-RO" dirty="0" err="1"/>
+              <a:t>compute</a:t>
+            </a:r>
+            <a:r>
+              <a:rPr lang="ro-RO" dirty="0"/>
+              <a:t> buffer in </a:t>
+            </a:r>
+            <a:r>
+              <a:rPr lang="ro-RO" dirty="0" err="1"/>
+              <a:t>Unity</a:t>
+            </a:r>
+            <a:endParaRPr lang="ro-RO" dirty="0"/>
+          </a:p>
+        </p:txBody>
+      </p:sp>
+    </p:spTree>
+    <p:extLst>
+      <p:ext uri="{BB962C8B-B14F-4D97-AF65-F5344CB8AC3E}">
+        <p14:creationId xmlns:p14="http://schemas.microsoft.com/office/powerpoint/2010/main" val="2417651322"/>
+      </p:ext>
+    </p:extLst>
+  </p:cSld>
+  <p:clrMapOvr>
+    <a:masterClrMapping/>
+  </p:clrMapOvr>
+</p:sld>
+</file>
+
+<file path=ppt/slides/slide6.xml><?xml version="1.0" encoding="utf-8"?>
 <p:sld xmlns:a="http://schemas.openxmlformats.org/drawingml/2006/main" xmlns:r="http://schemas.openxmlformats.org/officeDocument/2006/relationships" xmlns:p="http://schemas.openxmlformats.org/presentationml/2006/main">
   <p:cSld>
     <p:spTree>
@@ -23985,37 +17085,6 @@
           </a:ln>
         </p:spPr>
       </p:pic>
-      <p:graphicFrame>
-        <p:nvGraphicFramePr>
-          <p:cNvPr id="5" name="Content Placeholder 4" descr="SmartArt graphic">
-            <a:extLst>
-              <a:ext uri="{FF2B5EF4-FFF2-40B4-BE49-F238E27FC236}">
-                <a16:creationId xmlns:a16="http://schemas.microsoft.com/office/drawing/2014/main" id="{21A182E9-AC38-4344-9247-5AB4B8F03A26}"/>
-              </a:ext>
-            </a:extLst>
-          </p:cNvPr>
-          <p:cNvGraphicFramePr>
-            <a:graphicFrameLocks noGrp="1"/>
-          </p:cNvGraphicFramePr>
-          <p:nvPr>
-            <p:ph sz="half" idx="2"/>
-            <p:extLst>
-              <p:ext uri="{D42A27DB-BD31-4B8C-83A1-F6EECF244321}">
-                <p14:modId xmlns:p14="http://schemas.microsoft.com/office/powerpoint/2010/main" val="145221354"/>
-              </p:ext>
-            </p:extLst>
-          </p:nvPr>
-        </p:nvGraphicFramePr>
-        <p:xfrm>
-          <a:off x="2569323" y="2142067"/>
-          <a:ext cx="7390680" cy="3725333"/>
-        </p:xfrm>
-        <a:graphic>
-          <a:graphicData uri="http://schemas.openxmlformats.org/drawingml/2006/diagram">
-            <dgm:relIds xmlns:dgm="http://schemas.openxmlformats.org/drawingml/2006/diagram" xmlns:r="http://schemas.openxmlformats.org/officeDocument/2006/relationships" r:dm="rId4" r:lo="rId5" r:qs="rId6" r:cs="rId7"/>
-          </a:graphicData>
-        </a:graphic>
-      </p:graphicFrame>
       <p:sp>
         <p:nvSpPr>
           <p:cNvPr id="2" name="Title 1">
@@ -24065,7 +17134,7 @@
 </p:sld>
 </file>
 
-<file path=ppt/slides/slide5.xml><?xml version="1.0" encoding="utf-8"?>
+<file path=ppt/slides/slide7.xml><?xml version="1.0" encoding="utf-8"?>
 <p:sld xmlns:a="http://schemas.openxmlformats.org/drawingml/2006/main" xmlns:r="http://schemas.openxmlformats.org/officeDocument/2006/relationships" xmlns:p="http://schemas.openxmlformats.org/presentationml/2006/main">
   <p:cSld>
     <p:spTree>
@@ -25048,12 +18117,12 @@
 </file>
 
 <file path=customXml/item1.xml><?xml version="1.0" encoding="utf-8"?>
-<?mso-contentType ?>
-<FormTemplates xmlns="http://schemas.microsoft.com/sharepoint/v3/contenttype/forms">
-  <Display>DocumentLibraryForm</Display>
-  <Edit>DocumentLibraryForm</Edit>
-  <New>DocumentLibraryForm</New>
-</FormTemplates>
+<p:properties xmlns:p="http://schemas.microsoft.com/office/2006/metadata/properties" xmlns:xsi="http://www.w3.org/2001/XMLSchema-instance" xmlns:pc="http://schemas.microsoft.com/office/infopath/2007/PartnerControls">
+  <documentManagement>
+    <MediaServiceKeyPoints xmlns="71af3243-3dd4-4a8d-8c0d-dd76da1f02a5" xsi:nil="true"/>
+    <Status xmlns="71af3243-3dd4-4a8d-8c0d-dd76da1f02a5">Not started</Status>
+  </documentManagement>
+</p:properties>
 </file>
 
 <file path=customXml/item2.xml><?xml version="1.0" encoding="utf-8"?>
@@ -25278,18 +18347,27 @@
 </file>
 
 <file path=customXml/item3.xml><?xml version="1.0" encoding="utf-8"?>
-<p:properties xmlns:p="http://schemas.microsoft.com/office/2006/metadata/properties" xmlns:xsi="http://www.w3.org/2001/XMLSchema-instance" xmlns:pc="http://schemas.microsoft.com/office/infopath/2007/PartnerControls">
-  <documentManagement>
-    <MediaServiceKeyPoints xmlns="71af3243-3dd4-4a8d-8c0d-dd76da1f02a5" xsi:nil="true"/>
-    <Status xmlns="71af3243-3dd4-4a8d-8c0d-dd76da1f02a5">Not started</Status>
-  </documentManagement>
-</p:properties>
+<?mso-contentType ?>
+<FormTemplates xmlns="http://schemas.microsoft.com/sharepoint/v3/contenttype/forms">
+  <Display>DocumentLibraryForm</Display>
+  <Edit>DocumentLibraryForm</Edit>
+  <New>DocumentLibraryForm</New>
+</FormTemplates>
 </file>
 
 <file path=customXml/itemProps1.xml><?xml version="1.0" encoding="utf-8"?>
-<ds:datastoreItem xmlns:ds="http://schemas.openxmlformats.org/officeDocument/2006/customXml" ds:itemID="{CE12C2FA-3740-4055-BA8A-74A1458F4A51}">
+<ds:datastoreItem xmlns:ds="http://schemas.openxmlformats.org/officeDocument/2006/customXml" ds:itemID="{4415B3C4-7FB6-414C-8C24-8862C0E6C9F3}">
   <ds:schemaRefs>
-    <ds:schemaRef ds:uri="http://schemas.microsoft.com/sharepoint/v3/contenttype/forms"/>
+    <ds:schemaRef ds:uri="http://www.w3.org/XML/1998/namespace"/>
+    <ds:schemaRef ds:uri="http://purl.org/dc/elements/1.1/"/>
+    <ds:schemaRef ds:uri="http://schemas.microsoft.com/office/infopath/2007/PartnerControls"/>
+    <ds:schemaRef ds:uri="http://purl.org/dc/dcmitype/"/>
+    <ds:schemaRef ds:uri="16c05727-aa75-4e4a-9b5f-8a80a1165891"/>
+    <ds:schemaRef ds:uri="http://schemas.microsoft.com/office/2006/documentManagement/types"/>
+    <ds:schemaRef ds:uri="71af3243-3dd4-4a8d-8c0d-dd76da1f02a5"/>
+    <ds:schemaRef ds:uri="http://schemas.openxmlformats.org/package/2006/metadata/core-properties"/>
+    <ds:schemaRef ds:uri="http://schemas.microsoft.com/office/2006/metadata/properties"/>
+    <ds:schemaRef ds:uri="http://purl.org/dc/terms/"/>
   </ds:schemaRefs>
 </ds:datastoreItem>
 </file>
@@ -25314,18 +18392,9 @@
 </file>
 
 <file path=customXml/itemProps3.xml><?xml version="1.0" encoding="utf-8"?>
-<ds:datastoreItem xmlns:ds="http://schemas.openxmlformats.org/officeDocument/2006/customXml" ds:itemID="{4415B3C4-7FB6-414C-8C24-8862C0E6C9F3}">
+<ds:datastoreItem xmlns:ds="http://schemas.openxmlformats.org/officeDocument/2006/customXml" ds:itemID="{CE12C2FA-3740-4055-BA8A-74A1458F4A51}">
   <ds:schemaRefs>
-    <ds:schemaRef ds:uri="http://www.w3.org/XML/1998/namespace"/>
-    <ds:schemaRef ds:uri="http://purl.org/dc/elements/1.1/"/>
-    <ds:schemaRef ds:uri="http://schemas.microsoft.com/office/infopath/2007/PartnerControls"/>
-    <ds:schemaRef ds:uri="http://purl.org/dc/dcmitype/"/>
-    <ds:schemaRef ds:uri="16c05727-aa75-4e4a-9b5f-8a80a1165891"/>
-    <ds:schemaRef ds:uri="http://schemas.microsoft.com/office/2006/documentManagement/types"/>
-    <ds:schemaRef ds:uri="71af3243-3dd4-4a8d-8c0d-dd76da1f02a5"/>
-    <ds:schemaRef ds:uri="http://schemas.openxmlformats.org/package/2006/metadata/core-properties"/>
-    <ds:schemaRef ds:uri="http://schemas.microsoft.com/office/2006/metadata/properties"/>
-    <ds:schemaRef ds:uri="http://purl.org/dc/terms/"/>
+    <ds:schemaRef ds:uri="http://schemas.microsoft.com/sharepoint/v3/contenttype/forms"/>
   </ds:schemaRefs>
 </ds:datastoreItem>
 </file>
--- a/Prezentare/OceanExploration.pptx
+++ b/Prezentare/OceanExploration.pptx
@@ -5,10 +5,10 @@
     <p:sldMasterId id="2147483744" r:id="rId4"/>
   </p:sldMasterIdLst>
   <p:notesMasterIdLst>
-    <p:notesMasterId r:id="rId12"/>
+    <p:notesMasterId r:id="rId16"/>
   </p:notesMasterIdLst>
   <p:handoutMasterIdLst>
-    <p:handoutMasterId r:id="rId13"/>
+    <p:handoutMasterId r:id="rId17"/>
   </p:handoutMasterIdLst>
   <p:sldIdLst>
     <p:sldId id="256" r:id="rId5"/>
@@ -16,8 +16,12 @@
     <p:sldId id="258" r:id="rId7"/>
     <p:sldId id="260" r:id="rId8"/>
     <p:sldId id="275" r:id="rId9"/>
-    <p:sldId id="264" r:id="rId10"/>
-    <p:sldId id="274" r:id="rId11"/>
+    <p:sldId id="277" r:id="rId10"/>
+    <p:sldId id="278" r:id="rId11"/>
+    <p:sldId id="279" r:id="rId12"/>
+    <p:sldId id="280" r:id="rId13"/>
+    <p:sldId id="264" r:id="rId14"/>
+    <p:sldId id="274" r:id="rId15"/>
   </p:sldIdLst>
   <p:sldSz cx="12192000" cy="6858000"/>
   <p:notesSz cx="6858000" cy="9144000"/>
@@ -232,7 +236,7 @@
           <a:p>
             <a:fld id="{866D81A9-CFC2-4640-899E-DD3E177BE50A}" type="datetimeFigureOut">
               <a:rPr lang="en-US" smtClean="0"/>
-              <a:t>4/11/2022</a:t>
+              <a:t>4/12/2022</a:t>
             </a:fld>
             <a:endParaRPr lang="en-US" dirty="0"/>
           </a:p>
@@ -409,7 +413,7 @@
           <a:p>
             <a:fld id="{AA1E50F4-C55A-473A-A70B-4B042EF011A9}" type="datetimeFigureOut">
               <a:rPr lang="en-US" smtClean="0"/>
-              <a:t>4/11/2022</a:t>
+              <a:t>4/12/2022</a:t>
             </a:fld>
             <a:endParaRPr lang="en-US" dirty="0"/>
           </a:p>
@@ -993,7 +997,7 @@
           <a:p>
             <a:fld id="{F3544625-0ADF-4414-89A2-9E135F0C849F}" type="slidenum">
               <a:rPr lang="en-US" smtClean="0"/>
-              <a:t>6</a:t>
+              <a:t>10</a:t>
             </a:fld>
             <a:endParaRPr lang="en-US" dirty="0"/>
           </a:p>
@@ -1077,7 +1081,7 @@
           <a:p>
             <a:fld id="{F3544625-0ADF-4414-89A2-9E135F0C849F}" type="slidenum">
               <a:rPr lang="en-US" smtClean="0"/>
-              <a:t>7</a:t>
+              <a:t>11</a:t>
             </a:fld>
             <a:endParaRPr lang="en-US" dirty="0"/>
           </a:p>
@@ -1326,7 +1330,7 @@
             <a:fld id="{87DE6118-2437-4B30-8E3C-4D2BE6020583}" type="datetimeFigureOut">
               <a:rPr lang="en-US" smtClean="0"/>
               <a:pPr/>
-              <a:t>4/11/2022</a:t>
+              <a:t>4/12/2022</a:t>
             </a:fld>
             <a:endParaRPr lang="en-US" dirty="0"/>
           </a:p>
@@ -1662,7 +1666,7 @@
             <a:fld id="{87DE6118-2437-4B30-8E3C-4D2BE6020583}" type="datetimeFigureOut">
               <a:rPr lang="en-US" smtClean="0"/>
               <a:pPr/>
-              <a:t>4/11/2022</a:t>
+              <a:t>4/12/2022</a:t>
             </a:fld>
             <a:endParaRPr lang="en-US" dirty="0"/>
           </a:p>
@@ -1942,7 +1946,7 @@
             <a:fld id="{87DE6118-2437-4B30-8E3C-4D2BE6020583}" type="datetimeFigureOut">
               <a:rPr lang="en-US" smtClean="0"/>
               <a:pPr/>
-              <a:t>4/11/2022</a:t>
+              <a:t>4/12/2022</a:t>
             </a:fld>
             <a:endParaRPr lang="en-US" dirty="0"/>
           </a:p>
@@ -2512,7 +2516,7 @@
             <a:fld id="{87DE6118-2437-4B30-8E3C-4D2BE6020583}" type="datetimeFigureOut">
               <a:rPr lang="en-US" smtClean="0"/>
               <a:pPr/>
-              <a:t>4/11/2022</a:t>
+              <a:t>4/12/2022</a:t>
             </a:fld>
             <a:endParaRPr lang="en-US" dirty="0"/>
           </a:p>
@@ -2792,7 +2796,7 @@
             <a:fld id="{87DE6118-2437-4B30-8E3C-4D2BE6020583}" type="datetimeFigureOut">
               <a:rPr lang="en-US" smtClean="0"/>
               <a:pPr/>
-              <a:t>4/11/2022</a:t>
+              <a:t>4/12/2022</a:t>
             </a:fld>
             <a:endParaRPr lang="en-US" dirty="0"/>
           </a:p>
@@ -3356,7 +3360,7 @@
             <a:fld id="{87DE6118-2437-4B30-8E3C-4D2BE6020583}" type="datetimeFigureOut">
               <a:rPr lang="en-US" smtClean="0"/>
               <a:pPr/>
-              <a:t>4/11/2022</a:t>
+              <a:t>4/12/2022</a:t>
             </a:fld>
             <a:endParaRPr lang="en-US" dirty="0"/>
           </a:p>
@@ -3685,7 +3689,7 @@
             <a:fld id="{87DE6118-2437-4B30-8E3C-4D2BE6020583}" type="datetimeFigureOut">
               <a:rPr lang="en-US" smtClean="0"/>
               <a:pPr/>
-              <a:t>4/11/2022</a:t>
+              <a:t>4/12/2022</a:t>
             </a:fld>
             <a:endParaRPr lang="en-US" dirty="0"/>
           </a:p>
@@ -3891,7 +3895,7 @@
           <a:p>
             <a:fld id="{87DE6118-2437-4B30-8E3C-4D2BE6020583}" type="datetimeFigureOut">
               <a:rPr lang="en-US" smtClean="0"/>
-              <a:t>4/11/2022</a:t>
+              <a:t>4/12/2022</a:t>
             </a:fld>
             <a:endParaRPr lang="en-US" dirty="0"/>
           </a:p>
@@ -4101,7 +4105,7 @@
           <a:p>
             <a:fld id="{87DE6118-2437-4B30-8E3C-4D2BE6020583}" type="datetimeFigureOut">
               <a:rPr lang="en-US" smtClean="0"/>
-              <a:t>4/11/2022</a:t>
+              <a:t>4/12/2022</a:t>
             </a:fld>
             <a:endParaRPr lang="en-US" dirty="0"/>
           </a:p>
@@ -4301,7 +4305,7 @@
           <a:p>
             <a:fld id="{87DE6118-2437-4B30-8E3C-4D2BE6020583}" type="datetimeFigureOut">
               <a:rPr lang="en-US" smtClean="0"/>
-              <a:t>4/11/2022</a:t>
+              <a:t>4/12/2022</a:t>
             </a:fld>
             <a:endParaRPr lang="en-US" dirty="0"/>
           </a:p>
@@ -4578,7 +4582,7 @@
             <a:fld id="{87DE6118-2437-4B30-8E3C-4D2BE6020583}" type="datetimeFigureOut">
               <a:rPr lang="en-US" smtClean="0"/>
               <a:pPr/>
-              <a:t>4/11/2022</a:t>
+              <a:t>4/12/2022</a:t>
             </a:fld>
             <a:endParaRPr lang="en-US" dirty="0"/>
           </a:p>
@@ -4845,7 +4849,7 @@
           <a:p>
             <a:fld id="{87DE6118-2437-4B30-8E3C-4D2BE6020583}" type="datetimeFigureOut">
               <a:rPr lang="en-US" smtClean="0"/>
-              <a:t>4/11/2022</a:t>
+              <a:t>4/12/2022</a:t>
             </a:fld>
             <a:endParaRPr lang="en-US" dirty="0"/>
           </a:p>
@@ -5219,7 +5223,7 @@
           <a:p>
             <a:fld id="{87DE6118-2437-4B30-8E3C-4D2BE6020583}" type="datetimeFigureOut">
               <a:rPr lang="en-US" smtClean="0"/>
-              <a:t>4/11/2022</a:t>
+              <a:t>4/12/2022</a:t>
             </a:fld>
             <a:endParaRPr lang="en-US" dirty="0"/>
           </a:p>
@@ -5367,7 +5371,7 @@
           <a:p>
             <a:fld id="{87DE6118-2437-4B30-8E3C-4D2BE6020583}" type="datetimeFigureOut">
               <a:rPr lang="en-US" smtClean="0"/>
-              <a:t>4/11/2022</a:t>
+              <a:t>4/12/2022</a:t>
             </a:fld>
             <a:endParaRPr lang="en-US" dirty="0"/>
           </a:p>
@@ -5492,7 +5496,7 @@
           <a:p>
             <a:fld id="{87DE6118-2437-4B30-8E3C-4D2BE6020583}" type="datetimeFigureOut">
               <a:rPr lang="en-US" smtClean="0"/>
-              <a:t>4/11/2022</a:t>
+              <a:t>4/12/2022</a:t>
             </a:fld>
             <a:endParaRPr lang="en-US" dirty="0"/>
           </a:p>
@@ -5778,7 +5782,7 @@
             <a:fld id="{87DE6118-2437-4B30-8E3C-4D2BE6020583}" type="datetimeFigureOut">
               <a:rPr lang="en-US" smtClean="0"/>
               <a:pPr/>
-              <a:t>4/11/2022</a:t>
+              <a:t>4/12/2022</a:t>
             </a:fld>
             <a:endParaRPr lang="en-US" dirty="0"/>
           </a:p>
@@ -6104,7 +6108,7 @@
             <a:fld id="{87DE6118-2437-4B30-8E3C-4D2BE6020583}" type="datetimeFigureOut">
               <a:rPr lang="en-US" smtClean="0"/>
               <a:pPr/>
-              <a:t>4/11/2022</a:t>
+              <a:t>4/12/2022</a:t>
             </a:fld>
             <a:endParaRPr lang="en-US" dirty="0"/>
           </a:p>
@@ -6320,7 +6324,7 @@
             <a:fld id="{87DE6118-2437-4B30-8E3C-4D2BE6020583}" type="datetimeFigureOut">
               <a:rPr lang="en-US" smtClean="0"/>
               <a:pPr/>
-              <a:t>4/11/2022</a:t>
+              <a:t>4/12/2022</a:t>
             </a:fld>
             <a:endParaRPr lang="en-US" dirty="0"/>
           </a:p>
@@ -7399,6 +7403,439 @@
 </p:sld>
 </file>
 
+<file path=ppt/slides/slide10.xml><?xml version="1.0" encoding="utf-8"?>
+<p:sld xmlns:a="http://schemas.openxmlformats.org/drawingml/2006/main" xmlns:r="http://schemas.openxmlformats.org/officeDocument/2006/relationships" xmlns:p="http://schemas.openxmlformats.org/presentationml/2006/main">
+  <p:cSld>
+    <p:spTree>
+      <p:nvGrpSpPr>
+        <p:cNvPr id="1" name=""/>
+        <p:cNvGrpSpPr/>
+        <p:nvPr/>
+      </p:nvGrpSpPr>
+      <p:grpSpPr>
+        <a:xfrm>
+          <a:off x="0" y="0"/>
+          <a:ext cx="0" cy="0"/>
+          <a:chOff x="0" y="0"/>
+          <a:chExt cx="0" cy="0"/>
+        </a:xfrm>
+      </p:grpSpPr>
+      <p:pic>
+        <p:nvPicPr>
+          <p:cNvPr id="4" name="Content Placeholder 3" descr="night sky with mountains on the horizon">
+            <a:extLst>
+              <a:ext uri="{FF2B5EF4-FFF2-40B4-BE49-F238E27FC236}">
+                <a16:creationId xmlns:a16="http://schemas.microsoft.com/office/drawing/2014/main" id="{2739CFE1-3E46-48B5-9BDB-769492BA7A53}"/>
+              </a:ext>
+            </a:extLst>
+          </p:cNvPr>
+          <p:cNvPicPr>
+            <a:picLocks noGrp="1" noChangeAspect="1"/>
+          </p:cNvPicPr>
+          <p:nvPr>
+            <p:ph sz="half" idx="1"/>
+          </p:nvPr>
+        </p:nvPicPr>
+        <p:blipFill rotWithShape="1">
+          <a:blip r:embed="rId3"/>
+          <a:srcRect t="4555" b="4555"/>
+          <a:stretch/>
+        </p:blipFill>
+        <p:spPr>
+          <a:xfrm>
+            <a:off x="-600" y="-1226"/>
+            <a:ext cx="12193200" cy="6860452"/>
+          </a:xfrm>
+          <a:custGeom>
+            <a:avLst/>
+            <a:gdLst/>
+            <a:ahLst/>
+            <a:cxnLst/>
+            <a:rect l="l" t="t" r="r" b="b"/>
+            <a:pathLst>
+              <a:path w="12192000" h="6858000">
+                <a:moveTo>
+                  <a:pt x="6090347" y="706999"/>
+                </a:moveTo>
+                <a:cubicBezTo>
+                  <a:pt x="4588386" y="706999"/>
+                  <a:pt x="3370806" y="1924579"/>
+                  <a:pt x="3370806" y="3426541"/>
+                </a:cubicBezTo>
+                <a:cubicBezTo>
+                  <a:pt x="3370806" y="4928503"/>
+                  <a:pt x="4588386" y="6146083"/>
+                  <a:pt x="6090347" y="6146083"/>
+                </a:cubicBezTo>
+                <a:cubicBezTo>
+                  <a:pt x="7592308" y="6146083"/>
+                  <a:pt x="8809888" y="4928503"/>
+                  <a:pt x="8809888" y="3426541"/>
+                </a:cubicBezTo>
+                <a:cubicBezTo>
+                  <a:pt x="8809888" y="1924579"/>
+                  <a:pt x="7592308" y="706999"/>
+                  <a:pt x="6090347" y="706999"/>
+                </a:cubicBezTo>
+                <a:close/>
+                <a:moveTo>
+                  <a:pt x="6082303" y="247854"/>
+                </a:moveTo>
+                <a:cubicBezTo>
+                  <a:pt x="7836802" y="247854"/>
+                  <a:pt x="9259104" y="1671227"/>
+                  <a:pt x="9259104" y="3427045"/>
+                </a:cubicBezTo>
+                <a:cubicBezTo>
+                  <a:pt x="9259104" y="5182864"/>
+                  <a:pt x="7836802" y="6606237"/>
+                  <a:pt x="6082303" y="6606237"/>
+                </a:cubicBezTo>
+                <a:cubicBezTo>
+                  <a:pt x="4327804" y="6606237"/>
+                  <a:pt x="2905502" y="5182864"/>
+                  <a:pt x="2905502" y="3427045"/>
+                </a:cubicBezTo>
+                <a:cubicBezTo>
+                  <a:pt x="2905502" y="1671227"/>
+                  <a:pt x="4327804" y="247854"/>
+                  <a:pt x="6082303" y="247854"/>
+                </a:cubicBezTo>
+                <a:close/>
+                <a:moveTo>
+                  <a:pt x="9560257" y="0"/>
+                </a:moveTo>
+                <a:lnTo>
+                  <a:pt x="12192000" y="0"/>
+                </a:lnTo>
+                <a:lnTo>
+                  <a:pt x="12192000" y="6858000"/>
+                </a:lnTo>
+                <a:lnTo>
+                  <a:pt x="9560255" y="6858000"/>
+                </a:lnTo>
+                <a:lnTo>
+                  <a:pt x="9704262" y="6706843"/>
+                </a:lnTo>
+                <a:cubicBezTo>
+                  <a:pt x="10490530" y="5841105"/>
+                  <a:pt x="10969748" y="4691058"/>
+                  <a:pt x="10969748" y="3428999"/>
+                </a:cubicBezTo>
+                <a:cubicBezTo>
+                  <a:pt x="10969748" y="2166941"/>
+                  <a:pt x="10490530" y="1016894"/>
+                  <a:pt x="9704262" y="151155"/>
+                </a:cubicBezTo>
+                <a:close/>
+                <a:moveTo>
+                  <a:pt x="7947654" y="0"/>
+                </a:moveTo>
+                <a:lnTo>
+                  <a:pt x="8099035" y="0"/>
+                </a:lnTo>
+                <a:lnTo>
+                  <a:pt x="8158569" y="34257"/>
+                </a:lnTo>
+                <a:cubicBezTo>
+                  <a:pt x="9305381" y="731601"/>
+                  <a:pt x="10071441" y="1993601"/>
+                  <a:pt x="10071441" y="3434659"/>
+                </a:cubicBezTo>
+                <a:cubicBezTo>
+                  <a:pt x="10071441" y="4875717"/>
+                  <a:pt x="9305381" y="6137716"/>
+                  <a:pt x="8158569" y="6835060"/>
+                </a:cubicBezTo>
+                <a:lnTo>
+                  <a:pt x="8118703" y="6858000"/>
+                </a:lnTo>
+                <a:lnTo>
+                  <a:pt x="7923440" y="6858000"/>
+                </a:lnTo>
+                <a:lnTo>
+                  <a:pt x="7938929" y="6850061"/>
+                </a:lnTo>
+                <a:cubicBezTo>
+                  <a:pt x="9153123" y="6189975"/>
+                  <a:pt x="9977382" y="4902579"/>
+                  <a:pt x="9977382" y="3422520"/>
+                </a:cubicBezTo>
+                <a:cubicBezTo>
+                  <a:pt x="9977382" y="2009739"/>
+                  <a:pt x="9226353" y="772500"/>
+                  <a:pt x="8102044" y="88839"/>
+                </a:cubicBezTo>
+                <a:close/>
+                <a:moveTo>
+                  <a:pt x="4097777" y="0"/>
+                </a:moveTo>
+                <a:lnTo>
+                  <a:pt x="4216953" y="0"/>
+                </a:lnTo>
+                <a:lnTo>
+                  <a:pt x="4062563" y="88839"/>
+                </a:lnTo>
+                <a:cubicBezTo>
+                  <a:pt x="2938253" y="772500"/>
+                  <a:pt x="2187224" y="2009739"/>
+                  <a:pt x="2187224" y="3422520"/>
+                </a:cubicBezTo>
+                <a:cubicBezTo>
+                  <a:pt x="2187224" y="4902579"/>
+                  <a:pt x="3011483" y="6189975"/>
+                  <a:pt x="4225677" y="6850061"/>
+                </a:cubicBezTo>
+                <a:lnTo>
+                  <a:pt x="4241167" y="6858000"/>
+                </a:lnTo>
+                <a:lnTo>
+                  <a:pt x="4078110" y="6858000"/>
+                </a:lnTo>
+                <a:lnTo>
+                  <a:pt x="4038243" y="6835060"/>
+                </a:lnTo>
+                <a:cubicBezTo>
+                  <a:pt x="2891431" y="6137716"/>
+                  <a:pt x="2125371" y="4875717"/>
+                  <a:pt x="2125371" y="3434659"/>
+                </a:cubicBezTo>
+                <a:cubicBezTo>
+                  <a:pt x="2125371" y="1993601"/>
+                  <a:pt x="2891431" y="731601"/>
+                  <a:pt x="4038243" y="34257"/>
+                </a:cubicBezTo>
+                <a:close/>
+                <a:moveTo>
+                  <a:pt x="0" y="0"/>
+                </a:moveTo>
+                <a:lnTo>
+                  <a:pt x="2636555" y="0"/>
+                </a:lnTo>
+                <a:lnTo>
+                  <a:pt x="2492551" y="151155"/>
+                </a:lnTo>
+                <a:cubicBezTo>
+                  <a:pt x="1706282" y="1016894"/>
+                  <a:pt x="1227064" y="2166941"/>
+                  <a:pt x="1227064" y="3428999"/>
+                </a:cubicBezTo>
+                <a:cubicBezTo>
+                  <a:pt x="1227064" y="4691058"/>
+                  <a:pt x="1706282" y="5841105"/>
+                  <a:pt x="2492551" y="6706843"/>
+                </a:cubicBezTo>
+                <a:lnTo>
+                  <a:pt x="2636557" y="6858000"/>
+                </a:lnTo>
+                <a:lnTo>
+                  <a:pt x="0" y="6858000"/>
+                </a:lnTo>
+                <a:close/>
+              </a:path>
+            </a:pathLst>
+          </a:custGeom>
+          <a:ln w="60325" cmpd="dbl">
+            <a:solidFill>
+              <a:schemeClr val="tx1">
+                <a:alpha val="40000"/>
+              </a:schemeClr>
+            </a:solidFill>
+          </a:ln>
+        </p:spPr>
+      </p:pic>
+      <p:sp>
+        <p:nvSpPr>
+          <p:cNvPr id="2" name="Title 1">
+            <a:extLst>
+              <a:ext uri="{FF2B5EF4-FFF2-40B4-BE49-F238E27FC236}">
+                <a16:creationId xmlns:a16="http://schemas.microsoft.com/office/drawing/2014/main" id="{144E241E-3110-4B1C-B9B0-F17B90FEEC1D}"/>
+              </a:ext>
+            </a:extLst>
+          </p:cNvPr>
+          <p:cNvSpPr>
+            <a:spLocks noGrp="1"/>
+          </p:cNvSpPr>
+          <p:nvPr>
+            <p:ph type="title"/>
+          </p:nvPr>
+        </p:nvSpPr>
+        <p:spPr>
+          <a:xfrm>
+            <a:off x="2408903" y="787400"/>
+            <a:ext cx="7390680" cy="1278467"/>
+          </a:xfrm>
+        </p:spPr>
+        <p:txBody>
+          <a:bodyPr vert="horz" lIns="91440" tIns="45720" rIns="91440" bIns="45720" rtlCol="0" anchor="ctr">
+            <a:normAutofit/>
+          </a:bodyPr>
+          <a:lstStyle/>
+          <a:p>
+            <a:pPr algn="ctr"/>
+            <a:r>
+              <a:rPr lang="en-US" dirty="0"/>
+              <a:t>Network Technology</a:t>
+            </a:r>
+          </a:p>
+        </p:txBody>
+      </p:sp>
+    </p:spTree>
+    <p:extLst>
+      <p:ext uri="{BB962C8B-B14F-4D97-AF65-F5344CB8AC3E}">
+        <p14:creationId xmlns:p14="http://schemas.microsoft.com/office/powerpoint/2010/main" val="1974828406"/>
+      </p:ext>
+    </p:extLst>
+  </p:cSld>
+  <p:clrMapOvr>
+    <a:masterClrMapping/>
+  </p:clrMapOvr>
+</p:sld>
+</file>
+
+<file path=ppt/slides/slide11.xml><?xml version="1.0" encoding="utf-8"?>
+<p:sld xmlns:a="http://schemas.openxmlformats.org/drawingml/2006/main" xmlns:r="http://schemas.openxmlformats.org/officeDocument/2006/relationships" xmlns:p="http://schemas.openxmlformats.org/presentationml/2006/main">
+  <p:cSld>
+    <p:spTree>
+      <p:nvGrpSpPr>
+        <p:cNvPr id="1" name=""/>
+        <p:cNvGrpSpPr/>
+        <p:nvPr/>
+      </p:nvGrpSpPr>
+      <p:grpSpPr>
+        <a:xfrm>
+          <a:off x="0" y="0"/>
+          <a:ext cx="0" cy="0"/>
+          <a:chOff x="0" y="0"/>
+          <a:chExt cx="0" cy="0"/>
+        </a:xfrm>
+      </p:grpSpPr>
+      <p:pic>
+        <p:nvPicPr>
+          <p:cNvPr id="5" name="Picture 4" descr="light spots">
+            <a:extLst>
+              <a:ext uri="{FF2B5EF4-FFF2-40B4-BE49-F238E27FC236}">
+                <a16:creationId xmlns:a16="http://schemas.microsoft.com/office/drawing/2014/main" id="{20A520D0-11CF-4639-8537-F56A8A2FDCFD}"/>
+              </a:ext>
+            </a:extLst>
+          </p:cNvPr>
+          <p:cNvPicPr>
+            <a:picLocks noChangeAspect="1"/>
+          </p:cNvPicPr>
+          <p:nvPr/>
+        </p:nvPicPr>
+        <p:blipFill rotWithShape="1">
+          <a:blip r:embed="rId3">
+            <a:alphaModFix amt="20000"/>
+            <a:extLst>
+              <a:ext uri="{28A0092B-C50C-407E-A947-70E740481C1C}">
+                <a14:useLocalDpi xmlns:a14="http://schemas.microsoft.com/office/drawing/2010/main"/>
+              </a:ext>
+            </a:extLst>
+          </a:blip>
+          <a:srcRect/>
+          <a:stretch/>
+        </p:blipFill>
+        <p:spPr>
+          <a:xfrm>
+            <a:off x="20" y="10"/>
+            <a:ext cx="12191980" cy="6857990"/>
+          </a:xfrm>
+          <a:prstGeom prst="rect">
+            <a:avLst/>
+          </a:prstGeom>
+        </p:spPr>
+      </p:pic>
+      <p:sp>
+        <p:nvSpPr>
+          <p:cNvPr id="2" name="Title 1">
+            <a:extLst>
+              <a:ext uri="{FF2B5EF4-FFF2-40B4-BE49-F238E27FC236}">
+                <a16:creationId xmlns:a16="http://schemas.microsoft.com/office/drawing/2014/main" id="{D44BCB7C-A6FC-4118-9027-468ECFDE6455}"/>
+              </a:ext>
+            </a:extLst>
+          </p:cNvPr>
+          <p:cNvSpPr>
+            <a:spLocks noGrp="1"/>
+          </p:cNvSpPr>
+          <p:nvPr>
+            <p:ph type="ctrTitle"/>
+          </p:nvPr>
+        </p:nvSpPr>
+        <p:spPr>
+          <a:xfrm>
+            <a:off x="3962399" y="2573867"/>
+            <a:ext cx="7197726" cy="2421464"/>
+          </a:xfrm>
+        </p:spPr>
+        <p:txBody>
+          <a:bodyPr>
+            <a:normAutofit/>
+          </a:bodyPr>
+          <a:lstStyle/>
+          <a:p>
+            <a:r>
+              <a:rPr lang="en-US" dirty="0"/>
+              <a:t>Thank You!</a:t>
+            </a:r>
+          </a:p>
+        </p:txBody>
+      </p:sp>
+      <p:sp>
+        <p:nvSpPr>
+          <p:cNvPr id="3" name="Subtitle 2">
+            <a:extLst>
+              <a:ext uri="{FF2B5EF4-FFF2-40B4-BE49-F238E27FC236}">
+                <a16:creationId xmlns:a16="http://schemas.microsoft.com/office/drawing/2014/main" id="{4B64FA72-B055-4AE3-A6FD-8071BD687CBE}"/>
+              </a:ext>
+            </a:extLst>
+          </p:cNvPr>
+          <p:cNvSpPr>
+            <a:spLocks noGrp="1"/>
+          </p:cNvSpPr>
+          <p:nvPr>
+            <p:ph type="subTitle" idx="1"/>
+          </p:nvPr>
+        </p:nvSpPr>
+        <p:spPr>
+          <a:xfrm>
+            <a:off x="3962399" y="4995332"/>
+            <a:ext cx="7197726" cy="1405467"/>
+          </a:xfrm>
+        </p:spPr>
+        <p:txBody>
+          <a:bodyPr>
+            <a:normAutofit/>
+          </a:bodyPr>
+          <a:lstStyle/>
+          <a:p>
+            <a:r>
+              <a:rPr lang="en-US" dirty="0">
+                <a:solidFill>
+                  <a:schemeClr val="accent1">
+                    <a:lumMod val="40000"/>
+                    <a:lumOff val="60000"/>
+                  </a:schemeClr>
+                </a:solidFill>
+              </a:rPr>
+              <a:t>someone@example.com</a:t>
+            </a:r>
+          </a:p>
+        </p:txBody>
+      </p:sp>
+    </p:spTree>
+    <p:extLst>
+      <p:ext uri="{BB962C8B-B14F-4D97-AF65-F5344CB8AC3E}">
+        <p14:creationId xmlns:p14="http://schemas.microsoft.com/office/powerpoint/2010/main" val="2939930866"/>
+      </p:ext>
+    </p:extLst>
+  </p:cSld>
+  <p:clrMapOvr>
+    <a:masterClrMapping/>
+  </p:clrMapOvr>
+</p:sld>
+</file>
+
 <file path=ppt/slides/slide2.xml><?xml version="1.0" encoding="utf-8"?>
 <p:sld xmlns:a="http://schemas.openxmlformats.org/drawingml/2006/main" xmlns:r="http://schemas.openxmlformats.org/officeDocument/2006/relationships" xmlns:p="http://schemas.openxmlformats.org/presentationml/2006/main">
   <p:cSld>
@@ -16782,9 +17219,16 @@
             <p:ph idx="1"/>
           </p:nvPr>
         </p:nvSpPr>
-        <p:spPr/>
+        <p:spPr>
+          <a:xfrm>
+            <a:off x="685801" y="2142067"/>
+            <a:ext cx="10131425" cy="3649133"/>
+          </a:xfrm>
+        </p:spPr>
         <p:txBody>
-          <a:bodyPr/>
+          <a:bodyPr>
+            <a:normAutofit lnSpcReduction="10000"/>
+          </a:bodyPr>
           <a:lstStyle/>
           <a:p>
             <a:r>
@@ -16821,11 +17265,466 @@
             </a:r>
             <a:r>
               <a:rPr lang="ro-RO" dirty="0"/>
-              <a:t> buffer in </a:t>
+              <a:t> </a:t>
+            </a:r>
+            <a:r>
+              <a:rPr lang="en-US" dirty="0"/>
+              <a:t>shader</a:t>
+            </a:r>
+            <a:r>
+              <a:rPr lang="ro-RO" dirty="0"/>
+              <a:t> in </a:t>
             </a:r>
             <a:r>
               <a:rPr lang="ro-RO" dirty="0" err="1"/>
               <a:t>Unity</a:t>
+            </a:r>
+            <a:endParaRPr lang="en-US" dirty="0"/>
+          </a:p>
+          <a:p>
+            <a:r>
+              <a:rPr lang="en-US" dirty="0"/>
+              <a:t>Se </a:t>
+            </a:r>
+            <a:r>
+              <a:rPr lang="en-US" dirty="0" err="1"/>
+              <a:t>foloseste</a:t>
+            </a:r>
+            <a:r>
+              <a:rPr lang="en-US" dirty="0"/>
+              <a:t> un thread front wave de (8,8,8)</a:t>
+            </a:r>
+          </a:p>
+          <a:p>
+            <a:r>
+              <a:rPr lang="en-US" dirty="0" err="1"/>
+              <a:t>Toate</a:t>
+            </a:r>
+            <a:r>
+              <a:rPr lang="en-US" dirty="0"/>
+              <a:t> </a:t>
+            </a:r>
+            <a:r>
+              <a:rPr lang="en-US" dirty="0" err="1"/>
+              <a:t>valorile</a:t>
+            </a:r>
+            <a:r>
+              <a:rPr lang="en-US" dirty="0"/>
+              <a:t> </a:t>
+            </a:r>
+            <a:r>
+              <a:rPr lang="en-US" dirty="0" err="1"/>
+              <a:t>si</a:t>
+            </a:r>
+            <a:r>
+              <a:rPr lang="en-US" dirty="0"/>
+              <a:t> </a:t>
+            </a:r>
+            <a:r>
+              <a:rPr lang="en-US" dirty="0" err="1"/>
+              <a:t>parametrii</a:t>
+            </a:r>
+            <a:r>
+              <a:rPr lang="en-US" dirty="0"/>
+              <a:t> sunt </a:t>
+            </a:r>
+            <a:r>
+              <a:rPr lang="en-US" dirty="0" err="1"/>
+              <a:t>transmisi</a:t>
+            </a:r>
+            <a:r>
+              <a:rPr lang="en-US" dirty="0"/>
+              <a:t> </a:t>
+            </a:r>
+            <a:r>
+              <a:rPr lang="en-US" dirty="0" err="1"/>
+              <a:t>prin</a:t>
+            </a:r>
+            <a:r>
+              <a:rPr lang="en-US" dirty="0"/>
+              <a:t> </a:t>
+            </a:r>
+            <a:r>
+              <a:rPr lang="en-US" dirty="0" err="1"/>
+              <a:t>variabile</a:t>
+            </a:r>
+            <a:r>
+              <a:rPr lang="en-US" dirty="0"/>
+              <a:t> “</a:t>
+            </a:r>
+            <a:r>
+              <a:rPr lang="en-US" dirty="0" err="1"/>
+              <a:t>globale</a:t>
+            </a:r>
+            <a:r>
+              <a:rPr lang="en-US" dirty="0"/>
+              <a:t>” </a:t>
+            </a:r>
+            <a:r>
+              <a:rPr lang="en-US" dirty="0" err="1"/>
+              <a:t>catre</a:t>
+            </a:r>
+            <a:r>
+              <a:rPr lang="en-US" dirty="0"/>
+              <a:t> shader.</a:t>
+            </a:r>
+          </a:p>
+          <a:p>
+            <a:r>
+              <a:rPr lang="en-US" dirty="0" err="1"/>
+              <a:t>Deoarece</a:t>
+            </a:r>
+            <a:r>
+              <a:rPr lang="en-US" dirty="0"/>
+              <a:t> </a:t>
+            </a:r>
+            <a:r>
+              <a:rPr lang="en-US" dirty="0" err="1"/>
+              <a:t>algoritmul</a:t>
+            </a:r>
+            <a:r>
+              <a:rPr lang="en-US" dirty="0"/>
+              <a:t> </a:t>
+            </a:r>
+            <a:r>
+              <a:rPr lang="en-US" dirty="0" err="1"/>
+              <a:t>necesita</a:t>
+            </a:r>
+            <a:r>
+              <a:rPr lang="en-US" dirty="0"/>
+              <a:t> </a:t>
+            </a:r>
+            <a:r>
+              <a:rPr lang="en-US" dirty="0" err="1"/>
+              <a:t>tabele</a:t>
+            </a:r>
+            <a:r>
+              <a:rPr lang="en-US" dirty="0"/>
+              <a:t> </a:t>
+            </a:r>
+            <a:r>
+              <a:rPr lang="en-US" dirty="0" err="1"/>
+              <a:t>mari</a:t>
+            </a:r>
+            <a:r>
+              <a:rPr lang="en-US" dirty="0"/>
+              <a:t> de </a:t>
+            </a:r>
+            <a:r>
+              <a:rPr lang="en-US" dirty="0" err="1"/>
+              <a:t>pozitii</a:t>
+            </a:r>
+            <a:r>
+              <a:rPr lang="en-US" dirty="0"/>
+              <a:t> </a:t>
+            </a:r>
+            <a:r>
+              <a:rPr lang="en-US" dirty="0" err="1"/>
+              <a:t>si</a:t>
+            </a:r>
+            <a:r>
+              <a:rPr lang="en-US" dirty="0"/>
+              <a:t> date, care nu pot fi </a:t>
+            </a:r>
+            <a:r>
+              <a:rPr lang="en-US" dirty="0" err="1"/>
+              <a:t>stocate</a:t>
+            </a:r>
+            <a:r>
+              <a:rPr lang="en-US" dirty="0"/>
+              <a:t> </a:t>
+            </a:r>
+            <a:r>
+              <a:rPr lang="en-US" dirty="0" err="1"/>
+              <a:t>impreuna</a:t>
+            </a:r>
+            <a:r>
+              <a:rPr lang="en-US" dirty="0"/>
+              <a:t> </a:t>
+            </a:r>
+            <a:r>
+              <a:rPr lang="en-US" dirty="0" err="1"/>
+              <a:t>datorita</a:t>
+            </a:r>
+            <a:r>
+              <a:rPr lang="en-US" dirty="0"/>
+              <a:t> </a:t>
+            </a:r>
+            <a:r>
+              <a:rPr lang="en-US" dirty="0" err="1"/>
+              <a:t>dimensiunii</a:t>
+            </a:r>
+            <a:r>
+              <a:rPr lang="en-US" dirty="0"/>
+              <a:t> </a:t>
+            </a:r>
+            <a:r>
+              <a:rPr lang="en-US" dirty="0" err="1"/>
+              <a:t>reduse</a:t>
+            </a:r>
+            <a:r>
+              <a:rPr lang="en-US" dirty="0"/>
+              <a:t> ale </a:t>
+            </a:r>
+            <a:r>
+              <a:rPr lang="en-US" dirty="0" err="1"/>
+              <a:t>memoriei</a:t>
+            </a:r>
+            <a:r>
+              <a:rPr lang="en-US" dirty="0"/>
+              <a:t> </a:t>
+            </a:r>
+            <a:r>
+              <a:rPr lang="en-US" dirty="0" err="1"/>
+              <a:t>unui</a:t>
+            </a:r>
+            <a:r>
+              <a:rPr lang="en-US" dirty="0"/>
+              <a:t> shader, </a:t>
+            </a:r>
+            <a:r>
+              <a:rPr lang="en-US" dirty="0" err="1"/>
+              <a:t>folosesc</a:t>
+            </a:r>
+            <a:r>
+              <a:rPr lang="en-US" dirty="0"/>
+              <a:t> un buffer 1D care </a:t>
+            </a:r>
+            <a:r>
+              <a:rPr lang="en-US" dirty="0" err="1"/>
+              <a:t>este</a:t>
+            </a:r>
+            <a:r>
+              <a:rPr lang="en-US" dirty="0"/>
+              <a:t> </a:t>
+            </a:r>
+            <a:r>
+              <a:rPr lang="en-US" dirty="0" err="1"/>
+              <a:t>populat</a:t>
+            </a:r>
+            <a:r>
+              <a:rPr lang="en-US" dirty="0"/>
+              <a:t> pe CPU </a:t>
+            </a:r>
+            <a:r>
+              <a:rPr lang="en-US" dirty="0" err="1"/>
+              <a:t>dintr</a:t>
+            </a:r>
+            <a:r>
+              <a:rPr lang="en-US" dirty="0"/>
+              <a:t>-un array 2D.</a:t>
+            </a:r>
+          </a:p>
+          <a:p>
+            <a:r>
+              <a:rPr lang="en-US" dirty="0" err="1"/>
+              <a:t>Codul</a:t>
+            </a:r>
+            <a:r>
+              <a:rPr lang="en-US" dirty="0"/>
+              <a:t> e </a:t>
+            </a:r>
+            <a:r>
+              <a:rPr lang="en-US" dirty="0" err="1"/>
+              <a:t>optimizat</a:t>
+            </a:r>
+            <a:r>
+              <a:rPr lang="en-US" dirty="0"/>
+              <a:t> </a:t>
+            </a:r>
+            <a:r>
+              <a:rPr lang="en-US" dirty="0" err="1"/>
+              <a:t>pentru</a:t>
+            </a:r>
+            <a:r>
+              <a:rPr lang="en-US" dirty="0"/>
+              <a:t> </a:t>
+            </a:r>
+            <a:r>
+              <a:rPr lang="en-US" dirty="0" err="1"/>
+              <a:t>executia</a:t>
+            </a:r>
+            <a:r>
+              <a:rPr lang="en-US" dirty="0"/>
+              <a:t> in </a:t>
+            </a:r>
+            <a:r>
+              <a:rPr lang="en-US" dirty="0" err="1"/>
+              <a:t>paralel</a:t>
+            </a:r>
+            <a:r>
+              <a:rPr lang="en-US" dirty="0"/>
+              <a:t> a </a:t>
+            </a:r>
+            <a:r>
+              <a:rPr lang="en-US" dirty="0" err="1"/>
+              <a:t>functiilor</a:t>
+            </a:r>
+            <a:r>
+              <a:rPr lang="en-US" dirty="0"/>
+              <a:t> </a:t>
+            </a:r>
+            <a:r>
+              <a:rPr lang="en-US" dirty="0" err="1"/>
+              <a:t>matematice</a:t>
+            </a:r>
+            <a:r>
+              <a:rPr lang="en-US" dirty="0"/>
+              <a:t>. De </a:t>
+            </a:r>
+            <a:r>
+              <a:rPr lang="en-US" dirty="0" err="1"/>
+              <a:t>exemplu</a:t>
+            </a:r>
+            <a:r>
+              <a:rPr lang="en-US" dirty="0"/>
+              <a:t>:</a:t>
+            </a:r>
+          </a:p>
+          <a:p>
+            <a:pPr lvl="1"/>
+            <a:r>
+              <a:rPr lang="en-US" dirty="0"/>
+              <a:t>Sunt </a:t>
+            </a:r>
+            <a:r>
+              <a:rPr lang="en-US" dirty="0" err="1"/>
+              <a:t>folosite</a:t>
+            </a:r>
+            <a:r>
+              <a:rPr lang="en-US" dirty="0"/>
+              <a:t> </a:t>
+            </a:r>
+            <a:r>
+              <a:rPr lang="en-US" dirty="0" err="1"/>
+              <a:t>comenzile</a:t>
+            </a:r>
+            <a:r>
+              <a:rPr lang="en-US" dirty="0"/>
+              <a:t> </a:t>
+            </a:r>
+            <a:r>
+              <a:rPr lang="en-US" dirty="0" err="1"/>
+              <a:t>deja</a:t>
+            </a:r>
+            <a:r>
+              <a:rPr lang="en-US" dirty="0"/>
+              <a:t> definite </a:t>
+            </a:r>
+            <a:r>
+              <a:rPr lang="en-US" dirty="0" err="1"/>
+              <a:t>si</a:t>
+            </a:r>
+            <a:r>
+              <a:rPr lang="en-US" dirty="0"/>
+              <a:t> </a:t>
+            </a:r>
+            <a:r>
+              <a:rPr lang="en-US" dirty="0" err="1"/>
+              <a:t>optimizate</a:t>
+            </a:r>
+            <a:r>
+              <a:rPr lang="en-US" dirty="0"/>
+              <a:t> lerp, </a:t>
+            </a:r>
+            <a:r>
+              <a:rPr lang="en-US" dirty="0" err="1"/>
+              <a:t>mul</a:t>
+            </a:r>
+            <a:r>
+              <a:rPr lang="en-US" dirty="0"/>
+              <a:t>, any, etc.</a:t>
+            </a:r>
+          </a:p>
+          <a:p>
+            <a:pPr lvl="1"/>
+            <a:r>
+              <a:rPr lang="en-US" dirty="0"/>
+              <a:t>In for-</a:t>
+            </a:r>
+            <a:r>
+              <a:rPr lang="en-US" dirty="0" err="1"/>
+              <a:t>uri</a:t>
+            </a:r>
+            <a:r>
+              <a:rPr lang="en-US" dirty="0"/>
+              <a:t>, if-urile sunt </a:t>
+            </a:r>
+            <a:r>
+              <a:rPr lang="en-US" dirty="0" err="1"/>
+              <a:t>controlate</a:t>
+            </a:r>
+            <a:r>
+              <a:rPr lang="en-US" dirty="0"/>
+              <a:t> </a:t>
+            </a:r>
+            <a:r>
+              <a:rPr lang="en-US" dirty="0" err="1"/>
+              <a:t>prin</a:t>
+            </a:r>
+            <a:r>
+              <a:rPr lang="en-US" dirty="0"/>
+              <a:t> </a:t>
+            </a:r>
+            <a:r>
+              <a:rPr lang="en-US" dirty="0" err="1"/>
+              <a:t>flaguri</a:t>
+            </a:r>
+            <a:r>
+              <a:rPr lang="en-US" dirty="0"/>
+              <a:t> 0 </a:t>
+            </a:r>
+            <a:r>
+              <a:rPr lang="en-US" dirty="0" err="1"/>
+              <a:t>sau</a:t>
+            </a:r>
+            <a:r>
+              <a:rPr lang="en-US" dirty="0"/>
+              <a:t> 1 cu care sunt </a:t>
+            </a:r>
+            <a:r>
+              <a:rPr lang="en-US" dirty="0" err="1"/>
+              <a:t>inmultite</a:t>
+            </a:r>
+            <a:r>
+              <a:rPr lang="en-US" dirty="0"/>
+              <a:t> </a:t>
+            </a:r>
+            <a:r>
+              <a:rPr lang="en-US" dirty="0" err="1"/>
+              <a:t>ecuatiile</a:t>
+            </a:r>
+            <a:r>
+              <a:rPr lang="en-US" dirty="0"/>
+              <a:t> conditionate. </a:t>
+            </a:r>
+            <a:r>
+              <a:rPr lang="en-US" dirty="0" err="1"/>
+              <a:t>Astfel</a:t>
+            </a:r>
+            <a:r>
+              <a:rPr lang="en-US" dirty="0"/>
+              <a:t> se </a:t>
+            </a:r>
+            <a:r>
+              <a:rPr lang="en-US" dirty="0" err="1"/>
+              <a:t>evita</a:t>
+            </a:r>
+            <a:r>
+              <a:rPr lang="en-US" dirty="0"/>
+              <a:t> </a:t>
+            </a:r>
+            <a:r>
+              <a:rPr lang="en-US" dirty="0" err="1"/>
+              <a:t>scindarea</a:t>
+            </a:r>
+            <a:r>
+              <a:rPr lang="en-US" dirty="0"/>
+              <a:t> thread front-</a:t>
+            </a:r>
+            <a:r>
+              <a:rPr lang="en-US" dirty="0" err="1"/>
+              <a:t>ului</a:t>
             </a:r>
             <a:endParaRPr lang="ro-RO" dirty="0"/>
           </a:p>
@@ -16861,236 +17760,12 @@
           <a:chExt cx="0" cy="0"/>
         </a:xfrm>
       </p:grpSpPr>
-      <p:pic>
-        <p:nvPicPr>
-          <p:cNvPr id="4" name="Content Placeholder 3" descr="night sky with mountains on the horizon">
-            <a:extLst>
-              <a:ext uri="{FF2B5EF4-FFF2-40B4-BE49-F238E27FC236}">
-                <a16:creationId xmlns:a16="http://schemas.microsoft.com/office/drawing/2014/main" id="{2739CFE1-3E46-48B5-9BDB-769492BA7A53}"/>
-              </a:ext>
-            </a:extLst>
-          </p:cNvPr>
-          <p:cNvPicPr>
-            <a:picLocks noGrp="1" noChangeAspect="1"/>
-          </p:cNvPicPr>
-          <p:nvPr>
-            <p:ph sz="half" idx="1"/>
-          </p:nvPr>
-        </p:nvPicPr>
-        <p:blipFill rotWithShape="1">
-          <a:blip r:embed="rId3"/>
-          <a:srcRect t="4555" b="4555"/>
-          <a:stretch/>
-        </p:blipFill>
-        <p:spPr>
-          <a:xfrm>
-            <a:off x="-600" y="-1226"/>
-            <a:ext cx="12193200" cy="6860452"/>
-          </a:xfrm>
-          <a:custGeom>
-            <a:avLst/>
-            <a:gdLst/>
-            <a:ahLst/>
-            <a:cxnLst/>
-            <a:rect l="l" t="t" r="r" b="b"/>
-            <a:pathLst>
-              <a:path w="12192000" h="6858000">
-                <a:moveTo>
-                  <a:pt x="6090347" y="706999"/>
-                </a:moveTo>
-                <a:cubicBezTo>
-                  <a:pt x="4588386" y="706999"/>
-                  <a:pt x="3370806" y="1924579"/>
-                  <a:pt x="3370806" y="3426541"/>
-                </a:cubicBezTo>
-                <a:cubicBezTo>
-                  <a:pt x="3370806" y="4928503"/>
-                  <a:pt x="4588386" y="6146083"/>
-                  <a:pt x="6090347" y="6146083"/>
-                </a:cubicBezTo>
-                <a:cubicBezTo>
-                  <a:pt x="7592308" y="6146083"/>
-                  <a:pt x="8809888" y="4928503"/>
-                  <a:pt x="8809888" y="3426541"/>
-                </a:cubicBezTo>
-                <a:cubicBezTo>
-                  <a:pt x="8809888" y="1924579"/>
-                  <a:pt x="7592308" y="706999"/>
-                  <a:pt x="6090347" y="706999"/>
-                </a:cubicBezTo>
-                <a:close/>
-                <a:moveTo>
-                  <a:pt x="6082303" y="247854"/>
-                </a:moveTo>
-                <a:cubicBezTo>
-                  <a:pt x="7836802" y="247854"/>
-                  <a:pt x="9259104" y="1671227"/>
-                  <a:pt x="9259104" y="3427045"/>
-                </a:cubicBezTo>
-                <a:cubicBezTo>
-                  <a:pt x="9259104" y="5182864"/>
-                  <a:pt x="7836802" y="6606237"/>
-                  <a:pt x="6082303" y="6606237"/>
-                </a:cubicBezTo>
-                <a:cubicBezTo>
-                  <a:pt x="4327804" y="6606237"/>
-                  <a:pt x="2905502" y="5182864"/>
-                  <a:pt x="2905502" y="3427045"/>
-                </a:cubicBezTo>
-                <a:cubicBezTo>
-                  <a:pt x="2905502" y="1671227"/>
-                  <a:pt x="4327804" y="247854"/>
-                  <a:pt x="6082303" y="247854"/>
-                </a:cubicBezTo>
-                <a:close/>
-                <a:moveTo>
-                  <a:pt x="9560257" y="0"/>
-                </a:moveTo>
-                <a:lnTo>
-                  <a:pt x="12192000" y="0"/>
-                </a:lnTo>
-                <a:lnTo>
-                  <a:pt x="12192000" y="6858000"/>
-                </a:lnTo>
-                <a:lnTo>
-                  <a:pt x="9560255" y="6858000"/>
-                </a:lnTo>
-                <a:lnTo>
-                  <a:pt x="9704262" y="6706843"/>
-                </a:lnTo>
-                <a:cubicBezTo>
-                  <a:pt x="10490530" y="5841105"/>
-                  <a:pt x="10969748" y="4691058"/>
-                  <a:pt x="10969748" y="3428999"/>
-                </a:cubicBezTo>
-                <a:cubicBezTo>
-                  <a:pt x="10969748" y="2166941"/>
-                  <a:pt x="10490530" y="1016894"/>
-                  <a:pt x="9704262" y="151155"/>
-                </a:cubicBezTo>
-                <a:close/>
-                <a:moveTo>
-                  <a:pt x="7947654" y="0"/>
-                </a:moveTo>
-                <a:lnTo>
-                  <a:pt x="8099035" y="0"/>
-                </a:lnTo>
-                <a:lnTo>
-                  <a:pt x="8158569" y="34257"/>
-                </a:lnTo>
-                <a:cubicBezTo>
-                  <a:pt x="9305381" y="731601"/>
-                  <a:pt x="10071441" y="1993601"/>
-                  <a:pt x="10071441" y="3434659"/>
-                </a:cubicBezTo>
-                <a:cubicBezTo>
-                  <a:pt x="10071441" y="4875717"/>
-                  <a:pt x="9305381" y="6137716"/>
-                  <a:pt x="8158569" y="6835060"/>
-                </a:cubicBezTo>
-                <a:lnTo>
-                  <a:pt x="8118703" y="6858000"/>
-                </a:lnTo>
-                <a:lnTo>
-                  <a:pt x="7923440" y="6858000"/>
-                </a:lnTo>
-                <a:lnTo>
-                  <a:pt x="7938929" y="6850061"/>
-                </a:lnTo>
-                <a:cubicBezTo>
-                  <a:pt x="9153123" y="6189975"/>
-                  <a:pt x="9977382" y="4902579"/>
-                  <a:pt x="9977382" y="3422520"/>
-                </a:cubicBezTo>
-                <a:cubicBezTo>
-                  <a:pt x="9977382" y="2009739"/>
-                  <a:pt x="9226353" y="772500"/>
-                  <a:pt x="8102044" y="88839"/>
-                </a:cubicBezTo>
-                <a:close/>
-                <a:moveTo>
-                  <a:pt x="4097777" y="0"/>
-                </a:moveTo>
-                <a:lnTo>
-                  <a:pt x="4216953" y="0"/>
-                </a:lnTo>
-                <a:lnTo>
-                  <a:pt x="4062563" y="88839"/>
-                </a:lnTo>
-                <a:cubicBezTo>
-                  <a:pt x="2938253" y="772500"/>
-                  <a:pt x="2187224" y="2009739"/>
-                  <a:pt x="2187224" y="3422520"/>
-                </a:cubicBezTo>
-                <a:cubicBezTo>
-                  <a:pt x="2187224" y="4902579"/>
-                  <a:pt x="3011483" y="6189975"/>
-                  <a:pt x="4225677" y="6850061"/>
-                </a:cubicBezTo>
-                <a:lnTo>
-                  <a:pt x="4241167" y="6858000"/>
-                </a:lnTo>
-                <a:lnTo>
-                  <a:pt x="4078110" y="6858000"/>
-                </a:lnTo>
-                <a:lnTo>
-                  <a:pt x="4038243" y="6835060"/>
-                </a:lnTo>
-                <a:cubicBezTo>
-                  <a:pt x="2891431" y="6137716"/>
-                  <a:pt x="2125371" y="4875717"/>
-                  <a:pt x="2125371" y="3434659"/>
-                </a:cubicBezTo>
-                <a:cubicBezTo>
-                  <a:pt x="2125371" y="1993601"/>
-                  <a:pt x="2891431" y="731601"/>
-                  <a:pt x="4038243" y="34257"/>
-                </a:cubicBezTo>
-                <a:close/>
-                <a:moveTo>
-                  <a:pt x="0" y="0"/>
-                </a:moveTo>
-                <a:lnTo>
-                  <a:pt x="2636555" y="0"/>
-                </a:lnTo>
-                <a:lnTo>
-                  <a:pt x="2492551" y="151155"/>
-                </a:lnTo>
-                <a:cubicBezTo>
-                  <a:pt x="1706282" y="1016894"/>
-                  <a:pt x="1227064" y="2166941"/>
-                  <a:pt x="1227064" y="3428999"/>
-                </a:cubicBezTo>
-                <a:cubicBezTo>
-                  <a:pt x="1227064" y="4691058"/>
-                  <a:pt x="1706282" y="5841105"/>
-                  <a:pt x="2492551" y="6706843"/>
-                </a:cubicBezTo>
-                <a:lnTo>
-                  <a:pt x="2636557" y="6858000"/>
-                </a:lnTo>
-                <a:lnTo>
-                  <a:pt x="0" y="6858000"/>
-                </a:lnTo>
-                <a:close/>
-              </a:path>
-            </a:pathLst>
-          </a:custGeom>
-          <a:ln w="60325" cmpd="dbl">
-            <a:solidFill>
-              <a:schemeClr val="tx1">
-                <a:alpha val="40000"/>
-              </a:schemeClr>
-            </a:solidFill>
-          </a:ln>
-        </p:spPr>
-      </p:pic>
       <p:sp>
         <p:nvSpPr>
           <p:cNvPr id="2" name="Title 1">
             <a:extLst>
               <a:ext uri="{FF2B5EF4-FFF2-40B4-BE49-F238E27FC236}">
-                <a16:creationId xmlns:a16="http://schemas.microsoft.com/office/drawing/2014/main" id="{144E241E-3110-4B1C-B9B0-F17B90FEEC1D}"/>
+                <a16:creationId xmlns:a16="http://schemas.microsoft.com/office/drawing/2014/main" id="{9A8414C7-50A6-45C4-A3C2-7E1FF7ABD995}"/>
               </a:ext>
             </a:extLst>
           </p:cNvPr>
@@ -17101,22 +17776,187 @@
             <p:ph type="title"/>
           </p:nvPr>
         </p:nvSpPr>
+        <p:spPr/>
+        <p:txBody>
+          <a:bodyPr/>
+          <a:lstStyle/>
+          <a:p>
+            <a:r>
+              <a:rPr lang="en-US" dirty="0" err="1"/>
+              <a:t>Optimizari</a:t>
+            </a:r>
+            <a:endParaRPr lang="ro-RO" dirty="0"/>
+          </a:p>
+        </p:txBody>
+      </p:sp>
+      <p:pic>
+        <p:nvPicPr>
+          <p:cNvPr id="4" name="Content Placeholder 3">
+            <a:extLst>
+              <a:ext uri="{FF2B5EF4-FFF2-40B4-BE49-F238E27FC236}">
+                <a16:creationId xmlns:a16="http://schemas.microsoft.com/office/drawing/2014/main" id="{881C68C5-39AE-4C22-B632-69BD86B2C3D4}"/>
+              </a:ext>
+              <a:ext uri="{C183D7F6-B498-43B3-948B-1728B52AA6E4}">
+                <adec:decorative xmlns:adec="http://schemas.microsoft.com/office/drawing/2017/decorative" val="0"/>
+              </a:ext>
+            </a:extLst>
+          </p:cNvPr>
+          <p:cNvPicPr>
+            <a:picLocks noGrp="1" noChangeAspect="1"/>
+          </p:cNvPicPr>
+          <p:nvPr>
+            <p:ph idx="1"/>
+          </p:nvPr>
+        </p:nvPicPr>
+        <p:blipFill>
+          <a:blip r:embed="rId2"/>
+          <a:stretch>
+            <a:fillRect/>
+          </a:stretch>
+        </p:blipFill>
         <p:spPr>
           <a:xfrm>
-            <a:off x="2408903" y="787400"/>
-            <a:ext cx="7390680" cy="1278467"/>
+            <a:off x="834053" y="1902754"/>
+            <a:ext cx="6630325" cy="771633"/>
           </a:xfrm>
+          <a:prstGeom prst="roundRect">
+            <a:avLst>
+              <a:gd name="adj" fmla="val 8594"/>
+            </a:avLst>
+          </a:prstGeom>
+          <a:solidFill>
+            <a:srgbClr val="FFFFFF">
+              <a:shade val="85000"/>
+            </a:srgbClr>
+          </a:solidFill>
+          <a:ln>
+            <a:noFill/>
+          </a:ln>
+          <a:effectLst>
+            <a:reflection blurRad="12700" stA="38000" endPos="28000" dist="5000" dir="5400000" sy="-100000" algn="bl" rotWithShape="0"/>
+          </a:effectLst>
+        </p:spPr>
+      </p:pic>
+      <p:pic>
+        <p:nvPicPr>
+          <p:cNvPr id="5" name="Picture 4">
+            <a:extLst>
+              <a:ext uri="{FF2B5EF4-FFF2-40B4-BE49-F238E27FC236}">
+                <a16:creationId xmlns:a16="http://schemas.microsoft.com/office/drawing/2014/main" id="{B09DDF6D-A4D4-405C-ACB0-5A9CE63BD79E}"/>
+              </a:ext>
+            </a:extLst>
+          </p:cNvPr>
+          <p:cNvPicPr>
+            <a:picLocks noChangeAspect="1"/>
+          </p:cNvPicPr>
+          <p:nvPr/>
+        </p:nvPicPr>
+        <p:blipFill>
+          <a:blip r:embed="rId3"/>
+          <a:stretch>
+            <a:fillRect/>
+          </a:stretch>
+        </p:blipFill>
+        <p:spPr>
+          <a:xfrm>
+            <a:off x="441820" y="3006607"/>
+            <a:ext cx="11308360" cy="984004"/>
+          </a:xfrm>
+          <a:prstGeom prst="roundRect">
+            <a:avLst>
+              <a:gd name="adj" fmla="val 8594"/>
+            </a:avLst>
+          </a:prstGeom>
+          <a:solidFill>
+            <a:srgbClr val="FFFFFF">
+              <a:shade val="85000"/>
+            </a:srgbClr>
+          </a:solidFill>
+          <a:ln>
+            <a:noFill/>
+          </a:ln>
+          <a:effectLst>
+            <a:reflection blurRad="12700" stA="38000" endPos="28000" dist="5000" dir="5400000" sy="-100000" algn="bl" rotWithShape="0"/>
+          </a:effectLst>
+        </p:spPr>
+      </p:pic>
+      <p:pic>
+        <p:nvPicPr>
+          <p:cNvPr id="6" name="Picture 5">
+            <a:extLst>
+              <a:ext uri="{FF2B5EF4-FFF2-40B4-BE49-F238E27FC236}">
+                <a16:creationId xmlns:a16="http://schemas.microsoft.com/office/drawing/2014/main" id="{6978ECAB-13E0-4585-9E5A-3E914A2D6766}"/>
+              </a:ext>
+            </a:extLst>
+          </p:cNvPr>
+          <p:cNvPicPr>
+            <a:picLocks noChangeAspect="1"/>
+          </p:cNvPicPr>
+          <p:nvPr/>
+        </p:nvPicPr>
+        <p:blipFill>
+          <a:blip r:embed="rId4"/>
+          <a:stretch>
+            <a:fillRect/>
+          </a:stretch>
+        </p:blipFill>
+        <p:spPr>
+          <a:xfrm>
+            <a:off x="834053" y="4245726"/>
+            <a:ext cx="6125430" cy="933580"/>
+          </a:xfrm>
+          <a:prstGeom prst="roundRect">
+            <a:avLst>
+              <a:gd name="adj" fmla="val 8594"/>
+            </a:avLst>
+          </a:prstGeom>
+          <a:solidFill>
+            <a:srgbClr val="FFFFFF">
+              <a:shade val="85000"/>
+            </a:srgbClr>
+          </a:solidFill>
+          <a:ln>
+            <a:noFill/>
+          </a:ln>
+          <a:effectLst>
+            <a:reflection blurRad="12700" stA="38000" endPos="28000" dist="5000" dir="5400000" sy="-100000" algn="bl" rotWithShape="0"/>
+          </a:effectLst>
+        </p:spPr>
+      </p:pic>
+      <p:sp>
+        <p:nvSpPr>
+          <p:cNvPr id="7" name="TextBox 6">
+            <a:extLst>
+              <a:ext uri="{FF2B5EF4-FFF2-40B4-BE49-F238E27FC236}">
+                <a16:creationId xmlns:a16="http://schemas.microsoft.com/office/drawing/2014/main" id="{45C05B5C-FA29-4F8C-864C-8BC709E0FCC9}"/>
+              </a:ext>
+            </a:extLst>
+          </p:cNvPr>
+          <p:cNvSpPr txBox="1"/>
+          <p:nvPr/>
+        </p:nvSpPr>
+        <p:spPr>
+          <a:xfrm>
+            <a:off x="2223082" y="5179306"/>
+            <a:ext cx="4286028" cy="261610"/>
+          </a:xfrm>
+          <a:prstGeom prst="rect">
+            <a:avLst/>
+          </a:prstGeom>
+          <a:noFill/>
         </p:spPr>
         <p:txBody>
-          <a:bodyPr vert="horz" lIns="91440" tIns="45720" rIns="91440" bIns="45720" rtlCol="0" anchor="ctr">
-            <a:normAutofit/>
+          <a:bodyPr wrap="square" rtlCol="0">
+            <a:spAutoFit/>
           </a:bodyPr>
           <a:lstStyle/>
           <a:p>
-            <a:pPr algn="ctr"/>
-            <a:r>
-              <a:rPr lang="en-US" dirty="0"/>
-              <a:t>Network Technology</a:t>
+            <a:r>
+              <a:rPr lang="ro-RO" sz="1100" dirty="0">
+                <a:latin typeface="Arial" panose="020B0604020202020204" pitchFamily="34" charset="0"/>
+                <a:cs typeface="Arial" panose="020B0604020202020204" pitchFamily="34" charset="0"/>
+              </a:rPr>
+              <a:t>Accesarea unui tabel mare într-o forma liniara</a:t>
             </a:r>
           </a:p>
         </p:txBody>
@@ -17124,7 +17964,7 @@
     </p:spTree>
     <p:extLst>
       <p:ext uri="{BB962C8B-B14F-4D97-AF65-F5344CB8AC3E}">
-        <p14:creationId xmlns:p14="http://schemas.microsoft.com/office/powerpoint/2010/main" val="1974828406"/>
+        <p14:creationId xmlns:p14="http://schemas.microsoft.com/office/powerpoint/2010/main" val="3844857940"/>
       </p:ext>
     </p:extLst>
   </p:cSld>
@@ -17151,48 +17991,12 @@
           <a:chExt cx="0" cy="0"/>
         </a:xfrm>
       </p:grpSpPr>
-      <p:pic>
-        <p:nvPicPr>
-          <p:cNvPr id="5" name="Picture 4" descr="light spots">
-            <a:extLst>
-              <a:ext uri="{FF2B5EF4-FFF2-40B4-BE49-F238E27FC236}">
-                <a16:creationId xmlns:a16="http://schemas.microsoft.com/office/drawing/2014/main" id="{20A520D0-11CF-4639-8537-F56A8A2FDCFD}"/>
-              </a:ext>
-            </a:extLst>
-          </p:cNvPr>
-          <p:cNvPicPr>
-            <a:picLocks noChangeAspect="1"/>
-          </p:cNvPicPr>
-          <p:nvPr/>
-        </p:nvPicPr>
-        <p:blipFill rotWithShape="1">
-          <a:blip r:embed="rId3">
-            <a:alphaModFix amt="20000"/>
-            <a:extLst>
-              <a:ext uri="{28A0092B-C50C-407E-A947-70E740481C1C}">
-                <a14:useLocalDpi xmlns:a14="http://schemas.microsoft.com/office/drawing/2010/main"/>
-              </a:ext>
-            </a:extLst>
-          </a:blip>
-          <a:srcRect/>
-          <a:stretch/>
-        </p:blipFill>
-        <p:spPr>
-          <a:xfrm>
-            <a:off x="20" y="10"/>
-            <a:ext cx="12191980" cy="6857990"/>
-          </a:xfrm>
-          <a:prstGeom prst="rect">
-            <a:avLst/>
-          </a:prstGeom>
-        </p:spPr>
-      </p:pic>
       <p:sp>
         <p:nvSpPr>
           <p:cNvPr id="2" name="Title 1">
             <a:extLst>
               <a:ext uri="{FF2B5EF4-FFF2-40B4-BE49-F238E27FC236}">
-                <a16:creationId xmlns:a16="http://schemas.microsoft.com/office/drawing/2014/main" id="{D44BCB7C-A6FC-4118-9027-468ECFDE6455}"/>
+                <a16:creationId xmlns:a16="http://schemas.microsoft.com/office/drawing/2014/main" id="{D3BE3D52-24B4-4C08-B977-7FBFFC50EBA8}"/>
               </a:ext>
             </a:extLst>
           </p:cNvPr>
@@ -17200,34 +18004,36 @@
             <a:spLocks noGrp="1"/>
           </p:cNvSpPr>
           <p:nvPr>
-            <p:ph type="ctrTitle"/>
+            <p:ph type="title"/>
           </p:nvPr>
         </p:nvSpPr>
-        <p:spPr>
-          <a:xfrm>
-            <a:off x="3962399" y="2573867"/>
-            <a:ext cx="7197726" cy="2421464"/>
-          </a:xfrm>
-        </p:spPr>
+        <p:spPr/>
         <p:txBody>
-          <a:bodyPr>
-            <a:normAutofit/>
-          </a:bodyPr>
+          <a:bodyPr/>
           <a:lstStyle/>
           <a:p>
             <a:r>
-              <a:rPr lang="en-US" dirty="0"/>
-              <a:t>Thank You!</a:t>
-            </a:r>
+              <a:rPr lang="ro-RO" dirty="0" err="1"/>
+              <a:t>Verlet</a:t>
+            </a:r>
+            <a:r>
+              <a:rPr lang="ro-RO" dirty="0"/>
+              <a:t> </a:t>
+            </a:r>
+            <a:r>
+              <a:rPr lang="ro-RO" dirty="0" err="1"/>
+              <a:t>integration</a:t>
+            </a:r>
+            <a:endParaRPr lang="ro-RO" dirty="0"/>
           </a:p>
         </p:txBody>
       </p:sp>
       <p:sp>
         <p:nvSpPr>
-          <p:cNvPr id="3" name="Subtitle 2">
+          <p:cNvPr id="3" name="Content Placeholder 2">
             <a:extLst>
               <a:ext uri="{FF2B5EF4-FFF2-40B4-BE49-F238E27FC236}">
-                <a16:creationId xmlns:a16="http://schemas.microsoft.com/office/drawing/2014/main" id="{4B64FA72-B055-4AE3-A6FD-8071BD687CBE}"/>
+                <a16:creationId xmlns:a16="http://schemas.microsoft.com/office/drawing/2014/main" id="{1F100E92-AB47-4DB5-8527-EDB17DA0BC92}"/>
               </a:ext>
             </a:extLst>
           </p:cNvPr>
@@ -17235,15 +18041,191 @@
             <a:spLocks noGrp="1"/>
           </p:cNvSpPr>
           <p:nvPr>
-            <p:ph type="subTitle" idx="1"/>
+            <p:ph idx="1"/>
           </p:nvPr>
         </p:nvSpPr>
-        <p:spPr>
-          <a:xfrm>
-            <a:off x="3962399" y="4995332"/>
-            <a:ext cx="7197726" cy="1405467"/>
-          </a:xfrm>
-        </p:spPr>
+        <p:spPr/>
+        <p:txBody>
+          <a:bodyPr/>
+          <a:lstStyle/>
+          <a:p>
+            <a:r>
+              <a:rPr lang="ro-RO" dirty="0"/>
+              <a:t>Am folosit </a:t>
+            </a:r>
+            <a:r>
+              <a:rPr lang="ro-RO" dirty="0" err="1"/>
+              <a:t>Verlet</a:t>
+            </a:r>
+            <a:r>
+              <a:rPr lang="ro-RO" dirty="0"/>
+              <a:t> </a:t>
+            </a:r>
+            <a:r>
+              <a:rPr lang="ro-RO" dirty="0" err="1"/>
+              <a:t>Integration</a:t>
+            </a:r>
+            <a:r>
+              <a:rPr lang="ro-RO" dirty="0"/>
+              <a:t> pentru a simula un sistem de puncte cu </a:t>
+            </a:r>
+            <a:r>
+              <a:rPr lang="ro-RO" dirty="0" err="1"/>
+              <a:t>constrangeri</a:t>
+            </a:r>
+            <a:r>
+              <a:rPr lang="ro-RO" dirty="0"/>
+              <a:t> intre ele.</a:t>
+            </a:r>
+          </a:p>
+          <a:p>
+            <a:r>
+              <a:rPr lang="ro-RO" dirty="0"/>
+              <a:t>Algoritmul e folosit pentru a calcula comportamentul plantelor sub apa.</a:t>
+            </a:r>
+          </a:p>
+          <a:p>
+            <a:r>
+              <a:rPr lang="ro-RO" dirty="0"/>
+              <a:t>Pentru prima data in </a:t>
+            </a:r>
+            <a:r>
+              <a:rPr lang="ro-RO" dirty="0" err="1"/>
+              <a:t>Unity</a:t>
+            </a:r>
+            <a:r>
+              <a:rPr lang="ro-RO" dirty="0"/>
+              <a:t>, algoritmul este integrat cu sistemul de coliziuni si metode de </a:t>
+            </a:r>
+            <a:r>
+              <a:rPr lang="ro-RO" dirty="0" err="1"/>
+              <a:t>RayTracing</a:t>
+            </a:r>
+            <a:r>
+              <a:rPr lang="ro-RO" dirty="0"/>
+              <a:t> pentru manipula plantele </a:t>
+            </a:r>
+            <a:r>
+              <a:rPr lang="ro-RO" dirty="0" err="1"/>
+              <a:t>cand</a:t>
+            </a:r>
+            <a:r>
+              <a:rPr lang="ro-RO" dirty="0"/>
+              <a:t> un vehicul </a:t>
+            </a:r>
+            <a:r>
+              <a:rPr lang="ro-RO" dirty="0" err="1"/>
+              <a:t>interactioneaza</a:t>
+            </a:r>
+            <a:r>
+              <a:rPr lang="ro-RO" dirty="0"/>
+              <a:t> cu ele. Aceasta implementare e realizata </a:t>
+            </a:r>
+            <a:r>
+              <a:rPr lang="ro-RO" dirty="0" err="1"/>
+              <a:t>intr</a:t>
+            </a:r>
+            <a:r>
+              <a:rPr lang="ro-RO" dirty="0"/>
+              <a:t>-un mod eficient:</a:t>
+            </a:r>
+          </a:p>
+          <a:p>
+            <a:pPr lvl="1"/>
+            <a:r>
+              <a:rPr lang="ro-RO" dirty="0"/>
+              <a:t>Este creat un </a:t>
+            </a:r>
+            <a:r>
+              <a:rPr lang="ro-RO" dirty="0" err="1"/>
+              <a:t>BoxCollider</a:t>
+            </a:r>
+            <a:r>
+              <a:rPr lang="ro-RO" dirty="0"/>
+              <a:t> ce </a:t>
+            </a:r>
+          </a:p>
+        </p:txBody>
+      </p:sp>
+    </p:spTree>
+    <p:extLst>
+      <p:ext uri="{BB962C8B-B14F-4D97-AF65-F5344CB8AC3E}">
+        <p14:creationId xmlns:p14="http://schemas.microsoft.com/office/powerpoint/2010/main" val="795342428"/>
+      </p:ext>
+    </p:extLst>
+  </p:cSld>
+  <p:clrMapOvr>
+    <a:masterClrMapping/>
+  </p:clrMapOvr>
+</p:sld>
+</file>
+
+<file path=ppt/slides/slide8.xml><?xml version="1.0" encoding="utf-8"?>
+<p:sld xmlns:a="http://schemas.openxmlformats.org/drawingml/2006/main" xmlns:r="http://schemas.openxmlformats.org/officeDocument/2006/relationships" xmlns:p="http://schemas.openxmlformats.org/presentationml/2006/main">
+  <p:cSld>
+    <p:spTree>
+      <p:nvGrpSpPr>
+        <p:cNvPr id="1" name=""/>
+        <p:cNvGrpSpPr/>
+        <p:nvPr/>
+      </p:nvGrpSpPr>
+      <p:grpSpPr>
+        <a:xfrm>
+          <a:off x="0" y="0"/>
+          <a:ext cx="0" cy="0"/>
+          <a:chOff x="0" y="0"/>
+          <a:chExt cx="0" cy="0"/>
+        </a:xfrm>
+      </p:grpSpPr>
+      <p:sp>
+        <p:nvSpPr>
+          <p:cNvPr id="2" name="Title 1">
+            <a:extLst>
+              <a:ext uri="{FF2B5EF4-FFF2-40B4-BE49-F238E27FC236}">
+                <a16:creationId xmlns:a16="http://schemas.microsoft.com/office/drawing/2014/main" id="{D22E4C12-7659-4591-A8B8-EE87B56DD8C6}"/>
+              </a:ext>
+            </a:extLst>
+          </p:cNvPr>
+          <p:cNvSpPr>
+            <a:spLocks noGrp="1"/>
+          </p:cNvSpPr>
+          <p:nvPr>
+            <p:ph type="title"/>
+          </p:nvPr>
+        </p:nvSpPr>
+        <p:spPr/>
+        <p:txBody>
+          <a:bodyPr/>
+          <a:lstStyle/>
+          <a:p>
+            <a:r>
+              <a:rPr lang="ro-RO" dirty="0" err="1"/>
+              <a:t>Terrain</a:t>
+            </a:r>
+            <a:r>
+              <a:rPr lang="ro-RO" dirty="0"/>
+              <a:t> generator</a:t>
+            </a:r>
+          </a:p>
+        </p:txBody>
+      </p:sp>
+      <p:sp>
+        <p:nvSpPr>
+          <p:cNvPr id="3" name="Content Placeholder 2">
+            <a:extLst>
+              <a:ext uri="{FF2B5EF4-FFF2-40B4-BE49-F238E27FC236}">
+                <a16:creationId xmlns:a16="http://schemas.microsoft.com/office/drawing/2014/main" id="{09F0C14C-5BF3-45BB-9621-29B8D4421DF0}"/>
+              </a:ext>
+            </a:extLst>
+          </p:cNvPr>
+          <p:cNvSpPr>
+            <a:spLocks noGrp="1"/>
+          </p:cNvSpPr>
+          <p:nvPr>
+            <p:ph idx="1"/>
+          </p:nvPr>
+        </p:nvSpPr>
+        <p:spPr/>
         <p:txBody>
           <a:bodyPr>
             <a:normAutofit/>
@@ -17251,15 +18233,207 @@
           <a:lstStyle/>
           <a:p>
             <a:r>
-              <a:rPr lang="en-US" dirty="0">
-                <a:solidFill>
-                  <a:schemeClr val="accent1">
-                    <a:lumMod val="40000"/>
-                    <a:lumOff val="60000"/>
-                  </a:schemeClr>
-                </a:solidFill>
-              </a:rPr>
-              <a:t>someone@example.com</a:t>
+              <a:rPr lang="ro-RO" dirty="0"/>
+              <a:t>Algoritmul de </a:t>
+            </a:r>
+            <a:r>
+              <a:rPr lang="ro-RO" dirty="0" err="1"/>
+              <a:t>Marching</a:t>
+            </a:r>
+            <a:r>
+              <a:rPr lang="ro-RO" dirty="0"/>
+              <a:t> </a:t>
+            </a:r>
+            <a:r>
+              <a:rPr lang="ro-RO" dirty="0" err="1"/>
+              <a:t>Cubes</a:t>
+            </a:r>
+            <a:r>
+              <a:rPr lang="ro-RO" dirty="0"/>
+              <a:t> este utilizat </a:t>
+            </a:r>
+            <a:r>
+              <a:rPr lang="ro-RO" dirty="0" err="1"/>
+              <a:t>intr-o</a:t>
+            </a:r>
+            <a:r>
+              <a:rPr lang="ro-RO" dirty="0"/>
+              <a:t> clasa de generare a </a:t>
+            </a:r>
+            <a:r>
+              <a:rPr lang="ro-RO" dirty="0" err="1"/>
+              <a:t>chunk</a:t>
+            </a:r>
+            <a:r>
+              <a:rPr lang="ro-RO" dirty="0"/>
+              <a:t>-urilor pentru teren.</a:t>
+            </a:r>
+          </a:p>
+          <a:p>
+            <a:r>
+              <a:rPr lang="ro-RO" dirty="0"/>
+              <a:t>O variabila </a:t>
+            </a:r>
+            <a:r>
+              <a:rPr lang="ro-RO" dirty="0" err="1"/>
+              <a:t>controleaza</a:t>
+            </a:r>
+            <a:r>
+              <a:rPr lang="ro-RO" dirty="0"/>
+              <a:t> step </a:t>
+            </a:r>
+            <a:r>
+              <a:rPr lang="ro-RO" dirty="0" err="1"/>
+              <a:t>size-ul</a:t>
+            </a:r>
+            <a:r>
+              <a:rPr lang="ro-RO" dirty="0"/>
+              <a:t> terenului – folosit pentru aspectul de terasare</a:t>
+            </a:r>
+          </a:p>
+          <a:p>
+            <a:r>
+              <a:rPr lang="ro-RO" dirty="0"/>
+              <a:t>Alte variabile </a:t>
+            </a:r>
+            <a:r>
+              <a:rPr lang="ro-RO" dirty="0" err="1"/>
+              <a:t>controleaza</a:t>
+            </a:r>
+            <a:r>
+              <a:rPr lang="ro-RO" dirty="0"/>
+              <a:t>:</a:t>
+            </a:r>
+          </a:p>
+          <a:p>
+            <a:pPr lvl="1"/>
+            <a:r>
+              <a:rPr lang="ro-RO" dirty="0"/>
+              <a:t>Lungimea bazei unui </a:t>
+            </a:r>
+            <a:r>
+              <a:rPr lang="ro-RO" dirty="0" err="1"/>
+              <a:t>chunk</a:t>
+            </a:r>
+            <a:endParaRPr lang="ro-RO" dirty="0"/>
+          </a:p>
+          <a:p>
+            <a:pPr lvl="1"/>
+            <a:r>
+              <a:rPr lang="ro-RO" dirty="0" err="1"/>
+              <a:t>Inaltimea</a:t>
+            </a:r>
+            <a:endParaRPr lang="ro-RO" dirty="0"/>
+          </a:p>
+          <a:p>
+            <a:pPr lvl="1"/>
+            <a:r>
+              <a:rPr lang="ro-RO" dirty="0"/>
+              <a:t>Raza de </a:t>
+            </a:r>
+            <a:r>
+              <a:rPr lang="ro-RO" dirty="0" err="1"/>
+              <a:t>incarcare</a:t>
+            </a:r>
+            <a:r>
+              <a:rPr lang="ro-RO" dirty="0"/>
+              <a:t> (se face </a:t>
+            </a:r>
+            <a:r>
+              <a:rPr lang="ro-RO" dirty="0" err="1"/>
+              <a:t>intr</a:t>
+            </a:r>
+            <a:r>
+              <a:rPr lang="ro-RO" dirty="0"/>
+              <a:t>-un cerc)</a:t>
+            </a:r>
+          </a:p>
+          <a:p>
+            <a:r>
+              <a:rPr lang="ro-RO" dirty="0" err="1"/>
+              <a:t>Chunkurile</a:t>
+            </a:r>
+            <a:r>
+              <a:rPr lang="ro-RO" dirty="0"/>
+              <a:t> nu sunt distruse in </a:t>
+            </a:r>
+            <a:r>
+              <a:rPr lang="ro-RO" dirty="0" err="1"/>
+              <a:t>intregime</a:t>
+            </a:r>
+            <a:r>
+              <a:rPr lang="ro-RO" dirty="0"/>
+              <a:t> ci la dezactivare sunt salvate </a:t>
+            </a:r>
+            <a:r>
+              <a:rPr lang="ro-RO" dirty="0" err="1"/>
+              <a:t>intr</a:t>
+            </a:r>
+            <a:r>
+              <a:rPr lang="ro-RO" dirty="0"/>
+              <a:t>-un cache de unde vor fi </a:t>
+            </a:r>
+            <a:r>
+              <a:rPr lang="ro-RO" dirty="0" err="1"/>
+              <a:t>reincarcate</a:t>
+            </a:r>
+            <a:r>
+              <a:rPr lang="ro-RO" dirty="0"/>
+              <a:t> la comanda.</a:t>
+            </a:r>
+          </a:p>
+          <a:p>
+            <a:r>
+              <a:rPr lang="ro-RO" dirty="0"/>
+              <a:t>Fiecare </a:t>
+            </a:r>
+            <a:r>
+              <a:rPr lang="ro-RO" dirty="0" err="1"/>
+              <a:t>chunk</a:t>
+            </a:r>
+            <a:r>
+              <a:rPr lang="ro-RO" dirty="0"/>
+              <a:t> are un </a:t>
+            </a:r>
+            <a:r>
+              <a:rPr lang="ro-RO" dirty="0" err="1"/>
+              <a:t>mesh</a:t>
+            </a:r>
+            <a:r>
+              <a:rPr lang="ro-RO" dirty="0"/>
+              <a:t> atribuit si un </a:t>
+            </a:r>
+            <a:r>
+              <a:rPr lang="ro-RO" dirty="0" err="1"/>
+              <a:t>collider</a:t>
+            </a:r>
+            <a:r>
+              <a:rPr lang="ro-RO" dirty="0"/>
+              <a:t> format din acel </a:t>
+            </a:r>
+            <a:r>
+              <a:rPr lang="ro-RO" dirty="0" err="1"/>
+              <a:t>mesh</a:t>
+            </a:r>
+            <a:r>
+              <a:rPr lang="ro-RO" dirty="0"/>
+              <a:t>. Astfel vehiculul poate </a:t>
+            </a:r>
+            <a:r>
+              <a:rPr lang="ro-RO" dirty="0" err="1"/>
+              <a:t>interactiona</a:t>
+            </a:r>
+            <a:r>
+              <a:rPr lang="ro-RO" dirty="0"/>
+              <a:t> cu „</a:t>
+            </a:r>
+            <a:r>
+              <a:rPr lang="ro-RO" dirty="0" err="1"/>
+              <a:t>pamantul</a:t>
+            </a:r>
+            <a:r>
+              <a:rPr lang="ro-RO" dirty="0"/>
+              <a:t>”</a:t>
             </a:r>
           </a:p>
         </p:txBody>
@@ -17267,7 +18441,393 @@
     </p:spTree>
     <p:extLst>
       <p:ext uri="{BB962C8B-B14F-4D97-AF65-F5344CB8AC3E}">
-        <p14:creationId xmlns:p14="http://schemas.microsoft.com/office/powerpoint/2010/main" val="2939930866"/>
+        <p14:creationId xmlns:p14="http://schemas.microsoft.com/office/powerpoint/2010/main" val="3430766955"/>
+      </p:ext>
+    </p:extLst>
+  </p:cSld>
+  <p:clrMapOvr>
+    <a:masterClrMapping/>
+  </p:clrMapOvr>
+</p:sld>
+</file>
+
+<file path=ppt/slides/slide9.xml><?xml version="1.0" encoding="utf-8"?>
+<p:sld xmlns:a="http://schemas.openxmlformats.org/drawingml/2006/main" xmlns:r="http://schemas.openxmlformats.org/officeDocument/2006/relationships" xmlns:p="http://schemas.openxmlformats.org/presentationml/2006/main">
+  <p:cSld>
+    <p:spTree>
+      <p:nvGrpSpPr>
+        <p:cNvPr id="1" name=""/>
+        <p:cNvGrpSpPr/>
+        <p:nvPr/>
+      </p:nvGrpSpPr>
+      <p:grpSpPr>
+        <a:xfrm>
+          <a:off x="0" y="0"/>
+          <a:ext cx="0" cy="0"/>
+          <a:chOff x="0" y="0"/>
+          <a:chExt cx="0" cy="0"/>
+        </a:xfrm>
+      </p:grpSpPr>
+      <p:sp>
+        <p:nvSpPr>
+          <p:cNvPr id="3" name="Content Placeholder 2">
+            <a:extLst>
+              <a:ext uri="{FF2B5EF4-FFF2-40B4-BE49-F238E27FC236}">
+                <a16:creationId xmlns:a16="http://schemas.microsoft.com/office/drawing/2014/main" id="{4F202D1F-F155-4AB9-8BDA-20945416580A}"/>
+              </a:ext>
+            </a:extLst>
+          </p:cNvPr>
+          <p:cNvSpPr>
+            <a:spLocks noGrp="1"/>
+          </p:cNvSpPr>
+          <p:nvPr>
+            <p:ph idx="1"/>
+          </p:nvPr>
+        </p:nvSpPr>
+        <p:spPr>
+          <a:xfrm>
+            <a:off x="685801" y="455880"/>
+            <a:ext cx="10131425" cy="3649133"/>
+          </a:xfrm>
+        </p:spPr>
+        <p:txBody>
+          <a:bodyPr>
+            <a:normAutofit fontScale="92500"/>
+          </a:bodyPr>
+          <a:lstStyle/>
+          <a:p>
+            <a:r>
+              <a:rPr lang="ro-RO" dirty="0"/>
+              <a:t>In </a:t>
+            </a:r>
+            <a:r>
+              <a:rPr lang="ro-RO" dirty="0" err="1"/>
+              <a:t>acelasi</a:t>
+            </a:r>
+            <a:r>
+              <a:rPr lang="ro-RO" dirty="0"/>
+              <a:t> algoritm este suprapus un </a:t>
+            </a:r>
+            <a:r>
+              <a:rPr lang="ro-RO" dirty="0" err="1"/>
+              <a:t>engine</a:t>
+            </a:r>
+            <a:r>
+              <a:rPr lang="ro-RO" dirty="0"/>
+              <a:t> de plasare a plantelor in </a:t>
+            </a:r>
+            <a:r>
+              <a:rPr lang="ro-RO" dirty="0" err="1"/>
+              <a:t>pozitii</a:t>
+            </a:r>
+            <a:r>
+              <a:rPr lang="ro-RO" dirty="0"/>
+              <a:t> random.</a:t>
+            </a:r>
+          </a:p>
+          <a:p>
+            <a:r>
+              <a:rPr lang="ro-RO" dirty="0" err="1"/>
+              <a:t>Cateva</a:t>
+            </a:r>
+            <a:r>
+              <a:rPr lang="ro-RO" dirty="0"/>
+              <a:t> variabile </a:t>
+            </a:r>
+            <a:r>
+              <a:rPr lang="ro-RO" dirty="0" err="1"/>
+              <a:t>controleaza</a:t>
+            </a:r>
+            <a:r>
+              <a:rPr lang="ro-RO" dirty="0"/>
+              <a:t> </a:t>
+            </a:r>
+            <a:r>
+              <a:rPr lang="ro-RO" dirty="0" err="1"/>
+              <a:t>compartamenul</a:t>
+            </a:r>
+            <a:r>
+              <a:rPr lang="ro-RO" dirty="0"/>
+              <a:t> algoritmului:</a:t>
+            </a:r>
+          </a:p>
+          <a:p>
+            <a:pPr lvl="1"/>
+            <a:r>
+              <a:rPr lang="ro-RO" dirty="0"/>
+              <a:t>Plante per </a:t>
+            </a:r>
+            <a:r>
+              <a:rPr lang="ro-RO" dirty="0" err="1"/>
+              <a:t>chunk</a:t>
+            </a:r>
+            <a:endParaRPr lang="ro-RO" dirty="0"/>
+          </a:p>
+          <a:p>
+            <a:pPr lvl="1"/>
+            <a:r>
+              <a:rPr lang="ro-RO" dirty="0"/>
+              <a:t>Raza de </a:t>
+            </a:r>
+            <a:r>
+              <a:rPr lang="ro-RO" dirty="0" err="1"/>
+              <a:t>incarcare</a:t>
+            </a:r>
+            <a:r>
+              <a:rPr lang="ro-RO" dirty="0"/>
+              <a:t> a plantelor</a:t>
+            </a:r>
+          </a:p>
+          <a:p>
+            <a:r>
+              <a:rPr lang="ro-RO" dirty="0"/>
+              <a:t>Implementare</a:t>
+            </a:r>
+          </a:p>
+          <a:p>
+            <a:pPr lvl="1"/>
+            <a:r>
+              <a:rPr lang="ro-RO" dirty="0"/>
+              <a:t>Algoritmul </a:t>
+            </a:r>
+            <a:r>
+              <a:rPr lang="ro-RO" dirty="0" err="1"/>
+              <a:t>foloseste</a:t>
+            </a:r>
+            <a:r>
+              <a:rPr lang="ro-RO" dirty="0"/>
+              <a:t> Ray </a:t>
+            </a:r>
+            <a:r>
+              <a:rPr lang="ro-RO" dirty="0" err="1"/>
+              <a:t>Tracing</a:t>
+            </a:r>
+            <a:endParaRPr lang="ro-RO" dirty="0"/>
+          </a:p>
+          <a:p>
+            <a:pPr lvl="1"/>
+            <a:r>
+              <a:rPr lang="ro-RO" dirty="0"/>
+              <a:t>Vehiculul are atribuit un </a:t>
+            </a:r>
+            <a:r>
+              <a:rPr lang="ro-RO" dirty="0" err="1"/>
+              <a:t>tag</a:t>
+            </a:r>
+            <a:r>
+              <a:rPr lang="ro-RO" dirty="0"/>
+              <a:t> special</a:t>
+            </a:r>
+          </a:p>
+          <a:p>
+            <a:pPr lvl="1"/>
+            <a:r>
+              <a:rPr lang="ro-RO" dirty="0"/>
+              <a:t>In </a:t>
+            </a:r>
+            <a:r>
+              <a:rPr lang="ro-RO" dirty="0" err="1"/>
+              <a:t>functie</a:t>
+            </a:r>
+            <a:r>
+              <a:rPr lang="ro-RO" dirty="0"/>
+              <a:t> de parametrii </a:t>
+            </a:r>
+            <a:r>
+              <a:rPr lang="ro-RO" dirty="0" err="1"/>
+              <a:t>setati</a:t>
+            </a:r>
+            <a:r>
+              <a:rPr lang="ro-RO" dirty="0"/>
+              <a:t> si pentru fiecare </a:t>
+            </a:r>
+            <a:r>
+              <a:rPr lang="ro-RO" dirty="0" err="1"/>
+              <a:t>chunk</a:t>
+            </a:r>
+            <a:r>
+              <a:rPr lang="ro-RO" dirty="0"/>
+              <a:t> apropiat sunt trimise raze de la </a:t>
+            </a:r>
+            <a:r>
+              <a:rPr lang="ro-RO" dirty="0" err="1"/>
+              <a:t>inaltimea</a:t>
+            </a:r>
+            <a:r>
+              <a:rPr lang="ro-RO" dirty="0"/>
+              <a:t> maxima a unui </a:t>
+            </a:r>
+            <a:r>
+              <a:rPr lang="ro-RO" dirty="0" err="1"/>
+              <a:t>chunk</a:t>
+            </a:r>
+            <a:r>
+              <a:rPr lang="ro-RO" dirty="0"/>
+              <a:t> in jos. La vectorul </a:t>
+            </a:r>
+            <a:r>
+              <a:rPr lang="ro-RO" dirty="0" err="1"/>
+              <a:t>directie</a:t>
+            </a:r>
+            <a:r>
+              <a:rPr lang="ro-RO" dirty="0"/>
+              <a:t> „jos” este </a:t>
+            </a:r>
+            <a:r>
+              <a:rPr lang="ro-RO" dirty="0" err="1"/>
+              <a:t>adaugat</a:t>
+            </a:r>
+            <a:r>
+              <a:rPr lang="ro-RO" dirty="0"/>
+              <a:t> un vector</a:t>
+            </a:r>
+            <a:r>
+              <a:rPr lang="en-US" dirty="0"/>
+              <a:t> aleator in </a:t>
+            </a:r>
+            <a:r>
+              <a:rPr lang="en-US" dirty="0" err="1"/>
+              <a:t>asa</a:t>
+            </a:r>
+            <a:r>
+              <a:rPr lang="en-US" dirty="0"/>
+              <a:t> </a:t>
+            </a:r>
+            <a:r>
+              <a:rPr lang="en-US" dirty="0" err="1"/>
+              <a:t>fel</a:t>
+            </a:r>
+            <a:r>
+              <a:rPr lang="en-US" dirty="0"/>
+              <a:t> </a:t>
+            </a:r>
+            <a:r>
+              <a:rPr lang="en-US" dirty="0" err="1"/>
+              <a:t>incat</a:t>
+            </a:r>
+            <a:r>
+              <a:rPr lang="en-US" dirty="0"/>
+              <a:t> </a:t>
+            </a:r>
+            <a:r>
+              <a:rPr lang="en-US" dirty="0" err="1"/>
+              <a:t>este</a:t>
+            </a:r>
+            <a:r>
+              <a:rPr lang="en-US" dirty="0"/>
+              <a:t> </a:t>
+            </a:r>
+            <a:r>
+              <a:rPr lang="en-US" dirty="0" err="1"/>
+              <a:t>pastrata</a:t>
+            </a:r>
+            <a:r>
+              <a:rPr lang="en-US" dirty="0"/>
+              <a:t> </a:t>
+            </a:r>
+            <a:r>
+              <a:rPr lang="en-US" dirty="0" err="1"/>
+              <a:t>directia</a:t>
+            </a:r>
+            <a:r>
+              <a:rPr lang="en-US" dirty="0"/>
+              <a:t> </a:t>
+            </a:r>
+            <a:r>
+              <a:rPr lang="en-US" dirty="0" err="1"/>
+              <a:t>generala</a:t>
+            </a:r>
+            <a:r>
+              <a:rPr lang="en-US" dirty="0"/>
+              <a:t> in </a:t>
+            </a:r>
+            <a:r>
+              <a:rPr lang="en-US" dirty="0" err="1"/>
+              <a:t>jos</a:t>
+            </a:r>
+            <a:endParaRPr lang="en-US" dirty="0"/>
+          </a:p>
+          <a:p>
+            <a:pPr lvl="1"/>
+            <a:r>
+              <a:rPr lang="en-US" dirty="0"/>
+              <a:t>Se </a:t>
+            </a:r>
+            <a:r>
+              <a:rPr lang="en-US" dirty="0" err="1"/>
+              <a:t>evita</a:t>
+            </a:r>
+            <a:r>
+              <a:rPr lang="en-US" dirty="0"/>
+              <a:t> </a:t>
+            </a:r>
+            <a:r>
+              <a:rPr lang="en-US" dirty="0" err="1"/>
+              <a:t>punctul</a:t>
+            </a:r>
+            <a:r>
+              <a:rPr lang="en-US" dirty="0"/>
+              <a:t> </a:t>
+            </a:r>
+            <a:r>
+              <a:rPr lang="en-US" dirty="0" err="1"/>
+              <a:t>calculat</a:t>
+            </a:r>
+            <a:r>
+              <a:rPr lang="en-US"/>
+              <a:t> daca</a:t>
+            </a:r>
+            <a:r>
+              <a:rPr lang="en-US" dirty="0"/>
+              <a:t> </a:t>
+            </a:r>
+            <a:r>
+              <a:rPr lang="en-US" dirty="0" err="1"/>
+              <a:t>suprafata</a:t>
+            </a:r>
+            <a:r>
+              <a:rPr lang="en-US" dirty="0"/>
+              <a:t> </a:t>
+            </a:r>
+            <a:r>
+              <a:rPr lang="en-US" dirty="0" err="1"/>
+              <a:t>lovita</a:t>
+            </a:r>
+            <a:r>
+              <a:rPr lang="en-US" dirty="0"/>
+              <a:t> </a:t>
+            </a:r>
+            <a:r>
+              <a:rPr lang="en-US" dirty="0" err="1"/>
+              <a:t>este</a:t>
+            </a:r>
+            <a:r>
+              <a:rPr lang="en-US" dirty="0"/>
+              <a:t> </a:t>
+            </a:r>
+            <a:r>
+              <a:rPr lang="en-US" dirty="0" err="1"/>
+              <a:t>cea</a:t>
+            </a:r>
+            <a:r>
+              <a:rPr lang="en-US" dirty="0"/>
+              <a:t> a </a:t>
+            </a:r>
+            <a:r>
+              <a:rPr lang="en-US" dirty="0" err="1"/>
+              <a:t>vehiculului</a:t>
+            </a:r>
+            <a:endParaRPr lang="ro-RO" dirty="0"/>
+          </a:p>
+          <a:p>
+            <a:endParaRPr lang="ro-RO" dirty="0"/>
+          </a:p>
+        </p:txBody>
+      </p:sp>
+    </p:spTree>
+    <p:extLst>
+      <p:ext uri="{BB962C8B-B14F-4D97-AF65-F5344CB8AC3E}">
+        <p14:creationId xmlns:p14="http://schemas.microsoft.com/office/powerpoint/2010/main" val="2214334214"/>
       </p:ext>
     </p:extLst>
   </p:cSld>
@@ -18117,12 +19677,12 @@
 </file>
 
 <file path=customXml/item1.xml><?xml version="1.0" encoding="utf-8"?>
-<p:properties xmlns:p="http://schemas.microsoft.com/office/2006/metadata/properties" xmlns:xsi="http://www.w3.org/2001/XMLSchema-instance" xmlns:pc="http://schemas.microsoft.com/office/infopath/2007/PartnerControls">
-  <documentManagement>
-    <MediaServiceKeyPoints xmlns="71af3243-3dd4-4a8d-8c0d-dd76da1f02a5" xsi:nil="true"/>
-    <Status xmlns="71af3243-3dd4-4a8d-8c0d-dd76da1f02a5">Not started</Status>
-  </documentManagement>
-</p:properties>
+<?mso-contentType ?>
+<FormTemplates xmlns="http://schemas.microsoft.com/sharepoint/v3/contenttype/forms">
+  <Display>DocumentLibraryForm</Display>
+  <Edit>DocumentLibraryForm</Edit>
+  <New>DocumentLibraryForm</New>
+</FormTemplates>
 </file>
 
 <file path=customXml/item2.xml><?xml version="1.0" encoding="utf-8"?>
@@ -18347,27 +19907,18 @@
 </file>
 
 <file path=customXml/item3.xml><?xml version="1.0" encoding="utf-8"?>
-<?mso-contentType ?>
-<FormTemplates xmlns="http://schemas.microsoft.com/sharepoint/v3/contenttype/forms">
-  <Display>DocumentLibraryForm</Display>
-  <Edit>DocumentLibraryForm</Edit>
-  <New>DocumentLibraryForm</New>
-</FormTemplates>
+<p:properties xmlns:p="http://schemas.microsoft.com/office/2006/metadata/properties" xmlns:xsi="http://www.w3.org/2001/XMLSchema-instance" xmlns:pc="http://schemas.microsoft.com/office/infopath/2007/PartnerControls">
+  <documentManagement>
+    <MediaServiceKeyPoints xmlns="71af3243-3dd4-4a8d-8c0d-dd76da1f02a5" xsi:nil="true"/>
+    <Status xmlns="71af3243-3dd4-4a8d-8c0d-dd76da1f02a5">Not started</Status>
+  </documentManagement>
+</p:properties>
 </file>
 
 <file path=customXml/itemProps1.xml><?xml version="1.0" encoding="utf-8"?>
-<ds:datastoreItem xmlns:ds="http://schemas.openxmlformats.org/officeDocument/2006/customXml" ds:itemID="{4415B3C4-7FB6-414C-8C24-8862C0E6C9F3}">
+<ds:datastoreItem xmlns:ds="http://schemas.openxmlformats.org/officeDocument/2006/customXml" ds:itemID="{CE12C2FA-3740-4055-BA8A-74A1458F4A51}">
   <ds:schemaRefs>
-    <ds:schemaRef ds:uri="http://www.w3.org/XML/1998/namespace"/>
-    <ds:schemaRef ds:uri="http://purl.org/dc/elements/1.1/"/>
-    <ds:schemaRef ds:uri="http://schemas.microsoft.com/office/infopath/2007/PartnerControls"/>
-    <ds:schemaRef ds:uri="http://purl.org/dc/dcmitype/"/>
-    <ds:schemaRef ds:uri="16c05727-aa75-4e4a-9b5f-8a80a1165891"/>
-    <ds:schemaRef ds:uri="http://schemas.microsoft.com/office/2006/documentManagement/types"/>
-    <ds:schemaRef ds:uri="71af3243-3dd4-4a8d-8c0d-dd76da1f02a5"/>
-    <ds:schemaRef ds:uri="http://schemas.openxmlformats.org/package/2006/metadata/core-properties"/>
-    <ds:schemaRef ds:uri="http://schemas.microsoft.com/office/2006/metadata/properties"/>
-    <ds:schemaRef ds:uri="http://purl.org/dc/terms/"/>
+    <ds:schemaRef ds:uri="http://schemas.microsoft.com/sharepoint/v3/contenttype/forms"/>
   </ds:schemaRefs>
 </ds:datastoreItem>
 </file>
@@ -18392,9 +19943,18 @@
 </file>
 
 <file path=customXml/itemProps3.xml><?xml version="1.0" encoding="utf-8"?>
-<ds:datastoreItem xmlns:ds="http://schemas.openxmlformats.org/officeDocument/2006/customXml" ds:itemID="{CE12C2FA-3740-4055-BA8A-74A1458F4A51}">
+<ds:datastoreItem xmlns:ds="http://schemas.openxmlformats.org/officeDocument/2006/customXml" ds:itemID="{4415B3C4-7FB6-414C-8C24-8862C0E6C9F3}">
   <ds:schemaRefs>
-    <ds:schemaRef ds:uri="http://schemas.microsoft.com/sharepoint/v3/contenttype/forms"/>
+    <ds:schemaRef ds:uri="http://www.w3.org/XML/1998/namespace"/>
+    <ds:schemaRef ds:uri="http://purl.org/dc/elements/1.1/"/>
+    <ds:schemaRef ds:uri="http://schemas.microsoft.com/office/infopath/2007/PartnerControls"/>
+    <ds:schemaRef ds:uri="http://purl.org/dc/dcmitype/"/>
+    <ds:schemaRef ds:uri="16c05727-aa75-4e4a-9b5f-8a80a1165891"/>
+    <ds:schemaRef ds:uri="http://schemas.microsoft.com/office/2006/documentManagement/types"/>
+    <ds:schemaRef ds:uri="71af3243-3dd4-4a8d-8c0d-dd76da1f02a5"/>
+    <ds:schemaRef ds:uri="http://schemas.openxmlformats.org/package/2006/metadata/core-properties"/>
+    <ds:schemaRef ds:uri="http://schemas.microsoft.com/office/2006/metadata/properties"/>
+    <ds:schemaRef ds:uri="http://purl.org/dc/terms/"/>
   </ds:schemaRefs>
 </ds:datastoreItem>
 </file>
--- a/Prezentare/OceanExploration.pptx
+++ b/Prezentare/OceanExploration.pptx
@@ -5,10 +5,10 @@
     <p:sldMasterId id="2147483744" r:id="rId4"/>
   </p:sldMasterIdLst>
   <p:notesMasterIdLst>
-    <p:notesMasterId r:id="rId16"/>
+    <p:notesMasterId r:id="rId17"/>
   </p:notesMasterIdLst>
   <p:handoutMasterIdLst>
-    <p:handoutMasterId r:id="rId17"/>
+    <p:handoutMasterId r:id="rId18"/>
   </p:handoutMasterIdLst>
   <p:sldIdLst>
     <p:sldId id="256" r:id="rId5"/>
@@ -18,10 +18,11 @@
     <p:sldId id="275" r:id="rId9"/>
     <p:sldId id="277" r:id="rId10"/>
     <p:sldId id="278" r:id="rId11"/>
-    <p:sldId id="279" r:id="rId12"/>
-    <p:sldId id="280" r:id="rId13"/>
-    <p:sldId id="264" r:id="rId14"/>
-    <p:sldId id="274" r:id="rId15"/>
+    <p:sldId id="281" r:id="rId12"/>
+    <p:sldId id="279" r:id="rId13"/>
+    <p:sldId id="280" r:id="rId14"/>
+    <p:sldId id="264" r:id="rId15"/>
+    <p:sldId id="274" r:id="rId16"/>
   </p:sldIdLst>
   <p:sldSz cx="12192000" cy="6858000"/>
   <p:notesSz cx="6858000" cy="9144000"/>
@@ -997,7 +998,7 @@
           <a:p>
             <a:fld id="{F3544625-0ADF-4414-89A2-9E135F0C849F}" type="slidenum">
               <a:rPr lang="en-US" smtClean="0"/>
-              <a:t>10</a:t>
+              <a:t>11</a:t>
             </a:fld>
             <a:endParaRPr lang="en-US" dirty="0"/>
           </a:p>
@@ -1081,7 +1082,7 @@
           <a:p>
             <a:fld id="{F3544625-0ADF-4414-89A2-9E135F0C849F}" type="slidenum">
               <a:rPr lang="en-US" smtClean="0"/>
-              <a:t>11</a:t>
+              <a:t>12</a:t>
             </a:fld>
             <a:endParaRPr lang="en-US" dirty="0"/>
           </a:p>
@@ -7420,6 +7421,396 @@
           <a:chExt cx="0" cy="0"/>
         </a:xfrm>
       </p:grpSpPr>
+      <p:sp>
+        <p:nvSpPr>
+          <p:cNvPr id="3" name="Content Placeholder 2">
+            <a:extLst>
+              <a:ext uri="{FF2B5EF4-FFF2-40B4-BE49-F238E27FC236}">
+                <a16:creationId xmlns:a16="http://schemas.microsoft.com/office/drawing/2014/main" id="{4F202D1F-F155-4AB9-8BDA-20945416580A}"/>
+              </a:ext>
+            </a:extLst>
+          </p:cNvPr>
+          <p:cNvSpPr>
+            <a:spLocks noGrp="1"/>
+          </p:cNvSpPr>
+          <p:nvPr>
+            <p:ph idx="1"/>
+          </p:nvPr>
+        </p:nvSpPr>
+        <p:spPr>
+          <a:xfrm>
+            <a:off x="685801" y="455880"/>
+            <a:ext cx="10131425" cy="3649133"/>
+          </a:xfrm>
+        </p:spPr>
+        <p:txBody>
+          <a:bodyPr>
+            <a:normAutofit fontScale="92500"/>
+          </a:bodyPr>
+          <a:lstStyle/>
+          <a:p>
+            <a:r>
+              <a:rPr lang="ro-RO" dirty="0"/>
+              <a:t>In </a:t>
+            </a:r>
+            <a:r>
+              <a:rPr lang="ro-RO" dirty="0" err="1"/>
+              <a:t>acelasi</a:t>
+            </a:r>
+            <a:r>
+              <a:rPr lang="ro-RO" dirty="0"/>
+              <a:t> algoritm este suprapus un </a:t>
+            </a:r>
+            <a:r>
+              <a:rPr lang="ro-RO" dirty="0" err="1"/>
+              <a:t>engine</a:t>
+            </a:r>
+            <a:r>
+              <a:rPr lang="ro-RO" dirty="0"/>
+              <a:t> de plasare a plantelor in </a:t>
+            </a:r>
+            <a:r>
+              <a:rPr lang="ro-RO" dirty="0" err="1"/>
+              <a:t>pozitii</a:t>
+            </a:r>
+            <a:r>
+              <a:rPr lang="ro-RO" dirty="0"/>
+              <a:t> random.</a:t>
+            </a:r>
+          </a:p>
+          <a:p>
+            <a:r>
+              <a:rPr lang="ro-RO" dirty="0" err="1"/>
+              <a:t>Cateva</a:t>
+            </a:r>
+            <a:r>
+              <a:rPr lang="ro-RO" dirty="0"/>
+              <a:t> variabile </a:t>
+            </a:r>
+            <a:r>
+              <a:rPr lang="ro-RO" dirty="0" err="1"/>
+              <a:t>controleaza</a:t>
+            </a:r>
+            <a:r>
+              <a:rPr lang="ro-RO" dirty="0"/>
+              <a:t> </a:t>
+            </a:r>
+            <a:r>
+              <a:rPr lang="ro-RO" dirty="0" err="1"/>
+              <a:t>compartamenul</a:t>
+            </a:r>
+            <a:r>
+              <a:rPr lang="ro-RO" dirty="0"/>
+              <a:t> algoritmului:</a:t>
+            </a:r>
+          </a:p>
+          <a:p>
+            <a:pPr lvl="1"/>
+            <a:r>
+              <a:rPr lang="ro-RO" dirty="0"/>
+              <a:t>Plante per </a:t>
+            </a:r>
+            <a:r>
+              <a:rPr lang="ro-RO" dirty="0" err="1"/>
+              <a:t>chunk</a:t>
+            </a:r>
+            <a:endParaRPr lang="ro-RO" dirty="0"/>
+          </a:p>
+          <a:p>
+            <a:pPr lvl="1"/>
+            <a:r>
+              <a:rPr lang="ro-RO" dirty="0"/>
+              <a:t>Raza de </a:t>
+            </a:r>
+            <a:r>
+              <a:rPr lang="ro-RO" dirty="0" err="1"/>
+              <a:t>incarcare</a:t>
+            </a:r>
+            <a:r>
+              <a:rPr lang="ro-RO" dirty="0"/>
+              <a:t> a plantelor</a:t>
+            </a:r>
+          </a:p>
+          <a:p>
+            <a:r>
+              <a:rPr lang="ro-RO" dirty="0"/>
+              <a:t>Implementare</a:t>
+            </a:r>
+          </a:p>
+          <a:p>
+            <a:pPr lvl="1"/>
+            <a:r>
+              <a:rPr lang="ro-RO" dirty="0"/>
+              <a:t>Algoritmul </a:t>
+            </a:r>
+            <a:r>
+              <a:rPr lang="ro-RO" dirty="0" err="1"/>
+              <a:t>foloseste</a:t>
+            </a:r>
+            <a:r>
+              <a:rPr lang="ro-RO" dirty="0"/>
+              <a:t> Ray </a:t>
+            </a:r>
+            <a:r>
+              <a:rPr lang="ro-RO" dirty="0" err="1"/>
+              <a:t>Tracing</a:t>
+            </a:r>
+            <a:endParaRPr lang="ro-RO" dirty="0"/>
+          </a:p>
+          <a:p>
+            <a:pPr lvl="1"/>
+            <a:r>
+              <a:rPr lang="ro-RO" dirty="0"/>
+              <a:t>Vehiculul are atribuit un </a:t>
+            </a:r>
+            <a:r>
+              <a:rPr lang="ro-RO" dirty="0" err="1"/>
+              <a:t>tag</a:t>
+            </a:r>
+            <a:r>
+              <a:rPr lang="ro-RO" dirty="0"/>
+              <a:t> special</a:t>
+            </a:r>
+          </a:p>
+          <a:p>
+            <a:pPr lvl="1"/>
+            <a:r>
+              <a:rPr lang="ro-RO" dirty="0"/>
+              <a:t>In </a:t>
+            </a:r>
+            <a:r>
+              <a:rPr lang="ro-RO" dirty="0" err="1"/>
+              <a:t>functie</a:t>
+            </a:r>
+            <a:r>
+              <a:rPr lang="ro-RO" dirty="0"/>
+              <a:t> de parametrii </a:t>
+            </a:r>
+            <a:r>
+              <a:rPr lang="ro-RO" dirty="0" err="1"/>
+              <a:t>setati</a:t>
+            </a:r>
+            <a:r>
+              <a:rPr lang="ro-RO" dirty="0"/>
+              <a:t> si pentru fiecare </a:t>
+            </a:r>
+            <a:r>
+              <a:rPr lang="ro-RO" dirty="0" err="1"/>
+              <a:t>chunk</a:t>
+            </a:r>
+            <a:r>
+              <a:rPr lang="ro-RO" dirty="0"/>
+              <a:t> apropiat sunt trimise raze de la </a:t>
+            </a:r>
+            <a:r>
+              <a:rPr lang="ro-RO" dirty="0" err="1"/>
+              <a:t>inaltimea</a:t>
+            </a:r>
+            <a:r>
+              <a:rPr lang="ro-RO" dirty="0"/>
+              <a:t> maxima a unui </a:t>
+            </a:r>
+            <a:r>
+              <a:rPr lang="ro-RO" dirty="0" err="1"/>
+              <a:t>chunk</a:t>
+            </a:r>
+            <a:r>
+              <a:rPr lang="ro-RO" dirty="0"/>
+              <a:t> in jos. La vectorul </a:t>
+            </a:r>
+            <a:r>
+              <a:rPr lang="ro-RO" dirty="0" err="1"/>
+              <a:t>directie</a:t>
+            </a:r>
+            <a:r>
+              <a:rPr lang="ro-RO" dirty="0"/>
+              <a:t> „jos” este </a:t>
+            </a:r>
+            <a:r>
+              <a:rPr lang="ro-RO" dirty="0" err="1"/>
+              <a:t>adaugat</a:t>
+            </a:r>
+            <a:r>
+              <a:rPr lang="ro-RO" dirty="0"/>
+              <a:t> un vector</a:t>
+            </a:r>
+            <a:r>
+              <a:rPr lang="en-US" dirty="0"/>
+              <a:t> aleator in </a:t>
+            </a:r>
+            <a:r>
+              <a:rPr lang="en-US" dirty="0" err="1"/>
+              <a:t>asa</a:t>
+            </a:r>
+            <a:r>
+              <a:rPr lang="en-US" dirty="0"/>
+              <a:t> </a:t>
+            </a:r>
+            <a:r>
+              <a:rPr lang="en-US" dirty="0" err="1"/>
+              <a:t>fel</a:t>
+            </a:r>
+            <a:r>
+              <a:rPr lang="en-US" dirty="0"/>
+              <a:t> </a:t>
+            </a:r>
+            <a:r>
+              <a:rPr lang="en-US" dirty="0" err="1"/>
+              <a:t>incat</a:t>
+            </a:r>
+            <a:r>
+              <a:rPr lang="en-US" dirty="0"/>
+              <a:t> </a:t>
+            </a:r>
+            <a:r>
+              <a:rPr lang="en-US" dirty="0" err="1"/>
+              <a:t>este</a:t>
+            </a:r>
+            <a:r>
+              <a:rPr lang="en-US" dirty="0"/>
+              <a:t> </a:t>
+            </a:r>
+            <a:r>
+              <a:rPr lang="en-US" dirty="0" err="1"/>
+              <a:t>pastrata</a:t>
+            </a:r>
+            <a:r>
+              <a:rPr lang="en-US" dirty="0"/>
+              <a:t> </a:t>
+            </a:r>
+            <a:r>
+              <a:rPr lang="en-US" dirty="0" err="1"/>
+              <a:t>directia</a:t>
+            </a:r>
+            <a:r>
+              <a:rPr lang="en-US" dirty="0"/>
+              <a:t> </a:t>
+            </a:r>
+            <a:r>
+              <a:rPr lang="en-US" dirty="0" err="1"/>
+              <a:t>generala</a:t>
+            </a:r>
+            <a:r>
+              <a:rPr lang="en-US" dirty="0"/>
+              <a:t> in </a:t>
+            </a:r>
+            <a:r>
+              <a:rPr lang="en-US" dirty="0" err="1"/>
+              <a:t>jos</a:t>
+            </a:r>
+            <a:endParaRPr lang="en-US" dirty="0"/>
+          </a:p>
+          <a:p>
+            <a:pPr lvl="1"/>
+            <a:r>
+              <a:rPr lang="en-US" dirty="0"/>
+              <a:t>Se </a:t>
+            </a:r>
+            <a:r>
+              <a:rPr lang="en-US" dirty="0" err="1"/>
+              <a:t>evita</a:t>
+            </a:r>
+            <a:r>
+              <a:rPr lang="en-US" dirty="0"/>
+              <a:t> </a:t>
+            </a:r>
+            <a:r>
+              <a:rPr lang="en-US" dirty="0" err="1"/>
+              <a:t>punctul</a:t>
+            </a:r>
+            <a:r>
+              <a:rPr lang="en-US" dirty="0"/>
+              <a:t> </a:t>
+            </a:r>
+            <a:r>
+              <a:rPr lang="en-US" dirty="0" err="1"/>
+              <a:t>calculat</a:t>
+            </a:r>
+            <a:r>
+              <a:rPr lang="en-US" dirty="0"/>
+              <a:t> </a:t>
+            </a:r>
+            <a:r>
+              <a:rPr lang="en-US" dirty="0" err="1"/>
+              <a:t>daca</a:t>
+            </a:r>
+            <a:r>
+              <a:rPr lang="en-US" dirty="0"/>
+              <a:t> </a:t>
+            </a:r>
+            <a:r>
+              <a:rPr lang="en-US" dirty="0" err="1"/>
+              <a:t>suprafata</a:t>
+            </a:r>
+            <a:r>
+              <a:rPr lang="en-US" dirty="0"/>
+              <a:t> </a:t>
+            </a:r>
+            <a:r>
+              <a:rPr lang="en-US" dirty="0" err="1"/>
+              <a:t>lovita</a:t>
+            </a:r>
+            <a:r>
+              <a:rPr lang="en-US" dirty="0"/>
+              <a:t> </a:t>
+            </a:r>
+            <a:r>
+              <a:rPr lang="en-US" dirty="0" err="1"/>
+              <a:t>este</a:t>
+            </a:r>
+            <a:r>
+              <a:rPr lang="en-US" dirty="0"/>
+              <a:t> </a:t>
+            </a:r>
+            <a:r>
+              <a:rPr lang="en-US" dirty="0" err="1"/>
+              <a:t>cea</a:t>
+            </a:r>
+            <a:r>
+              <a:rPr lang="en-US" dirty="0"/>
+              <a:t> a </a:t>
+            </a:r>
+            <a:r>
+              <a:rPr lang="en-US" dirty="0" err="1"/>
+              <a:t>vehiculului</a:t>
+            </a:r>
+            <a:endParaRPr lang="ro-RO" dirty="0"/>
+          </a:p>
+          <a:p>
+            <a:endParaRPr lang="ro-RO" dirty="0"/>
+          </a:p>
+        </p:txBody>
+      </p:sp>
+    </p:spTree>
+    <p:extLst>
+      <p:ext uri="{BB962C8B-B14F-4D97-AF65-F5344CB8AC3E}">
+        <p14:creationId xmlns:p14="http://schemas.microsoft.com/office/powerpoint/2010/main" val="2214334214"/>
+      </p:ext>
+    </p:extLst>
+  </p:cSld>
+  <p:clrMapOvr>
+    <a:masterClrMapping/>
+  </p:clrMapOvr>
+</p:sld>
+</file>
+
+<file path=ppt/slides/slide11.xml><?xml version="1.0" encoding="utf-8"?>
+<p:sld xmlns:a="http://schemas.openxmlformats.org/drawingml/2006/main" xmlns:r="http://schemas.openxmlformats.org/officeDocument/2006/relationships" xmlns:p="http://schemas.openxmlformats.org/presentationml/2006/main">
+  <p:cSld>
+    <p:spTree>
+      <p:nvGrpSpPr>
+        <p:cNvPr id="1" name=""/>
+        <p:cNvGrpSpPr/>
+        <p:nvPr/>
+      </p:nvGrpSpPr>
+      <p:grpSpPr>
+        <a:xfrm>
+          <a:off x="0" y="0"/>
+          <a:ext cx="0" cy="0"/>
+          <a:chOff x="0" y="0"/>
+          <a:chExt cx="0" cy="0"/>
+        </a:xfrm>
+      </p:grpSpPr>
       <p:pic>
         <p:nvPicPr>
           <p:cNvPr id="4" name="Content Placeholder 3" descr="night sky with mountains on the horizon">
@@ -7693,7 +8084,7 @@
 </p:sld>
 </file>
 
-<file path=ppt/slides/slide11.xml><?xml version="1.0" encoding="utf-8"?>
+<file path=ppt/slides/slide12.xml><?xml version="1.0" encoding="utf-8"?>
 <p:sld xmlns:a="http://schemas.openxmlformats.org/drawingml/2006/main" xmlns:r="http://schemas.openxmlformats.org/officeDocument/2006/relationships" xmlns:p="http://schemas.openxmlformats.org/presentationml/2006/main">
   <p:cSld>
     <p:spTree>
@@ -18046,7 +18437,9 @@
         </p:nvSpPr>
         <p:spPr/>
         <p:txBody>
-          <a:bodyPr/>
+          <a:bodyPr>
+            <a:normAutofit fontScale="92500"/>
+          </a:bodyPr>
           <a:lstStyle/>
           <a:p>
             <a:r>
@@ -18103,7 +18496,7 @@
             </a:r>
             <a:r>
               <a:rPr lang="ro-RO" dirty="0"/>
-              <a:t> pentru manipula plantele </a:t>
+              <a:t> pentru a manipula plantele </a:t>
             </a:r>
             <a:r>
               <a:rPr lang="ro-RO" dirty="0" err="1"/>
@@ -18143,6 +18536,167 @@
             <a:r>
               <a:rPr lang="ro-RO" dirty="0"/>
               <a:t> ce </a:t>
+            </a:r>
+            <a:r>
+              <a:rPr lang="ro-RO" dirty="0" err="1"/>
+              <a:t>inconjoara</a:t>
+            </a:r>
+            <a:r>
+              <a:rPr lang="ro-RO" dirty="0"/>
+              <a:t> toata planta. </a:t>
+            </a:r>
+            <a:r>
+              <a:rPr lang="ro-RO" dirty="0" err="1"/>
+              <a:t>Bounding</a:t>
+            </a:r>
+            <a:r>
+              <a:rPr lang="ro-RO" dirty="0"/>
+              <a:t> boxul lui este calculat </a:t>
+            </a:r>
+            <a:r>
+              <a:rPr lang="ro-RO" dirty="0" err="1"/>
+              <a:t>trecand</a:t>
+            </a:r>
+            <a:r>
+              <a:rPr lang="ro-RO" dirty="0"/>
+              <a:t> prin toate punctele</a:t>
+            </a:r>
+          </a:p>
+          <a:p>
+            <a:pPr lvl="1"/>
+            <a:r>
+              <a:rPr lang="ro-RO" dirty="0"/>
+              <a:t>Numai </a:t>
+            </a:r>
+            <a:r>
+              <a:rPr lang="ro-RO" dirty="0" err="1"/>
+              <a:t>cand</a:t>
+            </a:r>
+            <a:r>
+              <a:rPr lang="ro-RO" dirty="0"/>
+              <a:t> apare o coliziune cu acest </a:t>
+            </a:r>
+            <a:r>
+              <a:rPr lang="ro-RO" dirty="0" err="1"/>
+              <a:t>bounding</a:t>
+            </a:r>
+            <a:r>
+              <a:rPr lang="ro-RO" dirty="0"/>
+              <a:t> box se continua algoritmul</a:t>
+            </a:r>
+          </a:p>
+          <a:p>
+            <a:pPr lvl="1"/>
+            <a:r>
+              <a:rPr lang="ro-RO" dirty="0"/>
+              <a:t>Pentru fiecare punct este calculata distanta fata de cel mai apropiat punct de pe </a:t>
+            </a:r>
+            <a:r>
+              <a:rPr lang="ro-RO" dirty="0" err="1"/>
+              <a:t>suprafata</a:t>
+            </a:r>
+            <a:r>
+              <a:rPr lang="ro-RO" dirty="0"/>
+              <a:t> obiectului </a:t>
+            </a:r>
+            <a:r>
+              <a:rPr lang="ro-RO" dirty="0" err="1"/>
+              <a:t>strain</a:t>
+            </a:r>
+            <a:endParaRPr lang="ro-RO" dirty="0"/>
+          </a:p>
+          <a:p>
+            <a:pPr lvl="1"/>
+            <a:r>
+              <a:rPr lang="ro-RO" dirty="0"/>
+              <a:t>Daca se </a:t>
+            </a:r>
+            <a:r>
+              <a:rPr lang="ro-RO" dirty="0" err="1"/>
+              <a:t>depaseste</a:t>
+            </a:r>
+            <a:r>
+              <a:rPr lang="ro-RO" dirty="0"/>
+              <a:t> un </a:t>
+            </a:r>
+            <a:r>
+              <a:rPr lang="ro-RO" dirty="0" err="1"/>
+              <a:t>threshold</a:t>
+            </a:r>
+            <a:r>
+              <a:rPr lang="ro-RO" dirty="0"/>
+              <a:t> este realizat un Ray </a:t>
+            </a:r>
+            <a:r>
+              <a:rPr lang="ro-RO" dirty="0" err="1"/>
+              <a:t>Tracing</a:t>
+            </a:r>
+            <a:r>
+              <a:rPr lang="ro-RO" dirty="0"/>
+              <a:t> pana in acel punct. Acest pas </a:t>
+            </a:r>
+            <a:r>
+              <a:rPr lang="ro-RO" dirty="0" err="1"/>
+              <a:t>ofera</a:t>
+            </a:r>
+            <a:r>
+              <a:rPr lang="ro-RO" dirty="0"/>
+              <a:t> </a:t>
+            </a:r>
+            <a:r>
+              <a:rPr lang="ro-RO" dirty="0" err="1"/>
+              <a:t>informatii</a:t>
+            </a:r>
+            <a:r>
+              <a:rPr lang="ro-RO" dirty="0"/>
+              <a:t> precum normala la </a:t>
+            </a:r>
+            <a:r>
+              <a:rPr lang="ro-RO" dirty="0" err="1"/>
+              <a:t>suprafata</a:t>
+            </a:r>
+            <a:r>
+              <a:rPr lang="ro-RO" dirty="0"/>
+              <a:t>.</a:t>
+            </a:r>
+          </a:p>
+          <a:p>
+            <a:pPr lvl="1"/>
+            <a:r>
+              <a:rPr lang="ro-RO" dirty="0"/>
+              <a:t>Punctul este </a:t>
+            </a:r>
+            <a:r>
+              <a:rPr lang="ro-RO" dirty="0" err="1"/>
+              <a:t>impins</a:t>
+            </a:r>
+            <a:r>
+              <a:rPr lang="ro-RO" dirty="0"/>
+              <a:t> cu o </a:t>
+            </a:r>
+            <a:r>
+              <a:rPr lang="ro-RO" dirty="0" err="1"/>
+              <a:t>forta</a:t>
+            </a:r>
+            <a:r>
+              <a:rPr lang="ro-RO" dirty="0"/>
+              <a:t> </a:t>
+            </a:r>
+            <a:r>
+              <a:rPr lang="ro-RO" dirty="0" err="1"/>
+              <a:t>intr-o</a:t>
+            </a:r>
+            <a:r>
+              <a:rPr lang="ro-RO" dirty="0"/>
+              <a:t> </a:t>
+            </a:r>
+            <a:r>
+              <a:rPr lang="ro-RO" dirty="0" err="1"/>
+              <a:t>directie</a:t>
+            </a:r>
+            <a:r>
+              <a:rPr lang="ro-RO" dirty="0"/>
+              <a:t> diametral opusa normalei.</a:t>
             </a:r>
           </a:p>
         </p:txBody>
@@ -18182,7 +18736,7 @@
           <p:cNvPr id="2" name="Title 1">
             <a:extLst>
               <a:ext uri="{FF2B5EF4-FFF2-40B4-BE49-F238E27FC236}">
-                <a16:creationId xmlns:a16="http://schemas.microsoft.com/office/drawing/2014/main" id="{D22E4C12-7659-4591-A8B8-EE87B56DD8C6}"/>
+                <a16:creationId xmlns:a16="http://schemas.microsoft.com/office/drawing/2014/main" id="{F8D138B0-7C49-4BA0-9D7E-55459DE58FF4}"/>
               </a:ext>
             </a:extLst>
           </p:cNvPr>
@@ -18199,249 +18753,301 @@
           <a:lstStyle/>
           <a:p>
             <a:r>
+              <a:rPr lang="ro-RO" dirty="0"/>
+              <a:t>Implementare </a:t>
+            </a:r>
+            <a:r>
               <a:rPr lang="ro-RO" dirty="0" err="1"/>
-              <a:t>Terrain</a:t>
+              <a:t>verlet</a:t>
             </a:r>
             <a:r>
               <a:rPr lang="ro-RO" dirty="0"/>
-              <a:t> generator</a:t>
-            </a:r>
+              <a:t> </a:t>
+            </a:r>
+            <a:r>
+              <a:rPr lang="ro-RO" dirty="0" err="1"/>
+              <a:t>integration</a:t>
+            </a:r>
+            <a:endParaRPr lang="ro-RO" dirty="0"/>
           </a:p>
         </p:txBody>
       </p:sp>
-      <p:sp>
-        <p:nvSpPr>
-          <p:cNvPr id="3" name="Content Placeholder 2">
-            <a:extLst>
-              <a:ext uri="{FF2B5EF4-FFF2-40B4-BE49-F238E27FC236}">
-                <a16:creationId xmlns:a16="http://schemas.microsoft.com/office/drawing/2014/main" id="{09F0C14C-5BF3-45BB-9621-29B8D4421DF0}"/>
-              </a:ext>
-            </a:extLst>
-          </p:cNvPr>
-          <p:cNvSpPr>
-            <a:spLocks noGrp="1"/>
-          </p:cNvSpPr>
-          <p:nvPr>
-            <p:ph idx="1"/>
-          </p:nvPr>
-        </p:nvSpPr>
-        <p:spPr/>
-        <p:txBody>
-          <a:bodyPr>
-            <a:normAutofit/>
-          </a:bodyPr>
-          <a:lstStyle/>
-          <a:p>
-            <a:r>
-              <a:rPr lang="ro-RO" dirty="0"/>
-              <a:t>Algoritmul de </a:t>
-            </a:r>
-            <a:r>
-              <a:rPr lang="ro-RO" dirty="0" err="1"/>
-              <a:t>Marching</a:t>
-            </a:r>
-            <a:r>
-              <a:rPr lang="ro-RO" dirty="0"/>
-              <a:t> </a:t>
-            </a:r>
-            <a:r>
-              <a:rPr lang="ro-RO" dirty="0" err="1"/>
-              <a:t>Cubes</a:t>
-            </a:r>
-            <a:r>
-              <a:rPr lang="ro-RO" dirty="0"/>
-              <a:t> este utilizat </a:t>
-            </a:r>
-            <a:r>
-              <a:rPr lang="ro-RO" dirty="0" err="1"/>
-              <a:t>intr-o</a:t>
-            </a:r>
-            <a:r>
-              <a:rPr lang="ro-RO" dirty="0"/>
-              <a:t> clasa de generare a </a:t>
-            </a:r>
-            <a:r>
-              <a:rPr lang="ro-RO" dirty="0" err="1"/>
-              <a:t>chunk</a:t>
-            </a:r>
-            <a:r>
-              <a:rPr lang="ro-RO" dirty="0"/>
-              <a:t>-urilor pentru teren.</a:t>
-            </a:r>
-          </a:p>
-          <a:p>
-            <a:r>
-              <a:rPr lang="ro-RO" dirty="0"/>
-              <a:t>O variabila </a:t>
-            </a:r>
-            <a:r>
-              <a:rPr lang="ro-RO" dirty="0" err="1"/>
-              <a:t>controleaza</a:t>
-            </a:r>
-            <a:r>
-              <a:rPr lang="ro-RO" dirty="0"/>
-              <a:t> step </a:t>
-            </a:r>
-            <a:r>
-              <a:rPr lang="ro-RO" dirty="0" err="1"/>
-              <a:t>size-ul</a:t>
-            </a:r>
-            <a:r>
-              <a:rPr lang="ro-RO" dirty="0"/>
-              <a:t> terenului – folosit pentru aspectul de terasare</a:t>
-            </a:r>
-          </a:p>
-          <a:p>
-            <a:r>
-              <a:rPr lang="ro-RO" dirty="0"/>
-              <a:t>Alte variabile </a:t>
-            </a:r>
-            <a:r>
-              <a:rPr lang="ro-RO" dirty="0" err="1"/>
-              <a:t>controleaza</a:t>
-            </a:r>
-            <a:r>
-              <a:rPr lang="ro-RO" dirty="0"/>
-              <a:t>:</a:t>
-            </a:r>
-          </a:p>
-          <a:p>
-            <a:pPr lvl="1"/>
-            <a:r>
-              <a:rPr lang="ro-RO" dirty="0"/>
-              <a:t>Lungimea bazei unui </a:t>
-            </a:r>
-            <a:r>
-              <a:rPr lang="ro-RO" dirty="0" err="1"/>
-              <a:t>chunk</a:t>
-            </a:r>
-            <a:endParaRPr lang="ro-RO" dirty="0"/>
-          </a:p>
-          <a:p>
-            <a:pPr lvl="1"/>
-            <a:r>
-              <a:rPr lang="ro-RO" dirty="0" err="1"/>
-              <a:t>Inaltimea</a:t>
-            </a:r>
-            <a:endParaRPr lang="ro-RO" dirty="0"/>
-          </a:p>
-          <a:p>
-            <a:pPr lvl="1"/>
-            <a:r>
-              <a:rPr lang="ro-RO" dirty="0"/>
-              <a:t>Raza de </a:t>
-            </a:r>
-            <a:r>
-              <a:rPr lang="ro-RO" dirty="0" err="1"/>
-              <a:t>incarcare</a:t>
-            </a:r>
-            <a:r>
-              <a:rPr lang="ro-RO" dirty="0"/>
-              <a:t> (se face </a:t>
-            </a:r>
-            <a:r>
-              <a:rPr lang="ro-RO" dirty="0" err="1"/>
-              <a:t>intr</a:t>
-            </a:r>
-            <a:r>
-              <a:rPr lang="ro-RO" dirty="0"/>
-              <a:t>-un cerc)</a:t>
-            </a:r>
-          </a:p>
-          <a:p>
-            <a:r>
-              <a:rPr lang="ro-RO" dirty="0" err="1"/>
-              <a:t>Chunkurile</a:t>
-            </a:r>
-            <a:r>
-              <a:rPr lang="ro-RO" dirty="0"/>
-              <a:t> nu sunt distruse in </a:t>
-            </a:r>
-            <a:r>
-              <a:rPr lang="ro-RO" dirty="0" err="1"/>
-              <a:t>intregime</a:t>
-            </a:r>
-            <a:r>
-              <a:rPr lang="ro-RO" dirty="0"/>
-              <a:t> ci la dezactivare sunt salvate </a:t>
-            </a:r>
-            <a:r>
-              <a:rPr lang="ro-RO" dirty="0" err="1"/>
-              <a:t>intr</a:t>
-            </a:r>
-            <a:r>
-              <a:rPr lang="ro-RO" dirty="0"/>
-              <a:t>-un cache de unde vor fi </a:t>
-            </a:r>
-            <a:r>
-              <a:rPr lang="ro-RO" dirty="0" err="1"/>
-              <a:t>reincarcate</a:t>
-            </a:r>
-            <a:r>
-              <a:rPr lang="ro-RO" dirty="0"/>
-              <a:t> la comanda.</a:t>
-            </a:r>
-          </a:p>
-          <a:p>
-            <a:r>
-              <a:rPr lang="ro-RO" dirty="0"/>
-              <a:t>Fiecare </a:t>
-            </a:r>
-            <a:r>
-              <a:rPr lang="ro-RO" dirty="0" err="1"/>
-              <a:t>chunk</a:t>
-            </a:r>
-            <a:r>
-              <a:rPr lang="ro-RO" dirty="0"/>
-              <a:t> are un </a:t>
-            </a:r>
-            <a:r>
-              <a:rPr lang="ro-RO" dirty="0" err="1"/>
-              <a:t>mesh</a:t>
-            </a:r>
-            <a:r>
-              <a:rPr lang="ro-RO" dirty="0"/>
-              <a:t> atribuit si un </a:t>
-            </a:r>
-            <a:r>
-              <a:rPr lang="ro-RO" dirty="0" err="1"/>
-              <a:t>collider</a:t>
-            </a:r>
-            <a:r>
-              <a:rPr lang="ro-RO" dirty="0"/>
-              <a:t> format din acel </a:t>
-            </a:r>
-            <a:r>
-              <a:rPr lang="ro-RO" dirty="0" err="1"/>
-              <a:t>mesh</a:t>
-            </a:r>
-            <a:r>
-              <a:rPr lang="ro-RO" dirty="0"/>
-              <a:t>. Astfel vehiculul poate </a:t>
-            </a:r>
-            <a:r>
-              <a:rPr lang="ro-RO" dirty="0" err="1"/>
-              <a:t>interactiona</a:t>
-            </a:r>
-            <a:r>
-              <a:rPr lang="ro-RO" dirty="0"/>
-              <a:t> cu „</a:t>
-            </a:r>
-            <a:r>
-              <a:rPr lang="ro-RO" dirty="0" err="1"/>
-              <a:t>pamantul</a:t>
-            </a:r>
-            <a:r>
-              <a:rPr lang="ro-RO" dirty="0"/>
-              <a:t>”</a:t>
-            </a:r>
-          </a:p>
-        </p:txBody>
-      </p:sp>
+      <mc:AlternateContent xmlns:mc="http://schemas.openxmlformats.org/markup-compatibility/2006">
+        <mc:Choice xmlns:a14="http://schemas.microsoft.com/office/drawing/2010/main" Requires="a14">
+          <p:sp>
+            <p:nvSpPr>
+              <p:cNvPr id="3" name="Content Placeholder 2">
+                <a:extLst>
+                  <a:ext uri="{FF2B5EF4-FFF2-40B4-BE49-F238E27FC236}">
+                    <a16:creationId xmlns:a16="http://schemas.microsoft.com/office/drawing/2014/main" id="{B4145C81-036F-49F4-88B3-0ABEED7974CF}"/>
+                  </a:ext>
+                </a:extLst>
+              </p:cNvPr>
+              <p:cNvSpPr>
+                <a:spLocks noGrp="1"/>
+              </p:cNvSpPr>
+              <p:nvPr>
+                <p:ph idx="1"/>
+              </p:nvPr>
+            </p:nvSpPr>
+            <p:spPr/>
+            <p:txBody>
+              <a:bodyPr/>
+              <a:lstStyle/>
+              <a:p>
+                <a:r>
+                  <a:rPr lang="ro-RO" dirty="0"/>
+                  <a:t>Pentru a imita o structura cat mai realista a unei plante am folosit un algoritm de </a:t>
+                </a:r>
+                <a:r>
+                  <a:rPr lang="ro-RO" dirty="0" err="1"/>
+                  <a:t>branching</a:t>
+                </a:r>
+                <a:r>
+                  <a:rPr lang="ro-RO" dirty="0"/>
+                  <a:t>.</a:t>
+                </a:r>
+              </a:p>
+              <a:p>
+                <a:r>
+                  <a:rPr lang="ro-RO" dirty="0"/>
+                  <a:t>Pentru fiecare </a:t>
+                </a:r>
+                <a:r>
+                  <a:rPr lang="ro-RO" dirty="0" err="1"/>
+                  <a:t>branch</a:t>
+                </a:r>
+                <a:r>
+                  <a:rPr lang="ro-RO" dirty="0"/>
+                  <a:t> se ia in calcul probabilitatea de </a:t>
+                </a:r>
+                <a:r>
+                  <a:rPr lang="ro-RO" dirty="0" err="1"/>
+                  <a:t>branching</a:t>
+                </a:r>
+                <a:r>
+                  <a:rPr lang="ro-RO" dirty="0"/>
+                  <a:t>. Daca se </a:t>
+                </a:r>
+                <a:r>
+                  <a:rPr lang="ro-RO" dirty="0" err="1"/>
+                  <a:t>depaseste</a:t>
+                </a:r>
+                <a:r>
+                  <a:rPr lang="ro-RO" dirty="0"/>
+                  <a:t> aceasta valoare, se </a:t>
+                </a:r>
+                <a:r>
+                  <a:rPr lang="ro-RO" dirty="0" err="1"/>
+                  <a:t>creeaza</a:t>
+                </a:r>
+                <a:r>
+                  <a:rPr lang="ro-RO" dirty="0"/>
+                  <a:t> un </a:t>
+                </a:r>
+                <a:r>
+                  <a:rPr lang="ro-RO" dirty="0" err="1"/>
+                  <a:t>branch</a:t>
+                </a:r>
+                <a:r>
+                  <a:rPr lang="ro-RO" dirty="0"/>
+                  <a:t> </a:t>
+                </a:r>
+                <a:r>
+                  <a:rPr lang="ro-RO" dirty="0" err="1"/>
+                  <a:t>insa</a:t>
+                </a:r>
+                <a:r>
+                  <a:rPr lang="ro-RO" dirty="0"/>
+                  <a:t> numai in limita impusa de un alt parametru.</a:t>
+                </a:r>
+              </a:p>
+              <a:p>
+                <a:r>
+                  <a:rPr lang="ro-RO" dirty="0"/>
+                  <a:t>Pentru fiecare </a:t>
+                </a:r>
+                <a:r>
+                  <a:rPr lang="ro-RO" dirty="0" err="1"/>
+                  <a:t>branch</a:t>
+                </a:r>
+                <a:r>
+                  <a:rPr lang="ro-RO" dirty="0"/>
+                  <a:t> nou se </a:t>
+                </a:r>
+                <a:r>
+                  <a:rPr lang="ro-RO" dirty="0" err="1"/>
+                  <a:t>creeaza</a:t>
+                </a:r>
+                <a:r>
+                  <a:rPr lang="ro-RO" dirty="0"/>
+                  <a:t> un simetric. Se face acest lucru pentru a </a:t>
+                </a:r>
+                <a:r>
+                  <a:rPr lang="ro-RO" dirty="0" err="1"/>
+                  <a:t>rasfira</a:t>
+                </a:r>
+                <a:r>
+                  <a:rPr lang="ro-RO" dirty="0"/>
+                  <a:t> cat mai mult planta si pentru a prevenii ca toata </a:t>
+                </a:r>
+                <a:r>
+                  <a:rPr lang="ro-RO" dirty="0" err="1"/>
+                  <a:t>branchurile</a:t>
+                </a:r>
+                <a:r>
+                  <a:rPr lang="ro-RO" dirty="0"/>
+                  <a:t> sa „alunece” </a:t>
+                </a:r>
+                <a:r>
+                  <a:rPr lang="ro-RO" dirty="0" err="1"/>
+                  <a:t>intr-o</a:t>
+                </a:r>
+                <a:r>
+                  <a:rPr lang="ro-RO" dirty="0"/>
+                  <a:t> singura parte si sa „aplece” planta.</a:t>
+                </a:r>
+              </a:p>
+              <a:p>
+                <a:r>
+                  <a:rPr lang="ro-RO" dirty="0"/>
+                  <a:t>Cele doua </a:t>
+                </a:r>
+                <a:r>
+                  <a:rPr lang="ro-RO" dirty="0" err="1"/>
+                  <a:t>branchuri</a:t>
+                </a:r>
+                <a:r>
+                  <a:rPr lang="ro-RO" dirty="0"/>
+                  <a:t> sunt „</a:t>
+                </a:r>
+                <a:r>
+                  <a:rPr lang="ro-RO" dirty="0" err="1"/>
+                  <a:t>tinute</a:t>
+                </a:r>
+                <a:r>
+                  <a:rPr lang="ro-RO" dirty="0"/>
+                  <a:t>” departe una de </a:t>
+                </a:r>
+                <a:r>
+                  <a:rPr lang="ro-RO" dirty="0" err="1"/>
+                  <a:t>cealalta</a:t>
+                </a:r>
+                <a:r>
+                  <a:rPr lang="ro-RO" dirty="0"/>
+                  <a:t> si de </a:t>
+                </a:r>
+                <a:r>
+                  <a:rPr lang="ro-RO" dirty="0" err="1"/>
+                  <a:t>parintele</a:t>
+                </a:r>
+                <a:r>
+                  <a:rPr lang="ro-RO" dirty="0"/>
+                  <a:t> lor prin </a:t>
+                </a:r>
+                <a:r>
+                  <a:rPr lang="ro-RO" dirty="0" err="1"/>
+                  <a:t>constrangeri</a:t>
+                </a:r>
+                <a:r>
+                  <a:rPr lang="ro-RO" dirty="0"/>
+                  <a:t>.</a:t>
+                </a:r>
+              </a:p>
+              <a:p>
+                <a:r>
+                  <a:rPr lang="ro-RO" dirty="0" err="1"/>
+                  <a:t>Numarul</a:t>
+                </a:r>
+                <a:r>
+                  <a:rPr lang="ro-RO" dirty="0"/>
+                  <a:t> de noduri de pe fiecare </a:t>
+                </a:r>
+                <a:r>
+                  <a:rPr lang="ro-RO" dirty="0" err="1"/>
+                  <a:t>branch</a:t>
+                </a:r>
+                <a:r>
+                  <a:rPr lang="ro-RO" dirty="0"/>
+                  <a:t> este egal cu  </a:t>
+                </a:r>
+                <a14:m>
+                  <m:oMath xmlns:m="http://schemas.openxmlformats.org/officeDocument/2006/math">
+                    <m:r>
+                      <a:rPr lang="ro-RO" i="1">
+                        <a:latin typeface="Cambria Math" panose="02040503050406030204" pitchFamily="18" charset="0"/>
+                      </a:rPr>
+                      <m:t>𝑁𝑝𝑎𝑟𝑖𝑛𝑡𝑒</m:t>
+                    </m:r>
+                    <m:r>
+                      <a:rPr lang="ro-RO" i="1">
+                        <a:latin typeface="Cambria Math" panose="02040503050406030204" pitchFamily="18" charset="0"/>
+                      </a:rPr>
+                      <m:t>/</m:t>
+                    </m:r>
+                    <m:r>
+                      <a:rPr lang="ro-RO" i="1">
+                        <a:latin typeface="Cambria Math" panose="02040503050406030204" pitchFamily="18" charset="0"/>
+                      </a:rPr>
+                      <m:t>𝐻𝑎𝑙𝑣𝑖𝑛𝑔𝑅𝑎𝑡𝑖𝑜𝑛</m:t>
+                    </m:r>
+                  </m:oMath>
+                </a14:m>
+                <a:r>
+                  <a:rPr lang="ro-RO" dirty="0"/>
+                  <a:t>.</a:t>
+                </a:r>
+              </a:p>
+              <a:p>
+                <a:endParaRPr lang="ro-RO" dirty="0"/>
+              </a:p>
+            </p:txBody>
+          </p:sp>
+        </mc:Choice>
+        <mc:Fallback>
+          <p:sp>
+            <p:nvSpPr>
+              <p:cNvPr id="3" name="Content Placeholder 2">
+                <a:extLst>
+                  <a:ext uri="{FF2B5EF4-FFF2-40B4-BE49-F238E27FC236}">
+                    <a16:creationId xmlns:a16="http://schemas.microsoft.com/office/drawing/2014/main" id="{B4145C81-036F-49F4-88B3-0ABEED7974CF}"/>
+                  </a:ext>
+                </a:extLst>
+              </p:cNvPr>
+              <p:cNvSpPr>
+                <a:spLocks noGrp="1" noRot="1" noChangeAspect="1" noMove="1" noResize="1" noEditPoints="1" noAdjustHandles="1" noChangeArrowheads="1" noChangeShapeType="1" noTextEdit="1"/>
+              </p:cNvSpPr>
+              <p:nvPr>
+                <p:ph idx="1"/>
+              </p:nvPr>
+            </p:nvSpPr>
+            <p:spPr>
+              <a:blipFill>
+                <a:blip r:embed="rId2"/>
+                <a:stretch>
+                  <a:fillRect l="-421"/>
+                </a:stretch>
+              </a:blipFill>
+            </p:spPr>
+            <p:txBody>
+              <a:bodyPr/>
+              <a:lstStyle/>
+              <a:p>
+                <a:r>
+                  <a:rPr lang="ro-RO">
+                    <a:noFill/>
+                  </a:rPr>
+                  <a:t> </a:t>
+                </a:r>
+              </a:p>
+            </p:txBody>
+          </p:sp>
+        </mc:Fallback>
+      </mc:AlternateContent>
     </p:spTree>
     <p:extLst>
       <p:ext uri="{BB962C8B-B14F-4D97-AF65-F5344CB8AC3E}">
-        <p14:creationId xmlns:p14="http://schemas.microsoft.com/office/powerpoint/2010/main" val="3430766955"/>
+        <p14:creationId xmlns:p14="http://schemas.microsoft.com/office/powerpoint/2010/main" val="2723410903"/>
       </p:ext>
     </p:extLst>
   </p:cSld>
@@ -18470,10 +19076,42 @@
       </p:grpSpPr>
       <p:sp>
         <p:nvSpPr>
+          <p:cNvPr id="2" name="Title 1">
+            <a:extLst>
+              <a:ext uri="{FF2B5EF4-FFF2-40B4-BE49-F238E27FC236}">
+                <a16:creationId xmlns:a16="http://schemas.microsoft.com/office/drawing/2014/main" id="{D22E4C12-7659-4591-A8B8-EE87B56DD8C6}"/>
+              </a:ext>
+            </a:extLst>
+          </p:cNvPr>
+          <p:cNvSpPr>
+            <a:spLocks noGrp="1"/>
+          </p:cNvSpPr>
+          <p:nvPr>
+            <p:ph type="title"/>
+          </p:nvPr>
+        </p:nvSpPr>
+        <p:spPr/>
+        <p:txBody>
+          <a:bodyPr/>
+          <a:lstStyle/>
+          <a:p>
+            <a:r>
+              <a:rPr lang="ro-RO" dirty="0" err="1"/>
+              <a:t>Terrain</a:t>
+            </a:r>
+            <a:r>
+              <a:rPr lang="ro-RO" dirty="0"/>
+              <a:t> generator</a:t>
+            </a:r>
+          </a:p>
+        </p:txBody>
+      </p:sp>
+      <p:sp>
+        <p:nvSpPr>
           <p:cNvPr id="3" name="Content Placeholder 2">
             <a:extLst>
               <a:ext uri="{FF2B5EF4-FFF2-40B4-BE49-F238E27FC236}">
-                <a16:creationId xmlns:a16="http://schemas.microsoft.com/office/drawing/2014/main" id="{4F202D1F-F155-4AB9-8BDA-20945416580A}"/>
+                <a16:creationId xmlns:a16="http://schemas.microsoft.com/office/drawing/2014/main" id="{09F0C14C-5BF3-45BB-9621-29B8D4421DF0}"/>
               </a:ext>
             </a:extLst>
           </p:cNvPr>
@@ -18484,55 +19122,54 @@
             <p:ph idx="1"/>
           </p:nvPr>
         </p:nvSpPr>
-        <p:spPr>
-          <a:xfrm>
-            <a:off x="685801" y="455880"/>
-            <a:ext cx="10131425" cy="3649133"/>
-          </a:xfrm>
-        </p:spPr>
+        <p:spPr/>
         <p:txBody>
           <a:bodyPr>
-            <a:normAutofit fontScale="92500"/>
+            <a:normAutofit/>
           </a:bodyPr>
           <a:lstStyle/>
           <a:p>
             <a:r>
               <a:rPr lang="ro-RO" dirty="0"/>
-              <a:t>In </a:t>
+              <a:t>Algoritmul de </a:t>
             </a:r>
             <a:r>
               <a:rPr lang="ro-RO" dirty="0" err="1"/>
-              <a:t>acelasi</a:t>
+              <a:t>Marching</a:t>
             </a:r>
             <a:r>
               <a:rPr lang="ro-RO" dirty="0"/>
-              <a:t> algoritm este suprapus un </a:t>
+              <a:t> </a:t>
             </a:r>
             <a:r>
               <a:rPr lang="ro-RO" dirty="0" err="1"/>
-              <a:t>engine</a:t>
+              <a:t>Cubes</a:t>
             </a:r>
             <a:r>
               <a:rPr lang="ro-RO" dirty="0"/>
-              <a:t> de plasare a plantelor in </a:t>
+              <a:t> este utilizat </a:t>
             </a:r>
             <a:r>
               <a:rPr lang="ro-RO" dirty="0" err="1"/>
-              <a:t>pozitii</a:t>
+              <a:t>intr-o</a:t>
             </a:r>
             <a:r>
               <a:rPr lang="ro-RO" dirty="0"/>
-              <a:t> random.</a:t>
-            </a:r>
-          </a:p>
-          <a:p>
+              <a:t> clasa de generare a </a:t>
+            </a:r>
             <a:r>
               <a:rPr lang="ro-RO" dirty="0" err="1"/>
-              <a:t>Cateva</a:t>
+              <a:t>chunk</a:t>
             </a:r>
             <a:r>
               <a:rPr lang="ro-RO" dirty="0"/>
-              <a:t> variabile </a:t>
+              <a:t>-urilor pentru teren.</a:t>
+            </a:r>
+          </a:p>
+          <a:p>
+            <a:r>
+              <a:rPr lang="ro-RO" dirty="0"/>
+              <a:t>O variabila </a:t>
             </a:r>
             <a:r>
               <a:rPr lang="ro-RO" dirty="0" err="1"/>
@@ -18540,22 +19177,36 @@
             </a:r>
             <a:r>
               <a:rPr lang="ro-RO" dirty="0"/>
-              <a:t> </a:t>
+              <a:t> step </a:t>
             </a:r>
             <a:r>
               <a:rPr lang="ro-RO" dirty="0" err="1"/>
-              <a:t>compartamenul</a:t>
+              <a:t>size-ul</a:t>
             </a:r>
             <a:r>
               <a:rPr lang="ro-RO" dirty="0"/>
-              <a:t> algoritmului:</a:t>
+              <a:t> terenului – folosit pentru aspectul de terasare</a:t>
+            </a:r>
+          </a:p>
+          <a:p>
+            <a:r>
+              <a:rPr lang="ro-RO" dirty="0"/>
+              <a:t>Alte variabile </a:t>
+            </a:r>
+            <a:r>
+              <a:rPr lang="ro-RO" dirty="0" err="1"/>
+              <a:t>controleaza</a:t>
+            </a:r>
+            <a:r>
+              <a:rPr lang="ro-RO" dirty="0"/>
+              <a:t>:</a:t>
             </a:r>
           </a:p>
           <a:p>
             <a:pPr lvl="1"/>
             <a:r>
               <a:rPr lang="ro-RO" dirty="0"/>
-              <a:t>Plante per </a:t>
+              <a:t>Lungimea bazei unui </a:t>
             </a:r>
             <a:r>
               <a:rPr lang="ro-RO" dirty="0" err="1"/>
@@ -18566,6 +19217,14 @@
           <a:p>
             <a:pPr lvl="1"/>
             <a:r>
+              <a:rPr lang="ro-RO" dirty="0" err="1"/>
+              <a:t>Inaltimea</a:t>
+            </a:r>
+            <a:endParaRPr lang="ro-RO" dirty="0"/>
+          </a:p>
+          <a:p>
+            <a:pPr lvl="1"/>
+            <a:r>
               <a:rPr lang="ro-RO" dirty="0"/>
               <a:t>Raza de </a:t>
             </a:r>
@@ -18575,71 +19234,55 @@
             </a:r>
             <a:r>
               <a:rPr lang="ro-RO" dirty="0"/>
-              <a:t> a plantelor</a:t>
-            </a:r>
-          </a:p>
-          <a:p>
+              <a:t> (se face </a:t>
+            </a:r>
+            <a:r>
+              <a:rPr lang="ro-RO" dirty="0" err="1"/>
+              <a:t>intr</a:t>
+            </a:r>
             <a:r>
               <a:rPr lang="ro-RO" dirty="0"/>
-              <a:t>Implementare</a:t>
-            </a:r>
-          </a:p>
-          <a:p>
-            <a:pPr lvl="1"/>
+              <a:t>-un cerc)</a:t>
+            </a:r>
+          </a:p>
+          <a:p>
+            <a:r>
+              <a:rPr lang="ro-RO" dirty="0" err="1"/>
+              <a:t>Chunkurile</a:t>
+            </a:r>
             <a:r>
               <a:rPr lang="ro-RO" dirty="0"/>
-              <a:t>Algoritmul </a:t>
+              <a:t> nu sunt distruse in </a:t>
             </a:r>
             <a:r>
               <a:rPr lang="ro-RO" dirty="0" err="1"/>
-              <a:t>foloseste</a:t>
+              <a:t>intregime</a:t>
             </a:r>
             <a:r>
               <a:rPr lang="ro-RO" dirty="0"/>
-              <a:t> Ray </a:t>
+              <a:t> ci la dezactivare sunt salvate </a:t>
             </a:r>
             <a:r>
               <a:rPr lang="ro-RO" dirty="0" err="1"/>
-              <a:t>Tracing</a:t>
-            </a:r>
-            <a:endParaRPr lang="ro-RO" dirty="0"/>
-          </a:p>
-          <a:p>
-            <a:pPr lvl="1"/>
+              <a:t>intr</a:t>
+            </a:r>
             <a:r>
               <a:rPr lang="ro-RO" dirty="0"/>
-              <a:t>Vehiculul are atribuit un </a:t>
+              <a:t>-un cache de unde vor fi </a:t>
             </a:r>
             <a:r>
               <a:rPr lang="ro-RO" dirty="0" err="1"/>
-              <a:t>tag</a:t>
+              <a:t>reincarcate</a:t>
             </a:r>
             <a:r>
               <a:rPr lang="ro-RO" dirty="0"/>
-              <a:t> special</a:t>
-            </a:r>
-          </a:p>
-          <a:p>
-            <a:pPr lvl="1"/>
+              <a:t> la comanda.</a:t>
+            </a:r>
+          </a:p>
+          <a:p>
             <a:r>
               <a:rPr lang="ro-RO" dirty="0"/>
-              <a:t>In </a:t>
-            </a:r>
-            <a:r>
-              <a:rPr lang="ro-RO" dirty="0" err="1"/>
-              <a:t>functie</a:t>
-            </a:r>
-            <a:r>
-              <a:rPr lang="ro-RO" dirty="0"/>
-              <a:t> de parametrii </a:t>
-            </a:r>
-            <a:r>
-              <a:rPr lang="ro-RO" dirty="0" err="1"/>
-              <a:t>setati</a:t>
-            </a:r>
-            <a:r>
-              <a:rPr lang="ro-RO" dirty="0"/>
-              <a:t> si pentru fiecare </a:t>
+              <a:t>Fiecare </a:t>
             </a:r>
             <a:r>
               <a:rPr lang="ro-RO" dirty="0" err="1"/>
@@ -18647,187 +19290,55 @@
             </a:r>
             <a:r>
               <a:rPr lang="ro-RO" dirty="0"/>
-              <a:t> apropiat sunt trimise raze de la </a:t>
+              <a:t> are un </a:t>
             </a:r>
             <a:r>
               <a:rPr lang="ro-RO" dirty="0" err="1"/>
-              <a:t>inaltimea</a:t>
+              <a:t>mesh</a:t>
             </a:r>
             <a:r>
               <a:rPr lang="ro-RO" dirty="0"/>
-              <a:t> maxima a unui </a:t>
+              <a:t> atribuit si un </a:t>
             </a:r>
             <a:r>
               <a:rPr lang="ro-RO" dirty="0" err="1"/>
-              <a:t>chunk</a:t>
+              <a:t>collider</a:t>
             </a:r>
             <a:r>
               <a:rPr lang="ro-RO" dirty="0"/>
-              <a:t> in jos. La vectorul </a:t>
+              <a:t> format din acel </a:t>
             </a:r>
             <a:r>
               <a:rPr lang="ro-RO" dirty="0" err="1"/>
-              <a:t>directie</a:t>
+              <a:t>mesh</a:t>
             </a:r>
             <a:r>
               <a:rPr lang="ro-RO" dirty="0"/>
-              <a:t> „jos” este </a:t>
+              <a:t>. Astfel vehiculul poate </a:t>
             </a:r>
             <a:r>
               <a:rPr lang="ro-RO" dirty="0" err="1"/>
-              <a:t>adaugat</a:t>
+              <a:t>interactiona</a:t>
             </a:r>
             <a:r>
               <a:rPr lang="ro-RO" dirty="0"/>
-              <a:t> un vector</a:t>
-            </a:r>
-            <a:r>
-              <a:rPr lang="en-US" dirty="0"/>
-              <a:t> aleator in </a:t>
-            </a:r>
-            <a:r>
-              <a:rPr lang="en-US" dirty="0" err="1"/>
-              <a:t>asa</a:t>
-            </a:r>
-            <a:r>
-              <a:rPr lang="en-US" dirty="0"/>
-              <a:t> </a:t>
-            </a:r>
-            <a:r>
-              <a:rPr lang="en-US" dirty="0" err="1"/>
-              <a:t>fel</a:t>
-            </a:r>
-            <a:r>
-              <a:rPr lang="en-US" dirty="0"/>
-              <a:t> </a:t>
-            </a:r>
-            <a:r>
-              <a:rPr lang="en-US" dirty="0" err="1"/>
-              <a:t>incat</a:t>
-            </a:r>
-            <a:r>
-              <a:rPr lang="en-US" dirty="0"/>
-              <a:t> </a:t>
-            </a:r>
-            <a:r>
-              <a:rPr lang="en-US" dirty="0" err="1"/>
-              <a:t>este</a:t>
-            </a:r>
-            <a:r>
-              <a:rPr lang="en-US" dirty="0"/>
-              <a:t> </a:t>
-            </a:r>
-            <a:r>
-              <a:rPr lang="en-US" dirty="0" err="1"/>
-              <a:t>pastrata</a:t>
-            </a:r>
-            <a:r>
-              <a:rPr lang="en-US" dirty="0"/>
-              <a:t> </a:t>
-            </a:r>
-            <a:r>
-              <a:rPr lang="en-US" dirty="0" err="1"/>
-              <a:t>directia</a:t>
-            </a:r>
-            <a:r>
-              <a:rPr lang="en-US" dirty="0"/>
-              <a:t> </a:t>
-            </a:r>
-            <a:r>
-              <a:rPr lang="en-US" dirty="0" err="1"/>
-              <a:t>generala</a:t>
-            </a:r>
-            <a:r>
-              <a:rPr lang="en-US" dirty="0"/>
-              <a:t> in </a:t>
-            </a:r>
-            <a:r>
-              <a:rPr lang="en-US" dirty="0" err="1"/>
-              <a:t>jos</a:t>
-            </a:r>
-            <a:endParaRPr lang="en-US" dirty="0"/>
-          </a:p>
-          <a:p>
-            <a:pPr lvl="1"/>
-            <a:r>
-              <a:rPr lang="en-US" dirty="0"/>
-              <a:t>Se </a:t>
-            </a:r>
-            <a:r>
-              <a:rPr lang="en-US" dirty="0" err="1"/>
-              <a:t>evita</a:t>
-            </a:r>
-            <a:r>
-              <a:rPr lang="en-US" dirty="0"/>
-              <a:t> </a:t>
-            </a:r>
-            <a:r>
-              <a:rPr lang="en-US" dirty="0" err="1"/>
-              <a:t>punctul</a:t>
-            </a:r>
-            <a:r>
-              <a:rPr lang="en-US" dirty="0"/>
-              <a:t> </a:t>
-            </a:r>
-            <a:r>
-              <a:rPr lang="en-US" dirty="0" err="1"/>
-              <a:t>calculat</a:t>
-            </a:r>
-            <a:r>
-              <a:rPr lang="en-US"/>
-              <a:t> daca</a:t>
-            </a:r>
-            <a:r>
-              <a:rPr lang="en-US" dirty="0"/>
-              <a:t> </a:t>
-            </a:r>
-            <a:r>
-              <a:rPr lang="en-US" dirty="0" err="1"/>
-              <a:t>suprafata</a:t>
-            </a:r>
-            <a:r>
-              <a:rPr lang="en-US" dirty="0"/>
-              <a:t> </a:t>
-            </a:r>
-            <a:r>
-              <a:rPr lang="en-US" dirty="0" err="1"/>
-              <a:t>lovita</a:t>
-            </a:r>
-            <a:r>
-              <a:rPr lang="en-US" dirty="0"/>
-              <a:t> </a:t>
-            </a:r>
-            <a:r>
-              <a:rPr lang="en-US" dirty="0" err="1"/>
-              <a:t>este</a:t>
-            </a:r>
-            <a:r>
-              <a:rPr lang="en-US" dirty="0"/>
-              <a:t> </a:t>
-            </a:r>
-            <a:r>
-              <a:rPr lang="en-US" dirty="0" err="1"/>
-              <a:t>cea</a:t>
-            </a:r>
-            <a:r>
-              <a:rPr lang="en-US" dirty="0"/>
-              <a:t> a </a:t>
-            </a:r>
-            <a:r>
-              <a:rPr lang="en-US" dirty="0" err="1"/>
-              <a:t>vehiculului</a:t>
-            </a:r>
-            <a:endParaRPr lang="ro-RO" dirty="0"/>
-          </a:p>
-          <a:p>
-            <a:endParaRPr lang="ro-RO" dirty="0"/>
+              <a:t> cu „</a:t>
+            </a:r>
+            <a:r>
+              <a:rPr lang="ro-RO" dirty="0" err="1"/>
+              <a:t>pamantul</a:t>
+            </a:r>
+            <a:r>
+              <a:rPr lang="ro-RO" dirty="0"/>
+              <a:t>”</a:t>
+            </a:r>
           </a:p>
         </p:txBody>
       </p:sp>
     </p:spTree>
     <p:extLst>
       <p:ext uri="{BB962C8B-B14F-4D97-AF65-F5344CB8AC3E}">
-        <p14:creationId xmlns:p14="http://schemas.microsoft.com/office/powerpoint/2010/main" val="2214334214"/>
+        <p14:creationId xmlns:p14="http://schemas.microsoft.com/office/powerpoint/2010/main" val="3430766955"/>
       </p:ext>
     </p:extLst>
   </p:cSld>

--- a/Prezentare/OceanExploration.pptx
+++ b/Prezentare/OceanExploration.pptx
@@ -5,10 +5,10 @@
     <p:sldMasterId id="2147483744" r:id="rId4"/>
   </p:sldMasterIdLst>
   <p:notesMasterIdLst>
-    <p:notesMasterId r:id="rId17"/>
+    <p:notesMasterId r:id="rId18"/>
   </p:notesMasterIdLst>
   <p:handoutMasterIdLst>
-    <p:handoutMasterId r:id="rId18"/>
+    <p:handoutMasterId r:id="rId19"/>
   </p:handoutMasterIdLst>
   <p:sldIdLst>
     <p:sldId id="256" r:id="rId5"/>
@@ -19,10 +19,11 @@
     <p:sldId id="277" r:id="rId10"/>
     <p:sldId id="278" r:id="rId11"/>
     <p:sldId id="281" r:id="rId12"/>
-    <p:sldId id="279" r:id="rId13"/>
-    <p:sldId id="280" r:id="rId14"/>
-    <p:sldId id="264" r:id="rId15"/>
-    <p:sldId id="274" r:id="rId16"/>
+    <p:sldId id="282" r:id="rId13"/>
+    <p:sldId id="279" r:id="rId14"/>
+    <p:sldId id="280" r:id="rId15"/>
+    <p:sldId id="264" r:id="rId16"/>
+    <p:sldId id="274" r:id="rId17"/>
   </p:sldIdLst>
   <p:sldSz cx="12192000" cy="6858000"/>
   <p:notesSz cx="6858000" cy="9144000"/>
@@ -998,7 +999,7 @@
           <a:p>
             <a:fld id="{F3544625-0ADF-4414-89A2-9E135F0C849F}" type="slidenum">
               <a:rPr lang="en-US" smtClean="0"/>
-              <a:t>11</a:t>
+              <a:t>12</a:t>
             </a:fld>
             <a:endParaRPr lang="en-US" dirty="0"/>
           </a:p>
@@ -1082,7 +1083,7 @@
           <a:p>
             <a:fld id="{F3544625-0ADF-4414-89A2-9E135F0C849F}" type="slidenum">
               <a:rPr lang="en-US" smtClean="0"/>
-              <a:t>12</a:t>
+              <a:t>13</a:t>
             </a:fld>
             <a:endParaRPr lang="en-US" dirty="0"/>
           </a:p>
@@ -7423,6 +7424,297 @@
       </p:grpSpPr>
       <p:sp>
         <p:nvSpPr>
+          <p:cNvPr id="2" name="Title 1">
+            <a:extLst>
+              <a:ext uri="{FF2B5EF4-FFF2-40B4-BE49-F238E27FC236}">
+                <a16:creationId xmlns:a16="http://schemas.microsoft.com/office/drawing/2014/main" id="{D22E4C12-7659-4591-A8B8-EE87B56DD8C6}"/>
+              </a:ext>
+            </a:extLst>
+          </p:cNvPr>
+          <p:cNvSpPr>
+            <a:spLocks noGrp="1"/>
+          </p:cNvSpPr>
+          <p:nvPr>
+            <p:ph type="title"/>
+          </p:nvPr>
+        </p:nvSpPr>
+        <p:spPr/>
+        <p:txBody>
+          <a:bodyPr/>
+          <a:lstStyle/>
+          <a:p>
+            <a:r>
+              <a:rPr lang="ro-RO" dirty="0" err="1"/>
+              <a:t>Terrain</a:t>
+            </a:r>
+            <a:r>
+              <a:rPr lang="ro-RO" dirty="0"/>
+              <a:t> generator</a:t>
+            </a:r>
+          </a:p>
+        </p:txBody>
+      </p:sp>
+      <p:sp>
+        <p:nvSpPr>
+          <p:cNvPr id="3" name="Content Placeholder 2">
+            <a:extLst>
+              <a:ext uri="{FF2B5EF4-FFF2-40B4-BE49-F238E27FC236}">
+                <a16:creationId xmlns:a16="http://schemas.microsoft.com/office/drawing/2014/main" id="{09F0C14C-5BF3-45BB-9621-29B8D4421DF0}"/>
+              </a:ext>
+            </a:extLst>
+          </p:cNvPr>
+          <p:cNvSpPr>
+            <a:spLocks noGrp="1"/>
+          </p:cNvSpPr>
+          <p:nvPr>
+            <p:ph idx="1"/>
+          </p:nvPr>
+        </p:nvSpPr>
+        <p:spPr/>
+        <p:txBody>
+          <a:bodyPr>
+            <a:normAutofit/>
+          </a:bodyPr>
+          <a:lstStyle/>
+          <a:p>
+            <a:r>
+              <a:rPr lang="ro-RO" dirty="0"/>
+              <a:t>Algoritmul de </a:t>
+            </a:r>
+            <a:r>
+              <a:rPr lang="ro-RO" dirty="0" err="1"/>
+              <a:t>Marching</a:t>
+            </a:r>
+            <a:r>
+              <a:rPr lang="ro-RO" dirty="0"/>
+              <a:t> </a:t>
+            </a:r>
+            <a:r>
+              <a:rPr lang="ro-RO" dirty="0" err="1"/>
+              <a:t>Cubes</a:t>
+            </a:r>
+            <a:r>
+              <a:rPr lang="ro-RO" dirty="0"/>
+              <a:t> este utilizat </a:t>
+            </a:r>
+            <a:r>
+              <a:rPr lang="ro-RO" dirty="0" err="1"/>
+              <a:t>intr-o</a:t>
+            </a:r>
+            <a:r>
+              <a:rPr lang="ro-RO" dirty="0"/>
+              <a:t> clasa de generare a </a:t>
+            </a:r>
+            <a:r>
+              <a:rPr lang="ro-RO" dirty="0" err="1"/>
+              <a:t>chunk</a:t>
+            </a:r>
+            <a:r>
+              <a:rPr lang="ro-RO" dirty="0"/>
+              <a:t>-urilor pentru teren.</a:t>
+            </a:r>
+          </a:p>
+          <a:p>
+            <a:r>
+              <a:rPr lang="ro-RO" dirty="0"/>
+              <a:t>O variabila </a:t>
+            </a:r>
+            <a:r>
+              <a:rPr lang="ro-RO" dirty="0" err="1"/>
+              <a:t>controleaza</a:t>
+            </a:r>
+            <a:r>
+              <a:rPr lang="ro-RO" dirty="0"/>
+              <a:t> step </a:t>
+            </a:r>
+            <a:r>
+              <a:rPr lang="ro-RO" dirty="0" err="1"/>
+              <a:t>size-ul</a:t>
+            </a:r>
+            <a:r>
+              <a:rPr lang="ro-RO" dirty="0"/>
+              <a:t> terenului – folosit pentru aspectul de terasare</a:t>
+            </a:r>
+          </a:p>
+          <a:p>
+            <a:r>
+              <a:rPr lang="ro-RO" dirty="0"/>
+              <a:t>Alte variabile </a:t>
+            </a:r>
+            <a:r>
+              <a:rPr lang="ro-RO" dirty="0" err="1"/>
+              <a:t>controleaza</a:t>
+            </a:r>
+            <a:r>
+              <a:rPr lang="ro-RO" dirty="0"/>
+              <a:t>:</a:t>
+            </a:r>
+          </a:p>
+          <a:p>
+            <a:pPr lvl="1"/>
+            <a:r>
+              <a:rPr lang="ro-RO" dirty="0"/>
+              <a:t>Lungimea bazei unui </a:t>
+            </a:r>
+            <a:r>
+              <a:rPr lang="ro-RO" dirty="0" err="1"/>
+              <a:t>chunk</a:t>
+            </a:r>
+            <a:endParaRPr lang="ro-RO" dirty="0"/>
+          </a:p>
+          <a:p>
+            <a:pPr lvl="1"/>
+            <a:r>
+              <a:rPr lang="ro-RO" dirty="0" err="1"/>
+              <a:t>Inaltimea</a:t>
+            </a:r>
+            <a:endParaRPr lang="ro-RO" dirty="0"/>
+          </a:p>
+          <a:p>
+            <a:pPr lvl="1"/>
+            <a:r>
+              <a:rPr lang="ro-RO" dirty="0"/>
+              <a:t>Raza de </a:t>
+            </a:r>
+            <a:r>
+              <a:rPr lang="ro-RO" dirty="0" err="1"/>
+              <a:t>incarcare</a:t>
+            </a:r>
+            <a:r>
+              <a:rPr lang="ro-RO" dirty="0"/>
+              <a:t> (se face </a:t>
+            </a:r>
+            <a:r>
+              <a:rPr lang="ro-RO" dirty="0" err="1"/>
+              <a:t>intr</a:t>
+            </a:r>
+            <a:r>
+              <a:rPr lang="ro-RO" dirty="0"/>
+              <a:t>-un cerc)</a:t>
+            </a:r>
+          </a:p>
+          <a:p>
+            <a:r>
+              <a:rPr lang="ro-RO" dirty="0" err="1"/>
+              <a:t>Chunkurile</a:t>
+            </a:r>
+            <a:r>
+              <a:rPr lang="ro-RO" dirty="0"/>
+              <a:t> nu sunt distruse in </a:t>
+            </a:r>
+            <a:r>
+              <a:rPr lang="ro-RO" dirty="0" err="1"/>
+              <a:t>intregime</a:t>
+            </a:r>
+            <a:r>
+              <a:rPr lang="ro-RO" dirty="0"/>
+              <a:t> ci la dezactivare sunt salvate </a:t>
+            </a:r>
+            <a:r>
+              <a:rPr lang="ro-RO" dirty="0" err="1"/>
+              <a:t>intr</a:t>
+            </a:r>
+            <a:r>
+              <a:rPr lang="ro-RO" dirty="0"/>
+              <a:t>-un cache de unde vor fi </a:t>
+            </a:r>
+            <a:r>
+              <a:rPr lang="ro-RO" dirty="0" err="1"/>
+              <a:t>reincarcate</a:t>
+            </a:r>
+            <a:r>
+              <a:rPr lang="ro-RO" dirty="0"/>
+              <a:t> la comanda.</a:t>
+            </a:r>
+          </a:p>
+          <a:p>
+            <a:r>
+              <a:rPr lang="ro-RO" dirty="0"/>
+              <a:t>Fiecare </a:t>
+            </a:r>
+            <a:r>
+              <a:rPr lang="ro-RO" dirty="0" err="1"/>
+              <a:t>chunk</a:t>
+            </a:r>
+            <a:r>
+              <a:rPr lang="ro-RO" dirty="0"/>
+              <a:t> are un </a:t>
+            </a:r>
+            <a:r>
+              <a:rPr lang="ro-RO" dirty="0" err="1"/>
+              <a:t>mesh</a:t>
+            </a:r>
+            <a:r>
+              <a:rPr lang="ro-RO" dirty="0"/>
+              <a:t> atribuit si un </a:t>
+            </a:r>
+            <a:r>
+              <a:rPr lang="ro-RO" dirty="0" err="1"/>
+              <a:t>collider</a:t>
+            </a:r>
+            <a:r>
+              <a:rPr lang="ro-RO" dirty="0"/>
+              <a:t> format din acel </a:t>
+            </a:r>
+            <a:r>
+              <a:rPr lang="ro-RO" dirty="0" err="1"/>
+              <a:t>mesh</a:t>
+            </a:r>
+            <a:r>
+              <a:rPr lang="ro-RO" dirty="0"/>
+              <a:t>. Astfel vehiculul poate </a:t>
+            </a:r>
+            <a:r>
+              <a:rPr lang="ro-RO" dirty="0" err="1"/>
+              <a:t>interactiona</a:t>
+            </a:r>
+            <a:r>
+              <a:rPr lang="ro-RO" dirty="0"/>
+              <a:t> cu „</a:t>
+            </a:r>
+            <a:r>
+              <a:rPr lang="ro-RO" dirty="0" err="1"/>
+              <a:t>pamantul</a:t>
+            </a:r>
+            <a:r>
+              <a:rPr lang="ro-RO" dirty="0"/>
+              <a:t>”</a:t>
+            </a:r>
+          </a:p>
+        </p:txBody>
+      </p:sp>
+    </p:spTree>
+    <p:extLst>
+      <p:ext uri="{BB962C8B-B14F-4D97-AF65-F5344CB8AC3E}">
+        <p14:creationId xmlns:p14="http://schemas.microsoft.com/office/powerpoint/2010/main" val="3430766955"/>
+      </p:ext>
+    </p:extLst>
+  </p:cSld>
+  <p:clrMapOvr>
+    <a:masterClrMapping/>
+  </p:clrMapOvr>
+</p:sld>
+</file>
+
+<file path=ppt/slides/slide11.xml><?xml version="1.0" encoding="utf-8"?>
+<p:sld xmlns:a="http://schemas.openxmlformats.org/drawingml/2006/main" xmlns:r="http://schemas.openxmlformats.org/officeDocument/2006/relationships" xmlns:p="http://schemas.openxmlformats.org/presentationml/2006/main">
+  <p:cSld>
+    <p:spTree>
+      <p:nvGrpSpPr>
+        <p:cNvPr id="1" name=""/>
+        <p:cNvGrpSpPr/>
+        <p:nvPr/>
+      </p:nvGrpSpPr>
+      <p:grpSpPr>
+        <a:xfrm>
+          <a:off x="0" y="0"/>
+          <a:ext cx="0" cy="0"/>
+          <a:chOff x="0" y="0"/>
+          <a:chExt cx="0" cy="0"/>
+        </a:xfrm>
+      </p:grpSpPr>
+      <p:sp>
+        <p:nvSpPr>
           <p:cNvPr id="3" name="Content Placeholder 2">
             <a:extLst>
               <a:ext uri="{FF2B5EF4-FFF2-40B4-BE49-F238E27FC236}">
@@ -7794,7 +8086,7 @@
 </p:sld>
 </file>
 
-<file path=ppt/slides/slide11.xml><?xml version="1.0" encoding="utf-8"?>
+<file path=ppt/slides/slide12.xml><?xml version="1.0" encoding="utf-8"?>
 <p:sld xmlns:a="http://schemas.openxmlformats.org/drawingml/2006/main" xmlns:r="http://schemas.openxmlformats.org/officeDocument/2006/relationships" xmlns:p="http://schemas.openxmlformats.org/presentationml/2006/main">
   <p:cSld>
     <p:spTree>
@@ -8084,7 +8376,7 @@
 </p:sld>
 </file>
 
-<file path=ppt/slides/slide12.xml><?xml version="1.0" encoding="utf-8"?>
+<file path=ppt/slides/slide13.xml><?xml version="1.0" encoding="utf-8"?>
 <p:sld xmlns:a="http://schemas.openxmlformats.org/drawingml/2006/main" xmlns:r="http://schemas.openxmlformats.org/officeDocument/2006/relationships" xmlns:p="http://schemas.openxmlformats.org/presentationml/2006/main">
   <p:cSld>
     <p:spTree>
@@ -18999,7 +19291,18 @@
                 </a:r>
               </a:p>
               <a:p>
-                <a:endParaRPr lang="ro-RO" dirty="0"/>
+                <a:r>
+                  <a:rPr lang="ro-RO" dirty="0"/>
+                  <a:t>Pentru a simula cat mai bine o planta </a:t>
+                </a:r>
+                <a:r>
+                  <a:rPr lang="ro-RO" dirty="0" err="1"/>
+                  <a:t>rasfirata</a:t>
+                </a:r>
+                <a:r>
+                  <a:rPr lang="ro-RO" dirty="0"/>
+                  <a:t> este introdus un alt parametru </a:t>
+                </a:r>
               </a:p>
             </p:txBody>
           </p:sp>
@@ -19074,271 +19377,85 @@
           <a:chExt cx="0" cy="0"/>
         </a:xfrm>
       </p:grpSpPr>
-      <p:sp>
-        <p:nvSpPr>
-          <p:cNvPr id="2" name="Title 1">
+      <p:pic>
+        <p:nvPicPr>
+          <p:cNvPr id="4" name="Content Placeholder 3">
             <a:extLst>
               <a:ext uri="{FF2B5EF4-FFF2-40B4-BE49-F238E27FC236}">
-                <a16:creationId xmlns:a16="http://schemas.microsoft.com/office/drawing/2014/main" id="{D22E4C12-7659-4591-A8B8-EE87B56DD8C6}"/>
+                <a16:creationId xmlns:a16="http://schemas.microsoft.com/office/drawing/2014/main" id="{227C1ADA-543B-4199-9DDE-676233BE3702}"/>
               </a:ext>
             </a:extLst>
           </p:cNvPr>
-          <p:cNvSpPr>
-            <a:spLocks noGrp="1"/>
-          </p:cNvSpPr>
+          <p:cNvPicPr>
+            <a:picLocks noGrp="1" noChangeAspect="1"/>
+          </p:cNvPicPr>
           <p:nvPr>
-            <p:ph type="title"/>
+            <p:ph idx="1"/>
           </p:nvPr>
-        </p:nvSpPr>
-        <p:spPr/>
-        <p:txBody>
-          <a:bodyPr/>
-          <a:lstStyle/>
-          <a:p>
-            <a:r>
-              <a:rPr lang="ro-RO" dirty="0" err="1"/>
-              <a:t>Terrain</a:t>
-            </a:r>
-            <a:r>
-              <a:rPr lang="ro-RO" dirty="0"/>
-              <a:t> generator</a:t>
-            </a:r>
-          </a:p>
-        </p:txBody>
-      </p:sp>
-      <p:sp>
-        <p:nvSpPr>
-          <p:cNvPr id="3" name="Content Placeholder 2">
+        </p:nvPicPr>
+        <p:blipFill>
+          <a:blip r:embed="rId2"/>
+          <a:stretch>
+            <a:fillRect/>
+          </a:stretch>
+        </p:blipFill>
+        <p:spPr>
+          <a:xfrm>
+            <a:off x="511285" y="376579"/>
+            <a:ext cx="5855866" cy="6104841"/>
+          </a:xfrm>
+          <a:prstGeom prst="rect">
+            <a:avLst/>
+          </a:prstGeom>
+        </p:spPr>
+      </p:pic>
+      <p:pic>
+        <p:nvPicPr>
+          <p:cNvPr id="7" name="Picture 6">
             <a:extLst>
               <a:ext uri="{FF2B5EF4-FFF2-40B4-BE49-F238E27FC236}">
-                <a16:creationId xmlns:a16="http://schemas.microsoft.com/office/drawing/2014/main" id="{09F0C14C-5BF3-45BB-9621-29B8D4421DF0}"/>
+                <a16:creationId xmlns:a16="http://schemas.microsoft.com/office/drawing/2014/main" id="{AC1F7AE7-1610-45C8-98BF-8AD24746A8F9}"/>
               </a:ext>
             </a:extLst>
           </p:cNvPr>
-          <p:cNvSpPr>
-            <a:spLocks noGrp="1"/>
-          </p:cNvSpPr>
-          <p:nvPr>
-            <p:ph idx="1"/>
-          </p:nvPr>
-        </p:nvSpPr>
-        <p:spPr/>
-        <p:txBody>
-          <a:bodyPr>
-            <a:normAutofit/>
-          </a:bodyPr>
-          <a:lstStyle/>
-          <a:p>
-            <a:r>
-              <a:rPr lang="ro-RO" dirty="0"/>
-              <a:t>Algoritmul de </a:t>
-            </a:r>
-            <a:r>
-              <a:rPr lang="ro-RO" dirty="0" err="1"/>
-              <a:t>Marching</a:t>
-            </a:r>
-            <a:r>
-              <a:rPr lang="ro-RO" dirty="0"/>
-              <a:t> </a:t>
-            </a:r>
-            <a:r>
-              <a:rPr lang="ro-RO" dirty="0" err="1"/>
-              <a:t>Cubes</a:t>
-            </a:r>
-            <a:r>
-              <a:rPr lang="ro-RO" dirty="0"/>
-              <a:t> este utilizat </a:t>
-            </a:r>
-            <a:r>
-              <a:rPr lang="ro-RO" dirty="0" err="1"/>
-              <a:t>intr-o</a:t>
-            </a:r>
-            <a:r>
-              <a:rPr lang="ro-RO" dirty="0"/>
-              <a:t> clasa de generare a </a:t>
-            </a:r>
-            <a:r>
-              <a:rPr lang="ro-RO" dirty="0" err="1"/>
-              <a:t>chunk</a:t>
-            </a:r>
-            <a:r>
-              <a:rPr lang="ro-RO" dirty="0"/>
-              <a:t>-urilor pentru teren.</a:t>
-            </a:r>
-          </a:p>
-          <a:p>
-            <a:r>
-              <a:rPr lang="ro-RO" dirty="0"/>
-              <a:t>O variabila </a:t>
-            </a:r>
-            <a:r>
-              <a:rPr lang="ro-RO" dirty="0" err="1"/>
-              <a:t>controleaza</a:t>
-            </a:r>
-            <a:r>
-              <a:rPr lang="ro-RO" dirty="0"/>
-              <a:t> step </a:t>
-            </a:r>
-            <a:r>
-              <a:rPr lang="ro-RO" dirty="0" err="1"/>
-              <a:t>size-ul</a:t>
-            </a:r>
-            <a:r>
-              <a:rPr lang="ro-RO" dirty="0"/>
-              <a:t> terenului – folosit pentru aspectul de terasare</a:t>
-            </a:r>
-          </a:p>
-          <a:p>
-            <a:r>
-              <a:rPr lang="ro-RO" dirty="0"/>
-              <a:t>Alte variabile </a:t>
-            </a:r>
-            <a:r>
-              <a:rPr lang="ro-RO" dirty="0" err="1"/>
-              <a:t>controleaza</a:t>
-            </a:r>
-            <a:r>
-              <a:rPr lang="ro-RO" dirty="0"/>
-              <a:t>:</a:t>
-            </a:r>
-          </a:p>
-          <a:p>
-            <a:pPr lvl="1"/>
-            <a:r>
-              <a:rPr lang="ro-RO" dirty="0"/>
-              <a:t>Lungimea bazei unui </a:t>
-            </a:r>
-            <a:r>
-              <a:rPr lang="ro-RO" dirty="0" err="1"/>
-              <a:t>chunk</a:t>
-            </a:r>
-            <a:endParaRPr lang="ro-RO" dirty="0"/>
-          </a:p>
-          <a:p>
-            <a:pPr lvl="1"/>
-            <a:r>
-              <a:rPr lang="ro-RO" dirty="0" err="1"/>
-              <a:t>Inaltimea</a:t>
-            </a:r>
-            <a:endParaRPr lang="ro-RO" dirty="0"/>
-          </a:p>
-          <a:p>
-            <a:pPr lvl="1"/>
-            <a:r>
-              <a:rPr lang="ro-RO" dirty="0"/>
-              <a:t>Raza de </a:t>
-            </a:r>
-            <a:r>
-              <a:rPr lang="ro-RO" dirty="0" err="1"/>
-              <a:t>incarcare</a:t>
-            </a:r>
-            <a:r>
-              <a:rPr lang="ro-RO" dirty="0"/>
-              <a:t> (se face </a:t>
-            </a:r>
-            <a:r>
-              <a:rPr lang="ro-RO" dirty="0" err="1"/>
-              <a:t>intr</a:t>
-            </a:r>
-            <a:r>
-              <a:rPr lang="ro-RO" dirty="0"/>
-              <a:t>-un cerc)</a:t>
-            </a:r>
-          </a:p>
-          <a:p>
-            <a:r>
-              <a:rPr lang="ro-RO" dirty="0" err="1"/>
-              <a:t>Chunkurile</a:t>
-            </a:r>
-            <a:r>
-              <a:rPr lang="ro-RO" dirty="0"/>
-              <a:t> nu sunt distruse in </a:t>
-            </a:r>
-            <a:r>
-              <a:rPr lang="ro-RO" dirty="0" err="1"/>
-              <a:t>intregime</a:t>
-            </a:r>
-            <a:r>
-              <a:rPr lang="ro-RO" dirty="0"/>
-              <a:t> ci la dezactivare sunt salvate </a:t>
-            </a:r>
-            <a:r>
-              <a:rPr lang="ro-RO" dirty="0" err="1"/>
-              <a:t>intr</a:t>
-            </a:r>
-            <a:r>
-              <a:rPr lang="ro-RO" dirty="0"/>
-              <a:t>-un cache de unde vor fi </a:t>
-            </a:r>
-            <a:r>
-              <a:rPr lang="ro-RO" dirty="0" err="1"/>
-              <a:t>reincarcate</a:t>
-            </a:r>
-            <a:r>
-              <a:rPr lang="ro-RO" dirty="0"/>
-              <a:t> la comanda.</a:t>
-            </a:r>
-          </a:p>
-          <a:p>
-            <a:r>
-              <a:rPr lang="ro-RO" dirty="0"/>
-              <a:t>Fiecare </a:t>
-            </a:r>
-            <a:r>
-              <a:rPr lang="ro-RO" dirty="0" err="1"/>
-              <a:t>chunk</a:t>
-            </a:r>
-            <a:r>
-              <a:rPr lang="ro-RO" dirty="0"/>
-              <a:t> are un </a:t>
-            </a:r>
-            <a:r>
-              <a:rPr lang="ro-RO" dirty="0" err="1"/>
-              <a:t>mesh</a:t>
-            </a:r>
-            <a:r>
-              <a:rPr lang="ro-RO" dirty="0"/>
-              <a:t> atribuit si un </a:t>
-            </a:r>
-            <a:r>
-              <a:rPr lang="ro-RO" dirty="0" err="1"/>
-              <a:t>collider</a:t>
-            </a:r>
-            <a:r>
-              <a:rPr lang="ro-RO" dirty="0"/>
-              <a:t> format din acel </a:t>
-            </a:r>
-            <a:r>
-              <a:rPr lang="ro-RO" dirty="0" err="1"/>
-              <a:t>mesh</a:t>
-            </a:r>
-            <a:r>
-              <a:rPr lang="ro-RO" dirty="0"/>
-              <a:t>. Astfel vehiculul poate </a:t>
-            </a:r>
-            <a:r>
-              <a:rPr lang="ro-RO" dirty="0" err="1"/>
-              <a:t>interactiona</a:t>
-            </a:r>
-            <a:r>
-              <a:rPr lang="ro-RO" dirty="0"/>
-              <a:t> cu „</a:t>
-            </a:r>
-            <a:r>
-              <a:rPr lang="ro-RO" dirty="0" err="1"/>
-              <a:t>pamantul</a:t>
-            </a:r>
-            <a:r>
-              <a:rPr lang="ro-RO" dirty="0"/>
-              <a:t>”</a:t>
-            </a:r>
-          </a:p>
-        </p:txBody>
-      </p:sp>
+          <p:cNvPicPr>
+            <a:picLocks noChangeAspect="1"/>
+          </p:cNvPicPr>
+          <p:nvPr/>
+        </p:nvPicPr>
+        <p:blipFill>
+          <a:blip r:embed="rId3"/>
+          <a:stretch>
+            <a:fillRect/>
+          </a:stretch>
+        </p:blipFill>
+        <p:spPr>
+          <a:xfrm>
+            <a:off x="6657251" y="1195074"/>
+            <a:ext cx="5353797" cy="4467849"/>
+          </a:xfrm>
+          <a:prstGeom prst="roundRect">
+            <a:avLst>
+              <a:gd name="adj" fmla="val 8594"/>
+            </a:avLst>
+          </a:prstGeom>
+          <a:solidFill>
+            <a:srgbClr val="FFFFFF">
+              <a:shade val="85000"/>
+            </a:srgbClr>
+          </a:solidFill>
+          <a:ln>
+            <a:noFill/>
+          </a:ln>
+          <a:effectLst>
+            <a:reflection blurRad="12700" stA="38000" endPos="28000" dist="5000" dir="5400000" sy="-100000" algn="bl" rotWithShape="0"/>
+          </a:effectLst>
+        </p:spPr>
+      </p:pic>
     </p:spTree>
     <p:extLst>
       <p:ext uri="{BB962C8B-B14F-4D97-AF65-F5344CB8AC3E}">
-        <p14:creationId xmlns:p14="http://schemas.microsoft.com/office/powerpoint/2010/main" val="3430766955"/>
+        <p14:creationId xmlns:p14="http://schemas.microsoft.com/office/powerpoint/2010/main" val="1293764361"/>
       </p:ext>
     </p:extLst>
   </p:cSld>

--- a/Prezentare/OceanExploration.pptx
+++ b/Prezentare/OceanExploration.pptx
@@ -5,10 +5,10 @@
     <p:sldMasterId id="2147483744" r:id="rId4"/>
   </p:sldMasterIdLst>
   <p:notesMasterIdLst>
-    <p:notesMasterId r:id="rId18"/>
+    <p:notesMasterId r:id="rId19"/>
   </p:notesMasterIdLst>
   <p:handoutMasterIdLst>
-    <p:handoutMasterId r:id="rId19"/>
+    <p:handoutMasterId r:id="rId20"/>
   </p:handoutMasterIdLst>
   <p:sldIdLst>
     <p:sldId id="256" r:id="rId5"/>
@@ -19,11 +19,12 @@
     <p:sldId id="277" r:id="rId10"/>
     <p:sldId id="278" r:id="rId11"/>
     <p:sldId id="281" r:id="rId12"/>
-    <p:sldId id="282" r:id="rId13"/>
-    <p:sldId id="279" r:id="rId14"/>
-    <p:sldId id="280" r:id="rId15"/>
-    <p:sldId id="264" r:id="rId16"/>
-    <p:sldId id="274" r:id="rId17"/>
+    <p:sldId id="283" r:id="rId13"/>
+    <p:sldId id="282" r:id="rId14"/>
+    <p:sldId id="279" r:id="rId15"/>
+    <p:sldId id="280" r:id="rId16"/>
+    <p:sldId id="264" r:id="rId17"/>
+    <p:sldId id="274" r:id="rId18"/>
   </p:sldIdLst>
   <p:sldSz cx="12192000" cy="6858000"/>
   <p:notesSz cx="6858000" cy="9144000"/>
@@ -999,7 +1000,7 @@
           <a:p>
             <a:fld id="{F3544625-0ADF-4414-89A2-9E135F0C849F}" type="slidenum">
               <a:rPr lang="en-US" smtClean="0"/>
-              <a:t>12</a:t>
+              <a:t>13</a:t>
             </a:fld>
             <a:endParaRPr lang="en-US" dirty="0"/>
           </a:p>
@@ -1083,7 +1084,7 @@
           <a:p>
             <a:fld id="{F3544625-0ADF-4414-89A2-9E135F0C849F}" type="slidenum">
               <a:rPr lang="en-US" smtClean="0"/>
-              <a:t>13</a:t>
+              <a:t>14</a:t>
             </a:fld>
             <a:endParaRPr lang="en-US" dirty="0"/>
           </a:p>
@@ -7422,6 +7423,111 @@
           <a:chExt cx="0" cy="0"/>
         </a:xfrm>
       </p:grpSpPr>
+      <p:pic>
+        <p:nvPicPr>
+          <p:cNvPr id="4" name="Content Placeholder 3">
+            <a:extLst>
+              <a:ext uri="{FF2B5EF4-FFF2-40B4-BE49-F238E27FC236}">
+                <a16:creationId xmlns:a16="http://schemas.microsoft.com/office/drawing/2014/main" id="{227C1ADA-543B-4199-9DDE-676233BE3702}"/>
+              </a:ext>
+            </a:extLst>
+          </p:cNvPr>
+          <p:cNvPicPr>
+            <a:picLocks noGrp="1" noChangeAspect="1"/>
+          </p:cNvPicPr>
+          <p:nvPr>
+            <p:ph idx="1"/>
+          </p:nvPr>
+        </p:nvPicPr>
+        <p:blipFill>
+          <a:blip r:embed="rId2"/>
+          <a:stretch>
+            <a:fillRect/>
+          </a:stretch>
+        </p:blipFill>
+        <p:spPr>
+          <a:xfrm>
+            <a:off x="511285" y="376579"/>
+            <a:ext cx="5855866" cy="6104841"/>
+          </a:xfrm>
+          <a:prstGeom prst="rect">
+            <a:avLst/>
+          </a:prstGeom>
+        </p:spPr>
+      </p:pic>
+      <p:pic>
+        <p:nvPicPr>
+          <p:cNvPr id="7" name="Picture 6">
+            <a:extLst>
+              <a:ext uri="{FF2B5EF4-FFF2-40B4-BE49-F238E27FC236}">
+                <a16:creationId xmlns:a16="http://schemas.microsoft.com/office/drawing/2014/main" id="{AC1F7AE7-1610-45C8-98BF-8AD24746A8F9}"/>
+              </a:ext>
+            </a:extLst>
+          </p:cNvPr>
+          <p:cNvPicPr>
+            <a:picLocks noChangeAspect="1"/>
+          </p:cNvPicPr>
+          <p:nvPr/>
+        </p:nvPicPr>
+        <p:blipFill>
+          <a:blip r:embed="rId3"/>
+          <a:stretch>
+            <a:fillRect/>
+          </a:stretch>
+        </p:blipFill>
+        <p:spPr>
+          <a:xfrm>
+            <a:off x="6657251" y="1195074"/>
+            <a:ext cx="5353797" cy="4467849"/>
+          </a:xfrm>
+          <a:prstGeom prst="roundRect">
+            <a:avLst>
+              <a:gd name="adj" fmla="val 8594"/>
+            </a:avLst>
+          </a:prstGeom>
+          <a:solidFill>
+            <a:srgbClr val="FFFFFF">
+              <a:shade val="85000"/>
+            </a:srgbClr>
+          </a:solidFill>
+          <a:ln>
+            <a:noFill/>
+          </a:ln>
+          <a:effectLst>
+            <a:reflection blurRad="12700" stA="38000" endPos="28000" dist="5000" dir="5400000" sy="-100000" algn="bl" rotWithShape="0"/>
+          </a:effectLst>
+        </p:spPr>
+      </p:pic>
+    </p:spTree>
+    <p:extLst>
+      <p:ext uri="{BB962C8B-B14F-4D97-AF65-F5344CB8AC3E}">
+        <p14:creationId xmlns:p14="http://schemas.microsoft.com/office/powerpoint/2010/main" val="1293764361"/>
+      </p:ext>
+    </p:extLst>
+  </p:cSld>
+  <p:clrMapOvr>
+    <a:masterClrMapping/>
+  </p:clrMapOvr>
+</p:sld>
+</file>
+
+<file path=ppt/slides/slide11.xml><?xml version="1.0" encoding="utf-8"?>
+<p:sld xmlns:a="http://schemas.openxmlformats.org/drawingml/2006/main" xmlns:r="http://schemas.openxmlformats.org/officeDocument/2006/relationships" xmlns:p="http://schemas.openxmlformats.org/presentationml/2006/main">
+  <p:cSld>
+    <p:spTree>
+      <p:nvGrpSpPr>
+        <p:cNvPr id="1" name=""/>
+        <p:cNvGrpSpPr/>
+        <p:nvPr/>
+      </p:nvGrpSpPr>
+      <p:grpSpPr>
+        <a:xfrm>
+          <a:off x="0" y="0"/>
+          <a:ext cx="0" cy="0"/>
+          <a:chOff x="0" y="0"/>
+          <a:chExt cx="0" cy="0"/>
+        </a:xfrm>
+      </p:grpSpPr>
       <p:sp>
         <p:nvSpPr>
           <p:cNvPr id="2" name="Title 1">
@@ -7696,7 +7802,7 @@
 </p:sld>
 </file>
 
-<file path=ppt/slides/slide11.xml><?xml version="1.0" encoding="utf-8"?>
+<file path=ppt/slides/slide12.xml><?xml version="1.0" encoding="utf-8"?>
 <p:sld xmlns:a="http://schemas.openxmlformats.org/drawingml/2006/main" xmlns:r="http://schemas.openxmlformats.org/officeDocument/2006/relationships" xmlns:p="http://schemas.openxmlformats.org/presentationml/2006/main">
   <p:cSld>
     <p:spTree>
@@ -8086,7 +8192,7 @@
 </p:sld>
 </file>
 
-<file path=ppt/slides/slide12.xml><?xml version="1.0" encoding="utf-8"?>
+<file path=ppt/slides/slide13.xml><?xml version="1.0" encoding="utf-8"?>
 <p:sld xmlns:a="http://schemas.openxmlformats.org/drawingml/2006/main" xmlns:r="http://schemas.openxmlformats.org/officeDocument/2006/relationships" xmlns:p="http://schemas.openxmlformats.org/presentationml/2006/main">
   <p:cSld>
     <p:spTree>
@@ -8376,7 +8482,7 @@
 </p:sld>
 </file>
 
-<file path=ppt/slides/slide13.xml><?xml version="1.0" encoding="utf-8"?>
+<file path=ppt/slides/slide14.xml><?xml version="1.0" encoding="utf-8"?>
 <p:sld xmlns:a="http://schemas.openxmlformats.org/drawingml/2006/main" xmlns:r="http://schemas.openxmlformats.org/officeDocument/2006/relationships" xmlns:p="http://schemas.openxmlformats.org/presentationml/2006/main">
   <p:cSld>
     <p:spTree>
@@ -19082,9 +19188,16 @@
                 <p:ph idx="1"/>
               </p:nvPr>
             </p:nvSpPr>
-            <p:spPr/>
+            <p:spPr>
+              <a:xfrm>
+                <a:off x="685802" y="1610687"/>
+                <a:ext cx="8869260" cy="4848836"/>
+              </a:xfrm>
+            </p:spPr>
             <p:txBody>
-              <a:bodyPr/>
+              <a:bodyPr>
+                <a:normAutofit lnSpcReduction="10000"/>
+              </a:bodyPr>
               <a:lstStyle/>
               <a:p>
                 <a:r>
@@ -19301,7 +19414,90 @@
                 </a:r>
                 <a:r>
                   <a:rPr lang="ro-RO" dirty="0"/>
-                  <a:t> este introdus un alt parametru </a:t>
+                  <a:t> este introdus un alt parametru „</a:t>
+                </a:r>
+                <a:r>
+                  <a:rPr lang="en-US" dirty="0"/>
+                  <a:t>Inter Branch Linear Distance Factor</a:t>
+                </a:r>
+                <a:r>
+                  <a:rPr lang="ro-RO" dirty="0"/>
+                  <a:t>” care </a:t>
+                </a:r>
+                <a:r>
+                  <a:rPr lang="ro-RO" dirty="0" err="1"/>
+                  <a:t>controleaza</a:t>
+                </a:r>
+                <a:r>
+                  <a:rPr lang="ro-RO" dirty="0"/>
+                  <a:t> cat de departe de </a:t>
+                </a:r>
+                <a:r>
+                  <a:rPr lang="ro-RO" dirty="0" err="1"/>
+                  <a:t>parinte</a:t>
+                </a:r>
+                <a:r>
+                  <a:rPr lang="ro-RO" dirty="0"/>
+                  <a:t> sa fie </a:t>
+                </a:r>
+                <a:r>
+                  <a:rPr lang="ro-RO" dirty="0" err="1"/>
+                  <a:t>urmatorul</a:t>
+                </a:r>
+                <a:r>
+                  <a:rPr lang="ro-RO" dirty="0"/>
+                  <a:t> punct de pe </a:t>
+                </a:r>
+                <a:r>
+                  <a:rPr lang="ro-RO" dirty="0" err="1"/>
+                  <a:t>branch-ul</a:t>
+                </a:r>
+                <a:r>
+                  <a:rPr lang="ro-RO" dirty="0"/>
+                  <a:t> copil</a:t>
+                </a:r>
+              </a:p>
+              <a:p>
+                <a:pPr lvl="1"/>
+                <a:r>
+                  <a:rPr lang="ro-RO" dirty="0"/>
+                  <a:t>Astfel </a:t>
+                </a:r>
+                <a:r>
+                  <a:rPr lang="ro-RO" dirty="0" err="1"/>
+                  <a:t>branchurile</a:t>
+                </a:r>
+                <a:r>
+                  <a:rPr lang="ro-RO" dirty="0"/>
+                  <a:t> secundare devin din ce in ce mai </a:t>
+                </a:r>
+                <a:r>
+                  <a:rPr lang="ro-RO" dirty="0" err="1"/>
+                  <a:t>rasfirate</a:t>
+                </a:r>
+                <a:endParaRPr lang="ro-RO" dirty="0"/>
+              </a:p>
+              <a:p>
+                <a:pPr lvl="1"/>
+                <a:r>
+                  <a:rPr lang="ro-RO" dirty="0"/>
+                  <a:t>Liniile ca </a:t>
+                </a:r>
+                <a:r>
+                  <a:rPr lang="ro-RO" dirty="0" err="1"/>
+                  <a:t>constrangeri</a:t>
+                </a:r>
+                <a:r>
+                  <a:rPr lang="ro-RO" dirty="0"/>
+                  <a:t> </a:t>
+                </a:r>
+                <a:r>
+                  <a:rPr lang="ro-RO" dirty="0" err="1"/>
+                  <a:t>insa</a:t>
+                </a:r>
+                <a:r>
+                  <a:rPr lang="ro-RO" dirty="0"/>
+                  <a:t> trebuie determinate printr-un calcul mai complicat</a:t>
                 </a:r>
               </a:p>
             </p:txBody>
@@ -19325,10 +19521,14 @@
               </p:nvPr>
             </p:nvSpPr>
             <p:spPr>
+              <a:xfrm>
+                <a:off x="685802" y="1610687"/>
+                <a:ext cx="8869260" cy="4848836"/>
+              </a:xfrm>
               <a:blipFill>
                 <a:blip r:embed="rId2"/>
                 <a:stretch>
-                  <a:fillRect l="-421"/>
+                  <a:fillRect l="-481" r="-481"/>
                 </a:stretch>
               </a:blipFill>
             </p:spPr>
@@ -19377,85 +19577,1697 @@
           <a:chExt cx="0" cy="0"/>
         </a:xfrm>
       </p:grpSpPr>
-      <p:pic>
-        <p:nvPicPr>
-          <p:cNvPr id="4" name="Content Placeholder 3">
+      <p:sp>
+        <p:nvSpPr>
+          <p:cNvPr id="22" name="Oval 21">
             <a:extLst>
               <a:ext uri="{FF2B5EF4-FFF2-40B4-BE49-F238E27FC236}">
-                <a16:creationId xmlns:a16="http://schemas.microsoft.com/office/drawing/2014/main" id="{227C1ADA-543B-4199-9DDE-676233BE3702}"/>
+                <a16:creationId xmlns:a16="http://schemas.microsoft.com/office/drawing/2014/main" id="{D7A9B021-722B-4E2A-BA49-5313CED5B1EB}"/>
               </a:ext>
             </a:extLst>
           </p:cNvPr>
-          <p:cNvPicPr>
-            <a:picLocks noGrp="1" noChangeAspect="1"/>
-          </p:cNvPicPr>
-          <p:nvPr>
-            <p:ph idx="1"/>
-          </p:nvPr>
-        </p:nvPicPr>
-        <p:blipFill>
-          <a:blip r:embed="rId2"/>
-          <a:stretch>
-            <a:fillRect/>
-          </a:stretch>
-        </p:blipFill>
+          <p:cNvSpPr/>
+          <p:nvPr/>
+        </p:nvSpPr>
         <p:spPr>
           <a:xfrm>
-            <a:off x="511285" y="376579"/>
-            <a:ext cx="5855866" cy="6104841"/>
+            <a:off x="4806892" y="4662884"/>
+            <a:ext cx="436228" cy="436228"/>
+          </a:xfrm>
+          <a:prstGeom prst="ellipse">
+            <a:avLst/>
+          </a:prstGeom>
+        </p:spPr>
+        <p:style>
+          <a:lnRef idx="2">
+            <a:schemeClr val="accent1">
+              <a:shade val="50000"/>
+            </a:schemeClr>
+          </a:lnRef>
+          <a:fillRef idx="1">
+            <a:schemeClr val="accent1"/>
+          </a:fillRef>
+          <a:effectRef idx="0">
+            <a:schemeClr val="accent1"/>
+          </a:effectRef>
+          <a:fontRef idx="minor">
+            <a:schemeClr val="lt1"/>
+          </a:fontRef>
+        </p:style>
+        <p:txBody>
+          <a:bodyPr rtlCol="0" anchor="ctr"/>
+          <a:lstStyle/>
+          <a:p>
+            <a:pPr algn="ctr"/>
+            <a:endParaRPr lang="ro-RO"/>
+          </a:p>
+        </p:txBody>
+      </p:sp>
+      <p:sp>
+        <p:nvSpPr>
+          <p:cNvPr id="4" name="Oval 3">
+            <a:extLst>
+              <a:ext uri="{FF2B5EF4-FFF2-40B4-BE49-F238E27FC236}">
+                <a16:creationId xmlns:a16="http://schemas.microsoft.com/office/drawing/2014/main" id="{015D56F5-7A08-47EA-A6C9-D780066C8EB3}"/>
+              </a:ext>
+            </a:extLst>
+          </p:cNvPr>
+          <p:cNvSpPr/>
+          <p:nvPr/>
+        </p:nvSpPr>
+        <p:spPr>
+          <a:xfrm>
+            <a:off x="4806892" y="3657601"/>
+            <a:ext cx="436228" cy="436228"/>
+          </a:xfrm>
+          <a:prstGeom prst="ellipse">
+            <a:avLst/>
+          </a:prstGeom>
+        </p:spPr>
+        <p:style>
+          <a:lnRef idx="2">
+            <a:schemeClr val="accent1">
+              <a:shade val="50000"/>
+            </a:schemeClr>
+          </a:lnRef>
+          <a:fillRef idx="1">
+            <a:schemeClr val="accent1"/>
+          </a:fillRef>
+          <a:effectRef idx="0">
+            <a:schemeClr val="accent1"/>
+          </a:effectRef>
+          <a:fontRef idx="minor">
+            <a:schemeClr val="lt1"/>
+          </a:fontRef>
+        </p:style>
+        <p:txBody>
+          <a:bodyPr rtlCol="0" anchor="ctr"/>
+          <a:lstStyle/>
+          <a:p>
+            <a:pPr algn="ctr"/>
+            <a:endParaRPr lang="ro-RO"/>
+          </a:p>
+        </p:txBody>
+      </p:sp>
+      <p:sp>
+        <p:nvSpPr>
+          <p:cNvPr id="5" name="Oval 4">
+            <a:extLst>
+              <a:ext uri="{FF2B5EF4-FFF2-40B4-BE49-F238E27FC236}">
+                <a16:creationId xmlns:a16="http://schemas.microsoft.com/office/drawing/2014/main" id="{318FA107-84A1-4C16-9A5A-4FE7AD451E99}"/>
+              </a:ext>
+            </a:extLst>
+          </p:cNvPr>
+          <p:cNvSpPr/>
+          <p:nvPr/>
+        </p:nvSpPr>
+        <p:spPr>
+          <a:xfrm>
+            <a:off x="4806892" y="2652320"/>
+            <a:ext cx="436228" cy="436228"/>
+          </a:xfrm>
+          <a:prstGeom prst="ellipse">
+            <a:avLst/>
+          </a:prstGeom>
+        </p:spPr>
+        <p:style>
+          <a:lnRef idx="2">
+            <a:schemeClr val="accent1">
+              <a:shade val="50000"/>
+            </a:schemeClr>
+          </a:lnRef>
+          <a:fillRef idx="1">
+            <a:schemeClr val="accent1"/>
+          </a:fillRef>
+          <a:effectRef idx="0">
+            <a:schemeClr val="accent1"/>
+          </a:effectRef>
+          <a:fontRef idx="minor">
+            <a:schemeClr val="lt1"/>
+          </a:fontRef>
+        </p:style>
+        <p:txBody>
+          <a:bodyPr rtlCol="0" anchor="ctr"/>
+          <a:lstStyle/>
+          <a:p>
+            <a:pPr algn="ctr"/>
+            <a:endParaRPr lang="ro-RO"/>
+          </a:p>
+        </p:txBody>
+      </p:sp>
+      <p:sp>
+        <p:nvSpPr>
+          <p:cNvPr id="6" name="Oval 5">
+            <a:extLst>
+              <a:ext uri="{FF2B5EF4-FFF2-40B4-BE49-F238E27FC236}">
+                <a16:creationId xmlns:a16="http://schemas.microsoft.com/office/drawing/2014/main" id="{A28F8C7C-7AAC-4616-A7ED-722A13E1F31D}"/>
+              </a:ext>
+            </a:extLst>
+          </p:cNvPr>
+          <p:cNvSpPr/>
+          <p:nvPr/>
+        </p:nvSpPr>
+        <p:spPr>
+          <a:xfrm>
+            <a:off x="4806892" y="1647039"/>
+            <a:ext cx="436228" cy="436228"/>
+          </a:xfrm>
+          <a:prstGeom prst="ellipse">
+            <a:avLst/>
+          </a:prstGeom>
+        </p:spPr>
+        <p:style>
+          <a:lnRef idx="2">
+            <a:schemeClr val="accent1">
+              <a:shade val="50000"/>
+            </a:schemeClr>
+          </a:lnRef>
+          <a:fillRef idx="1">
+            <a:schemeClr val="accent1"/>
+          </a:fillRef>
+          <a:effectRef idx="0">
+            <a:schemeClr val="accent1"/>
+          </a:effectRef>
+          <a:fontRef idx="minor">
+            <a:schemeClr val="lt1"/>
+          </a:fontRef>
+        </p:style>
+        <p:txBody>
+          <a:bodyPr rtlCol="0" anchor="ctr"/>
+          <a:lstStyle/>
+          <a:p>
+            <a:pPr algn="ctr"/>
+            <a:endParaRPr lang="ro-RO"/>
+          </a:p>
+        </p:txBody>
+      </p:sp>
+      <p:cxnSp>
+        <p:nvCxnSpPr>
+          <p:cNvPr id="8" name="Straight Connector 7">
+            <a:extLst>
+              <a:ext uri="{FF2B5EF4-FFF2-40B4-BE49-F238E27FC236}">
+                <a16:creationId xmlns:a16="http://schemas.microsoft.com/office/drawing/2014/main" id="{86BACE86-77C1-4DC6-A9F1-E28FC8DC7599}"/>
+              </a:ext>
+            </a:extLst>
+          </p:cNvPr>
+          <p:cNvCxnSpPr/>
+          <p:nvPr/>
+        </p:nvCxnSpPr>
+        <p:spPr>
+          <a:xfrm flipV="1">
+            <a:off x="5025006" y="2870434"/>
+            <a:ext cx="0" cy="1005281"/>
+          </a:xfrm>
+          <a:prstGeom prst="line">
+            <a:avLst/>
+          </a:prstGeom>
+          <a:ln w="28575"/>
+        </p:spPr>
+        <p:style>
+          <a:lnRef idx="1">
+            <a:schemeClr val="dk1"/>
+          </a:lnRef>
+          <a:fillRef idx="0">
+            <a:schemeClr val="dk1"/>
+          </a:fillRef>
+          <a:effectRef idx="0">
+            <a:schemeClr val="dk1"/>
+          </a:effectRef>
+          <a:fontRef idx="minor">
+            <a:schemeClr val="tx1"/>
+          </a:fontRef>
+        </p:style>
+      </p:cxnSp>
+      <p:cxnSp>
+        <p:nvCxnSpPr>
+          <p:cNvPr id="9" name="Straight Connector 8">
+            <a:extLst>
+              <a:ext uri="{FF2B5EF4-FFF2-40B4-BE49-F238E27FC236}">
+                <a16:creationId xmlns:a16="http://schemas.microsoft.com/office/drawing/2014/main" id="{AC79D08B-3C61-4E77-867A-406814585E4E}"/>
+              </a:ext>
+            </a:extLst>
+          </p:cNvPr>
+          <p:cNvCxnSpPr/>
+          <p:nvPr/>
+        </p:nvCxnSpPr>
+        <p:spPr>
+          <a:xfrm flipV="1">
+            <a:off x="5025006" y="1865153"/>
+            <a:ext cx="0" cy="1005281"/>
+          </a:xfrm>
+          <a:prstGeom prst="line">
+            <a:avLst/>
+          </a:prstGeom>
+          <a:ln w="28575"/>
+        </p:spPr>
+        <p:style>
+          <a:lnRef idx="1">
+            <a:schemeClr val="dk1"/>
+          </a:lnRef>
+          <a:fillRef idx="0">
+            <a:schemeClr val="dk1"/>
+          </a:fillRef>
+          <a:effectRef idx="0">
+            <a:schemeClr val="dk1"/>
+          </a:effectRef>
+          <a:fontRef idx="minor">
+            <a:schemeClr val="tx1"/>
+          </a:fontRef>
+        </p:style>
+      </p:cxnSp>
+      <p:sp>
+        <p:nvSpPr>
+          <p:cNvPr id="10" name="Oval 9">
+            <a:extLst>
+              <a:ext uri="{FF2B5EF4-FFF2-40B4-BE49-F238E27FC236}">
+                <a16:creationId xmlns:a16="http://schemas.microsoft.com/office/drawing/2014/main" id="{D3547D4B-FE25-4E6F-B59A-C18A7622FBFC}"/>
+              </a:ext>
+            </a:extLst>
+          </p:cNvPr>
+          <p:cNvSpPr/>
+          <p:nvPr/>
+        </p:nvSpPr>
+        <p:spPr>
+          <a:xfrm>
+            <a:off x="3600276" y="3657601"/>
+            <a:ext cx="436228" cy="436228"/>
+          </a:xfrm>
+          <a:prstGeom prst="ellipse">
+            <a:avLst/>
+          </a:prstGeom>
+        </p:spPr>
+        <p:style>
+          <a:lnRef idx="2">
+            <a:schemeClr val="accent1">
+              <a:shade val="50000"/>
+            </a:schemeClr>
+          </a:lnRef>
+          <a:fillRef idx="1">
+            <a:schemeClr val="accent1"/>
+          </a:fillRef>
+          <a:effectRef idx="0">
+            <a:schemeClr val="accent1"/>
+          </a:effectRef>
+          <a:fontRef idx="minor">
+            <a:schemeClr val="lt1"/>
+          </a:fontRef>
+        </p:style>
+        <p:txBody>
+          <a:bodyPr rtlCol="0" anchor="ctr"/>
+          <a:lstStyle/>
+          <a:p>
+            <a:pPr algn="ctr"/>
+            <a:endParaRPr lang="ro-RO"/>
+          </a:p>
+        </p:txBody>
+      </p:sp>
+      <p:cxnSp>
+        <p:nvCxnSpPr>
+          <p:cNvPr id="13" name="Straight Connector 12">
+            <a:extLst>
+              <a:ext uri="{FF2B5EF4-FFF2-40B4-BE49-F238E27FC236}">
+                <a16:creationId xmlns:a16="http://schemas.microsoft.com/office/drawing/2014/main" id="{B641E3F2-681F-4C2A-85DF-1D1B779BE258}"/>
+              </a:ext>
+            </a:extLst>
+          </p:cNvPr>
+          <p:cNvCxnSpPr>
+            <a:cxnSpLocks/>
+          </p:cNvCxnSpPr>
+          <p:nvPr/>
+        </p:nvCxnSpPr>
+        <p:spPr>
+          <a:xfrm flipH="1">
+            <a:off x="3818390" y="3875715"/>
+            <a:ext cx="1206616" cy="1"/>
+          </a:xfrm>
+          <a:prstGeom prst="line">
+            <a:avLst/>
+          </a:prstGeom>
+          <a:ln w="28575"/>
+        </p:spPr>
+        <p:style>
+          <a:lnRef idx="1">
+            <a:schemeClr val="dk1"/>
+          </a:lnRef>
+          <a:fillRef idx="0">
+            <a:schemeClr val="dk1"/>
+          </a:fillRef>
+          <a:effectRef idx="0">
+            <a:schemeClr val="dk1"/>
+          </a:effectRef>
+          <a:fontRef idx="minor">
+            <a:schemeClr val="tx1"/>
+          </a:fontRef>
+        </p:style>
+      </p:cxnSp>
+      <p:sp>
+        <p:nvSpPr>
+          <p:cNvPr id="16" name="Oval 15">
+            <a:extLst>
+              <a:ext uri="{FF2B5EF4-FFF2-40B4-BE49-F238E27FC236}">
+                <a16:creationId xmlns:a16="http://schemas.microsoft.com/office/drawing/2014/main" id="{3F065473-B06E-413B-98D1-BE89DBB3D7A3}"/>
+              </a:ext>
+            </a:extLst>
+          </p:cNvPr>
+          <p:cNvSpPr/>
+          <p:nvPr/>
+        </p:nvSpPr>
+        <p:spPr>
+          <a:xfrm>
+            <a:off x="3164048" y="2652320"/>
+            <a:ext cx="436228" cy="436228"/>
+          </a:xfrm>
+          <a:prstGeom prst="ellipse">
+            <a:avLst/>
+          </a:prstGeom>
+        </p:spPr>
+        <p:style>
+          <a:lnRef idx="2">
+            <a:schemeClr val="accent1">
+              <a:shade val="50000"/>
+            </a:schemeClr>
+          </a:lnRef>
+          <a:fillRef idx="1">
+            <a:schemeClr val="accent1"/>
+          </a:fillRef>
+          <a:effectRef idx="0">
+            <a:schemeClr val="accent1"/>
+          </a:effectRef>
+          <a:fontRef idx="minor">
+            <a:schemeClr val="lt1"/>
+          </a:fontRef>
+        </p:style>
+        <p:txBody>
+          <a:bodyPr rtlCol="0" anchor="ctr"/>
+          <a:lstStyle/>
+          <a:p>
+            <a:pPr algn="ctr"/>
+            <a:endParaRPr lang="ro-RO"/>
+          </a:p>
+        </p:txBody>
+      </p:sp>
+      <p:cxnSp>
+        <p:nvCxnSpPr>
+          <p:cNvPr id="17" name="Straight Connector 16">
+            <a:extLst>
+              <a:ext uri="{FF2B5EF4-FFF2-40B4-BE49-F238E27FC236}">
+                <a16:creationId xmlns:a16="http://schemas.microsoft.com/office/drawing/2014/main" id="{680EDDC0-A0A6-4870-B8CB-2E30F87B15D2}"/>
+              </a:ext>
+            </a:extLst>
+          </p:cNvPr>
+          <p:cNvCxnSpPr>
+            <a:cxnSpLocks/>
+          </p:cNvCxnSpPr>
+          <p:nvPr/>
+        </p:nvCxnSpPr>
+        <p:spPr>
+          <a:xfrm flipH="1" flipV="1">
+            <a:off x="3382162" y="2870434"/>
+            <a:ext cx="436228" cy="1005283"/>
+          </a:xfrm>
+          <a:prstGeom prst="line">
+            <a:avLst/>
+          </a:prstGeom>
+          <a:ln w="28575"/>
+        </p:spPr>
+        <p:style>
+          <a:lnRef idx="1">
+            <a:schemeClr val="dk1"/>
+          </a:lnRef>
+          <a:fillRef idx="0">
+            <a:schemeClr val="dk1"/>
+          </a:fillRef>
+          <a:effectRef idx="0">
+            <a:schemeClr val="dk1"/>
+          </a:effectRef>
+          <a:fontRef idx="minor">
+            <a:schemeClr val="tx1"/>
+          </a:fontRef>
+        </p:style>
+      </p:cxnSp>
+      <p:sp>
+        <p:nvSpPr>
+          <p:cNvPr id="19" name="Oval 18">
+            <a:extLst>
+              <a:ext uri="{FF2B5EF4-FFF2-40B4-BE49-F238E27FC236}">
+                <a16:creationId xmlns:a16="http://schemas.microsoft.com/office/drawing/2014/main" id="{8E2C11D6-D20B-4031-8BED-76710362D2AE}"/>
+              </a:ext>
+            </a:extLst>
+          </p:cNvPr>
+          <p:cNvSpPr/>
+          <p:nvPr/>
+        </p:nvSpPr>
+        <p:spPr>
+          <a:xfrm>
+            <a:off x="2727820" y="1647039"/>
+            <a:ext cx="436228" cy="436228"/>
+          </a:xfrm>
+          <a:prstGeom prst="ellipse">
+            <a:avLst/>
+          </a:prstGeom>
+        </p:spPr>
+        <p:style>
+          <a:lnRef idx="2">
+            <a:schemeClr val="accent1">
+              <a:shade val="50000"/>
+            </a:schemeClr>
+          </a:lnRef>
+          <a:fillRef idx="1">
+            <a:schemeClr val="accent1"/>
+          </a:fillRef>
+          <a:effectRef idx="0">
+            <a:schemeClr val="accent1"/>
+          </a:effectRef>
+          <a:fontRef idx="minor">
+            <a:schemeClr val="lt1"/>
+          </a:fontRef>
+        </p:style>
+        <p:txBody>
+          <a:bodyPr rtlCol="0" anchor="ctr"/>
+          <a:lstStyle/>
+          <a:p>
+            <a:pPr algn="ctr"/>
+            <a:endParaRPr lang="ro-RO"/>
+          </a:p>
+        </p:txBody>
+      </p:sp>
+      <p:cxnSp>
+        <p:nvCxnSpPr>
+          <p:cNvPr id="20" name="Straight Connector 19">
+            <a:extLst>
+              <a:ext uri="{FF2B5EF4-FFF2-40B4-BE49-F238E27FC236}">
+                <a16:creationId xmlns:a16="http://schemas.microsoft.com/office/drawing/2014/main" id="{245D5A02-A431-4916-B0B9-2926370B8F92}"/>
+              </a:ext>
+            </a:extLst>
+          </p:cNvPr>
+          <p:cNvCxnSpPr>
+            <a:cxnSpLocks/>
+          </p:cNvCxnSpPr>
+          <p:nvPr/>
+        </p:nvCxnSpPr>
+        <p:spPr>
+          <a:xfrm flipH="1" flipV="1">
+            <a:off x="2945934" y="1854667"/>
+            <a:ext cx="436228" cy="1005283"/>
+          </a:xfrm>
+          <a:prstGeom prst="line">
+            <a:avLst/>
+          </a:prstGeom>
+          <a:ln w="28575"/>
+        </p:spPr>
+        <p:style>
+          <a:lnRef idx="1">
+            <a:schemeClr val="dk1"/>
+          </a:lnRef>
+          <a:fillRef idx="0">
+            <a:schemeClr val="dk1"/>
+          </a:fillRef>
+          <a:effectRef idx="0">
+            <a:schemeClr val="dk1"/>
+          </a:effectRef>
+          <a:fontRef idx="minor">
+            <a:schemeClr val="tx1"/>
+          </a:fontRef>
+        </p:style>
+      </p:cxnSp>
+      <p:cxnSp>
+        <p:nvCxnSpPr>
+          <p:cNvPr id="21" name="Straight Connector 20">
+            <a:extLst>
+              <a:ext uri="{FF2B5EF4-FFF2-40B4-BE49-F238E27FC236}">
+                <a16:creationId xmlns:a16="http://schemas.microsoft.com/office/drawing/2014/main" id="{07037637-0DFE-4C6C-AD94-9842345AA49E}"/>
+              </a:ext>
+            </a:extLst>
+          </p:cNvPr>
+          <p:cNvCxnSpPr/>
+          <p:nvPr/>
+        </p:nvCxnSpPr>
+        <p:spPr>
+          <a:xfrm flipV="1">
+            <a:off x="5025006" y="3875717"/>
+            <a:ext cx="0" cy="1005281"/>
+          </a:xfrm>
+          <a:prstGeom prst="line">
+            <a:avLst/>
+          </a:prstGeom>
+          <a:ln w="28575"/>
+        </p:spPr>
+        <p:style>
+          <a:lnRef idx="1">
+            <a:schemeClr val="dk1"/>
+          </a:lnRef>
+          <a:fillRef idx="0">
+            <a:schemeClr val="dk1"/>
+          </a:fillRef>
+          <a:effectRef idx="0">
+            <a:schemeClr val="dk1"/>
+          </a:effectRef>
+          <a:fontRef idx="minor">
+            <a:schemeClr val="tx1"/>
+          </a:fontRef>
+        </p:style>
+      </p:cxnSp>
+      <p:cxnSp>
+        <p:nvCxnSpPr>
+          <p:cNvPr id="24" name="Connector: Elbow 23">
+            <a:extLst>
+              <a:ext uri="{FF2B5EF4-FFF2-40B4-BE49-F238E27FC236}">
+                <a16:creationId xmlns:a16="http://schemas.microsoft.com/office/drawing/2014/main" id="{D64BE3F2-2FED-4151-AA2E-44F598420B45}"/>
+              </a:ext>
+            </a:extLst>
+          </p:cNvPr>
+          <p:cNvCxnSpPr/>
+          <p:nvPr/>
+        </p:nvCxnSpPr>
+        <p:spPr>
+          <a:xfrm flipV="1">
+            <a:off x="5025006" y="3088548"/>
+            <a:ext cx="1770077" cy="1206615"/>
+          </a:xfrm>
+          <a:prstGeom prst="bentConnector3">
+            <a:avLst/>
+          </a:prstGeom>
+          <a:ln w="38100">
+            <a:solidFill>
+              <a:schemeClr val="accent6">
+                <a:lumMod val="20000"/>
+                <a:lumOff val="80000"/>
+              </a:schemeClr>
+            </a:solidFill>
+            <a:prstDash val="dash"/>
+            <a:tailEnd type="triangle"/>
+          </a:ln>
+        </p:spPr>
+        <p:style>
+          <a:lnRef idx="1">
+            <a:schemeClr val="accent1"/>
+          </a:lnRef>
+          <a:fillRef idx="0">
+            <a:schemeClr val="accent1"/>
+          </a:fillRef>
+          <a:effectRef idx="0">
+            <a:schemeClr val="accent1"/>
+          </a:effectRef>
+          <a:fontRef idx="minor">
+            <a:schemeClr val="tx1"/>
+          </a:fontRef>
+        </p:style>
+      </p:cxnSp>
+      <p:sp>
+        <p:nvSpPr>
+          <p:cNvPr id="25" name="TextBox 24">
+            <a:extLst>
+              <a:ext uri="{FF2B5EF4-FFF2-40B4-BE49-F238E27FC236}">
+                <a16:creationId xmlns:a16="http://schemas.microsoft.com/office/drawing/2014/main" id="{CB86AD48-6E3A-49F6-A7B3-0E746EA4D295}"/>
+              </a:ext>
+            </a:extLst>
+          </p:cNvPr>
+          <p:cNvSpPr txBox="1"/>
+          <p:nvPr/>
+        </p:nvSpPr>
+        <p:spPr>
+          <a:xfrm>
+            <a:off x="6828466" y="2903882"/>
+            <a:ext cx="2467599" cy="369332"/>
           </a:xfrm>
           <a:prstGeom prst="rect">
             <a:avLst/>
           </a:prstGeom>
+          <a:noFill/>
         </p:spPr>
-      </p:pic>
-      <p:pic>
-        <p:nvPicPr>
-          <p:cNvPr id="7" name="Picture 6">
+        <p:txBody>
+          <a:bodyPr wrap="none" rtlCol="0">
+            <a:spAutoFit/>
+          </a:bodyPr>
+          <a:lstStyle/>
+          <a:p>
+            <a:r>
+              <a:rPr lang="ro-RO" dirty="0" err="1"/>
+              <a:t>Branch</a:t>
+            </a:r>
+            <a:r>
+              <a:rPr lang="ro-RO" dirty="0"/>
+              <a:t> principal/</a:t>
+            </a:r>
+            <a:r>
+              <a:rPr lang="ro-RO" dirty="0" err="1"/>
+              <a:t>parinte</a:t>
+            </a:r>
+            <a:endParaRPr lang="ro-RO" dirty="0"/>
+          </a:p>
+        </p:txBody>
+      </p:sp>
+      <p:cxnSp>
+        <p:nvCxnSpPr>
+          <p:cNvPr id="26" name="Connector: Elbow 25">
             <a:extLst>
               <a:ext uri="{FF2B5EF4-FFF2-40B4-BE49-F238E27FC236}">
-                <a16:creationId xmlns:a16="http://schemas.microsoft.com/office/drawing/2014/main" id="{AC1F7AE7-1610-45C8-98BF-8AD24746A8F9}"/>
+                <a16:creationId xmlns:a16="http://schemas.microsoft.com/office/drawing/2014/main" id="{BF79A063-762E-4ACB-B308-341F0298D5C9}"/>
               </a:ext>
             </a:extLst>
           </p:cNvPr>
-          <p:cNvPicPr>
-            <a:picLocks noChangeAspect="1"/>
-          </p:cNvPicPr>
+          <p:cNvCxnSpPr/>
           <p:nvPr/>
-        </p:nvPicPr>
-        <p:blipFill>
-          <a:blip r:embed="rId3"/>
-          <a:stretch>
-            <a:fillRect/>
-          </a:stretch>
-        </p:blipFill>
+        </p:nvCxnSpPr>
+        <p:spPr>
+          <a:xfrm flipV="1">
+            <a:off x="3151465" y="1105951"/>
+            <a:ext cx="1770077" cy="1206615"/>
+          </a:xfrm>
+          <a:prstGeom prst="bentConnector3">
+            <a:avLst/>
+          </a:prstGeom>
+          <a:ln w="38100">
+            <a:solidFill>
+              <a:schemeClr val="accent6">
+                <a:lumMod val="20000"/>
+                <a:lumOff val="80000"/>
+              </a:schemeClr>
+            </a:solidFill>
+            <a:prstDash val="dash"/>
+            <a:tailEnd type="triangle"/>
+          </a:ln>
+        </p:spPr>
+        <p:style>
+          <a:lnRef idx="1">
+            <a:schemeClr val="accent1"/>
+          </a:lnRef>
+          <a:fillRef idx="0">
+            <a:schemeClr val="accent1"/>
+          </a:fillRef>
+          <a:effectRef idx="0">
+            <a:schemeClr val="accent1"/>
+          </a:effectRef>
+          <a:fontRef idx="minor">
+            <a:schemeClr val="tx1"/>
+          </a:fontRef>
+        </p:style>
+      </p:cxnSp>
+      <p:sp>
+        <p:nvSpPr>
+          <p:cNvPr id="27" name="TextBox 26">
+            <a:extLst>
+              <a:ext uri="{FF2B5EF4-FFF2-40B4-BE49-F238E27FC236}">
+                <a16:creationId xmlns:a16="http://schemas.microsoft.com/office/drawing/2014/main" id="{DEDB9F00-7E31-4F72-8715-51A24E1EF772}"/>
+              </a:ext>
+            </a:extLst>
+          </p:cNvPr>
+          <p:cNvSpPr txBox="1"/>
+          <p:nvPr/>
+        </p:nvSpPr>
         <p:spPr>
           <a:xfrm>
-            <a:off x="6657251" y="1195074"/>
-            <a:ext cx="5353797" cy="4467849"/>
+            <a:off x="4921542" y="917572"/>
+            <a:ext cx="1749261" cy="369332"/>
           </a:xfrm>
-          <a:prstGeom prst="roundRect">
-            <a:avLst>
-              <a:gd name="adj" fmla="val 8594"/>
-            </a:avLst>
+          <a:prstGeom prst="rect">
+            <a:avLst/>
           </a:prstGeom>
-          <a:solidFill>
-            <a:srgbClr val="FFFFFF">
-              <a:shade val="85000"/>
-            </a:srgbClr>
-          </a:solidFill>
-          <a:ln>
-            <a:noFill/>
-          </a:ln>
-          <a:effectLst>
-            <a:reflection blurRad="12700" stA="38000" endPos="28000" dist="5000" dir="5400000" sy="-100000" algn="bl" rotWithShape="0"/>
-          </a:effectLst>
+          <a:noFill/>
         </p:spPr>
-      </p:pic>
+        <p:txBody>
+          <a:bodyPr wrap="none" rtlCol="0">
+            <a:spAutoFit/>
+          </a:bodyPr>
+          <a:lstStyle/>
+          <a:p>
+            <a:r>
+              <a:rPr lang="ro-RO" dirty="0" err="1"/>
+              <a:t>Branch</a:t>
+            </a:r>
+            <a:r>
+              <a:rPr lang="ro-RO" dirty="0"/>
+              <a:t> secundar</a:t>
+            </a:r>
+          </a:p>
+        </p:txBody>
+      </p:sp>
+      <p:cxnSp>
+        <p:nvCxnSpPr>
+          <p:cNvPr id="28" name="Straight Connector 27">
+            <a:extLst>
+              <a:ext uri="{FF2B5EF4-FFF2-40B4-BE49-F238E27FC236}">
+                <a16:creationId xmlns:a16="http://schemas.microsoft.com/office/drawing/2014/main" id="{AD7D2851-503A-4E0B-B8AE-C18454A069F9}"/>
+              </a:ext>
+            </a:extLst>
+          </p:cNvPr>
+          <p:cNvCxnSpPr>
+            <a:cxnSpLocks/>
+          </p:cNvCxnSpPr>
+          <p:nvPr/>
+        </p:nvCxnSpPr>
+        <p:spPr>
+          <a:xfrm flipH="1">
+            <a:off x="3382162" y="2849355"/>
+            <a:ext cx="1635155" cy="0"/>
+          </a:xfrm>
+          <a:prstGeom prst="line">
+            <a:avLst/>
+          </a:prstGeom>
+          <a:ln w="28575"/>
+        </p:spPr>
+        <p:style>
+          <a:lnRef idx="1">
+            <a:schemeClr val="dk1"/>
+          </a:lnRef>
+          <a:fillRef idx="0">
+            <a:schemeClr val="dk1"/>
+          </a:fillRef>
+          <a:effectRef idx="0">
+            <a:schemeClr val="dk1"/>
+          </a:effectRef>
+          <a:fontRef idx="minor">
+            <a:schemeClr val="tx1"/>
+          </a:fontRef>
+        </p:style>
+      </p:cxnSp>
+      <p:cxnSp>
+        <p:nvCxnSpPr>
+          <p:cNvPr id="30" name="Straight Connector 29">
+            <a:extLst>
+              <a:ext uri="{FF2B5EF4-FFF2-40B4-BE49-F238E27FC236}">
+                <a16:creationId xmlns:a16="http://schemas.microsoft.com/office/drawing/2014/main" id="{B2367296-37D8-4AF1-828F-43BF4615EFB8}"/>
+              </a:ext>
+            </a:extLst>
+          </p:cNvPr>
+          <p:cNvCxnSpPr>
+            <a:cxnSpLocks/>
+          </p:cNvCxnSpPr>
+          <p:nvPr/>
+        </p:nvCxnSpPr>
+        <p:spPr>
+          <a:xfrm flipH="1" flipV="1">
+            <a:off x="2945934" y="1854667"/>
+            <a:ext cx="2079073" cy="10486"/>
+          </a:xfrm>
+          <a:prstGeom prst="line">
+            <a:avLst/>
+          </a:prstGeom>
+          <a:ln w="28575"/>
+        </p:spPr>
+        <p:style>
+          <a:lnRef idx="1">
+            <a:schemeClr val="dk1"/>
+          </a:lnRef>
+          <a:fillRef idx="0">
+            <a:schemeClr val="dk1"/>
+          </a:fillRef>
+          <a:effectRef idx="0">
+            <a:schemeClr val="dk1"/>
+          </a:effectRef>
+          <a:fontRef idx="minor">
+            <a:schemeClr val="tx1"/>
+          </a:fontRef>
+        </p:style>
+      </p:cxnSp>
+      <p:sp>
+        <p:nvSpPr>
+          <p:cNvPr id="32" name="TextBox 31">
+            <a:extLst>
+              <a:ext uri="{FF2B5EF4-FFF2-40B4-BE49-F238E27FC236}">
+                <a16:creationId xmlns:a16="http://schemas.microsoft.com/office/drawing/2014/main" id="{6E8F938C-D876-4BE3-8D8E-F9976888BF2E}"/>
+              </a:ext>
+            </a:extLst>
+          </p:cNvPr>
+          <p:cNvSpPr txBox="1"/>
+          <p:nvPr/>
+        </p:nvSpPr>
+        <p:spPr>
+          <a:xfrm>
+            <a:off x="4199739" y="3783435"/>
+            <a:ext cx="282450" cy="369332"/>
+          </a:xfrm>
+          <a:prstGeom prst="rect">
+            <a:avLst/>
+          </a:prstGeom>
+          <a:noFill/>
+        </p:spPr>
+        <p:txBody>
+          <a:bodyPr wrap="none" rtlCol="0">
+            <a:spAutoFit/>
+          </a:bodyPr>
+          <a:lstStyle/>
+          <a:p>
+            <a:r>
+              <a:rPr lang="ro-RO" dirty="0">
+                <a:latin typeface="Baskerville Old Face" panose="02020602080505020303" pitchFamily="18" charset="0"/>
+              </a:rPr>
+              <a:t>a</a:t>
+            </a:r>
+          </a:p>
+        </p:txBody>
+      </p:sp>
+      <p:sp>
+        <p:nvSpPr>
+          <p:cNvPr id="33" name="TextBox 32">
+            <a:extLst>
+              <a:ext uri="{FF2B5EF4-FFF2-40B4-BE49-F238E27FC236}">
+                <a16:creationId xmlns:a16="http://schemas.microsoft.com/office/drawing/2014/main" id="{17E873E8-19B2-4575-95C7-2D3685273434}"/>
+              </a:ext>
+            </a:extLst>
+          </p:cNvPr>
+          <p:cNvSpPr txBox="1"/>
+          <p:nvPr/>
+        </p:nvSpPr>
+        <p:spPr>
+          <a:xfrm>
+            <a:off x="4198156" y="2762398"/>
+            <a:ext cx="255536" cy="369332"/>
+          </a:xfrm>
+          <a:prstGeom prst="rect">
+            <a:avLst/>
+          </a:prstGeom>
+          <a:noFill/>
+        </p:spPr>
+        <p:txBody>
+          <a:bodyPr wrap="square" rtlCol="0">
+            <a:spAutoFit/>
+          </a:bodyPr>
+          <a:lstStyle/>
+          <a:p>
+            <a:r>
+              <a:rPr lang="ro-RO" dirty="0">
+                <a:latin typeface="Baskerville Old Face" panose="02020602080505020303" pitchFamily="18" charset="0"/>
+              </a:rPr>
+              <a:t>b</a:t>
+            </a:r>
+          </a:p>
+        </p:txBody>
+      </p:sp>
+      <p:sp>
+        <p:nvSpPr>
+          <p:cNvPr id="34" name="TextBox 33">
+            <a:extLst>
+              <a:ext uri="{FF2B5EF4-FFF2-40B4-BE49-F238E27FC236}">
+                <a16:creationId xmlns:a16="http://schemas.microsoft.com/office/drawing/2014/main" id="{0673FB3B-8910-451C-AF26-BC8C005B9809}"/>
+              </a:ext>
+            </a:extLst>
+          </p:cNvPr>
+          <p:cNvSpPr txBox="1"/>
+          <p:nvPr/>
+        </p:nvSpPr>
+        <p:spPr>
+          <a:xfrm>
+            <a:off x="5000712" y="3121996"/>
+            <a:ext cx="282450" cy="369332"/>
+          </a:xfrm>
+          <a:prstGeom prst="rect">
+            <a:avLst/>
+          </a:prstGeom>
+          <a:noFill/>
+        </p:spPr>
+        <p:txBody>
+          <a:bodyPr wrap="none" rtlCol="0">
+            <a:spAutoFit/>
+          </a:bodyPr>
+          <a:lstStyle/>
+          <a:p>
+            <a:r>
+              <a:rPr lang="ro-RO" dirty="0">
+                <a:latin typeface="Baskerville Old Face" panose="02020602080505020303" pitchFamily="18" charset="0"/>
+              </a:rPr>
+              <a:t>c</a:t>
+            </a:r>
+          </a:p>
+        </p:txBody>
+      </p:sp>
+      <p:sp>
+        <p:nvSpPr>
+          <p:cNvPr id="35" name="TextBox 34">
+            <a:extLst>
+              <a:ext uri="{FF2B5EF4-FFF2-40B4-BE49-F238E27FC236}">
+                <a16:creationId xmlns:a16="http://schemas.microsoft.com/office/drawing/2014/main" id="{066CB386-6B4F-4C7C-B793-B12BBA9DDB47}"/>
+              </a:ext>
+            </a:extLst>
+          </p:cNvPr>
+          <p:cNvSpPr txBox="1"/>
+          <p:nvPr/>
+        </p:nvSpPr>
+        <p:spPr>
+          <a:xfrm>
+            <a:off x="3310825" y="3189806"/>
+            <a:ext cx="304892" cy="369332"/>
+          </a:xfrm>
+          <a:prstGeom prst="rect">
+            <a:avLst/>
+          </a:prstGeom>
+          <a:noFill/>
+        </p:spPr>
+        <p:txBody>
+          <a:bodyPr wrap="none" rtlCol="0">
+            <a:spAutoFit/>
+          </a:bodyPr>
+          <a:lstStyle/>
+          <a:p>
+            <a:r>
+              <a:rPr lang="ro-RO" dirty="0">
+                <a:latin typeface="Baskerville Old Face" panose="02020602080505020303" pitchFamily="18" charset="0"/>
+              </a:rPr>
+              <a:t>d</a:t>
+            </a:r>
+          </a:p>
+        </p:txBody>
+      </p:sp>
+      <p:cxnSp>
+        <p:nvCxnSpPr>
+          <p:cNvPr id="36" name="Straight Connector 35">
+            <a:extLst>
+              <a:ext uri="{FF2B5EF4-FFF2-40B4-BE49-F238E27FC236}">
+                <a16:creationId xmlns:a16="http://schemas.microsoft.com/office/drawing/2014/main" id="{2B4A52E1-C24A-401E-BF2B-50055BB25A09}"/>
+              </a:ext>
+            </a:extLst>
+          </p:cNvPr>
+          <p:cNvCxnSpPr>
+            <a:cxnSpLocks/>
+          </p:cNvCxnSpPr>
+          <p:nvPr/>
+        </p:nvCxnSpPr>
+        <p:spPr>
+          <a:xfrm flipH="1">
+            <a:off x="3818390" y="2838761"/>
+            <a:ext cx="1182322" cy="1036953"/>
+          </a:xfrm>
+          <a:prstGeom prst="line">
+            <a:avLst/>
+          </a:prstGeom>
+          <a:ln w="28575"/>
+        </p:spPr>
+        <p:style>
+          <a:lnRef idx="1">
+            <a:schemeClr val="dk1"/>
+          </a:lnRef>
+          <a:fillRef idx="0">
+            <a:schemeClr val="dk1"/>
+          </a:fillRef>
+          <a:effectRef idx="0">
+            <a:schemeClr val="dk1"/>
+          </a:effectRef>
+          <a:fontRef idx="minor">
+            <a:schemeClr val="tx1"/>
+          </a:fontRef>
+        </p:style>
+      </p:cxnSp>
+      <p:cxnSp>
+        <p:nvCxnSpPr>
+          <p:cNvPr id="39" name="Straight Connector 38">
+            <a:extLst>
+              <a:ext uri="{FF2B5EF4-FFF2-40B4-BE49-F238E27FC236}">
+                <a16:creationId xmlns:a16="http://schemas.microsoft.com/office/drawing/2014/main" id="{D3D389F6-782F-456A-B00C-6B64BDAC1A6C}"/>
+              </a:ext>
+            </a:extLst>
+          </p:cNvPr>
+          <p:cNvCxnSpPr>
+            <a:cxnSpLocks/>
+          </p:cNvCxnSpPr>
+          <p:nvPr/>
+        </p:nvCxnSpPr>
+        <p:spPr>
+          <a:xfrm>
+            <a:off x="3374473" y="2849355"/>
+            <a:ext cx="1642844" cy="1026359"/>
+          </a:xfrm>
+          <a:prstGeom prst="line">
+            <a:avLst/>
+          </a:prstGeom>
+          <a:ln w="28575"/>
+        </p:spPr>
+        <p:style>
+          <a:lnRef idx="1">
+            <a:schemeClr val="dk1"/>
+          </a:lnRef>
+          <a:fillRef idx="0">
+            <a:schemeClr val="dk1"/>
+          </a:fillRef>
+          <a:effectRef idx="0">
+            <a:schemeClr val="dk1"/>
+          </a:effectRef>
+          <a:fontRef idx="minor">
+            <a:schemeClr val="tx1"/>
+          </a:fontRef>
+        </p:style>
+      </p:cxnSp>
+      <p:cxnSp>
+        <p:nvCxnSpPr>
+          <p:cNvPr id="44" name="Straight Connector 43">
+            <a:extLst>
+              <a:ext uri="{FF2B5EF4-FFF2-40B4-BE49-F238E27FC236}">
+                <a16:creationId xmlns:a16="http://schemas.microsoft.com/office/drawing/2014/main" id="{9F84250F-754A-41FA-A344-4DB1D9974A32}"/>
+              </a:ext>
+            </a:extLst>
+          </p:cNvPr>
+          <p:cNvCxnSpPr>
+            <a:cxnSpLocks/>
+          </p:cNvCxnSpPr>
+          <p:nvPr/>
+        </p:nvCxnSpPr>
+        <p:spPr>
+          <a:xfrm flipH="1">
+            <a:off x="3400536" y="1865153"/>
+            <a:ext cx="1632160" cy="986300"/>
+          </a:xfrm>
+          <a:prstGeom prst="line">
+            <a:avLst/>
+          </a:prstGeom>
+          <a:ln w="28575"/>
+        </p:spPr>
+        <p:style>
+          <a:lnRef idx="1">
+            <a:schemeClr val="dk1"/>
+          </a:lnRef>
+          <a:fillRef idx="0">
+            <a:schemeClr val="dk1"/>
+          </a:fillRef>
+          <a:effectRef idx="0">
+            <a:schemeClr val="dk1"/>
+          </a:effectRef>
+          <a:fontRef idx="minor">
+            <a:schemeClr val="tx1"/>
+          </a:fontRef>
+        </p:style>
+      </p:cxnSp>
+      <p:cxnSp>
+        <p:nvCxnSpPr>
+          <p:cNvPr id="47" name="Straight Connector 46">
+            <a:extLst>
+              <a:ext uri="{FF2B5EF4-FFF2-40B4-BE49-F238E27FC236}">
+                <a16:creationId xmlns:a16="http://schemas.microsoft.com/office/drawing/2014/main" id="{7C0A425D-806C-49F2-B8D9-F78215D9A8B5}"/>
+              </a:ext>
+            </a:extLst>
+          </p:cNvPr>
+          <p:cNvCxnSpPr>
+            <a:cxnSpLocks/>
+          </p:cNvCxnSpPr>
+          <p:nvPr/>
+        </p:nvCxnSpPr>
+        <p:spPr>
+          <a:xfrm>
+            <a:off x="2972674" y="1862089"/>
+            <a:ext cx="2028038" cy="989364"/>
+          </a:xfrm>
+          <a:prstGeom prst="line">
+            <a:avLst/>
+          </a:prstGeom>
+          <a:ln w="28575"/>
+        </p:spPr>
+        <p:style>
+          <a:lnRef idx="1">
+            <a:schemeClr val="dk1"/>
+          </a:lnRef>
+          <a:fillRef idx="0">
+            <a:schemeClr val="dk1"/>
+          </a:fillRef>
+          <a:effectRef idx="0">
+            <a:schemeClr val="dk1"/>
+          </a:effectRef>
+          <a:fontRef idx="minor">
+            <a:schemeClr val="tx1"/>
+          </a:fontRef>
+        </p:style>
+      </p:cxnSp>
+      <p:sp>
+        <p:nvSpPr>
+          <p:cNvPr id="49" name="TextBox 48">
+            <a:extLst>
+              <a:ext uri="{FF2B5EF4-FFF2-40B4-BE49-F238E27FC236}">
+                <a16:creationId xmlns:a16="http://schemas.microsoft.com/office/drawing/2014/main" id="{70E530F3-4DAF-44DE-A578-FF50B51AFE5C}"/>
+              </a:ext>
+            </a:extLst>
+          </p:cNvPr>
+          <p:cNvSpPr txBox="1"/>
+          <p:nvPr/>
+        </p:nvSpPr>
+        <p:spPr>
+          <a:xfrm>
+            <a:off x="3590270" y="2797220"/>
+            <a:ext cx="367408" cy="307777"/>
+          </a:xfrm>
+          <a:prstGeom prst="rect">
+            <a:avLst/>
+          </a:prstGeom>
+          <a:noFill/>
+        </p:spPr>
+        <p:txBody>
+          <a:bodyPr wrap="none" rtlCol="0">
+            <a:spAutoFit/>
+          </a:bodyPr>
+          <a:lstStyle/>
+          <a:p>
+            <a:r>
+              <a:rPr lang="ro-RO" sz="1400" dirty="0">
+                <a:latin typeface="Baskerville Old Face" panose="02020602080505020303" pitchFamily="18" charset="0"/>
+              </a:rPr>
+              <a:t>d1</a:t>
+            </a:r>
+          </a:p>
+        </p:txBody>
+      </p:sp>
+      <p:sp>
+        <p:nvSpPr>
+          <p:cNvPr id="50" name="TextBox 49">
+            <a:extLst>
+              <a:ext uri="{FF2B5EF4-FFF2-40B4-BE49-F238E27FC236}">
+                <a16:creationId xmlns:a16="http://schemas.microsoft.com/office/drawing/2014/main" id="{079A71AD-6FE9-4E31-8D7F-C631E7CF8039}"/>
+              </a:ext>
+            </a:extLst>
+          </p:cNvPr>
+          <p:cNvSpPr txBox="1"/>
+          <p:nvPr/>
+        </p:nvSpPr>
+        <p:spPr>
+          <a:xfrm>
+            <a:off x="3742670" y="3458881"/>
+            <a:ext cx="367408" cy="307777"/>
+          </a:xfrm>
+          <a:prstGeom prst="rect">
+            <a:avLst/>
+          </a:prstGeom>
+          <a:noFill/>
+        </p:spPr>
+        <p:txBody>
+          <a:bodyPr wrap="none" rtlCol="0">
+            <a:spAutoFit/>
+          </a:bodyPr>
+          <a:lstStyle/>
+          <a:p>
+            <a:r>
+              <a:rPr lang="ro-RO" sz="1400" dirty="0">
+                <a:latin typeface="Baskerville Old Face" panose="02020602080505020303" pitchFamily="18" charset="0"/>
+              </a:rPr>
+              <a:t>d2</a:t>
+            </a:r>
+          </a:p>
+        </p:txBody>
+      </p:sp>
+      <mc:AlternateContent xmlns:mc="http://schemas.openxmlformats.org/markup-compatibility/2006">
+        <mc:Choice xmlns:a14="http://schemas.microsoft.com/office/drawing/2010/main" Requires="a14">
+          <p:sp>
+            <p:nvSpPr>
+              <p:cNvPr id="51" name="TextBox 50">
+                <a:extLst>
+                  <a:ext uri="{FF2B5EF4-FFF2-40B4-BE49-F238E27FC236}">
+                    <a16:creationId xmlns:a16="http://schemas.microsoft.com/office/drawing/2014/main" id="{B7FD19DB-CF94-4E2A-A85B-4D527D6DF628}"/>
+                  </a:ext>
+                </a:extLst>
+              </p:cNvPr>
+              <p:cNvSpPr txBox="1"/>
+              <p:nvPr/>
+            </p:nvSpPr>
+            <p:spPr>
+              <a:xfrm>
+                <a:off x="6828466" y="1286904"/>
+                <a:ext cx="4424032" cy="276999"/>
+              </a:xfrm>
+              <a:prstGeom prst="rect">
+                <a:avLst/>
+              </a:prstGeom>
+              <a:noFill/>
+            </p:spPr>
+            <p:txBody>
+              <a:bodyPr wrap="none" lIns="0" tIns="0" rIns="0" bIns="0" rtlCol="0">
+                <a:spAutoFit/>
+              </a:bodyPr>
+              <a:lstStyle/>
+              <a:p>
+                <a14:m>
+                  <m:oMathPara xmlns:m="http://schemas.openxmlformats.org/officeDocument/2006/math">
+                    <m:oMathParaPr>
+                      <m:jc m:val="centerGroup"/>
+                    </m:oMathParaPr>
+                    <m:oMath xmlns:m="http://schemas.openxmlformats.org/officeDocument/2006/math">
+                      <m:r>
+                        <a:rPr lang="ro-RO" b="0" i="1" smtClean="0">
+                          <a:latin typeface="Cambria Math" panose="02040503050406030204" pitchFamily="18" charset="0"/>
+                        </a:rPr>
+                        <m:t>𝑏</m:t>
+                      </m:r>
+                      <m:r>
+                        <a:rPr lang="ro-RO" b="0" i="1" smtClean="0">
+                          <a:latin typeface="Cambria Math" panose="02040503050406030204" pitchFamily="18" charset="0"/>
+                        </a:rPr>
+                        <m:t>=</m:t>
+                      </m:r>
+                      <m:r>
+                        <a:rPr lang="ro-RO" b="0" i="1" smtClean="0">
+                          <a:latin typeface="Cambria Math" panose="02040503050406030204" pitchFamily="18" charset="0"/>
+                        </a:rPr>
+                        <m:t>𝑎</m:t>
+                      </m:r>
+                      <m:r>
+                        <a:rPr lang="ro-RO" b="0" i="1" smtClean="0">
+                          <a:latin typeface="Cambria Math" panose="02040503050406030204" pitchFamily="18" charset="0"/>
+                        </a:rPr>
+                        <m:t>∗</m:t>
+                      </m:r>
+                      <m:r>
+                        <a:rPr lang="en-US" i="1">
+                          <a:latin typeface="Cambria Math" panose="02040503050406030204" pitchFamily="18" charset="0"/>
+                        </a:rPr>
+                        <m:t>𝐼𝑛𝑡𝑒𝑟𝐵𝑟𝑎𝑛𝑐h𝐿𝑖𝑛𝑒𝑎𝑟</m:t>
+                      </m:r>
+                      <m:r>
+                        <a:rPr lang="ro-RO" b="0" i="1" smtClean="0">
+                          <a:latin typeface="Cambria Math" panose="02040503050406030204" pitchFamily="18" charset="0"/>
+                        </a:rPr>
+                        <m:t>𝐷</m:t>
+                      </m:r>
+                      <m:r>
+                        <a:rPr lang="en-US" i="1">
+                          <a:latin typeface="Cambria Math" panose="02040503050406030204" pitchFamily="18" charset="0"/>
+                        </a:rPr>
+                        <m:t>𝑖𝑠𝑡𝑎𝑛𝑐𝑒𝐹𝑎𝑐𝑡𝑜𝑟</m:t>
+                      </m:r>
+                    </m:oMath>
+                  </m:oMathPara>
+                </a14:m>
+                <a:endParaRPr lang="ro-RO" dirty="0"/>
+              </a:p>
+            </p:txBody>
+          </p:sp>
+        </mc:Choice>
+        <mc:Fallback>
+          <p:sp>
+            <p:nvSpPr>
+              <p:cNvPr id="51" name="TextBox 50">
+                <a:extLst>
+                  <a:ext uri="{FF2B5EF4-FFF2-40B4-BE49-F238E27FC236}">
+                    <a16:creationId xmlns:a16="http://schemas.microsoft.com/office/drawing/2014/main" id="{B7FD19DB-CF94-4E2A-A85B-4D527D6DF628}"/>
+                  </a:ext>
+                </a:extLst>
+              </p:cNvPr>
+              <p:cNvSpPr txBox="1">
+                <a:spLocks noRot="1" noChangeAspect="1" noMove="1" noResize="1" noEditPoints="1" noAdjustHandles="1" noChangeArrowheads="1" noChangeShapeType="1" noTextEdit="1"/>
+              </p:cNvSpPr>
+              <p:nvPr/>
+            </p:nvSpPr>
+            <p:spPr>
+              <a:xfrm>
+                <a:off x="6828466" y="1286904"/>
+                <a:ext cx="4424032" cy="276999"/>
+              </a:xfrm>
+              <a:prstGeom prst="rect">
+                <a:avLst/>
+              </a:prstGeom>
+              <a:blipFill>
+                <a:blip r:embed="rId2"/>
+                <a:stretch>
+                  <a:fillRect l="-826" r="-826" b="-6522"/>
+                </a:stretch>
+              </a:blipFill>
+            </p:spPr>
+            <p:txBody>
+              <a:bodyPr/>
+              <a:lstStyle/>
+              <a:p>
+                <a:r>
+                  <a:rPr lang="ro-RO">
+                    <a:noFill/>
+                  </a:rPr>
+                  <a:t> </a:t>
+                </a:r>
+              </a:p>
+            </p:txBody>
+          </p:sp>
+        </mc:Fallback>
+      </mc:AlternateContent>
+      <mc:AlternateContent xmlns:mc="http://schemas.openxmlformats.org/markup-compatibility/2006">
+        <mc:Choice xmlns:a14="http://schemas.microsoft.com/office/drawing/2010/main" Requires="a14">
+          <p:sp>
+            <p:nvSpPr>
+              <p:cNvPr id="52" name="TextBox 51">
+                <a:extLst>
+                  <a:ext uri="{FF2B5EF4-FFF2-40B4-BE49-F238E27FC236}">
+                    <a16:creationId xmlns:a16="http://schemas.microsoft.com/office/drawing/2014/main" id="{1D8C4CDF-7185-4B90-9EE1-6DB99A6D1E65}"/>
+                  </a:ext>
+                </a:extLst>
+              </p:cNvPr>
+              <p:cNvSpPr txBox="1"/>
+              <p:nvPr/>
+            </p:nvSpPr>
+            <p:spPr>
+              <a:xfrm>
+                <a:off x="6828466" y="1570758"/>
+                <a:ext cx="2005614" cy="335413"/>
+              </a:xfrm>
+              <a:prstGeom prst="rect">
+                <a:avLst/>
+              </a:prstGeom>
+              <a:noFill/>
+            </p:spPr>
+            <p:txBody>
+              <a:bodyPr wrap="none" lIns="0" tIns="0" rIns="0" bIns="0" rtlCol="0">
+                <a:spAutoFit/>
+              </a:bodyPr>
+              <a:lstStyle/>
+              <a:p>
+                <a14:m>
+                  <m:oMathPara xmlns:m="http://schemas.openxmlformats.org/officeDocument/2006/math">
+                    <m:oMathParaPr>
+                      <m:jc m:val="centerGroup"/>
+                    </m:oMathParaPr>
+                    <m:oMath xmlns:m="http://schemas.openxmlformats.org/officeDocument/2006/math">
+                      <m:r>
+                        <a:rPr lang="ro-RO" b="0" i="1" smtClean="0">
+                          <a:latin typeface="Cambria Math" panose="02040503050406030204" pitchFamily="18" charset="0"/>
+                        </a:rPr>
+                        <m:t>𝑑</m:t>
+                      </m:r>
+                      <m:r>
+                        <a:rPr lang="ro-RO" b="0" i="1" smtClean="0">
+                          <a:latin typeface="Cambria Math" panose="02040503050406030204" pitchFamily="18" charset="0"/>
+                        </a:rPr>
+                        <m:t>=</m:t>
+                      </m:r>
+                      <m:rad>
+                        <m:radPr>
+                          <m:degHide m:val="on"/>
+                          <m:ctrlPr>
+                            <a:rPr lang="ro-RO" b="0" i="1" smtClean="0">
+                              <a:latin typeface="Cambria Math" panose="02040503050406030204" pitchFamily="18" charset="0"/>
+                            </a:rPr>
+                          </m:ctrlPr>
+                        </m:radPr>
+                        <m:deg/>
+                        <m:e>
+                          <m:sSup>
+                            <m:sSupPr>
+                              <m:ctrlPr>
+                                <a:rPr lang="ro-RO" i="1">
+                                  <a:latin typeface="Cambria Math" panose="02040503050406030204" pitchFamily="18" charset="0"/>
+                                  <a:ea typeface="Cambria Math" panose="02040503050406030204" pitchFamily="18" charset="0"/>
+                                </a:rPr>
+                              </m:ctrlPr>
+                            </m:sSupPr>
+                            <m:e>
+                              <m:r>
+                                <a:rPr lang="ro-RO" i="1">
+                                  <a:latin typeface="Cambria Math" panose="02040503050406030204" pitchFamily="18" charset="0"/>
+                                  <a:ea typeface="Cambria Math" panose="02040503050406030204" pitchFamily="18" charset="0"/>
+                                </a:rPr>
+                                <m:t>𝑐</m:t>
+                              </m:r>
+                            </m:e>
+                            <m:sup>
+                              <m:r>
+                                <a:rPr lang="ro-RO" i="1">
+                                  <a:latin typeface="Cambria Math" panose="02040503050406030204" pitchFamily="18" charset="0"/>
+                                  <a:ea typeface="Cambria Math" panose="02040503050406030204" pitchFamily="18" charset="0"/>
+                                </a:rPr>
+                                <m:t>2</m:t>
+                              </m:r>
+                            </m:sup>
+                          </m:sSup>
+                          <m:r>
+                            <a:rPr lang="ro-RO" i="1">
+                              <a:latin typeface="Cambria Math" panose="02040503050406030204" pitchFamily="18" charset="0"/>
+                              <a:ea typeface="Cambria Math" panose="02040503050406030204" pitchFamily="18" charset="0"/>
+                            </a:rPr>
+                            <m:t>+</m:t>
+                          </m:r>
+                          <m:sSup>
+                            <m:sSupPr>
+                              <m:ctrlPr>
+                                <a:rPr lang="ro-RO" i="1">
+                                  <a:latin typeface="Cambria Math" panose="02040503050406030204" pitchFamily="18" charset="0"/>
+                                  <a:ea typeface="Cambria Math" panose="02040503050406030204" pitchFamily="18" charset="0"/>
+                                </a:rPr>
+                              </m:ctrlPr>
+                            </m:sSupPr>
+                            <m:e>
+                              <m:r>
+                                <a:rPr lang="ro-RO" i="1">
+                                  <a:latin typeface="Cambria Math" panose="02040503050406030204" pitchFamily="18" charset="0"/>
+                                  <a:ea typeface="Cambria Math" panose="02040503050406030204" pitchFamily="18" charset="0"/>
+                                </a:rPr>
+                                <m:t>(</m:t>
+                              </m:r>
+                              <m:r>
+                                <a:rPr lang="ro-RO" i="1">
+                                  <a:latin typeface="Cambria Math" panose="02040503050406030204" pitchFamily="18" charset="0"/>
+                                  <a:ea typeface="Cambria Math" panose="02040503050406030204" pitchFamily="18" charset="0"/>
+                                </a:rPr>
+                                <m:t>𝑏</m:t>
+                              </m:r>
+                              <m:r>
+                                <a:rPr lang="ro-RO" i="1">
+                                  <a:latin typeface="Cambria Math" panose="02040503050406030204" pitchFamily="18" charset="0"/>
+                                  <a:ea typeface="Cambria Math" panose="02040503050406030204" pitchFamily="18" charset="0"/>
+                                </a:rPr>
+                                <m:t>−</m:t>
+                              </m:r>
+                              <m:r>
+                                <a:rPr lang="ro-RO" i="1">
+                                  <a:latin typeface="Cambria Math" panose="02040503050406030204" pitchFamily="18" charset="0"/>
+                                  <a:ea typeface="Cambria Math" panose="02040503050406030204" pitchFamily="18" charset="0"/>
+                                </a:rPr>
+                                <m:t>𝑎</m:t>
+                              </m:r>
+                              <m:r>
+                                <a:rPr lang="ro-RO" i="1">
+                                  <a:latin typeface="Cambria Math" panose="02040503050406030204" pitchFamily="18" charset="0"/>
+                                  <a:ea typeface="Cambria Math" panose="02040503050406030204" pitchFamily="18" charset="0"/>
+                                </a:rPr>
+                                <m:t>)</m:t>
+                              </m:r>
+                            </m:e>
+                            <m:sup>
+                              <m:r>
+                                <a:rPr lang="ro-RO" i="1">
+                                  <a:latin typeface="Cambria Math" panose="02040503050406030204" pitchFamily="18" charset="0"/>
+                                  <a:ea typeface="Cambria Math" panose="02040503050406030204" pitchFamily="18" charset="0"/>
+                                </a:rPr>
+                                <m:t>2</m:t>
+                              </m:r>
+                            </m:sup>
+                          </m:sSup>
+                        </m:e>
+                      </m:rad>
+                    </m:oMath>
+                  </m:oMathPara>
+                </a14:m>
+                <a:endParaRPr lang="ro-RO" dirty="0"/>
+              </a:p>
+            </p:txBody>
+          </p:sp>
+        </mc:Choice>
+        <mc:Fallback>
+          <p:sp>
+            <p:nvSpPr>
+              <p:cNvPr id="52" name="TextBox 51">
+                <a:extLst>
+                  <a:ext uri="{FF2B5EF4-FFF2-40B4-BE49-F238E27FC236}">
+                    <a16:creationId xmlns:a16="http://schemas.microsoft.com/office/drawing/2014/main" id="{1D8C4CDF-7185-4B90-9EE1-6DB99A6D1E65}"/>
+                  </a:ext>
+                </a:extLst>
+              </p:cNvPr>
+              <p:cNvSpPr txBox="1">
+                <a:spLocks noRot="1" noChangeAspect="1" noMove="1" noResize="1" noEditPoints="1" noAdjustHandles="1" noChangeArrowheads="1" noChangeShapeType="1" noTextEdit="1"/>
+              </p:cNvSpPr>
+              <p:nvPr/>
+            </p:nvSpPr>
+            <p:spPr>
+              <a:xfrm>
+                <a:off x="6828466" y="1570758"/>
+                <a:ext cx="2005614" cy="335413"/>
+              </a:xfrm>
+              <a:prstGeom prst="rect">
+                <a:avLst/>
+              </a:prstGeom>
+              <a:blipFill>
+                <a:blip r:embed="rId3"/>
+                <a:stretch>
+                  <a:fillRect l="-2432" r="-912" b="-29091"/>
+                </a:stretch>
+              </a:blipFill>
+            </p:spPr>
+            <p:txBody>
+              <a:bodyPr/>
+              <a:lstStyle/>
+              <a:p>
+                <a:r>
+                  <a:rPr lang="ro-RO">
+                    <a:noFill/>
+                  </a:rPr>
+                  <a:t> </a:t>
+                </a:r>
+              </a:p>
+            </p:txBody>
+          </p:sp>
+        </mc:Fallback>
+      </mc:AlternateContent>
+      <mc:AlternateContent xmlns:mc="http://schemas.openxmlformats.org/markup-compatibility/2006">
+        <mc:Choice xmlns:a14="http://schemas.microsoft.com/office/drawing/2010/main" Requires="a14">
+          <p:sp>
+            <p:nvSpPr>
+              <p:cNvPr id="53" name="TextBox 52">
+                <a:extLst>
+                  <a:ext uri="{FF2B5EF4-FFF2-40B4-BE49-F238E27FC236}">
+                    <a16:creationId xmlns:a16="http://schemas.microsoft.com/office/drawing/2014/main" id="{86C47115-68E9-4211-9940-6C28ED10AAA1}"/>
+                  </a:ext>
+                </a:extLst>
+              </p:cNvPr>
+              <p:cNvSpPr txBox="1"/>
+              <p:nvPr/>
+            </p:nvSpPr>
+            <p:spPr>
+              <a:xfrm>
+                <a:off x="6784266" y="1882506"/>
+                <a:ext cx="1584536" cy="355354"/>
+              </a:xfrm>
+              <a:prstGeom prst="rect">
+                <a:avLst/>
+              </a:prstGeom>
+              <a:noFill/>
+            </p:spPr>
+            <p:txBody>
+              <a:bodyPr wrap="none" lIns="0" tIns="0" rIns="0" bIns="0" rtlCol="0">
+                <a:spAutoFit/>
+              </a:bodyPr>
+              <a:lstStyle/>
+              <a:p>
+                <a14:m>
+                  <m:oMathPara xmlns:m="http://schemas.openxmlformats.org/officeDocument/2006/math">
+                    <m:oMathParaPr>
+                      <m:jc m:val="centerGroup"/>
+                    </m:oMathParaPr>
+                    <m:oMath xmlns:m="http://schemas.openxmlformats.org/officeDocument/2006/math">
+                      <m:r>
+                        <a:rPr lang="ro-RO" b="0" i="1" smtClean="0">
+                          <a:latin typeface="Cambria Math" panose="02040503050406030204" pitchFamily="18" charset="0"/>
+                        </a:rPr>
+                        <m:t>𝑑</m:t>
+                      </m:r>
+                      <m:r>
+                        <a:rPr lang="ro-RO" b="0" i="1" smtClean="0">
+                          <a:latin typeface="Cambria Math" panose="02040503050406030204" pitchFamily="18" charset="0"/>
+                        </a:rPr>
+                        <m:t>1=</m:t>
+                      </m:r>
+                      <m:rad>
+                        <m:radPr>
+                          <m:degHide m:val="on"/>
+                          <m:ctrlPr>
+                            <a:rPr lang="ro-RO" b="0" i="1" smtClean="0">
+                              <a:latin typeface="Cambria Math" panose="02040503050406030204" pitchFamily="18" charset="0"/>
+                            </a:rPr>
+                          </m:ctrlPr>
+                        </m:radPr>
+                        <m:deg/>
+                        <m:e>
+                          <m:sSup>
+                            <m:sSupPr>
+                              <m:ctrlPr>
+                                <a:rPr lang="ro-RO" b="0" i="1" smtClean="0">
+                                  <a:latin typeface="Cambria Math" panose="02040503050406030204" pitchFamily="18" charset="0"/>
+                                </a:rPr>
+                              </m:ctrlPr>
+                            </m:sSupPr>
+                            <m:e>
+                              <m:r>
+                                <a:rPr lang="ro-RO" b="0" i="1" smtClean="0">
+                                  <a:latin typeface="Cambria Math" panose="02040503050406030204" pitchFamily="18" charset="0"/>
+                                </a:rPr>
+                                <m:t>𝑏</m:t>
+                              </m:r>
+                            </m:e>
+                            <m:sup>
+                              <m:r>
+                                <a:rPr lang="ro-RO" b="0" i="1" smtClean="0">
+                                  <a:latin typeface="Cambria Math" panose="02040503050406030204" pitchFamily="18" charset="0"/>
+                                </a:rPr>
+                                <m:t>2</m:t>
+                              </m:r>
+                            </m:sup>
+                          </m:sSup>
+                          <m:r>
+                            <a:rPr lang="ro-RO" b="0" i="1" smtClean="0">
+                              <a:latin typeface="Cambria Math" panose="02040503050406030204" pitchFamily="18" charset="0"/>
+                            </a:rPr>
+                            <m:t>+</m:t>
+                          </m:r>
+                          <m:sSup>
+                            <m:sSupPr>
+                              <m:ctrlPr>
+                                <a:rPr lang="ro-RO" b="0" i="1" smtClean="0">
+                                  <a:latin typeface="Cambria Math" panose="02040503050406030204" pitchFamily="18" charset="0"/>
+                                </a:rPr>
+                              </m:ctrlPr>
+                            </m:sSupPr>
+                            <m:e>
+                              <m:r>
+                                <a:rPr lang="ro-RO" b="0" i="1" smtClean="0">
+                                  <a:latin typeface="Cambria Math" panose="02040503050406030204" pitchFamily="18" charset="0"/>
+                                </a:rPr>
+                                <m:t>𝑐</m:t>
+                              </m:r>
+                            </m:e>
+                            <m:sup>
+                              <m:r>
+                                <a:rPr lang="ro-RO" b="0" i="1" smtClean="0">
+                                  <a:latin typeface="Cambria Math" panose="02040503050406030204" pitchFamily="18" charset="0"/>
+                                </a:rPr>
+                                <m:t>2</m:t>
+                              </m:r>
+                            </m:sup>
+                          </m:sSup>
+                        </m:e>
+                      </m:rad>
+                    </m:oMath>
+                  </m:oMathPara>
+                </a14:m>
+                <a:endParaRPr lang="ro-RO" dirty="0"/>
+              </a:p>
+            </p:txBody>
+          </p:sp>
+        </mc:Choice>
+        <mc:Fallback>
+          <p:sp>
+            <p:nvSpPr>
+              <p:cNvPr id="53" name="TextBox 52">
+                <a:extLst>
+                  <a:ext uri="{FF2B5EF4-FFF2-40B4-BE49-F238E27FC236}">
+                    <a16:creationId xmlns:a16="http://schemas.microsoft.com/office/drawing/2014/main" id="{86C47115-68E9-4211-9940-6C28ED10AAA1}"/>
+                  </a:ext>
+                </a:extLst>
+              </p:cNvPr>
+              <p:cNvSpPr txBox="1">
+                <a:spLocks noRot="1" noChangeAspect="1" noMove="1" noResize="1" noEditPoints="1" noAdjustHandles="1" noChangeArrowheads="1" noChangeShapeType="1" noTextEdit="1"/>
+              </p:cNvSpPr>
+              <p:nvPr/>
+            </p:nvSpPr>
+            <p:spPr>
+              <a:xfrm>
+                <a:off x="6784266" y="1882506"/>
+                <a:ext cx="1584536" cy="355354"/>
+              </a:xfrm>
+              <a:prstGeom prst="rect">
+                <a:avLst/>
+              </a:prstGeom>
+              <a:blipFill>
+                <a:blip r:embed="rId4"/>
+                <a:stretch>
+                  <a:fillRect l="-1538" b="-3448"/>
+                </a:stretch>
+              </a:blipFill>
+            </p:spPr>
+            <p:txBody>
+              <a:bodyPr/>
+              <a:lstStyle/>
+              <a:p>
+                <a:r>
+                  <a:rPr lang="ro-RO">
+                    <a:noFill/>
+                  </a:rPr>
+                  <a:t> </a:t>
+                </a:r>
+              </a:p>
+            </p:txBody>
+          </p:sp>
+        </mc:Fallback>
+      </mc:AlternateContent>
     </p:spTree>
     <p:extLst>
       <p:ext uri="{BB962C8B-B14F-4D97-AF65-F5344CB8AC3E}">
-        <p14:creationId xmlns:p14="http://schemas.microsoft.com/office/powerpoint/2010/main" val="1293764361"/>
+        <p14:creationId xmlns:p14="http://schemas.microsoft.com/office/powerpoint/2010/main" val="347854929"/>
       </p:ext>
     </p:extLst>
   </p:cSld>

--- a/Prezentare/OceanExploration.pptx
+++ b/Prezentare/OceanExploration.pptx
@@ -5,10 +5,10 @@
     <p:sldMasterId id="2147483744" r:id="rId4"/>
   </p:sldMasterIdLst>
   <p:notesMasterIdLst>
-    <p:notesMasterId r:id="rId19"/>
+    <p:notesMasterId r:id="rId22"/>
   </p:notesMasterIdLst>
   <p:handoutMasterIdLst>
-    <p:handoutMasterId r:id="rId20"/>
+    <p:handoutMasterId r:id="rId23"/>
   </p:handoutMasterIdLst>
   <p:sldIdLst>
     <p:sldId id="256" r:id="rId5"/>
@@ -21,10 +21,13 @@
     <p:sldId id="281" r:id="rId12"/>
     <p:sldId id="283" r:id="rId13"/>
     <p:sldId id="282" r:id="rId14"/>
-    <p:sldId id="279" r:id="rId15"/>
-    <p:sldId id="280" r:id="rId16"/>
-    <p:sldId id="264" r:id="rId17"/>
-    <p:sldId id="274" r:id="rId18"/>
+    <p:sldId id="286" r:id="rId15"/>
+    <p:sldId id="279" r:id="rId16"/>
+    <p:sldId id="280" r:id="rId17"/>
+    <p:sldId id="284" r:id="rId18"/>
+    <p:sldId id="285" r:id="rId19"/>
+    <p:sldId id="264" r:id="rId20"/>
+    <p:sldId id="274" r:id="rId21"/>
   </p:sldIdLst>
   <p:sldSz cx="12192000" cy="6858000"/>
   <p:notesSz cx="6858000" cy="9144000"/>
@@ -1000,7 +1003,7 @@
           <a:p>
             <a:fld id="{F3544625-0ADF-4414-89A2-9E135F0C849F}" type="slidenum">
               <a:rPr lang="en-US" smtClean="0"/>
-              <a:t>13</a:t>
+              <a:t>16</a:t>
             </a:fld>
             <a:endParaRPr lang="en-US" dirty="0"/>
           </a:p>
@@ -1084,7 +1087,7 @@
           <a:p>
             <a:fld id="{F3544625-0ADF-4414-89A2-9E135F0C849F}" type="slidenum">
               <a:rPr lang="en-US" smtClean="0"/>
-              <a:t>14</a:t>
+              <a:t>17</a:t>
             </a:fld>
             <a:endParaRPr lang="en-US" dirty="0"/>
           </a:p>
@@ -7530,6 +7533,187 @@
       </p:grpSpPr>
       <p:sp>
         <p:nvSpPr>
+          <p:cNvPr id="3" name="Content Placeholder 2">
+            <a:extLst>
+              <a:ext uri="{FF2B5EF4-FFF2-40B4-BE49-F238E27FC236}">
+                <a16:creationId xmlns:a16="http://schemas.microsoft.com/office/drawing/2014/main" id="{13C43591-C3A2-44FD-98BB-6362C824FFD1}"/>
+              </a:ext>
+            </a:extLst>
+          </p:cNvPr>
+          <p:cNvSpPr>
+            <a:spLocks noGrp="1"/>
+          </p:cNvSpPr>
+          <p:nvPr>
+            <p:ph idx="1"/>
+          </p:nvPr>
+        </p:nvSpPr>
+        <p:spPr>
+          <a:xfrm>
+            <a:off x="744524" y="466288"/>
+            <a:ext cx="4053979" cy="5925423"/>
+          </a:xfrm>
+        </p:spPr>
+        <p:txBody>
+          <a:bodyPr>
+            <a:normAutofit/>
+          </a:bodyPr>
+          <a:lstStyle/>
+          <a:p>
+            <a:r>
+              <a:rPr lang="ro-RO" dirty="0"/>
+              <a:t>Pentru a simula fizica apei si pentru a „</a:t>
+            </a:r>
+            <a:r>
+              <a:rPr lang="ro-RO" dirty="0" err="1"/>
+              <a:t>desfasura</a:t>
+            </a:r>
+            <a:r>
+              <a:rPr lang="ro-RO" dirty="0"/>
+              <a:t>” plantele cat mai repede am </a:t>
+            </a:r>
+            <a:r>
+              <a:rPr lang="ro-RO" dirty="0" err="1"/>
+              <a:t>adaugat</a:t>
+            </a:r>
+            <a:r>
+              <a:rPr lang="ro-RO" dirty="0"/>
+              <a:t> un parametru de </a:t>
+            </a:r>
+            <a:r>
+              <a:rPr lang="ro-RO" dirty="0" err="1"/>
+              <a:t>gravitatie</a:t>
+            </a:r>
+            <a:r>
+              <a:rPr lang="ro-RO" dirty="0"/>
+              <a:t>.</a:t>
+            </a:r>
+          </a:p>
+          <a:p>
+            <a:r>
+              <a:rPr lang="ro-RO" dirty="0"/>
+              <a:t>Acesta de fapt </a:t>
+            </a:r>
+            <a:r>
+              <a:rPr lang="ro-RO" dirty="0" err="1"/>
+              <a:t>simuleaza</a:t>
+            </a:r>
+            <a:r>
+              <a:rPr lang="ro-RO" dirty="0"/>
+              <a:t> efectul principiului lui Arhimede.</a:t>
+            </a:r>
+          </a:p>
+          <a:p>
+            <a:r>
+              <a:rPr lang="ro-RO" dirty="0"/>
+              <a:t>Pentru fiecare punct este aplicata o </a:t>
+            </a:r>
+            <a:r>
+              <a:rPr lang="ro-RO" dirty="0" err="1"/>
+              <a:t>forta</a:t>
+            </a:r>
+            <a:r>
+              <a:rPr lang="ro-RO" dirty="0"/>
+              <a:t> pe verticala in sus ce depinde de „</a:t>
+            </a:r>
+            <a:r>
+              <a:rPr lang="ro-RO" dirty="0" err="1"/>
+              <a:t>adancimea</a:t>
+            </a:r>
+            <a:r>
+              <a:rPr lang="ro-RO" dirty="0"/>
+              <a:t>” acelui punct.</a:t>
+            </a:r>
+          </a:p>
+          <a:p>
+            <a:r>
+              <a:rPr lang="ro-RO" dirty="0" err="1"/>
+              <a:t>Relatia</a:t>
+            </a:r>
+            <a:r>
+              <a:rPr lang="ro-RO" dirty="0"/>
+              <a:t> este una invers liniara. Cu cat punctul este mai departe de fundul oceanului cu </a:t>
+            </a:r>
+            <a:r>
+              <a:rPr lang="ro-RO" dirty="0" err="1"/>
+              <a:t>atat</a:t>
+            </a:r>
+            <a:r>
+              <a:rPr lang="ro-RO" dirty="0"/>
+              <a:t> scade puterea </a:t>
+            </a:r>
+            <a:r>
+              <a:rPr lang="ro-RO" dirty="0" err="1"/>
+              <a:t>fortei</a:t>
+            </a:r>
+            <a:r>
+              <a:rPr lang="ro-RO" dirty="0"/>
+              <a:t> care trage punctul in sus.</a:t>
+            </a:r>
+          </a:p>
+        </p:txBody>
+      </p:sp>
+      <p:pic>
+        <p:nvPicPr>
+          <p:cNvPr id="5" name="Picture 4">
+            <a:extLst>
+              <a:ext uri="{FF2B5EF4-FFF2-40B4-BE49-F238E27FC236}">
+                <a16:creationId xmlns:a16="http://schemas.microsoft.com/office/drawing/2014/main" id="{9D41EFAA-A125-4DEE-8ED9-8314CF26D782}"/>
+              </a:ext>
+            </a:extLst>
+          </p:cNvPr>
+          <p:cNvPicPr>
+            <a:picLocks noChangeAspect="1"/>
+          </p:cNvPicPr>
+          <p:nvPr/>
+        </p:nvPicPr>
+        <p:blipFill>
+          <a:blip r:embed="rId2"/>
+          <a:stretch>
+            <a:fillRect/>
+          </a:stretch>
+        </p:blipFill>
+        <p:spPr>
+          <a:xfrm>
+            <a:off x="5220970" y="1333150"/>
+            <a:ext cx="6226506" cy="3762462"/>
+          </a:xfrm>
+          <a:prstGeom prst="rect">
+            <a:avLst/>
+          </a:prstGeom>
+        </p:spPr>
+      </p:pic>
+    </p:spTree>
+    <p:extLst>
+      <p:ext uri="{BB962C8B-B14F-4D97-AF65-F5344CB8AC3E}">
+        <p14:creationId xmlns:p14="http://schemas.microsoft.com/office/powerpoint/2010/main" val="4056766553"/>
+      </p:ext>
+    </p:extLst>
+  </p:cSld>
+  <p:clrMapOvr>
+    <a:masterClrMapping/>
+  </p:clrMapOvr>
+</p:sld>
+</file>
+
+<file path=ppt/slides/slide12.xml><?xml version="1.0" encoding="utf-8"?>
+<p:sld xmlns:a="http://schemas.openxmlformats.org/drawingml/2006/main" xmlns:r="http://schemas.openxmlformats.org/officeDocument/2006/relationships" xmlns:p="http://schemas.openxmlformats.org/presentationml/2006/main">
+  <p:cSld>
+    <p:spTree>
+      <p:nvGrpSpPr>
+        <p:cNvPr id="1" name=""/>
+        <p:cNvGrpSpPr/>
+        <p:nvPr/>
+      </p:nvGrpSpPr>
+      <p:grpSpPr>
+        <a:xfrm>
+          <a:off x="0" y="0"/>
+          <a:ext cx="0" cy="0"/>
+          <a:chOff x="0" y="0"/>
+          <a:chExt cx="0" cy="0"/>
+        </a:xfrm>
+      </p:grpSpPr>
+      <p:sp>
+        <p:nvSpPr>
           <p:cNvPr id="2" name="Title 1">
             <a:extLst>
               <a:ext uri="{FF2B5EF4-FFF2-40B4-BE49-F238E27FC236}">
@@ -7802,7 +7986,7 @@
 </p:sld>
 </file>
 
-<file path=ppt/slides/slide12.xml><?xml version="1.0" encoding="utf-8"?>
+<file path=ppt/slides/slide13.xml><?xml version="1.0" encoding="utf-8"?>
 <p:sld xmlns:a="http://schemas.openxmlformats.org/drawingml/2006/main" xmlns:r="http://schemas.openxmlformats.org/officeDocument/2006/relationships" xmlns:p="http://schemas.openxmlformats.org/presentationml/2006/main">
   <p:cSld>
     <p:spTree>
@@ -7837,13 +8021,13 @@
         </p:nvSpPr>
         <p:spPr>
           <a:xfrm>
-            <a:off x="685801" y="455880"/>
-            <a:ext cx="10131425" cy="3649133"/>
+            <a:off x="685801" y="1604433"/>
+            <a:ext cx="10131425" cy="4133637"/>
           </a:xfrm>
         </p:spPr>
         <p:txBody>
           <a:bodyPr>
-            <a:normAutofit fontScale="92500"/>
+            <a:normAutofit/>
           </a:bodyPr>
           <a:lstStyle/>
           <a:p>
@@ -8192,7 +8376,254 @@
 </p:sld>
 </file>
 
-<file path=ppt/slides/slide13.xml><?xml version="1.0" encoding="utf-8"?>
+<file path=ppt/slides/slide14.xml><?xml version="1.0" encoding="utf-8"?>
+<p:sld xmlns:a="http://schemas.openxmlformats.org/drawingml/2006/main" xmlns:r="http://schemas.openxmlformats.org/officeDocument/2006/relationships" xmlns:p="http://schemas.openxmlformats.org/presentationml/2006/main">
+  <p:cSld>
+    <p:spTree>
+      <p:nvGrpSpPr>
+        <p:cNvPr id="1" name=""/>
+        <p:cNvGrpSpPr/>
+        <p:nvPr/>
+      </p:nvGrpSpPr>
+      <p:grpSpPr>
+        <a:xfrm>
+          <a:off x="0" y="0"/>
+          <a:ext cx="0" cy="0"/>
+          <a:chOff x="0" y="0"/>
+          <a:chExt cx="0" cy="0"/>
+        </a:xfrm>
+      </p:grpSpPr>
+      <p:sp>
+        <p:nvSpPr>
+          <p:cNvPr id="2" name="Title 1">
+            <a:extLst>
+              <a:ext uri="{FF2B5EF4-FFF2-40B4-BE49-F238E27FC236}">
+                <a16:creationId xmlns:a16="http://schemas.microsoft.com/office/drawing/2014/main" id="{B33A8A1D-523C-4E87-B1DF-56894895EEC4}"/>
+              </a:ext>
+            </a:extLst>
+          </p:cNvPr>
+          <p:cNvSpPr>
+            <a:spLocks noGrp="1"/>
+          </p:cNvSpPr>
+          <p:nvPr>
+            <p:ph type="title"/>
+          </p:nvPr>
+        </p:nvSpPr>
+        <p:spPr/>
+        <p:txBody>
+          <a:bodyPr/>
+          <a:lstStyle/>
+          <a:p>
+            <a:r>
+              <a:rPr lang="ro-RO" dirty="0" err="1"/>
+              <a:t>Particle</a:t>
+            </a:r>
+            <a:r>
+              <a:rPr lang="ro-RO" dirty="0"/>
+              <a:t> </a:t>
+            </a:r>
+            <a:r>
+              <a:rPr lang="ro-RO" dirty="0" err="1"/>
+              <a:t>system</a:t>
+            </a:r>
+            <a:endParaRPr lang="ro-RO" dirty="0"/>
+          </a:p>
+        </p:txBody>
+      </p:sp>
+      <p:sp>
+        <p:nvSpPr>
+          <p:cNvPr id="3" name="Content Placeholder 2">
+            <a:extLst>
+              <a:ext uri="{FF2B5EF4-FFF2-40B4-BE49-F238E27FC236}">
+                <a16:creationId xmlns:a16="http://schemas.microsoft.com/office/drawing/2014/main" id="{854B6415-7C02-48A8-BD90-3792ADAFE9CD}"/>
+              </a:ext>
+            </a:extLst>
+          </p:cNvPr>
+          <p:cNvSpPr>
+            <a:spLocks noGrp="1"/>
+          </p:cNvSpPr>
+          <p:nvPr>
+            <p:ph idx="1"/>
+          </p:nvPr>
+        </p:nvSpPr>
+        <p:spPr>
+          <a:xfrm>
+            <a:off x="685801" y="2142068"/>
+            <a:ext cx="10131425" cy="1930478"/>
+          </a:xfrm>
+        </p:spPr>
+        <p:txBody>
+          <a:bodyPr>
+            <a:normAutofit lnSpcReduction="10000"/>
+          </a:bodyPr>
+          <a:lstStyle/>
+          <a:p>
+            <a:r>
+              <a:rPr lang="ro-RO" dirty="0"/>
+              <a:t>Pentru a simula </a:t>
+            </a:r>
+            <a:r>
+              <a:rPr lang="ro-RO" dirty="0" err="1"/>
+              <a:t>tulburarile</a:t>
+            </a:r>
+            <a:r>
+              <a:rPr lang="ro-RO" dirty="0"/>
+              <a:t> create in apa de elicea submarinului am folosit un sistem de particule.</a:t>
+            </a:r>
+          </a:p>
+          <a:p>
+            <a:r>
+              <a:rPr lang="ro-RO" dirty="0"/>
+              <a:t>Am setat conul in care sunt create particulele sa corespunda cu forma motorului din </a:t>
+            </a:r>
+            <a:r>
+              <a:rPr lang="ro-RO" dirty="0" err="1"/>
+              <a:t>asset</a:t>
+            </a:r>
+            <a:r>
+              <a:rPr lang="ro-RO" dirty="0"/>
+              <a:t>.</a:t>
+            </a:r>
+          </a:p>
+          <a:p>
+            <a:r>
+              <a:rPr lang="ro-RO" dirty="0" err="1"/>
+              <a:t>Comportamenul</a:t>
+            </a:r>
+            <a:r>
+              <a:rPr lang="ro-RO" dirty="0"/>
+              <a:t> particulelor este setat pe </a:t>
+            </a:r>
+            <a:r>
+              <a:rPr lang="ro-RO" dirty="0" err="1"/>
+              <a:t>Loop</a:t>
+            </a:r>
+            <a:r>
+              <a:rPr lang="ro-RO" dirty="0"/>
+              <a:t> si nu Random pentru a simula un vortex</a:t>
+            </a:r>
+          </a:p>
+          <a:p>
+            <a:r>
+              <a:rPr lang="ro-RO" dirty="0" err="1"/>
+              <a:t>Deasemenea</a:t>
+            </a:r>
+            <a:r>
+              <a:rPr lang="ro-RO" dirty="0"/>
+              <a:t> avem activata proprietatea de „</a:t>
+            </a:r>
+            <a:r>
+              <a:rPr lang="ro-RO" dirty="0" err="1"/>
+              <a:t>Size</a:t>
+            </a:r>
+            <a:r>
+              <a:rPr lang="ro-RO" dirty="0"/>
+              <a:t> over </a:t>
+            </a:r>
+            <a:r>
+              <a:rPr lang="ro-RO" dirty="0" err="1"/>
+              <a:t>Lifetime</a:t>
+            </a:r>
+            <a:r>
+              <a:rPr lang="ro-RO" dirty="0"/>
+              <a:t>”. In acest mod reducem dimensiunea vortexului pe </a:t>
+            </a:r>
+            <a:r>
+              <a:rPr lang="ro-RO" dirty="0" err="1"/>
+              <a:t>masura</a:t>
+            </a:r>
+            <a:r>
+              <a:rPr lang="ro-RO" dirty="0"/>
+              <a:t> ce nava se </a:t>
+            </a:r>
+            <a:r>
+              <a:rPr lang="ro-RO" dirty="0" err="1"/>
+              <a:t>indeparteaza</a:t>
+            </a:r>
+            <a:r>
+              <a:rPr lang="ro-RO" dirty="0"/>
+              <a:t>.</a:t>
+            </a:r>
+          </a:p>
+          <a:p>
+            <a:endParaRPr lang="ro-RO" dirty="0"/>
+          </a:p>
+        </p:txBody>
+      </p:sp>
+    </p:spTree>
+    <p:extLst>
+      <p:ext uri="{BB962C8B-B14F-4D97-AF65-F5344CB8AC3E}">
+        <p14:creationId xmlns:p14="http://schemas.microsoft.com/office/powerpoint/2010/main" val="3291597140"/>
+      </p:ext>
+    </p:extLst>
+  </p:cSld>
+  <p:clrMapOvr>
+    <a:masterClrMapping/>
+  </p:clrMapOvr>
+</p:sld>
+</file>
+
+<file path=ppt/slides/slide15.xml><?xml version="1.0" encoding="utf-8"?>
+<p:sld xmlns:a="http://schemas.openxmlformats.org/drawingml/2006/main" xmlns:r="http://schemas.openxmlformats.org/officeDocument/2006/relationships" xmlns:p="http://schemas.openxmlformats.org/presentationml/2006/main">
+  <p:cSld>
+    <p:spTree>
+      <p:nvGrpSpPr>
+        <p:cNvPr id="1" name=""/>
+        <p:cNvGrpSpPr/>
+        <p:nvPr/>
+      </p:nvGrpSpPr>
+      <p:grpSpPr>
+        <a:xfrm>
+          <a:off x="0" y="0"/>
+          <a:ext cx="0" cy="0"/>
+          <a:chOff x="0" y="0"/>
+          <a:chExt cx="0" cy="0"/>
+        </a:xfrm>
+      </p:grpSpPr>
+      <p:pic>
+        <p:nvPicPr>
+          <p:cNvPr id="7" name="Picture 6">
+            <a:extLst>
+              <a:ext uri="{FF2B5EF4-FFF2-40B4-BE49-F238E27FC236}">
+                <a16:creationId xmlns:a16="http://schemas.microsoft.com/office/drawing/2014/main" id="{C78E182E-107E-4E87-9764-418F508944FA}"/>
+              </a:ext>
+            </a:extLst>
+          </p:cNvPr>
+          <p:cNvPicPr>
+            <a:picLocks noChangeAspect="1"/>
+          </p:cNvPicPr>
+          <p:nvPr/>
+        </p:nvPicPr>
+        <p:blipFill>
+          <a:blip r:embed="rId2"/>
+          <a:stretch>
+            <a:fillRect/>
+          </a:stretch>
+        </p:blipFill>
+        <p:spPr>
+          <a:xfrm>
+            <a:off x="1866232" y="1704024"/>
+            <a:ext cx="7687748" cy="3600953"/>
+          </a:xfrm>
+          <a:prstGeom prst="rect">
+            <a:avLst/>
+          </a:prstGeom>
+        </p:spPr>
+      </p:pic>
+    </p:spTree>
+    <p:extLst>
+      <p:ext uri="{BB962C8B-B14F-4D97-AF65-F5344CB8AC3E}">
+        <p14:creationId xmlns:p14="http://schemas.microsoft.com/office/powerpoint/2010/main" val="620451302"/>
+      </p:ext>
+    </p:extLst>
+  </p:cSld>
+  <p:clrMapOvr>
+    <a:masterClrMapping/>
+  </p:clrMapOvr>
+</p:sld>
+</file>
+
+<file path=ppt/slides/slide16.xml><?xml version="1.0" encoding="utf-8"?>
 <p:sld xmlns:a="http://schemas.openxmlformats.org/drawingml/2006/main" xmlns:r="http://schemas.openxmlformats.org/officeDocument/2006/relationships" xmlns:p="http://schemas.openxmlformats.org/presentationml/2006/main">
   <p:cSld>
     <p:spTree>
@@ -8482,7 +8913,7 @@
 </p:sld>
 </file>
 
-<file path=ppt/slides/slide14.xml><?xml version="1.0" encoding="utf-8"?>
+<file path=ppt/slides/slide17.xml><?xml version="1.0" encoding="utf-8"?>
 <p:sld xmlns:a="http://schemas.openxmlformats.org/drawingml/2006/main" xmlns:r="http://schemas.openxmlformats.org/officeDocument/2006/relationships" xmlns:p="http://schemas.openxmlformats.org/presentationml/2006/main">
   <p:cSld>
     <p:spTree>

--- a/Prezentare/OceanExploration.pptx
+++ b/Prezentare/OceanExploration.pptx
@@ -5,10 +5,10 @@
     <p:sldMasterId id="2147483744" r:id="rId4"/>
   </p:sldMasterIdLst>
   <p:notesMasterIdLst>
-    <p:notesMasterId r:id="rId22"/>
+    <p:notesMasterId r:id="rId19"/>
   </p:notesMasterIdLst>
   <p:handoutMasterIdLst>
-    <p:handoutMasterId r:id="rId23"/>
+    <p:handoutMasterId r:id="rId20"/>
   </p:handoutMasterIdLst>
   <p:sldIdLst>
     <p:sldId id="256" r:id="rId5"/>
@@ -25,9 +25,6 @@
     <p:sldId id="279" r:id="rId16"/>
     <p:sldId id="280" r:id="rId17"/>
     <p:sldId id="284" r:id="rId18"/>
-    <p:sldId id="285" r:id="rId19"/>
-    <p:sldId id="264" r:id="rId20"/>
-    <p:sldId id="274" r:id="rId21"/>
   </p:sldIdLst>
   <p:sldSz cx="12192000" cy="6858000"/>
   <p:notesSz cx="6858000" cy="9144000"/>
@@ -929,174 +926,6 @@
     <p:extLst>
       <p:ext uri="{BB962C8B-B14F-4D97-AF65-F5344CB8AC3E}">
         <p14:creationId xmlns:p14="http://schemas.microsoft.com/office/powerpoint/2010/main" val="724031291"/>
-      </p:ext>
-    </p:extLst>
-  </p:cSld>
-  <p:clrMapOvr>
-    <a:masterClrMapping/>
-  </p:clrMapOvr>
-</p:notes>
-</file>
-
-<file path=ppt/notesSlides/notesSlide4.xml><?xml version="1.0" encoding="utf-8"?>
-<p:notes xmlns:a="http://schemas.openxmlformats.org/drawingml/2006/main" xmlns:r="http://schemas.openxmlformats.org/officeDocument/2006/relationships" xmlns:p="http://schemas.openxmlformats.org/presentationml/2006/main">
-  <p:cSld>
-    <p:spTree>
-      <p:nvGrpSpPr>
-        <p:cNvPr id="1" name=""/>
-        <p:cNvGrpSpPr/>
-        <p:nvPr/>
-      </p:nvGrpSpPr>
-      <p:grpSpPr>
-        <a:xfrm>
-          <a:off x="0" y="0"/>
-          <a:ext cx="0" cy="0"/>
-          <a:chOff x="0" y="0"/>
-          <a:chExt cx="0" cy="0"/>
-        </a:xfrm>
-      </p:grpSpPr>
-      <p:sp>
-        <p:nvSpPr>
-          <p:cNvPr id="2" name="Slide Image Placeholder 1"/>
-          <p:cNvSpPr>
-            <a:spLocks noGrp="1" noRot="1" noChangeAspect="1"/>
-          </p:cNvSpPr>
-          <p:nvPr>
-            <p:ph type="sldImg"/>
-          </p:nvPr>
-        </p:nvSpPr>
-        <p:spPr/>
-      </p:sp>
-      <p:sp>
-        <p:nvSpPr>
-          <p:cNvPr id="3" name="Notes Placeholder 2"/>
-          <p:cNvSpPr>
-            <a:spLocks noGrp="1"/>
-          </p:cNvSpPr>
-          <p:nvPr>
-            <p:ph type="body" idx="1"/>
-          </p:nvPr>
-        </p:nvSpPr>
-        <p:spPr/>
-        <p:txBody>
-          <a:bodyPr/>
-          <a:lstStyle/>
-          <a:p>
-            <a:endParaRPr lang="en-US" dirty="0"/>
-          </a:p>
-        </p:txBody>
-      </p:sp>
-      <p:sp>
-        <p:nvSpPr>
-          <p:cNvPr id="4" name="Slide Number Placeholder 3"/>
-          <p:cNvSpPr>
-            <a:spLocks noGrp="1"/>
-          </p:cNvSpPr>
-          <p:nvPr>
-            <p:ph type="sldNum" sz="quarter" idx="5"/>
-          </p:nvPr>
-        </p:nvSpPr>
-        <p:spPr/>
-        <p:txBody>
-          <a:bodyPr/>
-          <a:lstStyle/>
-          <a:p>
-            <a:fld id="{F3544625-0ADF-4414-89A2-9E135F0C849F}" type="slidenum">
-              <a:rPr lang="en-US" smtClean="0"/>
-              <a:t>16</a:t>
-            </a:fld>
-            <a:endParaRPr lang="en-US" dirty="0"/>
-          </a:p>
-        </p:txBody>
-      </p:sp>
-    </p:spTree>
-    <p:extLst>
-      <p:ext uri="{BB962C8B-B14F-4D97-AF65-F5344CB8AC3E}">
-        <p14:creationId xmlns:p14="http://schemas.microsoft.com/office/powerpoint/2010/main" val="173010383"/>
-      </p:ext>
-    </p:extLst>
-  </p:cSld>
-  <p:clrMapOvr>
-    <a:masterClrMapping/>
-  </p:clrMapOvr>
-</p:notes>
-</file>
-
-<file path=ppt/notesSlides/notesSlide5.xml><?xml version="1.0" encoding="utf-8"?>
-<p:notes xmlns:a="http://schemas.openxmlformats.org/drawingml/2006/main" xmlns:r="http://schemas.openxmlformats.org/officeDocument/2006/relationships" xmlns:p="http://schemas.openxmlformats.org/presentationml/2006/main">
-  <p:cSld>
-    <p:spTree>
-      <p:nvGrpSpPr>
-        <p:cNvPr id="1" name=""/>
-        <p:cNvGrpSpPr/>
-        <p:nvPr/>
-      </p:nvGrpSpPr>
-      <p:grpSpPr>
-        <a:xfrm>
-          <a:off x="0" y="0"/>
-          <a:ext cx="0" cy="0"/>
-          <a:chOff x="0" y="0"/>
-          <a:chExt cx="0" cy="0"/>
-        </a:xfrm>
-      </p:grpSpPr>
-      <p:sp>
-        <p:nvSpPr>
-          <p:cNvPr id="2" name="Slide Image Placeholder 1"/>
-          <p:cNvSpPr>
-            <a:spLocks noGrp="1" noRot="1" noChangeAspect="1"/>
-          </p:cNvSpPr>
-          <p:nvPr>
-            <p:ph type="sldImg"/>
-          </p:nvPr>
-        </p:nvSpPr>
-        <p:spPr/>
-      </p:sp>
-      <p:sp>
-        <p:nvSpPr>
-          <p:cNvPr id="3" name="Notes Placeholder 2"/>
-          <p:cNvSpPr>
-            <a:spLocks noGrp="1"/>
-          </p:cNvSpPr>
-          <p:nvPr>
-            <p:ph type="body" idx="1"/>
-          </p:nvPr>
-        </p:nvSpPr>
-        <p:spPr/>
-        <p:txBody>
-          <a:bodyPr/>
-          <a:lstStyle/>
-          <a:p>
-            <a:endParaRPr lang="en-US" dirty="0"/>
-          </a:p>
-        </p:txBody>
-      </p:sp>
-      <p:sp>
-        <p:nvSpPr>
-          <p:cNvPr id="4" name="Slide Number Placeholder 3"/>
-          <p:cNvSpPr>
-            <a:spLocks noGrp="1"/>
-          </p:cNvSpPr>
-          <p:nvPr>
-            <p:ph type="sldNum" sz="quarter" idx="5"/>
-          </p:nvPr>
-        </p:nvSpPr>
-        <p:spPr/>
-        <p:txBody>
-          <a:bodyPr/>
-          <a:lstStyle/>
-          <a:p>
-            <a:fld id="{F3544625-0ADF-4414-89A2-9E135F0C849F}" type="slidenum">
-              <a:rPr lang="en-US" smtClean="0"/>
-              <a:t>17</a:t>
-            </a:fld>
-            <a:endParaRPr lang="en-US" dirty="0"/>
-          </a:p>
-        </p:txBody>
-      </p:sp>
-    </p:spTree>
-    <p:extLst>
-      <p:ext uri="{BB962C8B-B14F-4D97-AF65-F5344CB8AC3E}">
-        <p14:creationId xmlns:p14="http://schemas.microsoft.com/office/powerpoint/2010/main" val="204834742"/>
       </p:ext>
     </p:extLst>
   </p:cSld>
@@ -8448,13 +8277,13 @@
         </p:nvSpPr>
         <p:spPr>
           <a:xfrm>
-            <a:off x="685801" y="2142068"/>
-            <a:ext cx="10131425" cy="1930478"/>
+            <a:off x="685802" y="2142067"/>
+            <a:ext cx="4876100" cy="4106333"/>
           </a:xfrm>
         </p:spPr>
         <p:txBody>
           <a:bodyPr>
-            <a:normAutofit lnSpcReduction="10000"/>
+            <a:normAutofit/>
           </a:bodyPr>
           <a:lstStyle/>
           <a:p>
@@ -8550,42 +8379,12 @@
           </a:p>
         </p:txBody>
       </p:sp>
-    </p:spTree>
-    <p:extLst>
-      <p:ext uri="{BB962C8B-B14F-4D97-AF65-F5344CB8AC3E}">
-        <p14:creationId xmlns:p14="http://schemas.microsoft.com/office/powerpoint/2010/main" val="3291597140"/>
-      </p:ext>
-    </p:extLst>
-  </p:cSld>
-  <p:clrMapOvr>
-    <a:masterClrMapping/>
-  </p:clrMapOvr>
-</p:sld>
-</file>
-
-<file path=ppt/slides/slide15.xml><?xml version="1.0" encoding="utf-8"?>
-<p:sld xmlns:a="http://schemas.openxmlformats.org/drawingml/2006/main" xmlns:r="http://schemas.openxmlformats.org/officeDocument/2006/relationships" xmlns:p="http://schemas.openxmlformats.org/presentationml/2006/main">
-  <p:cSld>
-    <p:spTree>
-      <p:nvGrpSpPr>
-        <p:cNvPr id="1" name=""/>
-        <p:cNvGrpSpPr/>
-        <p:nvPr/>
-      </p:nvGrpSpPr>
-      <p:grpSpPr>
-        <a:xfrm>
-          <a:off x="0" y="0"/>
-          <a:ext cx="0" cy="0"/>
-          <a:chOff x="0" y="0"/>
-          <a:chExt cx="0" cy="0"/>
-        </a:xfrm>
-      </p:grpSpPr>
       <p:pic>
         <p:nvPicPr>
-          <p:cNvPr id="7" name="Picture 6">
+          <p:cNvPr id="6" name="Picture 5">
             <a:extLst>
               <a:ext uri="{FF2B5EF4-FFF2-40B4-BE49-F238E27FC236}">
-                <a16:creationId xmlns:a16="http://schemas.microsoft.com/office/drawing/2014/main" id="{C78E182E-107E-4E87-9764-418F508944FA}"/>
+                <a16:creationId xmlns:a16="http://schemas.microsoft.com/office/drawing/2014/main" id="{212F8622-3CA0-4AF0-BEBD-7D4D51742246}"/>
               </a:ext>
             </a:extLst>
           </p:cNvPr>
@@ -8602,8 +8401,8 @@
         </p:blipFill>
         <p:spPr>
           <a:xfrm>
-            <a:off x="1866232" y="1704024"/>
-            <a:ext cx="7687748" cy="3600953"/>
+            <a:off x="5687737" y="2290194"/>
+            <a:ext cx="6167674" cy="2888948"/>
           </a:xfrm>
           <a:prstGeom prst="rect">
             <a:avLst/>
@@ -8613,440 +8412,7 @@
     </p:spTree>
     <p:extLst>
       <p:ext uri="{BB962C8B-B14F-4D97-AF65-F5344CB8AC3E}">
-        <p14:creationId xmlns:p14="http://schemas.microsoft.com/office/powerpoint/2010/main" val="620451302"/>
-      </p:ext>
-    </p:extLst>
-  </p:cSld>
-  <p:clrMapOvr>
-    <a:masterClrMapping/>
-  </p:clrMapOvr>
-</p:sld>
-</file>
-
-<file path=ppt/slides/slide16.xml><?xml version="1.0" encoding="utf-8"?>
-<p:sld xmlns:a="http://schemas.openxmlformats.org/drawingml/2006/main" xmlns:r="http://schemas.openxmlformats.org/officeDocument/2006/relationships" xmlns:p="http://schemas.openxmlformats.org/presentationml/2006/main">
-  <p:cSld>
-    <p:spTree>
-      <p:nvGrpSpPr>
-        <p:cNvPr id="1" name=""/>
-        <p:cNvGrpSpPr/>
-        <p:nvPr/>
-      </p:nvGrpSpPr>
-      <p:grpSpPr>
-        <a:xfrm>
-          <a:off x="0" y="0"/>
-          <a:ext cx="0" cy="0"/>
-          <a:chOff x="0" y="0"/>
-          <a:chExt cx="0" cy="0"/>
-        </a:xfrm>
-      </p:grpSpPr>
-      <p:pic>
-        <p:nvPicPr>
-          <p:cNvPr id="4" name="Content Placeholder 3" descr="night sky with mountains on the horizon">
-            <a:extLst>
-              <a:ext uri="{FF2B5EF4-FFF2-40B4-BE49-F238E27FC236}">
-                <a16:creationId xmlns:a16="http://schemas.microsoft.com/office/drawing/2014/main" id="{2739CFE1-3E46-48B5-9BDB-769492BA7A53}"/>
-              </a:ext>
-            </a:extLst>
-          </p:cNvPr>
-          <p:cNvPicPr>
-            <a:picLocks noGrp="1" noChangeAspect="1"/>
-          </p:cNvPicPr>
-          <p:nvPr>
-            <p:ph sz="half" idx="1"/>
-          </p:nvPr>
-        </p:nvPicPr>
-        <p:blipFill rotWithShape="1">
-          <a:blip r:embed="rId3"/>
-          <a:srcRect t="4555" b="4555"/>
-          <a:stretch/>
-        </p:blipFill>
-        <p:spPr>
-          <a:xfrm>
-            <a:off x="-600" y="-1226"/>
-            <a:ext cx="12193200" cy="6860452"/>
-          </a:xfrm>
-          <a:custGeom>
-            <a:avLst/>
-            <a:gdLst/>
-            <a:ahLst/>
-            <a:cxnLst/>
-            <a:rect l="l" t="t" r="r" b="b"/>
-            <a:pathLst>
-              <a:path w="12192000" h="6858000">
-                <a:moveTo>
-                  <a:pt x="6090347" y="706999"/>
-                </a:moveTo>
-                <a:cubicBezTo>
-                  <a:pt x="4588386" y="706999"/>
-                  <a:pt x="3370806" y="1924579"/>
-                  <a:pt x="3370806" y="3426541"/>
-                </a:cubicBezTo>
-                <a:cubicBezTo>
-                  <a:pt x="3370806" y="4928503"/>
-                  <a:pt x="4588386" y="6146083"/>
-                  <a:pt x="6090347" y="6146083"/>
-                </a:cubicBezTo>
-                <a:cubicBezTo>
-                  <a:pt x="7592308" y="6146083"/>
-                  <a:pt x="8809888" y="4928503"/>
-                  <a:pt x="8809888" y="3426541"/>
-                </a:cubicBezTo>
-                <a:cubicBezTo>
-                  <a:pt x="8809888" y="1924579"/>
-                  <a:pt x="7592308" y="706999"/>
-                  <a:pt x="6090347" y="706999"/>
-                </a:cubicBezTo>
-                <a:close/>
-                <a:moveTo>
-                  <a:pt x="6082303" y="247854"/>
-                </a:moveTo>
-                <a:cubicBezTo>
-                  <a:pt x="7836802" y="247854"/>
-                  <a:pt x="9259104" y="1671227"/>
-                  <a:pt x="9259104" y="3427045"/>
-                </a:cubicBezTo>
-                <a:cubicBezTo>
-                  <a:pt x="9259104" y="5182864"/>
-                  <a:pt x="7836802" y="6606237"/>
-                  <a:pt x="6082303" y="6606237"/>
-                </a:cubicBezTo>
-                <a:cubicBezTo>
-                  <a:pt x="4327804" y="6606237"/>
-                  <a:pt x="2905502" y="5182864"/>
-                  <a:pt x="2905502" y="3427045"/>
-                </a:cubicBezTo>
-                <a:cubicBezTo>
-                  <a:pt x="2905502" y="1671227"/>
-                  <a:pt x="4327804" y="247854"/>
-                  <a:pt x="6082303" y="247854"/>
-                </a:cubicBezTo>
-                <a:close/>
-                <a:moveTo>
-                  <a:pt x="9560257" y="0"/>
-                </a:moveTo>
-                <a:lnTo>
-                  <a:pt x="12192000" y="0"/>
-                </a:lnTo>
-                <a:lnTo>
-                  <a:pt x="12192000" y="6858000"/>
-                </a:lnTo>
-                <a:lnTo>
-                  <a:pt x="9560255" y="6858000"/>
-                </a:lnTo>
-                <a:lnTo>
-                  <a:pt x="9704262" y="6706843"/>
-                </a:lnTo>
-                <a:cubicBezTo>
-                  <a:pt x="10490530" y="5841105"/>
-                  <a:pt x="10969748" y="4691058"/>
-                  <a:pt x="10969748" y="3428999"/>
-                </a:cubicBezTo>
-                <a:cubicBezTo>
-                  <a:pt x="10969748" y="2166941"/>
-                  <a:pt x="10490530" y="1016894"/>
-                  <a:pt x="9704262" y="151155"/>
-                </a:cubicBezTo>
-                <a:close/>
-                <a:moveTo>
-                  <a:pt x="7947654" y="0"/>
-                </a:moveTo>
-                <a:lnTo>
-                  <a:pt x="8099035" y="0"/>
-                </a:lnTo>
-                <a:lnTo>
-                  <a:pt x="8158569" y="34257"/>
-                </a:lnTo>
-                <a:cubicBezTo>
-                  <a:pt x="9305381" y="731601"/>
-                  <a:pt x="10071441" y="1993601"/>
-                  <a:pt x="10071441" y="3434659"/>
-                </a:cubicBezTo>
-                <a:cubicBezTo>
-                  <a:pt x="10071441" y="4875717"/>
-                  <a:pt x="9305381" y="6137716"/>
-                  <a:pt x="8158569" y="6835060"/>
-                </a:cubicBezTo>
-                <a:lnTo>
-                  <a:pt x="8118703" y="6858000"/>
-                </a:lnTo>
-                <a:lnTo>
-                  <a:pt x="7923440" y="6858000"/>
-                </a:lnTo>
-                <a:lnTo>
-                  <a:pt x="7938929" y="6850061"/>
-                </a:lnTo>
-                <a:cubicBezTo>
-                  <a:pt x="9153123" y="6189975"/>
-                  <a:pt x="9977382" y="4902579"/>
-                  <a:pt x="9977382" y="3422520"/>
-                </a:cubicBezTo>
-                <a:cubicBezTo>
-                  <a:pt x="9977382" y="2009739"/>
-                  <a:pt x="9226353" y="772500"/>
-                  <a:pt x="8102044" y="88839"/>
-                </a:cubicBezTo>
-                <a:close/>
-                <a:moveTo>
-                  <a:pt x="4097777" y="0"/>
-                </a:moveTo>
-                <a:lnTo>
-                  <a:pt x="4216953" y="0"/>
-                </a:lnTo>
-                <a:lnTo>
-                  <a:pt x="4062563" y="88839"/>
-                </a:lnTo>
-                <a:cubicBezTo>
-                  <a:pt x="2938253" y="772500"/>
-                  <a:pt x="2187224" y="2009739"/>
-                  <a:pt x="2187224" y="3422520"/>
-                </a:cubicBezTo>
-                <a:cubicBezTo>
-                  <a:pt x="2187224" y="4902579"/>
-                  <a:pt x="3011483" y="6189975"/>
-                  <a:pt x="4225677" y="6850061"/>
-                </a:cubicBezTo>
-                <a:lnTo>
-                  <a:pt x="4241167" y="6858000"/>
-                </a:lnTo>
-                <a:lnTo>
-                  <a:pt x="4078110" y="6858000"/>
-                </a:lnTo>
-                <a:lnTo>
-                  <a:pt x="4038243" y="6835060"/>
-                </a:lnTo>
-                <a:cubicBezTo>
-                  <a:pt x="2891431" y="6137716"/>
-                  <a:pt x="2125371" y="4875717"/>
-                  <a:pt x="2125371" y="3434659"/>
-                </a:cubicBezTo>
-                <a:cubicBezTo>
-                  <a:pt x="2125371" y="1993601"/>
-                  <a:pt x="2891431" y="731601"/>
-                  <a:pt x="4038243" y="34257"/>
-                </a:cubicBezTo>
-                <a:close/>
-                <a:moveTo>
-                  <a:pt x="0" y="0"/>
-                </a:moveTo>
-                <a:lnTo>
-                  <a:pt x="2636555" y="0"/>
-                </a:lnTo>
-                <a:lnTo>
-                  <a:pt x="2492551" y="151155"/>
-                </a:lnTo>
-                <a:cubicBezTo>
-                  <a:pt x="1706282" y="1016894"/>
-                  <a:pt x="1227064" y="2166941"/>
-                  <a:pt x="1227064" y="3428999"/>
-                </a:cubicBezTo>
-                <a:cubicBezTo>
-                  <a:pt x="1227064" y="4691058"/>
-                  <a:pt x="1706282" y="5841105"/>
-                  <a:pt x="2492551" y="6706843"/>
-                </a:cubicBezTo>
-                <a:lnTo>
-                  <a:pt x="2636557" y="6858000"/>
-                </a:lnTo>
-                <a:lnTo>
-                  <a:pt x="0" y="6858000"/>
-                </a:lnTo>
-                <a:close/>
-              </a:path>
-            </a:pathLst>
-          </a:custGeom>
-          <a:ln w="60325" cmpd="dbl">
-            <a:solidFill>
-              <a:schemeClr val="tx1">
-                <a:alpha val="40000"/>
-              </a:schemeClr>
-            </a:solidFill>
-          </a:ln>
-        </p:spPr>
-      </p:pic>
-      <p:sp>
-        <p:nvSpPr>
-          <p:cNvPr id="2" name="Title 1">
-            <a:extLst>
-              <a:ext uri="{FF2B5EF4-FFF2-40B4-BE49-F238E27FC236}">
-                <a16:creationId xmlns:a16="http://schemas.microsoft.com/office/drawing/2014/main" id="{144E241E-3110-4B1C-B9B0-F17B90FEEC1D}"/>
-              </a:ext>
-            </a:extLst>
-          </p:cNvPr>
-          <p:cNvSpPr>
-            <a:spLocks noGrp="1"/>
-          </p:cNvSpPr>
-          <p:nvPr>
-            <p:ph type="title"/>
-          </p:nvPr>
-        </p:nvSpPr>
-        <p:spPr>
-          <a:xfrm>
-            <a:off x="2408903" y="787400"/>
-            <a:ext cx="7390680" cy="1278467"/>
-          </a:xfrm>
-        </p:spPr>
-        <p:txBody>
-          <a:bodyPr vert="horz" lIns="91440" tIns="45720" rIns="91440" bIns="45720" rtlCol="0" anchor="ctr">
-            <a:normAutofit/>
-          </a:bodyPr>
-          <a:lstStyle/>
-          <a:p>
-            <a:pPr algn="ctr"/>
-            <a:r>
-              <a:rPr lang="en-US" dirty="0"/>
-              <a:t>Network Technology</a:t>
-            </a:r>
-          </a:p>
-        </p:txBody>
-      </p:sp>
-    </p:spTree>
-    <p:extLst>
-      <p:ext uri="{BB962C8B-B14F-4D97-AF65-F5344CB8AC3E}">
-        <p14:creationId xmlns:p14="http://schemas.microsoft.com/office/powerpoint/2010/main" val="1974828406"/>
-      </p:ext>
-    </p:extLst>
-  </p:cSld>
-  <p:clrMapOvr>
-    <a:masterClrMapping/>
-  </p:clrMapOvr>
-</p:sld>
-</file>
-
-<file path=ppt/slides/slide17.xml><?xml version="1.0" encoding="utf-8"?>
-<p:sld xmlns:a="http://schemas.openxmlformats.org/drawingml/2006/main" xmlns:r="http://schemas.openxmlformats.org/officeDocument/2006/relationships" xmlns:p="http://schemas.openxmlformats.org/presentationml/2006/main">
-  <p:cSld>
-    <p:spTree>
-      <p:nvGrpSpPr>
-        <p:cNvPr id="1" name=""/>
-        <p:cNvGrpSpPr/>
-        <p:nvPr/>
-      </p:nvGrpSpPr>
-      <p:grpSpPr>
-        <a:xfrm>
-          <a:off x="0" y="0"/>
-          <a:ext cx="0" cy="0"/>
-          <a:chOff x="0" y="0"/>
-          <a:chExt cx="0" cy="0"/>
-        </a:xfrm>
-      </p:grpSpPr>
-      <p:pic>
-        <p:nvPicPr>
-          <p:cNvPr id="5" name="Picture 4" descr="light spots">
-            <a:extLst>
-              <a:ext uri="{FF2B5EF4-FFF2-40B4-BE49-F238E27FC236}">
-                <a16:creationId xmlns:a16="http://schemas.microsoft.com/office/drawing/2014/main" id="{20A520D0-11CF-4639-8537-F56A8A2FDCFD}"/>
-              </a:ext>
-            </a:extLst>
-          </p:cNvPr>
-          <p:cNvPicPr>
-            <a:picLocks noChangeAspect="1"/>
-          </p:cNvPicPr>
-          <p:nvPr/>
-        </p:nvPicPr>
-        <p:blipFill rotWithShape="1">
-          <a:blip r:embed="rId3">
-            <a:alphaModFix amt="20000"/>
-            <a:extLst>
-              <a:ext uri="{28A0092B-C50C-407E-A947-70E740481C1C}">
-                <a14:useLocalDpi xmlns:a14="http://schemas.microsoft.com/office/drawing/2010/main"/>
-              </a:ext>
-            </a:extLst>
-          </a:blip>
-          <a:srcRect/>
-          <a:stretch/>
-        </p:blipFill>
-        <p:spPr>
-          <a:xfrm>
-            <a:off x="20" y="10"/>
-            <a:ext cx="12191980" cy="6857990"/>
-          </a:xfrm>
-          <a:prstGeom prst="rect">
-            <a:avLst/>
-          </a:prstGeom>
-        </p:spPr>
-      </p:pic>
-      <p:sp>
-        <p:nvSpPr>
-          <p:cNvPr id="2" name="Title 1">
-            <a:extLst>
-              <a:ext uri="{FF2B5EF4-FFF2-40B4-BE49-F238E27FC236}">
-                <a16:creationId xmlns:a16="http://schemas.microsoft.com/office/drawing/2014/main" id="{D44BCB7C-A6FC-4118-9027-468ECFDE6455}"/>
-              </a:ext>
-            </a:extLst>
-          </p:cNvPr>
-          <p:cNvSpPr>
-            <a:spLocks noGrp="1"/>
-          </p:cNvSpPr>
-          <p:nvPr>
-            <p:ph type="ctrTitle"/>
-          </p:nvPr>
-        </p:nvSpPr>
-        <p:spPr>
-          <a:xfrm>
-            <a:off x="3962399" y="2573867"/>
-            <a:ext cx="7197726" cy="2421464"/>
-          </a:xfrm>
-        </p:spPr>
-        <p:txBody>
-          <a:bodyPr>
-            <a:normAutofit/>
-          </a:bodyPr>
-          <a:lstStyle/>
-          <a:p>
-            <a:r>
-              <a:rPr lang="en-US" dirty="0"/>
-              <a:t>Thank You!</a:t>
-            </a:r>
-          </a:p>
-        </p:txBody>
-      </p:sp>
-      <p:sp>
-        <p:nvSpPr>
-          <p:cNvPr id="3" name="Subtitle 2">
-            <a:extLst>
-              <a:ext uri="{FF2B5EF4-FFF2-40B4-BE49-F238E27FC236}">
-                <a16:creationId xmlns:a16="http://schemas.microsoft.com/office/drawing/2014/main" id="{4B64FA72-B055-4AE3-A6FD-8071BD687CBE}"/>
-              </a:ext>
-            </a:extLst>
-          </p:cNvPr>
-          <p:cNvSpPr>
-            <a:spLocks noGrp="1"/>
-          </p:cNvSpPr>
-          <p:nvPr>
-            <p:ph type="subTitle" idx="1"/>
-          </p:nvPr>
-        </p:nvSpPr>
-        <p:spPr>
-          <a:xfrm>
-            <a:off x="3962399" y="4995332"/>
-            <a:ext cx="7197726" cy="1405467"/>
-          </a:xfrm>
-        </p:spPr>
-        <p:txBody>
-          <a:bodyPr>
-            <a:normAutofit/>
-          </a:bodyPr>
-          <a:lstStyle/>
-          <a:p>
-            <a:r>
-              <a:rPr lang="en-US" dirty="0">
-                <a:solidFill>
-                  <a:schemeClr val="accent1">
-                    <a:lumMod val="40000"/>
-                    <a:lumOff val="60000"/>
-                  </a:schemeClr>
-                </a:solidFill>
-              </a:rPr>
-              <a:t>someone@example.com</a:t>
-            </a:r>
-          </a:p>
-        </p:txBody>
-      </p:sp>
-    </p:spTree>
-    <p:extLst>
-      <p:ext uri="{BB962C8B-B14F-4D97-AF65-F5344CB8AC3E}">
-        <p14:creationId xmlns:p14="http://schemas.microsoft.com/office/powerpoint/2010/main" val="2939930866"/>
+        <p14:creationId xmlns:p14="http://schemas.microsoft.com/office/powerpoint/2010/main" val="3291597140"/>
       </p:ext>
     </p:extLst>
   </p:cSld>
@@ -9187,6 +8553,12 @@
             <a:r>
               <a:rPr lang="ro-RO" dirty="0"/>
               <a:t>.</a:t>
+            </a:r>
+          </a:p>
+          <a:p>
+            <a:r>
+              <a:rPr lang="ro-RO" dirty="0"/>
+              <a:t>Controlul se face din tastele WASD si din mouse pentru camera.</a:t>
             </a:r>
           </a:p>
           <a:p>

--- a/Prezentare/OceanExploration.pptx
+++ b/Prezentare/OceanExploration.pptx
@@ -239,7 +239,7 @@
           <a:p>
             <a:fld id="{866D81A9-CFC2-4640-899E-DD3E177BE50A}" type="datetimeFigureOut">
               <a:rPr lang="en-US" smtClean="0"/>
-              <a:t>4/12/2022</a:t>
+              <a:t>4/13/2022</a:t>
             </a:fld>
             <a:endParaRPr lang="en-US" dirty="0"/>
           </a:p>
@@ -416,7 +416,7 @@
           <a:p>
             <a:fld id="{AA1E50F4-C55A-473A-A70B-4B042EF011A9}" type="datetimeFigureOut">
               <a:rPr lang="en-US" smtClean="0"/>
-              <a:t>4/12/2022</a:t>
+              <a:t>4/13/2022</a:t>
             </a:fld>
             <a:endParaRPr lang="en-US" dirty="0"/>
           </a:p>
@@ -1165,7 +1165,7 @@
             <a:fld id="{87DE6118-2437-4B30-8E3C-4D2BE6020583}" type="datetimeFigureOut">
               <a:rPr lang="en-US" smtClean="0"/>
               <a:pPr/>
-              <a:t>4/12/2022</a:t>
+              <a:t>4/13/2022</a:t>
             </a:fld>
             <a:endParaRPr lang="en-US" dirty="0"/>
           </a:p>
@@ -1501,7 +1501,7 @@
             <a:fld id="{87DE6118-2437-4B30-8E3C-4D2BE6020583}" type="datetimeFigureOut">
               <a:rPr lang="en-US" smtClean="0"/>
               <a:pPr/>
-              <a:t>4/12/2022</a:t>
+              <a:t>4/13/2022</a:t>
             </a:fld>
             <a:endParaRPr lang="en-US" dirty="0"/>
           </a:p>
@@ -1781,7 +1781,7 @@
             <a:fld id="{87DE6118-2437-4B30-8E3C-4D2BE6020583}" type="datetimeFigureOut">
               <a:rPr lang="en-US" smtClean="0"/>
               <a:pPr/>
-              <a:t>4/12/2022</a:t>
+              <a:t>4/13/2022</a:t>
             </a:fld>
             <a:endParaRPr lang="en-US" dirty="0"/>
           </a:p>
@@ -2351,7 +2351,7 @@
             <a:fld id="{87DE6118-2437-4B30-8E3C-4D2BE6020583}" type="datetimeFigureOut">
               <a:rPr lang="en-US" smtClean="0"/>
               <a:pPr/>
-              <a:t>4/12/2022</a:t>
+              <a:t>4/13/2022</a:t>
             </a:fld>
             <a:endParaRPr lang="en-US" dirty="0"/>
           </a:p>
@@ -2631,7 +2631,7 @@
             <a:fld id="{87DE6118-2437-4B30-8E3C-4D2BE6020583}" type="datetimeFigureOut">
               <a:rPr lang="en-US" smtClean="0"/>
               <a:pPr/>
-              <a:t>4/12/2022</a:t>
+              <a:t>4/13/2022</a:t>
             </a:fld>
             <a:endParaRPr lang="en-US" dirty="0"/>
           </a:p>
@@ -3195,7 +3195,7 @@
             <a:fld id="{87DE6118-2437-4B30-8E3C-4D2BE6020583}" type="datetimeFigureOut">
               <a:rPr lang="en-US" smtClean="0"/>
               <a:pPr/>
-              <a:t>4/12/2022</a:t>
+              <a:t>4/13/2022</a:t>
             </a:fld>
             <a:endParaRPr lang="en-US" dirty="0"/>
           </a:p>
@@ -3524,7 +3524,7 @@
             <a:fld id="{87DE6118-2437-4B30-8E3C-4D2BE6020583}" type="datetimeFigureOut">
               <a:rPr lang="en-US" smtClean="0"/>
               <a:pPr/>
-              <a:t>4/12/2022</a:t>
+              <a:t>4/13/2022</a:t>
             </a:fld>
             <a:endParaRPr lang="en-US" dirty="0"/>
           </a:p>
@@ -3730,7 +3730,7 @@
           <a:p>
             <a:fld id="{87DE6118-2437-4B30-8E3C-4D2BE6020583}" type="datetimeFigureOut">
               <a:rPr lang="en-US" smtClean="0"/>
-              <a:t>4/12/2022</a:t>
+              <a:t>4/13/2022</a:t>
             </a:fld>
             <a:endParaRPr lang="en-US" dirty="0"/>
           </a:p>
@@ -3940,7 +3940,7 @@
           <a:p>
             <a:fld id="{87DE6118-2437-4B30-8E3C-4D2BE6020583}" type="datetimeFigureOut">
               <a:rPr lang="en-US" smtClean="0"/>
-              <a:t>4/12/2022</a:t>
+              <a:t>4/13/2022</a:t>
             </a:fld>
             <a:endParaRPr lang="en-US" dirty="0"/>
           </a:p>
@@ -4140,7 +4140,7 @@
           <a:p>
             <a:fld id="{87DE6118-2437-4B30-8E3C-4D2BE6020583}" type="datetimeFigureOut">
               <a:rPr lang="en-US" smtClean="0"/>
-              <a:t>4/12/2022</a:t>
+              <a:t>4/13/2022</a:t>
             </a:fld>
             <a:endParaRPr lang="en-US" dirty="0"/>
           </a:p>
@@ -4417,7 +4417,7 @@
             <a:fld id="{87DE6118-2437-4B30-8E3C-4D2BE6020583}" type="datetimeFigureOut">
               <a:rPr lang="en-US" smtClean="0"/>
               <a:pPr/>
-              <a:t>4/12/2022</a:t>
+              <a:t>4/13/2022</a:t>
             </a:fld>
             <a:endParaRPr lang="en-US" dirty="0"/>
           </a:p>
@@ -4684,7 +4684,7 @@
           <a:p>
             <a:fld id="{87DE6118-2437-4B30-8E3C-4D2BE6020583}" type="datetimeFigureOut">
               <a:rPr lang="en-US" smtClean="0"/>
-              <a:t>4/12/2022</a:t>
+              <a:t>4/13/2022</a:t>
             </a:fld>
             <a:endParaRPr lang="en-US" dirty="0"/>
           </a:p>
@@ -5058,7 +5058,7 @@
           <a:p>
             <a:fld id="{87DE6118-2437-4B30-8E3C-4D2BE6020583}" type="datetimeFigureOut">
               <a:rPr lang="en-US" smtClean="0"/>
-              <a:t>4/12/2022</a:t>
+              <a:t>4/13/2022</a:t>
             </a:fld>
             <a:endParaRPr lang="en-US" dirty="0"/>
           </a:p>
@@ -5206,7 +5206,7 @@
           <a:p>
             <a:fld id="{87DE6118-2437-4B30-8E3C-4D2BE6020583}" type="datetimeFigureOut">
               <a:rPr lang="en-US" smtClean="0"/>
-              <a:t>4/12/2022</a:t>
+              <a:t>4/13/2022</a:t>
             </a:fld>
             <a:endParaRPr lang="en-US" dirty="0"/>
           </a:p>
@@ -5331,7 +5331,7 @@
           <a:p>
             <a:fld id="{87DE6118-2437-4B30-8E3C-4D2BE6020583}" type="datetimeFigureOut">
               <a:rPr lang="en-US" smtClean="0"/>
-              <a:t>4/12/2022</a:t>
+              <a:t>4/13/2022</a:t>
             </a:fld>
             <a:endParaRPr lang="en-US" dirty="0"/>
           </a:p>
@@ -5617,7 +5617,7 @@
             <a:fld id="{87DE6118-2437-4B30-8E3C-4D2BE6020583}" type="datetimeFigureOut">
               <a:rPr lang="en-US" smtClean="0"/>
               <a:pPr/>
-              <a:t>4/12/2022</a:t>
+              <a:t>4/13/2022</a:t>
             </a:fld>
             <a:endParaRPr lang="en-US" dirty="0"/>
           </a:p>
@@ -5943,7 +5943,7 @@
             <a:fld id="{87DE6118-2437-4B30-8E3C-4D2BE6020583}" type="datetimeFigureOut">
               <a:rPr lang="en-US" smtClean="0"/>
               <a:pPr/>
-              <a:t>4/12/2022</a:t>
+              <a:t>4/13/2022</a:t>
             </a:fld>
             <a:endParaRPr lang="en-US" dirty="0"/>
           </a:p>
@@ -6159,7 +6159,7 @@
             <a:fld id="{87DE6118-2437-4B30-8E3C-4D2BE6020583}" type="datetimeFigureOut">
               <a:rPr lang="en-US" smtClean="0"/>
               <a:pPr/>
-              <a:t>4/12/2022</a:t>
+              <a:t>4/13/2022</a:t>
             </a:fld>
             <a:endParaRPr lang="en-US" dirty="0"/>
           </a:p>
@@ -6877,7 +6877,7 @@
           </a:p>
           <a:p>
             <a:r>
-              <a:rPr lang="en-US" dirty="0">
+              <a:rPr lang="en-US" dirty="0" err="1">
                 <a:solidFill>
                   <a:schemeClr val="accent1">
                     <a:lumMod val="40000"/>
@@ -6885,10 +6885,10 @@
                   </a:schemeClr>
                 </a:solidFill>
               </a:rPr>
-              <a:t>Elena </a:t>
-            </a:r>
-            <a:r>
-              <a:rPr lang="en-US" dirty="0" err="1">
+              <a:t>Negru</a:t>
+            </a:r>
+            <a:r>
+              <a:rPr lang="en-US" dirty="0">
                 <a:solidFill>
                   <a:schemeClr val="accent1">
                     <a:lumMod val="40000"/>
@@ -6896,26 +6896,21 @@
                   </a:schemeClr>
                 </a:solidFill>
               </a:rPr>
-              <a:t>matei</a:t>
-            </a:r>
-            <a:endParaRPr lang="en-US" dirty="0">
-              <a:solidFill>
-                <a:schemeClr val="accent1">
-                  <a:lumMod val="40000"/>
-                  <a:lumOff val="60000"/>
-                </a:schemeClr>
-              </a:solidFill>
-            </a:endParaRPr>
-          </a:p>
-          <a:p>
-            <a:endParaRPr lang="en-US" dirty="0">
-              <a:solidFill>
-                <a:schemeClr val="accent1">
-                  <a:lumMod val="40000"/>
-                  <a:lumOff val="60000"/>
-                </a:schemeClr>
-              </a:solidFill>
-            </a:endParaRPr>
+              <a:t> Bogdan</a:t>
+            </a:r>
+          </a:p>
+          <a:p>
+            <a:r>
+              <a:rPr lang="it-IT" dirty="0">
+                <a:solidFill>
+                  <a:schemeClr val="accent1">
+                    <a:lumMod val="40000"/>
+                    <a:lumOff val="60000"/>
+                  </a:schemeClr>
+                </a:solidFill>
+              </a:rPr>
+              <a:t>Teo caragea</a:t>
+            </a:r>
           </a:p>
         </p:txBody>
       </p:sp>
@@ -7173,7 +7168,7 @@
           </a:lstStyle>
           <a:p>
             <a:r>
-              <a:rPr lang="it-IT" dirty="0">
+              <a:rPr lang="en-US" dirty="0">
                 <a:solidFill>
                   <a:schemeClr val="accent1">
                     <a:lumMod val="40000"/>
@@ -7181,12 +7176,10 @@
                   </a:schemeClr>
                 </a:solidFill>
               </a:rPr>
-              <a:t>Barbu David</a:t>
-            </a:r>
-          </a:p>
-          <a:p>
-            <a:r>
-              <a:rPr lang="it-IT" dirty="0">
+              <a:t>Elena </a:t>
+            </a:r>
+            <a:r>
+              <a:rPr lang="en-US" dirty="0" err="1">
                 <a:solidFill>
                   <a:schemeClr val="accent1">
                     <a:lumMod val="40000"/>
@@ -7194,8 +7187,16 @@
                   </a:schemeClr>
                 </a:solidFill>
               </a:rPr>
-              <a:t>Gurzu Antonio</a:t>
-            </a:r>
+              <a:t>matei</a:t>
+            </a:r>
+            <a:endParaRPr lang="it-IT" dirty="0">
+              <a:solidFill>
+                <a:schemeClr val="accent1">
+                  <a:lumMod val="40000"/>
+                  <a:lumOff val="60000"/>
+                </a:schemeClr>
+              </a:solidFill>
+            </a:endParaRPr>
           </a:p>
           <a:p>
             <a:r>
@@ -7207,7 +7208,20 @@
                   </a:schemeClr>
                 </a:solidFill>
               </a:rPr>
-              <a:t>Teo caragea</a:t>
+              <a:t>Barbu David</a:t>
+            </a:r>
+          </a:p>
+          <a:p>
+            <a:r>
+              <a:rPr lang="it-IT" dirty="0">
+                <a:solidFill>
+                  <a:schemeClr val="accent1">
+                    <a:lumMod val="40000"/>
+                    <a:lumOff val="60000"/>
+                  </a:schemeClr>
+                </a:solidFill>
+              </a:rPr>
+              <a:t>Gurzu Antonio</a:t>
             </a:r>
           </a:p>
           <a:p>
@@ -18973,8 +18987,8 @@
           </a:p>
         </p:txBody>
       </p:sp>
-      <mc:AlternateContent xmlns:mc="http://schemas.openxmlformats.org/markup-compatibility/2006">
-        <mc:Choice xmlns:a14="http://schemas.microsoft.com/office/drawing/2010/main" Requires="a14">
+      <mc:AlternateContent xmlns:mc="http://schemas.openxmlformats.org/markup-compatibility/2006" xmlns:a14="http://schemas.microsoft.com/office/drawing/2010/main">
+        <mc:Choice Requires="a14">
           <p:sp>
             <p:nvSpPr>
               <p:cNvPr id="3" name="Content Placeholder 2">
@@ -19306,7 +19320,7 @@
             </p:txBody>
           </p:sp>
         </mc:Choice>
-        <mc:Fallback>
+        <mc:Fallback xmlns="">
           <p:sp>
             <p:nvSpPr>
               <p:cNvPr id="3" name="Content Placeholder 2">
@@ -20561,8 +20575,8 @@
           </a:p>
         </p:txBody>
       </p:sp>
-      <mc:AlternateContent xmlns:mc="http://schemas.openxmlformats.org/markup-compatibility/2006">
-        <mc:Choice xmlns:a14="http://schemas.microsoft.com/office/drawing/2010/main" Requires="a14">
+      <mc:AlternateContent xmlns:mc="http://schemas.openxmlformats.org/markup-compatibility/2006" xmlns:a14="http://schemas.microsoft.com/office/drawing/2010/main">
+        <mc:Choice Requires="a14">
           <p:sp>
             <p:nvSpPr>
               <p:cNvPr id="51" name="TextBox 50">
@@ -20591,6 +20605,7 @@
               </a:bodyPr>
               <a:lstStyle/>
               <a:p>
+                <a:pPr/>
                 <a14:m>
                   <m:oMathPara xmlns:m="http://schemas.openxmlformats.org/officeDocument/2006/math">
                     <m:oMathParaPr>
@@ -20647,7 +20662,7 @@
             </p:txBody>
           </p:sp>
         </mc:Choice>
-        <mc:Fallback>
+        <mc:Fallback xmlns="">
           <p:sp>
             <p:nvSpPr>
               <p:cNvPr id="51" name="TextBox 50">
@@ -20692,8 +20707,8 @@
           </p:sp>
         </mc:Fallback>
       </mc:AlternateContent>
-      <mc:AlternateContent xmlns:mc="http://schemas.openxmlformats.org/markup-compatibility/2006">
-        <mc:Choice xmlns:a14="http://schemas.microsoft.com/office/drawing/2010/main" Requires="a14">
+      <mc:AlternateContent xmlns:mc="http://schemas.openxmlformats.org/markup-compatibility/2006" xmlns:a14="http://schemas.microsoft.com/office/drawing/2010/main">
+        <mc:Choice Requires="a14">
           <p:sp>
             <p:nvSpPr>
               <p:cNvPr id="52" name="TextBox 51">
@@ -20722,6 +20737,7 @@
               </a:bodyPr>
               <a:lstStyle/>
               <a:p>
+                <a:pPr/>
                 <a14:m>
                   <m:oMathPara xmlns:m="http://schemas.openxmlformats.org/officeDocument/2006/math">
                     <m:oMathParaPr>
@@ -20852,7 +20868,7 @@
             </p:txBody>
           </p:sp>
         </mc:Choice>
-        <mc:Fallback>
+        <mc:Fallback xmlns="">
           <p:sp>
             <p:nvSpPr>
               <p:cNvPr id="52" name="TextBox 51">
@@ -20897,8 +20913,8 @@
           </p:sp>
         </mc:Fallback>
       </mc:AlternateContent>
-      <mc:AlternateContent xmlns:mc="http://schemas.openxmlformats.org/markup-compatibility/2006">
-        <mc:Choice xmlns:a14="http://schemas.microsoft.com/office/drawing/2010/main" Requires="a14">
+      <mc:AlternateContent xmlns:mc="http://schemas.openxmlformats.org/markup-compatibility/2006" xmlns:a14="http://schemas.microsoft.com/office/drawing/2010/main">
+        <mc:Choice Requires="a14">
           <p:sp>
             <p:nvSpPr>
               <p:cNvPr id="53" name="TextBox 52">
@@ -20927,6 +20943,7 @@
               </a:bodyPr>
               <a:lstStyle/>
               <a:p>
+                <a:pPr/>
                 <a14:m>
                   <m:oMathPara xmlns:m="http://schemas.openxmlformats.org/officeDocument/2006/math">
                     <m:oMathParaPr>
@@ -21022,7 +21039,7 @@
             </p:txBody>
           </p:sp>
         </mc:Choice>
-        <mc:Fallback>
+        <mc:Fallback xmlns="">
           <p:sp>
             <p:nvSpPr>
               <p:cNvPr id="53" name="TextBox 52">
@@ -21920,12 +21937,12 @@
 </file>
 
 <file path=customXml/item1.xml><?xml version="1.0" encoding="utf-8"?>
-<?mso-contentType ?>
-<FormTemplates xmlns="http://schemas.microsoft.com/sharepoint/v3/contenttype/forms">
-  <Display>DocumentLibraryForm</Display>
-  <Edit>DocumentLibraryForm</Edit>
-  <New>DocumentLibraryForm</New>
-</FormTemplates>
+<p:properties xmlns:p="http://schemas.microsoft.com/office/2006/metadata/properties" xmlns:xsi="http://www.w3.org/2001/XMLSchema-instance" xmlns:pc="http://schemas.microsoft.com/office/infopath/2007/PartnerControls">
+  <documentManagement>
+    <MediaServiceKeyPoints xmlns="71af3243-3dd4-4a8d-8c0d-dd76da1f02a5" xsi:nil="true"/>
+    <Status xmlns="71af3243-3dd4-4a8d-8c0d-dd76da1f02a5">Not started</Status>
+  </documentManagement>
+</p:properties>
 </file>
 
 <file path=customXml/item2.xml><?xml version="1.0" encoding="utf-8"?>
@@ -22150,18 +22167,27 @@
 </file>
 
 <file path=customXml/item3.xml><?xml version="1.0" encoding="utf-8"?>
-<p:properties xmlns:p="http://schemas.microsoft.com/office/2006/metadata/properties" xmlns:xsi="http://www.w3.org/2001/XMLSchema-instance" xmlns:pc="http://schemas.microsoft.com/office/infopath/2007/PartnerControls">
-  <documentManagement>
-    <MediaServiceKeyPoints xmlns="71af3243-3dd4-4a8d-8c0d-dd76da1f02a5" xsi:nil="true"/>
-    <Status xmlns="71af3243-3dd4-4a8d-8c0d-dd76da1f02a5">Not started</Status>
-  </documentManagement>
-</p:properties>
+<?mso-contentType ?>
+<FormTemplates xmlns="http://schemas.microsoft.com/sharepoint/v3/contenttype/forms">
+  <Display>DocumentLibraryForm</Display>
+  <Edit>DocumentLibraryForm</Edit>
+  <New>DocumentLibraryForm</New>
+</FormTemplates>
 </file>
 
 <file path=customXml/itemProps1.xml><?xml version="1.0" encoding="utf-8"?>
-<ds:datastoreItem xmlns:ds="http://schemas.openxmlformats.org/officeDocument/2006/customXml" ds:itemID="{CE12C2FA-3740-4055-BA8A-74A1458F4A51}">
+<ds:datastoreItem xmlns:ds="http://schemas.openxmlformats.org/officeDocument/2006/customXml" ds:itemID="{4415B3C4-7FB6-414C-8C24-8862C0E6C9F3}">
   <ds:schemaRefs>
-    <ds:schemaRef ds:uri="http://schemas.microsoft.com/sharepoint/v3/contenttype/forms"/>
+    <ds:schemaRef ds:uri="http://www.w3.org/XML/1998/namespace"/>
+    <ds:schemaRef ds:uri="http://purl.org/dc/elements/1.1/"/>
+    <ds:schemaRef ds:uri="http://schemas.microsoft.com/office/infopath/2007/PartnerControls"/>
+    <ds:schemaRef ds:uri="http://purl.org/dc/dcmitype/"/>
+    <ds:schemaRef ds:uri="16c05727-aa75-4e4a-9b5f-8a80a1165891"/>
+    <ds:schemaRef ds:uri="http://schemas.microsoft.com/office/2006/documentManagement/types"/>
+    <ds:schemaRef ds:uri="71af3243-3dd4-4a8d-8c0d-dd76da1f02a5"/>
+    <ds:schemaRef ds:uri="http://schemas.openxmlformats.org/package/2006/metadata/core-properties"/>
+    <ds:schemaRef ds:uri="http://schemas.microsoft.com/office/2006/metadata/properties"/>
+    <ds:schemaRef ds:uri="http://purl.org/dc/terms/"/>
   </ds:schemaRefs>
 </ds:datastoreItem>
 </file>
@@ -22186,18 +22212,9 @@
 </file>
 
 <file path=customXml/itemProps3.xml><?xml version="1.0" encoding="utf-8"?>
-<ds:datastoreItem xmlns:ds="http://schemas.openxmlformats.org/officeDocument/2006/customXml" ds:itemID="{4415B3C4-7FB6-414C-8C24-8862C0E6C9F3}">
+<ds:datastoreItem xmlns:ds="http://schemas.openxmlformats.org/officeDocument/2006/customXml" ds:itemID="{CE12C2FA-3740-4055-BA8A-74A1458F4A51}">
   <ds:schemaRefs>
-    <ds:schemaRef ds:uri="http://www.w3.org/XML/1998/namespace"/>
-    <ds:schemaRef ds:uri="http://purl.org/dc/elements/1.1/"/>
-    <ds:schemaRef ds:uri="http://schemas.microsoft.com/office/infopath/2007/PartnerControls"/>
-    <ds:schemaRef ds:uri="http://purl.org/dc/dcmitype/"/>
-    <ds:schemaRef ds:uri="16c05727-aa75-4e4a-9b5f-8a80a1165891"/>
-    <ds:schemaRef ds:uri="http://schemas.microsoft.com/office/2006/documentManagement/types"/>
-    <ds:schemaRef ds:uri="71af3243-3dd4-4a8d-8c0d-dd76da1f02a5"/>
-    <ds:schemaRef ds:uri="http://schemas.openxmlformats.org/package/2006/metadata/core-properties"/>
-    <ds:schemaRef ds:uri="http://schemas.microsoft.com/office/2006/metadata/properties"/>
-    <ds:schemaRef ds:uri="http://purl.org/dc/terms/"/>
+    <ds:schemaRef ds:uri="http://schemas.microsoft.com/sharepoint/v3/contenttype/forms"/>
   </ds:schemaRefs>
 </ds:datastoreItem>
 </file>
--- a/Prezentare/OceanExploration.pptx
+++ b/Prezentare/OceanExploration.pptx
@@ -239,7 +239,7 @@
           <a:p>
             <a:fld id="{866D81A9-CFC2-4640-899E-DD3E177BE50A}" type="datetimeFigureOut">
               <a:rPr lang="en-US" smtClean="0"/>
-              <a:t>4/13/2022</a:t>
+              <a:t>4/14/2022</a:t>
             </a:fld>
             <a:endParaRPr lang="en-US" dirty="0"/>
           </a:p>
@@ -416,7 +416,7 @@
           <a:p>
             <a:fld id="{AA1E50F4-C55A-473A-A70B-4B042EF011A9}" type="datetimeFigureOut">
               <a:rPr lang="en-US" smtClean="0"/>
-              <a:t>4/13/2022</a:t>
+              <a:t>4/14/2022</a:t>
             </a:fld>
             <a:endParaRPr lang="en-US" dirty="0"/>
           </a:p>
@@ -1165,7 +1165,7 @@
             <a:fld id="{87DE6118-2437-4B30-8E3C-4D2BE6020583}" type="datetimeFigureOut">
               <a:rPr lang="en-US" smtClean="0"/>
               <a:pPr/>
-              <a:t>4/13/2022</a:t>
+              <a:t>4/14/2022</a:t>
             </a:fld>
             <a:endParaRPr lang="en-US" dirty="0"/>
           </a:p>
@@ -1501,7 +1501,7 @@
             <a:fld id="{87DE6118-2437-4B30-8E3C-4D2BE6020583}" type="datetimeFigureOut">
               <a:rPr lang="en-US" smtClean="0"/>
               <a:pPr/>
-              <a:t>4/13/2022</a:t>
+              <a:t>4/14/2022</a:t>
             </a:fld>
             <a:endParaRPr lang="en-US" dirty="0"/>
           </a:p>
@@ -1781,7 +1781,7 @@
             <a:fld id="{87DE6118-2437-4B30-8E3C-4D2BE6020583}" type="datetimeFigureOut">
               <a:rPr lang="en-US" smtClean="0"/>
               <a:pPr/>
-              <a:t>4/13/2022</a:t>
+              <a:t>4/14/2022</a:t>
             </a:fld>
             <a:endParaRPr lang="en-US" dirty="0"/>
           </a:p>
@@ -2351,7 +2351,7 @@
             <a:fld id="{87DE6118-2437-4B30-8E3C-4D2BE6020583}" type="datetimeFigureOut">
               <a:rPr lang="en-US" smtClean="0"/>
               <a:pPr/>
-              <a:t>4/13/2022</a:t>
+              <a:t>4/14/2022</a:t>
             </a:fld>
             <a:endParaRPr lang="en-US" dirty="0"/>
           </a:p>
@@ -2631,7 +2631,7 @@
             <a:fld id="{87DE6118-2437-4B30-8E3C-4D2BE6020583}" type="datetimeFigureOut">
               <a:rPr lang="en-US" smtClean="0"/>
               <a:pPr/>
-              <a:t>4/13/2022</a:t>
+              <a:t>4/14/2022</a:t>
             </a:fld>
             <a:endParaRPr lang="en-US" dirty="0"/>
           </a:p>
@@ -3195,7 +3195,7 @@
             <a:fld id="{87DE6118-2437-4B30-8E3C-4D2BE6020583}" type="datetimeFigureOut">
               <a:rPr lang="en-US" smtClean="0"/>
               <a:pPr/>
-              <a:t>4/13/2022</a:t>
+              <a:t>4/14/2022</a:t>
             </a:fld>
             <a:endParaRPr lang="en-US" dirty="0"/>
           </a:p>
@@ -3524,7 +3524,7 @@
             <a:fld id="{87DE6118-2437-4B30-8E3C-4D2BE6020583}" type="datetimeFigureOut">
               <a:rPr lang="en-US" smtClean="0"/>
               <a:pPr/>
-              <a:t>4/13/2022</a:t>
+              <a:t>4/14/2022</a:t>
             </a:fld>
             <a:endParaRPr lang="en-US" dirty="0"/>
           </a:p>
@@ -3730,7 +3730,7 @@
           <a:p>
             <a:fld id="{87DE6118-2437-4B30-8E3C-4D2BE6020583}" type="datetimeFigureOut">
               <a:rPr lang="en-US" smtClean="0"/>
-              <a:t>4/13/2022</a:t>
+              <a:t>4/14/2022</a:t>
             </a:fld>
             <a:endParaRPr lang="en-US" dirty="0"/>
           </a:p>
@@ -3940,7 +3940,7 @@
           <a:p>
             <a:fld id="{87DE6118-2437-4B30-8E3C-4D2BE6020583}" type="datetimeFigureOut">
               <a:rPr lang="en-US" smtClean="0"/>
-              <a:t>4/13/2022</a:t>
+              <a:t>4/14/2022</a:t>
             </a:fld>
             <a:endParaRPr lang="en-US" dirty="0"/>
           </a:p>
@@ -4140,7 +4140,7 @@
           <a:p>
             <a:fld id="{87DE6118-2437-4B30-8E3C-4D2BE6020583}" type="datetimeFigureOut">
               <a:rPr lang="en-US" smtClean="0"/>
-              <a:t>4/13/2022</a:t>
+              <a:t>4/14/2022</a:t>
             </a:fld>
             <a:endParaRPr lang="en-US" dirty="0"/>
           </a:p>
@@ -4417,7 +4417,7 @@
             <a:fld id="{87DE6118-2437-4B30-8E3C-4D2BE6020583}" type="datetimeFigureOut">
               <a:rPr lang="en-US" smtClean="0"/>
               <a:pPr/>
-              <a:t>4/13/2022</a:t>
+              <a:t>4/14/2022</a:t>
             </a:fld>
             <a:endParaRPr lang="en-US" dirty="0"/>
           </a:p>
@@ -4684,7 +4684,7 @@
           <a:p>
             <a:fld id="{87DE6118-2437-4B30-8E3C-4D2BE6020583}" type="datetimeFigureOut">
               <a:rPr lang="en-US" smtClean="0"/>
-              <a:t>4/13/2022</a:t>
+              <a:t>4/14/2022</a:t>
             </a:fld>
             <a:endParaRPr lang="en-US" dirty="0"/>
           </a:p>
@@ -5058,7 +5058,7 @@
           <a:p>
             <a:fld id="{87DE6118-2437-4B30-8E3C-4D2BE6020583}" type="datetimeFigureOut">
               <a:rPr lang="en-US" smtClean="0"/>
-              <a:t>4/13/2022</a:t>
+              <a:t>4/14/2022</a:t>
             </a:fld>
             <a:endParaRPr lang="en-US" dirty="0"/>
           </a:p>
@@ -5206,7 +5206,7 @@
           <a:p>
             <a:fld id="{87DE6118-2437-4B30-8E3C-4D2BE6020583}" type="datetimeFigureOut">
               <a:rPr lang="en-US" smtClean="0"/>
-              <a:t>4/13/2022</a:t>
+              <a:t>4/14/2022</a:t>
             </a:fld>
             <a:endParaRPr lang="en-US" dirty="0"/>
           </a:p>
@@ -5331,7 +5331,7 @@
           <a:p>
             <a:fld id="{87DE6118-2437-4B30-8E3C-4D2BE6020583}" type="datetimeFigureOut">
               <a:rPr lang="en-US" smtClean="0"/>
-              <a:t>4/13/2022</a:t>
+              <a:t>4/14/2022</a:t>
             </a:fld>
             <a:endParaRPr lang="en-US" dirty="0"/>
           </a:p>
@@ -5617,7 +5617,7 @@
             <a:fld id="{87DE6118-2437-4B30-8E3C-4D2BE6020583}" type="datetimeFigureOut">
               <a:rPr lang="en-US" smtClean="0"/>
               <a:pPr/>
-              <a:t>4/13/2022</a:t>
+              <a:t>4/14/2022</a:t>
             </a:fld>
             <a:endParaRPr lang="en-US" dirty="0"/>
           </a:p>
@@ -5943,7 +5943,7 @@
             <a:fld id="{87DE6118-2437-4B30-8E3C-4D2BE6020583}" type="datetimeFigureOut">
               <a:rPr lang="en-US" smtClean="0"/>
               <a:pPr/>
-              <a:t>4/13/2022</a:t>
+              <a:t>4/14/2022</a:t>
             </a:fld>
             <a:endParaRPr lang="en-US" dirty="0"/>
           </a:p>
@@ -6159,7 +6159,7 @@
             <a:fld id="{87DE6118-2437-4B30-8E3C-4D2BE6020583}" type="datetimeFigureOut">
               <a:rPr lang="en-US" smtClean="0"/>
               <a:pPr/>
-              <a:t>4/13/2022</a:t>
+              <a:t>4/14/2022</a:t>
             </a:fld>
             <a:endParaRPr lang="en-US" dirty="0"/>
           </a:p>
@@ -8348,12 +8348,20 @@
           </a:p>
           <a:p>
             <a:r>
-              <a:rPr lang="ro-RO" dirty="0" err="1"/>
-              <a:t>Deasemenea</a:t>
-            </a:r>
-            <a:r>
               <a:rPr lang="ro-RO" dirty="0"/>
-              <a:t> avem activata proprietatea de „</a:t>
+              <a:t>De</a:t>
+            </a:r>
+            <a:r>
+              <a:rPr lang="en-US"/>
+              <a:t> </a:t>
+            </a:r>
+            <a:r>
+              <a:rPr lang="ro-RO"/>
+              <a:t>asemenea </a:t>
+            </a:r>
+            <a:r>
+              <a:rPr lang="ro-RO" dirty="0"/>
+              <a:t>avem activata proprietatea de „</a:t>
             </a:r>
             <a:r>
               <a:rPr lang="ro-RO" dirty="0" err="1"/>
@@ -21937,12 +21945,12 @@
 </file>
 
 <file path=customXml/item1.xml><?xml version="1.0" encoding="utf-8"?>
-<p:properties xmlns:p="http://schemas.microsoft.com/office/2006/metadata/properties" xmlns:xsi="http://www.w3.org/2001/XMLSchema-instance" xmlns:pc="http://schemas.microsoft.com/office/infopath/2007/PartnerControls">
-  <documentManagement>
-    <MediaServiceKeyPoints xmlns="71af3243-3dd4-4a8d-8c0d-dd76da1f02a5" xsi:nil="true"/>
-    <Status xmlns="71af3243-3dd4-4a8d-8c0d-dd76da1f02a5">Not started</Status>
-  </documentManagement>
-</p:properties>
+<?mso-contentType ?>
+<FormTemplates xmlns="http://schemas.microsoft.com/sharepoint/v3/contenttype/forms">
+  <Display>DocumentLibraryForm</Display>
+  <Edit>DocumentLibraryForm</Edit>
+  <New>DocumentLibraryForm</New>
+</FormTemplates>
 </file>
 
 <file path=customXml/item2.xml><?xml version="1.0" encoding="utf-8"?>
@@ -22167,27 +22175,18 @@
 </file>
 
 <file path=customXml/item3.xml><?xml version="1.0" encoding="utf-8"?>
-<?mso-contentType ?>
-<FormTemplates xmlns="http://schemas.microsoft.com/sharepoint/v3/contenttype/forms">
-  <Display>DocumentLibraryForm</Display>
-  <Edit>DocumentLibraryForm</Edit>
-  <New>DocumentLibraryForm</New>
-</FormTemplates>
+<p:properties xmlns:p="http://schemas.microsoft.com/office/2006/metadata/properties" xmlns:xsi="http://www.w3.org/2001/XMLSchema-instance" xmlns:pc="http://schemas.microsoft.com/office/infopath/2007/PartnerControls">
+  <documentManagement>
+    <MediaServiceKeyPoints xmlns="71af3243-3dd4-4a8d-8c0d-dd76da1f02a5" xsi:nil="true"/>
+    <Status xmlns="71af3243-3dd4-4a8d-8c0d-dd76da1f02a5">Not started</Status>
+  </documentManagement>
+</p:properties>
 </file>
 
 <file path=customXml/itemProps1.xml><?xml version="1.0" encoding="utf-8"?>
-<ds:datastoreItem xmlns:ds="http://schemas.openxmlformats.org/officeDocument/2006/customXml" ds:itemID="{4415B3C4-7FB6-414C-8C24-8862C0E6C9F3}">
+<ds:datastoreItem xmlns:ds="http://schemas.openxmlformats.org/officeDocument/2006/customXml" ds:itemID="{CE12C2FA-3740-4055-BA8A-74A1458F4A51}">
   <ds:schemaRefs>
-    <ds:schemaRef ds:uri="http://www.w3.org/XML/1998/namespace"/>
-    <ds:schemaRef ds:uri="http://purl.org/dc/elements/1.1/"/>
-    <ds:schemaRef ds:uri="http://schemas.microsoft.com/office/infopath/2007/PartnerControls"/>
-    <ds:schemaRef ds:uri="http://purl.org/dc/dcmitype/"/>
-    <ds:schemaRef ds:uri="16c05727-aa75-4e4a-9b5f-8a80a1165891"/>
-    <ds:schemaRef ds:uri="http://schemas.microsoft.com/office/2006/documentManagement/types"/>
-    <ds:schemaRef ds:uri="71af3243-3dd4-4a8d-8c0d-dd76da1f02a5"/>
-    <ds:schemaRef ds:uri="http://schemas.openxmlformats.org/package/2006/metadata/core-properties"/>
-    <ds:schemaRef ds:uri="http://schemas.microsoft.com/office/2006/metadata/properties"/>
-    <ds:schemaRef ds:uri="http://purl.org/dc/terms/"/>
+    <ds:schemaRef ds:uri="http://schemas.microsoft.com/sharepoint/v3/contenttype/forms"/>
   </ds:schemaRefs>
 </ds:datastoreItem>
 </file>
@@ -22212,9 +22211,18 @@
 </file>
 
 <file path=customXml/itemProps3.xml><?xml version="1.0" encoding="utf-8"?>
-<ds:datastoreItem xmlns:ds="http://schemas.openxmlformats.org/officeDocument/2006/customXml" ds:itemID="{CE12C2FA-3740-4055-BA8A-74A1458F4A51}">
+<ds:datastoreItem xmlns:ds="http://schemas.openxmlformats.org/officeDocument/2006/customXml" ds:itemID="{4415B3C4-7FB6-414C-8C24-8862C0E6C9F3}">
   <ds:schemaRefs>
-    <ds:schemaRef ds:uri="http://schemas.microsoft.com/sharepoint/v3/contenttype/forms"/>
+    <ds:schemaRef ds:uri="http://www.w3.org/XML/1998/namespace"/>
+    <ds:schemaRef ds:uri="http://purl.org/dc/elements/1.1/"/>
+    <ds:schemaRef ds:uri="http://schemas.microsoft.com/office/infopath/2007/PartnerControls"/>
+    <ds:schemaRef ds:uri="http://purl.org/dc/dcmitype/"/>
+    <ds:schemaRef ds:uri="16c05727-aa75-4e4a-9b5f-8a80a1165891"/>
+    <ds:schemaRef ds:uri="http://schemas.microsoft.com/office/2006/documentManagement/types"/>
+    <ds:schemaRef ds:uri="71af3243-3dd4-4a8d-8c0d-dd76da1f02a5"/>
+    <ds:schemaRef ds:uri="http://schemas.openxmlformats.org/package/2006/metadata/core-properties"/>
+    <ds:schemaRef ds:uri="http://schemas.microsoft.com/office/2006/metadata/properties"/>
+    <ds:schemaRef ds:uri="http://purl.org/dc/terms/"/>
   </ds:schemaRefs>
 </ds:datastoreItem>
 </file>
--- a/Prezentare/OceanExploration.pptx
+++ b/Prezentare/OceanExploration.pptx
@@ -5,10 +5,10 @@
     <p:sldMasterId id="2147483744" r:id="rId4"/>
   </p:sldMasterIdLst>
   <p:notesMasterIdLst>
-    <p:notesMasterId r:id="rId19"/>
+    <p:notesMasterId r:id="rId21"/>
   </p:notesMasterIdLst>
   <p:handoutMasterIdLst>
-    <p:handoutMasterId r:id="rId20"/>
+    <p:handoutMasterId r:id="rId22"/>
   </p:handoutMasterIdLst>
   <p:sldIdLst>
     <p:sldId id="256" r:id="rId5"/>
@@ -25,6 +25,8 @@
     <p:sldId id="279" r:id="rId16"/>
     <p:sldId id="280" r:id="rId17"/>
     <p:sldId id="284" r:id="rId18"/>
+    <p:sldId id="288" r:id="rId19"/>
+    <p:sldId id="289" r:id="rId20"/>
   </p:sldIdLst>
   <p:sldSz cx="12192000" cy="6858000"/>
   <p:notesSz cx="6858000" cy="9144000"/>
@@ -239,7 +241,7 @@
           <a:p>
             <a:fld id="{866D81A9-CFC2-4640-899E-DD3E177BE50A}" type="datetimeFigureOut">
               <a:rPr lang="en-US" smtClean="0"/>
-              <a:t>4/14/2022</a:t>
+              <a:t>4/25/2022</a:t>
             </a:fld>
             <a:endParaRPr lang="en-US" dirty="0"/>
           </a:p>
@@ -416,7 +418,7 @@
           <a:p>
             <a:fld id="{AA1E50F4-C55A-473A-A70B-4B042EF011A9}" type="datetimeFigureOut">
               <a:rPr lang="en-US" smtClean="0"/>
-              <a:t>4/14/2022</a:t>
+              <a:t>4/25/2022</a:t>
             </a:fld>
             <a:endParaRPr lang="en-US" dirty="0"/>
           </a:p>
@@ -1165,7 +1167,7 @@
             <a:fld id="{87DE6118-2437-4B30-8E3C-4D2BE6020583}" type="datetimeFigureOut">
               <a:rPr lang="en-US" smtClean="0"/>
               <a:pPr/>
-              <a:t>4/14/2022</a:t>
+              <a:t>4/25/2022</a:t>
             </a:fld>
             <a:endParaRPr lang="en-US" dirty="0"/>
           </a:p>
@@ -1501,7 +1503,7 @@
             <a:fld id="{87DE6118-2437-4B30-8E3C-4D2BE6020583}" type="datetimeFigureOut">
               <a:rPr lang="en-US" smtClean="0"/>
               <a:pPr/>
-              <a:t>4/14/2022</a:t>
+              <a:t>4/25/2022</a:t>
             </a:fld>
             <a:endParaRPr lang="en-US" dirty="0"/>
           </a:p>
@@ -1781,7 +1783,7 @@
             <a:fld id="{87DE6118-2437-4B30-8E3C-4D2BE6020583}" type="datetimeFigureOut">
               <a:rPr lang="en-US" smtClean="0"/>
               <a:pPr/>
-              <a:t>4/14/2022</a:t>
+              <a:t>4/25/2022</a:t>
             </a:fld>
             <a:endParaRPr lang="en-US" dirty="0"/>
           </a:p>
@@ -2351,7 +2353,7 @@
             <a:fld id="{87DE6118-2437-4B30-8E3C-4D2BE6020583}" type="datetimeFigureOut">
               <a:rPr lang="en-US" smtClean="0"/>
               <a:pPr/>
-              <a:t>4/14/2022</a:t>
+              <a:t>4/25/2022</a:t>
             </a:fld>
             <a:endParaRPr lang="en-US" dirty="0"/>
           </a:p>
@@ -2631,7 +2633,7 @@
             <a:fld id="{87DE6118-2437-4B30-8E3C-4D2BE6020583}" type="datetimeFigureOut">
               <a:rPr lang="en-US" smtClean="0"/>
               <a:pPr/>
-              <a:t>4/14/2022</a:t>
+              <a:t>4/25/2022</a:t>
             </a:fld>
             <a:endParaRPr lang="en-US" dirty="0"/>
           </a:p>
@@ -3195,7 +3197,7 @@
             <a:fld id="{87DE6118-2437-4B30-8E3C-4D2BE6020583}" type="datetimeFigureOut">
               <a:rPr lang="en-US" smtClean="0"/>
               <a:pPr/>
-              <a:t>4/14/2022</a:t>
+              <a:t>4/25/2022</a:t>
             </a:fld>
             <a:endParaRPr lang="en-US" dirty="0"/>
           </a:p>
@@ -3524,7 +3526,7 @@
             <a:fld id="{87DE6118-2437-4B30-8E3C-4D2BE6020583}" type="datetimeFigureOut">
               <a:rPr lang="en-US" smtClean="0"/>
               <a:pPr/>
-              <a:t>4/14/2022</a:t>
+              <a:t>4/25/2022</a:t>
             </a:fld>
             <a:endParaRPr lang="en-US" dirty="0"/>
           </a:p>
@@ -3730,7 +3732,7 @@
           <a:p>
             <a:fld id="{87DE6118-2437-4B30-8E3C-4D2BE6020583}" type="datetimeFigureOut">
               <a:rPr lang="en-US" smtClean="0"/>
-              <a:t>4/14/2022</a:t>
+              <a:t>4/25/2022</a:t>
             </a:fld>
             <a:endParaRPr lang="en-US" dirty="0"/>
           </a:p>
@@ -3940,7 +3942,7 @@
           <a:p>
             <a:fld id="{87DE6118-2437-4B30-8E3C-4D2BE6020583}" type="datetimeFigureOut">
               <a:rPr lang="en-US" smtClean="0"/>
-              <a:t>4/14/2022</a:t>
+              <a:t>4/25/2022</a:t>
             </a:fld>
             <a:endParaRPr lang="en-US" dirty="0"/>
           </a:p>
@@ -4140,7 +4142,7 @@
           <a:p>
             <a:fld id="{87DE6118-2437-4B30-8E3C-4D2BE6020583}" type="datetimeFigureOut">
               <a:rPr lang="en-US" smtClean="0"/>
-              <a:t>4/14/2022</a:t>
+              <a:t>4/25/2022</a:t>
             </a:fld>
             <a:endParaRPr lang="en-US" dirty="0"/>
           </a:p>
@@ -4417,7 +4419,7 @@
             <a:fld id="{87DE6118-2437-4B30-8E3C-4D2BE6020583}" type="datetimeFigureOut">
               <a:rPr lang="en-US" smtClean="0"/>
               <a:pPr/>
-              <a:t>4/14/2022</a:t>
+              <a:t>4/25/2022</a:t>
             </a:fld>
             <a:endParaRPr lang="en-US" dirty="0"/>
           </a:p>
@@ -4684,7 +4686,7 @@
           <a:p>
             <a:fld id="{87DE6118-2437-4B30-8E3C-4D2BE6020583}" type="datetimeFigureOut">
               <a:rPr lang="en-US" smtClean="0"/>
-              <a:t>4/14/2022</a:t>
+              <a:t>4/25/2022</a:t>
             </a:fld>
             <a:endParaRPr lang="en-US" dirty="0"/>
           </a:p>
@@ -5058,7 +5060,7 @@
           <a:p>
             <a:fld id="{87DE6118-2437-4B30-8E3C-4D2BE6020583}" type="datetimeFigureOut">
               <a:rPr lang="en-US" smtClean="0"/>
-              <a:t>4/14/2022</a:t>
+              <a:t>4/25/2022</a:t>
             </a:fld>
             <a:endParaRPr lang="en-US" dirty="0"/>
           </a:p>
@@ -5206,7 +5208,7 @@
           <a:p>
             <a:fld id="{87DE6118-2437-4B30-8E3C-4D2BE6020583}" type="datetimeFigureOut">
               <a:rPr lang="en-US" smtClean="0"/>
-              <a:t>4/14/2022</a:t>
+              <a:t>4/25/2022</a:t>
             </a:fld>
             <a:endParaRPr lang="en-US" dirty="0"/>
           </a:p>
@@ -5331,7 +5333,7 @@
           <a:p>
             <a:fld id="{87DE6118-2437-4B30-8E3C-4D2BE6020583}" type="datetimeFigureOut">
               <a:rPr lang="en-US" smtClean="0"/>
-              <a:t>4/14/2022</a:t>
+              <a:t>4/25/2022</a:t>
             </a:fld>
             <a:endParaRPr lang="en-US" dirty="0"/>
           </a:p>
@@ -5617,7 +5619,7 @@
             <a:fld id="{87DE6118-2437-4B30-8E3C-4D2BE6020583}" type="datetimeFigureOut">
               <a:rPr lang="en-US" smtClean="0"/>
               <a:pPr/>
-              <a:t>4/14/2022</a:t>
+              <a:t>4/25/2022</a:t>
             </a:fld>
             <a:endParaRPr lang="en-US" dirty="0"/>
           </a:p>
@@ -5943,7 +5945,7 @@
             <a:fld id="{87DE6118-2437-4B30-8E3C-4D2BE6020583}" type="datetimeFigureOut">
               <a:rPr lang="en-US" smtClean="0"/>
               <a:pPr/>
-              <a:t>4/14/2022</a:t>
+              <a:t>4/25/2022</a:t>
             </a:fld>
             <a:endParaRPr lang="en-US" dirty="0"/>
           </a:p>
@@ -6159,7 +6161,7 @@
             <a:fld id="{87DE6118-2437-4B30-8E3C-4D2BE6020583}" type="datetimeFigureOut">
               <a:rPr lang="en-US" smtClean="0"/>
               <a:pPr/>
-              <a:t>4/14/2022</a:t>
+              <a:t>4/25/2022</a:t>
             </a:fld>
             <a:endParaRPr lang="en-US" dirty="0"/>
           </a:p>
@@ -6653,7 +6655,7 @@
       </a:lvl9pPr>
     </p:otherStyle>
   </p:txStyles>
-  <p:extLst mod="1">
+  <p:extLst>
     <p:ext uri="{27BBF7A9-308A-43DC-89C8-2F10F3537804}">
       <p15:sldGuideLst xmlns:p15="http://schemas.microsoft.com/office/powerpoint/2012/main"/>
     </p:ext>
@@ -8352,32 +8354,12 @@
               <a:t>De</a:t>
             </a:r>
             <a:r>
-              <a:rPr lang="en-US"/>
+              <a:rPr lang="en-US" dirty="0"/>
               <a:t> </a:t>
             </a:r>
             <a:r>
-              <a:rPr lang="ro-RO"/>
-              <a:t>asemenea </a:t>
-            </a:r>
-            <a:r>
               <a:rPr lang="ro-RO" dirty="0"/>
-              <a:t>avem activata proprietatea de „</a:t>
-            </a:r>
-            <a:r>
-              <a:rPr lang="ro-RO" dirty="0" err="1"/>
-              <a:t>Size</a:t>
-            </a:r>
-            <a:r>
-              <a:rPr lang="ro-RO" dirty="0"/>
-              <a:t> over </a:t>
-            </a:r>
-            <a:r>
-              <a:rPr lang="ro-RO" dirty="0" err="1"/>
-              <a:t>Lifetime</a:t>
-            </a:r>
-            <a:r>
-              <a:rPr lang="ro-RO" dirty="0"/>
-              <a:t>”. In acest mod reducem dimensiunea vortexului pe </a:t>
+              <a:t>asemenea avem activata proprietatea de „Size over Lifetime”. In acest mod reducem dimensiunea vortexului pe </a:t>
             </a:r>
             <a:r>
               <a:rPr lang="ro-RO" dirty="0" err="1"/>
@@ -8435,6 +8417,701 @@
     <p:extLst>
       <p:ext uri="{BB962C8B-B14F-4D97-AF65-F5344CB8AC3E}">
         <p14:creationId xmlns:p14="http://schemas.microsoft.com/office/powerpoint/2010/main" val="3291597140"/>
+      </p:ext>
+    </p:extLst>
+  </p:cSld>
+  <p:clrMapOvr>
+    <a:masterClrMapping/>
+  </p:clrMapOvr>
+</p:sld>
+</file>
+
+<file path=ppt/slides/slide15.xml><?xml version="1.0" encoding="utf-8"?>
+<p:sld xmlns:a="http://schemas.openxmlformats.org/drawingml/2006/main" xmlns:r="http://schemas.openxmlformats.org/officeDocument/2006/relationships" xmlns:p="http://schemas.openxmlformats.org/presentationml/2006/main">
+  <p:cSld>
+    <p:spTree>
+      <p:nvGrpSpPr>
+        <p:cNvPr id="1" name=""/>
+        <p:cNvGrpSpPr/>
+        <p:nvPr/>
+      </p:nvGrpSpPr>
+      <p:grpSpPr>
+        <a:xfrm>
+          <a:off x="0" y="0"/>
+          <a:ext cx="0" cy="0"/>
+          <a:chOff x="0" y="0"/>
+          <a:chExt cx="0" cy="0"/>
+        </a:xfrm>
+      </p:grpSpPr>
+      <p:sp>
+        <p:nvSpPr>
+          <p:cNvPr id="8" name="Title 7">
+            <a:extLst>
+              <a:ext uri="{FF2B5EF4-FFF2-40B4-BE49-F238E27FC236}">
+                <a16:creationId xmlns:a16="http://schemas.microsoft.com/office/drawing/2014/main" id="{9536ECA5-140F-47C3-A7EE-08F502BE623D}"/>
+              </a:ext>
+            </a:extLst>
+          </p:cNvPr>
+          <p:cNvSpPr>
+            <a:spLocks noGrp="1"/>
+          </p:cNvSpPr>
+          <p:nvPr>
+            <p:ph type="title"/>
+          </p:nvPr>
+        </p:nvSpPr>
+        <p:spPr/>
+        <p:txBody>
+          <a:bodyPr/>
+          <a:lstStyle/>
+          <a:p>
+            <a:r>
+              <a:rPr lang="en-US" dirty="0"/>
+              <a:t>Rendering - </a:t>
+            </a:r>
+            <a:r>
+              <a:rPr lang="en-US" dirty="0" err="1"/>
+              <a:t>CAustics</a:t>
+            </a:r>
+            <a:endParaRPr lang="en-US" dirty="0"/>
+          </a:p>
+        </p:txBody>
+      </p:sp>
+      <p:pic>
+        <p:nvPicPr>
+          <p:cNvPr id="7" name="Content Placeholder 6">
+            <a:extLst>
+              <a:ext uri="{FF2B5EF4-FFF2-40B4-BE49-F238E27FC236}">
+                <a16:creationId xmlns:a16="http://schemas.microsoft.com/office/drawing/2014/main" id="{15D78298-9FC8-4C21-835F-FC9750AFD4D9}"/>
+              </a:ext>
+            </a:extLst>
+          </p:cNvPr>
+          <p:cNvPicPr>
+            <a:picLocks noGrp="1" noChangeAspect="1"/>
+          </p:cNvPicPr>
+          <p:nvPr>
+            <p:ph sz="half" idx="1"/>
+          </p:nvPr>
+        </p:nvPicPr>
+        <p:blipFill>
+          <a:blip r:embed="rId2"/>
+          <a:stretch>
+            <a:fillRect/>
+          </a:stretch>
+        </p:blipFill>
+        <p:spPr>
+          <a:xfrm>
+            <a:off x="7125918" y="2150534"/>
+            <a:ext cx="2762153" cy="3649133"/>
+          </a:xfrm>
+        </p:spPr>
+      </p:pic>
+      <p:sp>
+        <p:nvSpPr>
+          <p:cNvPr id="9" name="Content Placeholder 8">
+            <a:extLst>
+              <a:ext uri="{FF2B5EF4-FFF2-40B4-BE49-F238E27FC236}">
+                <a16:creationId xmlns:a16="http://schemas.microsoft.com/office/drawing/2014/main" id="{94E8A367-B82B-4289-902B-BD27E7164A08}"/>
+              </a:ext>
+            </a:extLst>
+          </p:cNvPr>
+          <p:cNvSpPr>
+            <a:spLocks noGrp="1"/>
+          </p:cNvSpPr>
+          <p:nvPr>
+            <p:ph sz="half" idx="2"/>
+          </p:nvPr>
+        </p:nvSpPr>
+        <p:spPr>
+          <a:xfrm>
+            <a:off x="972670" y="2150534"/>
+            <a:ext cx="5723965" cy="4097866"/>
+          </a:xfrm>
+        </p:spPr>
+        <p:txBody>
+          <a:bodyPr/>
+          <a:lstStyle/>
+          <a:p>
+            <a:r>
+              <a:rPr lang="en-US" dirty="0" err="1"/>
+              <a:t>Pentru</a:t>
+            </a:r>
+            <a:r>
+              <a:rPr lang="en-US" dirty="0"/>
+              <a:t> a </a:t>
+            </a:r>
+            <a:r>
+              <a:rPr lang="en-US" dirty="0" err="1"/>
+              <a:t>simula</a:t>
+            </a:r>
+            <a:r>
+              <a:rPr lang="en-US" dirty="0"/>
+              <a:t> </a:t>
+            </a:r>
+            <a:r>
+              <a:rPr lang="en-US" dirty="0" err="1"/>
+              <a:t>causticele</a:t>
+            </a:r>
+            <a:r>
+              <a:rPr lang="en-US" dirty="0"/>
+              <a:t> </a:t>
+            </a:r>
+            <a:r>
+              <a:rPr lang="en-US" dirty="0" err="1"/>
+              <a:t>subacvatice</a:t>
+            </a:r>
+            <a:r>
+              <a:rPr lang="en-US" dirty="0"/>
+              <a:t> am </a:t>
+            </a:r>
+            <a:r>
+              <a:rPr lang="en-US" dirty="0" err="1"/>
+              <a:t>folosit</a:t>
+            </a:r>
+            <a:r>
+              <a:rPr lang="en-US" dirty="0"/>
+              <a:t> URP (Universal Render Pipeline) </a:t>
+            </a:r>
+            <a:r>
+              <a:rPr lang="en-US" dirty="0" err="1"/>
+              <a:t>si</a:t>
+            </a:r>
+            <a:r>
+              <a:rPr lang="en-US" dirty="0"/>
+              <a:t> am </a:t>
+            </a:r>
+            <a:r>
+              <a:rPr lang="en-US" dirty="0" err="1"/>
+              <a:t>creat</a:t>
+            </a:r>
+            <a:r>
+              <a:rPr lang="en-US" dirty="0"/>
+              <a:t> un </a:t>
+            </a:r>
+            <a:r>
+              <a:rPr lang="en-US" dirty="0" err="1"/>
+              <a:t>nou</a:t>
+            </a:r>
+            <a:r>
+              <a:rPr lang="en-US" dirty="0"/>
+              <a:t> shader.</a:t>
+            </a:r>
+          </a:p>
+          <a:p>
+            <a:r>
+              <a:rPr lang="en-US" dirty="0"/>
+              <a:t>Initial am </a:t>
+            </a:r>
+            <a:r>
+              <a:rPr lang="en-US" dirty="0" err="1"/>
+              <a:t>creat</a:t>
+            </a:r>
+            <a:r>
+              <a:rPr lang="en-US" dirty="0"/>
+              <a:t> o </a:t>
+            </a:r>
+            <a:r>
+              <a:rPr lang="en-US" dirty="0" err="1"/>
+              <a:t>functie</a:t>
+            </a:r>
+            <a:r>
+              <a:rPr lang="en-US" dirty="0"/>
+              <a:t> custom care </a:t>
+            </a:r>
+            <a:r>
+              <a:rPr lang="en-US" dirty="0" err="1"/>
+              <a:t>foloseste</a:t>
+            </a:r>
+            <a:r>
+              <a:rPr lang="en-US" dirty="0"/>
+              <a:t> </a:t>
+            </a:r>
+            <a:r>
+              <a:rPr lang="en-US" dirty="0" err="1"/>
+              <a:t>nodurile</a:t>
+            </a:r>
+            <a:r>
+              <a:rPr lang="en-US" dirty="0"/>
+              <a:t> Rotate </a:t>
+            </a:r>
+            <a:r>
+              <a:rPr lang="en-US" dirty="0" err="1"/>
+              <a:t>si</a:t>
+            </a:r>
+            <a:r>
+              <a:rPr lang="en-US" dirty="0"/>
+              <a:t> </a:t>
+            </a:r>
+            <a:r>
+              <a:rPr lang="en-US" dirty="0" err="1"/>
+              <a:t>Triplanar</a:t>
+            </a:r>
+            <a:r>
+              <a:rPr lang="en-US" dirty="0"/>
+              <a:t> </a:t>
+            </a:r>
+            <a:r>
+              <a:rPr lang="en-US" dirty="0" err="1"/>
+              <a:t>pentru</a:t>
+            </a:r>
+            <a:r>
+              <a:rPr lang="en-US" dirty="0"/>
+              <a:t> </a:t>
+            </a:r>
+            <a:r>
+              <a:rPr lang="en-US" dirty="0" err="1"/>
+              <a:t>afisarea</a:t>
+            </a:r>
+            <a:r>
+              <a:rPr lang="en-US" dirty="0"/>
+              <a:t>, </a:t>
+            </a:r>
+            <a:r>
+              <a:rPr lang="en-US" dirty="0" err="1"/>
+              <a:t>rotirea</a:t>
+            </a:r>
+            <a:r>
+              <a:rPr lang="en-US" dirty="0"/>
+              <a:t> </a:t>
+            </a:r>
+            <a:r>
+              <a:rPr lang="en-US" dirty="0" err="1"/>
+              <a:t>si</a:t>
+            </a:r>
+            <a:r>
+              <a:rPr lang="en-US" dirty="0"/>
+              <a:t> </a:t>
+            </a:r>
+            <a:r>
+              <a:rPr lang="en-US" dirty="0" err="1"/>
+              <a:t>miscarea</a:t>
+            </a:r>
+            <a:r>
+              <a:rPr lang="en-US" dirty="0"/>
+              <a:t> </a:t>
+            </a:r>
+            <a:r>
+              <a:rPr lang="en-US" dirty="0" err="1"/>
+              <a:t>texturii</a:t>
+            </a:r>
+            <a:r>
+              <a:rPr lang="en-US" dirty="0"/>
+              <a:t> </a:t>
+            </a:r>
+            <a:r>
+              <a:rPr lang="en-US" dirty="0" err="1"/>
+              <a:t>causticelor</a:t>
+            </a:r>
+            <a:r>
+              <a:rPr lang="en-US" dirty="0"/>
+              <a:t>.</a:t>
+            </a:r>
+          </a:p>
+          <a:p>
+            <a:r>
+              <a:rPr lang="en-US" dirty="0"/>
+              <a:t>Am </a:t>
+            </a:r>
+            <a:r>
+              <a:rPr lang="en-US" dirty="0" err="1"/>
+              <a:t>creat</a:t>
+            </a:r>
+            <a:r>
+              <a:rPr lang="en-US" dirty="0"/>
+              <a:t> un </a:t>
+            </a:r>
+            <a:r>
+              <a:rPr lang="en-US" dirty="0" err="1"/>
+              <a:t>nou</a:t>
+            </a:r>
+            <a:r>
+              <a:rPr lang="en-US" dirty="0"/>
+              <a:t> material pe care l-am </a:t>
+            </a:r>
+            <a:r>
+              <a:rPr lang="en-US" dirty="0" err="1"/>
+              <a:t>atribuit</a:t>
+            </a:r>
+            <a:r>
+              <a:rPr lang="en-US" dirty="0"/>
+              <a:t> shader-</a:t>
+            </a:r>
+            <a:r>
+              <a:rPr lang="en-US" dirty="0" err="1"/>
+              <a:t>ului</a:t>
+            </a:r>
+            <a:r>
+              <a:rPr lang="en-US" dirty="0"/>
+              <a:t> </a:t>
+            </a:r>
+            <a:r>
+              <a:rPr lang="en-US" dirty="0" err="1"/>
+              <a:t>creat</a:t>
+            </a:r>
+            <a:r>
+              <a:rPr lang="en-US" dirty="0"/>
+              <a:t> </a:t>
+            </a:r>
+            <a:r>
+              <a:rPr lang="en-US" dirty="0" err="1"/>
+              <a:t>si</a:t>
+            </a:r>
+            <a:r>
+              <a:rPr lang="en-US" dirty="0"/>
+              <a:t> l-am </a:t>
+            </a:r>
+            <a:r>
+              <a:rPr lang="en-US" dirty="0" err="1"/>
+              <a:t>aplicat</a:t>
+            </a:r>
+            <a:r>
+              <a:rPr lang="en-US" dirty="0"/>
+              <a:t> pe un cub.</a:t>
+            </a:r>
+          </a:p>
+          <a:p>
+            <a:pPr marL="0" indent="0">
+              <a:buNone/>
+            </a:pPr>
+            <a:endParaRPr lang="en-US" dirty="0"/>
+          </a:p>
+          <a:p>
+            <a:pPr marL="0" indent="0">
+              <a:buNone/>
+            </a:pPr>
+            <a:endParaRPr lang="en-US" dirty="0"/>
+          </a:p>
+          <a:p>
+            <a:endParaRPr lang="en-US" dirty="0"/>
+          </a:p>
+        </p:txBody>
+      </p:sp>
+    </p:spTree>
+    <p:extLst>
+      <p:ext uri="{BB962C8B-B14F-4D97-AF65-F5344CB8AC3E}">
+        <p14:creationId xmlns:p14="http://schemas.microsoft.com/office/powerpoint/2010/main" val="2904858405"/>
+      </p:ext>
+    </p:extLst>
+  </p:cSld>
+  <p:clrMapOvr>
+    <a:masterClrMapping/>
+  </p:clrMapOvr>
+</p:sld>
+</file>
+
+<file path=ppt/slides/slide16.xml><?xml version="1.0" encoding="utf-8"?>
+<p:sld xmlns:a="http://schemas.openxmlformats.org/drawingml/2006/main" xmlns:r="http://schemas.openxmlformats.org/officeDocument/2006/relationships" xmlns:p="http://schemas.openxmlformats.org/presentationml/2006/main">
+  <p:cSld>
+    <p:spTree>
+      <p:nvGrpSpPr>
+        <p:cNvPr id="1" name=""/>
+        <p:cNvGrpSpPr/>
+        <p:nvPr/>
+      </p:nvGrpSpPr>
+      <p:grpSpPr>
+        <a:xfrm>
+          <a:off x="0" y="0"/>
+          <a:ext cx="0" cy="0"/>
+          <a:chOff x="0" y="0"/>
+          <a:chExt cx="0" cy="0"/>
+        </a:xfrm>
+      </p:grpSpPr>
+      <p:sp>
+        <p:nvSpPr>
+          <p:cNvPr id="3" name="Content Placeholder 2">
+            <a:extLst>
+              <a:ext uri="{FF2B5EF4-FFF2-40B4-BE49-F238E27FC236}">
+                <a16:creationId xmlns:a16="http://schemas.microsoft.com/office/drawing/2014/main" id="{94AAE21E-24F4-416E-8B8C-95DEC0BD1461}"/>
+              </a:ext>
+            </a:extLst>
+          </p:cNvPr>
+          <p:cNvSpPr>
+            <a:spLocks noGrp="1"/>
+          </p:cNvSpPr>
+          <p:nvPr>
+            <p:ph sz="half" idx="1"/>
+          </p:nvPr>
+        </p:nvSpPr>
+        <p:spPr>
+          <a:xfrm>
+            <a:off x="685802" y="1783727"/>
+            <a:ext cx="4995334" cy="3649134"/>
+          </a:xfrm>
+        </p:spPr>
+        <p:txBody>
+          <a:bodyPr/>
+          <a:lstStyle/>
+          <a:p>
+            <a:r>
+              <a:rPr lang="en-US" dirty="0"/>
+              <a:t>Am </a:t>
+            </a:r>
+            <a:r>
+              <a:rPr lang="en-US" dirty="0" err="1"/>
+              <a:t>adaugat</a:t>
+            </a:r>
+            <a:r>
+              <a:rPr lang="en-US" dirty="0"/>
+              <a:t> </a:t>
+            </a:r>
+            <a:r>
+              <a:rPr lang="en-US" dirty="0" err="1"/>
+              <a:t>apoi</a:t>
+            </a:r>
+            <a:r>
+              <a:rPr lang="en-US" dirty="0"/>
+              <a:t> </a:t>
+            </a:r>
+            <a:r>
+              <a:rPr lang="en-US" dirty="0" err="1"/>
+              <a:t>mai</a:t>
+            </a:r>
+            <a:r>
+              <a:rPr lang="en-US" dirty="0"/>
+              <a:t> </a:t>
+            </a:r>
+            <a:r>
+              <a:rPr lang="en-US" dirty="0" err="1"/>
+              <a:t>multe</a:t>
+            </a:r>
+            <a:r>
+              <a:rPr lang="en-US" dirty="0"/>
+              <a:t> </a:t>
+            </a:r>
+            <a:r>
+              <a:rPr lang="en-US" dirty="0" err="1"/>
+              <a:t>atribute</a:t>
+            </a:r>
+            <a:r>
+              <a:rPr lang="en-US" dirty="0"/>
+              <a:t> precum brightness, distortion </a:t>
+            </a:r>
+            <a:r>
+              <a:rPr lang="en-US" dirty="0" err="1"/>
+              <a:t>si</a:t>
+            </a:r>
+            <a:r>
+              <a:rPr lang="en-US" dirty="0"/>
+              <a:t> noise.</a:t>
+            </a:r>
+          </a:p>
+          <a:p>
+            <a:r>
+              <a:rPr lang="en-US" dirty="0"/>
+              <a:t>Am </a:t>
+            </a:r>
+            <a:r>
+              <a:rPr lang="en-US" dirty="0" err="1"/>
+              <a:t>creat</a:t>
+            </a:r>
+            <a:r>
+              <a:rPr lang="en-US" dirty="0"/>
+              <a:t> o </a:t>
+            </a:r>
+            <a:r>
+              <a:rPr lang="en-US" dirty="0" err="1"/>
+              <a:t>noua</a:t>
+            </a:r>
+            <a:r>
+              <a:rPr lang="en-US" dirty="0"/>
+              <a:t> </a:t>
+            </a:r>
+            <a:r>
+              <a:rPr lang="en-US" dirty="0" err="1"/>
+              <a:t>functie</a:t>
+            </a:r>
+            <a:r>
+              <a:rPr lang="en-US" dirty="0"/>
+              <a:t> care </a:t>
+            </a:r>
+            <a:r>
+              <a:rPr lang="en-US" dirty="0" err="1"/>
+              <a:t>actualizeaza</a:t>
+            </a:r>
+            <a:r>
+              <a:rPr lang="en-US" dirty="0"/>
+              <a:t> </a:t>
+            </a:r>
+            <a:r>
+              <a:rPr lang="en-US" dirty="0" err="1"/>
+              <a:t>textura</a:t>
+            </a:r>
+            <a:r>
+              <a:rPr lang="en-US" dirty="0"/>
+              <a:t> in </a:t>
+            </a:r>
+            <a:r>
+              <a:rPr lang="en-US" dirty="0" err="1"/>
+              <a:t>functie</a:t>
+            </a:r>
+            <a:r>
+              <a:rPr lang="en-US" dirty="0"/>
+              <a:t> de lumina </a:t>
+            </a:r>
+            <a:r>
+              <a:rPr lang="en-US" dirty="0" err="1"/>
+              <a:t>si</a:t>
+            </a:r>
+            <a:r>
+              <a:rPr lang="en-US" dirty="0"/>
+              <a:t> lumina </a:t>
+            </a:r>
+            <a:r>
+              <a:rPr lang="en-US" dirty="0" err="1"/>
+              <a:t>ambientala</a:t>
+            </a:r>
+            <a:r>
+              <a:rPr lang="en-US" dirty="0"/>
+              <a:t>, </a:t>
+            </a:r>
+            <a:r>
+              <a:rPr lang="en-US" dirty="0" err="1"/>
+              <a:t>directia</a:t>
+            </a:r>
+            <a:r>
+              <a:rPr lang="en-US" dirty="0"/>
+              <a:t> </a:t>
+            </a:r>
+            <a:r>
+              <a:rPr lang="en-US" dirty="0" err="1"/>
+              <a:t>acesteia</a:t>
+            </a:r>
+            <a:r>
+              <a:rPr lang="en-US" dirty="0"/>
+              <a:t>, </a:t>
+            </a:r>
+            <a:r>
+              <a:rPr lang="en-US" dirty="0" err="1"/>
+              <a:t>distanta</a:t>
+            </a:r>
+            <a:r>
+              <a:rPr lang="en-US" dirty="0"/>
+              <a:t> de </a:t>
+            </a:r>
+            <a:r>
+              <a:rPr lang="en-US" dirty="0" err="1"/>
+              <a:t>atenuare</a:t>
+            </a:r>
+            <a:r>
+              <a:rPr lang="en-US" dirty="0"/>
+              <a:t> </a:t>
+            </a:r>
+            <a:r>
+              <a:rPr lang="en-US" dirty="0" err="1"/>
+              <a:t>si</a:t>
+            </a:r>
+            <a:r>
+              <a:rPr lang="en-US" dirty="0"/>
+              <a:t> </a:t>
+            </a:r>
+            <a:r>
+              <a:rPr lang="en-US" dirty="0" err="1"/>
+              <a:t>umbre</a:t>
+            </a:r>
+            <a:r>
+              <a:rPr lang="en-US" dirty="0"/>
+              <a:t>.</a:t>
+            </a:r>
+          </a:p>
+          <a:p>
+            <a:r>
+              <a:rPr lang="en-US" dirty="0"/>
+              <a:t>In final am </a:t>
+            </a:r>
+            <a:r>
+              <a:rPr lang="en-US" dirty="0" err="1"/>
+              <a:t>ajustat</a:t>
+            </a:r>
+            <a:r>
+              <a:rPr lang="en-US" dirty="0"/>
+              <a:t> </a:t>
+            </a:r>
+            <a:r>
+              <a:rPr lang="en-US" dirty="0" err="1"/>
+              <a:t>valorile</a:t>
+            </a:r>
+            <a:r>
+              <a:rPr lang="en-US" dirty="0"/>
+              <a:t> </a:t>
+            </a:r>
+            <a:r>
+              <a:rPr lang="en-US" dirty="0" err="1"/>
+              <a:t>parametrilor</a:t>
+            </a:r>
+            <a:r>
+              <a:rPr lang="en-US" dirty="0"/>
+              <a:t> </a:t>
+            </a:r>
+            <a:r>
+              <a:rPr lang="en-US" dirty="0" err="1"/>
+              <a:t>pentru</a:t>
+            </a:r>
+            <a:r>
+              <a:rPr lang="en-US" dirty="0"/>
+              <a:t>   a </a:t>
+            </a:r>
+            <a:r>
+              <a:rPr lang="en-US" dirty="0" err="1"/>
+              <a:t>obtine</a:t>
+            </a:r>
+            <a:r>
+              <a:rPr lang="en-US" dirty="0"/>
+              <a:t> un </a:t>
+            </a:r>
+            <a:r>
+              <a:rPr lang="en-US" dirty="0" err="1"/>
+              <a:t>efect</a:t>
+            </a:r>
+            <a:r>
+              <a:rPr lang="en-US" dirty="0"/>
+              <a:t> cat </a:t>
+            </a:r>
+            <a:r>
+              <a:rPr lang="en-US" dirty="0" err="1"/>
+              <a:t>mai</a:t>
+            </a:r>
+            <a:r>
+              <a:rPr lang="en-US" dirty="0"/>
+              <a:t> realist.</a:t>
+            </a:r>
+          </a:p>
+          <a:p>
+            <a:endParaRPr lang="en-US" dirty="0"/>
+          </a:p>
+        </p:txBody>
+      </p:sp>
+      <p:pic>
+        <p:nvPicPr>
+          <p:cNvPr id="6" name="Content Placeholder 5">
+            <a:extLst>
+              <a:ext uri="{FF2B5EF4-FFF2-40B4-BE49-F238E27FC236}">
+                <a16:creationId xmlns:a16="http://schemas.microsoft.com/office/drawing/2014/main" id="{4E02E39E-D769-4FD3-8A8A-25655393CE1D}"/>
+              </a:ext>
+            </a:extLst>
+          </p:cNvPr>
+          <p:cNvPicPr>
+            <a:picLocks noGrp="1" noChangeAspect="1"/>
+          </p:cNvPicPr>
+          <p:nvPr>
+            <p:ph sz="half" idx="2"/>
+          </p:nvPr>
+        </p:nvPicPr>
+        <p:blipFill>
+          <a:blip r:embed="rId2"/>
+          <a:stretch>
+            <a:fillRect/>
+          </a:stretch>
+        </p:blipFill>
+        <p:spPr>
+          <a:xfrm>
+            <a:off x="5453810" y="1967753"/>
+            <a:ext cx="6472498" cy="2922494"/>
+          </a:xfrm>
+        </p:spPr>
+      </p:pic>
+    </p:spTree>
+    <p:extLst>
+      <p:ext uri="{BB962C8B-B14F-4D97-AF65-F5344CB8AC3E}">
+        <p14:creationId xmlns:p14="http://schemas.microsoft.com/office/powerpoint/2010/main" val="2537291337"/>
       </p:ext>
     </p:extLst>
   </p:cSld>
@@ -8607,9 +9284,7 @@
     <p:bg>
       <p:bgPr>
         <a:blipFill>
-          <a:blip r:embed="rId3">
-            <a:extLst/>
-          </a:blip>
+          <a:blip r:embed="rId3"/>
           <a:stretch/>
         </a:blipFill>
         <a:effectLst/>

--- a/Prezentare/OceanExploration.pptx
+++ b/Prezentare/OceanExploration.pptx
@@ -241,7 +241,7 @@
           <a:p>
             <a:fld id="{866D81A9-CFC2-4640-899E-DD3E177BE50A}" type="datetimeFigureOut">
               <a:rPr lang="en-US" smtClean="0"/>
-              <a:t>4/25/2022</a:t>
+              <a:t>5/13/2022</a:t>
             </a:fld>
             <a:endParaRPr lang="en-US" dirty="0"/>
           </a:p>
@@ -418,7 +418,7 @@
           <a:p>
             <a:fld id="{AA1E50F4-C55A-473A-A70B-4B042EF011A9}" type="datetimeFigureOut">
               <a:rPr lang="en-US" smtClean="0"/>
-              <a:t>4/25/2022</a:t>
+              <a:t>5/13/2022</a:t>
             </a:fld>
             <a:endParaRPr lang="en-US" dirty="0"/>
           </a:p>
@@ -1167,7 +1167,7 @@
             <a:fld id="{87DE6118-2437-4B30-8E3C-4D2BE6020583}" type="datetimeFigureOut">
               <a:rPr lang="en-US" smtClean="0"/>
               <a:pPr/>
-              <a:t>4/25/2022</a:t>
+              <a:t>5/13/2022</a:t>
             </a:fld>
             <a:endParaRPr lang="en-US" dirty="0"/>
           </a:p>
@@ -1503,7 +1503,7 @@
             <a:fld id="{87DE6118-2437-4B30-8E3C-4D2BE6020583}" type="datetimeFigureOut">
               <a:rPr lang="en-US" smtClean="0"/>
               <a:pPr/>
-              <a:t>4/25/2022</a:t>
+              <a:t>5/13/2022</a:t>
             </a:fld>
             <a:endParaRPr lang="en-US" dirty="0"/>
           </a:p>
@@ -1783,7 +1783,7 @@
             <a:fld id="{87DE6118-2437-4B30-8E3C-4D2BE6020583}" type="datetimeFigureOut">
               <a:rPr lang="en-US" smtClean="0"/>
               <a:pPr/>
-              <a:t>4/25/2022</a:t>
+              <a:t>5/13/2022</a:t>
             </a:fld>
             <a:endParaRPr lang="en-US" dirty="0"/>
           </a:p>
@@ -2353,7 +2353,7 @@
             <a:fld id="{87DE6118-2437-4B30-8E3C-4D2BE6020583}" type="datetimeFigureOut">
               <a:rPr lang="en-US" smtClean="0"/>
               <a:pPr/>
-              <a:t>4/25/2022</a:t>
+              <a:t>5/13/2022</a:t>
             </a:fld>
             <a:endParaRPr lang="en-US" dirty="0"/>
           </a:p>
@@ -2633,7 +2633,7 @@
             <a:fld id="{87DE6118-2437-4B30-8E3C-4D2BE6020583}" type="datetimeFigureOut">
               <a:rPr lang="en-US" smtClean="0"/>
               <a:pPr/>
-              <a:t>4/25/2022</a:t>
+              <a:t>5/13/2022</a:t>
             </a:fld>
             <a:endParaRPr lang="en-US" dirty="0"/>
           </a:p>
@@ -3197,7 +3197,7 @@
             <a:fld id="{87DE6118-2437-4B30-8E3C-4D2BE6020583}" type="datetimeFigureOut">
               <a:rPr lang="en-US" smtClean="0"/>
               <a:pPr/>
-              <a:t>4/25/2022</a:t>
+              <a:t>5/13/2022</a:t>
             </a:fld>
             <a:endParaRPr lang="en-US" dirty="0"/>
           </a:p>
@@ -3526,7 +3526,7 @@
             <a:fld id="{87DE6118-2437-4B30-8E3C-4D2BE6020583}" type="datetimeFigureOut">
               <a:rPr lang="en-US" smtClean="0"/>
               <a:pPr/>
-              <a:t>4/25/2022</a:t>
+              <a:t>5/13/2022</a:t>
             </a:fld>
             <a:endParaRPr lang="en-US" dirty="0"/>
           </a:p>
@@ -3732,7 +3732,7 @@
           <a:p>
             <a:fld id="{87DE6118-2437-4B30-8E3C-4D2BE6020583}" type="datetimeFigureOut">
               <a:rPr lang="en-US" smtClean="0"/>
-              <a:t>4/25/2022</a:t>
+              <a:t>5/13/2022</a:t>
             </a:fld>
             <a:endParaRPr lang="en-US" dirty="0"/>
           </a:p>
@@ -3942,7 +3942,7 @@
           <a:p>
             <a:fld id="{87DE6118-2437-4B30-8E3C-4D2BE6020583}" type="datetimeFigureOut">
               <a:rPr lang="en-US" smtClean="0"/>
-              <a:t>4/25/2022</a:t>
+              <a:t>5/13/2022</a:t>
             </a:fld>
             <a:endParaRPr lang="en-US" dirty="0"/>
           </a:p>
@@ -4142,7 +4142,7 @@
           <a:p>
             <a:fld id="{87DE6118-2437-4B30-8E3C-4D2BE6020583}" type="datetimeFigureOut">
               <a:rPr lang="en-US" smtClean="0"/>
-              <a:t>4/25/2022</a:t>
+              <a:t>5/13/2022</a:t>
             </a:fld>
             <a:endParaRPr lang="en-US" dirty="0"/>
           </a:p>
@@ -4419,7 +4419,7 @@
             <a:fld id="{87DE6118-2437-4B30-8E3C-4D2BE6020583}" type="datetimeFigureOut">
               <a:rPr lang="en-US" smtClean="0"/>
               <a:pPr/>
-              <a:t>4/25/2022</a:t>
+              <a:t>5/13/2022</a:t>
             </a:fld>
             <a:endParaRPr lang="en-US" dirty="0"/>
           </a:p>
@@ -4686,7 +4686,7 @@
           <a:p>
             <a:fld id="{87DE6118-2437-4B30-8E3C-4D2BE6020583}" type="datetimeFigureOut">
               <a:rPr lang="en-US" smtClean="0"/>
-              <a:t>4/25/2022</a:t>
+              <a:t>5/13/2022</a:t>
             </a:fld>
             <a:endParaRPr lang="en-US" dirty="0"/>
           </a:p>
@@ -5060,7 +5060,7 @@
           <a:p>
             <a:fld id="{87DE6118-2437-4B30-8E3C-4D2BE6020583}" type="datetimeFigureOut">
               <a:rPr lang="en-US" smtClean="0"/>
-              <a:t>4/25/2022</a:t>
+              <a:t>5/13/2022</a:t>
             </a:fld>
             <a:endParaRPr lang="en-US" dirty="0"/>
           </a:p>
@@ -5208,7 +5208,7 @@
           <a:p>
             <a:fld id="{87DE6118-2437-4B30-8E3C-4D2BE6020583}" type="datetimeFigureOut">
               <a:rPr lang="en-US" smtClean="0"/>
-              <a:t>4/25/2022</a:t>
+              <a:t>5/13/2022</a:t>
             </a:fld>
             <a:endParaRPr lang="en-US" dirty="0"/>
           </a:p>
@@ -5333,7 +5333,7 @@
           <a:p>
             <a:fld id="{87DE6118-2437-4B30-8E3C-4D2BE6020583}" type="datetimeFigureOut">
               <a:rPr lang="en-US" smtClean="0"/>
-              <a:t>4/25/2022</a:t>
+              <a:t>5/13/2022</a:t>
             </a:fld>
             <a:endParaRPr lang="en-US" dirty="0"/>
           </a:p>
@@ -5619,7 +5619,7 @@
             <a:fld id="{87DE6118-2437-4B30-8E3C-4D2BE6020583}" type="datetimeFigureOut">
               <a:rPr lang="en-US" smtClean="0"/>
               <a:pPr/>
-              <a:t>4/25/2022</a:t>
+              <a:t>5/13/2022</a:t>
             </a:fld>
             <a:endParaRPr lang="en-US" dirty="0"/>
           </a:p>
@@ -5945,7 +5945,7 @@
             <a:fld id="{87DE6118-2437-4B30-8E3C-4D2BE6020583}" type="datetimeFigureOut">
               <a:rPr lang="en-US" smtClean="0"/>
               <a:pPr/>
-              <a:t>4/25/2022</a:t>
+              <a:t>5/13/2022</a:t>
             </a:fld>
             <a:endParaRPr lang="en-US" dirty="0"/>
           </a:p>
@@ -6161,7 +6161,7 @@
             <a:fld id="{87DE6118-2437-4B30-8E3C-4D2BE6020583}" type="datetimeFigureOut">
               <a:rPr lang="en-US" smtClean="0"/>
               <a:pPr/>
-              <a:t>4/25/2022</a:t>
+              <a:t>5/13/2022</a:t>
             </a:fld>
             <a:endParaRPr lang="en-US" dirty="0"/>
           </a:p>
@@ -19670,8 +19670,8 @@
           </a:p>
         </p:txBody>
       </p:sp>
-      <mc:AlternateContent xmlns:mc="http://schemas.openxmlformats.org/markup-compatibility/2006" xmlns:a14="http://schemas.microsoft.com/office/drawing/2010/main">
-        <mc:Choice Requires="a14">
+      <mc:AlternateContent xmlns:mc="http://schemas.openxmlformats.org/markup-compatibility/2006">
+        <mc:Choice xmlns:a14="http://schemas.microsoft.com/office/drawing/2010/main" Requires="a14">
           <p:sp>
             <p:nvSpPr>
               <p:cNvPr id="3" name="Content Placeholder 2">
@@ -19794,7 +19794,7 @@
                 </a:r>
                 <a:r>
                   <a:rPr lang="ro-RO" dirty="0"/>
-                  <a:t> cat mai mult planta si pentru a prevenii ca toata </a:t>
+                  <a:t> cat mai mult planta si pentru a preveni ca toata </a:t>
                 </a:r>
                 <a:r>
                   <a:rPr lang="ro-RO" dirty="0" err="1"/>
@@ -19821,6 +19821,14 @@
                 <a:r>
                   <a:rPr lang="ro-RO" dirty="0" err="1"/>
                   <a:t>branchuri</a:t>
+                </a:r>
+                <a:r>
+                  <a:rPr lang="en-US" dirty="0"/>
+                  <a:t> </a:t>
+                </a:r>
+                <a:r>
+                  <a:rPr lang="en-US" dirty="0" err="1"/>
+                  <a:t>noi</a:t>
                 </a:r>
                 <a:r>
                   <a:rPr lang="ro-RO" dirty="0"/>
@@ -20003,7 +20011,7 @@
             </p:txBody>
           </p:sp>
         </mc:Choice>
-        <mc:Fallback xmlns="">
+        <mc:Fallback>
           <p:sp>
             <p:nvSpPr>
               <p:cNvPr id="3" name="Content Placeholder 2">
@@ -22620,12 +22628,12 @@
 </file>
 
 <file path=customXml/item1.xml><?xml version="1.0" encoding="utf-8"?>
-<?mso-contentType ?>
-<FormTemplates xmlns="http://schemas.microsoft.com/sharepoint/v3/contenttype/forms">
-  <Display>DocumentLibraryForm</Display>
-  <Edit>DocumentLibraryForm</Edit>
-  <New>DocumentLibraryForm</New>
-</FormTemplates>
+<p:properties xmlns:p="http://schemas.microsoft.com/office/2006/metadata/properties" xmlns:xsi="http://www.w3.org/2001/XMLSchema-instance" xmlns:pc="http://schemas.microsoft.com/office/infopath/2007/PartnerControls">
+  <documentManagement>
+    <MediaServiceKeyPoints xmlns="71af3243-3dd4-4a8d-8c0d-dd76da1f02a5" xsi:nil="true"/>
+    <Status xmlns="71af3243-3dd4-4a8d-8c0d-dd76da1f02a5">Not started</Status>
+  </documentManagement>
+</p:properties>
 </file>
 
 <file path=customXml/item2.xml><?xml version="1.0" encoding="utf-8"?>
@@ -22850,18 +22858,27 @@
 </file>
 
 <file path=customXml/item3.xml><?xml version="1.0" encoding="utf-8"?>
-<p:properties xmlns:p="http://schemas.microsoft.com/office/2006/metadata/properties" xmlns:xsi="http://www.w3.org/2001/XMLSchema-instance" xmlns:pc="http://schemas.microsoft.com/office/infopath/2007/PartnerControls">
-  <documentManagement>
-    <MediaServiceKeyPoints xmlns="71af3243-3dd4-4a8d-8c0d-dd76da1f02a5" xsi:nil="true"/>
-    <Status xmlns="71af3243-3dd4-4a8d-8c0d-dd76da1f02a5">Not started</Status>
-  </documentManagement>
-</p:properties>
+<?mso-contentType ?>
+<FormTemplates xmlns="http://schemas.microsoft.com/sharepoint/v3/contenttype/forms">
+  <Display>DocumentLibraryForm</Display>
+  <Edit>DocumentLibraryForm</Edit>
+  <New>DocumentLibraryForm</New>
+</FormTemplates>
 </file>
 
 <file path=customXml/itemProps1.xml><?xml version="1.0" encoding="utf-8"?>
-<ds:datastoreItem xmlns:ds="http://schemas.openxmlformats.org/officeDocument/2006/customXml" ds:itemID="{CE12C2FA-3740-4055-BA8A-74A1458F4A51}">
+<ds:datastoreItem xmlns:ds="http://schemas.openxmlformats.org/officeDocument/2006/customXml" ds:itemID="{4415B3C4-7FB6-414C-8C24-8862C0E6C9F3}">
   <ds:schemaRefs>
-    <ds:schemaRef ds:uri="http://schemas.microsoft.com/sharepoint/v3/contenttype/forms"/>
+    <ds:schemaRef ds:uri="http://www.w3.org/XML/1998/namespace"/>
+    <ds:schemaRef ds:uri="http://purl.org/dc/elements/1.1/"/>
+    <ds:schemaRef ds:uri="http://schemas.microsoft.com/office/infopath/2007/PartnerControls"/>
+    <ds:schemaRef ds:uri="http://purl.org/dc/dcmitype/"/>
+    <ds:schemaRef ds:uri="16c05727-aa75-4e4a-9b5f-8a80a1165891"/>
+    <ds:schemaRef ds:uri="http://schemas.microsoft.com/office/2006/documentManagement/types"/>
+    <ds:schemaRef ds:uri="71af3243-3dd4-4a8d-8c0d-dd76da1f02a5"/>
+    <ds:schemaRef ds:uri="http://schemas.openxmlformats.org/package/2006/metadata/core-properties"/>
+    <ds:schemaRef ds:uri="http://schemas.microsoft.com/office/2006/metadata/properties"/>
+    <ds:schemaRef ds:uri="http://purl.org/dc/terms/"/>
   </ds:schemaRefs>
 </ds:datastoreItem>
 </file>
@@ -22886,18 +22903,9 @@
 </file>
 
 <file path=customXml/itemProps3.xml><?xml version="1.0" encoding="utf-8"?>
-<ds:datastoreItem xmlns:ds="http://schemas.openxmlformats.org/officeDocument/2006/customXml" ds:itemID="{4415B3C4-7FB6-414C-8C24-8862C0E6C9F3}">
+<ds:datastoreItem xmlns:ds="http://schemas.openxmlformats.org/officeDocument/2006/customXml" ds:itemID="{CE12C2FA-3740-4055-BA8A-74A1458F4A51}">
   <ds:schemaRefs>
-    <ds:schemaRef ds:uri="http://www.w3.org/XML/1998/namespace"/>
-    <ds:schemaRef ds:uri="http://purl.org/dc/elements/1.1/"/>
-    <ds:schemaRef ds:uri="http://schemas.microsoft.com/office/infopath/2007/PartnerControls"/>
-    <ds:schemaRef ds:uri="http://purl.org/dc/dcmitype/"/>
-    <ds:schemaRef ds:uri="16c05727-aa75-4e4a-9b5f-8a80a1165891"/>
-    <ds:schemaRef ds:uri="http://schemas.microsoft.com/office/2006/documentManagement/types"/>
-    <ds:schemaRef ds:uri="71af3243-3dd4-4a8d-8c0d-dd76da1f02a5"/>
-    <ds:schemaRef ds:uri="http://schemas.openxmlformats.org/package/2006/metadata/core-properties"/>
-    <ds:schemaRef ds:uri="http://schemas.microsoft.com/office/2006/metadata/properties"/>
-    <ds:schemaRef ds:uri="http://purl.org/dc/terms/"/>
+    <ds:schemaRef ds:uri="http://schemas.microsoft.com/sharepoint/v3/contenttype/forms"/>
   </ds:schemaRefs>
 </ds:datastoreItem>
 </file>